--- a/Presentation/Presentation.pptx
+++ b/Presentation/Presentation.pptx
@@ -5,39 +5,42 @@
     <p:sldMasterId id="2147483658" r:id="rId1"/>
   </p:sldMasterIdLst>
   <p:notesMasterIdLst>
-    <p:notesMasterId r:id="rId16"/>
+    <p:notesMasterId r:id="rId19"/>
   </p:notesMasterIdLst>
   <p:sldIdLst>
     <p:sldId id="256" r:id="rId2"/>
     <p:sldId id="257" r:id="rId3"/>
     <p:sldId id="258" r:id="rId4"/>
     <p:sldId id="259" r:id="rId5"/>
-    <p:sldId id="260" r:id="rId6"/>
-    <p:sldId id="261" r:id="rId7"/>
-    <p:sldId id="262" r:id="rId8"/>
-    <p:sldId id="263" r:id="rId9"/>
-    <p:sldId id="264" r:id="rId10"/>
-    <p:sldId id="265" r:id="rId11"/>
-    <p:sldId id="266" r:id="rId12"/>
-    <p:sldId id="267" r:id="rId13"/>
-    <p:sldId id="268" r:id="rId14"/>
-    <p:sldId id="269" r:id="rId15"/>
+    <p:sldId id="274" r:id="rId6"/>
+    <p:sldId id="273" r:id="rId7"/>
+    <p:sldId id="271" r:id="rId8"/>
+    <p:sldId id="270" r:id="rId9"/>
+    <p:sldId id="261" r:id="rId10"/>
+    <p:sldId id="262" r:id="rId11"/>
+    <p:sldId id="263" r:id="rId12"/>
+    <p:sldId id="264" r:id="rId13"/>
+    <p:sldId id="265" r:id="rId14"/>
+    <p:sldId id="266" r:id="rId15"/>
+    <p:sldId id="267" r:id="rId16"/>
+    <p:sldId id="268" r:id="rId17"/>
+    <p:sldId id="269" r:id="rId18"/>
   </p:sldIdLst>
   <p:sldSz cx="9144000" cy="5143500" type="screen16x9"/>
   <p:notesSz cx="6858000" cy="9144000"/>
   <p:embeddedFontLst>
-    <p:embeddedFont>
-      <p:font typeface="Quattrocento Sans" charset="0"/>
-      <p:bold r:id="rId17"/>
-      <p:italic r:id="rId18"/>
-      <p:boldItalic r:id="rId19"/>
-    </p:embeddedFont>
     <p:embeddedFont>
       <p:font typeface="Lora" charset="0"/>
       <p:regular r:id="rId20"/>
       <p:bold r:id="rId21"/>
       <p:italic r:id="rId22"/>
       <p:boldItalic r:id="rId23"/>
+    </p:embeddedFont>
+    <p:embeddedFont>
+      <p:font typeface="Quattrocento Sans" charset="0"/>
+      <p:bold r:id="rId24"/>
+      <p:italic r:id="rId25"/>
+      <p:boldItalic r:id="rId26"/>
     </p:embeddedFont>
   </p:embeddedFontLst>
   <p:defaultTextStyle>
@@ -613,6 +616,107 @@
   <p:cSld>
     <p:spTree>
       <p:nvGrpSpPr>
+        <p:cNvPr id="1" name="Shape 107"/>
+        <p:cNvGrpSpPr/>
+        <p:nvPr/>
+      </p:nvGrpSpPr>
+      <p:grpSpPr>
+        <a:xfrm>
+          <a:off x="0" y="0"/>
+          <a:ext cx="0" cy="0"/>
+          <a:chOff x="0" y="0"/>
+          <a:chExt cx="0" cy="0"/>
+        </a:xfrm>
+      </p:grpSpPr>
+      <p:sp>
+        <p:nvSpPr>
+          <p:cNvPr id="108" name="Shape 108"/>
+          <p:cNvSpPr>
+            <a:spLocks noGrp="1" noRot="1" noChangeAspect="1"/>
+          </p:cNvSpPr>
+          <p:nvPr>
+            <p:ph type="sldImg" idx="2"/>
+          </p:nvPr>
+        </p:nvSpPr>
+        <p:spPr>
+          <a:xfrm>
+            <a:off x="381000" y="685800"/>
+            <a:ext cx="6096000" cy="3429000"/>
+          </a:xfrm>
+          <a:custGeom>
+            <a:avLst/>
+            <a:gdLst/>
+            <a:ahLst/>
+            <a:cxnLst/>
+            <a:rect l="0" t="0" r="0" b="0"/>
+            <a:pathLst>
+              <a:path w="120000" h="120000" extrusionOk="0">
+                <a:moveTo>
+                  <a:pt x="0" y="0"/>
+                </a:moveTo>
+                <a:lnTo>
+                  <a:pt x="120000" y="0"/>
+                </a:lnTo>
+                <a:lnTo>
+                  <a:pt x="120000" y="120000"/>
+                </a:lnTo>
+                <a:lnTo>
+                  <a:pt x="0" y="120000"/>
+                </a:lnTo>
+                <a:close/>
+              </a:path>
+            </a:pathLst>
+          </a:custGeom>
+        </p:spPr>
+      </p:sp>
+      <p:sp>
+        <p:nvSpPr>
+          <p:cNvPr id="109" name="Shape 109"/>
+          <p:cNvSpPr txBox="1">
+            <a:spLocks noGrp="1"/>
+          </p:cNvSpPr>
+          <p:nvPr>
+            <p:ph type="body" idx="1"/>
+          </p:nvPr>
+        </p:nvSpPr>
+        <p:spPr>
+          <a:xfrm>
+            <a:off x="685800" y="4343400"/>
+            <a:ext cx="5486399" cy="4114800"/>
+          </a:xfrm>
+          <a:prstGeom prst="rect">
+            <a:avLst/>
+          </a:prstGeom>
+        </p:spPr>
+        <p:txBody>
+          <a:bodyPr lIns="91425" tIns="91425" rIns="91425" bIns="91425" anchor="t" anchorCtr="0">
+            <a:noAutofit/>
+          </a:bodyPr>
+          <a:lstStyle/>
+          <a:p>
+            <a:pPr lvl="0">
+              <a:spcBef>
+                <a:spcPts val="0"/>
+              </a:spcBef>
+              <a:buNone/>
+            </a:pPr>
+            <a:endParaRPr/>
+          </a:p>
+        </p:txBody>
+      </p:sp>
+    </p:spTree>
+  </p:cSld>
+  <p:clrMapOvr>
+    <a:masterClrMapping/>
+  </p:clrMapOvr>
+</p:notes>
+</file>
+
+<file path=ppt/notesSlides/notesSlide11.xml><?xml version="1.0" encoding="utf-8"?>
+<p:notes xmlns:a="http://schemas.openxmlformats.org/drawingml/2006/main" xmlns:r="http://schemas.openxmlformats.org/officeDocument/2006/relationships" xmlns:p="http://schemas.openxmlformats.org/presentationml/2006/main" showMasterSp="0" showMasterPhAnim="0">
+  <p:cSld>
+    <p:spTree>
+      <p:nvGrpSpPr>
         <p:cNvPr id="1" name="Shape 95"/>
         <p:cNvGrpSpPr/>
         <p:nvPr/>
@@ -709,7 +813,7 @@
 </p:notes>
 </file>
 
-<file path=ppt/notesSlides/notesSlide11.xml><?xml version="1.0" encoding="utf-8"?>
+<file path=ppt/notesSlides/notesSlide12.xml><?xml version="1.0" encoding="utf-8"?>
 <p:notes xmlns:a="http://schemas.openxmlformats.org/drawingml/2006/main" xmlns:r="http://schemas.openxmlformats.org/officeDocument/2006/relationships" xmlns:p="http://schemas.openxmlformats.org/presentationml/2006/main" showMasterSp="0" showMasterPhAnim="0">
   <p:cSld>
     <p:spTree>
@@ -810,7 +914,7 @@
 </p:notes>
 </file>
 
-<file path=ppt/notesSlides/notesSlide12.xml><?xml version="1.0" encoding="utf-8"?>
+<file path=ppt/notesSlides/notesSlide13.xml><?xml version="1.0" encoding="utf-8"?>
 <p:notes xmlns:a="http://schemas.openxmlformats.org/drawingml/2006/main" xmlns:r="http://schemas.openxmlformats.org/officeDocument/2006/relationships" xmlns:p="http://schemas.openxmlformats.org/presentationml/2006/main" showMasterSp="0" showMasterPhAnim="0">
   <p:cSld>
     <p:spTree>
@@ -911,7 +1015,7 @@
 </p:notes>
 </file>
 
-<file path=ppt/notesSlides/notesSlide13.xml><?xml version="1.0" encoding="utf-8"?>
+<file path=ppt/notesSlides/notesSlide14.xml><?xml version="1.0" encoding="utf-8"?>
 <p:notes xmlns:a="http://schemas.openxmlformats.org/drawingml/2006/main" xmlns:r="http://schemas.openxmlformats.org/officeDocument/2006/relationships" xmlns:p="http://schemas.openxmlformats.org/presentationml/2006/main" showMasterSp="0" showMasterPhAnim="0">
   <p:cSld>
     <p:spTree>
@@ -1012,7 +1116,209 @@
 </p:notes>
 </file>
 
-<file path=ppt/notesSlides/notesSlide14.xml><?xml version="1.0" encoding="utf-8"?>
+<file path=ppt/notesSlides/notesSlide15.xml><?xml version="1.0" encoding="utf-8"?>
+<p:notes xmlns:a="http://schemas.openxmlformats.org/drawingml/2006/main" xmlns:r="http://schemas.openxmlformats.org/officeDocument/2006/relationships" xmlns:p="http://schemas.openxmlformats.org/presentationml/2006/main" showMasterSp="0" showMasterPhAnim="0">
+  <p:cSld>
+    <p:spTree>
+      <p:nvGrpSpPr>
+        <p:cNvPr id="1" name="Shape 95"/>
+        <p:cNvGrpSpPr/>
+        <p:nvPr/>
+      </p:nvGrpSpPr>
+      <p:grpSpPr>
+        <a:xfrm>
+          <a:off x="0" y="0"/>
+          <a:ext cx="0" cy="0"/>
+          <a:chOff x="0" y="0"/>
+          <a:chExt cx="0" cy="0"/>
+        </a:xfrm>
+      </p:grpSpPr>
+      <p:sp>
+        <p:nvSpPr>
+          <p:cNvPr id="96" name="Shape 96"/>
+          <p:cNvSpPr>
+            <a:spLocks noGrp="1" noRot="1" noChangeAspect="1"/>
+          </p:cNvSpPr>
+          <p:nvPr>
+            <p:ph type="sldImg" idx="2"/>
+          </p:nvPr>
+        </p:nvSpPr>
+        <p:spPr>
+          <a:xfrm>
+            <a:off x="381000" y="685800"/>
+            <a:ext cx="6096000" cy="3429000"/>
+          </a:xfrm>
+          <a:custGeom>
+            <a:avLst/>
+            <a:gdLst/>
+            <a:ahLst/>
+            <a:cxnLst/>
+            <a:rect l="0" t="0" r="0" b="0"/>
+            <a:pathLst>
+              <a:path w="120000" h="120000" extrusionOk="0">
+                <a:moveTo>
+                  <a:pt x="0" y="0"/>
+                </a:moveTo>
+                <a:lnTo>
+                  <a:pt x="120000" y="0"/>
+                </a:lnTo>
+                <a:lnTo>
+                  <a:pt x="120000" y="120000"/>
+                </a:lnTo>
+                <a:lnTo>
+                  <a:pt x="0" y="120000"/>
+                </a:lnTo>
+                <a:close/>
+              </a:path>
+            </a:pathLst>
+          </a:custGeom>
+        </p:spPr>
+      </p:sp>
+      <p:sp>
+        <p:nvSpPr>
+          <p:cNvPr id="97" name="Shape 97"/>
+          <p:cNvSpPr txBox="1">
+            <a:spLocks noGrp="1"/>
+          </p:cNvSpPr>
+          <p:nvPr>
+            <p:ph type="body" idx="1"/>
+          </p:nvPr>
+        </p:nvSpPr>
+        <p:spPr>
+          <a:xfrm>
+            <a:off x="685800" y="4343400"/>
+            <a:ext cx="5486399" cy="4114800"/>
+          </a:xfrm>
+          <a:prstGeom prst="rect">
+            <a:avLst/>
+          </a:prstGeom>
+        </p:spPr>
+        <p:txBody>
+          <a:bodyPr lIns="91425" tIns="91425" rIns="91425" bIns="91425" anchor="t" anchorCtr="0">
+            <a:noAutofit/>
+          </a:bodyPr>
+          <a:lstStyle/>
+          <a:p>
+            <a:pPr lvl="0">
+              <a:spcBef>
+                <a:spcPts val="0"/>
+              </a:spcBef>
+              <a:buNone/>
+            </a:pPr>
+            <a:endParaRPr/>
+          </a:p>
+        </p:txBody>
+      </p:sp>
+    </p:spTree>
+  </p:cSld>
+  <p:clrMapOvr>
+    <a:masterClrMapping/>
+  </p:clrMapOvr>
+</p:notes>
+</file>
+
+<file path=ppt/notesSlides/notesSlide16.xml><?xml version="1.0" encoding="utf-8"?>
+<p:notes xmlns:a="http://schemas.openxmlformats.org/drawingml/2006/main" xmlns:r="http://schemas.openxmlformats.org/officeDocument/2006/relationships" xmlns:p="http://schemas.openxmlformats.org/presentationml/2006/main" showMasterSp="0" showMasterPhAnim="0">
+  <p:cSld>
+    <p:spTree>
+      <p:nvGrpSpPr>
+        <p:cNvPr id="1" name="Shape 107"/>
+        <p:cNvGrpSpPr/>
+        <p:nvPr/>
+      </p:nvGrpSpPr>
+      <p:grpSpPr>
+        <a:xfrm>
+          <a:off x="0" y="0"/>
+          <a:ext cx="0" cy="0"/>
+          <a:chOff x="0" y="0"/>
+          <a:chExt cx="0" cy="0"/>
+        </a:xfrm>
+      </p:grpSpPr>
+      <p:sp>
+        <p:nvSpPr>
+          <p:cNvPr id="108" name="Shape 108"/>
+          <p:cNvSpPr>
+            <a:spLocks noGrp="1" noRot="1" noChangeAspect="1"/>
+          </p:cNvSpPr>
+          <p:nvPr>
+            <p:ph type="sldImg" idx="2"/>
+          </p:nvPr>
+        </p:nvSpPr>
+        <p:spPr>
+          <a:xfrm>
+            <a:off x="381000" y="685800"/>
+            <a:ext cx="6096000" cy="3429000"/>
+          </a:xfrm>
+          <a:custGeom>
+            <a:avLst/>
+            <a:gdLst/>
+            <a:ahLst/>
+            <a:cxnLst/>
+            <a:rect l="0" t="0" r="0" b="0"/>
+            <a:pathLst>
+              <a:path w="120000" h="120000" extrusionOk="0">
+                <a:moveTo>
+                  <a:pt x="0" y="0"/>
+                </a:moveTo>
+                <a:lnTo>
+                  <a:pt x="120000" y="0"/>
+                </a:lnTo>
+                <a:lnTo>
+                  <a:pt x="120000" y="120000"/>
+                </a:lnTo>
+                <a:lnTo>
+                  <a:pt x="0" y="120000"/>
+                </a:lnTo>
+                <a:close/>
+              </a:path>
+            </a:pathLst>
+          </a:custGeom>
+        </p:spPr>
+      </p:sp>
+      <p:sp>
+        <p:nvSpPr>
+          <p:cNvPr id="109" name="Shape 109"/>
+          <p:cNvSpPr txBox="1">
+            <a:spLocks noGrp="1"/>
+          </p:cNvSpPr>
+          <p:nvPr>
+            <p:ph type="body" idx="1"/>
+          </p:nvPr>
+        </p:nvSpPr>
+        <p:spPr>
+          <a:xfrm>
+            <a:off x="685800" y="4343400"/>
+            <a:ext cx="5486399" cy="4114800"/>
+          </a:xfrm>
+          <a:prstGeom prst="rect">
+            <a:avLst/>
+          </a:prstGeom>
+        </p:spPr>
+        <p:txBody>
+          <a:bodyPr lIns="91425" tIns="91425" rIns="91425" bIns="91425" anchor="t" anchorCtr="0">
+            <a:noAutofit/>
+          </a:bodyPr>
+          <a:lstStyle/>
+          <a:p>
+            <a:pPr lvl="0">
+              <a:spcBef>
+                <a:spcPts val="0"/>
+              </a:spcBef>
+              <a:buNone/>
+            </a:pPr>
+            <a:endParaRPr/>
+          </a:p>
+        </p:txBody>
+      </p:sp>
+    </p:spTree>
+  </p:cSld>
+  <p:clrMapOvr>
+    <a:masterClrMapping/>
+  </p:clrMapOvr>
+</p:notes>
+</file>
+
+<file path=ppt/notesSlides/notesSlide17.xml><?xml version="1.0" encoding="utf-8"?>
 <p:notes xmlns:a="http://schemas.openxmlformats.org/drawingml/2006/main" xmlns:r="http://schemas.openxmlformats.org/officeDocument/2006/relationships" xmlns:p="http://schemas.openxmlformats.org/presentationml/2006/main" showMasterSp="0" showMasterPhAnim="0">
   <p:cSld>
     <p:spTree>
@@ -1522,7 +1828,7 @@
   <p:cSld>
     <p:spTree>
       <p:nvGrpSpPr>
-        <p:cNvPr id="1" name="Shape 95"/>
+        <p:cNvPr id="1" name="Shape 107"/>
         <p:cNvGrpSpPr/>
         <p:nvPr/>
       </p:nvGrpSpPr>
@@ -1536,7 +1842,7 @@
       </p:grpSpPr>
       <p:sp>
         <p:nvSpPr>
-          <p:cNvPr id="96" name="Shape 96"/>
+          <p:cNvPr id="108" name="Shape 108"/>
           <p:cNvSpPr>
             <a:spLocks noGrp="1" noRot="1" noChangeAspect="1"/>
           </p:cNvSpPr>
@@ -1577,7 +1883,7 @@
       </p:sp>
       <p:sp>
         <p:nvSpPr>
-          <p:cNvPr id="97" name="Shape 97"/>
+          <p:cNvPr id="109" name="Shape 109"/>
           <p:cNvSpPr txBox="1">
             <a:spLocks noGrp="1"/>
           </p:cNvSpPr>
@@ -1724,6 +2030,107 @@
   <p:cSld>
     <p:spTree>
       <p:nvGrpSpPr>
+        <p:cNvPr id="1" name="Shape 107"/>
+        <p:cNvGrpSpPr/>
+        <p:nvPr/>
+      </p:nvGrpSpPr>
+      <p:grpSpPr>
+        <a:xfrm>
+          <a:off x="0" y="0"/>
+          <a:ext cx="0" cy="0"/>
+          <a:chOff x="0" y="0"/>
+          <a:chExt cx="0" cy="0"/>
+        </a:xfrm>
+      </p:grpSpPr>
+      <p:sp>
+        <p:nvSpPr>
+          <p:cNvPr id="108" name="Shape 108"/>
+          <p:cNvSpPr>
+            <a:spLocks noGrp="1" noRot="1" noChangeAspect="1"/>
+          </p:cNvSpPr>
+          <p:nvPr>
+            <p:ph type="sldImg" idx="2"/>
+          </p:nvPr>
+        </p:nvSpPr>
+        <p:spPr>
+          <a:xfrm>
+            <a:off x="381000" y="685800"/>
+            <a:ext cx="6096000" cy="3429000"/>
+          </a:xfrm>
+          <a:custGeom>
+            <a:avLst/>
+            <a:gdLst/>
+            <a:ahLst/>
+            <a:cxnLst/>
+            <a:rect l="0" t="0" r="0" b="0"/>
+            <a:pathLst>
+              <a:path w="120000" h="120000" extrusionOk="0">
+                <a:moveTo>
+                  <a:pt x="0" y="0"/>
+                </a:moveTo>
+                <a:lnTo>
+                  <a:pt x="120000" y="0"/>
+                </a:lnTo>
+                <a:lnTo>
+                  <a:pt x="120000" y="120000"/>
+                </a:lnTo>
+                <a:lnTo>
+                  <a:pt x="0" y="120000"/>
+                </a:lnTo>
+                <a:close/>
+              </a:path>
+            </a:pathLst>
+          </a:custGeom>
+        </p:spPr>
+      </p:sp>
+      <p:sp>
+        <p:nvSpPr>
+          <p:cNvPr id="109" name="Shape 109"/>
+          <p:cNvSpPr txBox="1">
+            <a:spLocks noGrp="1"/>
+          </p:cNvSpPr>
+          <p:nvPr>
+            <p:ph type="body" idx="1"/>
+          </p:nvPr>
+        </p:nvSpPr>
+        <p:spPr>
+          <a:xfrm>
+            <a:off x="685800" y="4343400"/>
+            <a:ext cx="5486399" cy="4114800"/>
+          </a:xfrm>
+          <a:prstGeom prst="rect">
+            <a:avLst/>
+          </a:prstGeom>
+        </p:spPr>
+        <p:txBody>
+          <a:bodyPr lIns="91425" tIns="91425" rIns="91425" bIns="91425" anchor="t" anchorCtr="0">
+            <a:noAutofit/>
+          </a:bodyPr>
+          <a:lstStyle/>
+          <a:p>
+            <a:pPr lvl="0">
+              <a:spcBef>
+                <a:spcPts val="0"/>
+              </a:spcBef>
+              <a:buNone/>
+            </a:pPr>
+            <a:endParaRPr/>
+          </a:p>
+        </p:txBody>
+      </p:sp>
+    </p:spTree>
+  </p:cSld>
+  <p:clrMapOvr>
+    <a:masterClrMapping/>
+  </p:clrMapOvr>
+</p:notes>
+</file>
+
+<file path=ppt/notesSlides/notesSlide9.xml><?xml version="1.0" encoding="utf-8"?>
+<p:notes xmlns:a="http://schemas.openxmlformats.org/drawingml/2006/main" xmlns:r="http://schemas.openxmlformats.org/officeDocument/2006/relationships" xmlns:p="http://schemas.openxmlformats.org/presentationml/2006/main" showMasterSp="0" showMasterPhAnim="0">
+  <p:cSld>
+    <p:spTree>
+      <p:nvGrpSpPr>
         <p:cNvPr id="1" name="Shape 95"/>
         <p:cNvGrpSpPr/>
         <p:nvPr/>
@@ -1780,107 +2187,6 @@
       <p:sp>
         <p:nvSpPr>
           <p:cNvPr id="97" name="Shape 97"/>
-          <p:cNvSpPr txBox="1">
-            <a:spLocks noGrp="1"/>
-          </p:cNvSpPr>
-          <p:nvPr>
-            <p:ph type="body" idx="1"/>
-          </p:nvPr>
-        </p:nvSpPr>
-        <p:spPr>
-          <a:xfrm>
-            <a:off x="685800" y="4343400"/>
-            <a:ext cx="5486399" cy="4114800"/>
-          </a:xfrm>
-          <a:prstGeom prst="rect">
-            <a:avLst/>
-          </a:prstGeom>
-        </p:spPr>
-        <p:txBody>
-          <a:bodyPr lIns="91425" tIns="91425" rIns="91425" bIns="91425" anchor="t" anchorCtr="0">
-            <a:noAutofit/>
-          </a:bodyPr>
-          <a:lstStyle/>
-          <a:p>
-            <a:pPr lvl="0">
-              <a:spcBef>
-                <a:spcPts val="0"/>
-              </a:spcBef>
-              <a:buNone/>
-            </a:pPr>
-            <a:endParaRPr/>
-          </a:p>
-        </p:txBody>
-      </p:sp>
-    </p:spTree>
-  </p:cSld>
-  <p:clrMapOvr>
-    <a:masterClrMapping/>
-  </p:clrMapOvr>
-</p:notes>
-</file>
-
-<file path=ppt/notesSlides/notesSlide9.xml><?xml version="1.0" encoding="utf-8"?>
-<p:notes xmlns:a="http://schemas.openxmlformats.org/drawingml/2006/main" xmlns:r="http://schemas.openxmlformats.org/officeDocument/2006/relationships" xmlns:p="http://schemas.openxmlformats.org/presentationml/2006/main" showMasterSp="0" showMasterPhAnim="0">
-  <p:cSld>
-    <p:spTree>
-      <p:nvGrpSpPr>
-        <p:cNvPr id="1" name="Shape 107"/>
-        <p:cNvGrpSpPr/>
-        <p:nvPr/>
-      </p:nvGrpSpPr>
-      <p:grpSpPr>
-        <a:xfrm>
-          <a:off x="0" y="0"/>
-          <a:ext cx="0" cy="0"/>
-          <a:chOff x="0" y="0"/>
-          <a:chExt cx="0" cy="0"/>
-        </a:xfrm>
-      </p:grpSpPr>
-      <p:sp>
-        <p:nvSpPr>
-          <p:cNvPr id="108" name="Shape 108"/>
-          <p:cNvSpPr>
-            <a:spLocks noGrp="1" noRot="1" noChangeAspect="1"/>
-          </p:cNvSpPr>
-          <p:nvPr>
-            <p:ph type="sldImg" idx="2"/>
-          </p:nvPr>
-        </p:nvSpPr>
-        <p:spPr>
-          <a:xfrm>
-            <a:off x="381000" y="685800"/>
-            <a:ext cx="6096000" cy="3429000"/>
-          </a:xfrm>
-          <a:custGeom>
-            <a:avLst/>
-            <a:gdLst/>
-            <a:ahLst/>
-            <a:cxnLst/>
-            <a:rect l="0" t="0" r="0" b="0"/>
-            <a:pathLst>
-              <a:path w="120000" h="120000" extrusionOk="0">
-                <a:moveTo>
-                  <a:pt x="0" y="0"/>
-                </a:moveTo>
-                <a:lnTo>
-                  <a:pt x="120000" y="0"/>
-                </a:lnTo>
-                <a:lnTo>
-                  <a:pt x="120000" y="120000"/>
-                </a:lnTo>
-                <a:lnTo>
-                  <a:pt x="0" y="120000"/>
-                </a:lnTo>
-                <a:close/>
-              </a:path>
-            </a:pathLst>
-          </a:custGeom>
-        </p:spPr>
-      </p:sp>
-      <p:sp>
-        <p:nvSpPr>
-          <p:cNvPr id="109" name="Shape 109"/>
           <p:cNvSpPr txBox="1">
             <a:spLocks noGrp="1"/>
           </p:cNvSpPr>
@@ -4646,11 +4952,11 @@
   <p:clrMapOvr>
     <a:masterClrMapping/>
   </p:clrMapOvr>
-  <mc:AlternateContent xmlns:mc="http://schemas.openxmlformats.org/markup-compatibility/2006">
-    <mc:Choice xmlns:p14="http://schemas.microsoft.com/office/powerpoint/2010/main" Requires="p14">
+  <mc:AlternateContent xmlns:mc="http://schemas.openxmlformats.org/markup-compatibility/2006" xmlns:p14="http://schemas.microsoft.com/office/powerpoint/2010/main">
+    <mc:Choice Requires="p14">
       <p:transition p14:dur="0"/>
     </mc:Choice>
-    <mc:Fallback>
+    <mc:Fallback xmlns="">
       <p:transition/>
     </mc:Fallback>
   </mc:AlternateContent>
@@ -4665,6 +4971,1621 @@
 </file>
 
 <file path=ppt/slides/slide10.xml><?xml version="1.0" encoding="utf-8"?>
+<p:sld xmlns:a="http://schemas.openxmlformats.org/drawingml/2006/main" xmlns:r="http://schemas.openxmlformats.org/officeDocument/2006/relationships" xmlns:p="http://schemas.openxmlformats.org/presentationml/2006/main">
+  <p:cSld>
+    <p:spTree>
+      <p:nvGrpSpPr>
+        <p:cNvPr id="1" name="Shape 110"/>
+        <p:cNvGrpSpPr/>
+        <p:nvPr/>
+      </p:nvGrpSpPr>
+      <p:grpSpPr>
+        <a:xfrm>
+          <a:off x="0" y="0"/>
+          <a:ext cx="0" cy="0"/>
+          <a:chOff x="0" y="0"/>
+          <a:chExt cx="0" cy="0"/>
+        </a:xfrm>
+      </p:grpSpPr>
+      <p:sp>
+        <p:nvSpPr>
+          <p:cNvPr id="111" name="Shape 111"/>
+          <p:cNvSpPr txBox="1">
+            <a:spLocks noGrp="1"/>
+          </p:cNvSpPr>
+          <p:nvPr>
+            <p:ph type="title"/>
+          </p:nvPr>
+        </p:nvSpPr>
+        <p:spPr>
+          <a:xfrm>
+            <a:off x="1381250" y="922668"/>
+            <a:ext cx="3878399" cy="435599"/>
+          </a:xfrm>
+          <a:prstGeom prst="rect">
+            <a:avLst/>
+          </a:prstGeom>
+        </p:spPr>
+        <p:txBody>
+          <a:bodyPr lIns="91425" tIns="91425" rIns="91425" bIns="91425" anchor="ctr" anchorCtr="0">
+            <a:noAutofit/>
+          </a:bodyPr>
+          <a:lstStyle/>
+          <a:p>
+            <a:pPr lvl="0">
+              <a:spcBef>
+                <a:spcPts val="0"/>
+              </a:spcBef>
+              <a:buNone/>
+            </a:pPr>
+            <a:r>
+              <a:rPr lang="en" dirty="0" smtClean="0">
+                <a:highlight>
+                  <a:srgbClr val="FFCD00"/>
+                </a:highlight>
+              </a:rPr>
+              <a:t>Topic</a:t>
+            </a:r>
+            <a:endParaRPr lang="en" dirty="0">
+              <a:highlight>
+                <a:srgbClr val="FFCD00"/>
+              </a:highlight>
+            </a:endParaRPr>
+          </a:p>
+        </p:txBody>
+      </p:sp>
+      <p:sp>
+        <p:nvSpPr>
+          <p:cNvPr id="112" name="Shape 112"/>
+          <p:cNvSpPr txBox="1">
+            <a:spLocks noGrp="1"/>
+          </p:cNvSpPr>
+          <p:nvPr>
+            <p:ph type="body" idx="1"/>
+          </p:nvPr>
+        </p:nvSpPr>
+        <p:spPr>
+          <a:xfrm>
+            <a:off x="1381250" y="1616470"/>
+            <a:ext cx="6809700" cy="3112200"/>
+          </a:xfrm>
+          <a:prstGeom prst="rect">
+            <a:avLst/>
+          </a:prstGeom>
+        </p:spPr>
+        <p:txBody>
+          <a:bodyPr lIns="91425" tIns="91425" rIns="91425" bIns="91425" anchor="t" anchorCtr="0">
+            <a:noAutofit/>
+          </a:bodyPr>
+          <a:lstStyle/>
+          <a:p>
+            <a:pPr marL="457200" lvl="0" indent="-228600" rtl="0">
+              <a:spcBef>
+                <a:spcPts val="0"/>
+              </a:spcBef>
+            </a:pPr>
+            <a:r>
+              <a:rPr lang="en" dirty="0" smtClean="0"/>
+              <a:t>Ursprünglicher Ansatz, Überarbeitungsbedarf</a:t>
+            </a:r>
+          </a:p>
+          <a:p>
+            <a:pPr marL="457200" lvl="0" indent="-228600" rtl="0">
+              <a:spcBef>
+                <a:spcPts val="0"/>
+              </a:spcBef>
+            </a:pPr>
+            <a:r>
+              <a:rPr lang="en" dirty="0" smtClean="0"/>
+              <a:t>Erfahrungen</a:t>
+            </a:r>
+          </a:p>
+          <a:p>
+            <a:pPr marL="457200" lvl="0" indent="-228600" rtl="0">
+              <a:spcBef>
+                <a:spcPts val="0"/>
+              </a:spcBef>
+            </a:pPr>
+            <a:endParaRPr lang="en" dirty="0"/>
+          </a:p>
+        </p:txBody>
+      </p:sp>
+      <p:grpSp>
+        <p:nvGrpSpPr>
+          <p:cNvPr id="113" name="Shape 113"/>
+          <p:cNvGrpSpPr/>
+          <p:nvPr/>
+        </p:nvGrpSpPr>
+        <p:grpSpPr>
+          <a:xfrm>
+            <a:off x="916458" y="1019750"/>
+            <a:ext cx="214624" cy="214624"/>
+            <a:chOff x="2594050" y="1631825"/>
+            <a:chExt cx="439625" cy="439625"/>
+          </a:xfrm>
+        </p:grpSpPr>
+        <p:sp>
+          <p:nvSpPr>
+            <p:cNvPr id="114" name="Shape 114"/>
+            <p:cNvSpPr/>
+            <p:nvPr/>
+          </p:nvSpPr>
+          <p:spPr>
+            <a:xfrm>
+              <a:off x="2594050" y="1883300"/>
+              <a:ext cx="188175" cy="188150"/>
+            </a:xfrm>
+            <a:custGeom>
+              <a:avLst/>
+              <a:gdLst/>
+              <a:ahLst/>
+              <a:cxnLst/>
+              <a:rect l="0" t="0" r="0" b="0"/>
+              <a:pathLst>
+                <a:path w="7527" h="7526" fill="none" extrusionOk="0">
+                  <a:moveTo>
+                    <a:pt x="5992" y="0"/>
+                  </a:moveTo>
+                  <a:lnTo>
+                    <a:pt x="537" y="6430"/>
+                  </a:lnTo>
+                  <a:lnTo>
+                    <a:pt x="1" y="7526"/>
+                  </a:lnTo>
+                  <a:lnTo>
+                    <a:pt x="1097" y="6990"/>
+                  </a:lnTo>
+                  <a:lnTo>
+                    <a:pt x="7526" y="1534"/>
+                  </a:lnTo>
+                  <a:lnTo>
+                    <a:pt x="5992" y="0"/>
+                  </a:lnTo>
+                  <a:close/>
+                </a:path>
+              </a:pathLst>
+            </a:custGeom>
+            <a:noFill/>
+            <a:ln w="9525" cap="rnd" cmpd="sng">
+              <a:solidFill>
+                <a:srgbClr val="000000"/>
+              </a:solidFill>
+              <a:prstDash val="solid"/>
+              <a:round/>
+              <a:headEnd type="none" w="med" len="med"/>
+              <a:tailEnd type="none" w="med" len="med"/>
+            </a:ln>
+          </p:spPr>
+          <p:txBody>
+            <a:bodyPr lIns="91425" tIns="91425" rIns="91425" bIns="91425" anchor="ctr" anchorCtr="0">
+              <a:noAutofit/>
+            </a:bodyPr>
+            <a:lstStyle/>
+            <a:p>
+              <a:pPr lvl="0">
+                <a:spcBef>
+                  <a:spcPts val="0"/>
+                </a:spcBef>
+                <a:buNone/>
+              </a:pPr>
+              <a:endParaRPr/>
+            </a:p>
+          </p:txBody>
+        </p:sp>
+        <p:sp>
+          <p:nvSpPr>
+            <p:cNvPr id="115" name="Shape 115"/>
+            <p:cNvSpPr/>
+            <p:nvPr/>
+          </p:nvSpPr>
+          <p:spPr>
+            <a:xfrm>
+              <a:off x="2857700" y="1631825"/>
+              <a:ext cx="175975" cy="176000"/>
+            </a:xfrm>
+            <a:custGeom>
+              <a:avLst/>
+              <a:gdLst/>
+              <a:ahLst/>
+              <a:cxnLst/>
+              <a:rect l="0" t="0" r="0" b="0"/>
+              <a:pathLst>
+                <a:path w="7039" h="7040" fill="none" extrusionOk="0">
+                  <a:moveTo>
+                    <a:pt x="268" y="2704"/>
+                  </a:moveTo>
+                  <a:lnTo>
+                    <a:pt x="4336" y="6771"/>
+                  </a:lnTo>
+                  <a:lnTo>
+                    <a:pt x="4336" y="6771"/>
+                  </a:lnTo>
+                  <a:lnTo>
+                    <a:pt x="4336" y="6771"/>
+                  </a:lnTo>
+                  <a:lnTo>
+                    <a:pt x="4652" y="6917"/>
+                  </a:lnTo>
+                  <a:lnTo>
+                    <a:pt x="4993" y="7015"/>
+                  </a:lnTo>
+                  <a:lnTo>
+                    <a:pt x="5310" y="7039"/>
+                  </a:lnTo>
+                  <a:lnTo>
+                    <a:pt x="5651" y="7039"/>
+                  </a:lnTo>
+                  <a:lnTo>
+                    <a:pt x="5992" y="6966"/>
+                  </a:lnTo>
+                  <a:lnTo>
+                    <a:pt x="6308" y="6844"/>
+                  </a:lnTo>
+                  <a:lnTo>
+                    <a:pt x="6454" y="6747"/>
+                  </a:lnTo>
+                  <a:lnTo>
+                    <a:pt x="6601" y="6674"/>
+                  </a:lnTo>
+                  <a:lnTo>
+                    <a:pt x="6747" y="6552"/>
+                  </a:lnTo>
+                  <a:lnTo>
+                    <a:pt x="6893" y="6430"/>
+                  </a:lnTo>
+                  <a:lnTo>
+                    <a:pt x="6893" y="6430"/>
+                  </a:lnTo>
+                  <a:lnTo>
+                    <a:pt x="6942" y="6357"/>
+                  </a:lnTo>
+                  <a:lnTo>
+                    <a:pt x="7015" y="6260"/>
+                  </a:lnTo>
+                  <a:lnTo>
+                    <a:pt x="7039" y="6138"/>
+                  </a:lnTo>
+                  <a:lnTo>
+                    <a:pt x="7039" y="6041"/>
+                  </a:lnTo>
+                  <a:lnTo>
+                    <a:pt x="7039" y="6041"/>
+                  </a:lnTo>
+                  <a:lnTo>
+                    <a:pt x="7039" y="5943"/>
+                  </a:lnTo>
+                  <a:lnTo>
+                    <a:pt x="7015" y="5846"/>
+                  </a:lnTo>
+                  <a:lnTo>
+                    <a:pt x="6942" y="5748"/>
+                  </a:lnTo>
+                  <a:lnTo>
+                    <a:pt x="6893" y="5651"/>
+                  </a:lnTo>
+                  <a:lnTo>
+                    <a:pt x="1389" y="147"/>
+                  </a:lnTo>
+                  <a:lnTo>
+                    <a:pt x="1389" y="147"/>
+                  </a:lnTo>
+                  <a:lnTo>
+                    <a:pt x="1291" y="98"/>
+                  </a:lnTo>
+                  <a:lnTo>
+                    <a:pt x="1194" y="25"/>
+                  </a:lnTo>
+                  <a:lnTo>
+                    <a:pt x="1096" y="0"/>
+                  </a:lnTo>
+                  <a:lnTo>
+                    <a:pt x="999" y="0"/>
+                  </a:lnTo>
+                  <a:lnTo>
+                    <a:pt x="999" y="0"/>
+                  </a:lnTo>
+                  <a:lnTo>
+                    <a:pt x="902" y="0"/>
+                  </a:lnTo>
+                  <a:lnTo>
+                    <a:pt x="780" y="25"/>
+                  </a:lnTo>
+                  <a:lnTo>
+                    <a:pt x="682" y="98"/>
+                  </a:lnTo>
+                  <a:lnTo>
+                    <a:pt x="609" y="147"/>
+                  </a:lnTo>
+                  <a:lnTo>
+                    <a:pt x="609" y="147"/>
+                  </a:lnTo>
+                  <a:lnTo>
+                    <a:pt x="487" y="293"/>
+                  </a:lnTo>
+                  <a:lnTo>
+                    <a:pt x="366" y="439"/>
+                  </a:lnTo>
+                  <a:lnTo>
+                    <a:pt x="293" y="585"/>
+                  </a:lnTo>
+                  <a:lnTo>
+                    <a:pt x="195" y="731"/>
+                  </a:lnTo>
+                  <a:lnTo>
+                    <a:pt x="73" y="1048"/>
+                  </a:lnTo>
+                  <a:lnTo>
+                    <a:pt x="0" y="1389"/>
+                  </a:lnTo>
+                  <a:lnTo>
+                    <a:pt x="0" y="1730"/>
+                  </a:lnTo>
+                  <a:lnTo>
+                    <a:pt x="25" y="2046"/>
+                  </a:lnTo>
+                  <a:lnTo>
+                    <a:pt x="122" y="2387"/>
+                  </a:lnTo>
+                  <a:lnTo>
+                    <a:pt x="268" y="2704"/>
+                  </a:lnTo>
+                  <a:lnTo>
+                    <a:pt x="268" y="2704"/>
+                  </a:lnTo>
+                  <a:close/>
+                </a:path>
+              </a:pathLst>
+            </a:custGeom>
+            <a:noFill/>
+            <a:ln w="9525" cap="rnd" cmpd="sng">
+              <a:solidFill>
+                <a:srgbClr val="000000"/>
+              </a:solidFill>
+              <a:prstDash val="solid"/>
+              <a:round/>
+              <a:headEnd type="none" w="med" len="med"/>
+              <a:tailEnd type="none" w="med" len="med"/>
+            </a:ln>
+          </p:spPr>
+          <p:txBody>
+            <a:bodyPr lIns="91425" tIns="91425" rIns="91425" bIns="91425" anchor="ctr" anchorCtr="0">
+              <a:noAutofit/>
+            </a:bodyPr>
+            <a:lstStyle/>
+            <a:p>
+              <a:pPr lvl="0">
+                <a:spcBef>
+                  <a:spcPts val="0"/>
+                </a:spcBef>
+                <a:buNone/>
+              </a:pPr>
+              <a:endParaRPr/>
+            </a:p>
+          </p:txBody>
+        </p:sp>
+        <p:sp>
+          <p:nvSpPr>
+            <p:cNvPr id="116" name="Shape 116"/>
+            <p:cNvSpPr/>
+            <p:nvPr/>
+          </p:nvSpPr>
+          <p:spPr>
+            <a:xfrm>
+              <a:off x="2662850" y="1699400"/>
+              <a:ext cx="303250" cy="303250"/>
+            </a:xfrm>
+            <a:custGeom>
+              <a:avLst/>
+              <a:gdLst/>
+              <a:ahLst/>
+              <a:cxnLst/>
+              <a:rect l="0" t="0" r="0" b="0"/>
+              <a:pathLst>
+                <a:path w="12130" h="12130" fill="none" extrusionOk="0">
+                  <a:moveTo>
+                    <a:pt x="8038" y="1"/>
+                  </a:moveTo>
+                  <a:lnTo>
+                    <a:pt x="4872" y="3191"/>
+                  </a:lnTo>
+                  <a:lnTo>
+                    <a:pt x="4872" y="3191"/>
+                  </a:lnTo>
+                  <a:lnTo>
+                    <a:pt x="4628" y="3094"/>
+                  </a:lnTo>
+                  <a:lnTo>
+                    <a:pt x="4385" y="2997"/>
+                  </a:lnTo>
+                  <a:lnTo>
+                    <a:pt x="4092" y="2899"/>
+                  </a:lnTo>
+                  <a:lnTo>
+                    <a:pt x="3800" y="2850"/>
+                  </a:lnTo>
+                  <a:lnTo>
+                    <a:pt x="3484" y="2777"/>
+                  </a:lnTo>
+                  <a:lnTo>
+                    <a:pt x="3167" y="2729"/>
+                  </a:lnTo>
+                  <a:lnTo>
+                    <a:pt x="2850" y="2704"/>
+                  </a:lnTo>
+                  <a:lnTo>
+                    <a:pt x="2534" y="2704"/>
+                  </a:lnTo>
+                  <a:lnTo>
+                    <a:pt x="2534" y="2704"/>
+                  </a:lnTo>
+                  <a:lnTo>
+                    <a:pt x="2241" y="2704"/>
+                  </a:lnTo>
+                  <a:lnTo>
+                    <a:pt x="1949" y="2729"/>
+                  </a:lnTo>
+                  <a:lnTo>
+                    <a:pt x="1633" y="2777"/>
+                  </a:lnTo>
+                  <a:lnTo>
+                    <a:pt x="1316" y="2850"/>
+                  </a:lnTo>
+                  <a:lnTo>
+                    <a:pt x="999" y="2972"/>
+                  </a:lnTo>
+                  <a:lnTo>
+                    <a:pt x="707" y="3094"/>
+                  </a:lnTo>
+                  <a:lnTo>
+                    <a:pt x="415" y="3289"/>
+                  </a:lnTo>
+                  <a:lnTo>
+                    <a:pt x="147" y="3508"/>
+                  </a:lnTo>
+                  <a:lnTo>
+                    <a:pt x="147" y="3508"/>
+                  </a:lnTo>
+                  <a:lnTo>
+                    <a:pt x="74" y="3581"/>
+                  </a:lnTo>
+                  <a:lnTo>
+                    <a:pt x="25" y="3678"/>
+                  </a:lnTo>
+                  <a:lnTo>
+                    <a:pt x="1" y="3776"/>
+                  </a:lnTo>
+                  <a:lnTo>
+                    <a:pt x="1" y="3898"/>
+                  </a:lnTo>
+                  <a:lnTo>
+                    <a:pt x="1" y="3898"/>
+                  </a:lnTo>
+                  <a:lnTo>
+                    <a:pt x="1" y="3995"/>
+                  </a:lnTo>
+                  <a:lnTo>
+                    <a:pt x="25" y="4093"/>
+                  </a:lnTo>
+                  <a:lnTo>
+                    <a:pt x="74" y="4190"/>
+                  </a:lnTo>
+                  <a:lnTo>
+                    <a:pt x="147" y="4287"/>
+                  </a:lnTo>
+                  <a:lnTo>
+                    <a:pt x="7843" y="11984"/>
+                  </a:lnTo>
+                  <a:lnTo>
+                    <a:pt x="7843" y="11984"/>
+                  </a:lnTo>
+                  <a:lnTo>
+                    <a:pt x="7941" y="12057"/>
+                  </a:lnTo>
+                  <a:lnTo>
+                    <a:pt x="8038" y="12105"/>
+                  </a:lnTo>
+                  <a:lnTo>
+                    <a:pt x="8135" y="12130"/>
+                  </a:lnTo>
+                  <a:lnTo>
+                    <a:pt x="8233" y="12130"/>
+                  </a:lnTo>
+                  <a:lnTo>
+                    <a:pt x="8233" y="12130"/>
+                  </a:lnTo>
+                  <a:lnTo>
+                    <a:pt x="8355" y="12130"/>
+                  </a:lnTo>
+                  <a:lnTo>
+                    <a:pt x="8452" y="12105"/>
+                  </a:lnTo>
+                  <a:lnTo>
+                    <a:pt x="8549" y="12057"/>
+                  </a:lnTo>
+                  <a:lnTo>
+                    <a:pt x="8622" y="11984"/>
+                  </a:lnTo>
+                  <a:lnTo>
+                    <a:pt x="8622" y="11984"/>
+                  </a:lnTo>
+                  <a:lnTo>
+                    <a:pt x="8842" y="11716"/>
+                  </a:lnTo>
+                  <a:lnTo>
+                    <a:pt x="9036" y="11423"/>
+                  </a:lnTo>
+                  <a:lnTo>
+                    <a:pt x="9158" y="11131"/>
+                  </a:lnTo>
+                  <a:lnTo>
+                    <a:pt x="9280" y="10814"/>
+                  </a:lnTo>
+                  <a:lnTo>
+                    <a:pt x="9353" y="10498"/>
+                  </a:lnTo>
+                  <a:lnTo>
+                    <a:pt x="9402" y="10181"/>
+                  </a:lnTo>
+                  <a:lnTo>
+                    <a:pt x="9426" y="9889"/>
+                  </a:lnTo>
+                  <a:lnTo>
+                    <a:pt x="9426" y="9597"/>
+                  </a:lnTo>
+                  <a:lnTo>
+                    <a:pt x="9426" y="9597"/>
+                  </a:lnTo>
+                  <a:lnTo>
+                    <a:pt x="9426" y="9280"/>
+                  </a:lnTo>
+                  <a:lnTo>
+                    <a:pt x="9402" y="8964"/>
+                  </a:lnTo>
+                  <a:lnTo>
+                    <a:pt x="9353" y="8647"/>
+                  </a:lnTo>
+                  <a:lnTo>
+                    <a:pt x="9280" y="8330"/>
+                  </a:lnTo>
+                  <a:lnTo>
+                    <a:pt x="9231" y="8038"/>
+                  </a:lnTo>
+                  <a:lnTo>
+                    <a:pt x="9134" y="7746"/>
+                  </a:lnTo>
+                  <a:lnTo>
+                    <a:pt x="9036" y="7502"/>
+                  </a:lnTo>
+                  <a:lnTo>
+                    <a:pt x="8939" y="7259"/>
+                  </a:lnTo>
+                  <a:lnTo>
+                    <a:pt x="12130" y="4093"/>
+                  </a:lnTo>
+                </a:path>
+              </a:pathLst>
+            </a:custGeom>
+            <a:noFill/>
+            <a:ln w="9525" cap="rnd" cmpd="sng">
+              <a:solidFill>
+                <a:srgbClr val="000000"/>
+              </a:solidFill>
+              <a:prstDash val="solid"/>
+              <a:round/>
+              <a:headEnd type="none" w="med" len="med"/>
+              <a:tailEnd type="none" w="med" len="med"/>
+            </a:ln>
+          </p:spPr>
+          <p:txBody>
+            <a:bodyPr lIns="91425" tIns="91425" rIns="91425" bIns="91425" anchor="ctr" anchorCtr="0">
+              <a:noAutofit/>
+            </a:bodyPr>
+            <a:lstStyle/>
+            <a:p>
+              <a:pPr lvl="0">
+                <a:spcBef>
+                  <a:spcPts val="0"/>
+                </a:spcBef>
+                <a:buNone/>
+              </a:pPr>
+              <a:endParaRPr/>
+            </a:p>
+          </p:txBody>
+        </p:sp>
+        <p:sp>
+          <p:nvSpPr>
+            <p:cNvPr id="117" name="Shape 117"/>
+            <p:cNvSpPr/>
+            <p:nvPr/>
+          </p:nvSpPr>
+          <p:spPr>
+            <a:xfrm>
+              <a:off x="2814911" y="1754061"/>
+              <a:ext cx="49950" cy="49950"/>
+            </a:xfrm>
+            <a:custGeom>
+              <a:avLst/>
+              <a:gdLst/>
+              <a:ahLst/>
+              <a:cxnLst/>
+              <a:rect l="0" t="0" r="0" b="0"/>
+              <a:pathLst>
+                <a:path w="1998" h="1998" fill="none" extrusionOk="0">
+                  <a:moveTo>
+                    <a:pt x="1" y="1997"/>
+                  </a:moveTo>
+                  <a:lnTo>
+                    <a:pt x="1998" y="0"/>
+                  </a:lnTo>
+                </a:path>
+              </a:pathLst>
+            </a:custGeom>
+            <a:noFill/>
+            <a:ln w="9525" cap="rnd" cmpd="sng">
+              <a:solidFill>
+                <a:srgbClr val="000000"/>
+              </a:solidFill>
+              <a:prstDash val="solid"/>
+              <a:round/>
+              <a:headEnd type="none" w="med" len="med"/>
+              <a:tailEnd type="none" w="med" len="med"/>
+            </a:ln>
+          </p:spPr>
+          <p:txBody>
+            <a:bodyPr lIns="91425" tIns="91425" rIns="91425" bIns="91425" anchor="ctr" anchorCtr="0">
+              <a:noAutofit/>
+            </a:bodyPr>
+            <a:lstStyle/>
+            <a:p>
+              <a:pPr lvl="0">
+                <a:spcBef>
+                  <a:spcPts val="0"/>
+                </a:spcBef>
+                <a:buNone/>
+              </a:pPr>
+              <a:endParaRPr/>
+            </a:p>
+          </p:txBody>
+        </p:sp>
+      </p:grpSp>
+    </p:spTree>
+    <p:extLst>
+      <p:ext uri="{BB962C8B-B14F-4D97-AF65-F5344CB8AC3E}">
+        <p14:creationId xmlns:p14="http://schemas.microsoft.com/office/powerpoint/2010/main" val="1178456594"/>
+      </p:ext>
+    </p:extLst>
+  </p:cSld>
+  <p:clrMapOvr>
+    <a:masterClrMapping/>
+  </p:clrMapOvr>
+  <mc:AlternateContent xmlns:mc="http://schemas.openxmlformats.org/markup-compatibility/2006" xmlns:p14="http://schemas.microsoft.com/office/powerpoint/2010/main">
+    <mc:Choice Requires="p14">
+      <p:transition p14:dur="0"/>
+    </mc:Choice>
+    <mc:Fallback xmlns="">
+      <p:transition/>
+    </mc:Fallback>
+  </mc:AlternateContent>
+  <p:timing>
+    <p:tnLst>
+      <p:par>
+        <p:cTn id="1" dur="indefinite" restart="never" nodeType="tmRoot"/>
+      </p:par>
+    </p:tnLst>
+  </p:timing>
+</p:sld>
+</file>
+
+<file path=ppt/slides/slide11.xml><?xml version="1.0" encoding="utf-8"?>
+<p:sld xmlns:a="http://schemas.openxmlformats.org/drawingml/2006/main" xmlns:r="http://schemas.openxmlformats.org/officeDocument/2006/relationships" xmlns:p="http://schemas.openxmlformats.org/presentationml/2006/main">
+  <p:cSld>
+    <p:spTree>
+      <p:nvGrpSpPr>
+        <p:cNvPr id="1" name="Shape 98"/>
+        <p:cNvGrpSpPr/>
+        <p:nvPr/>
+      </p:nvGrpSpPr>
+      <p:grpSpPr>
+        <a:xfrm>
+          <a:off x="0" y="0"/>
+          <a:ext cx="0" cy="0"/>
+          <a:chOff x="0" y="0"/>
+          <a:chExt cx="0" cy="0"/>
+        </a:xfrm>
+      </p:grpSpPr>
+      <p:sp>
+        <p:nvSpPr>
+          <p:cNvPr id="99" name="Shape 99"/>
+          <p:cNvSpPr txBox="1">
+            <a:spLocks noGrp="1"/>
+          </p:cNvSpPr>
+          <p:nvPr>
+            <p:ph type="ctrTitle"/>
+          </p:nvPr>
+        </p:nvSpPr>
+        <p:spPr>
+          <a:xfrm>
+            <a:off x="2022225" y="1693523"/>
+            <a:ext cx="3787799" cy="1159799"/>
+          </a:xfrm>
+          <a:prstGeom prst="rect">
+            <a:avLst/>
+          </a:prstGeom>
+        </p:spPr>
+        <p:txBody>
+          <a:bodyPr lIns="91425" tIns="91425" rIns="91425" bIns="91425" anchor="b" anchorCtr="0">
+            <a:noAutofit/>
+          </a:bodyPr>
+          <a:lstStyle/>
+          <a:p>
+            <a:pPr lvl="0" rtl="0">
+              <a:spcBef>
+                <a:spcPts val="0"/>
+              </a:spcBef>
+              <a:buNone/>
+            </a:pPr>
+            <a:r>
+              <a:rPr lang="en" dirty="0" smtClean="0"/>
+              <a:t>Designer</a:t>
+            </a:r>
+            <a:endParaRPr lang="en" dirty="0"/>
+          </a:p>
+        </p:txBody>
+      </p:sp>
+      <p:sp>
+        <p:nvSpPr>
+          <p:cNvPr id="100" name="Shape 100"/>
+          <p:cNvSpPr txBox="1">
+            <a:spLocks noGrp="1"/>
+          </p:cNvSpPr>
+          <p:nvPr>
+            <p:ph type="subTitle" idx="1"/>
+          </p:nvPr>
+        </p:nvSpPr>
+        <p:spPr>
+          <a:xfrm>
+            <a:off x="2022300" y="2815923"/>
+            <a:ext cx="5591400" cy="784799"/>
+          </a:xfrm>
+          <a:prstGeom prst="rect">
+            <a:avLst/>
+          </a:prstGeom>
+        </p:spPr>
+        <p:txBody>
+          <a:bodyPr lIns="91425" tIns="91425" rIns="91425" bIns="91425" anchor="t" anchorCtr="0">
+            <a:noAutofit/>
+          </a:bodyPr>
+          <a:lstStyle/>
+          <a:p>
+            <a:pPr lvl="0"/>
+            <a:r>
+              <a:rPr lang="en" dirty="0" smtClean="0"/>
+              <a:t>Marcel Herd </a:t>
+            </a:r>
+            <a:r>
+              <a:rPr lang="de-DE" dirty="0" smtClean="0"/>
+              <a:t>• Eugen </a:t>
+            </a:r>
+            <a:r>
+              <a:rPr lang="de-DE" dirty="0" err="1" smtClean="0"/>
+              <a:t>Krizki</a:t>
+            </a:r>
+            <a:endParaRPr lang="en" dirty="0"/>
+          </a:p>
+        </p:txBody>
+      </p:sp>
+      <p:sp>
+        <p:nvSpPr>
+          <p:cNvPr id="101" name="Shape 101"/>
+          <p:cNvSpPr txBox="1"/>
+          <p:nvPr/>
+        </p:nvSpPr>
+        <p:spPr>
+          <a:xfrm>
+            <a:off x="1133975" y="2291150"/>
+            <a:ext cx="543899" cy="562199"/>
+          </a:xfrm>
+          <a:prstGeom prst="rect">
+            <a:avLst/>
+          </a:prstGeom>
+          <a:noFill/>
+          <a:ln>
+            <a:noFill/>
+          </a:ln>
+        </p:spPr>
+        <p:txBody>
+          <a:bodyPr lIns="91425" tIns="91425" rIns="91425" bIns="91425" anchor="ctr" anchorCtr="0">
+            <a:noAutofit/>
+          </a:bodyPr>
+          <a:lstStyle/>
+          <a:p>
+            <a:pPr lvl="0" algn="ctr">
+              <a:spcBef>
+                <a:spcPts val="0"/>
+              </a:spcBef>
+              <a:buNone/>
+            </a:pPr>
+            <a:r>
+              <a:rPr lang="en" sz="2400" dirty="0" smtClean="0">
+                <a:solidFill>
+                  <a:schemeClr val="dk1"/>
+                </a:solidFill>
+                <a:latin typeface="Lora"/>
+                <a:ea typeface="Lora"/>
+                <a:cs typeface="Lora"/>
+                <a:sym typeface="Lora"/>
+              </a:rPr>
+              <a:t>3</a:t>
+            </a:r>
+            <a:endParaRPr lang="en" sz="2400" dirty="0">
+              <a:solidFill>
+                <a:schemeClr val="dk1"/>
+              </a:solidFill>
+              <a:latin typeface="Lora"/>
+              <a:ea typeface="Lora"/>
+              <a:cs typeface="Lora"/>
+              <a:sym typeface="Lora"/>
+            </a:endParaRPr>
+          </a:p>
+        </p:txBody>
+      </p:sp>
+    </p:spTree>
+    <p:extLst>
+      <p:ext uri="{BB962C8B-B14F-4D97-AF65-F5344CB8AC3E}">
+        <p14:creationId xmlns:p14="http://schemas.microsoft.com/office/powerpoint/2010/main" val="3669912151"/>
+      </p:ext>
+    </p:extLst>
+  </p:cSld>
+  <p:clrMapOvr>
+    <a:masterClrMapping/>
+  </p:clrMapOvr>
+  <mc:AlternateContent xmlns:mc="http://schemas.openxmlformats.org/markup-compatibility/2006" xmlns:p14="http://schemas.microsoft.com/office/powerpoint/2010/main">
+    <mc:Choice Requires="p14">
+      <p:transition p14:dur="0"/>
+    </mc:Choice>
+    <mc:Fallback xmlns="">
+      <p:transition/>
+    </mc:Fallback>
+  </mc:AlternateContent>
+  <p:timing>
+    <p:tnLst>
+      <p:par>
+        <p:cTn id="1" dur="indefinite" restart="never" nodeType="tmRoot"/>
+      </p:par>
+    </p:tnLst>
+  </p:timing>
+</p:sld>
+</file>
+
+<file path=ppt/slides/slide12.xml><?xml version="1.0" encoding="utf-8"?>
+<p:sld xmlns:a="http://schemas.openxmlformats.org/drawingml/2006/main" xmlns:r="http://schemas.openxmlformats.org/officeDocument/2006/relationships" xmlns:p="http://schemas.openxmlformats.org/presentationml/2006/main">
+  <p:cSld>
+    <p:spTree>
+      <p:nvGrpSpPr>
+        <p:cNvPr id="1" name="Shape 110"/>
+        <p:cNvGrpSpPr/>
+        <p:nvPr/>
+      </p:nvGrpSpPr>
+      <p:grpSpPr>
+        <a:xfrm>
+          <a:off x="0" y="0"/>
+          <a:ext cx="0" cy="0"/>
+          <a:chOff x="0" y="0"/>
+          <a:chExt cx="0" cy="0"/>
+        </a:xfrm>
+      </p:grpSpPr>
+      <p:sp>
+        <p:nvSpPr>
+          <p:cNvPr id="111" name="Shape 111"/>
+          <p:cNvSpPr txBox="1">
+            <a:spLocks noGrp="1"/>
+          </p:cNvSpPr>
+          <p:nvPr>
+            <p:ph type="title"/>
+          </p:nvPr>
+        </p:nvSpPr>
+        <p:spPr>
+          <a:xfrm>
+            <a:off x="1381250" y="922668"/>
+            <a:ext cx="3878399" cy="435599"/>
+          </a:xfrm>
+          <a:prstGeom prst="rect">
+            <a:avLst/>
+          </a:prstGeom>
+        </p:spPr>
+        <p:txBody>
+          <a:bodyPr lIns="91425" tIns="91425" rIns="91425" bIns="91425" anchor="ctr" anchorCtr="0">
+            <a:noAutofit/>
+          </a:bodyPr>
+          <a:lstStyle/>
+          <a:p>
+            <a:pPr lvl="0">
+              <a:spcBef>
+                <a:spcPts val="0"/>
+              </a:spcBef>
+              <a:buNone/>
+            </a:pPr>
+            <a:r>
+              <a:rPr lang="en" dirty="0" smtClean="0">
+                <a:highlight>
+                  <a:srgbClr val="FFCD00"/>
+                </a:highlight>
+              </a:rPr>
+              <a:t>Topic</a:t>
+            </a:r>
+            <a:endParaRPr lang="en" dirty="0">
+              <a:highlight>
+                <a:srgbClr val="FFCD00"/>
+              </a:highlight>
+            </a:endParaRPr>
+          </a:p>
+        </p:txBody>
+      </p:sp>
+      <p:sp>
+        <p:nvSpPr>
+          <p:cNvPr id="112" name="Shape 112"/>
+          <p:cNvSpPr txBox="1">
+            <a:spLocks noGrp="1"/>
+          </p:cNvSpPr>
+          <p:nvPr>
+            <p:ph type="body" idx="1"/>
+          </p:nvPr>
+        </p:nvSpPr>
+        <p:spPr>
+          <a:xfrm>
+            <a:off x="1381250" y="1616470"/>
+            <a:ext cx="6809700" cy="3112200"/>
+          </a:xfrm>
+          <a:prstGeom prst="rect">
+            <a:avLst/>
+          </a:prstGeom>
+        </p:spPr>
+        <p:txBody>
+          <a:bodyPr lIns="91425" tIns="91425" rIns="91425" bIns="91425" anchor="t" anchorCtr="0">
+            <a:noAutofit/>
+          </a:bodyPr>
+          <a:lstStyle/>
+          <a:p>
+            <a:pPr marL="457200" lvl="0" indent="-228600" rtl="0">
+              <a:spcBef>
+                <a:spcPts val="0"/>
+              </a:spcBef>
+            </a:pPr>
+            <a:r>
+              <a:rPr lang="en" dirty="0" smtClean="0"/>
+              <a:t>Kommentare zum Analyseergebnis</a:t>
+            </a:r>
+          </a:p>
+          <a:p>
+            <a:pPr marL="457200" lvl="0" indent="-228600" rtl="0">
+              <a:spcBef>
+                <a:spcPts val="0"/>
+              </a:spcBef>
+            </a:pPr>
+            <a:r>
+              <a:rPr lang="en" dirty="0" smtClean="0"/>
+              <a:t>Darstellung typischer Teile</a:t>
+            </a:r>
+          </a:p>
+          <a:p>
+            <a:pPr marL="457200" lvl="0" indent="-228600" rtl="0">
+              <a:spcBef>
+                <a:spcPts val="0"/>
+              </a:spcBef>
+            </a:pPr>
+            <a:r>
+              <a:rPr lang="en" dirty="0" smtClean="0"/>
+              <a:t>Begründung für Designentscheidungen</a:t>
+            </a:r>
+          </a:p>
+          <a:p>
+            <a:pPr marL="457200" lvl="0" indent="-228600" rtl="0">
+              <a:spcBef>
+                <a:spcPts val="0"/>
+              </a:spcBef>
+            </a:pPr>
+            <a:r>
+              <a:rPr lang="en" dirty="0" smtClean="0"/>
+              <a:t>Erfahrungen</a:t>
+            </a:r>
+          </a:p>
+          <a:p>
+            <a:pPr marL="457200" lvl="0" indent="-228600" rtl="0">
+              <a:spcBef>
+                <a:spcPts val="0"/>
+              </a:spcBef>
+            </a:pPr>
+            <a:endParaRPr lang="en" dirty="0"/>
+          </a:p>
+        </p:txBody>
+      </p:sp>
+      <p:grpSp>
+        <p:nvGrpSpPr>
+          <p:cNvPr id="113" name="Shape 113"/>
+          <p:cNvGrpSpPr/>
+          <p:nvPr/>
+        </p:nvGrpSpPr>
+        <p:grpSpPr>
+          <a:xfrm>
+            <a:off x="916458" y="1019750"/>
+            <a:ext cx="214624" cy="214624"/>
+            <a:chOff x="2594050" y="1631825"/>
+            <a:chExt cx="439625" cy="439625"/>
+          </a:xfrm>
+        </p:grpSpPr>
+        <p:sp>
+          <p:nvSpPr>
+            <p:cNvPr id="114" name="Shape 114"/>
+            <p:cNvSpPr/>
+            <p:nvPr/>
+          </p:nvSpPr>
+          <p:spPr>
+            <a:xfrm>
+              <a:off x="2594050" y="1883300"/>
+              <a:ext cx="188175" cy="188150"/>
+            </a:xfrm>
+            <a:custGeom>
+              <a:avLst/>
+              <a:gdLst/>
+              <a:ahLst/>
+              <a:cxnLst/>
+              <a:rect l="0" t="0" r="0" b="0"/>
+              <a:pathLst>
+                <a:path w="7527" h="7526" fill="none" extrusionOk="0">
+                  <a:moveTo>
+                    <a:pt x="5992" y="0"/>
+                  </a:moveTo>
+                  <a:lnTo>
+                    <a:pt x="537" y="6430"/>
+                  </a:lnTo>
+                  <a:lnTo>
+                    <a:pt x="1" y="7526"/>
+                  </a:lnTo>
+                  <a:lnTo>
+                    <a:pt x="1097" y="6990"/>
+                  </a:lnTo>
+                  <a:lnTo>
+                    <a:pt x="7526" y="1534"/>
+                  </a:lnTo>
+                  <a:lnTo>
+                    <a:pt x="5992" y="0"/>
+                  </a:lnTo>
+                  <a:close/>
+                </a:path>
+              </a:pathLst>
+            </a:custGeom>
+            <a:noFill/>
+            <a:ln w="9525" cap="rnd" cmpd="sng">
+              <a:solidFill>
+                <a:srgbClr val="000000"/>
+              </a:solidFill>
+              <a:prstDash val="solid"/>
+              <a:round/>
+              <a:headEnd type="none" w="med" len="med"/>
+              <a:tailEnd type="none" w="med" len="med"/>
+            </a:ln>
+          </p:spPr>
+          <p:txBody>
+            <a:bodyPr lIns="91425" tIns="91425" rIns="91425" bIns="91425" anchor="ctr" anchorCtr="0">
+              <a:noAutofit/>
+            </a:bodyPr>
+            <a:lstStyle/>
+            <a:p>
+              <a:pPr lvl="0">
+                <a:spcBef>
+                  <a:spcPts val="0"/>
+                </a:spcBef>
+                <a:buNone/>
+              </a:pPr>
+              <a:endParaRPr/>
+            </a:p>
+          </p:txBody>
+        </p:sp>
+        <p:sp>
+          <p:nvSpPr>
+            <p:cNvPr id="115" name="Shape 115"/>
+            <p:cNvSpPr/>
+            <p:nvPr/>
+          </p:nvSpPr>
+          <p:spPr>
+            <a:xfrm>
+              <a:off x="2857700" y="1631825"/>
+              <a:ext cx="175975" cy="176000"/>
+            </a:xfrm>
+            <a:custGeom>
+              <a:avLst/>
+              <a:gdLst/>
+              <a:ahLst/>
+              <a:cxnLst/>
+              <a:rect l="0" t="0" r="0" b="0"/>
+              <a:pathLst>
+                <a:path w="7039" h="7040" fill="none" extrusionOk="0">
+                  <a:moveTo>
+                    <a:pt x="268" y="2704"/>
+                  </a:moveTo>
+                  <a:lnTo>
+                    <a:pt x="4336" y="6771"/>
+                  </a:lnTo>
+                  <a:lnTo>
+                    <a:pt x="4336" y="6771"/>
+                  </a:lnTo>
+                  <a:lnTo>
+                    <a:pt x="4336" y="6771"/>
+                  </a:lnTo>
+                  <a:lnTo>
+                    <a:pt x="4652" y="6917"/>
+                  </a:lnTo>
+                  <a:lnTo>
+                    <a:pt x="4993" y="7015"/>
+                  </a:lnTo>
+                  <a:lnTo>
+                    <a:pt x="5310" y="7039"/>
+                  </a:lnTo>
+                  <a:lnTo>
+                    <a:pt x="5651" y="7039"/>
+                  </a:lnTo>
+                  <a:lnTo>
+                    <a:pt x="5992" y="6966"/>
+                  </a:lnTo>
+                  <a:lnTo>
+                    <a:pt x="6308" y="6844"/>
+                  </a:lnTo>
+                  <a:lnTo>
+                    <a:pt x="6454" y="6747"/>
+                  </a:lnTo>
+                  <a:lnTo>
+                    <a:pt x="6601" y="6674"/>
+                  </a:lnTo>
+                  <a:lnTo>
+                    <a:pt x="6747" y="6552"/>
+                  </a:lnTo>
+                  <a:lnTo>
+                    <a:pt x="6893" y="6430"/>
+                  </a:lnTo>
+                  <a:lnTo>
+                    <a:pt x="6893" y="6430"/>
+                  </a:lnTo>
+                  <a:lnTo>
+                    <a:pt x="6942" y="6357"/>
+                  </a:lnTo>
+                  <a:lnTo>
+                    <a:pt x="7015" y="6260"/>
+                  </a:lnTo>
+                  <a:lnTo>
+                    <a:pt x="7039" y="6138"/>
+                  </a:lnTo>
+                  <a:lnTo>
+                    <a:pt x="7039" y="6041"/>
+                  </a:lnTo>
+                  <a:lnTo>
+                    <a:pt x="7039" y="6041"/>
+                  </a:lnTo>
+                  <a:lnTo>
+                    <a:pt x="7039" y="5943"/>
+                  </a:lnTo>
+                  <a:lnTo>
+                    <a:pt x="7015" y="5846"/>
+                  </a:lnTo>
+                  <a:lnTo>
+                    <a:pt x="6942" y="5748"/>
+                  </a:lnTo>
+                  <a:lnTo>
+                    <a:pt x="6893" y="5651"/>
+                  </a:lnTo>
+                  <a:lnTo>
+                    <a:pt x="1389" y="147"/>
+                  </a:lnTo>
+                  <a:lnTo>
+                    <a:pt x="1389" y="147"/>
+                  </a:lnTo>
+                  <a:lnTo>
+                    <a:pt x="1291" y="98"/>
+                  </a:lnTo>
+                  <a:lnTo>
+                    <a:pt x="1194" y="25"/>
+                  </a:lnTo>
+                  <a:lnTo>
+                    <a:pt x="1096" y="0"/>
+                  </a:lnTo>
+                  <a:lnTo>
+                    <a:pt x="999" y="0"/>
+                  </a:lnTo>
+                  <a:lnTo>
+                    <a:pt x="999" y="0"/>
+                  </a:lnTo>
+                  <a:lnTo>
+                    <a:pt x="902" y="0"/>
+                  </a:lnTo>
+                  <a:lnTo>
+                    <a:pt x="780" y="25"/>
+                  </a:lnTo>
+                  <a:lnTo>
+                    <a:pt x="682" y="98"/>
+                  </a:lnTo>
+                  <a:lnTo>
+                    <a:pt x="609" y="147"/>
+                  </a:lnTo>
+                  <a:lnTo>
+                    <a:pt x="609" y="147"/>
+                  </a:lnTo>
+                  <a:lnTo>
+                    <a:pt x="487" y="293"/>
+                  </a:lnTo>
+                  <a:lnTo>
+                    <a:pt x="366" y="439"/>
+                  </a:lnTo>
+                  <a:lnTo>
+                    <a:pt x="293" y="585"/>
+                  </a:lnTo>
+                  <a:lnTo>
+                    <a:pt x="195" y="731"/>
+                  </a:lnTo>
+                  <a:lnTo>
+                    <a:pt x="73" y="1048"/>
+                  </a:lnTo>
+                  <a:lnTo>
+                    <a:pt x="0" y="1389"/>
+                  </a:lnTo>
+                  <a:lnTo>
+                    <a:pt x="0" y="1730"/>
+                  </a:lnTo>
+                  <a:lnTo>
+                    <a:pt x="25" y="2046"/>
+                  </a:lnTo>
+                  <a:lnTo>
+                    <a:pt x="122" y="2387"/>
+                  </a:lnTo>
+                  <a:lnTo>
+                    <a:pt x="268" y="2704"/>
+                  </a:lnTo>
+                  <a:lnTo>
+                    <a:pt x="268" y="2704"/>
+                  </a:lnTo>
+                  <a:close/>
+                </a:path>
+              </a:pathLst>
+            </a:custGeom>
+            <a:noFill/>
+            <a:ln w="9525" cap="rnd" cmpd="sng">
+              <a:solidFill>
+                <a:srgbClr val="000000"/>
+              </a:solidFill>
+              <a:prstDash val="solid"/>
+              <a:round/>
+              <a:headEnd type="none" w="med" len="med"/>
+              <a:tailEnd type="none" w="med" len="med"/>
+            </a:ln>
+          </p:spPr>
+          <p:txBody>
+            <a:bodyPr lIns="91425" tIns="91425" rIns="91425" bIns="91425" anchor="ctr" anchorCtr="0">
+              <a:noAutofit/>
+            </a:bodyPr>
+            <a:lstStyle/>
+            <a:p>
+              <a:pPr lvl="0">
+                <a:spcBef>
+                  <a:spcPts val="0"/>
+                </a:spcBef>
+                <a:buNone/>
+              </a:pPr>
+              <a:endParaRPr/>
+            </a:p>
+          </p:txBody>
+        </p:sp>
+        <p:sp>
+          <p:nvSpPr>
+            <p:cNvPr id="116" name="Shape 116"/>
+            <p:cNvSpPr/>
+            <p:nvPr/>
+          </p:nvSpPr>
+          <p:spPr>
+            <a:xfrm>
+              <a:off x="2662850" y="1699400"/>
+              <a:ext cx="303250" cy="303250"/>
+            </a:xfrm>
+            <a:custGeom>
+              <a:avLst/>
+              <a:gdLst/>
+              <a:ahLst/>
+              <a:cxnLst/>
+              <a:rect l="0" t="0" r="0" b="0"/>
+              <a:pathLst>
+                <a:path w="12130" h="12130" fill="none" extrusionOk="0">
+                  <a:moveTo>
+                    <a:pt x="8038" y="1"/>
+                  </a:moveTo>
+                  <a:lnTo>
+                    <a:pt x="4872" y="3191"/>
+                  </a:lnTo>
+                  <a:lnTo>
+                    <a:pt x="4872" y="3191"/>
+                  </a:lnTo>
+                  <a:lnTo>
+                    <a:pt x="4628" y="3094"/>
+                  </a:lnTo>
+                  <a:lnTo>
+                    <a:pt x="4385" y="2997"/>
+                  </a:lnTo>
+                  <a:lnTo>
+                    <a:pt x="4092" y="2899"/>
+                  </a:lnTo>
+                  <a:lnTo>
+                    <a:pt x="3800" y="2850"/>
+                  </a:lnTo>
+                  <a:lnTo>
+                    <a:pt x="3484" y="2777"/>
+                  </a:lnTo>
+                  <a:lnTo>
+                    <a:pt x="3167" y="2729"/>
+                  </a:lnTo>
+                  <a:lnTo>
+                    <a:pt x="2850" y="2704"/>
+                  </a:lnTo>
+                  <a:lnTo>
+                    <a:pt x="2534" y="2704"/>
+                  </a:lnTo>
+                  <a:lnTo>
+                    <a:pt x="2534" y="2704"/>
+                  </a:lnTo>
+                  <a:lnTo>
+                    <a:pt x="2241" y="2704"/>
+                  </a:lnTo>
+                  <a:lnTo>
+                    <a:pt x="1949" y="2729"/>
+                  </a:lnTo>
+                  <a:lnTo>
+                    <a:pt x="1633" y="2777"/>
+                  </a:lnTo>
+                  <a:lnTo>
+                    <a:pt x="1316" y="2850"/>
+                  </a:lnTo>
+                  <a:lnTo>
+                    <a:pt x="999" y="2972"/>
+                  </a:lnTo>
+                  <a:lnTo>
+                    <a:pt x="707" y="3094"/>
+                  </a:lnTo>
+                  <a:lnTo>
+                    <a:pt x="415" y="3289"/>
+                  </a:lnTo>
+                  <a:lnTo>
+                    <a:pt x="147" y="3508"/>
+                  </a:lnTo>
+                  <a:lnTo>
+                    <a:pt x="147" y="3508"/>
+                  </a:lnTo>
+                  <a:lnTo>
+                    <a:pt x="74" y="3581"/>
+                  </a:lnTo>
+                  <a:lnTo>
+                    <a:pt x="25" y="3678"/>
+                  </a:lnTo>
+                  <a:lnTo>
+                    <a:pt x="1" y="3776"/>
+                  </a:lnTo>
+                  <a:lnTo>
+                    <a:pt x="1" y="3898"/>
+                  </a:lnTo>
+                  <a:lnTo>
+                    <a:pt x="1" y="3898"/>
+                  </a:lnTo>
+                  <a:lnTo>
+                    <a:pt x="1" y="3995"/>
+                  </a:lnTo>
+                  <a:lnTo>
+                    <a:pt x="25" y="4093"/>
+                  </a:lnTo>
+                  <a:lnTo>
+                    <a:pt x="74" y="4190"/>
+                  </a:lnTo>
+                  <a:lnTo>
+                    <a:pt x="147" y="4287"/>
+                  </a:lnTo>
+                  <a:lnTo>
+                    <a:pt x="7843" y="11984"/>
+                  </a:lnTo>
+                  <a:lnTo>
+                    <a:pt x="7843" y="11984"/>
+                  </a:lnTo>
+                  <a:lnTo>
+                    <a:pt x="7941" y="12057"/>
+                  </a:lnTo>
+                  <a:lnTo>
+                    <a:pt x="8038" y="12105"/>
+                  </a:lnTo>
+                  <a:lnTo>
+                    <a:pt x="8135" y="12130"/>
+                  </a:lnTo>
+                  <a:lnTo>
+                    <a:pt x="8233" y="12130"/>
+                  </a:lnTo>
+                  <a:lnTo>
+                    <a:pt x="8233" y="12130"/>
+                  </a:lnTo>
+                  <a:lnTo>
+                    <a:pt x="8355" y="12130"/>
+                  </a:lnTo>
+                  <a:lnTo>
+                    <a:pt x="8452" y="12105"/>
+                  </a:lnTo>
+                  <a:lnTo>
+                    <a:pt x="8549" y="12057"/>
+                  </a:lnTo>
+                  <a:lnTo>
+                    <a:pt x="8622" y="11984"/>
+                  </a:lnTo>
+                  <a:lnTo>
+                    <a:pt x="8622" y="11984"/>
+                  </a:lnTo>
+                  <a:lnTo>
+                    <a:pt x="8842" y="11716"/>
+                  </a:lnTo>
+                  <a:lnTo>
+                    <a:pt x="9036" y="11423"/>
+                  </a:lnTo>
+                  <a:lnTo>
+                    <a:pt x="9158" y="11131"/>
+                  </a:lnTo>
+                  <a:lnTo>
+                    <a:pt x="9280" y="10814"/>
+                  </a:lnTo>
+                  <a:lnTo>
+                    <a:pt x="9353" y="10498"/>
+                  </a:lnTo>
+                  <a:lnTo>
+                    <a:pt x="9402" y="10181"/>
+                  </a:lnTo>
+                  <a:lnTo>
+                    <a:pt x="9426" y="9889"/>
+                  </a:lnTo>
+                  <a:lnTo>
+                    <a:pt x="9426" y="9597"/>
+                  </a:lnTo>
+                  <a:lnTo>
+                    <a:pt x="9426" y="9597"/>
+                  </a:lnTo>
+                  <a:lnTo>
+                    <a:pt x="9426" y="9280"/>
+                  </a:lnTo>
+                  <a:lnTo>
+                    <a:pt x="9402" y="8964"/>
+                  </a:lnTo>
+                  <a:lnTo>
+                    <a:pt x="9353" y="8647"/>
+                  </a:lnTo>
+                  <a:lnTo>
+                    <a:pt x="9280" y="8330"/>
+                  </a:lnTo>
+                  <a:lnTo>
+                    <a:pt x="9231" y="8038"/>
+                  </a:lnTo>
+                  <a:lnTo>
+                    <a:pt x="9134" y="7746"/>
+                  </a:lnTo>
+                  <a:lnTo>
+                    <a:pt x="9036" y="7502"/>
+                  </a:lnTo>
+                  <a:lnTo>
+                    <a:pt x="8939" y="7259"/>
+                  </a:lnTo>
+                  <a:lnTo>
+                    <a:pt x="12130" y="4093"/>
+                  </a:lnTo>
+                </a:path>
+              </a:pathLst>
+            </a:custGeom>
+            <a:noFill/>
+            <a:ln w="9525" cap="rnd" cmpd="sng">
+              <a:solidFill>
+                <a:srgbClr val="000000"/>
+              </a:solidFill>
+              <a:prstDash val="solid"/>
+              <a:round/>
+              <a:headEnd type="none" w="med" len="med"/>
+              <a:tailEnd type="none" w="med" len="med"/>
+            </a:ln>
+          </p:spPr>
+          <p:txBody>
+            <a:bodyPr lIns="91425" tIns="91425" rIns="91425" bIns="91425" anchor="ctr" anchorCtr="0">
+              <a:noAutofit/>
+            </a:bodyPr>
+            <a:lstStyle/>
+            <a:p>
+              <a:pPr lvl="0">
+                <a:spcBef>
+                  <a:spcPts val="0"/>
+                </a:spcBef>
+                <a:buNone/>
+              </a:pPr>
+              <a:endParaRPr/>
+            </a:p>
+          </p:txBody>
+        </p:sp>
+        <p:sp>
+          <p:nvSpPr>
+            <p:cNvPr id="117" name="Shape 117"/>
+            <p:cNvSpPr/>
+            <p:nvPr/>
+          </p:nvSpPr>
+          <p:spPr>
+            <a:xfrm>
+              <a:off x="2814911" y="1754061"/>
+              <a:ext cx="49950" cy="49950"/>
+            </a:xfrm>
+            <a:custGeom>
+              <a:avLst/>
+              <a:gdLst/>
+              <a:ahLst/>
+              <a:cxnLst/>
+              <a:rect l="0" t="0" r="0" b="0"/>
+              <a:pathLst>
+                <a:path w="1998" h="1998" fill="none" extrusionOk="0">
+                  <a:moveTo>
+                    <a:pt x="1" y="1997"/>
+                  </a:moveTo>
+                  <a:lnTo>
+                    <a:pt x="1998" y="0"/>
+                  </a:lnTo>
+                </a:path>
+              </a:pathLst>
+            </a:custGeom>
+            <a:noFill/>
+            <a:ln w="9525" cap="rnd" cmpd="sng">
+              <a:solidFill>
+                <a:srgbClr val="000000"/>
+              </a:solidFill>
+              <a:prstDash val="solid"/>
+              <a:round/>
+              <a:headEnd type="none" w="med" len="med"/>
+              <a:tailEnd type="none" w="med" len="med"/>
+            </a:ln>
+          </p:spPr>
+          <p:txBody>
+            <a:bodyPr lIns="91425" tIns="91425" rIns="91425" bIns="91425" anchor="ctr" anchorCtr="0">
+              <a:noAutofit/>
+            </a:bodyPr>
+            <a:lstStyle/>
+            <a:p>
+              <a:pPr lvl="0">
+                <a:spcBef>
+                  <a:spcPts val="0"/>
+                </a:spcBef>
+                <a:buNone/>
+              </a:pPr>
+              <a:endParaRPr/>
+            </a:p>
+          </p:txBody>
+        </p:sp>
+      </p:grpSp>
+    </p:spTree>
+    <p:extLst>
+      <p:ext uri="{BB962C8B-B14F-4D97-AF65-F5344CB8AC3E}">
+        <p14:creationId xmlns:p14="http://schemas.microsoft.com/office/powerpoint/2010/main" val="42543531"/>
+      </p:ext>
+    </p:extLst>
+  </p:cSld>
+  <p:clrMapOvr>
+    <a:masterClrMapping/>
+  </p:clrMapOvr>
+  <mc:AlternateContent xmlns:mc="http://schemas.openxmlformats.org/markup-compatibility/2006" xmlns:p14="http://schemas.microsoft.com/office/powerpoint/2010/main">
+    <mc:Choice Requires="p14">
+      <p:transition p14:dur="0"/>
+    </mc:Choice>
+    <mc:Fallback xmlns="">
+      <p:transition/>
+    </mc:Fallback>
+  </mc:AlternateContent>
+  <p:timing>
+    <p:tnLst>
+      <p:par>
+        <p:cTn id="1" dur="indefinite" restart="never" nodeType="tmRoot"/>
+      </p:par>
+    </p:tnLst>
+  </p:timing>
+</p:sld>
+</file>
+
+<file path=ppt/slides/slide13.xml><?xml version="1.0" encoding="utf-8"?>
 <p:sld xmlns:a="http://schemas.openxmlformats.org/drawingml/2006/main" xmlns:r="http://schemas.openxmlformats.org/officeDocument/2006/relationships" xmlns:p="http://schemas.openxmlformats.org/presentationml/2006/main">
   <p:cSld>
     <p:spTree>
@@ -4819,11 +6740,11 @@
   <p:clrMapOvr>
     <a:masterClrMapping/>
   </p:clrMapOvr>
-  <mc:AlternateContent xmlns:mc="http://schemas.openxmlformats.org/markup-compatibility/2006">
-    <mc:Choice xmlns:p14="http://schemas.microsoft.com/office/powerpoint/2010/main" Requires="p14">
+  <mc:AlternateContent xmlns:mc="http://schemas.openxmlformats.org/markup-compatibility/2006" xmlns:p14="http://schemas.microsoft.com/office/powerpoint/2010/main">
+    <mc:Choice Requires="p14">
       <p:transition p14:dur="0"/>
     </mc:Choice>
-    <mc:Fallback>
+    <mc:Fallback xmlns="">
       <p:transition/>
     </mc:Fallback>
   </mc:AlternateContent>
@@ -4837,7 +6758,7 @@
 </p:sld>
 </file>
 
-<file path=ppt/slides/slide11.xml><?xml version="1.0" encoding="utf-8"?>
+<file path=ppt/slides/slide14.xml><?xml version="1.0" encoding="utf-8"?>
 <p:sld xmlns:a="http://schemas.openxmlformats.org/drawingml/2006/main" xmlns:r="http://schemas.openxmlformats.org/officeDocument/2006/relationships" xmlns:p="http://schemas.openxmlformats.org/presentationml/2006/main">
   <p:cSld>
     <p:spTree>
@@ -5536,11 +7457,11 @@
   <p:clrMapOvr>
     <a:masterClrMapping/>
   </p:clrMapOvr>
-  <mc:AlternateContent xmlns:mc="http://schemas.openxmlformats.org/markup-compatibility/2006">
-    <mc:Choice xmlns:p14="http://schemas.microsoft.com/office/powerpoint/2010/main" Requires="p14">
+  <mc:AlternateContent xmlns:mc="http://schemas.openxmlformats.org/markup-compatibility/2006" xmlns:p14="http://schemas.microsoft.com/office/powerpoint/2010/main">
+    <mc:Choice Requires="p14">
       <p:transition p14:dur="0"/>
     </mc:Choice>
-    <mc:Fallback>
+    <mc:Fallback xmlns="">
       <p:transition/>
     </mc:Fallback>
   </mc:AlternateContent>
@@ -5554,7 +7475,7 @@
 </p:sld>
 </file>
 
-<file path=ppt/slides/slide12.xml><?xml version="1.0" encoding="utf-8"?>
+<file path=ppt/slides/slide15.xml><?xml version="1.0" encoding="utf-8"?>
 <p:sld xmlns:a="http://schemas.openxmlformats.org/drawingml/2006/main" xmlns:r="http://schemas.openxmlformats.org/officeDocument/2006/relationships" xmlns:p="http://schemas.openxmlformats.org/presentationml/2006/main">
   <p:cSld>
     <p:spTree>
@@ -5713,11 +7634,11 @@
   <p:clrMapOvr>
     <a:masterClrMapping/>
   </p:clrMapOvr>
-  <mc:AlternateContent xmlns:mc="http://schemas.openxmlformats.org/markup-compatibility/2006">
-    <mc:Choice xmlns:p14="http://schemas.microsoft.com/office/powerpoint/2010/main" Requires="p14">
+  <mc:AlternateContent xmlns:mc="http://schemas.openxmlformats.org/markup-compatibility/2006" xmlns:p14="http://schemas.microsoft.com/office/powerpoint/2010/main">
+    <mc:Choice Requires="p14">
       <p:transition p14:dur="0"/>
     </mc:Choice>
-    <mc:Fallback>
+    <mc:Fallback xmlns="">
       <p:transition/>
     </mc:Fallback>
   </mc:AlternateContent>
@@ -5731,7 +7652,7 @@
 </p:sld>
 </file>
 
-<file path=ppt/slides/slide13.xml><?xml version="1.0" encoding="utf-8"?>
+<file path=ppt/slides/slide16.xml><?xml version="1.0" encoding="utf-8"?>
 <p:sld xmlns:a="http://schemas.openxmlformats.org/drawingml/2006/main" xmlns:r="http://schemas.openxmlformats.org/officeDocument/2006/relationships" xmlns:p="http://schemas.openxmlformats.org/presentationml/2006/main">
   <p:cSld>
     <p:spTree>
@@ -6442,11 +8363,11 @@
   <p:clrMapOvr>
     <a:masterClrMapping/>
   </p:clrMapOvr>
-  <mc:AlternateContent xmlns:mc="http://schemas.openxmlformats.org/markup-compatibility/2006">
-    <mc:Choice xmlns:p14="http://schemas.microsoft.com/office/powerpoint/2010/main" Requires="p14">
+  <mc:AlternateContent xmlns:mc="http://schemas.openxmlformats.org/markup-compatibility/2006" xmlns:p14="http://schemas.microsoft.com/office/powerpoint/2010/main">
+    <mc:Choice Requires="p14">
       <p:transition p14:dur="0"/>
     </mc:Choice>
-    <mc:Fallback>
+    <mc:Fallback xmlns="">
       <p:transition/>
     </mc:Fallback>
   </mc:AlternateContent>
@@ -6460,7 +8381,7 @@
 </p:sld>
 </file>
 
-<file path=ppt/slides/slide14.xml><?xml version="1.0" encoding="utf-8"?>
+<file path=ppt/slides/slide17.xml><?xml version="1.0" encoding="utf-8"?>
 <p:sld xmlns:a="http://schemas.openxmlformats.org/drawingml/2006/main" xmlns:r="http://schemas.openxmlformats.org/officeDocument/2006/relationships" xmlns:p="http://schemas.openxmlformats.org/presentationml/2006/main">
   <p:cSld>
     <p:spTree>
@@ -8039,11 +9960,11 @@
   <p:clrMapOvr>
     <a:masterClrMapping/>
   </p:clrMapOvr>
-  <mc:AlternateContent xmlns:mc="http://schemas.openxmlformats.org/markup-compatibility/2006">
-    <mc:Choice xmlns:p14="http://schemas.microsoft.com/office/powerpoint/2010/main" Requires="p14">
+  <mc:AlternateContent xmlns:mc="http://schemas.openxmlformats.org/markup-compatibility/2006" xmlns:p14="http://schemas.microsoft.com/office/powerpoint/2010/main">
+    <mc:Choice Requires="p14">
       <p:transition p14:dur="0"/>
     </mc:Choice>
-    <mc:Fallback>
+    <mc:Fallback xmlns="">
       <p:transition/>
     </mc:Fallback>
   </mc:AlternateContent>
@@ -8208,11 +10129,11 @@
   <p:clrMapOvr>
     <a:masterClrMapping/>
   </p:clrMapOvr>
-  <mc:AlternateContent xmlns:mc="http://schemas.openxmlformats.org/markup-compatibility/2006">
-    <mc:Choice xmlns:p14="http://schemas.microsoft.com/office/powerpoint/2010/main" Requires="p14">
+  <mc:AlternateContent xmlns:mc="http://schemas.openxmlformats.org/markup-compatibility/2006" xmlns:p14="http://schemas.microsoft.com/office/powerpoint/2010/main">
+    <mc:Choice Requires="p14">
       <p:transition p14:dur="0"/>
     </mc:Choice>
-    <mc:Fallback>
+    <mc:Fallback xmlns="">
       <p:transition/>
     </mc:Fallback>
   </mc:AlternateContent>
@@ -8936,11 +10857,11 @@
   <p:clrMapOvr>
     <a:masterClrMapping/>
   </p:clrMapOvr>
-  <mc:AlternateContent xmlns:mc="http://schemas.openxmlformats.org/markup-compatibility/2006">
-    <mc:Choice xmlns:p14="http://schemas.microsoft.com/office/powerpoint/2010/main" Requires="p14">
+  <mc:AlternateContent xmlns:mc="http://schemas.openxmlformats.org/markup-compatibility/2006" xmlns:p14="http://schemas.microsoft.com/office/powerpoint/2010/main">
+    <mc:Choice Requires="p14">
       <p:transition p14:dur="0"/>
     </mc:Choice>
-    <mc:Fallback>
+    <mc:Fallback xmlns="">
       <p:transition/>
     </mc:Fallback>
   </mc:AlternateContent>
@@ -9050,37 +10971,18 @@
             </a:pPr>
             <a:r>
               <a:rPr lang="en" dirty="0" smtClean="0"/>
-              <a:t>Größe der Module</a:t>
+              <a:t>Lines of Code	 </a:t>
             </a:r>
-          </a:p>
-          <a:p>
-            <a:pPr marL="457200" lvl="0" indent="-228600" rtl="0">
-              <a:spcBef>
-                <a:spcPts val="0"/>
-              </a:spcBef>
-            </a:pPr>
+            <a:r>
+              <a:rPr lang="en" dirty="0" smtClean="0">
+                <a:sym typeface="Wingdings" pitchFamily="2" charset="2"/>
+              </a:rPr>
+              <a:t>   </a:t>
+            </a:r>
             <a:r>
               <a:rPr lang="en" dirty="0" smtClean="0"/>
-              <a:t>Lines of code</a:t>
+              <a:t>1239</a:t>
             </a:r>
-          </a:p>
-          <a:p>
-            <a:pPr marL="457200" lvl="0" indent="-228600" rtl="0">
-              <a:spcBef>
-                <a:spcPts val="0"/>
-              </a:spcBef>
-            </a:pPr>
-            <a:r>
-              <a:rPr lang="en" dirty="0" smtClean="0"/>
-              <a:t>Aufwand in Personentagen?</a:t>
-            </a:r>
-          </a:p>
-          <a:p>
-            <a:pPr marL="457200" lvl="0" indent="-228600" rtl="0">
-              <a:spcBef>
-                <a:spcPts val="0"/>
-              </a:spcBef>
-            </a:pPr>
             <a:endParaRPr lang="en" dirty="0"/>
           </a:p>
         </p:txBody>
@@ -9646,18 +11548,18 @@
     </p:spTree>
     <p:extLst>
       <p:ext uri="{BB962C8B-B14F-4D97-AF65-F5344CB8AC3E}">
-        <p14:creationId xmlns:p14="http://schemas.microsoft.com/office/powerpoint/2010/main" val="898315128"/>
+        <p14:creationId xmlns:p14="http://schemas.microsoft.com/office/powerpoint/2010/main" val="833175814"/>
       </p:ext>
     </p:extLst>
   </p:cSld>
   <p:clrMapOvr>
     <a:masterClrMapping/>
   </p:clrMapOvr>
-  <mc:AlternateContent xmlns:mc="http://schemas.openxmlformats.org/markup-compatibility/2006">
-    <mc:Choice xmlns:p14="http://schemas.microsoft.com/office/powerpoint/2010/main" Requires="p14">
+  <mc:AlternateContent xmlns:mc="http://schemas.openxmlformats.org/markup-compatibility/2006" xmlns:p14="http://schemas.microsoft.com/office/powerpoint/2010/main">
+    <mc:Choice Requires="p14">
       <p:transition p14:dur="0"/>
     </mc:Choice>
-    <mc:Fallback>
+    <mc:Fallback xmlns="">
       <p:transition/>
     </mc:Fallback>
   </mc:AlternateContent>
@@ -9676,7 +11578,7 @@
   <p:cSld>
     <p:spTree>
       <p:nvGrpSpPr>
-        <p:cNvPr id="1" name="Shape 98"/>
+        <p:cNvPr id="1" name="Shape 110"/>
         <p:cNvGrpSpPr/>
         <p:nvPr/>
       </p:nvGrpSpPr>
@@ -9690,57 +11592,65 @@
       </p:grpSpPr>
       <p:sp>
         <p:nvSpPr>
-          <p:cNvPr id="99" name="Shape 99"/>
+          <p:cNvPr id="111" name="Shape 111"/>
           <p:cNvSpPr txBox="1">
             <a:spLocks noGrp="1"/>
           </p:cNvSpPr>
           <p:nvPr>
-            <p:ph type="ctrTitle"/>
+            <p:ph type="title"/>
           </p:nvPr>
         </p:nvSpPr>
         <p:spPr>
           <a:xfrm>
-            <a:off x="2022225" y="1693523"/>
-            <a:ext cx="3787799" cy="1159799"/>
+            <a:off x="1381250" y="922668"/>
+            <a:ext cx="3878399" cy="435599"/>
           </a:xfrm>
           <a:prstGeom prst="rect">
             <a:avLst/>
           </a:prstGeom>
         </p:spPr>
         <p:txBody>
-          <a:bodyPr lIns="91425" tIns="91425" rIns="91425" bIns="91425" anchor="b" anchorCtr="0">
+          <a:bodyPr lIns="91425" tIns="91425" rIns="91425" bIns="91425" anchor="ctr" anchorCtr="0">
             <a:noAutofit/>
           </a:bodyPr>
           <a:lstStyle/>
           <a:p>
-            <a:pPr lvl="0" rtl="0">
+            <a:pPr lvl="0">
               <a:spcBef>
                 <a:spcPts val="0"/>
               </a:spcBef>
               <a:buNone/>
             </a:pPr>
             <a:r>
-              <a:rPr lang="en" dirty="0" smtClean="0"/>
-              <a:t>Analysten</a:t>
+              <a:rPr lang="en" dirty="0" smtClean="0">
+                <a:highlight>
+                  <a:srgbClr val="FFCD00"/>
+                </a:highlight>
+              </a:rPr>
+              <a:t>Projektaufwand</a:t>
             </a:r>
-            <a:endParaRPr lang="en" dirty="0"/>
+            <a:endParaRPr lang="en" dirty="0">
+              <a:highlight>
+                <a:srgbClr val="FFCD00"/>
+              </a:highlight>
+            </a:endParaRPr>
           </a:p>
         </p:txBody>
       </p:sp>
       <p:sp>
         <p:nvSpPr>
-          <p:cNvPr id="100" name="Shape 100"/>
+          <p:cNvPr id="112" name="Shape 112"/>
           <p:cNvSpPr txBox="1">
             <a:spLocks noGrp="1"/>
           </p:cNvSpPr>
           <p:nvPr>
-            <p:ph type="subTitle" idx="1"/>
+            <p:ph type="body" idx="1"/>
           </p:nvPr>
         </p:nvSpPr>
         <p:spPr>
           <a:xfrm>
-            <a:off x="2022300" y="2815923"/>
-            <a:ext cx="5591400" cy="784799"/>
+            <a:off x="1381250" y="1616470"/>
+            <a:ext cx="6809700" cy="3112200"/>
           </a:xfrm>
           <a:prstGeom prst="rect">
             <a:avLst/>
@@ -9752,90 +11662,666 @@
           </a:bodyPr>
           <a:lstStyle/>
           <a:p>
-            <a:pPr lvl="0" rtl="0">
+            <a:pPr marL="457200" lvl="0" indent="-228600">
+              <a:spcBef>
+                <a:spcPts val="0"/>
+              </a:spcBef>
+            </a:pPr>
+            <a:r>
+              <a:rPr lang="en" dirty="0" smtClean="0"/>
+              <a:t>Lines of Code	</a:t>
+            </a:r>
+            <a:r>
+              <a:rPr lang="en" dirty="0">
+                <a:sym typeface="Wingdings" pitchFamily="2" charset="2"/>
+              </a:rPr>
+              <a:t> </a:t>
+            </a:r>
+            <a:r>
+              <a:rPr lang="en" dirty="0" smtClean="0">
+                <a:sym typeface="Wingdings" pitchFamily="2" charset="2"/>
+              </a:rPr>
+              <a:t>  </a:t>
+            </a:r>
+            <a:r>
+              <a:rPr lang="en" dirty="0" smtClean="0"/>
+              <a:t> 1239</a:t>
+            </a:r>
+            <a:endParaRPr lang="en" dirty="0"/>
+          </a:p>
+          <a:p>
+            <a:pPr marL="228600" lvl="0">
               <a:spcBef>
                 <a:spcPts val="0"/>
               </a:spcBef>
               <a:buNone/>
             </a:pPr>
             <a:r>
+              <a:rPr lang="en" dirty="0" smtClean="0">
+                <a:sym typeface="Wingdings" pitchFamily="2" charset="2"/>
+              </a:rPr>
+              <a:t> </a:t>
+            </a:r>
+            <a:r>
               <a:rPr lang="en" dirty="0" smtClean="0"/>
-              <a:t>Richard Vladimirskij</a:t>
+              <a:t>Persistence     	     </a:t>
+            </a:r>
+            <a:r>
+              <a:rPr lang="en" dirty="0" smtClean="0">
+                <a:sym typeface="Wingdings" pitchFamily="2" charset="2"/>
+              </a:rPr>
+              <a:t>716</a:t>
+            </a:r>
+            <a:endParaRPr lang="en" dirty="0"/>
+          </a:p>
+          <a:p>
+            <a:pPr marL="228600" lvl="0">
+              <a:spcBef>
+                <a:spcPts val="0"/>
+              </a:spcBef>
+              <a:buNone/>
+            </a:pPr>
+            <a:r>
+              <a:rPr lang="en" dirty="0" smtClean="0">
+                <a:sym typeface="Wingdings" pitchFamily="2" charset="2"/>
+              </a:rPr>
+              <a:t> </a:t>
+            </a:r>
+            <a:r>
+              <a:rPr lang="en" dirty="0" smtClean="0"/>
+              <a:t>Game		     283</a:t>
+            </a:r>
+          </a:p>
+          <a:p>
+            <a:pPr marL="228600" lvl="0">
+              <a:spcBef>
+                <a:spcPts val="0"/>
+              </a:spcBef>
+              <a:buNone/>
+            </a:pPr>
+            <a:r>
+              <a:rPr lang="en" dirty="0" smtClean="0">
+                <a:sym typeface="Wingdings" pitchFamily="2" charset="2"/>
+              </a:rPr>
+              <a:t> Gui		     240</a:t>
             </a:r>
             <a:endParaRPr lang="en" dirty="0"/>
           </a:p>
         </p:txBody>
       </p:sp>
-      <p:sp>
-        <p:nvSpPr>
-          <p:cNvPr id="101" name="Shape 101"/>
-          <p:cNvSpPr txBox="1"/>
+      <p:grpSp>
+        <p:nvGrpSpPr>
+          <p:cNvPr id="113" name="Shape 113"/>
+          <p:cNvGrpSpPr/>
           <p:nvPr/>
-        </p:nvSpPr>
-        <p:spPr>
+        </p:nvGrpSpPr>
+        <p:grpSpPr>
           <a:xfrm>
-            <a:off x="1133975" y="2291150"/>
-            <a:ext cx="543899" cy="562199"/>
+            <a:off x="916458" y="1019750"/>
+            <a:ext cx="214624" cy="214624"/>
+            <a:chOff x="2594050" y="1631825"/>
+            <a:chExt cx="439625" cy="439625"/>
           </a:xfrm>
-          <a:prstGeom prst="rect">
-            <a:avLst/>
-          </a:prstGeom>
-          <a:noFill/>
-          <a:ln>
+        </p:grpSpPr>
+        <p:sp>
+          <p:nvSpPr>
+            <p:cNvPr id="114" name="Shape 114"/>
+            <p:cNvSpPr/>
+            <p:nvPr/>
+          </p:nvSpPr>
+          <p:spPr>
+            <a:xfrm>
+              <a:off x="2594050" y="1883300"/>
+              <a:ext cx="188175" cy="188150"/>
+            </a:xfrm>
+            <a:custGeom>
+              <a:avLst/>
+              <a:gdLst/>
+              <a:ahLst/>
+              <a:cxnLst/>
+              <a:rect l="0" t="0" r="0" b="0"/>
+              <a:pathLst>
+                <a:path w="7527" h="7526" fill="none" extrusionOk="0">
+                  <a:moveTo>
+                    <a:pt x="5992" y="0"/>
+                  </a:moveTo>
+                  <a:lnTo>
+                    <a:pt x="537" y="6430"/>
+                  </a:lnTo>
+                  <a:lnTo>
+                    <a:pt x="1" y="7526"/>
+                  </a:lnTo>
+                  <a:lnTo>
+                    <a:pt x="1097" y="6990"/>
+                  </a:lnTo>
+                  <a:lnTo>
+                    <a:pt x="7526" y="1534"/>
+                  </a:lnTo>
+                  <a:lnTo>
+                    <a:pt x="5992" y="0"/>
+                  </a:lnTo>
+                  <a:close/>
+                </a:path>
+              </a:pathLst>
+            </a:custGeom>
             <a:noFill/>
-          </a:ln>
-        </p:spPr>
-        <p:txBody>
-          <a:bodyPr lIns="91425" tIns="91425" rIns="91425" bIns="91425" anchor="ctr" anchorCtr="0">
-            <a:noAutofit/>
-          </a:bodyPr>
-          <a:lstStyle/>
-          <a:p>
-            <a:pPr lvl="0" algn="ctr">
-              <a:spcBef>
-                <a:spcPts val="0"/>
-              </a:spcBef>
-              <a:buNone/>
-            </a:pPr>
-            <a:r>
-              <a:rPr lang="en" sz="2400" dirty="0" smtClean="0">
-                <a:solidFill>
-                  <a:schemeClr val="dk1"/>
-                </a:solidFill>
-                <a:latin typeface="Lora"/>
-                <a:ea typeface="Lora"/>
-                <a:cs typeface="Lora"/>
-                <a:sym typeface="Lora"/>
-              </a:rPr>
-              <a:t>2</a:t>
-            </a:r>
-            <a:endParaRPr lang="en" sz="2400" dirty="0">
+            <a:ln w="9525" cap="rnd" cmpd="sng">
               <a:solidFill>
-                <a:schemeClr val="dk1"/>
+                <a:srgbClr val="000000"/>
               </a:solidFill>
-              <a:latin typeface="Lora"/>
-              <a:ea typeface="Lora"/>
-              <a:cs typeface="Lora"/>
-              <a:sym typeface="Lora"/>
-            </a:endParaRPr>
-          </a:p>
-        </p:txBody>
-      </p:sp>
+              <a:prstDash val="solid"/>
+              <a:round/>
+              <a:headEnd type="none" w="med" len="med"/>
+              <a:tailEnd type="none" w="med" len="med"/>
+            </a:ln>
+          </p:spPr>
+          <p:txBody>
+            <a:bodyPr lIns="91425" tIns="91425" rIns="91425" bIns="91425" anchor="ctr" anchorCtr="0">
+              <a:noAutofit/>
+            </a:bodyPr>
+            <a:lstStyle/>
+            <a:p>
+              <a:pPr lvl="0">
+                <a:spcBef>
+                  <a:spcPts val="0"/>
+                </a:spcBef>
+                <a:buNone/>
+              </a:pPr>
+              <a:endParaRPr/>
+            </a:p>
+          </p:txBody>
+        </p:sp>
+        <p:sp>
+          <p:nvSpPr>
+            <p:cNvPr id="115" name="Shape 115"/>
+            <p:cNvSpPr/>
+            <p:nvPr/>
+          </p:nvSpPr>
+          <p:spPr>
+            <a:xfrm>
+              <a:off x="2857700" y="1631825"/>
+              <a:ext cx="175975" cy="176000"/>
+            </a:xfrm>
+            <a:custGeom>
+              <a:avLst/>
+              <a:gdLst/>
+              <a:ahLst/>
+              <a:cxnLst/>
+              <a:rect l="0" t="0" r="0" b="0"/>
+              <a:pathLst>
+                <a:path w="7039" h="7040" fill="none" extrusionOk="0">
+                  <a:moveTo>
+                    <a:pt x="268" y="2704"/>
+                  </a:moveTo>
+                  <a:lnTo>
+                    <a:pt x="4336" y="6771"/>
+                  </a:lnTo>
+                  <a:lnTo>
+                    <a:pt x="4336" y="6771"/>
+                  </a:lnTo>
+                  <a:lnTo>
+                    <a:pt x="4336" y="6771"/>
+                  </a:lnTo>
+                  <a:lnTo>
+                    <a:pt x="4652" y="6917"/>
+                  </a:lnTo>
+                  <a:lnTo>
+                    <a:pt x="4993" y="7015"/>
+                  </a:lnTo>
+                  <a:lnTo>
+                    <a:pt x="5310" y="7039"/>
+                  </a:lnTo>
+                  <a:lnTo>
+                    <a:pt x="5651" y="7039"/>
+                  </a:lnTo>
+                  <a:lnTo>
+                    <a:pt x="5992" y="6966"/>
+                  </a:lnTo>
+                  <a:lnTo>
+                    <a:pt x="6308" y="6844"/>
+                  </a:lnTo>
+                  <a:lnTo>
+                    <a:pt x="6454" y="6747"/>
+                  </a:lnTo>
+                  <a:lnTo>
+                    <a:pt x="6601" y="6674"/>
+                  </a:lnTo>
+                  <a:lnTo>
+                    <a:pt x="6747" y="6552"/>
+                  </a:lnTo>
+                  <a:lnTo>
+                    <a:pt x="6893" y="6430"/>
+                  </a:lnTo>
+                  <a:lnTo>
+                    <a:pt x="6893" y="6430"/>
+                  </a:lnTo>
+                  <a:lnTo>
+                    <a:pt x="6942" y="6357"/>
+                  </a:lnTo>
+                  <a:lnTo>
+                    <a:pt x="7015" y="6260"/>
+                  </a:lnTo>
+                  <a:lnTo>
+                    <a:pt x="7039" y="6138"/>
+                  </a:lnTo>
+                  <a:lnTo>
+                    <a:pt x="7039" y="6041"/>
+                  </a:lnTo>
+                  <a:lnTo>
+                    <a:pt x="7039" y="6041"/>
+                  </a:lnTo>
+                  <a:lnTo>
+                    <a:pt x="7039" y="5943"/>
+                  </a:lnTo>
+                  <a:lnTo>
+                    <a:pt x="7015" y="5846"/>
+                  </a:lnTo>
+                  <a:lnTo>
+                    <a:pt x="6942" y="5748"/>
+                  </a:lnTo>
+                  <a:lnTo>
+                    <a:pt x="6893" y="5651"/>
+                  </a:lnTo>
+                  <a:lnTo>
+                    <a:pt x="1389" y="147"/>
+                  </a:lnTo>
+                  <a:lnTo>
+                    <a:pt x="1389" y="147"/>
+                  </a:lnTo>
+                  <a:lnTo>
+                    <a:pt x="1291" y="98"/>
+                  </a:lnTo>
+                  <a:lnTo>
+                    <a:pt x="1194" y="25"/>
+                  </a:lnTo>
+                  <a:lnTo>
+                    <a:pt x="1096" y="0"/>
+                  </a:lnTo>
+                  <a:lnTo>
+                    <a:pt x="999" y="0"/>
+                  </a:lnTo>
+                  <a:lnTo>
+                    <a:pt x="999" y="0"/>
+                  </a:lnTo>
+                  <a:lnTo>
+                    <a:pt x="902" y="0"/>
+                  </a:lnTo>
+                  <a:lnTo>
+                    <a:pt x="780" y="25"/>
+                  </a:lnTo>
+                  <a:lnTo>
+                    <a:pt x="682" y="98"/>
+                  </a:lnTo>
+                  <a:lnTo>
+                    <a:pt x="609" y="147"/>
+                  </a:lnTo>
+                  <a:lnTo>
+                    <a:pt x="609" y="147"/>
+                  </a:lnTo>
+                  <a:lnTo>
+                    <a:pt x="487" y="293"/>
+                  </a:lnTo>
+                  <a:lnTo>
+                    <a:pt x="366" y="439"/>
+                  </a:lnTo>
+                  <a:lnTo>
+                    <a:pt x="293" y="585"/>
+                  </a:lnTo>
+                  <a:lnTo>
+                    <a:pt x="195" y="731"/>
+                  </a:lnTo>
+                  <a:lnTo>
+                    <a:pt x="73" y="1048"/>
+                  </a:lnTo>
+                  <a:lnTo>
+                    <a:pt x="0" y="1389"/>
+                  </a:lnTo>
+                  <a:lnTo>
+                    <a:pt x="0" y="1730"/>
+                  </a:lnTo>
+                  <a:lnTo>
+                    <a:pt x="25" y="2046"/>
+                  </a:lnTo>
+                  <a:lnTo>
+                    <a:pt x="122" y="2387"/>
+                  </a:lnTo>
+                  <a:lnTo>
+                    <a:pt x="268" y="2704"/>
+                  </a:lnTo>
+                  <a:lnTo>
+                    <a:pt x="268" y="2704"/>
+                  </a:lnTo>
+                  <a:close/>
+                </a:path>
+              </a:pathLst>
+            </a:custGeom>
+            <a:noFill/>
+            <a:ln w="9525" cap="rnd" cmpd="sng">
+              <a:solidFill>
+                <a:srgbClr val="000000"/>
+              </a:solidFill>
+              <a:prstDash val="solid"/>
+              <a:round/>
+              <a:headEnd type="none" w="med" len="med"/>
+              <a:tailEnd type="none" w="med" len="med"/>
+            </a:ln>
+          </p:spPr>
+          <p:txBody>
+            <a:bodyPr lIns="91425" tIns="91425" rIns="91425" bIns="91425" anchor="ctr" anchorCtr="0">
+              <a:noAutofit/>
+            </a:bodyPr>
+            <a:lstStyle/>
+            <a:p>
+              <a:pPr lvl="0">
+                <a:spcBef>
+                  <a:spcPts val="0"/>
+                </a:spcBef>
+                <a:buNone/>
+              </a:pPr>
+              <a:endParaRPr/>
+            </a:p>
+          </p:txBody>
+        </p:sp>
+        <p:sp>
+          <p:nvSpPr>
+            <p:cNvPr id="116" name="Shape 116"/>
+            <p:cNvSpPr/>
+            <p:nvPr/>
+          </p:nvSpPr>
+          <p:spPr>
+            <a:xfrm>
+              <a:off x="2662850" y="1699400"/>
+              <a:ext cx="303250" cy="303250"/>
+            </a:xfrm>
+            <a:custGeom>
+              <a:avLst/>
+              <a:gdLst/>
+              <a:ahLst/>
+              <a:cxnLst/>
+              <a:rect l="0" t="0" r="0" b="0"/>
+              <a:pathLst>
+                <a:path w="12130" h="12130" fill="none" extrusionOk="0">
+                  <a:moveTo>
+                    <a:pt x="8038" y="1"/>
+                  </a:moveTo>
+                  <a:lnTo>
+                    <a:pt x="4872" y="3191"/>
+                  </a:lnTo>
+                  <a:lnTo>
+                    <a:pt x="4872" y="3191"/>
+                  </a:lnTo>
+                  <a:lnTo>
+                    <a:pt x="4628" y="3094"/>
+                  </a:lnTo>
+                  <a:lnTo>
+                    <a:pt x="4385" y="2997"/>
+                  </a:lnTo>
+                  <a:lnTo>
+                    <a:pt x="4092" y="2899"/>
+                  </a:lnTo>
+                  <a:lnTo>
+                    <a:pt x="3800" y="2850"/>
+                  </a:lnTo>
+                  <a:lnTo>
+                    <a:pt x="3484" y="2777"/>
+                  </a:lnTo>
+                  <a:lnTo>
+                    <a:pt x="3167" y="2729"/>
+                  </a:lnTo>
+                  <a:lnTo>
+                    <a:pt x="2850" y="2704"/>
+                  </a:lnTo>
+                  <a:lnTo>
+                    <a:pt x="2534" y="2704"/>
+                  </a:lnTo>
+                  <a:lnTo>
+                    <a:pt x="2534" y="2704"/>
+                  </a:lnTo>
+                  <a:lnTo>
+                    <a:pt x="2241" y="2704"/>
+                  </a:lnTo>
+                  <a:lnTo>
+                    <a:pt x="1949" y="2729"/>
+                  </a:lnTo>
+                  <a:lnTo>
+                    <a:pt x="1633" y="2777"/>
+                  </a:lnTo>
+                  <a:lnTo>
+                    <a:pt x="1316" y="2850"/>
+                  </a:lnTo>
+                  <a:lnTo>
+                    <a:pt x="999" y="2972"/>
+                  </a:lnTo>
+                  <a:lnTo>
+                    <a:pt x="707" y="3094"/>
+                  </a:lnTo>
+                  <a:lnTo>
+                    <a:pt x="415" y="3289"/>
+                  </a:lnTo>
+                  <a:lnTo>
+                    <a:pt x="147" y="3508"/>
+                  </a:lnTo>
+                  <a:lnTo>
+                    <a:pt x="147" y="3508"/>
+                  </a:lnTo>
+                  <a:lnTo>
+                    <a:pt x="74" y="3581"/>
+                  </a:lnTo>
+                  <a:lnTo>
+                    <a:pt x="25" y="3678"/>
+                  </a:lnTo>
+                  <a:lnTo>
+                    <a:pt x="1" y="3776"/>
+                  </a:lnTo>
+                  <a:lnTo>
+                    <a:pt x="1" y="3898"/>
+                  </a:lnTo>
+                  <a:lnTo>
+                    <a:pt x="1" y="3898"/>
+                  </a:lnTo>
+                  <a:lnTo>
+                    <a:pt x="1" y="3995"/>
+                  </a:lnTo>
+                  <a:lnTo>
+                    <a:pt x="25" y="4093"/>
+                  </a:lnTo>
+                  <a:lnTo>
+                    <a:pt x="74" y="4190"/>
+                  </a:lnTo>
+                  <a:lnTo>
+                    <a:pt x="147" y="4287"/>
+                  </a:lnTo>
+                  <a:lnTo>
+                    <a:pt x="7843" y="11984"/>
+                  </a:lnTo>
+                  <a:lnTo>
+                    <a:pt x="7843" y="11984"/>
+                  </a:lnTo>
+                  <a:lnTo>
+                    <a:pt x="7941" y="12057"/>
+                  </a:lnTo>
+                  <a:lnTo>
+                    <a:pt x="8038" y="12105"/>
+                  </a:lnTo>
+                  <a:lnTo>
+                    <a:pt x="8135" y="12130"/>
+                  </a:lnTo>
+                  <a:lnTo>
+                    <a:pt x="8233" y="12130"/>
+                  </a:lnTo>
+                  <a:lnTo>
+                    <a:pt x="8233" y="12130"/>
+                  </a:lnTo>
+                  <a:lnTo>
+                    <a:pt x="8355" y="12130"/>
+                  </a:lnTo>
+                  <a:lnTo>
+                    <a:pt x="8452" y="12105"/>
+                  </a:lnTo>
+                  <a:lnTo>
+                    <a:pt x="8549" y="12057"/>
+                  </a:lnTo>
+                  <a:lnTo>
+                    <a:pt x="8622" y="11984"/>
+                  </a:lnTo>
+                  <a:lnTo>
+                    <a:pt x="8622" y="11984"/>
+                  </a:lnTo>
+                  <a:lnTo>
+                    <a:pt x="8842" y="11716"/>
+                  </a:lnTo>
+                  <a:lnTo>
+                    <a:pt x="9036" y="11423"/>
+                  </a:lnTo>
+                  <a:lnTo>
+                    <a:pt x="9158" y="11131"/>
+                  </a:lnTo>
+                  <a:lnTo>
+                    <a:pt x="9280" y="10814"/>
+                  </a:lnTo>
+                  <a:lnTo>
+                    <a:pt x="9353" y="10498"/>
+                  </a:lnTo>
+                  <a:lnTo>
+                    <a:pt x="9402" y="10181"/>
+                  </a:lnTo>
+                  <a:lnTo>
+                    <a:pt x="9426" y="9889"/>
+                  </a:lnTo>
+                  <a:lnTo>
+                    <a:pt x="9426" y="9597"/>
+                  </a:lnTo>
+                  <a:lnTo>
+                    <a:pt x="9426" y="9597"/>
+                  </a:lnTo>
+                  <a:lnTo>
+                    <a:pt x="9426" y="9280"/>
+                  </a:lnTo>
+                  <a:lnTo>
+                    <a:pt x="9402" y="8964"/>
+                  </a:lnTo>
+                  <a:lnTo>
+                    <a:pt x="9353" y="8647"/>
+                  </a:lnTo>
+                  <a:lnTo>
+                    <a:pt x="9280" y="8330"/>
+                  </a:lnTo>
+                  <a:lnTo>
+                    <a:pt x="9231" y="8038"/>
+                  </a:lnTo>
+                  <a:lnTo>
+                    <a:pt x="9134" y="7746"/>
+                  </a:lnTo>
+                  <a:lnTo>
+                    <a:pt x="9036" y="7502"/>
+                  </a:lnTo>
+                  <a:lnTo>
+                    <a:pt x="8939" y="7259"/>
+                  </a:lnTo>
+                  <a:lnTo>
+                    <a:pt x="12130" y="4093"/>
+                  </a:lnTo>
+                </a:path>
+              </a:pathLst>
+            </a:custGeom>
+            <a:noFill/>
+            <a:ln w="9525" cap="rnd" cmpd="sng">
+              <a:solidFill>
+                <a:srgbClr val="000000"/>
+              </a:solidFill>
+              <a:prstDash val="solid"/>
+              <a:round/>
+              <a:headEnd type="none" w="med" len="med"/>
+              <a:tailEnd type="none" w="med" len="med"/>
+            </a:ln>
+          </p:spPr>
+          <p:txBody>
+            <a:bodyPr lIns="91425" tIns="91425" rIns="91425" bIns="91425" anchor="ctr" anchorCtr="0">
+              <a:noAutofit/>
+            </a:bodyPr>
+            <a:lstStyle/>
+            <a:p>
+              <a:pPr lvl="0">
+                <a:spcBef>
+                  <a:spcPts val="0"/>
+                </a:spcBef>
+                <a:buNone/>
+              </a:pPr>
+              <a:endParaRPr/>
+            </a:p>
+          </p:txBody>
+        </p:sp>
+        <p:sp>
+          <p:nvSpPr>
+            <p:cNvPr id="117" name="Shape 117"/>
+            <p:cNvSpPr/>
+            <p:nvPr/>
+          </p:nvSpPr>
+          <p:spPr>
+            <a:xfrm>
+              <a:off x="2814911" y="1754061"/>
+              <a:ext cx="49950" cy="49950"/>
+            </a:xfrm>
+            <a:custGeom>
+              <a:avLst/>
+              <a:gdLst/>
+              <a:ahLst/>
+              <a:cxnLst/>
+              <a:rect l="0" t="0" r="0" b="0"/>
+              <a:pathLst>
+                <a:path w="1998" h="1998" fill="none" extrusionOk="0">
+                  <a:moveTo>
+                    <a:pt x="1" y="1997"/>
+                  </a:moveTo>
+                  <a:lnTo>
+                    <a:pt x="1998" y="0"/>
+                  </a:lnTo>
+                </a:path>
+              </a:pathLst>
+            </a:custGeom>
+            <a:noFill/>
+            <a:ln w="9525" cap="rnd" cmpd="sng">
+              <a:solidFill>
+                <a:srgbClr val="000000"/>
+              </a:solidFill>
+              <a:prstDash val="solid"/>
+              <a:round/>
+              <a:headEnd type="none" w="med" len="med"/>
+              <a:tailEnd type="none" w="med" len="med"/>
+            </a:ln>
+          </p:spPr>
+          <p:txBody>
+            <a:bodyPr lIns="91425" tIns="91425" rIns="91425" bIns="91425" anchor="ctr" anchorCtr="0">
+              <a:noAutofit/>
+            </a:bodyPr>
+            <a:lstStyle/>
+            <a:p>
+              <a:pPr lvl="0">
+                <a:spcBef>
+                  <a:spcPts val="0"/>
+                </a:spcBef>
+                <a:buNone/>
+              </a:pPr>
+              <a:endParaRPr/>
+            </a:p>
+          </p:txBody>
+        </p:sp>
+      </p:grpSp>
     </p:spTree>
     <p:extLst>
       <p:ext uri="{BB962C8B-B14F-4D97-AF65-F5344CB8AC3E}">
-        <p14:creationId xmlns:p14="http://schemas.microsoft.com/office/powerpoint/2010/main" val="2145982150"/>
+        <p14:creationId xmlns:p14="http://schemas.microsoft.com/office/powerpoint/2010/main" val="1279202038"/>
       </p:ext>
     </p:extLst>
   </p:cSld>
   <p:clrMapOvr>
     <a:masterClrMapping/>
   </p:clrMapOvr>
-  <mc:AlternateContent xmlns:mc="http://schemas.openxmlformats.org/markup-compatibility/2006">
-    <mc:Choice xmlns:p14="http://schemas.microsoft.com/office/powerpoint/2010/main" Requires="p14">
+  <mc:AlternateContent xmlns:mc="http://schemas.openxmlformats.org/markup-compatibility/2006" xmlns:p14="http://schemas.microsoft.com/office/powerpoint/2010/main">
+    <mc:Choice Requires="p14">
       <p:transition p14:dur="0"/>
     </mc:Choice>
-    <mc:Fallback>
+    <mc:Fallback xmlns="">
       <p:transition/>
     </mc:Fallback>
   </mc:AlternateContent>
@@ -9903,7 +12389,7 @@
                   <a:srgbClr val="FFCD00"/>
                 </a:highlight>
               </a:rPr>
-              <a:t>Topic</a:t>
+              <a:t>Projektaufwand</a:t>
             </a:r>
             <a:endParaRPr lang="en" dirty="0">
               <a:highlight>
@@ -9945,7 +12431,17 @@
             </a:pPr>
             <a:r>
               <a:rPr lang="en" dirty="0" smtClean="0"/>
-              <a:t>Ursprünglicher Ansatz, Überarbeitungsbedarf</a:t>
+              <a:t>Lines of Code	</a:t>
+            </a:r>
+            <a:r>
+              <a:rPr lang="en" dirty="0" smtClean="0">
+                <a:sym typeface="Wingdings" pitchFamily="2" charset="2"/>
+              </a:rPr>
+              <a:t></a:t>
+            </a:r>
+            <a:r>
+              <a:rPr lang="en" dirty="0" smtClean="0"/>
+              <a:t> 1239</a:t>
             </a:r>
           </a:p>
           <a:p>
@@ -9956,7 +12452,17 @@
             </a:pPr>
             <a:r>
               <a:rPr lang="en" dirty="0" smtClean="0"/>
-              <a:t>Erfahrungen</a:t>
+              <a:t>Statements	</a:t>
+            </a:r>
+            <a:r>
+              <a:rPr lang="en" dirty="0" smtClean="0">
+                <a:sym typeface="Wingdings" pitchFamily="2" charset="2"/>
+              </a:rPr>
+              <a:t></a:t>
+            </a:r>
+            <a:r>
+              <a:rPr lang="en" dirty="0" smtClean="0"/>
+              <a:t> 431</a:t>
             </a:r>
           </a:p>
           <a:p>
@@ -9965,6 +12471,79 @@
                 <a:spcPts val="0"/>
               </a:spcBef>
             </a:pPr>
+            <a:r>
+              <a:rPr lang="en" dirty="0" smtClean="0"/>
+              <a:t>Functions		</a:t>
+            </a:r>
+            <a:r>
+              <a:rPr lang="en" dirty="0" smtClean="0">
+                <a:sym typeface="Wingdings" pitchFamily="2" charset="2"/>
+              </a:rPr>
+              <a:t></a:t>
+            </a:r>
+            <a:r>
+              <a:rPr lang="en" dirty="0" smtClean="0"/>
+              <a:t> 118</a:t>
+            </a:r>
+          </a:p>
+          <a:p>
+            <a:pPr marL="457200" lvl="0" indent="-228600" rtl="0">
+              <a:spcBef>
+                <a:spcPts val="0"/>
+              </a:spcBef>
+            </a:pPr>
+            <a:r>
+              <a:rPr lang="en" dirty="0" smtClean="0"/>
+              <a:t>Classes		</a:t>
+            </a:r>
+            <a:r>
+              <a:rPr lang="en" dirty="0" smtClean="0">
+                <a:sym typeface="Wingdings" pitchFamily="2" charset="2"/>
+              </a:rPr>
+              <a:t></a:t>
+            </a:r>
+            <a:r>
+              <a:rPr lang="en" dirty="0" smtClean="0"/>
+              <a:t> 38</a:t>
+            </a:r>
+          </a:p>
+          <a:p>
+            <a:pPr marL="457200" lvl="0" indent="-228600" rtl="0">
+              <a:spcBef>
+                <a:spcPts val="0"/>
+              </a:spcBef>
+            </a:pPr>
+            <a:r>
+              <a:rPr lang="en" dirty="0" smtClean="0"/>
+              <a:t>Files		</a:t>
+            </a:r>
+            <a:r>
+              <a:rPr lang="en" dirty="0" smtClean="0">
+                <a:sym typeface="Wingdings" pitchFamily="2" charset="2"/>
+              </a:rPr>
+              <a:t></a:t>
+            </a:r>
+            <a:r>
+              <a:rPr lang="en" dirty="0" smtClean="0"/>
+              <a:t> 37</a:t>
+            </a:r>
+          </a:p>
+          <a:p>
+            <a:pPr marL="457200" lvl="0" indent="-228600" rtl="0">
+              <a:spcBef>
+                <a:spcPts val="0"/>
+              </a:spcBef>
+            </a:pPr>
+            <a:r>
+              <a:rPr lang="en" dirty="0" smtClean="0"/>
+              <a:t>Directories	</a:t>
+            </a:r>
+            <a:r>
+              <a:rPr lang="en" dirty="0" smtClean="0">
+                <a:sym typeface="Wingdings" pitchFamily="2" charset="2"/>
+              </a:rPr>
+              <a:t> 12</a:t>
+            </a:r>
             <a:endParaRPr lang="en" dirty="0"/>
           </a:p>
         </p:txBody>
@@ -10530,18 +13109,18 @@
     </p:spTree>
     <p:extLst>
       <p:ext uri="{BB962C8B-B14F-4D97-AF65-F5344CB8AC3E}">
-        <p14:creationId xmlns:p14="http://schemas.microsoft.com/office/powerpoint/2010/main" val="1178456594"/>
+        <p14:creationId xmlns:p14="http://schemas.microsoft.com/office/powerpoint/2010/main" val="2522101649"/>
       </p:ext>
     </p:extLst>
   </p:cSld>
   <p:clrMapOvr>
     <a:masterClrMapping/>
   </p:clrMapOvr>
-  <mc:AlternateContent xmlns:mc="http://schemas.openxmlformats.org/markup-compatibility/2006">
-    <mc:Choice xmlns:p14="http://schemas.microsoft.com/office/powerpoint/2010/main" Requires="p14">
+  <mc:AlternateContent xmlns:mc="http://schemas.openxmlformats.org/markup-compatibility/2006" xmlns:p14="http://schemas.microsoft.com/office/powerpoint/2010/main">
+    <mc:Choice Requires="p14">
       <p:transition p14:dur="0"/>
     </mc:Choice>
-    <mc:Fallback>
+    <mc:Fallback xmlns="">
       <p:transition/>
     </mc:Fallback>
   </mc:AlternateContent>
@@ -10556,187 +13135,6 @@
 </file>
 
 <file path=ppt/slides/slide8.xml><?xml version="1.0" encoding="utf-8"?>
-<p:sld xmlns:a="http://schemas.openxmlformats.org/drawingml/2006/main" xmlns:r="http://schemas.openxmlformats.org/officeDocument/2006/relationships" xmlns:p="http://schemas.openxmlformats.org/presentationml/2006/main">
-  <p:cSld>
-    <p:spTree>
-      <p:nvGrpSpPr>
-        <p:cNvPr id="1" name="Shape 98"/>
-        <p:cNvGrpSpPr/>
-        <p:nvPr/>
-      </p:nvGrpSpPr>
-      <p:grpSpPr>
-        <a:xfrm>
-          <a:off x="0" y="0"/>
-          <a:ext cx="0" cy="0"/>
-          <a:chOff x="0" y="0"/>
-          <a:chExt cx="0" cy="0"/>
-        </a:xfrm>
-      </p:grpSpPr>
-      <p:sp>
-        <p:nvSpPr>
-          <p:cNvPr id="99" name="Shape 99"/>
-          <p:cNvSpPr txBox="1">
-            <a:spLocks noGrp="1"/>
-          </p:cNvSpPr>
-          <p:nvPr>
-            <p:ph type="ctrTitle"/>
-          </p:nvPr>
-        </p:nvSpPr>
-        <p:spPr>
-          <a:xfrm>
-            <a:off x="2022225" y="1693523"/>
-            <a:ext cx="3787799" cy="1159799"/>
-          </a:xfrm>
-          <a:prstGeom prst="rect">
-            <a:avLst/>
-          </a:prstGeom>
-        </p:spPr>
-        <p:txBody>
-          <a:bodyPr lIns="91425" tIns="91425" rIns="91425" bIns="91425" anchor="b" anchorCtr="0">
-            <a:noAutofit/>
-          </a:bodyPr>
-          <a:lstStyle/>
-          <a:p>
-            <a:pPr lvl="0" rtl="0">
-              <a:spcBef>
-                <a:spcPts val="0"/>
-              </a:spcBef>
-              <a:buNone/>
-            </a:pPr>
-            <a:r>
-              <a:rPr lang="en" dirty="0" smtClean="0"/>
-              <a:t>Designer</a:t>
-            </a:r>
-            <a:endParaRPr lang="en" dirty="0"/>
-          </a:p>
-        </p:txBody>
-      </p:sp>
-      <p:sp>
-        <p:nvSpPr>
-          <p:cNvPr id="100" name="Shape 100"/>
-          <p:cNvSpPr txBox="1">
-            <a:spLocks noGrp="1"/>
-          </p:cNvSpPr>
-          <p:nvPr>
-            <p:ph type="subTitle" idx="1"/>
-          </p:nvPr>
-        </p:nvSpPr>
-        <p:spPr>
-          <a:xfrm>
-            <a:off x="2022300" y="2815923"/>
-            <a:ext cx="5591400" cy="784799"/>
-          </a:xfrm>
-          <a:prstGeom prst="rect">
-            <a:avLst/>
-          </a:prstGeom>
-        </p:spPr>
-        <p:txBody>
-          <a:bodyPr lIns="91425" tIns="91425" rIns="91425" bIns="91425" anchor="t" anchorCtr="0">
-            <a:noAutofit/>
-          </a:bodyPr>
-          <a:lstStyle/>
-          <a:p>
-            <a:pPr lvl="0"/>
-            <a:r>
-              <a:rPr lang="en" dirty="0" smtClean="0"/>
-              <a:t>Marcel Herd </a:t>
-            </a:r>
-            <a:r>
-              <a:rPr lang="de-DE" dirty="0" smtClean="0"/>
-              <a:t>• Eugen </a:t>
-            </a:r>
-            <a:r>
-              <a:rPr lang="de-DE" dirty="0" err="1" smtClean="0"/>
-              <a:t>Krizki</a:t>
-            </a:r>
-            <a:endParaRPr lang="en" dirty="0"/>
-          </a:p>
-        </p:txBody>
-      </p:sp>
-      <p:sp>
-        <p:nvSpPr>
-          <p:cNvPr id="101" name="Shape 101"/>
-          <p:cNvSpPr txBox="1"/>
-          <p:nvPr/>
-        </p:nvSpPr>
-        <p:spPr>
-          <a:xfrm>
-            <a:off x="1133975" y="2291150"/>
-            <a:ext cx="543899" cy="562199"/>
-          </a:xfrm>
-          <a:prstGeom prst="rect">
-            <a:avLst/>
-          </a:prstGeom>
-          <a:noFill/>
-          <a:ln>
-            <a:noFill/>
-          </a:ln>
-        </p:spPr>
-        <p:txBody>
-          <a:bodyPr lIns="91425" tIns="91425" rIns="91425" bIns="91425" anchor="ctr" anchorCtr="0">
-            <a:noAutofit/>
-          </a:bodyPr>
-          <a:lstStyle/>
-          <a:p>
-            <a:pPr lvl="0" algn="ctr">
-              <a:spcBef>
-                <a:spcPts val="0"/>
-              </a:spcBef>
-              <a:buNone/>
-            </a:pPr>
-            <a:r>
-              <a:rPr lang="en" sz="2400" dirty="0" smtClean="0">
-                <a:solidFill>
-                  <a:schemeClr val="dk1"/>
-                </a:solidFill>
-                <a:latin typeface="Lora"/>
-                <a:ea typeface="Lora"/>
-                <a:cs typeface="Lora"/>
-                <a:sym typeface="Lora"/>
-              </a:rPr>
-              <a:t>3</a:t>
-            </a:r>
-            <a:endParaRPr lang="en" sz="2400" dirty="0">
-              <a:solidFill>
-                <a:schemeClr val="dk1"/>
-              </a:solidFill>
-              <a:latin typeface="Lora"/>
-              <a:ea typeface="Lora"/>
-              <a:cs typeface="Lora"/>
-              <a:sym typeface="Lora"/>
-            </a:endParaRPr>
-          </a:p>
-        </p:txBody>
-      </p:sp>
-    </p:spTree>
-    <p:extLst>
-      <p:ext uri="{BB962C8B-B14F-4D97-AF65-F5344CB8AC3E}">
-        <p14:creationId xmlns:p14="http://schemas.microsoft.com/office/powerpoint/2010/main" val="3669912151"/>
-      </p:ext>
-    </p:extLst>
-  </p:cSld>
-  <p:clrMapOvr>
-    <a:masterClrMapping/>
-  </p:clrMapOvr>
-  <mc:AlternateContent xmlns:mc="http://schemas.openxmlformats.org/markup-compatibility/2006">
-    <mc:Choice xmlns:p14="http://schemas.microsoft.com/office/powerpoint/2010/main" Requires="p14">
-      <p:transition p14:dur="0"/>
-    </mc:Choice>
-    <mc:Fallback>
-      <p:transition/>
-    </mc:Fallback>
-  </mc:AlternateContent>
-  <p:timing>
-    <p:tnLst>
-      <p:par>
-        <p:cTn id="1" dur="indefinite" restart="never" nodeType="tmRoot"/>
-      </p:par>
-    </p:tnLst>
-  </p:timing>
-</p:sld>
-</file>
-
-<file path=ppt/slides/slide9.xml><?xml version="1.0" encoding="utf-8"?>
 <p:sld xmlns:a="http://schemas.openxmlformats.org/drawingml/2006/main" xmlns:r="http://schemas.openxmlformats.org/officeDocument/2006/relationships" xmlns:p="http://schemas.openxmlformats.org/presentationml/2006/main">
   <p:cSld>
     <p:spTree>
@@ -10790,7 +13188,7 @@
                   <a:srgbClr val="FFCD00"/>
                 </a:highlight>
               </a:rPr>
-              <a:t>Topic</a:t>
+              <a:t>Dokumentation</a:t>
             </a:r>
             <a:endParaRPr lang="en" dirty="0">
               <a:highlight>
@@ -10832,7 +13230,17 @@
             </a:pPr>
             <a:r>
               <a:rPr lang="en" dirty="0" smtClean="0"/>
-              <a:t>Kommentare zum Analyseergebnis</a:t>
+              <a:t>Comment lines			</a:t>
+            </a:r>
+            <a:r>
+              <a:rPr lang="en" dirty="0" smtClean="0">
+                <a:sym typeface="Wingdings" pitchFamily="2" charset="2"/>
+              </a:rPr>
+              <a:t></a:t>
+            </a:r>
+            <a:r>
+              <a:rPr lang="en" dirty="0" smtClean="0"/>
+              <a:t> 259</a:t>
             </a:r>
           </a:p>
           <a:p>
@@ -10843,7 +13251,17 @@
             </a:pPr>
             <a:r>
               <a:rPr lang="en" dirty="0" smtClean="0"/>
-              <a:t>Darstellung typischer Teile</a:t>
+              <a:t>Public Documented API		</a:t>
+            </a:r>
+            <a:r>
+              <a:rPr lang="en" dirty="0" smtClean="0">
+                <a:sym typeface="Wingdings" pitchFamily="2" charset="2"/>
+              </a:rPr>
+              <a:t></a:t>
+            </a:r>
+            <a:r>
+              <a:rPr lang="en" dirty="0" smtClean="0"/>
+              <a:t> 82,9%</a:t>
             </a:r>
           </a:p>
           <a:p>
@@ -10854,7 +13272,17 @@
             </a:pPr>
             <a:r>
               <a:rPr lang="en" dirty="0" smtClean="0"/>
-              <a:t>Begründung für Designentscheidungen</a:t>
+              <a:t>Public Undocumented API	</a:t>
+            </a:r>
+            <a:r>
+              <a:rPr lang="en" dirty="0" smtClean="0">
+                <a:sym typeface="Wingdings" pitchFamily="2" charset="2"/>
+              </a:rPr>
+              <a:t></a:t>
+            </a:r>
+            <a:r>
+              <a:rPr lang="en" dirty="0" smtClean="0"/>
+              <a:t> 19</a:t>
             </a:r>
           </a:p>
           <a:p>
@@ -10863,10 +13291,9 @@
                 <a:spcPts val="0"/>
               </a:spcBef>
             </a:pPr>
-            <a:r>
-              <a:rPr lang="en" dirty="0" smtClean="0"/>
-              <a:t>Erfahrungen</a:t>
-            </a:r>
+            <a:endParaRPr lang="en" dirty="0" smtClean="0">
+              <a:sym typeface="Wingdings" pitchFamily="2" charset="2"/>
+            </a:endParaRPr>
           </a:p>
           <a:p>
             <a:pPr marL="457200" lvl="0" indent="-228600" rtl="0">
@@ -10874,6 +13301,12 @@
                 <a:spcPts val="0"/>
               </a:spcBef>
             </a:pPr>
+            <a:r>
+              <a:rPr lang="en" dirty="0" smtClean="0">
+                <a:sym typeface="Wingdings" pitchFamily="2" charset="2"/>
+              </a:rPr>
+              <a:t> 17.3% Comments</a:t>
+            </a:r>
             <a:endParaRPr lang="en" dirty="0"/>
           </a:p>
         </p:txBody>
@@ -11439,18 +13872,196 @@
     </p:spTree>
     <p:extLst>
       <p:ext uri="{BB962C8B-B14F-4D97-AF65-F5344CB8AC3E}">
-        <p14:creationId xmlns:p14="http://schemas.microsoft.com/office/powerpoint/2010/main" val="42543531"/>
+        <p14:creationId xmlns:p14="http://schemas.microsoft.com/office/powerpoint/2010/main" val="4147062136"/>
       </p:ext>
     </p:extLst>
   </p:cSld>
   <p:clrMapOvr>
     <a:masterClrMapping/>
   </p:clrMapOvr>
-  <mc:AlternateContent xmlns:mc="http://schemas.openxmlformats.org/markup-compatibility/2006">
-    <mc:Choice xmlns:p14="http://schemas.microsoft.com/office/powerpoint/2010/main" Requires="p14">
+  <mc:AlternateContent xmlns:mc="http://schemas.openxmlformats.org/markup-compatibility/2006" xmlns:p14="http://schemas.microsoft.com/office/powerpoint/2010/main">
+    <mc:Choice Requires="p14">
       <p:transition p14:dur="0"/>
     </mc:Choice>
-    <mc:Fallback>
+    <mc:Fallback xmlns="">
+      <p:transition/>
+    </mc:Fallback>
+  </mc:AlternateContent>
+  <p:timing>
+    <p:tnLst>
+      <p:par>
+        <p:cTn id="1" dur="indefinite" restart="never" nodeType="tmRoot"/>
+      </p:par>
+    </p:tnLst>
+  </p:timing>
+</p:sld>
+</file>
+
+<file path=ppt/slides/slide9.xml><?xml version="1.0" encoding="utf-8"?>
+<p:sld xmlns:a="http://schemas.openxmlformats.org/drawingml/2006/main" xmlns:r="http://schemas.openxmlformats.org/officeDocument/2006/relationships" xmlns:p="http://schemas.openxmlformats.org/presentationml/2006/main">
+  <p:cSld>
+    <p:spTree>
+      <p:nvGrpSpPr>
+        <p:cNvPr id="1" name="Shape 98"/>
+        <p:cNvGrpSpPr/>
+        <p:nvPr/>
+      </p:nvGrpSpPr>
+      <p:grpSpPr>
+        <a:xfrm>
+          <a:off x="0" y="0"/>
+          <a:ext cx="0" cy="0"/>
+          <a:chOff x="0" y="0"/>
+          <a:chExt cx="0" cy="0"/>
+        </a:xfrm>
+      </p:grpSpPr>
+      <p:sp>
+        <p:nvSpPr>
+          <p:cNvPr id="99" name="Shape 99"/>
+          <p:cNvSpPr txBox="1">
+            <a:spLocks noGrp="1"/>
+          </p:cNvSpPr>
+          <p:nvPr>
+            <p:ph type="ctrTitle"/>
+          </p:nvPr>
+        </p:nvSpPr>
+        <p:spPr>
+          <a:xfrm>
+            <a:off x="2022225" y="1693523"/>
+            <a:ext cx="3787799" cy="1159799"/>
+          </a:xfrm>
+          <a:prstGeom prst="rect">
+            <a:avLst/>
+          </a:prstGeom>
+        </p:spPr>
+        <p:txBody>
+          <a:bodyPr lIns="91425" tIns="91425" rIns="91425" bIns="91425" anchor="b" anchorCtr="0">
+            <a:noAutofit/>
+          </a:bodyPr>
+          <a:lstStyle/>
+          <a:p>
+            <a:pPr lvl="0" rtl="0">
+              <a:spcBef>
+                <a:spcPts val="0"/>
+              </a:spcBef>
+              <a:buNone/>
+            </a:pPr>
+            <a:r>
+              <a:rPr lang="en" dirty="0" smtClean="0"/>
+              <a:t>Analysten</a:t>
+            </a:r>
+            <a:endParaRPr lang="en" dirty="0"/>
+          </a:p>
+        </p:txBody>
+      </p:sp>
+      <p:sp>
+        <p:nvSpPr>
+          <p:cNvPr id="100" name="Shape 100"/>
+          <p:cNvSpPr txBox="1">
+            <a:spLocks noGrp="1"/>
+          </p:cNvSpPr>
+          <p:nvPr>
+            <p:ph type="subTitle" idx="1"/>
+          </p:nvPr>
+        </p:nvSpPr>
+        <p:spPr>
+          <a:xfrm>
+            <a:off x="2022300" y="2815923"/>
+            <a:ext cx="5591400" cy="784799"/>
+          </a:xfrm>
+          <a:prstGeom prst="rect">
+            <a:avLst/>
+          </a:prstGeom>
+        </p:spPr>
+        <p:txBody>
+          <a:bodyPr lIns="91425" tIns="91425" rIns="91425" bIns="91425" anchor="t" anchorCtr="0">
+            <a:noAutofit/>
+          </a:bodyPr>
+          <a:lstStyle/>
+          <a:p>
+            <a:pPr lvl="0" rtl="0">
+              <a:spcBef>
+                <a:spcPts val="0"/>
+              </a:spcBef>
+              <a:buNone/>
+            </a:pPr>
+            <a:r>
+              <a:rPr lang="en" dirty="0" smtClean="0"/>
+              <a:t>Richard Vladimirskij</a:t>
+            </a:r>
+            <a:endParaRPr lang="en" dirty="0"/>
+          </a:p>
+        </p:txBody>
+      </p:sp>
+      <p:sp>
+        <p:nvSpPr>
+          <p:cNvPr id="101" name="Shape 101"/>
+          <p:cNvSpPr txBox="1"/>
+          <p:nvPr/>
+        </p:nvSpPr>
+        <p:spPr>
+          <a:xfrm>
+            <a:off x="1133975" y="2291150"/>
+            <a:ext cx="543899" cy="562199"/>
+          </a:xfrm>
+          <a:prstGeom prst="rect">
+            <a:avLst/>
+          </a:prstGeom>
+          <a:noFill/>
+          <a:ln>
+            <a:noFill/>
+          </a:ln>
+        </p:spPr>
+        <p:txBody>
+          <a:bodyPr lIns="91425" tIns="91425" rIns="91425" bIns="91425" anchor="ctr" anchorCtr="0">
+            <a:noAutofit/>
+          </a:bodyPr>
+          <a:lstStyle/>
+          <a:p>
+            <a:pPr lvl="0" algn="ctr">
+              <a:spcBef>
+                <a:spcPts val="0"/>
+              </a:spcBef>
+              <a:buNone/>
+            </a:pPr>
+            <a:r>
+              <a:rPr lang="en" sz="2400" dirty="0" smtClean="0">
+                <a:solidFill>
+                  <a:schemeClr val="dk1"/>
+                </a:solidFill>
+                <a:latin typeface="Lora"/>
+                <a:ea typeface="Lora"/>
+                <a:cs typeface="Lora"/>
+                <a:sym typeface="Lora"/>
+              </a:rPr>
+              <a:t>2</a:t>
+            </a:r>
+            <a:endParaRPr lang="en" sz="2400" dirty="0">
+              <a:solidFill>
+                <a:schemeClr val="dk1"/>
+              </a:solidFill>
+              <a:latin typeface="Lora"/>
+              <a:ea typeface="Lora"/>
+              <a:cs typeface="Lora"/>
+              <a:sym typeface="Lora"/>
+            </a:endParaRPr>
+          </a:p>
+        </p:txBody>
+      </p:sp>
+    </p:spTree>
+    <p:extLst>
+      <p:ext uri="{BB962C8B-B14F-4D97-AF65-F5344CB8AC3E}">
+        <p14:creationId xmlns:p14="http://schemas.microsoft.com/office/powerpoint/2010/main" val="2145982150"/>
+      </p:ext>
+    </p:extLst>
+  </p:cSld>
+  <p:clrMapOvr>
+    <a:masterClrMapping/>
+  </p:clrMapOvr>
+  <mc:AlternateContent xmlns:mc="http://schemas.openxmlformats.org/markup-compatibility/2006" xmlns:p14="http://schemas.microsoft.com/office/powerpoint/2010/main">
+    <mc:Choice Requires="p14">
+      <p:transition p14:dur="0"/>
+    </mc:Choice>
+    <mc:Fallback xmlns="">
       <p:transition/>
     </mc:Fallback>
   </mc:AlternateContent>

--- a/Presentation/Presentation.pptx
+++ b/Presentation/Presentation.pptx
@@ -5,7 +5,7 @@
     <p:sldMasterId id="2147483658" r:id="rId1"/>
   </p:sldMasterIdLst>
   <p:notesMasterIdLst>
-    <p:notesMasterId r:id="rId51"/>
+    <p:notesMasterId r:id="rId49"/>
   </p:notesMasterIdLst>
   <p:sldIdLst>
     <p:sldId id="256" r:id="rId2"/>
@@ -41,39 +41,37 @@
     <p:sldId id="314" r:id="rId32"/>
     <p:sldId id="312" r:id="rId33"/>
     <p:sldId id="263" r:id="rId34"/>
-    <p:sldId id="275" r:id="rId35"/>
-    <p:sldId id="276" r:id="rId36"/>
-    <p:sldId id="277" r:id="rId37"/>
-    <p:sldId id="278" r:id="rId38"/>
-    <p:sldId id="279" r:id="rId39"/>
-    <p:sldId id="280" r:id="rId40"/>
-    <p:sldId id="286" r:id="rId41"/>
-    <p:sldId id="281" r:id="rId42"/>
-    <p:sldId id="282" r:id="rId43"/>
-    <p:sldId id="285" r:id="rId44"/>
-    <p:sldId id="284" r:id="rId45"/>
-    <p:sldId id="265" r:id="rId46"/>
-    <p:sldId id="266" r:id="rId47"/>
-    <p:sldId id="267" r:id="rId48"/>
-    <p:sldId id="268" r:id="rId49"/>
-    <p:sldId id="269" r:id="rId50"/>
+    <p:sldId id="277" r:id="rId35"/>
+    <p:sldId id="278" r:id="rId36"/>
+    <p:sldId id="279" r:id="rId37"/>
+    <p:sldId id="280" r:id="rId38"/>
+    <p:sldId id="286" r:id="rId39"/>
+    <p:sldId id="281" r:id="rId40"/>
+    <p:sldId id="282" r:id="rId41"/>
+    <p:sldId id="285" r:id="rId42"/>
+    <p:sldId id="284" r:id="rId43"/>
+    <p:sldId id="265" r:id="rId44"/>
+    <p:sldId id="266" r:id="rId45"/>
+    <p:sldId id="267" r:id="rId46"/>
+    <p:sldId id="268" r:id="rId47"/>
+    <p:sldId id="269" r:id="rId48"/>
   </p:sldIdLst>
   <p:sldSz cx="9144000" cy="5143500" type="screen16x9"/>
   <p:notesSz cx="6858000" cy="9144000"/>
   <p:embeddedFontLst>
     <p:embeddedFont>
       <p:font typeface="Lora" charset="0"/>
-      <p:regular r:id="rId52"/>
-      <p:bold r:id="rId53"/>
-      <p:italic r:id="rId54"/>
-      <p:boldItalic r:id="rId55"/>
+      <p:regular r:id="rId50"/>
+      <p:bold r:id="rId51"/>
+      <p:italic r:id="rId52"/>
+      <p:boldItalic r:id="rId53"/>
     </p:embeddedFont>
     <p:embeddedFont>
       <p:font typeface="Quattrocento Sans" charset="0"/>
-      <p:regular r:id="rId56"/>
-      <p:bold r:id="rId57"/>
-      <p:italic r:id="rId58"/>
-      <p:boldItalic r:id="rId59"/>
+      <p:regular r:id="rId54"/>
+      <p:bold r:id="rId55"/>
+      <p:italic r:id="rId56"/>
+      <p:boldItalic r:id="rId57"/>
     </p:embeddedFont>
   </p:embeddedFontLst>
   <p:defaultTextStyle>
@@ -443,7 +441,7 @@
     </p:spTree>
     <p:extLst>
       <p:ext uri="{BB962C8B-B14F-4D97-AF65-F5344CB8AC3E}">
-        <p14:creationId xmlns:p14="http://schemas.microsoft.com/office/powerpoint/2010/main" xmlns="" val="241271020"/>
+        <p14:creationId xmlns:p14="http://schemas.microsoft.com/office/powerpoint/2010/main" val="241271020"/>
       </p:ext>
     </p:extLst>
   </p:cSld>
@@ -3653,208 +3651,6 @@
               </a:spcBef>
               <a:buNone/>
             </a:pPr>
-            <a:endParaRPr/>
-          </a:p>
-        </p:txBody>
-      </p:sp>
-    </p:spTree>
-  </p:cSld>
-  <p:clrMapOvr>
-    <a:masterClrMapping/>
-  </p:clrMapOvr>
-</p:notes>
-</file>
-
-<file path=ppt/notesSlides/notesSlide37.xml><?xml version="1.0" encoding="utf-8"?>
-<p:notes xmlns:a="http://schemas.openxmlformats.org/drawingml/2006/main" xmlns:r="http://schemas.openxmlformats.org/officeDocument/2006/relationships" xmlns:p="http://schemas.openxmlformats.org/presentationml/2006/main" showMasterSp="0" showMasterPhAnim="0">
-  <p:cSld>
-    <p:spTree>
-      <p:nvGrpSpPr>
-        <p:cNvPr id="1" name="Shape 107"/>
-        <p:cNvGrpSpPr/>
-        <p:nvPr/>
-      </p:nvGrpSpPr>
-      <p:grpSpPr>
-        <a:xfrm>
-          <a:off x="0" y="0"/>
-          <a:ext cx="0" cy="0"/>
-          <a:chOff x="0" y="0"/>
-          <a:chExt cx="0" cy="0"/>
-        </a:xfrm>
-      </p:grpSpPr>
-      <p:sp>
-        <p:nvSpPr>
-          <p:cNvPr id="108" name="Shape 108"/>
-          <p:cNvSpPr>
-            <a:spLocks noGrp="1" noRot="1" noChangeAspect="1"/>
-          </p:cNvSpPr>
-          <p:nvPr>
-            <p:ph type="sldImg" idx="2"/>
-          </p:nvPr>
-        </p:nvSpPr>
-        <p:spPr>
-          <a:xfrm>
-            <a:off x="381000" y="685800"/>
-            <a:ext cx="6096000" cy="3429000"/>
-          </a:xfrm>
-          <a:custGeom>
-            <a:avLst/>
-            <a:gdLst/>
-            <a:ahLst/>
-            <a:cxnLst/>
-            <a:rect l="0" t="0" r="0" b="0"/>
-            <a:pathLst>
-              <a:path w="120000" h="120000" extrusionOk="0">
-                <a:moveTo>
-                  <a:pt x="0" y="0"/>
-                </a:moveTo>
-                <a:lnTo>
-                  <a:pt x="120000" y="0"/>
-                </a:lnTo>
-                <a:lnTo>
-                  <a:pt x="120000" y="120000"/>
-                </a:lnTo>
-                <a:lnTo>
-                  <a:pt x="0" y="120000"/>
-                </a:lnTo>
-                <a:close/>
-              </a:path>
-            </a:pathLst>
-          </a:custGeom>
-        </p:spPr>
-      </p:sp>
-      <p:sp>
-        <p:nvSpPr>
-          <p:cNvPr id="109" name="Shape 109"/>
-          <p:cNvSpPr txBox="1">
-            <a:spLocks noGrp="1"/>
-          </p:cNvSpPr>
-          <p:nvPr>
-            <p:ph type="body" idx="1"/>
-          </p:nvPr>
-        </p:nvSpPr>
-        <p:spPr>
-          <a:xfrm>
-            <a:off x="685800" y="4343400"/>
-            <a:ext cx="5486399" cy="4114800"/>
-          </a:xfrm>
-          <a:prstGeom prst="rect">
-            <a:avLst/>
-          </a:prstGeom>
-        </p:spPr>
-        <p:txBody>
-          <a:bodyPr lIns="91425" tIns="91425" rIns="91425" bIns="91425" anchor="t" anchorCtr="0">
-            <a:noAutofit/>
-          </a:bodyPr>
-          <a:lstStyle/>
-          <a:p>
-            <a:pPr lvl="0">
-              <a:spcBef>
-                <a:spcPts val="0"/>
-              </a:spcBef>
-              <a:buNone/>
-            </a:pPr>
-            <a:endParaRPr/>
-          </a:p>
-        </p:txBody>
-      </p:sp>
-    </p:spTree>
-  </p:cSld>
-  <p:clrMapOvr>
-    <a:masterClrMapping/>
-  </p:clrMapOvr>
-</p:notes>
-</file>
-
-<file path=ppt/notesSlides/notesSlide38.xml><?xml version="1.0" encoding="utf-8"?>
-<p:notes xmlns:a="http://schemas.openxmlformats.org/drawingml/2006/main" xmlns:r="http://schemas.openxmlformats.org/officeDocument/2006/relationships" xmlns:p="http://schemas.openxmlformats.org/presentationml/2006/main" showMasterSp="0" showMasterPhAnim="0">
-  <p:cSld>
-    <p:spTree>
-      <p:nvGrpSpPr>
-        <p:cNvPr id="1" name="Shape 107"/>
-        <p:cNvGrpSpPr/>
-        <p:nvPr/>
-      </p:nvGrpSpPr>
-      <p:grpSpPr>
-        <a:xfrm>
-          <a:off x="0" y="0"/>
-          <a:ext cx="0" cy="0"/>
-          <a:chOff x="0" y="0"/>
-          <a:chExt cx="0" cy="0"/>
-        </a:xfrm>
-      </p:grpSpPr>
-      <p:sp>
-        <p:nvSpPr>
-          <p:cNvPr id="108" name="Shape 108"/>
-          <p:cNvSpPr>
-            <a:spLocks noGrp="1" noRot="1" noChangeAspect="1"/>
-          </p:cNvSpPr>
-          <p:nvPr>
-            <p:ph type="sldImg" idx="2"/>
-          </p:nvPr>
-        </p:nvSpPr>
-        <p:spPr>
-          <a:xfrm>
-            <a:off x="381000" y="685800"/>
-            <a:ext cx="6096000" cy="3429000"/>
-          </a:xfrm>
-          <a:custGeom>
-            <a:avLst/>
-            <a:gdLst/>
-            <a:ahLst/>
-            <a:cxnLst/>
-            <a:rect l="0" t="0" r="0" b="0"/>
-            <a:pathLst>
-              <a:path w="120000" h="120000" extrusionOk="0">
-                <a:moveTo>
-                  <a:pt x="0" y="0"/>
-                </a:moveTo>
-                <a:lnTo>
-                  <a:pt x="120000" y="0"/>
-                </a:lnTo>
-                <a:lnTo>
-                  <a:pt x="120000" y="120000"/>
-                </a:lnTo>
-                <a:lnTo>
-                  <a:pt x="0" y="120000"/>
-                </a:lnTo>
-                <a:close/>
-              </a:path>
-            </a:pathLst>
-          </a:custGeom>
-        </p:spPr>
-      </p:sp>
-      <p:sp>
-        <p:nvSpPr>
-          <p:cNvPr id="109" name="Shape 109"/>
-          <p:cNvSpPr txBox="1">
-            <a:spLocks noGrp="1"/>
-          </p:cNvSpPr>
-          <p:nvPr>
-            <p:ph type="body" idx="1"/>
-          </p:nvPr>
-        </p:nvSpPr>
-        <p:spPr>
-          <a:xfrm>
-            <a:off x="685800" y="4343400"/>
-            <a:ext cx="5486399" cy="4114800"/>
-          </a:xfrm>
-          <a:prstGeom prst="rect">
-            <a:avLst/>
-          </a:prstGeom>
-        </p:spPr>
-        <p:txBody>
-          <a:bodyPr lIns="91425" tIns="91425" rIns="91425" bIns="91425" anchor="t" anchorCtr="0">
-            <a:noAutofit/>
-          </a:bodyPr>
-          <a:lstStyle/>
-          <a:p>
-            <a:pPr lvl="0">
-              <a:spcBef>
-                <a:spcPts val="0"/>
-              </a:spcBef>
-              <a:buNone/>
-            </a:pPr>
             <a:r>
               <a:rPr lang="de-DE" dirty="0" smtClean="0"/>
               <a:t>Hätte </a:t>
@@ -3879,7 +3675,7 @@
 </p:notes>
 </file>
 
-<file path=ppt/notesSlides/notesSlide39.xml><?xml version="1.0" encoding="utf-8"?>
+<file path=ppt/notesSlides/notesSlide37.xml><?xml version="1.0" encoding="utf-8"?>
 <p:notes xmlns:a="http://schemas.openxmlformats.org/drawingml/2006/main" xmlns:r="http://schemas.openxmlformats.org/officeDocument/2006/relationships" xmlns:p="http://schemas.openxmlformats.org/presentationml/2006/main" showMasterSp="0" showMasterPhAnim="0">
   <p:cSld>
     <p:spTree>
@@ -3985,6 +3781,224 @@
               <a:t> falls verloren?</a:t>
             </a:r>
             <a:endParaRPr dirty="0"/>
+          </a:p>
+        </p:txBody>
+      </p:sp>
+    </p:spTree>
+  </p:cSld>
+  <p:clrMapOvr>
+    <a:masterClrMapping/>
+  </p:clrMapOvr>
+</p:notes>
+</file>
+
+<file path=ppt/notesSlides/notesSlide38.xml><?xml version="1.0" encoding="utf-8"?>
+<p:notes xmlns:a="http://schemas.openxmlformats.org/drawingml/2006/main" xmlns:r="http://schemas.openxmlformats.org/officeDocument/2006/relationships" xmlns:p="http://schemas.openxmlformats.org/presentationml/2006/main" showMasterSp="0" showMasterPhAnim="0">
+  <p:cSld>
+    <p:spTree>
+      <p:nvGrpSpPr>
+        <p:cNvPr id="1" name="Shape 107"/>
+        <p:cNvGrpSpPr/>
+        <p:nvPr/>
+      </p:nvGrpSpPr>
+      <p:grpSpPr>
+        <a:xfrm>
+          <a:off x="0" y="0"/>
+          <a:ext cx="0" cy="0"/>
+          <a:chOff x="0" y="0"/>
+          <a:chExt cx="0" cy="0"/>
+        </a:xfrm>
+      </p:grpSpPr>
+      <p:sp>
+        <p:nvSpPr>
+          <p:cNvPr id="108" name="Shape 108"/>
+          <p:cNvSpPr>
+            <a:spLocks noGrp="1" noRot="1" noChangeAspect="1"/>
+          </p:cNvSpPr>
+          <p:nvPr>
+            <p:ph type="sldImg" idx="2"/>
+          </p:nvPr>
+        </p:nvSpPr>
+        <p:spPr>
+          <a:xfrm>
+            <a:off x="381000" y="685800"/>
+            <a:ext cx="6096000" cy="3429000"/>
+          </a:xfrm>
+          <a:custGeom>
+            <a:avLst/>
+            <a:gdLst/>
+            <a:ahLst/>
+            <a:cxnLst/>
+            <a:rect l="0" t="0" r="0" b="0"/>
+            <a:pathLst>
+              <a:path w="120000" h="120000" extrusionOk="0">
+                <a:moveTo>
+                  <a:pt x="0" y="0"/>
+                </a:moveTo>
+                <a:lnTo>
+                  <a:pt x="120000" y="0"/>
+                </a:lnTo>
+                <a:lnTo>
+                  <a:pt x="120000" y="120000"/>
+                </a:lnTo>
+                <a:lnTo>
+                  <a:pt x="0" y="120000"/>
+                </a:lnTo>
+                <a:close/>
+              </a:path>
+            </a:pathLst>
+          </a:custGeom>
+        </p:spPr>
+      </p:sp>
+      <p:sp>
+        <p:nvSpPr>
+          <p:cNvPr id="109" name="Shape 109"/>
+          <p:cNvSpPr txBox="1">
+            <a:spLocks noGrp="1"/>
+          </p:cNvSpPr>
+          <p:nvPr>
+            <p:ph type="body" idx="1"/>
+          </p:nvPr>
+        </p:nvSpPr>
+        <p:spPr>
+          <a:xfrm>
+            <a:off x="685800" y="4343400"/>
+            <a:ext cx="5486399" cy="4114800"/>
+          </a:xfrm>
+          <a:prstGeom prst="rect">
+            <a:avLst/>
+          </a:prstGeom>
+        </p:spPr>
+        <p:txBody>
+          <a:bodyPr lIns="91425" tIns="91425" rIns="91425" bIns="91425" anchor="t" anchorCtr="0">
+            <a:noAutofit/>
+          </a:bodyPr>
+          <a:lstStyle/>
+          <a:p>
+            <a:pPr lvl="0">
+              <a:spcBef>
+                <a:spcPts val="0"/>
+              </a:spcBef>
+              <a:buNone/>
+            </a:pPr>
+            <a:r>
+              <a:rPr lang="de-DE" dirty="0" smtClean="0"/>
+              <a:t>Preis</a:t>
+            </a:r>
+            <a:r>
+              <a:rPr lang="de-DE" baseline="0" dirty="0" smtClean="0"/>
+              <a:t> für aktuelle Frage? Letzter </a:t>
+            </a:r>
+            <a:r>
+              <a:rPr lang="de-DE" baseline="0" dirty="0" err="1" smtClean="0"/>
+              <a:t>checkpoint</a:t>
+            </a:r>
+            <a:r>
+              <a:rPr lang="de-DE" baseline="0" dirty="0" smtClean="0"/>
+              <a:t> falls verloren?</a:t>
+            </a:r>
+            <a:endParaRPr dirty="0"/>
+          </a:p>
+        </p:txBody>
+      </p:sp>
+    </p:spTree>
+  </p:cSld>
+  <p:clrMapOvr>
+    <a:masterClrMapping/>
+  </p:clrMapOvr>
+</p:notes>
+</file>
+
+<file path=ppt/notesSlides/notesSlide39.xml><?xml version="1.0" encoding="utf-8"?>
+<p:notes xmlns:a="http://schemas.openxmlformats.org/drawingml/2006/main" xmlns:r="http://schemas.openxmlformats.org/officeDocument/2006/relationships" xmlns:p="http://schemas.openxmlformats.org/presentationml/2006/main" showMasterSp="0" showMasterPhAnim="0">
+  <p:cSld>
+    <p:spTree>
+      <p:nvGrpSpPr>
+        <p:cNvPr id="1" name="Shape 107"/>
+        <p:cNvGrpSpPr/>
+        <p:nvPr/>
+      </p:nvGrpSpPr>
+      <p:grpSpPr>
+        <a:xfrm>
+          <a:off x="0" y="0"/>
+          <a:ext cx="0" cy="0"/>
+          <a:chOff x="0" y="0"/>
+          <a:chExt cx="0" cy="0"/>
+        </a:xfrm>
+      </p:grpSpPr>
+      <p:sp>
+        <p:nvSpPr>
+          <p:cNvPr id="108" name="Shape 108"/>
+          <p:cNvSpPr>
+            <a:spLocks noGrp="1" noRot="1" noChangeAspect="1"/>
+          </p:cNvSpPr>
+          <p:nvPr>
+            <p:ph type="sldImg" idx="2"/>
+          </p:nvPr>
+        </p:nvSpPr>
+        <p:spPr>
+          <a:xfrm>
+            <a:off x="381000" y="685800"/>
+            <a:ext cx="6096000" cy="3429000"/>
+          </a:xfrm>
+          <a:custGeom>
+            <a:avLst/>
+            <a:gdLst/>
+            <a:ahLst/>
+            <a:cxnLst/>
+            <a:rect l="0" t="0" r="0" b="0"/>
+            <a:pathLst>
+              <a:path w="120000" h="120000" extrusionOk="0">
+                <a:moveTo>
+                  <a:pt x="0" y="0"/>
+                </a:moveTo>
+                <a:lnTo>
+                  <a:pt x="120000" y="0"/>
+                </a:lnTo>
+                <a:lnTo>
+                  <a:pt x="120000" y="120000"/>
+                </a:lnTo>
+                <a:lnTo>
+                  <a:pt x="0" y="120000"/>
+                </a:lnTo>
+                <a:close/>
+              </a:path>
+            </a:pathLst>
+          </a:custGeom>
+        </p:spPr>
+      </p:sp>
+      <p:sp>
+        <p:nvSpPr>
+          <p:cNvPr id="109" name="Shape 109"/>
+          <p:cNvSpPr txBox="1">
+            <a:spLocks noGrp="1"/>
+          </p:cNvSpPr>
+          <p:nvPr>
+            <p:ph type="body" idx="1"/>
+          </p:nvPr>
+        </p:nvSpPr>
+        <p:spPr>
+          <a:xfrm>
+            <a:off x="685800" y="4343400"/>
+            <a:ext cx="5486399" cy="4114800"/>
+          </a:xfrm>
+          <a:prstGeom prst="rect">
+            <a:avLst/>
+          </a:prstGeom>
+        </p:spPr>
+        <p:txBody>
+          <a:bodyPr lIns="91425" tIns="91425" rIns="91425" bIns="91425" anchor="t" anchorCtr="0">
+            <a:noAutofit/>
+          </a:bodyPr>
+          <a:lstStyle/>
+          <a:p>
+            <a:pPr lvl="0">
+              <a:spcBef>
+                <a:spcPts val="0"/>
+              </a:spcBef>
+              <a:buNone/>
+            </a:pPr>
+            <a:endParaRPr/>
           </a:p>
         </p:txBody>
       </p:sp>
@@ -4186,23 +4200,7 @@
               </a:spcBef>
               <a:buNone/>
             </a:pPr>
-            <a:r>
-              <a:rPr lang="de-DE" dirty="0" smtClean="0"/>
-              <a:t>Preis</a:t>
-            </a:r>
-            <a:r>
-              <a:rPr lang="de-DE" baseline="0" dirty="0" smtClean="0"/>
-              <a:t> für aktuelle Frage? Letzter </a:t>
-            </a:r>
-            <a:r>
-              <a:rPr lang="de-DE" baseline="0" dirty="0" err="1" smtClean="0"/>
-              <a:t>checkpoint</a:t>
-            </a:r>
-            <a:r>
-              <a:rPr lang="de-DE" baseline="0" dirty="0" smtClean="0"/>
-              <a:t> falls verloren?</a:t>
-            </a:r>
-            <a:endParaRPr dirty="0"/>
+            <a:endParaRPr/>
           </a:p>
         </p:txBody>
       </p:sp>
@@ -4421,7 +4419,7 @@
   <p:cSld>
     <p:spTree>
       <p:nvGrpSpPr>
-        <p:cNvPr id="1" name="Shape 107"/>
+        <p:cNvPr id="1" name="Shape 95"/>
         <p:cNvGrpSpPr/>
         <p:nvPr/>
       </p:nvGrpSpPr>
@@ -4435,7 +4433,7 @@
       </p:grpSpPr>
       <p:sp>
         <p:nvSpPr>
-          <p:cNvPr id="108" name="Shape 108"/>
+          <p:cNvPr id="96" name="Shape 96"/>
           <p:cNvSpPr>
             <a:spLocks noGrp="1" noRot="1" noChangeAspect="1"/>
           </p:cNvSpPr>
@@ -4476,7 +4474,7 @@
       </p:sp>
       <p:sp>
         <p:nvSpPr>
-          <p:cNvPr id="109" name="Shape 109"/>
+          <p:cNvPr id="97" name="Shape 97"/>
           <p:cNvSpPr txBox="1">
             <a:spLocks noGrp="1"/>
           </p:cNvSpPr>
@@ -4821,208 +4819,6 @@
 </file>
 
 <file path=ppt/notesSlides/notesSlide47.xml><?xml version="1.0" encoding="utf-8"?>
-<p:notes xmlns:a="http://schemas.openxmlformats.org/drawingml/2006/main" xmlns:r="http://schemas.openxmlformats.org/officeDocument/2006/relationships" xmlns:p="http://schemas.openxmlformats.org/presentationml/2006/main" showMasterSp="0" showMasterPhAnim="0">
-  <p:cSld>
-    <p:spTree>
-      <p:nvGrpSpPr>
-        <p:cNvPr id="1" name="Shape 95"/>
-        <p:cNvGrpSpPr/>
-        <p:nvPr/>
-      </p:nvGrpSpPr>
-      <p:grpSpPr>
-        <a:xfrm>
-          <a:off x="0" y="0"/>
-          <a:ext cx="0" cy="0"/>
-          <a:chOff x="0" y="0"/>
-          <a:chExt cx="0" cy="0"/>
-        </a:xfrm>
-      </p:grpSpPr>
-      <p:sp>
-        <p:nvSpPr>
-          <p:cNvPr id="96" name="Shape 96"/>
-          <p:cNvSpPr>
-            <a:spLocks noGrp="1" noRot="1" noChangeAspect="1"/>
-          </p:cNvSpPr>
-          <p:nvPr>
-            <p:ph type="sldImg" idx="2"/>
-          </p:nvPr>
-        </p:nvSpPr>
-        <p:spPr>
-          <a:xfrm>
-            <a:off x="381000" y="685800"/>
-            <a:ext cx="6096000" cy="3429000"/>
-          </a:xfrm>
-          <a:custGeom>
-            <a:avLst/>
-            <a:gdLst/>
-            <a:ahLst/>
-            <a:cxnLst/>
-            <a:rect l="0" t="0" r="0" b="0"/>
-            <a:pathLst>
-              <a:path w="120000" h="120000" extrusionOk="0">
-                <a:moveTo>
-                  <a:pt x="0" y="0"/>
-                </a:moveTo>
-                <a:lnTo>
-                  <a:pt x="120000" y="0"/>
-                </a:lnTo>
-                <a:lnTo>
-                  <a:pt x="120000" y="120000"/>
-                </a:lnTo>
-                <a:lnTo>
-                  <a:pt x="0" y="120000"/>
-                </a:lnTo>
-                <a:close/>
-              </a:path>
-            </a:pathLst>
-          </a:custGeom>
-        </p:spPr>
-      </p:sp>
-      <p:sp>
-        <p:nvSpPr>
-          <p:cNvPr id="97" name="Shape 97"/>
-          <p:cNvSpPr txBox="1">
-            <a:spLocks noGrp="1"/>
-          </p:cNvSpPr>
-          <p:nvPr>
-            <p:ph type="body" idx="1"/>
-          </p:nvPr>
-        </p:nvSpPr>
-        <p:spPr>
-          <a:xfrm>
-            <a:off x="685800" y="4343400"/>
-            <a:ext cx="5486399" cy="4114800"/>
-          </a:xfrm>
-          <a:prstGeom prst="rect">
-            <a:avLst/>
-          </a:prstGeom>
-        </p:spPr>
-        <p:txBody>
-          <a:bodyPr lIns="91425" tIns="91425" rIns="91425" bIns="91425" anchor="t" anchorCtr="0">
-            <a:noAutofit/>
-          </a:bodyPr>
-          <a:lstStyle/>
-          <a:p>
-            <a:pPr lvl="0">
-              <a:spcBef>
-                <a:spcPts val="0"/>
-              </a:spcBef>
-              <a:buNone/>
-            </a:pPr>
-            <a:endParaRPr/>
-          </a:p>
-        </p:txBody>
-      </p:sp>
-    </p:spTree>
-  </p:cSld>
-  <p:clrMapOvr>
-    <a:masterClrMapping/>
-  </p:clrMapOvr>
-</p:notes>
-</file>
-
-<file path=ppt/notesSlides/notesSlide48.xml><?xml version="1.0" encoding="utf-8"?>
-<p:notes xmlns:a="http://schemas.openxmlformats.org/drawingml/2006/main" xmlns:r="http://schemas.openxmlformats.org/officeDocument/2006/relationships" xmlns:p="http://schemas.openxmlformats.org/presentationml/2006/main" showMasterSp="0" showMasterPhAnim="0">
-  <p:cSld>
-    <p:spTree>
-      <p:nvGrpSpPr>
-        <p:cNvPr id="1" name="Shape 107"/>
-        <p:cNvGrpSpPr/>
-        <p:nvPr/>
-      </p:nvGrpSpPr>
-      <p:grpSpPr>
-        <a:xfrm>
-          <a:off x="0" y="0"/>
-          <a:ext cx="0" cy="0"/>
-          <a:chOff x="0" y="0"/>
-          <a:chExt cx="0" cy="0"/>
-        </a:xfrm>
-      </p:grpSpPr>
-      <p:sp>
-        <p:nvSpPr>
-          <p:cNvPr id="108" name="Shape 108"/>
-          <p:cNvSpPr>
-            <a:spLocks noGrp="1" noRot="1" noChangeAspect="1"/>
-          </p:cNvSpPr>
-          <p:nvPr>
-            <p:ph type="sldImg" idx="2"/>
-          </p:nvPr>
-        </p:nvSpPr>
-        <p:spPr>
-          <a:xfrm>
-            <a:off x="381000" y="685800"/>
-            <a:ext cx="6096000" cy="3429000"/>
-          </a:xfrm>
-          <a:custGeom>
-            <a:avLst/>
-            <a:gdLst/>
-            <a:ahLst/>
-            <a:cxnLst/>
-            <a:rect l="0" t="0" r="0" b="0"/>
-            <a:pathLst>
-              <a:path w="120000" h="120000" extrusionOk="0">
-                <a:moveTo>
-                  <a:pt x="0" y="0"/>
-                </a:moveTo>
-                <a:lnTo>
-                  <a:pt x="120000" y="0"/>
-                </a:lnTo>
-                <a:lnTo>
-                  <a:pt x="120000" y="120000"/>
-                </a:lnTo>
-                <a:lnTo>
-                  <a:pt x="0" y="120000"/>
-                </a:lnTo>
-                <a:close/>
-              </a:path>
-            </a:pathLst>
-          </a:custGeom>
-        </p:spPr>
-      </p:sp>
-      <p:sp>
-        <p:nvSpPr>
-          <p:cNvPr id="109" name="Shape 109"/>
-          <p:cNvSpPr txBox="1">
-            <a:spLocks noGrp="1"/>
-          </p:cNvSpPr>
-          <p:nvPr>
-            <p:ph type="body" idx="1"/>
-          </p:nvPr>
-        </p:nvSpPr>
-        <p:spPr>
-          <a:xfrm>
-            <a:off x="685800" y="4343400"/>
-            <a:ext cx="5486399" cy="4114800"/>
-          </a:xfrm>
-          <a:prstGeom prst="rect">
-            <a:avLst/>
-          </a:prstGeom>
-        </p:spPr>
-        <p:txBody>
-          <a:bodyPr lIns="91425" tIns="91425" rIns="91425" bIns="91425" anchor="t" anchorCtr="0">
-            <a:noAutofit/>
-          </a:bodyPr>
-          <a:lstStyle/>
-          <a:p>
-            <a:pPr lvl="0">
-              <a:spcBef>
-                <a:spcPts val="0"/>
-              </a:spcBef>
-              <a:buNone/>
-            </a:pPr>
-            <a:endParaRPr/>
-          </a:p>
-        </p:txBody>
-      </p:sp>
-    </p:spTree>
-  </p:cSld>
-  <p:clrMapOvr>
-    <a:masterClrMapping/>
-  </p:clrMapOvr>
-</p:notes>
-</file>
-
-<file path=ppt/notesSlides/notesSlide49.xml><?xml version="1.0" encoding="utf-8"?>
 <p:notes xmlns:a="http://schemas.openxmlformats.org/drawingml/2006/main" xmlns:r="http://schemas.openxmlformats.org/officeDocument/2006/relationships" xmlns:p="http://schemas.openxmlformats.org/presentationml/2006/main" showMasterSp="0" showMasterPhAnim="0">
   <p:cSld>
     <p:spTree>
@@ -6267,7 +6063,7 @@
     </p:spTree>
     <p:extLst>
       <p:ext uri="{BB962C8B-B14F-4D97-AF65-F5344CB8AC3E}">
-        <p14:creationId xmlns:p14="http://schemas.microsoft.com/office/powerpoint/2010/main" xmlns="" val="167351152"/>
+        <p14:creationId xmlns:p14="http://schemas.microsoft.com/office/powerpoint/2010/main" val="167351152"/>
       </p:ext>
     </p:extLst>
   </p:cSld>
@@ -6664,7 +6460,7 @@
     </p:spTree>
     <p:extLst>
       <p:ext uri="{BB962C8B-B14F-4D97-AF65-F5344CB8AC3E}">
-        <p14:creationId xmlns:p14="http://schemas.microsoft.com/office/powerpoint/2010/main" xmlns="" val="4262043246"/>
+        <p14:creationId xmlns:p14="http://schemas.microsoft.com/office/powerpoint/2010/main" val="4262043246"/>
       </p:ext>
     </p:extLst>
   </p:cSld>
@@ -6694,7 +6490,7 @@
     </p:spTree>
     <p:extLst>
       <p:ext uri="{BB962C8B-B14F-4D97-AF65-F5344CB8AC3E}">
-        <p14:creationId xmlns:p14="http://schemas.microsoft.com/office/powerpoint/2010/main" xmlns="" val="4115614035"/>
+        <p14:creationId xmlns:p14="http://schemas.microsoft.com/office/powerpoint/2010/main" val="4115614035"/>
       </p:ext>
     </p:extLst>
   </p:cSld>
@@ -8354,7 +8150,7 @@
     <a:masterClrMapping/>
   </p:clrMapOvr>
   <mc:AlternateContent xmlns:mc="http://schemas.openxmlformats.org/markup-compatibility/2006">
-    <mc:Choice xmlns:p14="http://schemas.microsoft.com/office/powerpoint/2010/main" xmlns="" Requires="p14">
+    <mc:Choice xmlns:p14="http://schemas.microsoft.com/office/powerpoint/2010/main" Requires="p14">
       <p:transition p14:dur="0"/>
     </mc:Choice>
     <mc:Fallback>
@@ -8467,11 +8263,7 @@
             </a:pPr>
             <a:r>
               <a:rPr lang="de-DE" dirty="0" smtClean="0"/>
-              <a:t> </a:t>
-            </a:r>
-            <a:r>
-              <a:rPr lang="de-DE" dirty="0" smtClean="0"/>
-              <a:t>Das Spiel</a:t>
+              <a:t> Das Spiel</a:t>
             </a:r>
           </a:p>
           <a:p>
@@ -8482,11 +8274,7 @@
             </a:pPr>
             <a:r>
               <a:rPr lang="de-DE" dirty="0" smtClean="0"/>
-              <a:t> </a:t>
-            </a:r>
-            <a:r>
-              <a:rPr lang="de-DE" dirty="0" smtClean="0"/>
-              <a:t>Die Fragen</a:t>
+              <a:t> Die Fragen</a:t>
             </a:r>
           </a:p>
           <a:p>
@@ -8497,11 +8285,7 @@
             </a:pPr>
             <a:r>
               <a:rPr lang="de-DE" dirty="0" smtClean="0"/>
-              <a:t> </a:t>
-            </a:r>
-            <a:r>
-              <a:rPr lang="de-DE" dirty="0" smtClean="0"/>
-              <a:t>Die Joker</a:t>
+              <a:t> Die Joker</a:t>
             </a:r>
           </a:p>
           <a:p>
@@ -8512,11 +8296,7 @@
             </a:pPr>
             <a:r>
               <a:rPr lang="de-DE" dirty="0" smtClean="0"/>
-              <a:t> </a:t>
-            </a:r>
-            <a:r>
-              <a:rPr lang="de-DE" dirty="0" smtClean="0"/>
-              <a:t>Die Highscores</a:t>
+              <a:t> Die Highscores</a:t>
             </a:r>
             <a:endParaRPr dirty="0"/>
           </a:p>
@@ -9085,9 +8865,21 @@
   <p:clrMapOvr>
     <a:masterClrMapping/>
   </p:clrMapOvr>
-  <p:transition spd="slow">
-    <p:fade/>
-  </p:transition>
+  <mc:AlternateContent xmlns:mc="http://schemas.openxmlformats.org/markup-compatibility/2006">
+    <mc:Choice xmlns:p14="http://schemas.microsoft.com/office/powerpoint/2010/main" Requires="p14">
+      <p:transition p14:dur="0"/>
+    </mc:Choice>
+    <mc:Fallback>
+      <p:transition/>
+    </mc:Fallback>
+  </mc:AlternateContent>
+  <p:timing>
+    <p:tnLst>
+      <p:par>
+        <p:cTn id="1" dur="indefinite" restart="never" nodeType="tmRoot"/>
+      </p:par>
+    </p:tnLst>
+  </p:timing>
 </p:sld>
 </file>
 
@@ -9210,7 +9002,6 @@
               <a:rPr lang="en" dirty="0" smtClean="0"/>
               <a:t>bekommt 15 Fragen gestellt um potenziell        € 1.000.000 zu gewinnen </a:t>
             </a:r>
-            <a:endParaRPr lang="en" dirty="0" smtClean="0"/>
           </a:p>
           <a:p>
             <a:pPr lvl="0">
@@ -9786,9 +9577,21 @@
   <p:clrMapOvr>
     <a:masterClrMapping/>
   </p:clrMapOvr>
-  <p:transition spd="slow">
-    <p:fade/>
-  </p:transition>
+  <mc:AlternateContent xmlns:mc="http://schemas.openxmlformats.org/markup-compatibility/2006">
+    <mc:Choice xmlns:p14="http://schemas.microsoft.com/office/powerpoint/2010/main" Requires="p14">
+      <p:transition p14:dur="0"/>
+    </mc:Choice>
+    <mc:Fallback>
+      <p:transition/>
+    </mc:Fallback>
+  </mc:AlternateContent>
+  <p:timing>
+    <p:tnLst>
+      <p:par>
+        <p:cTn id="1" dur="indefinite" restart="never" nodeType="tmRoot"/>
+      </p:par>
+    </p:tnLst>
+  </p:timing>
 </p:sld>
 </file>
 
@@ -9911,7 +9714,6 @@
               <a:rPr lang="en" dirty="0" smtClean="0"/>
               <a:t>bekommt 15 Fragen gestellt um potenziell        € 1.000.000 zu gewinnen </a:t>
             </a:r>
-            <a:endParaRPr lang="en" dirty="0" smtClean="0"/>
           </a:p>
           <a:p>
             <a:pPr lvl="0">
@@ -10561,9 +10363,21 @@
   <p:clrMapOvr>
     <a:masterClrMapping/>
   </p:clrMapOvr>
-  <p:transition spd="slow">
-    <p:fade/>
-  </p:transition>
+  <mc:AlternateContent xmlns:mc="http://schemas.openxmlformats.org/markup-compatibility/2006">
+    <mc:Choice xmlns:p14="http://schemas.microsoft.com/office/powerpoint/2010/main" Requires="p14">
+      <p:transition p14:dur="0"/>
+    </mc:Choice>
+    <mc:Fallback>
+      <p:transition/>
+    </mc:Fallback>
+  </mc:AlternateContent>
+  <p:timing>
+    <p:tnLst>
+      <p:par>
+        <p:cTn id="1" dur="indefinite" restart="never" nodeType="tmRoot"/>
+      </p:par>
+    </p:tnLst>
+  </p:timing>
 </p:sld>
 </file>
 
@@ -10695,13 +10509,8 @@
             </a:pPr>
             <a:r>
               <a:rPr lang="en" dirty="0" smtClean="0"/>
-              <a:t>sollte es nicht als “leicht” empfinden das Spiel zu </a:t>
+              <a:t>sollte es nicht als “leicht” empfinden das Spiel zu gewinnen</a:t>
             </a:r>
-            <a:r>
-              <a:rPr lang="en" dirty="0" smtClean="0"/>
-              <a:t>gewinnen</a:t>
-            </a:r>
-            <a:endParaRPr lang="en" dirty="0" smtClean="0"/>
           </a:p>
           <a:p>
             <a:pPr lvl="0">
@@ -11351,9 +11160,21 @@
   <p:clrMapOvr>
     <a:masterClrMapping/>
   </p:clrMapOvr>
-  <p:transition spd="slow">
-    <p:fade/>
-  </p:transition>
+  <mc:AlternateContent xmlns:mc="http://schemas.openxmlformats.org/markup-compatibility/2006">
+    <mc:Choice xmlns:p14="http://schemas.microsoft.com/office/powerpoint/2010/main" Requires="p14">
+      <p:transition p14:dur="0"/>
+    </mc:Choice>
+    <mc:Fallback>
+      <p:transition/>
+    </mc:Fallback>
+  </mc:AlternateContent>
+  <p:timing>
+    <p:tnLst>
+      <p:par>
+        <p:cTn id="1" dur="indefinite" restart="never" nodeType="tmRoot"/>
+      </p:par>
+    </p:tnLst>
+  </p:timing>
 </p:sld>
 </file>
 
@@ -11485,13 +11306,8 @@
             </a:pPr>
             <a:r>
               <a:rPr lang="en" dirty="0" smtClean="0"/>
-              <a:t>sollte es nicht als “leicht” empfinden das Spiel zu </a:t>
+              <a:t>sollte es nicht als “leicht” empfinden das Spiel zu gewinnen</a:t>
             </a:r>
-            <a:r>
-              <a:rPr lang="en" dirty="0" smtClean="0"/>
-              <a:t>gewinnen</a:t>
-            </a:r>
-            <a:endParaRPr lang="en" dirty="0" smtClean="0"/>
           </a:p>
           <a:p>
             <a:pPr lvl="0">
@@ -12221,9 +12037,21 @@
   <p:clrMapOvr>
     <a:masterClrMapping/>
   </p:clrMapOvr>
-  <p:transition spd="slow">
-    <p:fade/>
-  </p:transition>
+  <mc:AlternateContent xmlns:mc="http://schemas.openxmlformats.org/markup-compatibility/2006">
+    <mc:Choice xmlns:p14="http://schemas.microsoft.com/office/powerpoint/2010/main" Requires="p14">
+      <p:transition p14:dur="0"/>
+    </mc:Choice>
+    <mc:Fallback>
+      <p:transition/>
+    </mc:Fallback>
+  </mc:AlternateContent>
+  <p:timing>
+    <p:tnLst>
+      <p:par>
+        <p:cTn id="1" dur="indefinite" restart="never" nodeType="tmRoot"/>
+      </p:par>
+    </p:tnLst>
+  </p:timing>
 </p:sld>
 </file>
 
@@ -12355,11 +12183,7 @@
             </a:pPr>
             <a:r>
               <a:rPr lang="en" dirty="0" smtClean="0"/>
-              <a:t>sollte es nicht als “leicht” empfinden das Spiel zu </a:t>
-            </a:r>
-            <a:r>
-              <a:rPr lang="en" dirty="0" smtClean="0"/>
-              <a:t>gewinnen</a:t>
+              <a:t>sollte es nicht als “leicht” empfinden das Spiel zu gewinnen</a:t>
             </a:r>
           </a:p>
           <a:p>
@@ -12370,11 +12194,7 @@
             </a:pPr>
             <a:r>
               <a:rPr lang="de-DE" dirty="0" smtClean="0"/>
-              <a:t>sollte es nicht als „zu schwer“ empfinden Fortschritte in dem Spiel zu </a:t>
-            </a:r>
-            <a:r>
-              <a:rPr lang="de-DE" dirty="0" smtClean="0"/>
-              <a:t>machen</a:t>
+              <a:t>sollte es nicht als „zu schwer“ empfinden Fortschritte in dem Spiel zu machen</a:t>
             </a:r>
             <a:endParaRPr lang="en" dirty="0" smtClean="0"/>
           </a:p>
@@ -13106,9 +12926,21 @@
   <p:clrMapOvr>
     <a:masterClrMapping/>
   </p:clrMapOvr>
-  <p:transition spd="slow">
-    <p:fade/>
-  </p:transition>
+  <mc:AlternateContent xmlns:mc="http://schemas.openxmlformats.org/markup-compatibility/2006">
+    <mc:Choice xmlns:p14="http://schemas.microsoft.com/office/powerpoint/2010/main" Requires="p14">
+      <p:transition p14:dur="0"/>
+    </mc:Choice>
+    <mc:Fallback>
+      <p:transition/>
+    </mc:Fallback>
+  </mc:AlternateContent>
+  <p:timing>
+    <p:tnLst>
+      <p:par>
+        <p:cTn id="1" dur="indefinite" restart="never" nodeType="tmRoot"/>
+      </p:par>
+    </p:tnLst>
+  </p:timing>
 </p:sld>
 </file>
 
@@ -13240,11 +13072,7 @@
             </a:pPr>
             <a:r>
               <a:rPr lang="en" dirty="0" smtClean="0"/>
-              <a:t>sollte es nicht als “leicht” empfinden das Spiel zu </a:t>
-            </a:r>
-            <a:r>
-              <a:rPr lang="en" dirty="0" smtClean="0"/>
-              <a:t>gewinnen</a:t>
+              <a:t>sollte es nicht als “leicht” empfinden das Spiel zu gewinnen</a:t>
             </a:r>
           </a:p>
           <a:p>
@@ -13255,11 +13083,7 @@
             </a:pPr>
             <a:r>
               <a:rPr lang="de-DE" dirty="0" smtClean="0"/>
-              <a:t>sollte es nicht als „zu schwer“ empfinden Fortschritte in dem Spiel zu </a:t>
-            </a:r>
-            <a:r>
-              <a:rPr lang="de-DE" dirty="0" smtClean="0"/>
-              <a:t>machen</a:t>
+              <a:t>sollte es nicht als „zu schwer“ empfinden Fortschritte in dem Spiel zu machen</a:t>
             </a:r>
             <a:endParaRPr lang="en" dirty="0" smtClean="0"/>
           </a:p>
@@ -14065,9 +13889,21 @@
   <p:clrMapOvr>
     <a:masterClrMapping/>
   </p:clrMapOvr>
-  <p:transition spd="slow">
-    <p:fade/>
-  </p:transition>
+  <mc:AlternateContent xmlns:mc="http://schemas.openxmlformats.org/markup-compatibility/2006">
+    <mc:Choice xmlns:p14="http://schemas.microsoft.com/office/powerpoint/2010/main" Requires="p14">
+      <p:transition p14:dur="0"/>
+    </mc:Choice>
+    <mc:Fallback>
+      <p:transition/>
+    </mc:Fallback>
+  </mc:AlternateContent>
+  <p:timing>
+    <p:tnLst>
+      <p:par>
+        <p:cTn id="1" dur="indefinite" restart="never" nodeType="tmRoot"/>
+      </p:par>
+    </p:tnLst>
+  </p:timing>
 </p:sld>
 </file>
 
@@ -14731,9 +14567,21 @@
   <p:clrMapOvr>
     <a:masterClrMapping/>
   </p:clrMapOvr>
-  <p:transition spd="slow">
-    <p:fade/>
-  </p:transition>
+  <mc:AlternateContent xmlns:mc="http://schemas.openxmlformats.org/markup-compatibility/2006">
+    <mc:Choice xmlns:p14="http://schemas.microsoft.com/office/powerpoint/2010/main" Requires="p14">
+      <p:transition p14:dur="0"/>
+    </mc:Choice>
+    <mc:Fallback>
+      <p:transition/>
+    </mc:Fallback>
+  </mc:AlternateContent>
+  <p:timing>
+    <p:tnLst>
+      <p:par>
+        <p:cTn id="1" dur="indefinite" restart="never" nodeType="tmRoot"/>
+      </p:par>
+    </p:tnLst>
+  </p:timing>
 </p:sld>
 </file>
 
@@ -15364,9 +15212,21 @@
   <p:clrMapOvr>
     <a:masterClrMapping/>
   </p:clrMapOvr>
-  <p:transition spd="slow">
-    <p:fade/>
-  </p:transition>
+  <mc:AlternateContent xmlns:mc="http://schemas.openxmlformats.org/markup-compatibility/2006">
+    <mc:Choice xmlns:p14="http://schemas.microsoft.com/office/powerpoint/2010/main" Requires="p14">
+      <p:transition p14:dur="0"/>
+    </mc:Choice>
+    <mc:Fallback>
+      <p:transition/>
+    </mc:Fallback>
+  </mc:AlternateContent>
+  <p:timing>
+    <p:tnLst>
+      <p:par>
+        <p:cTn id="1" dur="indefinite" restart="never" nodeType="tmRoot"/>
+      </p:par>
+    </p:tnLst>
+  </p:timing>
 </p:sld>
 </file>
 
@@ -16067,9 +15927,21 @@
   <p:clrMapOvr>
     <a:masterClrMapping/>
   </p:clrMapOvr>
-  <p:transition spd="slow">
-    <p:fade/>
-  </p:transition>
+  <mc:AlternateContent xmlns:mc="http://schemas.openxmlformats.org/markup-compatibility/2006">
+    <mc:Choice xmlns:p14="http://schemas.microsoft.com/office/powerpoint/2010/main" Requires="p14">
+      <p:transition p14:dur="0"/>
+    </mc:Choice>
+    <mc:Fallback>
+      <p:transition/>
+    </mc:Fallback>
+  </mc:AlternateContent>
+  <p:timing>
+    <p:tnLst>
+      <p:par>
+        <p:cTn id="1" dur="indefinite" restart="never" nodeType="tmRoot"/>
+      </p:par>
+    </p:tnLst>
+  </p:timing>
 </p:sld>
 </file>
 
@@ -16217,7 +16089,7 @@
     </p:spTree>
     <p:extLst>
       <p:ext uri="{BB962C8B-B14F-4D97-AF65-F5344CB8AC3E}">
-        <p14:creationId xmlns:p14="http://schemas.microsoft.com/office/powerpoint/2010/main" xmlns="" val="774016996"/>
+        <p14:creationId xmlns:p14="http://schemas.microsoft.com/office/powerpoint/2010/main" val="774016996"/>
       </p:ext>
     </p:extLst>
   </p:cSld>
@@ -16225,7 +16097,7 @@
     <a:masterClrMapping/>
   </p:clrMapOvr>
   <mc:AlternateContent xmlns:mc="http://schemas.openxmlformats.org/markup-compatibility/2006">
-    <mc:Choice xmlns:p14="http://schemas.microsoft.com/office/powerpoint/2010/main" xmlns="" Requires="p14">
+    <mc:Choice xmlns:p14="http://schemas.microsoft.com/office/powerpoint/2010/main" Requires="p14">
       <p:transition p14:dur="0"/>
     </mc:Choice>
     <mc:Fallback>
@@ -16349,13 +16221,8 @@
             </a:pPr>
             <a:r>
               <a:rPr lang="en" dirty="0" smtClean="0"/>
-              <a:t>Benötigen Schwierigkeitsstufen die innerhalb des Spielverlaufs </a:t>
+              <a:t>Benötigen Schwierigkeitsstufen die innerhalb des Spielverlaufs steigen</a:t>
             </a:r>
-            <a:r>
-              <a:rPr lang="en" dirty="0" smtClean="0"/>
-              <a:t>steigen</a:t>
-            </a:r>
-            <a:endParaRPr lang="en" dirty="0" smtClean="0"/>
           </a:p>
         </p:txBody>
       </p:sp>
@@ -16955,9 +16822,21 @@
   <p:clrMapOvr>
     <a:masterClrMapping/>
   </p:clrMapOvr>
-  <p:transition spd="slow">
-    <p:fade/>
-  </p:transition>
+  <mc:AlternateContent xmlns:mc="http://schemas.openxmlformats.org/markup-compatibility/2006">
+    <mc:Choice xmlns:p14="http://schemas.microsoft.com/office/powerpoint/2010/main" Requires="p14">
+      <p:transition p14:dur="0"/>
+    </mc:Choice>
+    <mc:Fallback>
+      <p:transition/>
+    </mc:Fallback>
+  </mc:AlternateContent>
+  <p:timing>
+    <p:tnLst>
+      <p:par>
+        <p:cTn id="1" dur="indefinite" restart="never" nodeType="tmRoot"/>
+      </p:par>
+    </p:tnLst>
+  </p:timing>
 </p:sld>
 </file>
 
@@ -17068,11 +16947,7 @@
             </a:pPr>
             <a:r>
               <a:rPr lang="en" dirty="0" smtClean="0"/>
-              <a:t>Benötigen Schwierigkeitsstufen die innerhalb des Spielverlaufs </a:t>
-            </a:r>
-            <a:r>
-              <a:rPr lang="en" dirty="0" smtClean="0"/>
-              <a:t>steigen</a:t>
+              <a:t>Benötigen Schwierigkeitsstufen die innerhalb des Spielverlaufs steigen</a:t>
             </a:r>
           </a:p>
           <a:p>
@@ -17083,33 +16958,8 @@
             </a:pPr>
             <a:r>
               <a:rPr lang="en" dirty="0" smtClean="0"/>
-              <a:t>Benötigen eine Datenbank, </a:t>
+              <a:t>Benötigen eine Datenbank, als Fragenkatalog zum Speichern, Abrufen und Sortieren der Fragen</a:t>
             </a:r>
-            <a:r>
-              <a:rPr lang="en" dirty="0" smtClean="0"/>
-              <a:t>als </a:t>
-            </a:r>
-            <a:r>
-              <a:rPr lang="en" dirty="0" smtClean="0"/>
-              <a:t>Fragenkatalog </a:t>
-            </a:r>
-            <a:r>
-              <a:rPr lang="en" dirty="0" smtClean="0"/>
-              <a:t>zum </a:t>
-            </a:r>
-            <a:r>
-              <a:rPr lang="en" dirty="0" smtClean="0"/>
-              <a:t>Speichern, Abrufen </a:t>
-            </a:r>
-            <a:r>
-              <a:rPr lang="en" dirty="0" smtClean="0"/>
-              <a:t>und Sortieren der </a:t>
-            </a:r>
-            <a:r>
-              <a:rPr lang="en" dirty="0" smtClean="0"/>
-              <a:t>Fragen</a:t>
-            </a:r>
-            <a:endParaRPr lang="en" dirty="0" smtClean="0"/>
           </a:p>
         </p:txBody>
       </p:sp>
@@ -17709,9 +17559,21 @@
   <p:clrMapOvr>
     <a:masterClrMapping/>
   </p:clrMapOvr>
-  <p:transition spd="slow">
-    <p:fade/>
-  </p:transition>
+  <mc:AlternateContent xmlns:mc="http://schemas.openxmlformats.org/markup-compatibility/2006">
+    <mc:Choice xmlns:p14="http://schemas.microsoft.com/office/powerpoint/2010/main" Requires="p14">
+      <p:transition p14:dur="0"/>
+    </mc:Choice>
+    <mc:Fallback>
+      <p:transition/>
+    </mc:Fallback>
+  </mc:AlternateContent>
+  <p:timing>
+    <p:tnLst>
+      <p:par>
+        <p:cTn id="1" dur="indefinite" restart="never" nodeType="tmRoot"/>
+      </p:par>
+    </p:tnLst>
+  </p:timing>
 </p:sld>
 </file>
 
@@ -18342,9 +18204,21 @@
   <p:clrMapOvr>
     <a:masterClrMapping/>
   </p:clrMapOvr>
-  <p:transition spd="slow">
-    <p:fade/>
-  </p:transition>
+  <mc:AlternateContent xmlns:mc="http://schemas.openxmlformats.org/markup-compatibility/2006">
+    <mc:Choice xmlns:p14="http://schemas.microsoft.com/office/powerpoint/2010/main" Requires="p14">
+      <p:transition p14:dur="0"/>
+    </mc:Choice>
+    <mc:Fallback>
+      <p:transition/>
+    </mc:Fallback>
+  </mc:AlternateContent>
+  <p:timing>
+    <p:tnLst>
+      <p:par>
+        <p:cTn id="1" dur="indefinite" restart="never" nodeType="tmRoot"/>
+      </p:par>
+    </p:tnLst>
+  </p:timing>
 </p:sld>
 </file>
 
@@ -19054,9 +18928,21 @@
   <p:clrMapOvr>
     <a:masterClrMapping/>
   </p:clrMapOvr>
-  <p:transition spd="slow">
-    <p:fade/>
-  </p:transition>
+  <mc:AlternateContent xmlns:mc="http://schemas.openxmlformats.org/markup-compatibility/2006">
+    <mc:Choice xmlns:p14="http://schemas.microsoft.com/office/powerpoint/2010/main" Requires="p14">
+      <p:transition p14:dur="0"/>
+    </mc:Choice>
+    <mc:Fallback>
+      <p:transition/>
+    </mc:Fallback>
+  </mc:AlternateContent>
+  <p:timing>
+    <p:tnLst>
+      <p:par>
+        <p:cTn id="1" dur="indefinite" restart="never" nodeType="tmRoot"/>
+      </p:par>
+    </p:tnLst>
+  </p:timing>
 </p:sld>
 </file>
 
@@ -19777,9 +19663,21 @@
   <p:clrMapOvr>
     <a:masterClrMapping/>
   </p:clrMapOvr>
-  <p:transition spd="slow">
-    <p:fade/>
-  </p:transition>
+  <mc:AlternateContent xmlns:mc="http://schemas.openxmlformats.org/markup-compatibility/2006">
+    <mc:Choice xmlns:p14="http://schemas.microsoft.com/office/powerpoint/2010/main" Requires="p14">
+      <p:transition p14:dur="0"/>
+    </mc:Choice>
+    <mc:Fallback>
+      <p:transition/>
+    </mc:Fallback>
+  </mc:AlternateContent>
+  <p:timing>
+    <p:tnLst>
+      <p:par>
+        <p:cTn id="1" dur="indefinite" restart="never" nodeType="tmRoot"/>
+      </p:par>
+    </p:tnLst>
+  </p:timing>
 </p:sld>
 </file>
 
@@ -20510,9 +20408,21 @@
   <p:clrMapOvr>
     <a:masterClrMapping/>
   </p:clrMapOvr>
-  <p:transition spd="slow">
-    <p:fade/>
-  </p:transition>
+  <mc:AlternateContent xmlns:mc="http://schemas.openxmlformats.org/markup-compatibility/2006">
+    <mc:Choice xmlns:p14="http://schemas.microsoft.com/office/powerpoint/2010/main" Requires="p14">
+      <p:transition p14:dur="0"/>
+    </mc:Choice>
+    <mc:Fallback>
+      <p:transition/>
+    </mc:Fallback>
+  </mc:AlternateContent>
+  <p:timing>
+    <p:tnLst>
+      <p:par>
+        <p:cTn id="1" dur="indefinite" restart="never" nodeType="tmRoot"/>
+      </p:par>
+    </p:tnLst>
+  </p:timing>
 </p:sld>
 </file>
 
@@ -21143,9 +21053,21 @@
   <p:clrMapOvr>
     <a:masterClrMapping/>
   </p:clrMapOvr>
-  <p:transition spd="slow">
-    <p:fade/>
-  </p:transition>
+  <mc:AlternateContent xmlns:mc="http://schemas.openxmlformats.org/markup-compatibility/2006">
+    <mc:Choice xmlns:p14="http://schemas.microsoft.com/office/powerpoint/2010/main" Requires="p14">
+      <p:transition p14:dur="0"/>
+    </mc:Choice>
+    <mc:Fallback>
+      <p:transition/>
+    </mc:Fallback>
+  </mc:AlternateContent>
+  <p:timing>
+    <p:tnLst>
+      <p:par>
+        <p:cTn id="1" dur="indefinite" restart="never" nodeType="tmRoot"/>
+      </p:par>
+    </p:tnLst>
+  </p:timing>
 </p:sld>
 </file>
 
@@ -21798,9 +21720,21 @@
   <p:clrMapOvr>
     <a:masterClrMapping/>
   </p:clrMapOvr>
-  <p:transition spd="slow">
-    <p:fade/>
-  </p:transition>
+  <mc:AlternateContent xmlns:mc="http://schemas.openxmlformats.org/markup-compatibility/2006">
+    <mc:Choice xmlns:p14="http://schemas.microsoft.com/office/powerpoint/2010/main" Requires="p14">
+      <p:transition p14:dur="0"/>
+    </mc:Choice>
+    <mc:Fallback>
+      <p:transition/>
+    </mc:Fallback>
+  </mc:AlternateContent>
+  <p:timing>
+    <p:tnLst>
+      <p:par>
+        <p:cTn id="1" dur="indefinite" restart="never" nodeType="tmRoot"/>
+      </p:par>
+    </p:tnLst>
+  </p:timing>
 </p:sld>
 </file>
 
@@ -22459,9 +22393,21 @@
   <p:clrMapOvr>
     <a:masterClrMapping/>
   </p:clrMapOvr>
-  <p:transition spd="slow">
-    <p:fade/>
-  </p:transition>
+  <mc:AlternateContent xmlns:mc="http://schemas.openxmlformats.org/markup-compatibility/2006">
+    <mc:Choice xmlns:p14="http://schemas.microsoft.com/office/powerpoint/2010/main" Requires="p14">
+      <p:transition p14:dur="0"/>
+    </mc:Choice>
+    <mc:Fallback>
+      <p:transition/>
+    </mc:Fallback>
+  </mc:AlternateContent>
+  <p:timing>
+    <p:tnLst>
+      <p:par>
+        <p:cTn id="1" dur="indefinite" restart="never" nodeType="tmRoot"/>
+      </p:par>
+    </p:tnLst>
+  </p:timing>
 </p:sld>
 </file>
 
@@ -23116,11 +23062,7 @@
           <a:p>
             <a:r>
               <a:rPr lang="de-DE" dirty="0" smtClean="0"/>
-              <a:t> </a:t>
-            </a:r>
-            <a:r>
-              <a:rPr lang="de-DE" dirty="0" smtClean="0"/>
-              <a:t>Ein Spieler sollte einen Überblick auf die 10 besten Highscores haben</a:t>
+              <a:t> Ein Spieler sollte einen Überblick auf die 10 besten Highscores haben</a:t>
             </a:r>
           </a:p>
         </p:txBody>
@@ -23130,9 +23072,21 @@
   <p:clrMapOvr>
     <a:masterClrMapping/>
   </p:clrMapOvr>
-  <p:transition spd="slow">
-    <p:fade/>
-  </p:transition>
+  <mc:AlternateContent xmlns:mc="http://schemas.openxmlformats.org/markup-compatibility/2006">
+    <mc:Choice xmlns:p14="http://schemas.microsoft.com/office/powerpoint/2010/main" Requires="p14">
+      <p:transition p14:dur="0"/>
+    </mc:Choice>
+    <mc:Fallback>
+      <p:transition/>
+    </mc:Fallback>
+  </mc:AlternateContent>
+  <p:timing>
+    <p:tnLst>
+      <p:par>
+        <p:cTn id="1" dur="indefinite" restart="never" nodeType="tmRoot"/>
+      </p:par>
+    </p:tnLst>
+  </p:timing>
 </p:sld>
 </file>
 
@@ -23879,7 +23833,7 @@
     </p:spTree>
     <p:extLst>
       <p:ext uri="{BB962C8B-B14F-4D97-AF65-F5344CB8AC3E}">
-        <p14:creationId xmlns:p14="http://schemas.microsoft.com/office/powerpoint/2010/main" xmlns="" val="1203758455"/>
+        <p14:creationId xmlns:p14="http://schemas.microsoft.com/office/powerpoint/2010/main" val="1203758455"/>
       </p:ext>
     </p:extLst>
   </p:cSld>
@@ -23887,7 +23841,7 @@
     <a:masterClrMapping/>
   </p:clrMapOvr>
   <mc:AlternateContent xmlns:mc="http://schemas.openxmlformats.org/markup-compatibility/2006">
-    <mc:Choice xmlns:p14="http://schemas.microsoft.com/office/powerpoint/2010/main" xmlns="" Requires="p14">
+    <mc:Choice xmlns:p14="http://schemas.microsoft.com/office/powerpoint/2010/main" Requires="p14">
       <p:transition p14:dur="0"/>
     </mc:Choice>
     <mc:Fallback>
@@ -24558,11 +24512,7 @@
             </a:pPr>
             <a:r>
               <a:rPr lang="de-DE" sz="1800" dirty="0" smtClean="0"/>
-              <a:t> </a:t>
-            </a:r>
-            <a:r>
-              <a:rPr lang="de-DE" sz="1800" dirty="0" smtClean="0"/>
-              <a:t>z.B. Telefon Joker verhalten, Publikumsjoker verhalten etc.</a:t>
+              <a:t> z.B. Telefon Joker verhalten, Publikumsjoker verhalten etc.</a:t>
             </a:r>
           </a:p>
         </p:txBody>
@@ -24572,9 +24522,21 @@
   <p:clrMapOvr>
     <a:masterClrMapping/>
   </p:clrMapOvr>
-  <p:transition spd="slow">
-    <p:fade/>
-  </p:transition>
+  <mc:AlternateContent xmlns:mc="http://schemas.openxmlformats.org/markup-compatibility/2006">
+    <mc:Choice xmlns:p14="http://schemas.microsoft.com/office/powerpoint/2010/main" Requires="p14">
+      <p:transition p14:dur="0"/>
+    </mc:Choice>
+    <mc:Fallback>
+      <p:transition/>
+    </mc:Fallback>
+  </mc:AlternateContent>
+  <p:timing>
+    <p:tnLst>
+      <p:par>
+        <p:cTn id="1" dur="indefinite" restart="never" nodeType="tmRoot"/>
+      </p:par>
+    </p:tnLst>
+  </p:timing>
 </p:sld>
 </file>
 
@@ -25232,11 +25194,7 @@
             </a:pPr>
             <a:r>
               <a:rPr lang="de-DE" sz="1800" dirty="0" smtClean="0"/>
-              <a:t> </a:t>
-            </a:r>
-            <a:r>
-              <a:rPr lang="de-DE" sz="1800" dirty="0" smtClean="0"/>
-              <a:t>z.B. Telefon Joker verhalten, Publikumsjoker verhalten etc.</a:t>
+              <a:t> z.B. Telefon Joker verhalten, Publikumsjoker verhalten etc.</a:t>
             </a:r>
           </a:p>
           <a:p>
@@ -25248,11 +25206,7 @@
           <a:p>
             <a:r>
               <a:rPr lang="de-DE" dirty="0" smtClean="0"/>
-              <a:t> </a:t>
-            </a:r>
-            <a:r>
-              <a:rPr lang="de-DE" dirty="0" smtClean="0"/>
-              <a:t>Spezifizierung des Benutzerverlaufs, außerhalb des Spieles</a:t>
+              <a:t> Spezifizierung des Benutzerverlaufs, außerhalb des Spieles</a:t>
             </a:r>
           </a:p>
           <a:p>
@@ -25301,9 +25255,21 @@
   <p:clrMapOvr>
     <a:masterClrMapping/>
   </p:clrMapOvr>
-  <p:transition spd="slow">
-    <p:fade/>
-  </p:transition>
+  <mc:AlternateContent xmlns:mc="http://schemas.openxmlformats.org/markup-compatibility/2006">
+    <mc:Choice xmlns:p14="http://schemas.microsoft.com/office/powerpoint/2010/main" Requires="p14">
+      <p:transition p14:dur="0"/>
+    </mc:Choice>
+    <mc:Fallback>
+      <p:transition/>
+    </mc:Fallback>
+  </mc:AlternateContent>
+  <p:timing>
+    <p:tnLst>
+      <p:par>
+        <p:cTn id="1" dur="indefinite" restart="never" nodeType="tmRoot"/>
+      </p:par>
+    </p:tnLst>
+  </p:timing>
 </p:sld>
 </file>
 
@@ -25480,9 +25446,21 @@
   <p:clrMapOvr>
     <a:masterClrMapping/>
   </p:clrMapOvr>
-  <p:transition spd="slow">
-    <p:fade/>
-  </p:transition>
+  <mc:AlternateContent xmlns:mc="http://schemas.openxmlformats.org/markup-compatibility/2006">
+    <mc:Choice xmlns:p14="http://schemas.microsoft.com/office/powerpoint/2010/main" Requires="p14">
+      <p:transition p14:dur="0"/>
+    </mc:Choice>
+    <mc:Fallback>
+      <p:transition/>
+    </mc:Fallback>
+  </mc:AlternateContent>
+  <p:timing>
+    <p:tnLst>
+      <p:par>
+        <p:cTn id="1" dur="indefinite" restart="never" nodeType="tmRoot"/>
+      </p:par>
+    </p:tnLst>
+  </p:timing>
 </p:sld>
 </file>
 
@@ -25642,7 +25620,7 @@
     </p:spTree>
     <p:extLst>
       <p:ext uri="{BB962C8B-B14F-4D97-AF65-F5344CB8AC3E}">
-        <p14:creationId xmlns:p14="http://schemas.microsoft.com/office/powerpoint/2010/main" xmlns="" val="3669912151"/>
+        <p14:creationId xmlns:p14="http://schemas.microsoft.com/office/powerpoint/2010/main" val="3669912151"/>
       </p:ext>
     </p:extLst>
   </p:cSld>
@@ -25650,7 +25628,7 @@
     <a:masterClrMapping/>
   </p:clrMapOvr>
   <mc:AlternateContent xmlns:mc="http://schemas.openxmlformats.org/markup-compatibility/2006">
-    <mc:Choice xmlns:p14="http://schemas.microsoft.com/office/powerpoint/2010/main" xmlns="" Requires="p14">
+    <mc:Choice xmlns:p14="http://schemas.microsoft.com/office/powerpoint/2010/main" Requires="p14">
       <p:transition p14:dur="0"/>
     </mc:Choice>
     <mc:Fallback>
@@ -25756,1430 +25734,13 @@
           </a:bodyPr>
           <a:lstStyle/>
           <a:p>
-            <a:pPr marL="457200" lvl="0" indent="-228600" rtl="0">
+            <a:pPr marL="457200" lvl="0" indent="-228600">
               <a:spcBef>
                 <a:spcPts val="0"/>
               </a:spcBef>
             </a:pPr>
             <a:r>
               <a:rPr lang="en" dirty="0" smtClean="0"/>
-              <a:t>Verwaltung der Fragen</a:t>
-            </a:r>
-          </a:p>
-          <a:p>
-            <a:pPr marL="457200" lvl="0" indent="-228600" rtl="0">
-              <a:spcBef>
-                <a:spcPts val="0"/>
-              </a:spcBef>
-            </a:pPr>
-            <a:endParaRPr lang="en" dirty="0"/>
-          </a:p>
-        </p:txBody>
-      </p:sp>
-      <p:grpSp>
-        <p:nvGrpSpPr>
-          <p:cNvPr id="113" name="Shape 113"/>
-          <p:cNvGrpSpPr/>
-          <p:nvPr/>
-        </p:nvGrpSpPr>
-        <p:grpSpPr>
-          <a:xfrm>
-            <a:off x="916458" y="1019750"/>
-            <a:ext cx="214624" cy="214624"/>
-            <a:chOff x="2594050" y="1631825"/>
-            <a:chExt cx="439625" cy="439625"/>
-          </a:xfrm>
-        </p:grpSpPr>
-        <p:sp>
-          <p:nvSpPr>
-            <p:cNvPr id="114" name="Shape 114"/>
-            <p:cNvSpPr/>
-            <p:nvPr/>
-          </p:nvSpPr>
-          <p:spPr>
-            <a:xfrm>
-              <a:off x="2594050" y="1883300"/>
-              <a:ext cx="188175" cy="188150"/>
-            </a:xfrm>
-            <a:custGeom>
-              <a:avLst/>
-              <a:gdLst/>
-              <a:ahLst/>
-              <a:cxnLst/>
-              <a:rect l="0" t="0" r="0" b="0"/>
-              <a:pathLst>
-                <a:path w="7527" h="7526" fill="none" extrusionOk="0">
-                  <a:moveTo>
-                    <a:pt x="5992" y="0"/>
-                  </a:moveTo>
-                  <a:lnTo>
-                    <a:pt x="537" y="6430"/>
-                  </a:lnTo>
-                  <a:lnTo>
-                    <a:pt x="1" y="7526"/>
-                  </a:lnTo>
-                  <a:lnTo>
-                    <a:pt x="1097" y="6990"/>
-                  </a:lnTo>
-                  <a:lnTo>
-                    <a:pt x="7526" y="1534"/>
-                  </a:lnTo>
-                  <a:lnTo>
-                    <a:pt x="5992" y="0"/>
-                  </a:lnTo>
-                  <a:close/>
-                </a:path>
-              </a:pathLst>
-            </a:custGeom>
-            <a:noFill/>
-            <a:ln w="9525" cap="rnd" cmpd="sng">
-              <a:solidFill>
-                <a:srgbClr val="000000"/>
-              </a:solidFill>
-              <a:prstDash val="solid"/>
-              <a:round/>
-              <a:headEnd type="none" w="med" len="med"/>
-              <a:tailEnd type="none" w="med" len="med"/>
-            </a:ln>
-          </p:spPr>
-          <p:txBody>
-            <a:bodyPr lIns="91425" tIns="91425" rIns="91425" bIns="91425" anchor="ctr" anchorCtr="0">
-              <a:noAutofit/>
-            </a:bodyPr>
-            <a:lstStyle/>
-            <a:p>
-              <a:pPr lvl="0">
-                <a:spcBef>
-                  <a:spcPts val="0"/>
-                </a:spcBef>
-                <a:buNone/>
-              </a:pPr>
-              <a:endParaRPr/>
-            </a:p>
-          </p:txBody>
-        </p:sp>
-        <p:sp>
-          <p:nvSpPr>
-            <p:cNvPr id="115" name="Shape 115"/>
-            <p:cNvSpPr/>
-            <p:nvPr/>
-          </p:nvSpPr>
-          <p:spPr>
-            <a:xfrm>
-              <a:off x="2857700" y="1631825"/>
-              <a:ext cx="175975" cy="176000"/>
-            </a:xfrm>
-            <a:custGeom>
-              <a:avLst/>
-              <a:gdLst/>
-              <a:ahLst/>
-              <a:cxnLst/>
-              <a:rect l="0" t="0" r="0" b="0"/>
-              <a:pathLst>
-                <a:path w="7039" h="7040" fill="none" extrusionOk="0">
-                  <a:moveTo>
-                    <a:pt x="268" y="2704"/>
-                  </a:moveTo>
-                  <a:lnTo>
-                    <a:pt x="4336" y="6771"/>
-                  </a:lnTo>
-                  <a:lnTo>
-                    <a:pt x="4336" y="6771"/>
-                  </a:lnTo>
-                  <a:lnTo>
-                    <a:pt x="4336" y="6771"/>
-                  </a:lnTo>
-                  <a:lnTo>
-                    <a:pt x="4652" y="6917"/>
-                  </a:lnTo>
-                  <a:lnTo>
-                    <a:pt x="4993" y="7015"/>
-                  </a:lnTo>
-                  <a:lnTo>
-                    <a:pt x="5310" y="7039"/>
-                  </a:lnTo>
-                  <a:lnTo>
-                    <a:pt x="5651" y="7039"/>
-                  </a:lnTo>
-                  <a:lnTo>
-                    <a:pt x="5992" y="6966"/>
-                  </a:lnTo>
-                  <a:lnTo>
-                    <a:pt x="6308" y="6844"/>
-                  </a:lnTo>
-                  <a:lnTo>
-                    <a:pt x="6454" y="6747"/>
-                  </a:lnTo>
-                  <a:lnTo>
-                    <a:pt x="6601" y="6674"/>
-                  </a:lnTo>
-                  <a:lnTo>
-                    <a:pt x="6747" y="6552"/>
-                  </a:lnTo>
-                  <a:lnTo>
-                    <a:pt x="6893" y="6430"/>
-                  </a:lnTo>
-                  <a:lnTo>
-                    <a:pt x="6893" y="6430"/>
-                  </a:lnTo>
-                  <a:lnTo>
-                    <a:pt x="6942" y="6357"/>
-                  </a:lnTo>
-                  <a:lnTo>
-                    <a:pt x="7015" y="6260"/>
-                  </a:lnTo>
-                  <a:lnTo>
-                    <a:pt x="7039" y="6138"/>
-                  </a:lnTo>
-                  <a:lnTo>
-                    <a:pt x="7039" y="6041"/>
-                  </a:lnTo>
-                  <a:lnTo>
-                    <a:pt x="7039" y="6041"/>
-                  </a:lnTo>
-                  <a:lnTo>
-                    <a:pt x="7039" y="5943"/>
-                  </a:lnTo>
-                  <a:lnTo>
-                    <a:pt x="7015" y="5846"/>
-                  </a:lnTo>
-                  <a:lnTo>
-                    <a:pt x="6942" y="5748"/>
-                  </a:lnTo>
-                  <a:lnTo>
-                    <a:pt x="6893" y="5651"/>
-                  </a:lnTo>
-                  <a:lnTo>
-                    <a:pt x="1389" y="147"/>
-                  </a:lnTo>
-                  <a:lnTo>
-                    <a:pt x="1389" y="147"/>
-                  </a:lnTo>
-                  <a:lnTo>
-                    <a:pt x="1291" y="98"/>
-                  </a:lnTo>
-                  <a:lnTo>
-                    <a:pt x="1194" y="25"/>
-                  </a:lnTo>
-                  <a:lnTo>
-                    <a:pt x="1096" y="0"/>
-                  </a:lnTo>
-                  <a:lnTo>
-                    <a:pt x="999" y="0"/>
-                  </a:lnTo>
-                  <a:lnTo>
-                    <a:pt x="999" y="0"/>
-                  </a:lnTo>
-                  <a:lnTo>
-                    <a:pt x="902" y="0"/>
-                  </a:lnTo>
-                  <a:lnTo>
-                    <a:pt x="780" y="25"/>
-                  </a:lnTo>
-                  <a:lnTo>
-                    <a:pt x="682" y="98"/>
-                  </a:lnTo>
-                  <a:lnTo>
-                    <a:pt x="609" y="147"/>
-                  </a:lnTo>
-                  <a:lnTo>
-                    <a:pt x="609" y="147"/>
-                  </a:lnTo>
-                  <a:lnTo>
-                    <a:pt x="487" y="293"/>
-                  </a:lnTo>
-                  <a:lnTo>
-                    <a:pt x="366" y="439"/>
-                  </a:lnTo>
-                  <a:lnTo>
-                    <a:pt x="293" y="585"/>
-                  </a:lnTo>
-                  <a:lnTo>
-                    <a:pt x="195" y="731"/>
-                  </a:lnTo>
-                  <a:lnTo>
-                    <a:pt x="73" y="1048"/>
-                  </a:lnTo>
-                  <a:lnTo>
-                    <a:pt x="0" y="1389"/>
-                  </a:lnTo>
-                  <a:lnTo>
-                    <a:pt x="0" y="1730"/>
-                  </a:lnTo>
-                  <a:lnTo>
-                    <a:pt x="25" y="2046"/>
-                  </a:lnTo>
-                  <a:lnTo>
-                    <a:pt x="122" y="2387"/>
-                  </a:lnTo>
-                  <a:lnTo>
-                    <a:pt x="268" y="2704"/>
-                  </a:lnTo>
-                  <a:lnTo>
-                    <a:pt x="268" y="2704"/>
-                  </a:lnTo>
-                  <a:close/>
-                </a:path>
-              </a:pathLst>
-            </a:custGeom>
-            <a:noFill/>
-            <a:ln w="9525" cap="rnd" cmpd="sng">
-              <a:solidFill>
-                <a:srgbClr val="000000"/>
-              </a:solidFill>
-              <a:prstDash val="solid"/>
-              <a:round/>
-              <a:headEnd type="none" w="med" len="med"/>
-              <a:tailEnd type="none" w="med" len="med"/>
-            </a:ln>
-          </p:spPr>
-          <p:txBody>
-            <a:bodyPr lIns="91425" tIns="91425" rIns="91425" bIns="91425" anchor="ctr" anchorCtr="0">
-              <a:noAutofit/>
-            </a:bodyPr>
-            <a:lstStyle/>
-            <a:p>
-              <a:pPr lvl="0">
-                <a:spcBef>
-                  <a:spcPts val="0"/>
-                </a:spcBef>
-                <a:buNone/>
-              </a:pPr>
-              <a:endParaRPr/>
-            </a:p>
-          </p:txBody>
-        </p:sp>
-        <p:sp>
-          <p:nvSpPr>
-            <p:cNvPr id="116" name="Shape 116"/>
-            <p:cNvSpPr/>
-            <p:nvPr/>
-          </p:nvSpPr>
-          <p:spPr>
-            <a:xfrm>
-              <a:off x="2662850" y="1699400"/>
-              <a:ext cx="303250" cy="303250"/>
-            </a:xfrm>
-            <a:custGeom>
-              <a:avLst/>
-              <a:gdLst/>
-              <a:ahLst/>
-              <a:cxnLst/>
-              <a:rect l="0" t="0" r="0" b="0"/>
-              <a:pathLst>
-                <a:path w="12130" h="12130" fill="none" extrusionOk="0">
-                  <a:moveTo>
-                    <a:pt x="8038" y="1"/>
-                  </a:moveTo>
-                  <a:lnTo>
-                    <a:pt x="4872" y="3191"/>
-                  </a:lnTo>
-                  <a:lnTo>
-                    <a:pt x="4872" y="3191"/>
-                  </a:lnTo>
-                  <a:lnTo>
-                    <a:pt x="4628" y="3094"/>
-                  </a:lnTo>
-                  <a:lnTo>
-                    <a:pt x="4385" y="2997"/>
-                  </a:lnTo>
-                  <a:lnTo>
-                    <a:pt x="4092" y="2899"/>
-                  </a:lnTo>
-                  <a:lnTo>
-                    <a:pt x="3800" y="2850"/>
-                  </a:lnTo>
-                  <a:lnTo>
-                    <a:pt x="3484" y="2777"/>
-                  </a:lnTo>
-                  <a:lnTo>
-                    <a:pt x="3167" y="2729"/>
-                  </a:lnTo>
-                  <a:lnTo>
-                    <a:pt x="2850" y="2704"/>
-                  </a:lnTo>
-                  <a:lnTo>
-                    <a:pt x="2534" y="2704"/>
-                  </a:lnTo>
-                  <a:lnTo>
-                    <a:pt x="2534" y="2704"/>
-                  </a:lnTo>
-                  <a:lnTo>
-                    <a:pt x="2241" y="2704"/>
-                  </a:lnTo>
-                  <a:lnTo>
-                    <a:pt x="1949" y="2729"/>
-                  </a:lnTo>
-                  <a:lnTo>
-                    <a:pt x="1633" y="2777"/>
-                  </a:lnTo>
-                  <a:lnTo>
-                    <a:pt x="1316" y="2850"/>
-                  </a:lnTo>
-                  <a:lnTo>
-                    <a:pt x="999" y="2972"/>
-                  </a:lnTo>
-                  <a:lnTo>
-                    <a:pt x="707" y="3094"/>
-                  </a:lnTo>
-                  <a:lnTo>
-                    <a:pt x="415" y="3289"/>
-                  </a:lnTo>
-                  <a:lnTo>
-                    <a:pt x="147" y="3508"/>
-                  </a:lnTo>
-                  <a:lnTo>
-                    <a:pt x="147" y="3508"/>
-                  </a:lnTo>
-                  <a:lnTo>
-                    <a:pt x="74" y="3581"/>
-                  </a:lnTo>
-                  <a:lnTo>
-                    <a:pt x="25" y="3678"/>
-                  </a:lnTo>
-                  <a:lnTo>
-                    <a:pt x="1" y="3776"/>
-                  </a:lnTo>
-                  <a:lnTo>
-                    <a:pt x="1" y="3898"/>
-                  </a:lnTo>
-                  <a:lnTo>
-                    <a:pt x="1" y="3898"/>
-                  </a:lnTo>
-                  <a:lnTo>
-                    <a:pt x="1" y="3995"/>
-                  </a:lnTo>
-                  <a:lnTo>
-                    <a:pt x="25" y="4093"/>
-                  </a:lnTo>
-                  <a:lnTo>
-                    <a:pt x="74" y="4190"/>
-                  </a:lnTo>
-                  <a:lnTo>
-                    <a:pt x="147" y="4287"/>
-                  </a:lnTo>
-                  <a:lnTo>
-                    <a:pt x="7843" y="11984"/>
-                  </a:lnTo>
-                  <a:lnTo>
-                    <a:pt x="7843" y="11984"/>
-                  </a:lnTo>
-                  <a:lnTo>
-                    <a:pt x="7941" y="12057"/>
-                  </a:lnTo>
-                  <a:lnTo>
-                    <a:pt x="8038" y="12105"/>
-                  </a:lnTo>
-                  <a:lnTo>
-                    <a:pt x="8135" y="12130"/>
-                  </a:lnTo>
-                  <a:lnTo>
-                    <a:pt x="8233" y="12130"/>
-                  </a:lnTo>
-                  <a:lnTo>
-                    <a:pt x="8233" y="12130"/>
-                  </a:lnTo>
-                  <a:lnTo>
-                    <a:pt x="8355" y="12130"/>
-                  </a:lnTo>
-                  <a:lnTo>
-                    <a:pt x="8452" y="12105"/>
-                  </a:lnTo>
-                  <a:lnTo>
-                    <a:pt x="8549" y="12057"/>
-                  </a:lnTo>
-                  <a:lnTo>
-                    <a:pt x="8622" y="11984"/>
-                  </a:lnTo>
-                  <a:lnTo>
-                    <a:pt x="8622" y="11984"/>
-                  </a:lnTo>
-                  <a:lnTo>
-                    <a:pt x="8842" y="11716"/>
-                  </a:lnTo>
-                  <a:lnTo>
-                    <a:pt x="9036" y="11423"/>
-                  </a:lnTo>
-                  <a:lnTo>
-                    <a:pt x="9158" y="11131"/>
-                  </a:lnTo>
-                  <a:lnTo>
-                    <a:pt x="9280" y="10814"/>
-                  </a:lnTo>
-                  <a:lnTo>
-                    <a:pt x="9353" y="10498"/>
-                  </a:lnTo>
-                  <a:lnTo>
-                    <a:pt x="9402" y="10181"/>
-                  </a:lnTo>
-                  <a:lnTo>
-                    <a:pt x="9426" y="9889"/>
-                  </a:lnTo>
-                  <a:lnTo>
-                    <a:pt x="9426" y="9597"/>
-                  </a:lnTo>
-                  <a:lnTo>
-                    <a:pt x="9426" y="9597"/>
-                  </a:lnTo>
-                  <a:lnTo>
-                    <a:pt x="9426" y="9280"/>
-                  </a:lnTo>
-                  <a:lnTo>
-                    <a:pt x="9402" y="8964"/>
-                  </a:lnTo>
-                  <a:lnTo>
-                    <a:pt x="9353" y="8647"/>
-                  </a:lnTo>
-                  <a:lnTo>
-                    <a:pt x="9280" y="8330"/>
-                  </a:lnTo>
-                  <a:lnTo>
-                    <a:pt x="9231" y="8038"/>
-                  </a:lnTo>
-                  <a:lnTo>
-                    <a:pt x="9134" y="7746"/>
-                  </a:lnTo>
-                  <a:lnTo>
-                    <a:pt x="9036" y="7502"/>
-                  </a:lnTo>
-                  <a:lnTo>
-                    <a:pt x="8939" y="7259"/>
-                  </a:lnTo>
-                  <a:lnTo>
-                    <a:pt x="12130" y="4093"/>
-                  </a:lnTo>
-                </a:path>
-              </a:pathLst>
-            </a:custGeom>
-            <a:noFill/>
-            <a:ln w="9525" cap="rnd" cmpd="sng">
-              <a:solidFill>
-                <a:srgbClr val="000000"/>
-              </a:solidFill>
-              <a:prstDash val="solid"/>
-              <a:round/>
-              <a:headEnd type="none" w="med" len="med"/>
-              <a:tailEnd type="none" w="med" len="med"/>
-            </a:ln>
-          </p:spPr>
-          <p:txBody>
-            <a:bodyPr lIns="91425" tIns="91425" rIns="91425" bIns="91425" anchor="ctr" anchorCtr="0">
-              <a:noAutofit/>
-            </a:bodyPr>
-            <a:lstStyle/>
-            <a:p>
-              <a:pPr lvl="0">
-                <a:spcBef>
-                  <a:spcPts val="0"/>
-                </a:spcBef>
-                <a:buNone/>
-              </a:pPr>
-              <a:endParaRPr/>
-            </a:p>
-          </p:txBody>
-        </p:sp>
-        <p:sp>
-          <p:nvSpPr>
-            <p:cNvPr id="117" name="Shape 117"/>
-            <p:cNvSpPr/>
-            <p:nvPr/>
-          </p:nvSpPr>
-          <p:spPr>
-            <a:xfrm>
-              <a:off x="2814911" y="1754061"/>
-              <a:ext cx="49950" cy="49950"/>
-            </a:xfrm>
-            <a:custGeom>
-              <a:avLst/>
-              <a:gdLst/>
-              <a:ahLst/>
-              <a:cxnLst/>
-              <a:rect l="0" t="0" r="0" b="0"/>
-              <a:pathLst>
-                <a:path w="1998" h="1998" fill="none" extrusionOk="0">
-                  <a:moveTo>
-                    <a:pt x="1" y="1997"/>
-                  </a:moveTo>
-                  <a:lnTo>
-                    <a:pt x="1998" y="0"/>
-                  </a:lnTo>
-                </a:path>
-              </a:pathLst>
-            </a:custGeom>
-            <a:noFill/>
-            <a:ln w="9525" cap="rnd" cmpd="sng">
-              <a:solidFill>
-                <a:srgbClr val="000000"/>
-              </a:solidFill>
-              <a:prstDash val="solid"/>
-              <a:round/>
-              <a:headEnd type="none" w="med" len="med"/>
-              <a:tailEnd type="none" w="med" len="med"/>
-            </a:ln>
-          </p:spPr>
-          <p:txBody>
-            <a:bodyPr lIns="91425" tIns="91425" rIns="91425" bIns="91425" anchor="ctr" anchorCtr="0">
-              <a:noAutofit/>
-            </a:bodyPr>
-            <a:lstStyle/>
-            <a:p>
-              <a:pPr lvl="0">
-                <a:spcBef>
-                  <a:spcPts val="0"/>
-                </a:spcBef>
-                <a:buNone/>
-              </a:pPr>
-              <a:endParaRPr/>
-            </a:p>
-          </p:txBody>
-        </p:sp>
-      </p:grpSp>
-    </p:spTree>
-    <p:extLst>
-      <p:ext uri="{BB962C8B-B14F-4D97-AF65-F5344CB8AC3E}">
-        <p14:creationId xmlns:p14="http://schemas.microsoft.com/office/powerpoint/2010/main" xmlns="" val="297791920"/>
-      </p:ext>
-    </p:extLst>
-  </p:cSld>
-  <p:clrMapOvr>
-    <a:masterClrMapping/>
-  </p:clrMapOvr>
-  <mc:AlternateContent xmlns:mc="http://schemas.openxmlformats.org/markup-compatibility/2006">
-    <mc:Choice xmlns:p14="http://schemas.microsoft.com/office/powerpoint/2010/main" xmlns="" Requires="p14">
-      <p:transition p14:dur="0"/>
-    </mc:Choice>
-    <mc:Fallback>
-      <p:transition/>
-    </mc:Fallback>
-  </mc:AlternateContent>
-  <p:timing>
-    <p:tnLst>
-      <p:par>
-        <p:cTn id="1" dur="indefinite" restart="never" nodeType="tmRoot"/>
-      </p:par>
-    </p:tnLst>
-  </p:timing>
-</p:sld>
-</file>
-
-<file path=ppt/slides/slide35.xml><?xml version="1.0" encoding="utf-8"?>
-<p:sld xmlns:a="http://schemas.openxmlformats.org/drawingml/2006/main" xmlns:r="http://schemas.openxmlformats.org/officeDocument/2006/relationships" xmlns:p="http://schemas.openxmlformats.org/presentationml/2006/main">
-  <p:cSld>
-    <p:spTree>
-      <p:nvGrpSpPr>
-        <p:cNvPr id="1" name="Shape 110"/>
-        <p:cNvGrpSpPr/>
-        <p:nvPr/>
-      </p:nvGrpSpPr>
-      <p:grpSpPr>
-        <a:xfrm>
-          <a:off x="0" y="0"/>
-          <a:ext cx="0" cy="0"/>
-          <a:chOff x="0" y="0"/>
-          <a:chExt cx="0" cy="0"/>
-        </a:xfrm>
-      </p:grpSpPr>
-      <p:sp>
-        <p:nvSpPr>
-          <p:cNvPr id="111" name="Shape 111"/>
-          <p:cNvSpPr txBox="1">
-            <a:spLocks noGrp="1"/>
-          </p:cNvSpPr>
-          <p:nvPr>
-            <p:ph type="title"/>
-          </p:nvPr>
-        </p:nvSpPr>
-        <p:spPr>
-          <a:xfrm>
-            <a:off x="1381250" y="922668"/>
-            <a:ext cx="3878399" cy="435599"/>
-          </a:xfrm>
-          <a:prstGeom prst="rect">
-            <a:avLst/>
-          </a:prstGeom>
-        </p:spPr>
-        <p:txBody>
-          <a:bodyPr lIns="91425" tIns="91425" rIns="91425" bIns="91425" anchor="ctr" anchorCtr="0">
-            <a:noAutofit/>
-          </a:bodyPr>
-          <a:lstStyle/>
-          <a:p>
-            <a:pPr lvl="0">
-              <a:spcBef>
-                <a:spcPts val="0"/>
-              </a:spcBef>
-              <a:buNone/>
-            </a:pPr>
-            <a:r>
-              <a:rPr lang="en" dirty="0" smtClean="0">
-                <a:highlight>
-                  <a:srgbClr val="FFCD00"/>
-                </a:highlight>
-              </a:rPr>
-              <a:t>Analyseergebnis</a:t>
-            </a:r>
-            <a:endParaRPr lang="en" dirty="0">
-              <a:highlight>
-                <a:srgbClr val="FFCD00"/>
-              </a:highlight>
-            </a:endParaRPr>
-          </a:p>
-        </p:txBody>
-      </p:sp>
-      <p:sp>
-        <p:nvSpPr>
-          <p:cNvPr id="112" name="Shape 112"/>
-          <p:cNvSpPr txBox="1">
-            <a:spLocks noGrp="1"/>
-          </p:cNvSpPr>
-          <p:nvPr>
-            <p:ph type="body" idx="1"/>
-          </p:nvPr>
-        </p:nvSpPr>
-        <p:spPr>
-          <a:xfrm>
-            <a:off x="1381250" y="1616470"/>
-            <a:ext cx="6809700" cy="3112200"/>
-          </a:xfrm>
-          <a:prstGeom prst="rect">
-            <a:avLst/>
-          </a:prstGeom>
-        </p:spPr>
-        <p:txBody>
-          <a:bodyPr lIns="91425" tIns="91425" rIns="91425" bIns="91425" anchor="t" anchorCtr="0">
-            <a:noAutofit/>
-          </a:bodyPr>
-          <a:lstStyle/>
-          <a:p>
-            <a:pPr marL="457200" lvl="0" indent="-228600" rtl="0">
-              <a:spcBef>
-                <a:spcPts val="0"/>
-              </a:spcBef>
-            </a:pPr>
-            <a:r>
-              <a:rPr lang="en" dirty="0" smtClean="0"/>
-              <a:t> </a:t>
-            </a:r>
-            <a:r>
-              <a:rPr lang="en" strike="sngStrike" dirty="0" smtClean="0"/>
-              <a:t>Verwaltung der Fragen</a:t>
-            </a:r>
-          </a:p>
-          <a:p>
-            <a:pPr marL="457200" lvl="0" indent="-228600" rtl="0">
-              <a:spcBef>
-                <a:spcPts val="0"/>
-              </a:spcBef>
-            </a:pPr>
-            <a:endParaRPr lang="en" dirty="0" smtClean="0"/>
-          </a:p>
-          <a:p>
-            <a:pPr marL="457200" lvl="0" indent="-228600" rtl="0">
-              <a:spcBef>
-                <a:spcPts val="0"/>
-              </a:spcBef>
-            </a:pPr>
-            <a:endParaRPr lang="en" dirty="0"/>
-          </a:p>
-        </p:txBody>
-      </p:sp>
-      <p:grpSp>
-        <p:nvGrpSpPr>
-          <p:cNvPr id="113" name="Shape 113"/>
-          <p:cNvGrpSpPr/>
-          <p:nvPr/>
-        </p:nvGrpSpPr>
-        <p:grpSpPr>
-          <a:xfrm>
-            <a:off x="916458" y="1019750"/>
-            <a:ext cx="214624" cy="214624"/>
-            <a:chOff x="2594050" y="1631825"/>
-            <a:chExt cx="439625" cy="439625"/>
-          </a:xfrm>
-        </p:grpSpPr>
-        <p:sp>
-          <p:nvSpPr>
-            <p:cNvPr id="114" name="Shape 114"/>
-            <p:cNvSpPr/>
-            <p:nvPr/>
-          </p:nvSpPr>
-          <p:spPr>
-            <a:xfrm>
-              <a:off x="2594050" y="1883300"/>
-              <a:ext cx="188175" cy="188150"/>
-            </a:xfrm>
-            <a:custGeom>
-              <a:avLst/>
-              <a:gdLst/>
-              <a:ahLst/>
-              <a:cxnLst/>
-              <a:rect l="0" t="0" r="0" b="0"/>
-              <a:pathLst>
-                <a:path w="7527" h="7526" fill="none" extrusionOk="0">
-                  <a:moveTo>
-                    <a:pt x="5992" y="0"/>
-                  </a:moveTo>
-                  <a:lnTo>
-                    <a:pt x="537" y="6430"/>
-                  </a:lnTo>
-                  <a:lnTo>
-                    <a:pt x="1" y="7526"/>
-                  </a:lnTo>
-                  <a:lnTo>
-                    <a:pt x="1097" y="6990"/>
-                  </a:lnTo>
-                  <a:lnTo>
-                    <a:pt x="7526" y="1534"/>
-                  </a:lnTo>
-                  <a:lnTo>
-                    <a:pt x="5992" y="0"/>
-                  </a:lnTo>
-                  <a:close/>
-                </a:path>
-              </a:pathLst>
-            </a:custGeom>
-            <a:noFill/>
-            <a:ln w="9525" cap="rnd" cmpd="sng">
-              <a:solidFill>
-                <a:srgbClr val="000000"/>
-              </a:solidFill>
-              <a:prstDash val="solid"/>
-              <a:round/>
-              <a:headEnd type="none" w="med" len="med"/>
-              <a:tailEnd type="none" w="med" len="med"/>
-            </a:ln>
-          </p:spPr>
-          <p:txBody>
-            <a:bodyPr lIns="91425" tIns="91425" rIns="91425" bIns="91425" anchor="ctr" anchorCtr="0">
-              <a:noAutofit/>
-            </a:bodyPr>
-            <a:lstStyle/>
-            <a:p>
-              <a:pPr lvl="0">
-                <a:spcBef>
-                  <a:spcPts val="0"/>
-                </a:spcBef>
-                <a:buNone/>
-              </a:pPr>
-              <a:endParaRPr/>
-            </a:p>
-          </p:txBody>
-        </p:sp>
-        <p:sp>
-          <p:nvSpPr>
-            <p:cNvPr id="115" name="Shape 115"/>
-            <p:cNvSpPr/>
-            <p:nvPr/>
-          </p:nvSpPr>
-          <p:spPr>
-            <a:xfrm>
-              <a:off x="2857700" y="1631825"/>
-              <a:ext cx="175975" cy="176000"/>
-            </a:xfrm>
-            <a:custGeom>
-              <a:avLst/>
-              <a:gdLst/>
-              <a:ahLst/>
-              <a:cxnLst/>
-              <a:rect l="0" t="0" r="0" b="0"/>
-              <a:pathLst>
-                <a:path w="7039" h="7040" fill="none" extrusionOk="0">
-                  <a:moveTo>
-                    <a:pt x="268" y="2704"/>
-                  </a:moveTo>
-                  <a:lnTo>
-                    <a:pt x="4336" y="6771"/>
-                  </a:lnTo>
-                  <a:lnTo>
-                    <a:pt x="4336" y="6771"/>
-                  </a:lnTo>
-                  <a:lnTo>
-                    <a:pt x="4336" y="6771"/>
-                  </a:lnTo>
-                  <a:lnTo>
-                    <a:pt x="4652" y="6917"/>
-                  </a:lnTo>
-                  <a:lnTo>
-                    <a:pt x="4993" y="7015"/>
-                  </a:lnTo>
-                  <a:lnTo>
-                    <a:pt x="5310" y="7039"/>
-                  </a:lnTo>
-                  <a:lnTo>
-                    <a:pt x="5651" y="7039"/>
-                  </a:lnTo>
-                  <a:lnTo>
-                    <a:pt x="5992" y="6966"/>
-                  </a:lnTo>
-                  <a:lnTo>
-                    <a:pt x="6308" y="6844"/>
-                  </a:lnTo>
-                  <a:lnTo>
-                    <a:pt x="6454" y="6747"/>
-                  </a:lnTo>
-                  <a:lnTo>
-                    <a:pt x="6601" y="6674"/>
-                  </a:lnTo>
-                  <a:lnTo>
-                    <a:pt x="6747" y="6552"/>
-                  </a:lnTo>
-                  <a:lnTo>
-                    <a:pt x="6893" y="6430"/>
-                  </a:lnTo>
-                  <a:lnTo>
-                    <a:pt x="6893" y="6430"/>
-                  </a:lnTo>
-                  <a:lnTo>
-                    <a:pt x="6942" y="6357"/>
-                  </a:lnTo>
-                  <a:lnTo>
-                    <a:pt x="7015" y="6260"/>
-                  </a:lnTo>
-                  <a:lnTo>
-                    <a:pt x="7039" y="6138"/>
-                  </a:lnTo>
-                  <a:lnTo>
-                    <a:pt x="7039" y="6041"/>
-                  </a:lnTo>
-                  <a:lnTo>
-                    <a:pt x="7039" y="6041"/>
-                  </a:lnTo>
-                  <a:lnTo>
-                    <a:pt x="7039" y="5943"/>
-                  </a:lnTo>
-                  <a:lnTo>
-                    <a:pt x="7015" y="5846"/>
-                  </a:lnTo>
-                  <a:lnTo>
-                    <a:pt x="6942" y="5748"/>
-                  </a:lnTo>
-                  <a:lnTo>
-                    <a:pt x="6893" y="5651"/>
-                  </a:lnTo>
-                  <a:lnTo>
-                    <a:pt x="1389" y="147"/>
-                  </a:lnTo>
-                  <a:lnTo>
-                    <a:pt x="1389" y="147"/>
-                  </a:lnTo>
-                  <a:lnTo>
-                    <a:pt x="1291" y="98"/>
-                  </a:lnTo>
-                  <a:lnTo>
-                    <a:pt x="1194" y="25"/>
-                  </a:lnTo>
-                  <a:lnTo>
-                    <a:pt x="1096" y="0"/>
-                  </a:lnTo>
-                  <a:lnTo>
-                    <a:pt x="999" y="0"/>
-                  </a:lnTo>
-                  <a:lnTo>
-                    <a:pt x="999" y="0"/>
-                  </a:lnTo>
-                  <a:lnTo>
-                    <a:pt x="902" y="0"/>
-                  </a:lnTo>
-                  <a:lnTo>
-                    <a:pt x="780" y="25"/>
-                  </a:lnTo>
-                  <a:lnTo>
-                    <a:pt x="682" y="98"/>
-                  </a:lnTo>
-                  <a:lnTo>
-                    <a:pt x="609" y="147"/>
-                  </a:lnTo>
-                  <a:lnTo>
-                    <a:pt x="609" y="147"/>
-                  </a:lnTo>
-                  <a:lnTo>
-                    <a:pt x="487" y="293"/>
-                  </a:lnTo>
-                  <a:lnTo>
-                    <a:pt x="366" y="439"/>
-                  </a:lnTo>
-                  <a:lnTo>
-                    <a:pt x="293" y="585"/>
-                  </a:lnTo>
-                  <a:lnTo>
-                    <a:pt x="195" y="731"/>
-                  </a:lnTo>
-                  <a:lnTo>
-                    <a:pt x="73" y="1048"/>
-                  </a:lnTo>
-                  <a:lnTo>
-                    <a:pt x="0" y="1389"/>
-                  </a:lnTo>
-                  <a:lnTo>
-                    <a:pt x="0" y="1730"/>
-                  </a:lnTo>
-                  <a:lnTo>
-                    <a:pt x="25" y="2046"/>
-                  </a:lnTo>
-                  <a:lnTo>
-                    <a:pt x="122" y="2387"/>
-                  </a:lnTo>
-                  <a:lnTo>
-                    <a:pt x="268" y="2704"/>
-                  </a:lnTo>
-                  <a:lnTo>
-                    <a:pt x="268" y="2704"/>
-                  </a:lnTo>
-                  <a:close/>
-                </a:path>
-              </a:pathLst>
-            </a:custGeom>
-            <a:noFill/>
-            <a:ln w="9525" cap="rnd" cmpd="sng">
-              <a:solidFill>
-                <a:srgbClr val="000000"/>
-              </a:solidFill>
-              <a:prstDash val="solid"/>
-              <a:round/>
-              <a:headEnd type="none" w="med" len="med"/>
-              <a:tailEnd type="none" w="med" len="med"/>
-            </a:ln>
-          </p:spPr>
-          <p:txBody>
-            <a:bodyPr lIns="91425" tIns="91425" rIns="91425" bIns="91425" anchor="ctr" anchorCtr="0">
-              <a:noAutofit/>
-            </a:bodyPr>
-            <a:lstStyle/>
-            <a:p>
-              <a:pPr lvl="0">
-                <a:spcBef>
-                  <a:spcPts val="0"/>
-                </a:spcBef>
-                <a:buNone/>
-              </a:pPr>
-              <a:endParaRPr/>
-            </a:p>
-          </p:txBody>
-        </p:sp>
-        <p:sp>
-          <p:nvSpPr>
-            <p:cNvPr id="116" name="Shape 116"/>
-            <p:cNvSpPr/>
-            <p:nvPr/>
-          </p:nvSpPr>
-          <p:spPr>
-            <a:xfrm>
-              <a:off x="2662850" y="1699400"/>
-              <a:ext cx="303250" cy="303250"/>
-            </a:xfrm>
-            <a:custGeom>
-              <a:avLst/>
-              <a:gdLst/>
-              <a:ahLst/>
-              <a:cxnLst/>
-              <a:rect l="0" t="0" r="0" b="0"/>
-              <a:pathLst>
-                <a:path w="12130" h="12130" fill="none" extrusionOk="0">
-                  <a:moveTo>
-                    <a:pt x="8038" y="1"/>
-                  </a:moveTo>
-                  <a:lnTo>
-                    <a:pt x="4872" y="3191"/>
-                  </a:lnTo>
-                  <a:lnTo>
-                    <a:pt x="4872" y="3191"/>
-                  </a:lnTo>
-                  <a:lnTo>
-                    <a:pt x="4628" y="3094"/>
-                  </a:lnTo>
-                  <a:lnTo>
-                    <a:pt x="4385" y="2997"/>
-                  </a:lnTo>
-                  <a:lnTo>
-                    <a:pt x="4092" y="2899"/>
-                  </a:lnTo>
-                  <a:lnTo>
-                    <a:pt x="3800" y="2850"/>
-                  </a:lnTo>
-                  <a:lnTo>
-                    <a:pt x="3484" y="2777"/>
-                  </a:lnTo>
-                  <a:lnTo>
-                    <a:pt x="3167" y="2729"/>
-                  </a:lnTo>
-                  <a:lnTo>
-                    <a:pt x="2850" y="2704"/>
-                  </a:lnTo>
-                  <a:lnTo>
-                    <a:pt x="2534" y="2704"/>
-                  </a:lnTo>
-                  <a:lnTo>
-                    <a:pt x="2534" y="2704"/>
-                  </a:lnTo>
-                  <a:lnTo>
-                    <a:pt x="2241" y="2704"/>
-                  </a:lnTo>
-                  <a:lnTo>
-                    <a:pt x="1949" y="2729"/>
-                  </a:lnTo>
-                  <a:lnTo>
-                    <a:pt x="1633" y="2777"/>
-                  </a:lnTo>
-                  <a:lnTo>
-                    <a:pt x="1316" y="2850"/>
-                  </a:lnTo>
-                  <a:lnTo>
-                    <a:pt x="999" y="2972"/>
-                  </a:lnTo>
-                  <a:lnTo>
-                    <a:pt x="707" y="3094"/>
-                  </a:lnTo>
-                  <a:lnTo>
-                    <a:pt x="415" y="3289"/>
-                  </a:lnTo>
-                  <a:lnTo>
-                    <a:pt x="147" y="3508"/>
-                  </a:lnTo>
-                  <a:lnTo>
-                    <a:pt x="147" y="3508"/>
-                  </a:lnTo>
-                  <a:lnTo>
-                    <a:pt x="74" y="3581"/>
-                  </a:lnTo>
-                  <a:lnTo>
-                    <a:pt x="25" y="3678"/>
-                  </a:lnTo>
-                  <a:lnTo>
-                    <a:pt x="1" y="3776"/>
-                  </a:lnTo>
-                  <a:lnTo>
-                    <a:pt x="1" y="3898"/>
-                  </a:lnTo>
-                  <a:lnTo>
-                    <a:pt x="1" y="3898"/>
-                  </a:lnTo>
-                  <a:lnTo>
-                    <a:pt x="1" y="3995"/>
-                  </a:lnTo>
-                  <a:lnTo>
-                    <a:pt x="25" y="4093"/>
-                  </a:lnTo>
-                  <a:lnTo>
-                    <a:pt x="74" y="4190"/>
-                  </a:lnTo>
-                  <a:lnTo>
-                    <a:pt x="147" y="4287"/>
-                  </a:lnTo>
-                  <a:lnTo>
-                    <a:pt x="7843" y="11984"/>
-                  </a:lnTo>
-                  <a:lnTo>
-                    <a:pt x="7843" y="11984"/>
-                  </a:lnTo>
-                  <a:lnTo>
-                    <a:pt x="7941" y="12057"/>
-                  </a:lnTo>
-                  <a:lnTo>
-                    <a:pt x="8038" y="12105"/>
-                  </a:lnTo>
-                  <a:lnTo>
-                    <a:pt x="8135" y="12130"/>
-                  </a:lnTo>
-                  <a:lnTo>
-                    <a:pt x="8233" y="12130"/>
-                  </a:lnTo>
-                  <a:lnTo>
-                    <a:pt x="8233" y="12130"/>
-                  </a:lnTo>
-                  <a:lnTo>
-                    <a:pt x="8355" y="12130"/>
-                  </a:lnTo>
-                  <a:lnTo>
-                    <a:pt x="8452" y="12105"/>
-                  </a:lnTo>
-                  <a:lnTo>
-                    <a:pt x="8549" y="12057"/>
-                  </a:lnTo>
-                  <a:lnTo>
-                    <a:pt x="8622" y="11984"/>
-                  </a:lnTo>
-                  <a:lnTo>
-                    <a:pt x="8622" y="11984"/>
-                  </a:lnTo>
-                  <a:lnTo>
-                    <a:pt x="8842" y="11716"/>
-                  </a:lnTo>
-                  <a:lnTo>
-                    <a:pt x="9036" y="11423"/>
-                  </a:lnTo>
-                  <a:lnTo>
-                    <a:pt x="9158" y="11131"/>
-                  </a:lnTo>
-                  <a:lnTo>
-                    <a:pt x="9280" y="10814"/>
-                  </a:lnTo>
-                  <a:lnTo>
-                    <a:pt x="9353" y="10498"/>
-                  </a:lnTo>
-                  <a:lnTo>
-                    <a:pt x="9402" y="10181"/>
-                  </a:lnTo>
-                  <a:lnTo>
-                    <a:pt x="9426" y="9889"/>
-                  </a:lnTo>
-                  <a:lnTo>
-                    <a:pt x="9426" y="9597"/>
-                  </a:lnTo>
-                  <a:lnTo>
-                    <a:pt x="9426" y="9597"/>
-                  </a:lnTo>
-                  <a:lnTo>
-                    <a:pt x="9426" y="9280"/>
-                  </a:lnTo>
-                  <a:lnTo>
-                    <a:pt x="9402" y="8964"/>
-                  </a:lnTo>
-                  <a:lnTo>
-                    <a:pt x="9353" y="8647"/>
-                  </a:lnTo>
-                  <a:lnTo>
-                    <a:pt x="9280" y="8330"/>
-                  </a:lnTo>
-                  <a:lnTo>
-                    <a:pt x="9231" y="8038"/>
-                  </a:lnTo>
-                  <a:lnTo>
-                    <a:pt x="9134" y="7746"/>
-                  </a:lnTo>
-                  <a:lnTo>
-                    <a:pt x="9036" y="7502"/>
-                  </a:lnTo>
-                  <a:lnTo>
-                    <a:pt x="8939" y="7259"/>
-                  </a:lnTo>
-                  <a:lnTo>
-                    <a:pt x="12130" y="4093"/>
-                  </a:lnTo>
-                </a:path>
-              </a:pathLst>
-            </a:custGeom>
-            <a:noFill/>
-            <a:ln w="9525" cap="rnd" cmpd="sng">
-              <a:solidFill>
-                <a:srgbClr val="000000"/>
-              </a:solidFill>
-              <a:prstDash val="solid"/>
-              <a:round/>
-              <a:headEnd type="none" w="med" len="med"/>
-              <a:tailEnd type="none" w="med" len="med"/>
-            </a:ln>
-          </p:spPr>
-          <p:txBody>
-            <a:bodyPr lIns="91425" tIns="91425" rIns="91425" bIns="91425" anchor="ctr" anchorCtr="0">
-              <a:noAutofit/>
-            </a:bodyPr>
-            <a:lstStyle/>
-            <a:p>
-              <a:pPr lvl="0">
-                <a:spcBef>
-                  <a:spcPts val="0"/>
-                </a:spcBef>
-                <a:buNone/>
-              </a:pPr>
-              <a:endParaRPr/>
-            </a:p>
-          </p:txBody>
-        </p:sp>
-        <p:sp>
-          <p:nvSpPr>
-            <p:cNvPr id="117" name="Shape 117"/>
-            <p:cNvSpPr/>
-            <p:nvPr/>
-          </p:nvSpPr>
-          <p:spPr>
-            <a:xfrm>
-              <a:off x="2814911" y="1754061"/>
-              <a:ext cx="49950" cy="49950"/>
-            </a:xfrm>
-            <a:custGeom>
-              <a:avLst/>
-              <a:gdLst/>
-              <a:ahLst/>
-              <a:cxnLst/>
-              <a:rect l="0" t="0" r="0" b="0"/>
-              <a:pathLst>
-                <a:path w="1998" h="1998" fill="none" extrusionOk="0">
-                  <a:moveTo>
-                    <a:pt x="1" y="1997"/>
-                  </a:moveTo>
-                  <a:lnTo>
-                    <a:pt x="1998" y="0"/>
-                  </a:lnTo>
-                </a:path>
-              </a:pathLst>
-            </a:custGeom>
-            <a:noFill/>
-            <a:ln w="9525" cap="rnd" cmpd="sng">
-              <a:solidFill>
-                <a:srgbClr val="000000"/>
-              </a:solidFill>
-              <a:prstDash val="solid"/>
-              <a:round/>
-              <a:headEnd type="none" w="med" len="med"/>
-              <a:tailEnd type="none" w="med" len="med"/>
-            </a:ln>
-          </p:spPr>
-          <p:txBody>
-            <a:bodyPr lIns="91425" tIns="91425" rIns="91425" bIns="91425" anchor="ctr" anchorCtr="0">
-              <a:noAutofit/>
-            </a:bodyPr>
-            <a:lstStyle/>
-            <a:p>
-              <a:pPr lvl="0">
-                <a:spcBef>
-                  <a:spcPts val="0"/>
-                </a:spcBef>
-                <a:buNone/>
-              </a:pPr>
-              <a:endParaRPr/>
-            </a:p>
-          </p:txBody>
-        </p:sp>
-      </p:grpSp>
-    </p:spTree>
-    <p:extLst>
-      <p:ext uri="{BB962C8B-B14F-4D97-AF65-F5344CB8AC3E}">
-        <p14:creationId xmlns:p14="http://schemas.microsoft.com/office/powerpoint/2010/main" xmlns="" val="1555328023"/>
-      </p:ext>
-    </p:extLst>
-  </p:cSld>
-  <p:clrMapOvr>
-    <a:masterClrMapping/>
-  </p:clrMapOvr>
-  <mc:AlternateContent xmlns:mc="http://schemas.openxmlformats.org/markup-compatibility/2006">
-    <mc:Choice xmlns:p14="http://schemas.microsoft.com/office/powerpoint/2010/main" xmlns="" Requires="p14">
-      <p:transition p14:dur="0"/>
-    </mc:Choice>
-    <mc:Fallback>
-      <p:transition/>
-    </mc:Fallback>
-  </mc:AlternateContent>
-  <p:timing>
-    <p:tnLst>
-      <p:par>
-        <p:cTn id="1" dur="indefinite" restart="never" nodeType="tmRoot"/>
-      </p:par>
-    </p:tnLst>
-  </p:timing>
-</p:sld>
-</file>
-
-<file path=ppt/slides/slide36.xml><?xml version="1.0" encoding="utf-8"?>
-<p:sld xmlns:a="http://schemas.openxmlformats.org/drawingml/2006/main" xmlns:r="http://schemas.openxmlformats.org/officeDocument/2006/relationships" xmlns:p="http://schemas.openxmlformats.org/presentationml/2006/main">
-  <p:cSld>
-    <p:spTree>
-      <p:nvGrpSpPr>
-        <p:cNvPr id="1" name="Shape 110"/>
-        <p:cNvGrpSpPr/>
-        <p:nvPr/>
-      </p:nvGrpSpPr>
-      <p:grpSpPr>
-        <a:xfrm>
-          <a:off x="0" y="0"/>
-          <a:ext cx="0" cy="0"/>
-          <a:chOff x="0" y="0"/>
-          <a:chExt cx="0" cy="0"/>
-        </a:xfrm>
-      </p:grpSpPr>
-      <p:sp>
-        <p:nvSpPr>
-          <p:cNvPr id="111" name="Shape 111"/>
-          <p:cNvSpPr txBox="1">
-            <a:spLocks noGrp="1"/>
-          </p:cNvSpPr>
-          <p:nvPr>
-            <p:ph type="title"/>
-          </p:nvPr>
-        </p:nvSpPr>
-        <p:spPr>
-          <a:xfrm>
-            <a:off x="1381250" y="922668"/>
-            <a:ext cx="3878399" cy="435599"/>
-          </a:xfrm>
-          <a:prstGeom prst="rect">
-            <a:avLst/>
-          </a:prstGeom>
-        </p:spPr>
-        <p:txBody>
-          <a:bodyPr lIns="91425" tIns="91425" rIns="91425" bIns="91425" anchor="ctr" anchorCtr="0">
-            <a:noAutofit/>
-          </a:bodyPr>
-          <a:lstStyle/>
-          <a:p>
-            <a:pPr lvl="0">
-              <a:spcBef>
-                <a:spcPts val="0"/>
-              </a:spcBef>
-              <a:buNone/>
-            </a:pPr>
-            <a:r>
-              <a:rPr lang="en" dirty="0" smtClean="0">
-                <a:highlight>
-                  <a:srgbClr val="FFCD00"/>
-                </a:highlight>
-              </a:rPr>
-              <a:t>Analyseergebnis</a:t>
-            </a:r>
-            <a:endParaRPr lang="en" dirty="0">
-              <a:highlight>
-                <a:srgbClr val="FFCD00"/>
-              </a:highlight>
-            </a:endParaRPr>
-          </a:p>
-        </p:txBody>
-      </p:sp>
-      <p:sp>
-        <p:nvSpPr>
-          <p:cNvPr id="112" name="Shape 112"/>
-          <p:cNvSpPr txBox="1">
-            <a:spLocks noGrp="1"/>
-          </p:cNvSpPr>
-          <p:nvPr>
-            <p:ph type="body" idx="1"/>
-          </p:nvPr>
-        </p:nvSpPr>
-        <p:spPr>
-          <a:xfrm>
-            <a:off x="1381250" y="1616470"/>
-            <a:ext cx="6809700" cy="3112200"/>
-          </a:xfrm>
-          <a:prstGeom prst="rect">
-            <a:avLst/>
-          </a:prstGeom>
-        </p:spPr>
-        <p:txBody>
-          <a:bodyPr lIns="91425" tIns="91425" rIns="91425" bIns="91425" anchor="t" anchorCtr="0">
-            <a:noAutofit/>
-          </a:bodyPr>
-          <a:lstStyle/>
-          <a:p>
-            <a:pPr marL="457200" lvl="0" indent="-228600" rtl="0">
-              <a:spcBef>
-                <a:spcPts val="0"/>
-              </a:spcBef>
-            </a:pPr>
-            <a:r>
-              <a:rPr lang="en" dirty="0" smtClean="0"/>
-              <a:t> </a:t>
-            </a:r>
-            <a:r>
-              <a:rPr lang="en" strike="sngStrike" dirty="0" smtClean="0"/>
-              <a:t>Verwaltung der Fragen</a:t>
-            </a:r>
-          </a:p>
-          <a:p>
-            <a:pPr marL="457200" lvl="0" indent="-228600">
-              <a:spcBef>
-                <a:spcPts val="0"/>
-              </a:spcBef>
-            </a:pPr>
-            <a:r>
-              <a:rPr lang="en" dirty="0"/>
               <a:t> </a:t>
             </a:r>
             <a:r>
@@ -27767,7 +26328,7 @@
     </p:spTree>
     <p:extLst>
       <p:ext uri="{BB962C8B-B14F-4D97-AF65-F5344CB8AC3E}">
-        <p14:creationId xmlns:p14="http://schemas.microsoft.com/office/powerpoint/2010/main" xmlns="" val="517583815"/>
+        <p14:creationId xmlns:p14="http://schemas.microsoft.com/office/powerpoint/2010/main" val="517583815"/>
       </p:ext>
     </p:extLst>
   </p:cSld>
@@ -27775,7 +26336,7 @@
     <a:masterClrMapping/>
   </p:clrMapOvr>
   <mc:AlternateContent xmlns:mc="http://schemas.openxmlformats.org/markup-compatibility/2006">
-    <mc:Choice xmlns:p14="http://schemas.microsoft.com/office/powerpoint/2010/main" xmlns="" Requires="p14">
+    <mc:Choice xmlns:p14="http://schemas.microsoft.com/office/powerpoint/2010/main" Requires="p14">
       <p:transition p14:dur="0"/>
     </mc:Choice>
     <mc:Fallback>
@@ -27792,7 +26353,7 @@
 </p:sld>
 </file>
 
-<file path=ppt/slides/slide37.xml><?xml version="1.0" encoding="utf-8"?>
+<file path=ppt/slides/slide35.xml><?xml version="1.0" encoding="utf-8"?>
 <p:sld xmlns:a="http://schemas.openxmlformats.org/drawingml/2006/main" xmlns:r="http://schemas.openxmlformats.org/officeDocument/2006/relationships" xmlns:p="http://schemas.openxmlformats.org/presentationml/2006/main">
   <p:cSld>
     <p:spTree>
@@ -28495,7 +27056,7 @@
     </p:spTree>
     <p:extLst>
       <p:ext uri="{BB962C8B-B14F-4D97-AF65-F5344CB8AC3E}">
-        <p14:creationId xmlns:p14="http://schemas.microsoft.com/office/powerpoint/2010/main" xmlns="" val="3910199530"/>
+        <p14:creationId xmlns:p14="http://schemas.microsoft.com/office/powerpoint/2010/main" val="3910199530"/>
       </p:ext>
     </p:extLst>
   </p:cSld>
@@ -28503,7 +27064,7 @@
     <a:masterClrMapping/>
   </p:clrMapOvr>
   <mc:AlternateContent xmlns:mc="http://schemas.openxmlformats.org/markup-compatibility/2006">
-    <mc:Choice xmlns:p14="http://schemas.microsoft.com/office/powerpoint/2010/main" xmlns="" Requires="p14">
+    <mc:Choice xmlns:p14="http://schemas.microsoft.com/office/powerpoint/2010/main" Requires="p14">
       <p:transition p14:dur="0"/>
     </mc:Choice>
     <mc:Fallback>
@@ -28520,7 +27081,7 @@
 </p:sld>
 </file>
 
-<file path=ppt/slides/slide38.xml><?xml version="1.0" encoding="utf-8"?>
+<file path=ppt/slides/slide36.xml><?xml version="1.0" encoding="utf-8"?>
 <p:sld xmlns:a="http://schemas.openxmlformats.org/drawingml/2006/main" xmlns:r="http://schemas.openxmlformats.org/officeDocument/2006/relationships" xmlns:p="http://schemas.openxmlformats.org/presentationml/2006/main">
   <p:cSld>
     <p:spTree>
@@ -29154,7 +27715,7 @@
           <a:blip r:embed="rId3">
             <a:extLst>
               <a:ext uri="{28A0092B-C50C-407E-A947-70E740481C1C}">
-                <a14:useLocalDpi xmlns:a14="http://schemas.microsoft.com/office/drawing/2010/main" xmlns="" val="0"/>
+                <a14:useLocalDpi xmlns:a14="http://schemas.microsoft.com/office/drawing/2010/main" val="0"/>
               </a:ext>
             </a:extLst>
           </a:blip>
@@ -29178,14 +27739,14 @@
           <a:effectLst/>
           <a:extLst>
             <a:ext uri="{909E8E84-426E-40DD-AFC4-6F175D3DCCD1}">
-              <a14:hiddenFill xmlns:a14="http://schemas.microsoft.com/office/drawing/2010/main" xmlns="">
+              <a14:hiddenFill xmlns:a14="http://schemas.microsoft.com/office/drawing/2010/main">
                 <a:solidFill>
                   <a:schemeClr val="accent1"/>
                 </a:solidFill>
               </a14:hiddenFill>
             </a:ext>
             <a:ext uri="{91240B29-F687-4F45-9708-019B960494DF}">
-              <a14:hiddenLine xmlns:a14="http://schemas.microsoft.com/office/drawing/2010/main" xmlns="" w="9525">
+              <a14:hiddenLine xmlns:a14="http://schemas.microsoft.com/office/drawing/2010/main" w="9525">
                 <a:solidFill>
                   <a:schemeClr val="tx1"/>
                 </a:solidFill>
@@ -29195,7 +27756,7 @@
               </a14:hiddenLine>
             </a:ext>
             <a:ext uri="{AF507438-7753-43E0-B8FC-AC1667EBCBE1}">
-              <a14:hiddenEffects xmlns:a14="http://schemas.microsoft.com/office/drawing/2010/main" xmlns="">
+              <a14:hiddenEffects xmlns:a14="http://schemas.microsoft.com/office/drawing/2010/main">
                 <a:effectLst>
                   <a:outerShdw dist="35921" dir="2700000" algn="ctr" rotWithShape="0">
                     <a:schemeClr val="bg2"/>
@@ -29209,7 +27770,7 @@
     </p:spTree>
     <p:extLst>
       <p:ext uri="{BB962C8B-B14F-4D97-AF65-F5344CB8AC3E}">
-        <p14:creationId xmlns:p14="http://schemas.microsoft.com/office/powerpoint/2010/main" xmlns="" val="207577647"/>
+        <p14:creationId xmlns:p14="http://schemas.microsoft.com/office/powerpoint/2010/main" val="207577647"/>
       </p:ext>
     </p:extLst>
   </p:cSld>
@@ -29217,7 +27778,7 @@
     <a:masterClrMapping/>
   </p:clrMapOvr>
   <mc:AlternateContent xmlns:mc="http://schemas.openxmlformats.org/markup-compatibility/2006">
-    <mc:Choice xmlns:p14="http://schemas.microsoft.com/office/powerpoint/2010/main" xmlns="" Requires="p14">
+    <mc:Choice xmlns:p14="http://schemas.microsoft.com/office/powerpoint/2010/main" Requires="p14">
       <p:transition p14:dur="0"/>
     </mc:Choice>
     <mc:Fallback>
@@ -29234,7 +27795,7 @@
 </p:sld>
 </file>
 
-<file path=ppt/slides/slide39.xml><?xml version="1.0" encoding="utf-8"?>
+<file path=ppt/slides/slide37.xml><?xml version="1.0" encoding="utf-8"?>
 <p:sld xmlns:a="http://schemas.openxmlformats.org/drawingml/2006/main" xmlns:r="http://schemas.openxmlformats.org/officeDocument/2006/relationships" xmlns:p="http://schemas.openxmlformats.org/presentationml/2006/main">
   <p:cSld>
     <p:spTree>
@@ -29868,7 +28429,7 @@
           <a:blip r:embed="rId3">
             <a:extLst>
               <a:ext uri="{28A0092B-C50C-407E-A947-70E740481C1C}">
-                <a14:useLocalDpi xmlns:a14="http://schemas.microsoft.com/office/drawing/2010/main" xmlns="" val="0"/>
+                <a14:useLocalDpi xmlns:a14="http://schemas.microsoft.com/office/drawing/2010/main" val="0"/>
               </a:ext>
             </a:extLst>
           </a:blip>
@@ -29892,14 +28453,14 @@
           <a:effectLst/>
           <a:extLst>
             <a:ext uri="{909E8E84-426E-40DD-AFC4-6F175D3DCCD1}">
-              <a14:hiddenFill xmlns:a14="http://schemas.microsoft.com/office/drawing/2010/main" xmlns="">
+              <a14:hiddenFill xmlns:a14="http://schemas.microsoft.com/office/drawing/2010/main">
                 <a:solidFill>
                   <a:schemeClr val="accent1"/>
                 </a:solidFill>
               </a14:hiddenFill>
             </a:ext>
             <a:ext uri="{91240B29-F687-4F45-9708-019B960494DF}">
-              <a14:hiddenLine xmlns:a14="http://schemas.microsoft.com/office/drawing/2010/main" xmlns="" w="9525">
+              <a14:hiddenLine xmlns:a14="http://schemas.microsoft.com/office/drawing/2010/main" w="9525">
                 <a:solidFill>
                   <a:schemeClr val="tx1"/>
                 </a:solidFill>
@@ -29909,7 +28470,7 @@
               </a14:hiddenLine>
             </a:ext>
             <a:ext uri="{AF507438-7753-43E0-B8FC-AC1667EBCBE1}">
-              <a14:hiddenEffects xmlns:a14="http://schemas.microsoft.com/office/drawing/2010/main" xmlns="">
+              <a14:hiddenEffects xmlns:a14="http://schemas.microsoft.com/office/drawing/2010/main">
                 <a:effectLst>
                   <a:outerShdw dist="35921" dir="2700000" algn="ctr" rotWithShape="0">
                     <a:schemeClr val="bg2"/>
@@ -29923,7 +28484,7 @@
     </p:spTree>
     <p:extLst>
       <p:ext uri="{BB962C8B-B14F-4D97-AF65-F5344CB8AC3E}">
-        <p14:creationId xmlns:p14="http://schemas.microsoft.com/office/powerpoint/2010/main" xmlns="" val="3743659006"/>
+        <p14:creationId xmlns:p14="http://schemas.microsoft.com/office/powerpoint/2010/main" val="3743659006"/>
       </p:ext>
     </p:extLst>
   </p:cSld>
@@ -29931,7 +28492,1499 @@
     <a:masterClrMapping/>
   </p:clrMapOvr>
   <mc:AlternateContent xmlns:mc="http://schemas.openxmlformats.org/markup-compatibility/2006">
-    <mc:Choice xmlns:p14="http://schemas.microsoft.com/office/powerpoint/2010/main" xmlns="" Requires="p14">
+    <mc:Choice xmlns:p14="http://schemas.microsoft.com/office/powerpoint/2010/main" Requires="p14">
+      <p:transition p14:dur="0"/>
+    </mc:Choice>
+    <mc:Fallback>
+      <p:transition/>
+    </mc:Fallback>
+  </mc:AlternateContent>
+  <p:timing>
+    <p:tnLst>
+      <p:par>
+        <p:cTn id="1" dur="indefinite" restart="never" nodeType="tmRoot"/>
+      </p:par>
+    </p:tnLst>
+  </p:timing>
+</p:sld>
+</file>
+
+<file path=ppt/slides/slide38.xml><?xml version="1.0" encoding="utf-8"?>
+<p:sld xmlns:a="http://schemas.openxmlformats.org/drawingml/2006/main" xmlns:r="http://schemas.openxmlformats.org/officeDocument/2006/relationships" xmlns:p="http://schemas.openxmlformats.org/presentationml/2006/main">
+  <p:cSld>
+    <p:spTree>
+      <p:nvGrpSpPr>
+        <p:cNvPr id="1" name="Shape 110"/>
+        <p:cNvGrpSpPr/>
+        <p:nvPr/>
+      </p:nvGrpSpPr>
+      <p:grpSpPr>
+        <a:xfrm>
+          <a:off x="0" y="0"/>
+          <a:ext cx="0" cy="0"/>
+          <a:chOff x="0" y="0"/>
+          <a:chExt cx="0" cy="0"/>
+        </a:xfrm>
+      </p:grpSpPr>
+      <p:sp>
+        <p:nvSpPr>
+          <p:cNvPr id="111" name="Shape 111"/>
+          <p:cNvSpPr txBox="1">
+            <a:spLocks noGrp="1"/>
+          </p:cNvSpPr>
+          <p:nvPr>
+            <p:ph type="title"/>
+          </p:nvPr>
+        </p:nvSpPr>
+        <p:spPr>
+          <a:xfrm>
+            <a:off x="1381250" y="922668"/>
+            <a:ext cx="3878399" cy="435599"/>
+          </a:xfrm>
+          <a:prstGeom prst="rect">
+            <a:avLst/>
+          </a:prstGeom>
+        </p:spPr>
+        <p:txBody>
+          <a:bodyPr lIns="91425" tIns="91425" rIns="91425" bIns="91425" anchor="ctr" anchorCtr="0">
+            <a:noAutofit/>
+          </a:bodyPr>
+          <a:lstStyle/>
+          <a:p>
+            <a:pPr lvl="0">
+              <a:spcBef>
+                <a:spcPts val="0"/>
+              </a:spcBef>
+              <a:buNone/>
+            </a:pPr>
+            <a:r>
+              <a:rPr lang="en" dirty="0" smtClean="0">
+                <a:highlight>
+                  <a:srgbClr val="FFCD00"/>
+                </a:highlight>
+              </a:rPr>
+              <a:t>Gewinn &amp; Checkpoints</a:t>
+            </a:r>
+            <a:endParaRPr lang="en" dirty="0">
+              <a:highlight>
+                <a:srgbClr val="FFCD00"/>
+              </a:highlight>
+            </a:endParaRPr>
+          </a:p>
+        </p:txBody>
+      </p:sp>
+      <p:grpSp>
+        <p:nvGrpSpPr>
+          <p:cNvPr id="113" name="Shape 113"/>
+          <p:cNvGrpSpPr/>
+          <p:nvPr/>
+        </p:nvGrpSpPr>
+        <p:grpSpPr>
+          <a:xfrm>
+            <a:off x="916458" y="1019750"/>
+            <a:ext cx="214624" cy="214624"/>
+            <a:chOff x="2594050" y="1631825"/>
+            <a:chExt cx="439625" cy="439625"/>
+          </a:xfrm>
+        </p:grpSpPr>
+        <p:sp>
+          <p:nvSpPr>
+            <p:cNvPr id="114" name="Shape 114"/>
+            <p:cNvSpPr/>
+            <p:nvPr/>
+          </p:nvSpPr>
+          <p:spPr>
+            <a:xfrm>
+              <a:off x="2594050" y="1883300"/>
+              <a:ext cx="188175" cy="188150"/>
+            </a:xfrm>
+            <a:custGeom>
+              <a:avLst/>
+              <a:gdLst/>
+              <a:ahLst/>
+              <a:cxnLst/>
+              <a:rect l="0" t="0" r="0" b="0"/>
+              <a:pathLst>
+                <a:path w="7527" h="7526" fill="none" extrusionOk="0">
+                  <a:moveTo>
+                    <a:pt x="5992" y="0"/>
+                  </a:moveTo>
+                  <a:lnTo>
+                    <a:pt x="537" y="6430"/>
+                  </a:lnTo>
+                  <a:lnTo>
+                    <a:pt x="1" y="7526"/>
+                  </a:lnTo>
+                  <a:lnTo>
+                    <a:pt x="1097" y="6990"/>
+                  </a:lnTo>
+                  <a:lnTo>
+                    <a:pt x="7526" y="1534"/>
+                  </a:lnTo>
+                  <a:lnTo>
+                    <a:pt x="5992" y="0"/>
+                  </a:lnTo>
+                  <a:close/>
+                </a:path>
+              </a:pathLst>
+            </a:custGeom>
+            <a:noFill/>
+            <a:ln w="9525" cap="rnd" cmpd="sng">
+              <a:solidFill>
+                <a:srgbClr val="000000"/>
+              </a:solidFill>
+              <a:prstDash val="solid"/>
+              <a:round/>
+              <a:headEnd type="none" w="med" len="med"/>
+              <a:tailEnd type="none" w="med" len="med"/>
+            </a:ln>
+          </p:spPr>
+          <p:txBody>
+            <a:bodyPr lIns="91425" tIns="91425" rIns="91425" bIns="91425" anchor="ctr" anchorCtr="0">
+              <a:noAutofit/>
+            </a:bodyPr>
+            <a:lstStyle/>
+            <a:p>
+              <a:pPr lvl="0">
+                <a:spcBef>
+                  <a:spcPts val="0"/>
+                </a:spcBef>
+                <a:buNone/>
+              </a:pPr>
+              <a:endParaRPr/>
+            </a:p>
+          </p:txBody>
+        </p:sp>
+        <p:sp>
+          <p:nvSpPr>
+            <p:cNvPr id="115" name="Shape 115"/>
+            <p:cNvSpPr/>
+            <p:nvPr/>
+          </p:nvSpPr>
+          <p:spPr>
+            <a:xfrm>
+              <a:off x="2857700" y="1631825"/>
+              <a:ext cx="175975" cy="176000"/>
+            </a:xfrm>
+            <a:custGeom>
+              <a:avLst/>
+              <a:gdLst/>
+              <a:ahLst/>
+              <a:cxnLst/>
+              <a:rect l="0" t="0" r="0" b="0"/>
+              <a:pathLst>
+                <a:path w="7039" h="7040" fill="none" extrusionOk="0">
+                  <a:moveTo>
+                    <a:pt x="268" y="2704"/>
+                  </a:moveTo>
+                  <a:lnTo>
+                    <a:pt x="4336" y="6771"/>
+                  </a:lnTo>
+                  <a:lnTo>
+                    <a:pt x="4336" y="6771"/>
+                  </a:lnTo>
+                  <a:lnTo>
+                    <a:pt x="4336" y="6771"/>
+                  </a:lnTo>
+                  <a:lnTo>
+                    <a:pt x="4652" y="6917"/>
+                  </a:lnTo>
+                  <a:lnTo>
+                    <a:pt x="4993" y="7015"/>
+                  </a:lnTo>
+                  <a:lnTo>
+                    <a:pt x="5310" y="7039"/>
+                  </a:lnTo>
+                  <a:lnTo>
+                    <a:pt x="5651" y="7039"/>
+                  </a:lnTo>
+                  <a:lnTo>
+                    <a:pt x="5992" y="6966"/>
+                  </a:lnTo>
+                  <a:lnTo>
+                    <a:pt x="6308" y="6844"/>
+                  </a:lnTo>
+                  <a:lnTo>
+                    <a:pt x="6454" y="6747"/>
+                  </a:lnTo>
+                  <a:lnTo>
+                    <a:pt x="6601" y="6674"/>
+                  </a:lnTo>
+                  <a:lnTo>
+                    <a:pt x="6747" y="6552"/>
+                  </a:lnTo>
+                  <a:lnTo>
+                    <a:pt x="6893" y="6430"/>
+                  </a:lnTo>
+                  <a:lnTo>
+                    <a:pt x="6893" y="6430"/>
+                  </a:lnTo>
+                  <a:lnTo>
+                    <a:pt x="6942" y="6357"/>
+                  </a:lnTo>
+                  <a:lnTo>
+                    <a:pt x="7015" y="6260"/>
+                  </a:lnTo>
+                  <a:lnTo>
+                    <a:pt x="7039" y="6138"/>
+                  </a:lnTo>
+                  <a:lnTo>
+                    <a:pt x="7039" y="6041"/>
+                  </a:lnTo>
+                  <a:lnTo>
+                    <a:pt x="7039" y="6041"/>
+                  </a:lnTo>
+                  <a:lnTo>
+                    <a:pt x="7039" y="5943"/>
+                  </a:lnTo>
+                  <a:lnTo>
+                    <a:pt x="7015" y="5846"/>
+                  </a:lnTo>
+                  <a:lnTo>
+                    <a:pt x="6942" y="5748"/>
+                  </a:lnTo>
+                  <a:lnTo>
+                    <a:pt x="6893" y="5651"/>
+                  </a:lnTo>
+                  <a:lnTo>
+                    <a:pt x="1389" y="147"/>
+                  </a:lnTo>
+                  <a:lnTo>
+                    <a:pt x="1389" y="147"/>
+                  </a:lnTo>
+                  <a:lnTo>
+                    <a:pt x="1291" y="98"/>
+                  </a:lnTo>
+                  <a:lnTo>
+                    <a:pt x="1194" y="25"/>
+                  </a:lnTo>
+                  <a:lnTo>
+                    <a:pt x="1096" y="0"/>
+                  </a:lnTo>
+                  <a:lnTo>
+                    <a:pt x="999" y="0"/>
+                  </a:lnTo>
+                  <a:lnTo>
+                    <a:pt x="999" y="0"/>
+                  </a:lnTo>
+                  <a:lnTo>
+                    <a:pt x="902" y="0"/>
+                  </a:lnTo>
+                  <a:lnTo>
+                    <a:pt x="780" y="25"/>
+                  </a:lnTo>
+                  <a:lnTo>
+                    <a:pt x="682" y="98"/>
+                  </a:lnTo>
+                  <a:lnTo>
+                    <a:pt x="609" y="147"/>
+                  </a:lnTo>
+                  <a:lnTo>
+                    <a:pt x="609" y="147"/>
+                  </a:lnTo>
+                  <a:lnTo>
+                    <a:pt x="487" y="293"/>
+                  </a:lnTo>
+                  <a:lnTo>
+                    <a:pt x="366" y="439"/>
+                  </a:lnTo>
+                  <a:lnTo>
+                    <a:pt x="293" y="585"/>
+                  </a:lnTo>
+                  <a:lnTo>
+                    <a:pt x="195" y="731"/>
+                  </a:lnTo>
+                  <a:lnTo>
+                    <a:pt x="73" y="1048"/>
+                  </a:lnTo>
+                  <a:lnTo>
+                    <a:pt x="0" y="1389"/>
+                  </a:lnTo>
+                  <a:lnTo>
+                    <a:pt x="0" y="1730"/>
+                  </a:lnTo>
+                  <a:lnTo>
+                    <a:pt x="25" y="2046"/>
+                  </a:lnTo>
+                  <a:lnTo>
+                    <a:pt x="122" y="2387"/>
+                  </a:lnTo>
+                  <a:lnTo>
+                    <a:pt x="268" y="2704"/>
+                  </a:lnTo>
+                  <a:lnTo>
+                    <a:pt x="268" y="2704"/>
+                  </a:lnTo>
+                  <a:close/>
+                </a:path>
+              </a:pathLst>
+            </a:custGeom>
+            <a:noFill/>
+            <a:ln w="9525" cap="rnd" cmpd="sng">
+              <a:solidFill>
+                <a:srgbClr val="000000"/>
+              </a:solidFill>
+              <a:prstDash val="solid"/>
+              <a:round/>
+              <a:headEnd type="none" w="med" len="med"/>
+              <a:tailEnd type="none" w="med" len="med"/>
+            </a:ln>
+          </p:spPr>
+          <p:txBody>
+            <a:bodyPr lIns="91425" tIns="91425" rIns="91425" bIns="91425" anchor="ctr" anchorCtr="0">
+              <a:noAutofit/>
+            </a:bodyPr>
+            <a:lstStyle/>
+            <a:p>
+              <a:pPr lvl="0">
+                <a:spcBef>
+                  <a:spcPts val="0"/>
+                </a:spcBef>
+                <a:buNone/>
+              </a:pPr>
+              <a:endParaRPr/>
+            </a:p>
+          </p:txBody>
+        </p:sp>
+        <p:sp>
+          <p:nvSpPr>
+            <p:cNvPr id="116" name="Shape 116"/>
+            <p:cNvSpPr/>
+            <p:nvPr/>
+          </p:nvSpPr>
+          <p:spPr>
+            <a:xfrm>
+              <a:off x="2662850" y="1699400"/>
+              <a:ext cx="303250" cy="303250"/>
+            </a:xfrm>
+            <a:custGeom>
+              <a:avLst/>
+              <a:gdLst/>
+              <a:ahLst/>
+              <a:cxnLst/>
+              <a:rect l="0" t="0" r="0" b="0"/>
+              <a:pathLst>
+                <a:path w="12130" h="12130" fill="none" extrusionOk="0">
+                  <a:moveTo>
+                    <a:pt x="8038" y="1"/>
+                  </a:moveTo>
+                  <a:lnTo>
+                    <a:pt x="4872" y="3191"/>
+                  </a:lnTo>
+                  <a:lnTo>
+                    <a:pt x="4872" y="3191"/>
+                  </a:lnTo>
+                  <a:lnTo>
+                    <a:pt x="4628" y="3094"/>
+                  </a:lnTo>
+                  <a:lnTo>
+                    <a:pt x="4385" y="2997"/>
+                  </a:lnTo>
+                  <a:lnTo>
+                    <a:pt x="4092" y="2899"/>
+                  </a:lnTo>
+                  <a:lnTo>
+                    <a:pt x="3800" y="2850"/>
+                  </a:lnTo>
+                  <a:lnTo>
+                    <a:pt x="3484" y="2777"/>
+                  </a:lnTo>
+                  <a:lnTo>
+                    <a:pt x="3167" y="2729"/>
+                  </a:lnTo>
+                  <a:lnTo>
+                    <a:pt x="2850" y="2704"/>
+                  </a:lnTo>
+                  <a:lnTo>
+                    <a:pt x="2534" y="2704"/>
+                  </a:lnTo>
+                  <a:lnTo>
+                    <a:pt x="2534" y="2704"/>
+                  </a:lnTo>
+                  <a:lnTo>
+                    <a:pt x="2241" y="2704"/>
+                  </a:lnTo>
+                  <a:lnTo>
+                    <a:pt x="1949" y="2729"/>
+                  </a:lnTo>
+                  <a:lnTo>
+                    <a:pt x="1633" y="2777"/>
+                  </a:lnTo>
+                  <a:lnTo>
+                    <a:pt x="1316" y="2850"/>
+                  </a:lnTo>
+                  <a:lnTo>
+                    <a:pt x="999" y="2972"/>
+                  </a:lnTo>
+                  <a:lnTo>
+                    <a:pt x="707" y="3094"/>
+                  </a:lnTo>
+                  <a:lnTo>
+                    <a:pt x="415" y="3289"/>
+                  </a:lnTo>
+                  <a:lnTo>
+                    <a:pt x="147" y="3508"/>
+                  </a:lnTo>
+                  <a:lnTo>
+                    <a:pt x="147" y="3508"/>
+                  </a:lnTo>
+                  <a:lnTo>
+                    <a:pt x="74" y="3581"/>
+                  </a:lnTo>
+                  <a:lnTo>
+                    <a:pt x="25" y="3678"/>
+                  </a:lnTo>
+                  <a:lnTo>
+                    <a:pt x="1" y="3776"/>
+                  </a:lnTo>
+                  <a:lnTo>
+                    <a:pt x="1" y="3898"/>
+                  </a:lnTo>
+                  <a:lnTo>
+                    <a:pt x="1" y="3898"/>
+                  </a:lnTo>
+                  <a:lnTo>
+                    <a:pt x="1" y="3995"/>
+                  </a:lnTo>
+                  <a:lnTo>
+                    <a:pt x="25" y="4093"/>
+                  </a:lnTo>
+                  <a:lnTo>
+                    <a:pt x="74" y="4190"/>
+                  </a:lnTo>
+                  <a:lnTo>
+                    <a:pt x="147" y="4287"/>
+                  </a:lnTo>
+                  <a:lnTo>
+                    <a:pt x="7843" y="11984"/>
+                  </a:lnTo>
+                  <a:lnTo>
+                    <a:pt x="7843" y="11984"/>
+                  </a:lnTo>
+                  <a:lnTo>
+                    <a:pt x="7941" y="12057"/>
+                  </a:lnTo>
+                  <a:lnTo>
+                    <a:pt x="8038" y="12105"/>
+                  </a:lnTo>
+                  <a:lnTo>
+                    <a:pt x="8135" y="12130"/>
+                  </a:lnTo>
+                  <a:lnTo>
+                    <a:pt x="8233" y="12130"/>
+                  </a:lnTo>
+                  <a:lnTo>
+                    <a:pt x="8233" y="12130"/>
+                  </a:lnTo>
+                  <a:lnTo>
+                    <a:pt x="8355" y="12130"/>
+                  </a:lnTo>
+                  <a:lnTo>
+                    <a:pt x="8452" y="12105"/>
+                  </a:lnTo>
+                  <a:lnTo>
+                    <a:pt x="8549" y="12057"/>
+                  </a:lnTo>
+                  <a:lnTo>
+                    <a:pt x="8622" y="11984"/>
+                  </a:lnTo>
+                  <a:lnTo>
+                    <a:pt x="8622" y="11984"/>
+                  </a:lnTo>
+                  <a:lnTo>
+                    <a:pt x="8842" y="11716"/>
+                  </a:lnTo>
+                  <a:lnTo>
+                    <a:pt x="9036" y="11423"/>
+                  </a:lnTo>
+                  <a:lnTo>
+                    <a:pt x="9158" y="11131"/>
+                  </a:lnTo>
+                  <a:lnTo>
+                    <a:pt x="9280" y="10814"/>
+                  </a:lnTo>
+                  <a:lnTo>
+                    <a:pt x="9353" y="10498"/>
+                  </a:lnTo>
+                  <a:lnTo>
+                    <a:pt x="9402" y="10181"/>
+                  </a:lnTo>
+                  <a:lnTo>
+                    <a:pt x="9426" y="9889"/>
+                  </a:lnTo>
+                  <a:lnTo>
+                    <a:pt x="9426" y="9597"/>
+                  </a:lnTo>
+                  <a:lnTo>
+                    <a:pt x="9426" y="9597"/>
+                  </a:lnTo>
+                  <a:lnTo>
+                    <a:pt x="9426" y="9280"/>
+                  </a:lnTo>
+                  <a:lnTo>
+                    <a:pt x="9402" y="8964"/>
+                  </a:lnTo>
+                  <a:lnTo>
+                    <a:pt x="9353" y="8647"/>
+                  </a:lnTo>
+                  <a:lnTo>
+                    <a:pt x="9280" y="8330"/>
+                  </a:lnTo>
+                  <a:lnTo>
+                    <a:pt x="9231" y="8038"/>
+                  </a:lnTo>
+                  <a:lnTo>
+                    <a:pt x="9134" y="7746"/>
+                  </a:lnTo>
+                  <a:lnTo>
+                    <a:pt x="9036" y="7502"/>
+                  </a:lnTo>
+                  <a:lnTo>
+                    <a:pt x="8939" y="7259"/>
+                  </a:lnTo>
+                  <a:lnTo>
+                    <a:pt x="12130" y="4093"/>
+                  </a:lnTo>
+                </a:path>
+              </a:pathLst>
+            </a:custGeom>
+            <a:noFill/>
+            <a:ln w="9525" cap="rnd" cmpd="sng">
+              <a:solidFill>
+                <a:srgbClr val="000000"/>
+              </a:solidFill>
+              <a:prstDash val="solid"/>
+              <a:round/>
+              <a:headEnd type="none" w="med" len="med"/>
+              <a:tailEnd type="none" w="med" len="med"/>
+            </a:ln>
+          </p:spPr>
+          <p:txBody>
+            <a:bodyPr lIns="91425" tIns="91425" rIns="91425" bIns="91425" anchor="ctr" anchorCtr="0">
+              <a:noAutofit/>
+            </a:bodyPr>
+            <a:lstStyle/>
+            <a:p>
+              <a:pPr lvl="0">
+                <a:spcBef>
+                  <a:spcPts val="0"/>
+                </a:spcBef>
+                <a:buNone/>
+              </a:pPr>
+              <a:endParaRPr/>
+            </a:p>
+          </p:txBody>
+        </p:sp>
+        <p:sp>
+          <p:nvSpPr>
+            <p:cNvPr id="117" name="Shape 117"/>
+            <p:cNvSpPr/>
+            <p:nvPr/>
+          </p:nvSpPr>
+          <p:spPr>
+            <a:xfrm>
+              <a:off x="2814911" y="1754061"/>
+              <a:ext cx="49950" cy="49950"/>
+            </a:xfrm>
+            <a:custGeom>
+              <a:avLst/>
+              <a:gdLst/>
+              <a:ahLst/>
+              <a:cxnLst/>
+              <a:rect l="0" t="0" r="0" b="0"/>
+              <a:pathLst>
+                <a:path w="1998" h="1998" fill="none" extrusionOk="0">
+                  <a:moveTo>
+                    <a:pt x="1" y="1997"/>
+                  </a:moveTo>
+                  <a:lnTo>
+                    <a:pt x="1998" y="0"/>
+                  </a:lnTo>
+                </a:path>
+              </a:pathLst>
+            </a:custGeom>
+            <a:noFill/>
+            <a:ln w="9525" cap="rnd" cmpd="sng">
+              <a:solidFill>
+                <a:srgbClr val="000000"/>
+              </a:solidFill>
+              <a:prstDash val="solid"/>
+              <a:round/>
+              <a:headEnd type="none" w="med" len="med"/>
+              <a:tailEnd type="none" w="med" len="med"/>
+            </a:ln>
+          </p:spPr>
+          <p:txBody>
+            <a:bodyPr lIns="91425" tIns="91425" rIns="91425" bIns="91425" anchor="ctr" anchorCtr="0">
+              <a:noAutofit/>
+            </a:bodyPr>
+            <a:lstStyle/>
+            <a:p>
+              <a:pPr lvl="0">
+                <a:spcBef>
+                  <a:spcPts val="0"/>
+                </a:spcBef>
+                <a:buNone/>
+              </a:pPr>
+              <a:endParaRPr/>
+            </a:p>
+          </p:txBody>
+        </p:sp>
+      </p:grpSp>
+      <p:pic>
+        <p:nvPicPr>
+          <p:cNvPr id="2051" name="Picture 3"/>
+          <p:cNvPicPr>
+            <a:picLocks noChangeAspect="1" noChangeArrowheads="1"/>
+          </p:cNvPicPr>
+          <p:nvPr/>
+        </p:nvPicPr>
+        <p:blipFill>
+          <a:blip r:embed="rId3">
+            <a:extLst>
+              <a:ext uri="{28A0092B-C50C-407E-A947-70E740481C1C}">
+                <a14:useLocalDpi xmlns:a14="http://schemas.microsoft.com/office/drawing/2010/main" val="0"/>
+              </a:ext>
+            </a:extLst>
+          </a:blip>
+          <a:srcRect/>
+          <a:stretch>
+            <a:fillRect/>
+          </a:stretch>
+        </p:blipFill>
+        <p:spPr bwMode="auto">
+          <a:xfrm>
+            <a:off x="1475656" y="1563638"/>
+            <a:ext cx="4581525" cy="3228975"/>
+          </a:xfrm>
+          <a:prstGeom prst="rect">
+            <a:avLst/>
+          </a:prstGeom>
+          <a:noFill/>
+          <a:ln>
+            <a:noFill/>
+          </a:ln>
+          <a:effectLst/>
+          <a:extLst>
+            <a:ext uri="{909E8E84-426E-40DD-AFC4-6F175D3DCCD1}">
+              <a14:hiddenFill xmlns:a14="http://schemas.microsoft.com/office/drawing/2010/main">
+                <a:solidFill>
+                  <a:schemeClr val="accent1"/>
+                </a:solidFill>
+              </a14:hiddenFill>
+            </a:ext>
+            <a:ext uri="{91240B29-F687-4F45-9708-019B960494DF}">
+              <a14:hiddenLine xmlns:a14="http://schemas.microsoft.com/office/drawing/2010/main" w="9525">
+                <a:solidFill>
+                  <a:schemeClr val="tx1"/>
+                </a:solidFill>
+                <a:miter lim="800000"/>
+                <a:headEnd/>
+                <a:tailEnd/>
+              </a14:hiddenLine>
+            </a:ext>
+            <a:ext uri="{AF507438-7753-43E0-B8FC-AC1667EBCBE1}">
+              <a14:hiddenEffects xmlns:a14="http://schemas.microsoft.com/office/drawing/2010/main">
+                <a:effectLst>
+                  <a:outerShdw dist="35921" dir="2700000" algn="ctr" rotWithShape="0">
+                    <a:schemeClr val="bg2"/>
+                  </a:outerShdw>
+                </a:effectLst>
+              </a14:hiddenEffects>
+            </a:ext>
+          </a:extLst>
+        </p:spPr>
+      </p:pic>
+    </p:spTree>
+    <p:extLst>
+      <p:ext uri="{BB962C8B-B14F-4D97-AF65-F5344CB8AC3E}">
+        <p14:creationId xmlns:p14="http://schemas.microsoft.com/office/powerpoint/2010/main" val="258226946"/>
+      </p:ext>
+    </p:extLst>
+  </p:cSld>
+  <p:clrMapOvr>
+    <a:masterClrMapping/>
+  </p:clrMapOvr>
+  <mc:AlternateContent xmlns:mc="http://schemas.openxmlformats.org/markup-compatibility/2006">
+    <mc:Choice xmlns:p14="http://schemas.microsoft.com/office/powerpoint/2010/main" Requires="p14">
+      <p:transition p14:dur="0"/>
+    </mc:Choice>
+    <mc:Fallback>
+      <p:transition/>
+    </mc:Fallback>
+  </mc:AlternateContent>
+  <p:timing>
+    <p:tnLst>
+      <p:par>
+        <p:cTn id="1" dur="indefinite" restart="never" nodeType="tmRoot"/>
+      </p:par>
+    </p:tnLst>
+  </p:timing>
+</p:sld>
+</file>
+
+<file path=ppt/slides/slide39.xml><?xml version="1.0" encoding="utf-8"?>
+<p:sld xmlns:a="http://schemas.openxmlformats.org/drawingml/2006/main" xmlns:r="http://schemas.openxmlformats.org/officeDocument/2006/relationships" xmlns:p="http://schemas.openxmlformats.org/presentationml/2006/main">
+  <p:cSld>
+    <p:spTree>
+      <p:nvGrpSpPr>
+        <p:cNvPr id="1" name="Shape 110"/>
+        <p:cNvGrpSpPr/>
+        <p:nvPr/>
+      </p:nvGrpSpPr>
+      <p:grpSpPr>
+        <a:xfrm>
+          <a:off x="0" y="0"/>
+          <a:ext cx="0" cy="0"/>
+          <a:chOff x="0" y="0"/>
+          <a:chExt cx="0" cy="0"/>
+        </a:xfrm>
+      </p:grpSpPr>
+      <p:sp>
+        <p:nvSpPr>
+          <p:cNvPr id="111" name="Shape 111"/>
+          <p:cNvSpPr txBox="1">
+            <a:spLocks noGrp="1"/>
+          </p:cNvSpPr>
+          <p:nvPr>
+            <p:ph type="title"/>
+          </p:nvPr>
+        </p:nvSpPr>
+        <p:spPr>
+          <a:xfrm>
+            <a:off x="1381250" y="922668"/>
+            <a:ext cx="3878399" cy="435599"/>
+          </a:xfrm>
+          <a:prstGeom prst="rect">
+            <a:avLst/>
+          </a:prstGeom>
+        </p:spPr>
+        <p:txBody>
+          <a:bodyPr lIns="91425" tIns="91425" rIns="91425" bIns="91425" anchor="ctr" anchorCtr="0">
+            <a:noAutofit/>
+          </a:bodyPr>
+          <a:lstStyle/>
+          <a:p>
+            <a:pPr lvl="0">
+              <a:spcBef>
+                <a:spcPts val="0"/>
+              </a:spcBef>
+              <a:buNone/>
+            </a:pPr>
+            <a:r>
+              <a:rPr lang="en" dirty="0" smtClean="0">
+                <a:highlight>
+                  <a:srgbClr val="FFCD00"/>
+                </a:highlight>
+              </a:rPr>
+              <a:t>Joker</a:t>
+            </a:r>
+            <a:endParaRPr lang="en" dirty="0">
+              <a:highlight>
+                <a:srgbClr val="FFCD00"/>
+              </a:highlight>
+            </a:endParaRPr>
+          </a:p>
+        </p:txBody>
+      </p:sp>
+      <p:grpSp>
+        <p:nvGrpSpPr>
+          <p:cNvPr id="113" name="Shape 113"/>
+          <p:cNvGrpSpPr/>
+          <p:nvPr/>
+        </p:nvGrpSpPr>
+        <p:grpSpPr>
+          <a:xfrm>
+            <a:off x="916458" y="1019750"/>
+            <a:ext cx="214624" cy="214624"/>
+            <a:chOff x="2594050" y="1631825"/>
+            <a:chExt cx="439625" cy="439625"/>
+          </a:xfrm>
+        </p:grpSpPr>
+        <p:sp>
+          <p:nvSpPr>
+            <p:cNvPr id="114" name="Shape 114"/>
+            <p:cNvSpPr/>
+            <p:nvPr/>
+          </p:nvSpPr>
+          <p:spPr>
+            <a:xfrm>
+              <a:off x="2594050" y="1883300"/>
+              <a:ext cx="188175" cy="188150"/>
+            </a:xfrm>
+            <a:custGeom>
+              <a:avLst/>
+              <a:gdLst/>
+              <a:ahLst/>
+              <a:cxnLst/>
+              <a:rect l="0" t="0" r="0" b="0"/>
+              <a:pathLst>
+                <a:path w="7527" h="7526" fill="none" extrusionOk="0">
+                  <a:moveTo>
+                    <a:pt x="5992" y="0"/>
+                  </a:moveTo>
+                  <a:lnTo>
+                    <a:pt x="537" y="6430"/>
+                  </a:lnTo>
+                  <a:lnTo>
+                    <a:pt x="1" y="7526"/>
+                  </a:lnTo>
+                  <a:lnTo>
+                    <a:pt x="1097" y="6990"/>
+                  </a:lnTo>
+                  <a:lnTo>
+                    <a:pt x="7526" y="1534"/>
+                  </a:lnTo>
+                  <a:lnTo>
+                    <a:pt x="5992" y="0"/>
+                  </a:lnTo>
+                  <a:close/>
+                </a:path>
+              </a:pathLst>
+            </a:custGeom>
+            <a:noFill/>
+            <a:ln w="9525" cap="rnd" cmpd="sng">
+              <a:solidFill>
+                <a:srgbClr val="000000"/>
+              </a:solidFill>
+              <a:prstDash val="solid"/>
+              <a:round/>
+              <a:headEnd type="none" w="med" len="med"/>
+              <a:tailEnd type="none" w="med" len="med"/>
+            </a:ln>
+          </p:spPr>
+          <p:txBody>
+            <a:bodyPr lIns="91425" tIns="91425" rIns="91425" bIns="91425" anchor="ctr" anchorCtr="0">
+              <a:noAutofit/>
+            </a:bodyPr>
+            <a:lstStyle/>
+            <a:p>
+              <a:pPr lvl="0">
+                <a:spcBef>
+                  <a:spcPts val="0"/>
+                </a:spcBef>
+                <a:buNone/>
+              </a:pPr>
+              <a:endParaRPr/>
+            </a:p>
+          </p:txBody>
+        </p:sp>
+        <p:sp>
+          <p:nvSpPr>
+            <p:cNvPr id="115" name="Shape 115"/>
+            <p:cNvSpPr/>
+            <p:nvPr/>
+          </p:nvSpPr>
+          <p:spPr>
+            <a:xfrm>
+              <a:off x="2857700" y="1631825"/>
+              <a:ext cx="175975" cy="176000"/>
+            </a:xfrm>
+            <a:custGeom>
+              <a:avLst/>
+              <a:gdLst/>
+              <a:ahLst/>
+              <a:cxnLst/>
+              <a:rect l="0" t="0" r="0" b="0"/>
+              <a:pathLst>
+                <a:path w="7039" h="7040" fill="none" extrusionOk="0">
+                  <a:moveTo>
+                    <a:pt x="268" y="2704"/>
+                  </a:moveTo>
+                  <a:lnTo>
+                    <a:pt x="4336" y="6771"/>
+                  </a:lnTo>
+                  <a:lnTo>
+                    <a:pt x="4336" y="6771"/>
+                  </a:lnTo>
+                  <a:lnTo>
+                    <a:pt x="4336" y="6771"/>
+                  </a:lnTo>
+                  <a:lnTo>
+                    <a:pt x="4652" y="6917"/>
+                  </a:lnTo>
+                  <a:lnTo>
+                    <a:pt x="4993" y="7015"/>
+                  </a:lnTo>
+                  <a:lnTo>
+                    <a:pt x="5310" y="7039"/>
+                  </a:lnTo>
+                  <a:lnTo>
+                    <a:pt x="5651" y="7039"/>
+                  </a:lnTo>
+                  <a:lnTo>
+                    <a:pt x="5992" y="6966"/>
+                  </a:lnTo>
+                  <a:lnTo>
+                    <a:pt x="6308" y="6844"/>
+                  </a:lnTo>
+                  <a:lnTo>
+                    <a:pt x="6454" y="6747"/>
+                  </a:lnTo>
+                  <a:lnTo>
+                    <a:pt x="6601" y="6674"/>
+                  </a:lnTo>
+                  <a:lnTo>
+                    <a:pt x="6747" y="6552"/>
+                  </a:lnTo>
+                  <a:lnTo>
+                    <a:pt x="6893" y="6430"/>
+                  </a:lnTo>
+                  <a:lnTo>
+                    <a:pt x="6893" y="6430"/>
+                  </a:lnTo>
+                  <a:lnTo>
+                    <a:pt x="6942" y="6357"/>
+                  </a:lnTo>
+                  <a:lnTo>
+                    <a:pt x="7015" y="6260"/>
+                  </a:lnTo>
+                  <a:lnTo>
+                    <a:pt x="7039" y="6138"/>
+                  </a:lnTo>
+                  <a:lnTo>
+                    <a:pt x="7039" y="6041"/>
+                  </a:lnTo>
+                  <a:lnTo>
+                    <a:pt x="7039" y="6041"/>
+                  </a:lnTo>
+                  <a:lnTo>
+                    <a:pt x="7039" y="5943"/>
+                  </a:lnTo>
+                  <a:lnTo>
+                    <a:pt x="7015" y="5846"/>
+                  </a:lnTo>
+                  <a:lnTo>
+                    <a:pt x="6942" y="5748"/>
+                  </a:lnTo>
+                  <a:lnTo>
+                    <a:pt x="6893" y="5651"/>
+                  </a:lnTo>
+                  <a:lnTo>
+                    <a:pt x="1389" y="147"/>
+                  </a:lnTo>
+                  <a:lnTo>
+                    <a:pt x="1389" y="147"/>
+                  </a:lnTo>
+                  <a:lnTo>
+                    <a:pt x="1291" y="98"/>
+                  </a:lnTo>
+                  <a:lnTo>
+                    <a:pt x="1194" y="25"/>
+                  </a:lnTo>
+                  <a:lnTo>
+                    <a:pt x="1096" y="0"/>
+                  </a:lnTo>
+                  <a:lnTo>
+                    <a:pt x="999" y="0"/>
+                  </a:lnTo>
+                  <a:lnTo>
+                    <a:pt x="999" y="0"/>
+                  </a:lnTo>
+                  <a:lnTo>
+                    <a:pt x="902" y="0"/>
+                  </a:lnTo>
+                  <a:lnTo>
+                    <a:pt x="780" y="25"/>
+                  </a:lnTo>
+                  <a:lnTo>
+                    <a:pt x="682" y="98"/>
+                  </a:lnTo>
+                  <a:lnTo>
+                    <a:pt x="609" y="147"/>
+                  </a:lnTo>
+                  <a:lnTo>
+                    <a:pt x="609" y="147"/>
+                  </a:lnTo>
+                  <a:lnTo>
+                    <a:pt x="487" y="293"/>
+                  </a:lnTo>
+                  <a:lnTo>
+                    <a:pt x="366" y="439"/>
+                  </a:lnTo>
+                  <a:lnTo>
+                    <a:pt x="293" y="585"/>
+                  </a:lnTo>
+                  <a:lnTo>
+                    <a:pt x="195" y="731"/>
+                  </a:lnTo>
+                  <a:lnTo>
+                    <a:pt x="73" y="1048"/>
+                  </a:lnTo>
+                  <a:lnTo>
+                    <a:pt x="0" y="1389"/>
+                  </a:lnTo>
+                  <a:lnTo>
+                    <a:pt x="0" y="1730"/>
+                  </a:lnTo>
+                  <a:lnTo>
+                    <a:pt x="25" y="2046"/>
+                  </a:lnTo>
+                  <a:lnTo>
+                    <a:pt x="122" y="2387"/>
+                  </a:lnTo>
+                  <a:lnTo>
+                    <a:pt x="268" y="2704"/>
+                  </a:lnTo>
+                  <a:lnTo>
+                    <a:pt x="268" y="2704"/>
+                  </a:lnTo>
+                  <a:close/>
+                </a:path>
+              </a:pathLst>
+            </a:custGeom>
+            <a:noFill/>
+            <a:ln w="9525" cap="rnd" cmpd="sng">
+              <a:solidFill>
+                <a:srgbClr val="000000"/>
+              </a:solidFill>
+              <a:prstDash val="solid"/>
+              <a:round/>
+              <a:headEnd type="none" w="med" len="med"/>
+              <a:tailEnd type="none" w="med" len="med"/>
+            </a:ln>
+          </p:spPr>
+          <p:txBody>
+            <a:bodyPr lIns="91425" tIns="91425" rIns="91425" bIns="91425" anchor="ctr" anchorCtr="0">
+              <a:noAutofit/>
+            </a:bodyPr>
+            <a:lstStyle/>
+            <a:p>
+              <a:pPr lvl="0">
+                <a:spcBef>
+                  <a:spcPts val="0"/>
+                </a:spcBef>
+                <a:buNone/>
+              </a:pPr>
+              <a:endParaRPr/>
+            </a:p>
+          </p:txBody>
+        </p:sp>
+        <p:sp>
+          <p:nvSpPr>
+            <p:cNvPr id="116" name="Shape 116"/>
+            <p:cNvSpPr/>
+            <p:nvPr/>
+          </p:nvSpPr>
+          <p:spPr>
+            <a:xfrm>
+              <a:off x="2662850" y="1699400"/>
+              <a:ext cx="303250" cy="303250"/>
+            </a:xfrm>
+            <a:custGeom>
+              <a:avLst/>
+              <a:gdLst/>
+              <a:ahLst/>
+              <a:cxnLst/>
+              <a:rect l="0" t="0" r="0" b="0"/>
+              <a:pathLst>
+                <a:path w="12130" h="12130" fill="none" extrusionOk="0">
+                  <a:moveTo>
+                    <a:pt x="8038" y="1"/>
+                  </a:moveTo>
+                  <a:lnTo>
+                    <a:pt x="4872" y="3191"/>
+                  </a:lnTo>
+                  <a:lnTo>
+                    <a:pt x="4872" y="3191"/>
+                  </a:lnTo>
+                  <a:lnTo>
+                    <a:pt x="4628" y="3094"/>
+                  </a:lnTo>
+                  <a:lnTo>
+                    <a:pt x="4385" y="2997"/>
+                  </a:lnTo>
+                  <a:lnTo>
+                    <a:pt x="4092" y="2899"/>
+                  </a:lnTo>
+                  <a:lnTo>
+                    <a:pt x="3800" y="2850"/>
+                  </a:lnTo>
+                  <a:lnTo>
+                    <a:pt x="3484" y="2777"/>
+                  </a:lnTo>
+                  <a:lnTo>
+                    <a:pt x="3167" y="2729"/>
+                  </a:lnTo>
+                  <a:lnTo>
+                    <a:pt x="2850" y="2704"/>
+                  </a:lnTo>
+                  <a:lnTo>
+                    <a:pt x="2534" y="2704"/>
+                  </a:lnTo>
+                  <a:lnTo>
+                    <a:pt x="2534" y="2704"/>
+                  </a:lnTo>
+                  <a:lnTo>
+                    <a:pt x="2241" y="2704"/>
+                  </a:lnTo>
+                  <a:lnTo>
+                    <a:pt x="1949" y="2729"/>
+                  </a:lnTo>
+                  <a:lnTo>
+                    <a:pt x="1633" y="2777"/>
+                  </a:lnTo>
+                  <a:lnTo>
+                    <a:pt x="1316" y="2850"/>
+                  </a:lnTo>
+                  <a:lnTo>
+                    <a:pt x="999" y="2972"/>
+                  </a:lnTo>
+                  <a:lnTo>
+                    <a:pt x="707" y="3094"/>
+                  </a:lnTo>
+                  <a:lnTo>
+                    <a:pt x="415" y="3289"/>
+                  </a:lnTo>
+                  <a:lnTo>
+                    <a:pt x="147" y="3508"/>
+                  </a:lnTo>
+                  <a:lnTo>
+                    <a:pt x="147" y="3508"/>
+                  </a:lnTo>
+                  <a:lnTo>
+                    <a:pt x="74" y="3581"/>
+                  </a:lnTo>
+                  <a:lnTo>
+                    <a:pt x="25" y="3678"/>
+                  </a:lnTo>
+                  <a:lnTo>
+                    <a:pt x="1" y="3776"/>
+                  </a:lnTo>
+                  <a:lnTo>
+                    <a:pt x="1" y="3898"/>
+                  </a:lnTo>
+                  <a:lnTo>
+                    <a:pt x="1" y="3898"/>
+                  </a:lnTo>
+                  <a:lnTo>
+                    <a:pt x="1" y="3995"/>
+                  </a:lnTo>
+                  <a:lnTo>
+                    <a:pt x="25" y="4093"/>
+                  </a:lnTo>
+                  <a:lnTo>
+                    <a:pt x="74" y="4190"/>
+                  </a:lnTo>
+                  <a:lnTo>
+                    <a:pt x="147" y="4287"/>
+                  </a:lnTo>
+                  <a:lnTo>
+                    <a:pt x="7843" y="11984"/>
+                  </a:lnTo>
+                  <a:lnTo>
+                    <a:pt x="7843" y="11984"/>
+                  </a:lnTo>
+                  <a:lnTo>
+                    <a:pt x="7941" y="12057"/>
+                  </a:lnTo>
+                  <a:lnTo>
+                    <a:pt x="8038" y="12105"/>
+                  </a:lnTo>
+                  <a:lnTo>
+                    <a:pt x="8135" y="12130"/>
+                  </a:lnTo>
+                  <a:lnTo>
+                    <a:pt x="8233" y="12130"/>
+                  </a:lnTo>
+                  <a:lnTo>
+                    <a:pt x="8233" y="12130"/>
+                  </a:lnTo>
+                  <a:lnTo>
+                    <a:pt x="8355" y="12130"/>
+                  </a:lnTo>
+                  <a:lnTo>
+                    <a:pt x="8452" y="12105"/>
+                  </a:lnTo>
+                  <a:lnTo>
+                    <a:pt x="8549" y="12057"/>
+                  </a:lnTo>
+                  <a:lnTo>
+                    <a:pt x="8622" y="11984"/>
+                  </a:lnTo>
+                  <a:lnTo>
+                    <a:pt x="8622" y="11984"/>
+                  </a:lnTo>
+                  <a:lnTo>
+                    <a:pt x="8842" y="11716"/>
+                  </a:lnTo>
+                  <a:lnTo>
+                    <a:pt x="9036" y="11423"/>
+                  </a:lnTo>
+                  <a:lnTo>
+                    <a:pt x="9158" y="11131"/>
+                  </a:lnTo>
+                  <a:lnTo>
+                    <a:pt x="9280" y="10814"/>
+                  </a:lnTo>
+                  <a:lnTo>
+                    <a:pt x="9353" y="10498"/>
+                  </a:lnTo>
+                  <a:lnTo>
+                    <a:pt x="9402" y="10181"/>
+                  </a:lnTo>
+                  <a:lnTo>
+                    <a:pt x="9426" y="9889"/>
+                  </a:lnTo>
+                  <a:lnTo>
+                    <a:pt x="9426" y="9597"/>
+                  </a:lnTo>
+                  <a:lnTo>
+                    <a:pt x="9426" y="9597"/>
+                  </a:lnTo>
+                  <a:lnTo>
+                    <a:pt x="9426" y="9280"/>
+                  </a:lnTo>
+                  <a:lnTo>
+                    <a:pt x="9402" y="8964"/>
+                  </a:lnTo>
+                  <a:lnTo>
+                    <a:pt x="9353" y="8647"/>
+                  </a:lnTo>
+                  <a:lnTo>
+                    <a:pt x="9280" y="8330"/>
+                  </a:lnTo>
+                  <a:lnTo>
+                    <a:pt x="9231" y="8038"/>
+                  </a:lnTo>
+                  <a:lnTo>
+                    <a:pt x="9134" y="7746"/>
+                  </a:lnTo>
+                  <a:lnTo>
+                    <a:pt x="9036" y="7502"/>
+                  </a:lnTo>
+                  <a:lnTo>
+                    <a:pt x="8939" y="7259"/>
+                  </a:lnTo>
+                  <a:lnTo>
+                    <a:pt x="12130" y="4093"/>
+                  </a:lnTo>
+                </a:path>
+              </a:pathLst>
+            </a:custGeom>
+            <a:noFill/>
+            <a:ln w="9525" cap="rnd" cmpd="sng">
+              <a:solidFill>
+                <a:srgbClr val="000000"/>
+              </a:solidFill>
+              <a:prstDash val="solid"/>
+              <a:round/>
+              <a:headEnd type="none" w="med" len="med"/>
+              <a:tailEnd type="none" w="med" len="med"/>
+            </a:ln>
+          </p:spPr>
+          <p:txBody>
+            <a:bodyPr lIns="91425" tIns="91425" rIns="91425" bIns="91425" anchor="ctr" anchorCtr="0">
+              <a:noAutofit/>
+            </a:bodyPr>
+            <a:lstStyle/>
+            <a:p>
+              <a:pPr lvl="0">
+                <a:spcBef>
+                  <a:spcPts val="0"/>
+                </a:spcBef>
+                <a:buNone/>
+              </a:pPr>
+              <a:endParaRPr/>
+            </a:p>
+          </p:txBody>
+        </p:sp>
+        <p:sp>
+          <p:nvSpPr>
+            <p:cNvPr id="117" name="Shape 117"/>
+            <p:cNvSpPr/>
+            <p:nvPr/>
+          </p:nvSpPr>
+          <p:spPr>
+            <a:xfrm>
+              <a:off x="2814911" y="1754061"/>
+              <a:ext cx="49950" cy="49950"/>
+            </a:xfrm>
+            <a:custGeom>
+              <a:avLst/>
+              <a:gdLst/>
+              <a:ahLst/>
+              <a:cxnLst/>
+              <a:rect l="0" t="0" r="0" b="0"/>
+              <a:pathLst>
+                <a:path w="1998" h="1998" fill="none" extrusionOk="0">
+                  <a:moveTo>
+                    <a:pt x="1" y="1997"/>
+                  </a:moveTo>
+                  <a:lnTo>
+                    <a:pt x="1998" y="0"/>
+                  </a:lnTo>
+                </a:path>
+              </a:pathLst>
+            </a:custGeom>
+            <a:noFill/>
+            <a:ln w="9525" cap="rnd" cmpd="sng">
+              <a:solidFill>
+                <a:srgbClr val="000000"/>
+              </a:solidFill>
+              <a:prstDash val="solid"/>
+              <a:round/>
+              <a:headEnd type="none" w="med" len="med"/>
+              <a:tailEnd type="none" w="med" len="med"/>
+            </a:ln>
+          </p:spPr>
+          <p:txBody>
+            <a:bodyPr lIns="91425" tIns="91425" rIns="91425" bIns="91425" anchor="ctr" anchorCtr="0">
+              <a:noAutofit/>
+            </a:bodyPr>
+            <a:lstStyle/>
+            <a:p>
+              <a:pPr lvl="0">
+                <a:spcBef>
+                  <a:spcPts val="0"/>
+                </a:spcBef>
+                <a:buNone/>
+              </a:pPr>
+              <a:endParaRPr/>
+            </a:p>
+          </p:txBody>
+        </p:sp>
+      </p:grpSp>
+      <p:pic>
+        <p:nvPicPr>
+          <p:cNvPr id="3074" name="Picture 2"/>
+          <p:cNvPicPr>
+            <a:picLocks noChangeAspect="1" noChangeArrowheads="1"/>
+          </p:cNvPicPr>
+          <p:nvPr/>
+        </p:nvPicPr>
+        <p:blipFill>
+          <a:blip r:embed="rId3">
+            <a:extLst>
+              <a:ext uri="{28A0092B-C50C-407E-A947-70E740481C1C}">
+                <a14:useLocalDpi xmlns:a14="http://schemas.microsoft.com/office/drawing/2010/main" val="0"/>
+              </a:ext>
+            </a:extLst>
+          </a:blip>
+          <a:srcRect/>
+          <a:stretch>
+            <a:fillRect/>
+          </a:stretch>
+        </p:blipFill>
+        <p:spPr bwMode="auto">
+          <a:xfrm>
+            <a:off x="1403648" y="3435846"/>
+            <a:ext cx="4352925" cy="628650"/>
+          </a:xfrm>
+          <a:prstGeom prst="rect">
+            <a:avLst/>
+          </a:prstGeom>
+          <a:noFill/>
+          <a:ln>
+            <a:noFill/>
+          </a:ln>
+          <a:effectLst/>
+          <a:extLst>
+            <a:ext uri="{909E8E84-426E-40DD-AFC4-6F175D3DCCD1}">
+              <a14:hiddenFill xmlns:a14="http://schemas.microsoft.com/office/drawing/2010/main">
+                <a:solidFill>
+                  <a:schemeClr val="accent1"/>
+                </a:solidFill>
+              </a14:hiddenFill>
+            </a:ext>
+            <a:ext uri="{91240B29-F687-4F45-9708-019B960494DF}">
+              <a14:hiddenLine xmlns:a14="http://schemas.microsoft.com/office/drawing/2010/main" w="9525">
+                <a:solidFill>
+                  <a:schemeClr val="tx1"/>
+                </a:solidFill>
+                <a:miter lim="800000"/>
+                <a:headEnd/>
+                <a:tailEnd/>
+              </a14:hiddenLine>
+            </a:ext>
+            <a:ext uri="{AF507438-7753-43E0-B8FC-AC1667EBCBE1}">
+              <a14:hiddenEffects xmlns:a14="http://schemas.microsoft.com/office/drawing/2010/main">
+                <a:effectLst>
+                  <a:outerShdw dist="35921" dir="2700000" algn="ctr" rotWithShape="0">
+                    <a:schemeClr val="bg2"/>
+                  </a:outerShdw>
+                </a:effectLst>
+              </a14:hiddenEffects>
+            </a:ext>
+          </a:extLst>
+        </p:spPr>
+      </p:pic>
+      <p:pic>
+        <p:nvPicPr>
+          <p:cNvPr id="3078" name="Picture 6"/>
+          <p:cNvPicPr>
+            <a:picLocks noChangeAspect="1" noChangeArrowheads="1"/>
+          </p:cNvPicPr>
+          <p:nvPr/>
+        </p:nvPicPr>
+        <p:blipFill>
+          <a:blip r:embed="rId4">
+            <a:extLst>
+              <a:ext uri="{28A0092B-C50C-407E-A947-70E740481C1C}">
+                <a14:useLocalDpi xmlns:a14="http://schemas.microsoft.com/office/drawing/2010/main" val="0"/>
+              </a:ext>
+            </a:extLst>
+          </a:blip>
+          <a:srcRect/>
+          <a:stretch>
+            <a:fillRect/>
+          </a:stretch>
+        </p:blipFill>
+        <p:spPr bwMode="auto">
+          <a:xfrm>
+            <a:off x="1377563" y="1635646"/>
+            <a:ext cx="2705100" cy="1524000"/>
+          </a:xfrm>
+          <a:prstGeom prst="rect">
+            <a:avLst/>
+          </a:prstGeom>
+          <a:noFill/>
+          <a:ln>
+            <a:noFill/>
+          </a:ln>
+          <a:effectLst/>
+          <a:extLst>
+            <a:ext uri="{909E8E84-426E-40DD-AFC4-6F175D3DCCD1}">
+              <a14:hiddenFill xmlns:a14="http://schemas.microsoft.com/office/drawing/2010/main">
+                <a:solidFill>
+                  <a:schemeClr val="accent1"/>
+                </a:solidFill>
+              </a14:hiddenFill>
+            </a:ext>
+            <a:ext uri="{91240B29-F687-4F45-9708-019B960494DF}">
+              <a14:hiddenLine xmlns:a14="http://schemas.microsoft.com/office/drawing/2010/main" w="9525">
+                <a:solidFill>
+                  <a:schemeClr val="tx1"/>
+                </a:solidFill>
+                <a:miter lim="800000"/>
+                <a:headEnd/>
+                <a:tailEnd/>
+              </a14:hiddenLine>
+            </a:ext>
+            <a:ext uri="{AF507438-7753-43E0-B8FC-AC1667EBCBE1}">
+              <a14:hiddenEffects xmlns:a14="http://schemas.microsoft.com/office/drawing/2010/main">
+                <a:effectLst>
+                  <a:outerShdw dist="35921" dir="2700000" algn="ctr" rotWithShape="0">
+                    <a:schemeClr val="bg2"/>
+                  </a:outerShdw>
+                </a:effectLst>
+              </a14:hiddenEffects>
+            </a:ext>
+          </a:extLst>
+        </p:spPr>
+      </p:pic>
+    </p:spTree>
+    <p:extLst>
+      <p:ext uri="{BB962C8B-B14F-4D97-AF65-F5344CB8AC3E}">
+        <p14:creationId xmlns:p14="http://schemas.microsoft.com/office/powerpoint/2010/main" val="395957201"/>
+      </p:ext>
+    </p:extLst>
+  </p:cSld>
+  <p:clrMapOvr>
+    <a:masterClrMapping/>
+  </p:clrMapOvr>
+  <mc:AlternateContent xmlns:mc="http://schemas.openxmlformats.org/markup-compatibility/2006">
+    <mc:Choice xmlns:p14="http://schemas.microsoft.com/office/powerpoint/2010/main" Requires="p14">
       <p:transition p14:dur="0"/>
     </mc:Choice>
     <mc:Fallback>
@@ -30621,7 +30674,7 @@
     </p:spTree>
     <p:extLst>
       <p:ext uri="{BB962C8B-B14F-4D97-AF65-F5344CB8AC3E}">
-        <p14:creationId xmlns:p14="http://schemas.microsoft.com/office/powerpoint/2010/main" xmlns="" val="833175814"/>
+        <p14:creationId xmlns:p14="http://schemas.microsoft.com/office/powerpoint/2010/main" val="833175814"/>
       </p:ext>
     </p:extLst>
   </p:cSld>
@@ -30629,7 +30682,7 @@
     <a:masterClrMapping/>
   </p:clrMapOvr>
   <mc:AlternateContent xmlns:mc="http://schemas.openxmlformats.org/markup-compatibility/2006">
-    <mc:Choice xmlns:p14="http://schemas.microsoft.com/office/powerpoint/2010/main" xmlns="" Requires="p14">
+    <mc:Choice xmlns:p14="http://schemas.microsoft.com/office/powerpoint/2010/main" Requires="p14">
       <p:transition p14:dur="0"/>
     </mc:Choice>
     <mc:Fallback>
@@ -30647,720 +30700,6 @@
 </file>
 
 <file path=ppt/slides/slide40.xml><?xml version="1.0" encoding="utf-8"?>
-<p:sld xmlns:a="http://schemas.openxmlformats.org/drawingml/2006/main" xmlns:r="http://schemas.openxmlformats.org/officeDocument/2006/relationships" xmlns:p="http://schemas.openxmlformats.org/presentationml/2006/main">
-  <p:cSld>
-    <p:spTree>
-      <p:nvGrpSpPr>
-        <p:cNvPr id="1" name="Shape 110"/>
-        <p:cNvGrpSpPr/>
-        <p:nvPr/>
-      </p:nvGrpSpPr>
-      <p:grpSpPr>
-        <a:xfrm>
-          <a:off x="0" y="0"/>
-          <a:ext cx="0" cy="0"/>
-          <a:chOff x="0" y="0"/>
-          <a:chExt cx="0" cy="0"/>
-        </a:xfrm>
-      </p:grpSpPr>
-      <p:sp>
-        <p:nvSpPr>
-          <p:cNvPr id="111" name="Shape 111"/>
-          <p:cNvSpPr txBox="1">
-            <a:spLocks noGrp="1"/>
-          </p:cNvSpPr>
-          <p:nvPr>
-            <p:ph type="title"/>
-          </p:nvPr>
-        </p:nvSpPr>
-        <p:spPr>
-          <a:xfrm>
-            <a:off x="1381250" y="922668"/>
-            <a:ext cx="3878399" cy="435599"/>
-          </a:xfrm>
-          <a:prstGeom prst="rect">
-            <a:avLst/>
-          </a:prstGeom>
-        </p:spPr>
-        <p:txBody>
-          <a:bodyPr lIns="91425" tIns="91425" rIns="91425" bIns="91425" anchor="ctr" anchorCtr="0">
-            <a:noAutofit/>
-          </a:bodyPr>
-          <a:lstStyle/>
-          <a:p>
-            <a:pPr lvl="0">
-              <a:spcBef>
-                <a:spcPts val="0"/>
-              </a:spcBef>
-              <a:buNone/>
-            </a:pPr>
-            <a:r>
-              <a:rPr lang="en" dirty="0" smtClean="0">
-                <a:highlight>
-                  <a:srgbClr val="FFCD00"/>
-                </a:highlight>
-              </a:rPr>
-              <a:t>Gewinn &amp; Checkpoints</a:t>
-            </a:r>
-            <a:endParaRPr lang="en" dirty="0">
-              <a:highlight>
-                <a:srgbClr val="FFCD00"/>
-              </a:highlight>
-            </a:endParaRPr>
-          </a:p>
-        </p:txBody>
-      </p:sp>
-      <p:grpSp>
-        <p:nvGrpSpPr>
-          <p:cNvPr id="113" name="Shape 113"/>
-          <p:cNvGrpSpPr/>
-          <p:nvPr/>
-        </p:nvGrpSpPr>
-        <p:grpSpPr>
-          <a:xfrm>
-            <a:off x="916458" y="1019750"/>
-            <a:ext cx="214624" cy="214624"/>
-            <a:chOff x="2594050" y="1631825"/>
-            <a:chExt cx="439625" cy="439625"/>
-          </a:xfrm>
-        </p:grpSpPr>
-        <p:sp>
-          <p:nvSpPr>
-            <p:cNvPr id="114" name="Shape 114"/>
-            <p:cNvSpPr/>
-            <p:nvPr/>
-          </p:nvSpPr>
-          <p:spPr>
-            <a:xfrm>
-              <a:off x="2594050" y="1883300"/>
-              <a:ext cx="188175" cy="188150"/>
-            </a:xfrm>
-            <a:custGeom>
-              <a:avLst/>
-              <a:gdLst/>
-              <a:ahLst/>
-              <a:cxnLst/>
-              <a:rect l="0" t="0" r="0" b="0"/>
-              <a:pathLst>
-                <a:path w="7527" h="7526" fill="none" extrusionOk="0">
-                  <a:moveTo>
-                    <a:pt x="5992" y="0"/>
-                  </a:moveTo>
-                  <a:lnTo>
-                    <a:pt x="537" y="6430"/>
-                  </a:lnTo>
-                  <a:lnTo>
-                    <a:pt x="1" y="7526"/>
-                  </a:lnTo>
-                  <a:lnTo>
-                    <a:pt x="1097" y="6990"/>
-                  </a:lnTo>
-                  <a:lnTo>
-                    <a:pt x="7526" y="1534"/>
-                  </a:lnTo>
-                  <a:lnTo>
-                    <a:pt x="5992" y="0"/>
-                  </a:lnTo>
-                  <a:close/>
-                </a:path>
-              </a:pathLst>
-            </a:custGeom>
-            <a:noFill/>
-            <a:ln w="9525" cap="rnd" cmpd="sng">
-              <a:solidFill>
-                <a:srgbClr val="000000"/>
-              </a:solidFill>
-              <a:prstDash val="solid"/>
-              <a:round/>
-              <a:headEnd type="none" w="med" len="med"/>
-              <a:tailEnd type="none" w="med" len="med"/>
-            </a:ln>
-          </p:spPr>
-          <p:txBody>
-            <a:bodyPr lIns="91425" tIns="91425" rIns="91425" bIns="91425" anchor="ctr" anchorCtr="0">
-              <a:noAutofit/>
-            </a:bodyPr>
-            <a:lstStyle/>
-            <a:p>
-              <a:pPr lvl="0">
-                <a:spcBef>
-                  <a:spcPts val="0"/>
-                </a:spcBef>
-                <a:buNone/>
-              </a:pPr>
-              <a:endParaRPr/>
-            </a:p>
-          </p:txBody>
-        </p:sp>
-        <p:sp>
-          <p:nvSpPr>
-            <p:cNvPr id="115" name="Shape 115"/>
-            <p:cNvSpPr/>
-            <p:nvPr/>
-          </p:nvSpPr>
-          <p:spPr>
-            <a:xfrm>
-              <a:off x="2857700" y="1631825"/>
-              <a:ext cx="175975" cy="176000"/>
-            </a:xfrm>
-            <a:custGeom>
-              <a:avLst/>
-              <a:gdLst/>
-              <a:ahLst/>
-              <a:cxnLst/>
-              <a:rect l="0" t="0" r="0" b="0"/>
-              <a:pathLst>
-                <a:path w="7039" h="7040" fill="none" extrusionOk="0">
-                  <a:moveTo>
-                    <a:pt x="268" y="2704"/>
-                  </a:moveTo>
-                  <a:lnTo>
-                    <a:pt x="4336" y="6771"/>
-                  </a:lnTo>
-                  <a:lnTo>
-                    <a:pt x="4336" y="6771"/>
-                  </a:lnTo>
-                  <a:lnTo>
-                    <a:pt x="4336" y="6771"/>
-                  </a:lnTo>
-                  <a:lnTo>
-                    <a:pt x="4652" y="6917"/>
-                  </a:lnTo>
-                  <a:lnTo>
-                    <a:pt x="4993" y="7015"/>
-                  </a:lnTo>
-                  <a:lnTo>
-                    <a:pt x="5310" y="7039"/>
-                  </a:lnTo>
-                  <a:lnTo>
-                    <a:pt x="5651" y="7039"/>
-                  </a:lnTo>
-                  <a:lnTo>
-                    <a:pt x="5992" y="6966"/>
-                  </a:lnTo>
-                  <a:lnTo>
-                    <a:pt x="6308" y="6844"/>
-                  </a:lnTo>
-                  <a:lnTo>
-                    <a:pt x="6454" y="6747"/>
-                  </a:lnTo>
-                  <a:lnTo>
-                    <a:pt x="6601" y="6674"/>
-                  </a:lnTo>
-                  <a:lnTo>
-                    <a:pt x="6747" y="6552"/>
-                  </a:lnTo>
-                  <a:lnTo>
-                    <a:pt x="6893" y="6430"/>
-                  </a:lnTo>
-                  <a:lnTo>
-                    <a:pt x="6893" y="6430"/>
-                  </a:lnTo>
-                  <a:lnTo>
-                    <a:pt x="6942" y="6357"/>
-                  </a:lnTo>
-                  <a:lnTo>
-                    <a:pt x="7015" y="6260"/>
-                  </a:lnTo>
-                  <a:lnTo>
-                    <a:pt x="7039" y="6138"/>
-                  </a:lnTo>
-                  <a:lnTo>
-                    <a:pt x="7039" y="6041"/>
-                  </a:lnTo>
-                  <a:lnTo>
-                    <a:pt x="7039" y="6041"/>
-                  </a:lnTo>
-                  <a:lnTo>
-                    <a:pt x="7039" y="5943"/>
-                  </a:lnTo>
-                  <a:lnTo>
-                    <a:pt x="7015" y="5846"/>
-                  </a:lnTo>
-                  <a:lnTo>
-                    <a:pt x="6942" y="5748"/>
-                  </a:lnTo>
-                  <a:lnTo>
-                    <a:pt x="6893" y="5651"/>
-                  </a:lnTo>
-                  <a:lnTo>
-                    <a:pt x="1389" y="147"/>
-                  </a:lnTo>
-                  <a:lnTo>
-                    <a:pt x="1389" y="147"/>
-                  </a:lnTo>
-                  <a:lnTo>
-                    <a:pt x="1291" y="98"/>
-                  </a:lnTo>
-                  <a:lnTo>
-                    <a:pt x="1194" y="25"/>
-                  </a:lnTo>
-                  <a:lnTo>
-                    <a:pt x="1096" y="0"/>
-                  </a:lnTo>
-                  <a:lnTo>
-                    <a:pt x="999" y="0"/>
-                  </a:lnTo>
-                  <a:lnTo>
-                    <a:pt x="999" y="0"/>
-                  </a:lnTo>
-                  <a:lnTo>
-                    <a:pt x="902" y="0"/>
-                  </a:lnTo>
-                  <a:lnTo>
-                    <a:pt x="780" y="25"/>
-                  </a:lnTo>
-                  <a:lnTo>
-                    <a:pt x="682" y="98"/>
-                  </a:lnTo>
-                  <a:lnTo>
-                    <a:pt x="609" y="147"/>
-                  </a:lnTo>
-                  <a:lnTo>
-                    <a:pt x="609" y="147"/>
-                  </a:lnTo>
-                  <a:lnTo>
-                    <a:pt x="487" y="293"/>
-                  </a:lnTo>
-                  <a:lnTo>
-                    <a:pt x="366" y="439"/>
-                  </a:lnTo>
-                  <a:lnTo>
-                    <a:pt x="293" y="585"/>
-                  </a:lnTo>
-                  <a:lnTo>
-                    <a:pt x="195" y="731"/>
-                  </a:lnTo>
-                  <a:lnTo>
-                    <a:pt x="73" y="1048"/>
-                  </a:lnTo>
-                  <a:lnTo>
-                    <a:pt x="0" y="1389"/>
-                  </a:lnTo>
-                  <a:lnTo>
-                    <a:pt x="0" y="1730"/>
-                  </a:lnTo>
-                  <a:lnTo>
-                    <a:pt x="25" y="2046"/>
-                  </a:lnTo>
-                  <a:lnTo>
-                    <a:pt x="122" y="2387"/>
-                  </a:lnTo>
-                  <a:lnTo>
-                    <a:pt x="268" y="2704"/>
-                  </a:lnTo>
-                  <a:lnTo>
-                    <a:pt x="268" y="2704"/>
-                  </a:lnTo>
-                  <a:close/>
-                </a:path>
-              </a:pathLst>
-            </a:custGeom>
-            <a:noFill/>
-            <a:ln w="9525" cap="rnd" cmpd="sng">
-              <a:solidFill>
-                <a:srgbClr val="000000"/>
-              </a:solidFill>
-              <a:prstDash val="solid"/>
-              <a:round/>
-              <a:headEnd type="none" w="med" len="med"/>
-              <a:tailEnd type="none" w="med" len="med"/>
-            </a:ln>
-          </p:spPr>
-          <p:txBody>
-            <a:bodyPr lIns="91425" tIns="91425" rIns="91425" bIns="91425" anchor="ctr" anchorCtr="0">
-              <a:noAutofit/>
-            </a:bodyPr>
-            <a:lstStyle/>
-            <a:p>
-              <a:pPr lvl="0">
-                <a:spcBef>
-                  <a:spcPts val="0"/>
-                </a:spcBef>
-                <a:buNone/>
-              </a:pPr>
-              <a:endParaRPr/>
-            </a:p>
-          </p:txBody>
-        </p:sp>
-        <p:sp>
-          <p:nvSpPr>
-            <p:cNvPr id="116" name="Shape 116"/>
-            <p:cNvSpPr/>
-            <p:nvPr/>
-          </p:nvSpPr>
-          <p:spPr>
-            <a:xfrm>
-              <a:off x="2662850" y="1699400"/>
-              <a:ext cx="303250" cy="303250"/>
-            </a:xfrm>
-            <a:custGeom>
-              <a:avLst/>
-              <a:gdLst/>
-              <a:ahLst/>
-              <a:cxnLst/>
-              <a:rect l="0" t="0" r="0" b="0"/>
-              <a:pathLst>
-                <a:path w="12130" h="12130" fill="none" extrusionOk="0">
-                  <a:moveTo>
-                    <a:pt x="8038" y="1"/>
-                  </a:moveTo>
-                  <a:lnTo>
-                    <a:pt x="4872" y="3191"/>
-                  </a:lnTo>
-                  <a:lnTo>
-                    <a:pt x="4872" y="3191"/>
-                  </a:lnTo>
-                  <a:lnTo>
-                    <a:pt x="4628" y="3094"/>
-                  </a:lnTo>
-                  <a:lnTo>
-                    <a:pt x="4385" y="2997"/>
-                  </a:lnTo>
-                  <a:lnTo>
-                    <a:pt x="4092" y="2899"/>
-                  </a:lnTo>
-                  <a:lnTo>
-                    <a:pt x="3800" y="2850"/>
-                  </a:lnTo>
-                  <a:lnTo>
-                    <a:pt x="3484" y="2777"/>
-                  </a:lnTo>
-                  <a:lnTo>
-                    <a:pt x="3167" y="2729"/>
-                  </a:lnTo>
-                  <a:lnTo>
-                    <a:pt x="2850" y="2704"/>
-                  </a:lnTo>
-                  <a:lnTo>
-                    <a:pt x="2534" y="2704"/>
-                  </a:lnTo>
-                  <a:lnTo>
-                    <a:pt x="2534" y="2704"/>
-                  </a:lnTo>
-                  <a:lnTo>
-                    <a:pt x="2241" y="2704"/>
-                  </a:lnTo>
-                  <a:lnTo>
-                    <a:pt x="1949" y="2729"/>
-                  </a:lnTo>
-                  <a:lnTo>
-                    <a:pt x="1633" y="2777"/>
-                  </a:lnTo>
-                  <a:lnTo>
-                    <a:pt x="1316" y="2850"/>
-                  </a:lnTo>
-                  <a:lnTo>
-                    <a:pt x="999" y="2972"/>
-                  </a:lnTo>
-                  <a:lnTo>
-                    <a:pt x="707" y="3094"/>
-                  </a:lnTo>
-                  <a:lnTo>
-                    <a:pt x="415" y="3289"/>
-                  </a:lnTo>
-                  <a:lnTo>
-                    <a:pt x="147" y="3508"/>
-                  </a:lnTo>
-                  <a:lnTo>
-                    <a:pt x="147" y="3508"/>
-                  </a:lnTo>
-                  <a:lnTo>
-                    <a:pt x="74" y="3581"/>
-                  </a:lnTo>
-                  <a:lnTo>
-                    <a:pt x="25" y="3678"/>
-                  </a:lnTo>
-                  <a:lnTo>
-                    <a:pt x="1" y="3776"/>
-                  </a:lnTo>
-                  <a:lnTo>
-                    <a:pt x="1" y="3898"/>
-                  </a:lnTo>
-                  <a:lnTo>
-                    <a:pt x="1" y="3898"/>
-                  </a:lnTo>
-                  <a:lnTo>
-                    <a:pt x="1" y="3995"/>
-                  </a:lnTo>
-                  <a:lnTo>
-                    <a:pt x="25" y="4093"/>
-                  </a:lnTo>
-                  <a:lnTo>
-                    <a:pt x="74" y="4190"/>
-                  </a:lnTo>
-                  <a:lnTo>
-                    <a:pt x="147" y="4287"/>
-                  </a:lnTo>
-                  <a:lnTo>
-                    <a:pt x="7843" y="11984"/>
-                  </a:lnTo>
-                  <a:lnTo>
-                    <a:pt x="7843" y="11984"/>
-                  </a:lnTo>
-                  <a:lnTo>
-                    <a:pt x="7941" y="12057"/>
-                  </a:lnTo>
-                  <a:lnTo>
-                    <a:pt x="8038" y="12105"/>
-                  </a:lnTo>
-                  <a:lnTo>
-                    <a:pt x="8135" y="12130"/>
-                  </a:lnTo>
-                  <a:lnTo>
-                    <a:pt x="8233" y="12130"/>
-                  </a:lnTo>
-                  <a:lnTo>
-                    <a:pt x="8233" y="12130"/>
-                  </a:lnTo>
-                  <a:lnTo>
-                    <a:pt x="8355" y="12130"/>
-                  </a:lnTo>
-                  <a:lnTo>
-                    <a:pt x="8452" y="12105"/>
-                  </a:lnTo>
-                  <a:lnTo>
-                    <a:pt x="8549" y="12057"/>
-                  </a:lnTo>
-                  <a:lnTo>
-                    <a:pt x="8622" y="11984"/>
-                  </a:lnTo>
-                  <a:lnTo>
-                    <a:pt x="8622" y="11984"/>
-                  </a:lnTo>
-                  <a:lnTo>
-                    <a:pt x="8842" y="11716"/>
-                  </a:lnTo>
-                  <a:lnTo>
-                    <a:pt x="9036" y="11423"/>
-                  </a:lnTo>
-                  <a:lnTo>
-                    <a:pt x="9158" y="11131"/>
-                  </a:lnTo>
-                  <a:lnTo>
-                    <a:pt x="9280" y="10814"/>
-                  </a:lnTo>
-                  <a:lnTo>
-                    <a:pt x="9353" y="10498"/>
-                  </a:lnTo>
-                  <a:lnTo>
-                    <a:pt x="9402" y="10181"/>
-                  </a:lnTo>
-                  <a:lnTo>
-                    <a:pt x="9426" y="9889"/>
-                  </a:lnTo>
-                  <a:lnTo>
-                    <a:pt x="9426" y="9597"/>
-                  </a:lnTo>
-                  <a:lnTo>
-                    <a:pt x="9426" y="9597"/>
-                  </a:lnTo>
-                  <a:lnTo>
-                    <a:pt x="9426" y="9280"/>
-                  </a:lnTo>
-                  <a:lnTo>
-                    <a:pt x="9402" y="8964"/>
-                  </a:lnTo>
-                  <a:lnTo>
-                    <a:pt x="9353" y="8647"/>
-                  </a:lnTo>
-                  <a:lnTo>
-                    <a:pt x="9280" y="8330"/>
-                  </a:lnTo>
-                  <a:lnTo>
-                    <a:pt x="9231" y="8038"/>
-                  </a:lnTo>
-                  <a:lnTo>
-                    <a:pt x="9134" y="7746"/>
-                  </a:lnTo>
-                  <a:lnTo>
-                    <a:pt x="9036" y="7502"/>
-                  </a:lnTo>
-                  <a:lnTo>
-                    <a:pt x="8939" y="7259"/>
-                  </a:lnTo>
-                  <a:lnTo>
-                    <a:pt x="12130" y="4093"/>
-                  </a:lnTo>
-                </a:path>
-              </a:pathLst>
-            </a:custGeom>
-            <a:noFill/>
-            <a:ln w="9525" cap="rnd" cmpd="sng">
-              <a:solidFill>
-                <a:srgbClr val="000000"/>
-              </a:solidFill>
-              <a:prstDash val="solid"/>
-              <a:round/>
-              <a:headEnd type="none" w="med" len="med"/>
-              <a:tailEnd type="none" w="med" len="med"/>
-            </a:ln>
-          </p:spPr>
-          <p:txBody>
-            <a:bodyPr lIns="91425" tIns="91425" rIns="91425" bIns="91425" anchor="ctr" anchorCtr="0">
-              <a:noAutofit/>
-            </a:bodyPr>
-            <a:lstStyle/>
-            <a:p>
-              <a:pPr lvl="0">
-                <a:spcBef>
-                  <a:spcPts val="0"/>
-                </a:spcBef>
-                <a:buNone/>
-              </a:pPr>
-              <a:endParaRPr/>
-            </a:p>
-          </p:txBody>
-        </p:sp>
-        <p:sp>
-          <p:nvSpPr>
-            <p:cNvPr id="117" name="Shape 117"/>
-            <p:cNvSpPr/>
-            <p:nvPr/>
-          </p:nvSpPr>
-          <p:spPr>
-            <a:xfrm>
-              <a:off x="2814911" y="1754061"/>
-              <a:ext cx="49950" cy="49950"/>
-            </a:xfrm>
-            <a:custGeom>
-              <a:avLst/>
-              <a:gdLst/>
-              <a:ahLst/>
-              <a:cxnLst/>
-              <a:rect l="0" t="0" r="0" b="0"/>
-              <a:pathLst>
-                <a:path w="1998" h="1998" fill="none" extrusionOk="0">
-                  <a:moveTo>
-                    <a:pt x="1" y="1997"/>
-                  </a:moveTo>
-                  <a:lnTo>
-                    <a:pt x="1998" y="0"/>
-                  </a:lnTo>
-                </a:path>
-              </a:pathLst>
-            </a:custGeom>
-            <a:noFill/>
-            <a:ln w="9525" cap="rnd" cmpd="sng">
-              <a:solidFill>
-                <a:srgbClr val="000000"/>
-              </a:solidFill>
-              <a:prstDash val="solid"/>
-              <a:round/>
-              <a:headEnd type="none" w="med" len="med"/>
-              <a:tailEnd type="none" w="med" len="med"/>
-            </a:ln>
-          </p:spPr>
-          <p:txBody>
-            <a:bodyPr lIns="91425" tIns="91425" rIns="91425" bIns="91425" anchor="ctr" anchorCtr="0">
-              <a:noAutofit/>
-            </a:bodyPr>
-            <a:lstStyle/>
-            <a:p>
-              <a:pPr lvl="0">
-                <a:spcBef>
-                  <a:spcPts val="0"/>
-                </a:spcBef>
-                <a:buNone/>
-              </a:pPr>
-              <a:endParaRPr/>
-            </a:p>
-          </p:txBody>
-        </p:sp>
-      </p:grpSp>
-      <p:pic>
-        <p:nvPicPr>
-          <p:cNvPr id="2051" name="Picture 3"/>
-          <p:cNvPicPr>
-            <a:picLocks noChangeAspect="1" noChangeArrowheads="1"/>
-          </p:cNvPicPr>
-          <p:nvPr/>
-        </p:nvPicPr>
-        <p:blipFill>
-          <a:blip r:embed="rId3">
-            <a:extLst>
-              <a:ext uri="{28A0092B-C50C-407E-A947-70E740481C1C}">
-                <a14:useLocalDpi xmlns:a14="http://schemas.microsoft.com/office/drawing/2010/main" xmlns="" val="0"/>
-              </a:ext>
-            </a:extLst>
-          </a:blip>
-          <a:srcRect/>
-          <a:stretch>
-            <a:fillRect/>
-          </a:stretch>
-        </p:blipFill>
-        <p:spPr bwMode="auto">
-          <a:xfrm>
-            <a:off x="1475656" y="1563638"/>
-            <a:ext cx="4581525" cy="3228975"/>
-          </a:xfrm>
-          <a:prstGeom prst="rect">
-            <a:avLst/>
-          </a:prstGeom>
-          <a:noFill/>
-          <a:ln>
-            <a:noFill/>
-          </a:ln>
-          <a:effectLst/>
-          <a:extLst>
-            <a:ext uri="{909E8E84-426E-40DD-AFC4-6F175D3DCCD1}">
-              <a14:hiddenFill xmlns:a14="http://schemas.microsoft.com/office/drawing/2010/main" xmlns="">
-                <a:solidFill>
-                  <a:schemeClr val="accent1"/>
-                </a:solidFill>
-              </a14:hiddenFill>
-            </a:ext>
-            <a:ext uri="{91240B29-F687-4F45-9708-019B960494DF}">
-              <a14:hiddenLine xmlns:a14="http://schemas.microsoft.com/office/drawing/2010/main" xmlns="" w="9525">
-                <a:solidFill>
-                  <a:schemeClr val="tx1"/>
-                </a:solidFill>
-                <a:miter lim="800000"/>
-                <a:headEnd/>
-                <a:tailEnd/>
-              </a14:hiddenLine>
-            </a:ext>
-            <a:ext uri="{AF507438-7753-43E0-B8FC-AC1667EBCBE1}">
-              <a14:hiddenEffects xmlns:a14="http://schemas.microsoft.com/office/drawing/2010/main" xmlns="">
-                <a:effectLst>
-                  <a:outerShdw dist="35921" dir="2700000" algn="ctr" rotWithShape="0">
-                    <a:schemeClr val="bg2"/>
-                  </a:outerShdw>
-                </a:effectLst>
-              </a14:hiddenEffects>
-            </a:ext>
-          </a:extLst>
-        </p:spPr>
-      </p:pic>
-    </p:spTree>
-    <p:extLst>
-      <p:ext uri="{BB962C8B-B14F-4D97-AF65-F5344CB8AC3E}">
-        <p14:creationId xmlns:p14="http://schemas.microsoft.com/office/powerpoint/2010/main" xmlns="" val="258226946"/>
-      </p:ext>
-    </p:extLst>
-  </p:cSld>
-  <p:clrMapOvr>
-    <a:masterClrMapping/>
-  </p:clrMapOvr>
-  <mc:AlternateContent xmlns:mc="http://schemas.openxmlformats.org/markup-compatibility/2006">
-    <mc:Choice xmlns:p14="http://schemas.microsoft.com/office/powerpoint/2010/main" xmlns="" Requires="p14">
-      <p:transition p14:dur="0"/>
-    </mc:Choice>
-    <mc:Fallback>
-      <p:transition/>
-    </mc:Fallback>
-  </mc:AlternateContent>
-  <p:timing>
-    <p:tnLst>
-      <p:par>
-        <p:cTn id="1" dur="indefinite" restart="never" nodeType="tmRoot"/>
-      </p:par>
-    </p:tnLst>
-  </p:timing>
-</p:sld>
-</file>
-
-<file path=ppt/slides/slide41.xml><?xml version="1.0" encoding="utf-8"?>
 <p:sld xmlns:a="http://schemas.openxmlformats.org/drawingml/2006/main" xmlns:r="http://schemas.openxmlformats.org/officeDocument/2006/relationships" xmlns:p="http://schemas.openxmlformats.org/presentationml/2006/main">
   <p:cSld>
     <p:spTree>
@@ -31984,784 +31323,6 @@
       </p:grpSp>
       <p:pic>
         <p:nvPicPr>
-          <p:cNvPr id="3074" name="Picture 2"/>
-          <p:cNvPicPr>
-            <a:picLocks noChangeAspect="1" noChangeArrowheads="1"/>
-          </p:cNvPicPr>
-          <p:nvPr/>
-        </p:nvPicPr>
-        <p:blipFill>
-          <a:blip r:embed="rId3">
-            <a:extLst>
-              <a:ext uri="{28A0092B-C50C-407E-A947-70E740481C1C}">
-                <a14:useLocalDpi xmlns:a14="http://schemas.microsoft.com/office/drawing/2010/main" xmlns="" val="0"/>
-              </a:ext>
-            </a:extLst>
-          </a:blip>
-          <a:srcRect/>
-          <a:stretch>
-            <a:fillRect/>
-          </a:stretch>
-        </p:blipFill>
-        <p:spPr bwMode="auto">
-          <a:xfrm>
-            <a:off x="1403648" y="3435846"/>
-            <a:ext cx="4352925" cy="628650"/>
-          </a:xfrm>
-          <a:prstGeom prst="rect">
-            <a:avLst/>
-          </a:prstGeom>
-          <a:noFill/>
-          <a:ln>
-            <a:noFill/>
-          </a:ln>
-          <a:effectLst/>
-          <a:extLst>
-            <a:ext uri="{909E8E84-426E-40DD-AFC4-6F175D3DCCD1}">
-              <a14:hiddenFill xmlns:a14="http://schemas.microsoft.com/office/drawing/2010/main" xmlns="">
-                <a:solidFill>
-                  <a:schemeClr val="accent1"/>
-                </a:solidFill>
-              </a14:hiddenFill>
-            </a:ext>
-            <a:ext uri="{91240B29-F687-4F45-9708-019B960494DF}">
-              <a14:hiddenLine xmlns:a14="http://schemas.microsoft.com/office/drawing/2010/main" xmlns="" w="9525">
-                <a:solidFill>
-                  <a:schemeClr val="tx1"/>
-                </a:solidFill>
-                <a:miter lim="800000"/>
-                <a:headEnd/>
-                <a:tailEnd/>
-              </a14:hiddenLine>
-            </a:ext>
-            <a:ext uri="{AF507438-7753-43E0-B8FC-AC1667EBCBE1}">
-              <a14:hiddenEffects xmlns:a14="http://schemas.microsoft.com/office/drawing/2010/main" xmlns="">
-                <a:effectLst>
-                  <a:outerShdw dist="35921" dir="2700000" algn="ctr" rotWithShape="0">
-                    <a:schemeClr val="bg2"/>
-                  </a:outerShdw>
-                </a:effectLst>
-              </a14:hiddenEffects>
-            </a:ext>
-          </a:extLst>
-        </p:spPr>
-      </p:pic>
-      <p:pic>
-        <p:nvPicPr>
-          <p:cNvPr id="3078" name="Picture 6"/>
-          <p:cNvPicPr>
-            <a:picLocks noChangeAspect="1" noChangeArrowheads="1"/>
-          </p:cNvPicPr>
-          <p:nvPr/>
-        </p:nvPicPr>
-        <p:blipFill>
-          <a:blip r:embed="rId4">
-            <a:extLst>
-              <a:ext uri="{28A0092B-C50C-407E-A947-70E740481C1C}">
-                <a14:useLocalDpi xmlns:a14="http://schemas.microsoft.com/office/drawing/2010/main" xmlns="" val="0"/>
-              </a:ext>
-            </a:extLst>
-          </a:blip>
-          <a:srcRect/>
-          <a:stretch>
-            <a:fillRect/>
-          </a:stretch>
-        </p:blipFill>
-        <p:spPr bwMode="auto">
-          <a:xfrm>
-            <a:off x="1377563" y="1635646"/>
-            <a:ext cx="2705100" cy="1524000"/>
-          </a:xfrm>
-          <a:prstGeom prst="rect">
-            <a:avLst/>
-          </a:prstGeom>
-          <a:noFill/>
-          <a:ln>
-            <a:noFill/>
-          </a:ln>
-          <a:effectLst/>
-          <a:extLst>
-            <a:ext uri="{909E8E84-426E-40DD-AFC4-6F175D3DCCD1}">
-              <a14:hiddenFill xmlns:a14="http://schemas.microsoft.com/office/drawing/2010/main" xmlns="">
-                <a:solidFill>
-                  <a:schemeClr val="accent1"/>
-                </a:solidFill>
-              </a14:hiddenFill>
-            </a:ext>
-            <a:ext uri="{91240B29-F687-4F45-9708-019B960494DF}">
-              <a14:hiddenLine xmlns:a14="http://schemas.microsoft.com/office/drawing/2010/main" xmlns="" w="9525">
-                <a:solidFill>
-                  <a:schemeClr val="tx1"/>
-                </a:solidFill>
-                <a:miter lim="800000"/>
-                <a:headEnd/>
-                <a:tailEnd/>
-              </a14:hiddenLine>
-            </a:ext>
-            <a:ext uri="{AF507438-7753-43E0-B8FC-AC1667EBCBE1}">
-              <a14:hiddenEffects xmlns:a14="http://schemas.microsoft.com/office/drawing/2010/main" xmlns="">
-                <a:effectLst>
-                  <a:outerShdw dist="35921" dir="2700000" algn="ctr" rotWithShape="0">
-                    <a:schemeClr val="bg2"/>
-                  </a:outerShdw>
-                </a:effectLst>
-              </a14:hiddenEffects>
-            </a:ext>
-          </a:extLst>
-        </p:spPr>
-      </p:pic>
-    </p:spTree>
-    <p:extLst>
-      <p:ext uri="{BB962C8B-B14F-4D97-AF65-F5344CB8AC3E}">
-        <p14:creationId xmlns:p14="http://schemas.microsoft.com/office/powerpoint/2010/main" xmlns="" val="395957201"/>
-      </p:ext>
-    </p:extLst>
-  </p:cSld>
-  <p:clrMapOvr>
-    <a:masterClrMapping/>
-  </p:clrMapOvr>
-  <mc:AlternateContent xmlns:mc="http://schemas.openxmlformats.org/markup-compatibility/2006">
-    <mc:Choice xmlns:p14="http://schemas.microsoft.com/office/powerpoint/2010/main" xmlns="" Requires="p14">
-      <p:transition p14:dur="0"/>
-    </mc:Choice>
-    <mc:Fallback>
-      <p:transition/>
-    </mc:Fallback>
-  </mc:AlternateContent>
-  <p:timing>
-    <p:tnLst>
-      <p:par>
-        <p:cTn id="1" dur="indefinite" restart="never" nodeType="tmRoot"/>
-      </p:par>
-    </p:tnLst>
-  </p:timing>
-</p:sld>
-</file>
-
-<file path=ppt/slides/slide42.xml><?xml version="1.0" encoding="utf-8"?>
-<p:sld xmlns:a="http://schemas.openxmlformats.org/drawingml/2006/main" xmlns:r="http://schemas.openxmlformats.org/officeDocument/2006/relationships" xmlns:p="http://schemas.openxmlformats.org/presentationml/2006/main">
-  <p:cSld>
-    <p:spTree>
-      <p:nvGrpSpPr>
-        <p:cNvPr id="1" name="Shape 110"/>
-        <p:cNvGrpSpPr/>
-        <p:nvPr/>
-      </p:nvGrpSpPr>
-      <p:grpSpPr>
-        <a:xfrm>
-          <a:off x="0" y="0"/>
-          <a:ext cx="0" cy="0"/>
-          <a:chOff x="0" y="0"/>
-          <a:chExt cx="0" cy="0"/>
-        </a:xfrm>
-      </p:grpSpPr>
-      <p:sp>
-        <p:nvSpPr>
-          <p:cNvPr id="111" name="Shape 111"/>
-          <p:cNvSpPr txBox="1">
-            <a:spLocks noGrp="1"/>
-          </p:cNvSpPr>
-          <p:nvPr>
-            <p:ph type="title"/>
-          </p:nvPr>
-        </p:nvSpPr>
-        <p:spPr>
-          <a:xfrm>
-            <a:off x="1381250" y="922668"/>
-            <a:ext cx="3878399" cy="435599"/>
-          </a:xfrm>
-          <a:prstGeom prst="rect">
-            <a:avLst/>
-          </a:prstGeom>
-        </p:spPr>
-        <p:txBody>
-          <a:bodyPr lIns="91425" tIns="91425" rIns="91425" bIns="91425" anchor="ctr" anchorCtr="0">
-            <a:noAutofit/>
-          </a:bodyPr>
-          <a:lstStyle/>
-          <a:p>
-            <a:pPr lvl="0">
-              <a:spcBef>
-                <a:spcPts val="0"/>
-              </a:spcBef>
-              <a:buNone/>
-            </a:pPr>
-            <a:r>
-              <a:rPr lang="en" dirty="0" smtClean="0">
-                <a:highlight>
-                  <a:srgbClr val="FFCD00"/>
-                </a:highlight>
-              </a:rPr>
-              <a:t>Joker</a:t>
-            </a:r>
-            <a:endParaRPr lang="en" dirty="0">
-              <a:highlight>
-                <a:srgbClr val="FFCD00"/>
-              </a:highlight>
-            </a:endParaRPr>
-          </a:p>
-        </p:txBody>
-      </p:sp>
-      <p:grpSp>
-        <p:nvGrpSpPr>
-          <p:cNvPr id="113" name="Shape 113"/>
-          <p:cNvGrpSpPr/>
-          <p:nvPr/>
-        </p:nvGrpSpPr>
-        <p:grpSpPr>
-          <a:xfrm>
-            <a:off x="916458" y="1019750"/>
-            <a:ext cx="214624" cy="214624"/>
-            <a:chOff x="2594050" y="1631825"/>
-            <a:chExt cx="439625" cy="439625"/>
-          </a:xfrm>
-        </p:grpSpPr>
-        <p:sp>
-          <p:nvSpPr>
-            <p:cNvPr id="114" name="Shape 114"/>
-            <p:cNvSpPr/>
-            <p:nvPr/>
-          </p:nvSpPr>
-          <p:spPr>
-            <a:xfrm>
-              <a:off x="2594050" y="1883300"/>
-              <a:ext cx="188175" cy="188150"/>
-            </a:xfrm>
-            <a:custGeom>
-              <a:avLst/>
-              <a:gdLst/>
-              <a:ahLst/>
-              <a:cxnLst/>
-              <a:rect l="0" t="0" r="0" b="0"/>
-              <a:pathLst>
-                <a:path w="7527" h="7526" fill="none" extrusionOk="0">
-                  <a:moveTo>
-                    <a:pt x="5992" y="0"/>
-                  </a:moveTo>
-                  <a:lnTo>
-                    <a:pt x="537" y="6430"/>
-                  </a:lnTo>
-                  <a:lnTo>
-                    <a:pt x="1" y="7526"/>
-                  </a:lnTo>
-                  <a:lnTo>
-                    <a:pt x="1097" y="6990"/>
-                  </a:lnTo>
-                  <a:lnTo>
-                    <a:pt x="7526" y="1534"/>
-                  </a:lnTo>
-                  <a:lnTo>
-                    <a:pt x="5992" y="0"/>
-                  </a:lnTo>
-                  <a:close/>
-                </a:path>
-              </a:pathLst>
-            </a:custGeom>
-            <a:noFill/>
-            <a:ln w="9525" cap="rnd" cmpd="sng">
-              <a:solidFill>
-                <a:srgbClr val="000000"/>
-              </a:solidFill>
-              <a:prstDash val="solid"/>
-              <a:round/>
-              <a:headEnd type="none" w="med" len="med"/>
-              <a:tailEnd type="none" w="med" len="med"/>
-            </a:ln>
-          </p:spPr>
-          <p:txBody>
-            <a:bodyPr lIns="91425" tIns="91425" rIns="91425" bIns="91425" anchor="ctr" anchorCtr="0">
-              <a:noAutofit/>
-            </a:bodyPr>
-            <a:lstStyle/>
-            <a:p>
-              <a:pPr lvl="0">
-                <a:spcBef>
-                  <a:spcPts val="0"/>
-                </a:spcBef>
-                <a:buNone/>
-              </a:pPr>
-              <a:endParaRPr/>
-            </a:p>
-          </p:txBody>
-        </p:sp>
-        <p:sp>
-          <p:nvSpPr>
-            <p:cNvPr id="115" name="Shape 115"/>
-            <p:cNvSpPr/>
-            <p:nvPr/>
-          </p:nvSpPr>
-          <p:spPr>
-            <a:xfrm>
-              <a:off x="2857700" y="1631825"/>
-              <a:ext cx="175975" cy="176000"/>
-            </a:xfrm>
-            <a:custGeom>
-              <a:avLst/>
-              <a:gdLst/>
-              <a:ahLst/>
-              <a:cxnLst/>
-              <a:rect l="0" t="0" r="0" b="0"/>
-              <a:pathLst>
-                <a:path w="7039" h="7040" fill="none" extrusionOk="0">
-                  <a:moveTo>
-                    <a:pt x="268" y="2704"/>
-                  </a:moveTo>
-                  <a:lnTo>
-                    <a:pt x="4336" y="6771"/>
-                  </a:lnTo>
-                  <a:lnTo>
-                    <a:pt x="4336" y="6771"/>
-                  </a:lnTo>
-                  <a:lnTo>
-                    <a:pt x="4336" y="6771"/>
-                  </a:lnTo>
-                  <a:lnTo>
-                    <a:pt x="4652" y="6917"/>
-                  </a:lnTo>
-                  <a:lnTo>
-                    <a:pt x="4993" y="7015"/>
-                  </a:lnTo>
-                  <a:lnTo>
-                    <a:pt x="5310" y="7039"/>
-                  </a:lnTo>
-                  <a:lnTo>
-                    <a:pt x="5651" y="7039"/>
-                  </a:lnTo>
-                  <a:lnTo>
-                    <a:pt x="5992" y="6966"/>
-                  </a:lnTo>
-                  <a:lnTo>
-                    <a:pt x="6308" y="6844"/>
-                  </a:lnTo>
-                  <a:lnTo>
-                    <a:pt x="6454" y="6747"/>
-                  </a:lnTo>
-                  <a:lnTo>
-                    <a:pt x="6601" y="6674"/>
-                  </a:lnTo>
-                  <a:lnTo>
-                    <a:pt x="6747" y="6552"/>
-                  </a:lnTo>
-                  <a:lnTo>
-                    <a:pt x="6893" y="6430"/>
-                  </a:lnTo>
-                  <a:lnTo>
-                    <a:pt x="6893" y="6430"/>
-                  </a:lnTo>
-                  <a:lnTo>
-                    <a:pt x="6942" y="6357"/>
-                  </a:lnTo>
-                  <a:lnTo>
-                    <a:pt x="7015" y="6260"/>
-                  </a:lnTo>
-                  <a:lnTo>
-                    <a:pt x="7039" y="6138"/>
-                  </a:lnTo>
-                  <a:lnTo>
-                    <a:pt x="7039" y="6041"/>
-                  </a:lnTo>
-                  <a:lnTo>
-                    <a:pt x="7039" y="6041"/>
-                  </a:lnTo>
-                  <a:lnTo>
-                    <a:pt x="7039" y="5943"/>
-                  </a:lnTo>
-                  <a:lnTo>
-                    <a:pt x="7015" y="5846"/>
-                  </a:lnTo>
-                  <a:lnTo>
-                    <a:pt x="6942" y="5748"/>
-                  </a:lnTo>
-                  <a:lnTo>
-                    <a:pt x="6893" y="5651"/>
-                  </a:lnTo>
-                  <a:lnTo>
-                    <a:pt x="1389" y="147"/>
-                  </a:lnTo>
-                  <a:lnTo>
-                    <a:pt x="1389" y="147"/>
-                  </a:lnTo>
-                  <a:lnTo>
-                    <a:pt x="1291" y="98"/>
-                  </a:lnTo>
-                  <a:lnTo>
-                    <a:pt x="1194" y="25"/>
-                  </a:lnTo>
-                  <a:lnTo>
-                    <a:pt x="1096" y="0"/>
-                  </a:lnTo>
-                  <a:lnTo>
-                    <a:pt x="999" y="0"/>
-                  </a:lnTo>
-                  <a:lnTo>
-                    <a:pt x="999" y="0"/>
-                  </a:lnTo>
-                  <a:lnTo>
-                    <a:pt x="902" y="0"/>
-                  </a:lnTo>
-                  <a:lnTo>
-                    <a:pt x="780" y="25"/>
-                  </a:lnTo>
-                  <a:lnTo>
-                    <a:pt x="682" y="98"/>
-                  </a:lnTo>
-                  <a:lnTo>
-                    <a:pt x="609" y="147"/>
-                  </a:lnTo>
-                  <a:lnTo>
-                    <a:pt x="609" y="147"/>
-                  </a:lnTo>
-                  <a:lnTo>
-                    <a:pt x="487" y="293"/>
-                  </a:lnTo>
-                  <a:lnTo>
-                    <a:pt x="366" y="439"/>
-                  </a:lnTo>
-                  <a:lnTo>
-                    <a:pt x="293" y="585"/>
-                  </a:lnTo>
-                  <a:lnTo>
-                    <a:pt x="195" y="731"/>
-                  </a:lnTo>
-                  <a:lnTo>
-                    <a:pt x="73" y="1048"/>
-                  </a:lnTo>
-                  <a:lnTo>
-                    <a:pt x="0" y="1389"/>
-                  </a:lnTo>
-                  <a:lnTo>
-                    <a:pt x="0" y="1730"/>
-                  </a:lnTo>
-                  <a:lnTo>
-                    <a:pt x="25" y="2046"/>
-                  </a:lnTo>
-                  <a:lnTo>
-                    <a:pt x="122" y="2387"/>
-                  </a:lnTo>
-                  <a:lnTo>
-                    <a:pt x="268" y="2704"/>
-                  </a:lnTo>
-                  <a:lnTo>
-                    <a:pt x="268" y="2704"/>
-                  </a:lnTo>
-                  <a:close/>
-                </a:path>
-              </a:pathLst>
-            </a:custGeom>
-            <a:noFill/>
-            <a:ln w="9525" cap="rnd" cmpd="sng">
-              <a:solidFill>
-                <a:srgbClr val="000000"/>
-              </a:solidFill>
-              <a:prstDash val="solid"/>
-              <a:round/>
-              <a:headEnd type="none" w="med" len="med"/>
-              <a:tailEnd type="none" w="med" len="med"/>
-            </a:ln>
-          </p:spPr>
-          <p:txBody>
-            <a:bodyPr lIns="91425" tIns="91425" rIns="91425" bIns="91425" anchor="ctr" anchorCtr="0">
-              <a:noAutofit/>
-            </a:bodyPr>
-            <a:lstStyle/>
-            <a:p>
-              <a:pPr lvl="0">
-                <a:spcBef>
-                  <a:spcPts val="0"/>
-                </a:spcBef>
-                <a:buNone/>
-              </a:pPr>
-              <a:endParaRPr/>
-            </a:p>
-          </p:txBody>
-        </p:sp>
-        <p:sp>
-          <p:nvSpPr>
-            <p:cNvPr id="116" name="Shape 116"/>
-            <p:cNvSpPr/>
-            <p:nvPr/>
-          </p:nvSpPr>
-          <p:spPr>
-            <a:xfrm>
-              <a:off x="2662850" y="1699400"/>
-              <a:ext cx="303250" cy="303250"/>
-            </a:xfrm>
-            <a:custGeom>
-              <a:avLst/>
-              <a:gdLst/>
-              <a:ahLst/>
-              <a:cxnLst/>
-              <a:rect l="0" t="0" r="0" b="0"/>
-              <a:pathLst>
-                <a:path w="12130" h="12130" fill="none" extrusionOk="0">
-                  <a:moveTo>
-                    <a:pt x="8038" y="1"/>
-                  </a:moveTo>
-                  <a:lnTo>
-                    <a:pt x="4872" y="3191"/>
-                  </a:lnTo>
-                  <a:lnTo>
-                    <a:pt x="4872" y="3191"/>
-                  </a:lnTo>
-                  <a:lnTo>
-                    <a:pt x="4628" y="3094"/>
-                  </a:lnTo>
-                  <a:lnTo>
-                    <a:pt x="4385" y="2997"/>
-                  </a:lnTo>
-                  <a:lnTo>
-                    <a:pt x="4092" y="2899"/>
-                  </a:lnTo>
-                  <a:lnTo>
-                    <a:pt x="3800" y="2850"/>
-                  </a:lnTo>
-                  <a:lnTo>
-                    <a:pt x="3484" y="2777"/>
-                  </a:lnTo>
-                  <a:lnTo>
-                    <a:pt x="3167" y="2729"/>
-                  </a:lnTo>
-                  <a:lnTo>
-                    <a:pt x="2850" y="2704"/>
-                  </a:lnTo>
-                  <a:lnTo>
-                    <a:pt x="2534" y="2704"/>
-                  </a:lnTo>
-                  <a:lnTo>
-                    <a:pt x="2534" y="2704"/>
-                  </a:lnTo>
-                  <a:lnTo>
-                    <a:pt x="2241" y="2704"/>
-                  </a:lnTo>
-                  <a:lnTo>
-                    <a:pt x="1949" y="2729"/>
-                  </a:lnTo>
-                  <a:lnTo>
-                    <a:pt x="1633" y="2777"/>
-                  </a:lnTo>
-                  <a:lnTo>
-                    <a:pt x="1316" y="2850"/>
-                  </a:lnTo>
-                  <a:lnTo>
-                    <a:pt x="999" y="2972"/>
-                  </a:lnTo>
-                  <a:lnTo>
-                    <a:pt x="707" y="3094"/>
-                  </a:lnTo>
-                  <a:lnTo>
-                    <a:pt x="415" y="3289"/>
-                  </a:lnTo>
-                  <a:lnTo>
-                    <a:pt x="147" y="3508"/>
-                  </a:lnTo>
-                  <a:lnTo>
-                    <a:pt x="147" y="3508"/>
-                  </a:lnTo>
-                  <a:lnTo>
-                    <a:pt x="74" y="3581"/>
-                  </a:lnTo>
-                  <a:lnTo>
-                    <a:pt x="25" y="3678"/>
-                  </a:lnTo>
-                  <a:lnTo>
-                    <a:pt x="1" y="3776"/>
-                  </a:lnTo>
-                  <a:lnTo>
-                    <a:pt x="1" y="3898"/>
-                  </a:lnTo>
-                  <a:lnTo>
-                    <a:pt x="1" y="3898"/>
-                  </a:lnTo>
-                  <a:lnTo>
-                    <a:pt x="1" y="3995"/>
-                  </a:lnTo>
-                  <a:lnTo>
-                    <a:pt x="25" y="4093"/>
-                  </a:lnTo>
-                  <a:lnTo>
-                    <a:pt x="74" y="4190"/>
-                  </a:lnTo>
-                  <a:lnTo>
-                    <a:pt x="147" y="4287"/>
-                  </a:lnTo>
-                  <a:lnTo>
-                    <a:pt x="7843" y="11984"/>
-                  </a:lnTo>
-                  <a:lnTo>
-                    <a:pt x="7843" y="11984"/>
-                  </a:lnTo>
-                  <a:lnTo>
-                    <a:pt x="7941" y="12057"/>
-                  </a:lnTo>
-                  <a:lnTo>
-                    <a:pt x="8038" y="12105"/>
-                  </a:lnTo>
-                  <a:lnTo>
-                    <a:pt x="8135" y="12130"/>
-                  </a:lnTo>
-                  <a:lnTo>
-                    <a:pt x="8233" y="12130"/>
-                  </a:lnTo>
-                  <a:lnTo>
-                    <a:pt x="8233" y="12130"/>
-                  </a:lnTo>
-                  <a:lnTo>
-                    <a:pt x="8355" y="12130"/>
-                  </a:lnTo>
-                  <a:lnTo>
-                    <a:pt x="8452" y="12105"/>
-                  </a:lnTo>
-                  <a:lnTo>
-                    <a:pt x="8549" y="12057"/>
-                  </a:lnTo>
-                  <a:lnTo>
-                    <a:pt x="8622" y="11984"/>
-                  </a:lnTo>
-                  <a:lnTo>
-                    <a:pt x="8622" y="11984"/>
-                  </a:lnTo>
-                  <a:lnTo>
-                    <a:pt x="8842" y="11716"/>
-                  </a:lnTo>
-                  <a:lnTo>
-                    <a:pt x="9036" y="11423"/>
-                  </a:lnTo>
-                  <a:lnTo>
-                    <a:pt x="9158" y="11131"/>
-                  </a:lnTo>
-                  <a:lnTo>
-                    <a:pt x="9280" y="10814"/>
-                  </a:lnTo>
-                  <a:lnTo>
-                    <a:pt x="9353" y="10498"/>
-                  </a:lnTo>
-                  <a:lnTo>
-                    <a:pt x="9402" y="10181"/>
-                  </a:lnTo>
-                  <a:lnTo>
-                    <a:pt x="9426" y="9889"/>
-                  </a:lnTo>
-                  <a:lnTo>
-                    <a:pt x="9426" y="9597"/>
-                  </a:lnTo>
-                  <a:lnTo>
-                    <a:pt x="9426" y="9597"/>
-                  </a:lnTo>
-                  <a:lnTo>
-                    <a:pt x="9426" y="9280"/>
-                  </a:lnTo>
-                  <a:lnTo>
-                    <a:pt x="9402" y="8964"/>
-                  </a:lnTo>
-                  <a:lnTo>
-                    <a:pt x="9353" y="8647"/>
-                  </a:lnTo>
-                  <a:lnTo>
-                    <a:pt x="9280" y="8330"/>
-                  </a:lnTo>
-                  <a:lnTo>
-                    <a:pt x="9231" y="8038"/>
-                  </a:lnTo>
-                  <a:lnTo>
-                    <a:pt x="9134" y="7746"/>
-                  </a:lnTo>
-                  <a:lnTo>
-                    <a:pt x="9036" y="7502"/>
-                  </a:lnTo>
-                  <a:lnTo>
-                    <a:pt x="8939" y="7259"/>
-                  </a:lnTo>
-                  <a:lnTo>
-                    <a:pt x="12130" y="4093"/>
-                  </a:lnTo>
-                </a:path>
-              </a:pathLst>
-            </a:custGeom>
-            <a:noFill/>
-            <a:ln w="9525" cap="rnd" cmpd="sng">
-              <a:solidFill>
-                <a:srgbClr val="000000"/>
-              </a:solidFill>
-              <a:prstDash val="solid"/>
-              <a:round/>
-              <a:headEnd type="none" w="med" len="med"/>
-              <a:tailEnd type="none" w="med" len="med"/>
-            </a:ln>
-          </p:spPr>
-          <p:txBody>
-            <a:bodyPr lIns="91425" tIns="91425" rIns="91425" bIns="91425" anchor="ctr" anchorCtr="0">
-              <a:noAutofit/>
-            </a:bodyPr>
-            <a:lstStyle/>
-            <a:p>
-              <a:pPr lvl="0">
-                <a:spcBef>
-                  <a:spcPts val="0"/>
-                </a:spcBef>
-                <a:buNone/>
-              </a:pPr>
-              <a:endParaRPr/>
-            </a:p>
-          </p:txBody>
-        </p:sp>
-        <p:sp>
-          <p:nvSpPr>
-            <p:cNvPr id="117" name="Shape 117"/>
-            <p:cNvSpPr/>
-            <p:nvPr/>
-          </p:nvSpPr>
-          <p:spPr>
-            <a:xfrm>
-              <a:off x="2814911" y="1754061"/>
-              <a:ext cx="49950" cy="49950"/>
-            </a:xfrm>
-            <a:custGeom>
-              <a:avLst/>
-              <a:gdLst/>
-              <a:ahLst/>
-              <a:cxnLst/>
-              <a:rect l="0" t="0" r="0" b="0"/>
-              <a:pathLst>
-                <a:path w="1998" h="1998" fill="none" extrusionOk="0">
-                  <a:moveTo>
-                    <a:pt x="1" y="1997"/>
-                  </a:moveTo>
-                  <a:lnTo>
-                    <a:pt x="1998" y="0"/>
-                  </a:lnTo>
-                </a:path>
-              </a:pathLst>
-            </a:custGeom>
-            <a:noFill/>
-            <a:ln w="9525" cap="rnd" cmpd="sng">
-              <a:solidFill>
-                <a:srgbClr val="000000"/>
-              </a:solidFill>
-              <a:prstDash val="solid"/>
-              <a:round/>
-              <a:headEnd type="none" w="med" len="med"/>
-              <a:tailEnd type="none" w="med" len="med"/>
-            </a:ln>
-          </p:spPr>
-          <p:txBody>
-            <a:bodyPr lIns="91425" tIns="91425" rIns="91425" bIns="91425" anchor="ctr" anchorCtr="0">
-              <a:noAutofit/>
-            </a:bodyPr>
-            <a:lstStyle/>
-            <a:p>
-              <a:pPr lvl="0">
-                <a:spcBef>
-                  <a:spcPts val="0"/>
-                </a:spcBef>
-                <a:buNone/>
-              </a:pPr>
-              <a:endParaRPr/>
-            </a:p>
-          </p:txBody>
-        </p:sp>
-      </p:grpSp>
-      <p:pic>
-        <p:nvPicPr>
           <p:cNvPr id="3076" name="Picture 4"/>
           <p:cNvPicPr>
             <a:picLocks noChangeAspect="1" noChangeArrowheads="1"/>
@@ -32772,7 +31333,7 @@
           <a:blip r:embed="rId3">
             <a:extLst>
               <a:ext uri="{28A0092B-C50C-407E-A947-70E740481C1C}">
-                <a14:useLocalDpi xmlns:a14="http://schemas.microsoft.com/office/drawing/2010/main" xmlns="" val="0"/>
+                <a14:useLocalDpi xmlns:a14="http://schemas.microsoft.com/office/drawing/2010/main" val="0"/>
               </a:ext>
             </a:extLst>
           </a:blip>
@@ -32796,14 +31357,14 @@
           <a:effectLst/>
           <a:extLst>
             <a:ext uri="{909E8E84-426E-40DD-AFC4-6F175D3DCCD1}">
-              <a14:hiddenFill xmlns:a14="http://schemas.microsoft.com/office/drawing/2010/main" xmlns="">
+              <a14:hiddenFill xmlns:a14="http://schemas.microsoft.com/office/drawing/2010/main">
                 <a:solidFill>
                   <a:schemeClr val="accent1"/>
                 </a:solidFill>
               </a14:hiddenFill>
             </a:ext>
             <a:ext uri="{91240B29-F687-4F45-9708-019B960494DF}">
-              <a14:hiddenLine xmlns:a14="http://schemas.microsoft.com/office/drawing/2010/main" xmlns="" w="9525">
+              <a14:hiddenLine xmlns:a14="http://schemas.microsoft.com/office/drawing/2010/main" w="9525">
                 <a:solidFill>
                   <a:schemeClr val="tx1"/>
                 </a:solidFill>
@@ -32813,7 +31374,7 @@
               </a14:hiddenLine>
             </a:ext>
             <a:ext uri="{AF507438-7753-43E0-B8FC-AC1667EBCBE1}">
-              <a14:hiddenEffects xmlns:a14="http://schemas.microsoft.com/office/drawing/2010/main" xmlns="">
+              <a14:hiddenEffects xmlns:a14="http://schemas.microsoft.com/office/drawing/2010/main">
                 <a:effectLst>
                   <a:outerShdw dist="35921" dir="2700000" algn="ctr" rotWithShape="0">
                     <a:schemeClr val="bg2"/>
@@ -32827,7 +31388,7 @@
     </p:spTree>
     <p:extLst>
       <p:ext uri="{BB962C8B-B14F-4D97-AF65-F5344CB8AC3E}">
-        <p14:creationId xmlns:p14="http://schemas.microsoft.com/office/powerpoint/2010/main" xmlns="" val="3319608156"/>
+        <p14:creationId xmlns:p14="http://schemas.microsoft.com/office/powerpoint/2010/main" val="3319608156"/>
       </p:ext>
     </p:extLst>
   </p:cSld>
@@ -32835,7 +31396,7 @@
     <a:masterClrMapping/>
   </p:clrMapOvr>
   <mc:AlternateContent xmlns:mc="http://schemas.openxmlformats.org/markup-compatibility/2006">
-    <mc:Choice xmlns:p14="http://schemas.microsoft.com/office/powerpoint/2010/main" xmlns="" Requires="p14">
+    <mc:Choice xmlns:p14="http://schemas.microsoft.com/office/powerpoint/2010/main" Requires="p14">
       <p:transition p14:dur="0"/>
     </mc:Choice>
     <mc:Fallback>
@@ -32852,7 +31413,7 @@
 </p:sld>
 </file>
 
-<file path=ppt/slides/slide43.xml><?xml version="1.0" encoding="utf-8"?>
+<file path=ppt/slides/slide41.xml><?xml version="1.0" encoding="utf-8"?>
 <p:sld xmlns:a="http://schemas.openxmlformats.org/drawingml/2006/main" xmlns:r="http://schemas.openxmlformats.org/officeDocument/2006/relationships" xmlns:p="http://schemas.openxmlformats.org/presentationml/2006/main">
   <p:cSld>
     <p:spTree>
@@ -33522,7 +32083,7 @@
     </p:spTree>
     <p:extLst>
       <p:ext uri="{BB962C8B-B14F-4D97-AF65-F5344CB8AC3E}">
-        <p14:creationId xmlns:p14="http://schemas.microsoft.com/office/powerpoint/2010/main" xmlns="" val="1061210810"/>
+        <p14:creationId xmlns:p14="http://schemas.microsoft.com/office/powerpoint/2010/main" val="1061210810"/>
       </p:ext>
     </p:extLst>
   </p:cSld>
@@ -33530,7 +32091,7 @@
     <a:masterClrMapping/>
   </p:clrMapOvr>
   <mc:AlternateContent xmlns:mc="http://schemas.openxmlformats.org/markup-compatibility/2006">
-    <mc:Choice xmlns:p14="http://schemas.microsoft.com/office/powerpoint/2010/main" xmlns="" Requires="p14">
+    <mc:Choice xmlns:p14="http://schemas.microsoft.com/office/powerpoint/2010/main" Requires="p14">
       <p:transition p14:dur="0"/>
     </mc:Choice>
     <mc:Fallback>
@@ -33547,7 +32108,7 @@
 </p:sld>
 </file>
 
-<file path=ppt/slides/slide44.xml><?xml version="1.0" encoding="utf-8"?>
+<file path=ppt/slides/slide42.xml><?xml version="1.0" encoding="utf-8"?>
 <p:sld xmlns:a="http://schemas.openxmlformats.org/drawingml/2006/main" xmlns:r="http://schemas.openxmlformats.org/officeDocument/2006/relationships" xmlns:p="http://schemas.openxmlformats.org/presentationml/2006/main">
   <p:cSld>
     <p:spTree>
@@ -34181,7 +32742,7 @@
           <a:blip r:embed="rId3">
             <a:extLst>
               <a:ext uri="{28A0092B-C50C-407E-A947-70E740481C1C}">
-                <a14:useLocalDpi xmlns:a14="http://schemas.microsoft.com/office/drawing/2010/main" xmlns="" val="0"/>
+                <a14:useLocalDpi xmlns:a14="http://schemas.microsoft.com/office/drawing/2010/main" val="0"/>
               </a:ext>
             </a:extLst>
           </a:blip>
@@ -34205,14 +32766,14 @@
           <a:effectLst/>
           <a:extLst>
             <a:ext uri="{909E8E84-426E-40DD-AFC4-6F175D3DCCD1}">
-              <a14:hiddenFill xmlns:a14="http://schemas.microsoft.com/office/drawing/2010/main" xmlns="">
+              <a14:hiddenFill xmlns:a14="http://schemas.microsoft.com/office/drawing/2010/main">
                 <a:solidFill>
                   <a:schemeClr val="accent1"/>
                 </a:solidFill>
               </a14:hiddenFill>
             </a:ext>
             <a:ext uri="{91240B29-F687-4F45-9708-019B960494DF}">
-              <a14:hiddenLine xmlns:a14="http://schemas.microsoft.com/office/drawing/2010/main" xmlns="" w="9525">
+              <a14:hiddenLine xmlns:a14="http://schemas.microsoft.com/office/drawing/2010/main" w="9525">
                 <a:solidFill>
                   <a:schemeClr val="tx1"/>
                 </a:solidFill>
@@ -34222,7 +32783,7 @@
               </a14:hiddenLine>
             </a:ext>
             <a:ext uri="{AF507438-7753-43E0-B8FC-AC1667EBCBE1}">
-              <a14:hiddenEffects xmlns:a14="http://schemas.microsoft.com/office/drawing/2010/main" xmlns="">
+              <a14:hiddenEffects xmlns:a14="http://schemas.microsoft.com/office/drawing/2010/main">
                 <a:effectLst>
                   <a:outerShdw dist="35921" dir="2700000" algn="ctr" rotWithShape="0">
                     <a:schemeClr val="bg2"/>
@@ -34236,7 +32797,7 @@
     </p:spTree>
     <p:extLst>
       <p:ext uri="{BB962C8B-B14F-4D97-AF65-F5344CB8AC3E}">
-        <p14:creationId xmlns:p14="http://schemas.microsoft.com/office/powerpoint/2010/main" xmlns="" val="4089025556"/>
+        <p14:creationId xmlns:p14="http://schemas.microsoft.com/office/powerpoint/2010/main" val="4089025556"/>
       </p:ext>
     </p:extLst>
   </p:cSld>
@@ -34244,7 +32805,7 @@
     <a:masterClrMapping/>
   </p:clrMapOvr>
   <mc:AlternateContent xmlns:mc="http://schemas.openxmlformats.org/markup-compatibility/2006">
-    <mc:Choice xmlns:p14="http://schemas.microsoft.com/office/powerpoint/2010/main" xmlns="" Requires="p14">
+    <mc:Choice xmlns:p14="http://schemas.microsoft.com/office/powerpoint/2010/main" Requires="p14">
       <p:transition p14:dur="0"/>
     </mc:Choice>
     <mc:Fallback>
@@ -34261,7 +32822,7 @@
 </p:sld>
 </file>
 
-<file path=ppt/slides/slide45.xml><?xml version="1.0" encoding="utf-8"?>
+<file path=ppt/slides/slide43.xml><?xml version="1.0" encoding="utf-8"?>
 <p:sld xmlns:a="http://schemas.openxmlformats.org/drawingml/2006/main" xmlns:r="http://schemas.openxmlformats.org/officeDocument/2006/relationships" xmlns:p="http://schemas.openxmlformats.org/presentationml/2006/main">
   <p:cSld>
     <p:spTree>
@@ -34405,7 +32966,7 @@
     </p:spTree>
     <p:extLst>
       <p:ext uri="{BB962C8B-B14F-4D97-AF65-F5344CB8AC3E}">
-        <p14:creationId xmlns:p14="http://schemas.microsoft.com/office/powerpoint/2010/main" xmlns="" val="3539081734"/>
+        <p14:creationId xmlns:p14="http://schemas.microsoft.com/office/powerpoint/2010/main" val="3539081734"/>
       </p:ext>
     </p:extLst>
   </p:cSld>
@@ -34413,7 +32974,7 @@
     <a:masterClrMapping/>
   </p:clrMapOvr>
   <mc:AlternateContent xmlns:mc="http://schemas.openxmlformats.org/markup-compatibility/2006">
-    <mc:Choice xmlns:p14="http://schemas.microsoft.com/office/powerpoint/2010/main" xmlns="" Requires="p14">
+    <mc:Choice xmlns:p14="http://schemas.microsoft.com/office/powerpoint/2010/main" Requires="p14">
       <p:transition p14:dur="0"/>
     </mc:Choice>
     <mc:Fallback>
@@ -34430,7 +32991,7 @@
 </p:sld>
 </file>
 
-<file path=ppt/slides/slide46.xml><?xml version="1.0" encoding="utf-8"?>
+<file path=ppt/slides/slide44.xml><?xml version="1.0" encoding="utf-8"?>
 <p:sld xmlns:a="http://schemas.openxmlformats.org/drawingml/2006/main" xmlns:r="http://schemas.openxmlformats.org/officeDocument/2006/relationships" xmlns:p="http://schemas.openxmlformats.org/presentationml/2006/main">
   <p:cSld>
     <p:spTree>
@@ -35122,7 +33683,7 @@
     </p:spTree>
     <p:extLst>
       <p:ext uri="{BB962C8B-B14F-4D97-AF65-F5344CB8AC3E}">
-        <p14:creationId xmlns:p14="http://schemas.microsoft.com/office/powerpoint/2010/main" xmlns="" val="2658299690"/>
+        <p14:creationId xmlns:p14="http://schemas.microsoft.com/office/powerpoint/2010/main" val="2658299690"/>
       </p:ext>
     </p:extLst>
   </p:cSld>
@@ -35130,7 +33691,7 @@
     <a:masterClrMapping/>
   </p:clrMapOvr>
   <mc:AlternateContent xmlns:mc="http://schemas.openxmlformats.org/markup-compatibility/2006">
-    <mc:Choice xmlns:p14="http://schemas.microsoft.com/office/powerpoint/2010/main" xmlns="" Requires="p14">
+    <mc:Choice xmlns:p14="http://schemas.microsoft.com/office/powerpoint/2010/main" Requires="p14">
       <p:transition p14:dur="0"/>
     </mc:Choice>
     <mc:Fallback>
@@ -35147,7 +33708,7 @@
 </p:sld>
 </file>
 
-<file path=ppt/slides/slide47.xml><?xml version="1.0" encoding="utf-8"?>
+<file path=ppt/slides/slide45.xml><?xml version="1.0" encoding="utf-8"?>
 <p:sld xmlns:a="http://schemas.openxmlformats.org/drawingml/2006/main" xmlns:r="http://schemas.openxmlformats.org/officeDocument/2006/relationships" xmlns:p="http://schemas.openxmlformats.org/presentationml/2006/main">
   <p:cSld>
     <p:spTree>
@@ -35299,7 +33860,7 @@
     </p:spTree>
     <p:extLst>
       <p:ext uri="{BB962C8B-B14F-4D97-AF65-F5344CB8AC3E}">
-        <p14:creationId xmlns:p14="http://schemas.microsoft.com/office/powerpoint/2010/main" xmlns="" val="2734559940"/>
+        <p14:creationId xmlns:p14="http://schemas.microsoft.com/office/powerpoint/2010/main" val="2734559940"/>
       </p:ext>
     </p:extLst>
   </p:cSld>
@@ -35307,7 +33868,7 @@
     <a:masterClrMapping/>
   </p:clrMapOvr>
   <mc:AlternateContent xmlns:mc="http://schemas.openxmlformats.org/markup-compatibility/2006">
-    <mc:Choice xmlns:p14="http://schemas.microsoft.com/office/powerpoint/2010/main" xmlns="" Requires="p14">
+    <mc:Choice xmlns:p14="http://schemas.microsoft.com/office/powerpoint/2010/main" Requires="p14">
       <p:transition p14:dur="0"/>
     </mc:Choice>
     <mc:Fallback>
@@ -35324,7 +33885,7 @@
 </p:sld>
 </file>
 
-<file path=ppt/slides/slide48.xml><?xml version="1.0" encoding="utf-8"?>
+<file path=ppt/slides/slide46.xml><?xml version="1.0" encoding="utf-8"?>
 <p:sld xmlns:a="http://schemas.openxmlformats.org/drawingml/2006/main" xmlns:r="http://schemas.openxmlformats.org/officeDocument/2006/relationships" xmlns:p="http://schemas.openxmlformats.org/presentationml/2006/main">
   <p:cSld>
     <p:spTree>
@@ -36028,7 +34589,7 @@
     </p:spTree>
     <p:extLst>
       <p:ext uri="{BB962C8B-B14F-4D97-AF65-F5344CB8AC3E}">
-        <p14:creationId xmlns:p14="http://schemas.microsoft.com/office/powerpoint/2010/main" xmlns="" val="3706372645"/>
+        <p14:creationId xmlns:p14="http://schemas.microsoft.com/office/powerpoint/2010/main" val="3706372645"/>
       </p:ext>
     </p:extLst>
   </p:cSld>
@@ -36036,7 +34597,7 @@
     <a:masterClrMapping/>
   </p:clrMapOvr>
   <mc:AlternateContent xmlns:mc="http://schemas.openxmlformats.org/markup-compatibility/2006">
-    <mc:Choice xmlns:p14="http://schemas.microsoft.com/office/powerpoint/2010/main" xmlns="" Requires="p14">
+    <mc:Choice xmlns:p14="http://schemas.microsoft.com/office/powerpoint/2010/main" Requires="p14">
       <p:transition p14:dur="0"/>
     </mc:Choice>
     <mc:Fallback>
@@ -36053,7 +34614,7 @@
 </p:sld>
 </file>
 
-<file path=ppt/slides/slide49.xml><?xml version="1.0" encoding="utf-8"?>
+<file path=ppt/slides/slide47.xml><?xml version="1.0" encoding="utf-8"?>
 <p:sld xmlns:a="http://schemas.openxmlformats.org/drawingml/2006/main" xmlns:r="http://schemas.openxmlformats.org/officeDocument/2006/relationships" xmlns:p="http://schemas.openxmlformats.org/presentationml/2006/main">
   <p:cSld>
     <p:spTree>
@@ -36930,7 +35491,7 @@
     </p:spTree>
     <p:extLst>
       <p:ext uri="{BB962C8B-B14F-4D97-AF65-F5344CB8AC3E}">
-        <p14:creationId xmlns:p14="http://schemas.microsoft.com/office/powerpoint/2010/main" xmlns="" val="923769229"/>
+        <p14:creationId xmlns:p14="http://schemas.microsoft.com/office/powerpoint/2010/main" val="923769229"/>
       </p:ext>
     </p:extLst>
   </p:cSld>
@@ -36938,7 +35499,7 @@
     <a:masterClrMapping/>
   </p:clrMapOvr>
   <mc:AlternateContent xmlns:mc="http://schemas.openxmlformats.org/markup-compatibility/2006">
-    <mc:Choice xmlns:p14="http://schemas.microsoft.com/office/powerpoint/2010/main" xmlns="" Requires="p14">
+    <mc:Choice xmlns:p14="http://schemas.microsoft.com/office/powerpoint/2010/main" Requires="p14">
       <p:transition p14:dur="0"/>
     </mc:Choice>
     <mc:Fallback>
@@ -37692,7 +36253,7 @@
     </p:spTree>
     <p:extLst>
       <p:ext uri="{BB962C8B-B14F-4D97-AF65-F5344CB8AC3E}">
-        <p14:creationId xmlns:p14="http://schemas.microsoft.com/office/powerpoint/2010/main" xmlns="" val="1279202038"/>
+        <p14:creationId xmlns:p14="http://schemas.microsoft.com/office/powerpoint/2010/main" val="1279202038"/>
       </p:ext>
     </p:extLst>
   </p:cSld>
@@ -37700,7 +36261,7 @@
     <a:masterClrMapping/>
   </p:clrMapOvr>
   <mc:AlternateContent xmlns:mc="http://schemas.openxmlformats.org/markup-compatibility/2006">
-    <mc:Choice xmlns:p14="http://schemas.microsoft.com/office/powerpoint/2010/main" xmlns="" Requires="p14">
+    <mc:Choice xmlns:p14="http://schemas.microsoft.com/office/powerpoint/2010/main" Requires="p14">
       <p:transition p14:dur="0"/>
     </mc:Choice>
     <mc:Fallback>
@@ -38491,7 +37052,7 @@
     </p:spTree>
     <p:extLst>
       <p:ext uri="{BB962C8B-B14F-4D97-AF65-F5344CB8AC3E}">
-        <p14:creationId xmlns:p14="http://schemas.microsoft.com/office/powerpoint/2010/main" xmlns="" val="2522101649"/>
+        <p14:creationId xmlns:p14="http://schemas.microsoft.com/office/powerpoint/2010/main" val="2522101649"/>
       </p:ext>
     </p:extLst>
   </p:cSld>
@@ -38499,7 +37060,7 @@
     <a:masterClrMapping/>
   </p:clrMapOvr>
   <mc:AlternateContent xmlns:mc="http://schemas.openxmlformats.org/markup-compatibility/2006">
-    <mc:Choice xmlns:p14="http://schemas.microsoft.com/office/powerpoint/2010/main" xmlns="" Requires="p14">
+    <mc:Choice xmlns:p14="http://schemas.microsoft.com/office/powerpoint/2010/main" Requires="p14">
       <p:transition p14:dur="0"/>
     </mc:Choice>
     <mc:Fallback>
@@ -39254,7 +37815,7 @@
     </p:spTree>
     <p:extLst>
       <p:ext uri="{BB962C8B-B14F-4D97-AF65-F5344CB8AC3E}">
-        <p14:creationId xmlns:p14="http://schemas.microsoft.com/office/powerpoint/2010/main" xmlns="" val="4147062136"/>
+        <p14:creationId xmlns:p14="http://schemas.microsoft.com/office/powerpoint/2010/main" val="4147062136"/>
       </p:ext>
     </p:extLst>
   </p:cSld>
@@ -39262,7 +37823,7 @@
     <a:masterClrMapping/>
   </p:clrMapOvr>
   <mc:AlternateContent xmlns:mc="http://schemas.openxmlformats.org/markup-compatibility/2006">
-    <mc:Choice xmlns:p14="http://schemas.microsoft.com/office/powerpoint/2010/main" xmlns="" Requires="p14">
+    <mc:Choice xmlns:p14="http://schemas.microsoft.com/office/powerpoint/2010/main" Requires="p14">
       <p:transition p14:dur="0"/>
     </mc:Choice>
     <mc:Fallback>
@@ -39432,7 +37993,7 @@
     </p:spTree>
     <p:extLst>
       <p:ext uri="{BB962C8B-B14F-4D97-AF65-F5344CB8AC3E}">
-        <p14:creationId xmlns:p14="http://schemas.microsoft.com/office/powerpoint/2010/main" xmlns="" val="2145982150"/>
+        <p14:creationId xmlns:p14="http://schemas.microsoft.com/office/powerpoint/2010/main" val="2145982150"/>
       </p:ext>
     </p:extLst>
   </p:cSld>
@@ -39440,7 +38001,7 @@
     <a:masterClrMapping/>
   </p:clrMapOvr>
   <mc:AlternateContent xmlns:mc="http://schemas.openxmlformats.org/markup-compatibility/2006">
-    <mc:Choice xmlns:p14="http://schemas.microsoft.com/office/powerpoint/2010/main" xmlns="" Requires="p14">
+    <mc:Choice xmlns:p14="http://schemas.microsoft.com/office/powerpoint/2010/main" Requires="p14">
       <p:transition p14:dur="0"/>
     </mc:Choice>
     <mc:Fallback>
@@ -40138,7 +38699,7 @@
     </p:spTree>
     <p:extLst>
       <p:ext uri="{BB962C8B-B14F-4D97-AF65-F5344CB8AC3E}">
-        <p14:creationId xmlns:p14="http://schemas.microsoft.com/office/powerpoint/2010/main" xmlns="" val="1178456594"/>
+        <p14:creationId xmlns:p14="http://schemas.microsoft.com/office/powerpoint/2010/main" val="1178456594"/>
       </p:ext>
     </p:extLst>
   </p:cSld>
@@ -40146,7 +38707,7 @@
     <a:masterClrMapping/>
   </p:clrMapOvr>
   <mc:AlternateContent xmlns:mc="http://schemas.openxmlformats.org/markup-compatibility/2006">
-    <mc:Choice xmlns:p14="http://schemas.microsoft.com/office/powerpoint/2010/main" xmlns="" Requires="p14">
+    <mc:Choice xmlns:p14="http://schemas.microsoft.com/office/powerpoint/2010/main" Requires="p14">
       <p:transition p14:dur="0"/>
     </mc:Choice>
     <mc:Fallback>

--- a/Presentation/Presentation.pptx
+++ b/Presentation/Presentation.pptx
@@ -8149,11 +8149,11 @@
   <p:clrMapOvr>
     <a:masterClrMapping/>
   </p:clrMapOvr>
-  <mc:AlternateContent xmlns:mc="http://schemas.openxmlformats.org/markup-compatibility/2006">
-    <mc:Choice xmlns:p14="http://schemas.microsoft.com/office/powerpoint/2010/main" Requires="p14">
+  <mc:AlternateContent xmlns:mc="http://schemas.openxmlformats.org/markup-compatibility/2006" xmlns:p14="http://schemas.microsoft.com/office/powerpoint/2010/main">
+    <mc:Choice Requires="p14">
       <p:transition p14:dur="0"/>
     </mc:Choice>
-    <mc:Fallback>
+    <mc:Fallback xmlns="">
       <p:transition/>
     </mc:Fallback>
   </mc:AlternateContent>
@@ -8865,11 +8865,11 @@
   <p:clrMapOvr>
     <a:masterClrMapping/>
   </p:clrMapOvr>
-  <mc:AlternateContent xmlns:mc="http://schemas.openxmlformats.org/markup-compatibility/2006">
-    <mc:Choice xmlns:p14="http://schemas.microsoft.com/office/powerpoint/2010/main" Requires="p14">
+  <mc:AlternateContent xmlns:mc="http://schemas.openxmlformats.org/markup-compatibility/2006" xmlns:p14="http://schemas.microsoft.com/office/powerpoint/2010/main">
+    <mc:Choice Requires="p14">
       <p:transition p14:dur="0"/>
     </mc:Choice>
-    <mc:Fallback>
+    <mc:Fallback xmlns="">
       <p:transition/>
     </mc:Fallback>
   </mc:AlternateContent>
@@ -9577,11 +9577,11 @@
   <p:clrMapOvr>
     <a:masterClrMapping/>
   </p:clrMapOvr>
-  <mc:AlternateContent xmlns:mc="http://schemas.openxmlformats.org/markup-compatibility/2006">
-    <mc:Choice xmlns:p14="http://schemas.microsoft.com/office/powerpoint/2010/main" Requires="p14">
+  <mc:AlternateContent xmlns:mc="http://schemas.openxmlformats.org/markup-compatibility/2006" xmlns:p14="http://schemas.microsoft.com/office/powerpoint/2010/main">
+    <mc:Choice Requires="p14">
       <p:transition p14:dur="0"/>
     </mc:Choice>
-    <mc:Fallback>
+    <mc:Fallback xmlns="">
       <p:transition/>
     </mc:Fallback>
   </mc:AlternateContent>
@@ -10363,11 +10363,11 @@
   <p:clrMapOvr>
     <a:masterClrMapping/>
   </p:clrMapOvr>
-  <mc:AlternateContent xmlns:mc="http://schemas.openxmlformats.org/markup-compatibility/2006">
-    <mc:Choice xmlns:p14="http://schemas.microsoft.com/office/powerpoint/2010/main" Requires="p14">
+  <mc:AlternateContent xmlns:mc="http://schemas.openxmlformats.org/markup-compatibility/2006" xmlns:p14="http://schemas.microsoft.com/office/powerpoint/2010/main">
+    <mc:Choice Requires="p14">
       <p:transition p14:dur="0"/>
     </mc:Choice>
-    <mc:Fallback>
+    <mc:Fallback xmlns="">
       <p:transition/>
     </mc:Fallback>
   </mc:AlternateContent>
@@ -11160,11 +11160,11 @@
   <p:clrMapOvr>
     <a:masterClrMapping/>
   </p:clrMapOvr>
-  <mc:AlternateContent xmlns:mc="http://schemas.openxmlformats.org/markup-compatibility/2006">
-    <mc:Choice xmlns:p14="http://schemas.microsoft.com/office/powerpoint/2010/main" Requires="p14">
+  <mc:AlternateContent xmlns:mc="http://schemas.openxmlformats.org/markup-compatibility/2006" xmlns:p14="http://schemas.microsoft.com/office/powerpoint/2010/main">
+    <mc:Choice Requires="p14">
       <p:transition p14:dur="0"/>
     </mc:Choice>
-    <mc:Fallback>
+    <mc:Fallback xmlns="">
       <p:transition/>
     </mc:Fallback>
   </mc:AlternateContent>
@@ -12037,11 +12037,11 @@
   <p:clrMapOvr>
     <a:masterClrMapping/>
   </p:clrMapOvr>
-  <mc:AlternateContent xmlns:mc="http://schemas.openxmlformats.org/markup-compatibility/2006">
-    <mc:Choice xmlns:p14="http://schemas.microsoft.com/office/powerpoint/2010/main" Requires="p14">
+  <mc:AlternateContent xmlns:mc="http://schemas.openxmlformats.org/markup-compatibility/2006" xmlns:p14="http://schemas.microsoft.com/office/powerpoint/2010/main">
+    <mc:Choice Requires="p14">
       <p:transition p14:dur="0"/>
     </mc:Choice>
-    <mc:Fallback>
+    <mc:Fallback xmlns="">
       <p:transition/>
     </mc:Fallback>
   </mc:AlternateContent>
@@ -12926,11 +12926,11 @@
   <p:clrMapOvr>
     <a:masterClrMapping/>
   </p:clrMapOvr>
-  <mc:AlternateContent xmlns:mc="http://schemas.openxmlformats.org/markup-compatibility/2006">
-    <mc:Choice xmlns:p14="http://schemas.microsoft.com/office/powerpoint/2010/main" Requires="p14">
+  <mc:AlternateContent xmlns:mc="http://schemas.openxmlformats.org/markup-compatibility/2006" xmlns:p14="http://schemas.microsoft.com/office/powerpoint/2010/main">
+    <mc:Choice Requires="p14">
       <p:transition p14:dur="0"/>
     </mc:Choice>
-    <mc:Fallback>
+    <mc:Fallback xmlns="">
       <p:transition/>
     </mc:Fallback>
   </mc:AlternateContent>
@@ -13889,11 +13889,11 @@
   <p:clrMapOvr>
     <a:masterClrMapping/>
   </p:clrMapOvr>
-  <mc:AlternateContent xmlns:mc="http://schemas.openxmlformats.org/markup-compatibility/2006">
-    <mc:Choice xmlns:p14="http://schemas.microsoft.com/office/powerpoint/2010/main" Requires="p14">
+  <mc:AlternateContent xmlns:mc="http://schemas.openxmlformats.org/markup-compatibility/2006" xmlns:p14="http://schemas.microsoft.com/office/powerpoint/2010/main">
+    <mc:Choice Requires="p14">
       <p:transition p14:dur="0"/>
     </mc:Choice>
-    <mc:Fallback>
+    <mc:Fallback xmlns="">
       <p:transition/>
     </mc:Fallback>
   </mc:AlternateContent>
@@ -14567,11 +14567,11 @@
   <p:clrMapOvr>
     <a:masterClrMapping/>
   </p:clrMapOvr>
-  <mc:AlternateContent xmlns:mc="http://schemas.openxmlformats.org/markup-compatibility/2006">
-    <mc:Choice xmlns:p14="http://schemas.microsoft.com/office/powerpoint/2010/main" Requires="p14">
+  <mc:AlternateContent xmlns:mc="http://schemas.openxmlformats.org/markup-compatibility/2006" xmlns:p14="http://schemas.microsoft.com/office/powerpoint/2010/main">
+    <mc:Choice Requires="p14">
       <p:transition p14:dur="0"/>
     </mc:Choice>
-    <mc:Fallback>
+    <mc:Fallback xmlns="">
       <p:transition/>
     </mc:Fallback>
   </mc:AlternateContent>
@@ -15212,11 +15212,11 @@
   <p:clrMapOvr>
     <a:masterClrMapping/>
   </p:clrMapOvr>
-  <mc:AlternateContent xmlns:mc="http://schemas.openxmlformats.org/markup-compatibility/2006">
-    <mc:Choice xmlns:p14="http://schemas.microsoft.com/office/powerpoint/2010/main" Requires="p14">
+  <mc:AlternateContent xmlns:mc="http://schemas.openxmlformats.org/markup-compatibility/2006" xmlns:p14="http://schemas.microsoft.com/office/powerpoint/2010/main">
+    <mc:Choice Requires="p14">
       <p:transition p14:dur="0"/>
     </mc:Choice>
-    <mc:Fallback>
+    <mc:Fallback xmlns="">
       <p:transition/>
     </mc:Fallback>
   </mc:AlternateContent>
@@ -15927,11 +15927,11 @@
   <p:clrMapOvr>
     <a:masterClrMapping/>
   </p:clrMapOvr>
-  <mc:AlternateContent xmlns:mc="http://schemas.openxmlformats.org/markup-compatibility/2006">
-    <mc:Choice xmlns:p14="http://schemas.microsoft.com/office/powerpoint/2010/main" Requires="p14">
+  <mc:AlternateContent xmlns:mc="http://schemas.openxmlformats.org/markup-compatibility/2006" xmlns:p14="http://schemas.microsoft.com/office/powerpoint/2010/main">
+    <mc:Choice Requires="p14">
       <p:transition p14:dur="0"/>
     </mc:Choice>
-    <mc:Fallback>
+    <mc:Fallback xmlns="">
       <p:transition/>
     </mc:Fallback>
   </mc:AlternateContent>
@@ -16096,11 +16096,11 @@
   <p:clrMapOvr>
     <a:masterClrMapping/>
   </p:clrMapOvr>
-  <mc:AlternateContent xmlns:mc="http://schemas.openxmlformats.org/markup-compatibility/2006">
-    <mc:Choice xmlns:p14="http://schemas.microsoft.com/office/powerpoint/2010/main" Requires="p14">
+  <mc:AlternateContent xmlns:mc="http://schemas.openxmlformats.org/markup-compatibility/2006" xmlns:p14="http://schemas.microsoft.com/office/powerpoint/2010/main">
+    <mc:Choice Requires="p14">
       <p:transition p14:dur="0"/>
     </mc:Choice>
-    <mc:Fallback>
+    <mc:Fallback xmlns="">
       <p:transition/>
     </mc:Fallback>
   </mc:AlternateContent>
@@ -16822,11 +16822,11 @@
   <p:clrMapOvr>
     <a:masterClrMapping/>
   </p:clrMapOvr>
-  <mc:AlternateContent xmlns:mc="http://schemas.openxmlformats.org/markup-compatibility/2006">
-    <mc:Choice xmlns:p14="http://schemas.microsoft.com/office/powerpoint/2010/main" Requires="p14">
+  <mc:AlternateContent xmlns:mc="http://schemas.openxmlformats.org/markup-compatibility/2006" xmlns:p14="http://schemas.microsoft.com/office/powerpoint/2010/main">
+    <mc:Choice Requires="p14">
       <p:transition p14:dur="0"/>
     </mc:Choice>
-    <mc:Fallback>
+    <mc:Fallback xmlns="">
       <p:transition/>
     </mc:Fallback>
   </mc:AlternateContent>
@@ -17559,11 +17559,11 @@
   <p:clrMapOvr>
     <a:masterClrMapping/>
   </p:clrMapOvr>
-  <mc:AlternateContent xmlns:mc="http://schemas.openxmlformats.org/markup-compatibility/2006">
-    <mc:Choice xmlns:p14="http://schemas.microsoft.com/office/powerpoint/2010/main" Requires="p14">
+  <mc:AlternateContent xmlns:mc="http://schemas.openxmlformats.org/markup-compatibility/2006" xmlns:p14="http://schemas.microsoft.com/office/powerpoint/2010/main">
+    <mc:Choice Requires="p14">
       <p:transition p14:dur="0"/>
     </mc:Choice>
-    <mc:Fallback>
+    <mc:Fallback xmlns="">
       <p:transition/>
     </mc:Fallback>
   </mc:AlternateContent>
@@ -18204,11 +18204,11 @@
   <p:clrMapOvr>
     <a:masterClrMapping/>
   </p:clrMapOvr>
-  <mc:AlternateContent xmlns:mc="http://schemas.openxmlformats.org/markup-compatibility/2006">
-    <mc:Choice xmlns:p14="http://schemas.microsoft.com/office/powerpoint/2010/main" Requires="p14">
+  <mc:AlternateContent xmlns:mc="http://schemas.openxmlformats.org/markup-compatibility/2006" xmlns:p14="http://schemas.microsoft.com/office/powerpoint/2010/main">
+    <mc:Choice Requires="p14">
       <p:transition p14:dur="0"/>
     </mc:Choice>
-    <mc:Fallback>
+    <mc:Fallback xmlns="">
       <p:transition/>
     </mc:Fallback>
   </mc:AlternateContent>
@@ -18928,11 +18928,11 @@
   <p:clrMapOvr>
     <a:masterClrMapping/>
   </p:clrMapOvr>
-  <mc:AlternateContent xmlns:mc="http://schemas.openxmlformats.org/markup-compatibility/2006">
-    <mc:Choice xmlns:p14="http://schemas.microsoft.com/office/powerpoint/2010/main" Requires="p14">
+  <mc:AlternateContent xmlns:mc="http://schemas.openxmlformats.org/markup-compatibility/2006" xmlns:p14="http://schemas.microsoft.com/office/powerpoint/2010/main">
+    <mc:Choice Requires="p14">
       <p:transition p14:dur="0"/>
     </mc:Choice>
-    <mc:Fallback>
+    <mc:Fallback xmlns="">
       <p:transition/>
     </mc:Fallback>
   </mc:AlternateContent>
@@ -19663,11 +19663,11 @@
   <p:clrMapOvr>
     <a:masterClrMapping/>
   </p:clrMapOvr>
-  <mc:AlternateContent xmlns:mc="http://schemas.openxmlformats.org/markup-compatibility/2006">
-    <mc:Choice xmlns:p14="http://schemas.microsoft.com/office/powerpoint/2010/main" Requires="p14">
+  <mc:AlternateContent xmlns:mc="http://schemas.openxmlformats.org/markup-compatibility/2006" xmlns:p14="http://schemas.microsoft.com/office/powerpoint/2010/main">
+    <mc:Choice Requires="p14">
       <p:transition p14:dur="0"/>
     </mc:Choice>
-    <mc:Fallback>
+    <mc:Fallback xmlns="">
       <p:transition/>
     </mc:Fallback>
   </mc:AlternateContent>
@@ -20408,11 +20408,11 @@
   <p:clrMapOvr>
     <a:masterClrMapping/>
   </p:clrMapOvr>
-  <mc:AlternateContent xmlns:mc="http://schemas.openxmlformats.org/markup-compatibility/2006">
-    <mc:Choice xmlns:p14="http://schemas.microsoft.com/office/powerpoint/2010/main" Requires="p14">
+  <mc:AlternateContent xmlns:mc="http://schemas.openxmlformats.org/markup-compatibility/2006" xmlns:p14="http://schemas.microsoft.com/office/powerpoint/2010/main">
+    <mc:Choice Requires="p14">
       <p:transition p14:dur="0"/>
     </mc:Choice>
-    <mc:Fallback>
+    <mc:Fallback xmlns="">
       <p:transition/>
     </mc:Fallback>
   </mc:AlternateContent>
@@ -21053,11 +21053,11 @@
   <p:clrMapOvr>
     <a:masterClrMapping/>
   </p:clrMapOvr>
-  <mc:AlternateContent xmlns:mc="http://schemas.openxmlformats.org/markup-compatibility/2006">
-    <mc:Choice xmlns:p14="http://schemas.microsoft.com/office/powerpoint/2010/main" Requires="p14">
+  <mc:AlternateContent xmlns:mc="http://schemas.openxmlformats.org/markup-compatibility/2006" xmlns:p14="http://schemas.microsoft.com/office/powerpoint/2010/main">
+    <mc:Choice Requires="p14">
       <p:transition p14:dur="0"/>
     </mc:Choice>
-    <mc:Fallback>
+    <mc:Fallback xmlns="">
       <p:transition/>
     </mc:Fallback>
   </mc:AlternateContent>
@@ -21720,11 +21720,11 @@
   <p:clrMapOvr>
     <a:masterClrMapping/>
   </p:clrMapOvr>
-  <mc:AlternateContent xmlns:mc="http://schemas.openxmlformats.org/markup-compatibility/2006">
-    <mc:Choice xmlns:p14="http://schemas.microsoft.com/office/powerpoint/2010/main" Requires="p14">
+  <mc:AlternateContent xmlns:mc="http://schemas.openxmlformats.org/markup-compatibility/2006" xmlns:p14="http://schemas.microsoft.com/office/powerpoint/2010/main">
+    <mc:Choice Requires="p14">
       <p:transition p14:dur="0"/>
     </mc:Choice>
-    <mc:Fallback>
+    <mc:Fallback xmlns="">
       <p:transition/>
     </mc:Fallback>
   </mc:AlternateContent>
@@ -22393,11 +22393,11 @@
   <p:clrMapOvr>
     <a:masterClrMapping/>
   </p:clrMapOvr>
-  <mc:AlternateContent xmlns:mc="http://schemas.openxmlformats.org/markup-compatibility/2006">
-    <mc:Choice xmlns:p14="http://schemas.microsoft.com/office/powerpoint/2010/main" Requires="p14">
+  <mc:AlternateContent xmlns:mc="http://schemas.openxmlformats.org/markup-compatibility/2006" xmlns:p14="http://schemas.microsoft.com/office/powerpoint/2010/main">
+    <mc:Choice Requires="p14">
       <p:transition p14:dur="0"/>
     </mc:Choice>
-    <mc:Fallback>
+    <mc:Fallback xmlns="">
       <p:transition/>
     </mc:Fallback>
   </mc:AlternateContent>
@@ -23072,11 +23072,11 @@
   <p:clrMapOvr>
     <a:masterClrMapping/>
   </p:clrMapOvr>
-  <mc:AlternateContent xmlns:mc="http://schemas.openxmlformats.org/markup-compatibility/2006">
-    <mc:Choice xmlns:p14="http://schemas.microsoft.com/office/powerpoint/2010/main" Requires="p14">
+  <mc:AlternateContent xmlns:mc="http://schemas.openxmlformats.org/markup-compatibility/2006" xmlns:p14="http://schemas.microsoft.com/office/powerpoint/2010/main">
+    <mc:Choice Requires="p14">
       <p:transition p14:dur="0"/>
     </mc:Choice>
-    <mc:Fallback>
+    <mc:Fallback xmlns="">
       <p:transition/>
     </mc:Fallback>
   </mc:AlternateContent>
@@ -23840,11 +23840,11 @@
   <p:clrMapOvr>
     <a:masterClrMapping/>
   </p:clrMapOvr>
-  <mc:AlternateContent xmlns:mc="http://schemas.openxmlformats.org/markup-compatibility/2006">
-    <mc:Choice xmlns:p14="http://schemas.microsoft.com/office/powerpoint/2010/main" Requires="p14">
+  <mc:AlternateContent xmlns:mc="http://schemas.openxmlformats.org/markup-compatibility/2006" xmlns:p14="http://schemas.microsoft.com/office/powerpoint/2010/main">
+    <mc:Choice Requires="p14">
       <p:transition p14:dur="0"/>
     </mc:Choice>
-    <mc:Fallback>
+    <mc:Fallback xmlns="">
       <p:transition/>
     </mc:Fallback>
   </mc:AlternateContent>
@@ -24522,11 +24522,11 @@
   <p:clrMapOvr>
     <a:masterClrMapping/>
   </p:clrMapOvr>
-  <mc:AlternateContent xmlns:mc="http://schemas.openxmlformats.org/markup-compatibility/2006">
-    <mc:Choice xmlns:p14="http://schemas.microsoft.com/office/powerpoint/2010/main" Requires="p14">
+  <mc:AlternateContent xmlns:mc="http://schemas.openxmlformats.org/markup-compatibility/2006" xmlns:p14="http://schemas.microsoft.com/office/powerpoint/2010/main">
+    <mc:Choice Requires="p14">
       <p:transition p14:dur="0"/>
     </mc:Choice>
-    <mc:Fallback>
+    <mc:Fallback xmlns="">
       <p:transition/>
     </mc:Fallback>
   </mc:AlternateContent>
@@ -25255,11 +25255,11 @@
   <p:clrMapOvr>
     <a:masterClrMapping/>
   </p:clrMapOvr>
-  <mc:AlternateContent xmlns:mc="http://schemas.openxmlformats.org/markup-compatibility/2006">
-    <mc:Choice xmlns:p14="http://schemas.microsoft.com/office/powerpoint/2010/main" Requires="p14">
+  <mc:AlternateContent xmlns:mc="http://schemas.openxmlformats.org/markup-compatibility/2006" xmlns:p14="http://schemas.microsoft.com/office/powerpoint/2010/main">
+    <mc:Choice Requires="p14">
       <p:transition p14:dur="0"/>
     </mc:Choice>
-    <mc:Fallback>
+    <mc:Fallback xmlns="">
       <p:transition/>
     </mc:Fallback>
   </mc:AlternateContent>
@@ -25446,11 +25446,11 @@
   <p:clrMapOvr>
     <a:masterClrMapping/>
   </p:clrMapOvr>
-  <mc:AlternateContent xmlns:mc="http://schemas.openxmlformats.org/markup-compatibility/2006">
-    <mc:Choice xmlns:p14="http://schemas.microsoft.com/office/powerpoint/2010/main" Requires="p14">
+  <mc:AlternateContent xmlns:mc="http://schemas.openxmlformats.org/markup-compatibility/2006" xmlns:p14="http://schemas.microsoft.com/office/powerpoint/2010/main">
+    <mc:Choice Requires="p14">
       <p:transition p14:dur="0"/>
     </mc:Choice>
-    <mc:Fallback>
+    <mc:Fallback xmlns="">
       <p:transition/>
     </mc:Fallback>
   </mc:AlternateContent>
@@ -25627,11 +25627,11 @@
   <p:clrMapOvr>
     <a:masterClrMapping/>
   </p:clrMapOvr>
-  <mc:AlternateContent xmlns:mc="http://schemas.openxmlformats.org/markup-compatibility/2006">
-    <mc:Choice xmlns:p14="http://schemas.microsoft.com/office/powerpoint/2010/main" Requires="p14">
+  <mc:AlternateContent xmlns:mc="http://schemas.openxmlformats.org/markup-compatibility/2006" xmlns:p14="http://schemas.microsoft.com/office/powerpoint/2010/main">
+    <mc:Choice Requires="p14">
       <p:transition p14:dur="0"/>
     </mc:Choice>
-    <mc:Fallback>
+    <mc:Fallback xmlns="">
       <p:transition/>
     </mc:Fallback>
   </mc:AlternateContent>
@@ -26335,11 +26335,11 @@
   <p:clrMapOvr>
     <a:masterClrMapping/>
   </p:clrMapOvr>
-  <mc:AlternateContent xmlns:mc="http://schemas.openxmlformats.org/markup-compatibility/2006">
-    <mc:Choice xmlns:p14="http://schemas.microsoft.com/office/powerpoint/2010/main" Requires="p14">
+  <mc:AlternateContent xmlns:mc="http://schemas.openxmlformats.org/markup-compatibility/2006" xmlns:p14="http://schemas.microsoft.com/office/powerpoint/2010/main">
+    <mc:Choice Requires="p14">
       <p:transition p14:dur="0"/>
     </mc:Choice>
-    <mc:Fallback>
+    <mc:Fallback xmlns="">
       <p:transition/>
     </mc:Fallback>
   </mc:AlternateContent>
@@ -27063,11 +27063,11 @@
   <p:clrMapOvr>
     <a:masterClrMapping/>
   </p:clrMapOvr>
-  <mc:AlternateContent xmlns:mc="http://schemas.openxmlformats.org/markup-compatibility/2006">
-    <mc:Choice xmlns:p14="http://schemas.microsoft.com/office/powerpoint/2010/main" Requires="p14">
+  <mc:AlternateContent xmlns:mc="http://schemas.openxmlformats.org/markup-compatibility/2006" xmlns:p14="http://schemas.microsoft.com/office/powerpoint/2010/main">
+    <mc:Choice Requires="p14">
       <p:transition p14:dur="0"/>
     </mc:Choice>
-    <mc:Fallback>
+    <mc:Fallback xmlns="">
       <p:transition/>
     </mc:Fallback>
   </mc:AlternateContent>
@@ -27777,11 +27777,11 @@
   <p:clrMapOvr>
     <a:masterClrMapping/>
   </p:clrMapOvr>
-  <mc:AlternateContent xmlns:mc="http://schemas.openxmlformats.org/markup-compatibility/2006">
-    <mc:Choice xmlns:p14="http://schemas.microsoft.com/office/powerpoint/2010/main" Requires="p14">
+  <mc:AlternateContent xmlns:mc="http://schemas.openxmlformats.org/markup-compatibility/2006" xmlns:p14="http://schemas.microsoft.com/office/powerpoint/2010/main">
+    <mc:Choice Requires="p14">
       <p:transition p14:dur="0"/>
     </mc:Choice>
-    <mc:Fallback>
+    <mc:Fallback xmlns="">
       <p:transition/>
     </mc:Fallback>
   </mc:AlternateContent>
@@ -28491,11 +28491,11 @@
   <p:clrMapOvr>
     <a:masterClrMapping/>
   </p:clrMapOvr>
-  <mc:AlternateContent xmlns:mc="http://schemas.openxmlformats.org/markup-compatibility/2006">
-    <mc:Choice xmlns:p14="http://schemas.microsoft.com/office/powerpoint/2010/main" Requires="p14">
+  <mc:AlternateContent xmlns:mc="http://schemas.openxmlformats.org/markup-compatibility/2006" xmlns:p14="http://schemas.microsoft.com/office/powerpoint/2010/main">
+    <mc:Choice Requires="p14">
       <p:transition p14:dur="0"/>
     </mc:Choice>
-    <mc:Fallback>
+    <mc:Fallback xmlns="">
       <p:transition/>
     </mc:Fallback>
   </mc:AlternateContent>
@@ -29205,11 +29205,11 @@
   <p:clrMapOvr>
     <a:masterClrMapping/>
   </p:clrMapOvr>
-  <mc:AlternateContent xmlns:mc="http://schemas.openxmlformats.org/markup-compatibility/2006">
-    <mc:Choice xmlns:p14="http://schemas.microsoft.com/office/powerpoint/2010/main" Requires="p14">
+  <mc:AlternateContent xmlns:mc="http://schemas.openxmlformats.org/markup-compatibility/2006" xmlns:p14="http://schemas.microsoft.com/office/powerpoint/2010/main">
+    <mc:Choice Requires="p14">
       <p:transition p14:dur="0"/>
     </mc:Choice>
-    <mc:Fallback>
+    <mc:Fallback xmlns="">
       <p:transition/>
     </mc:Fallback>
   </mc:AlternateContent>
@@ -29983,11 +29983,11 @@
   <p:clrMapOvr>
     <a:masterClrMapping/>
   </p:clrMapOvr>
-  <mc:AlternateContent xmlns:mc="http://schemas.openxmlformats.org/markup-compatibility/2006">
-    <mc:Choice xmlns:p14="http://schemas.microsoft.com/office/powerpoint/2010/main" Requires="p14">
+  <mc:AlternateContent xmlns:mc="http://schemas.openxmlformats.org/markup-compatibility/2006" xmlns:p14="http://schemas.microsoft.com/office/powerpoint/2010/main">
+    <mc:Choice Requires="p14">
       <p:transition p14:dur="0"/>
     </mc:Choice>
-    <mc:Fallback>
+    <mc:Fallback xmlns="">
       <p:transition/>
     </mc:Fallback>
   </mc:AlternateContent>
@@ -30107,7 +30107,7 @@
             </a:r>
             <a:r>
               <a:rPr lang="en" dirty="0" smtClean="0"/>
-              <a:t>1239</a:t>
+              <a:t>1941</a:t>
             </a:r>
             <a:endParaRPr lang="en" dirty="0"/>
           </a:p>
@@ -30681,11 +30681,11 @@
   <p:clrMapOvr>
     <a:masterClrMapping/>
   </p:clrMapOvr>
-  <mc:AlternateContent xmlns:mc="http://schemas.openxmlformats.org/markup-compatibility/2006">
-    <mc:Choice xmlns:p14="http://schemas.microsoft.com/office/powerpoint/2010/main" Requires="p14">
+  <mc:AlternateContent xmlns:mc="http://schemas.openxmlformats.org/markup-compatibility/2006" xmlns:p14="http://schemas.microsoft.com/office/powerpoint/2010/main">
+    <mc:Choice Requires="p14">
       <p:transition p14:dur="0"/>
     </mc:Choice>
-    <mc:Fallback>
+    <mc:Fallback xmlns="">
       <p:transition/>
     </mc:Fallback>
   </mc:AlternateContent>
@@ -31395,11 +31395,11 @@
   <p:clrMapOvr>
     <a:masterClrMapping/>
   </p:clrMapOvr>
-  <mc:AlternateContent xmlns:mc="http://schemas.openxmlformats.org/markup-compatibility/2006">
-    <mc:Choice xmlns:p14="http://schemas.microsoft.com/office/powerpoint/2010/main" Requires="p14">
+  <mc:AlternateContent xmlns:mc="http://schemas.openxmlformats.org/markup-compatibility/2006" xmlns:p14="http://schemas.microsoft.com/office/powerpoint/2010/main">
+    <mc:Choice Requires="p14">
       <p:transition p14:dur="0"/>
     </mc:Choice>
-    <mc:Fallback>
+    <mc:Fallback xmlns="">
       <p:transition/>
     </mc:Fallback>
   </mc:AlternateContent>
@@ -32090,11 +32090,11 @@
   <p:clrMapOvr>
     <a:masterClrMapping/>
   </p:clrMapOvr>
-  <mc:AlternateContent xmlns:mc="http://schemas.openxmlformats.org/markup-compatibility/2006">
-    <mc:Choice xmlns:p14="http://schemas.microsoft.com/office/powerpoint/2010/main" Requires="p14">
+  <mc:AlternateContent xmlns:mc="http://schemas.openxmlformats.org/markup-compatibility/2006" xmlns:p14="http://schemas.microsoft.com/office/powerpoint/2010/main">
+    <mc:Choice Requires="p14">
       <p:transition p14:dur="0"/>
     </mc:Choice>
-    <mc:Fallback>
+    <mc:Fallback xmlns="">
       <p:transition/>
     </mc:Fallback>
   </mc:AlternateContent>
@@ -32804,11 +32804,11 @@
   <p:clrMapOvr>
     <a:masterClrMapping/>
   </p:clrMapOvr>
-  <mc:AlternateContent xmlns:mc="http://schemas.openxmlformats.org/markup-compatibility/2006">
-    <mc:Choice xmlns:p14="http://schemas.microsoft.com/office/powerpoint/2010/main" Requires="p14">
+  <mc:AlternateContent xmlns:mc="http://schemas.openxmlformats.org/markup-compatibility/2006" xmlns:p14="http://schemas.microsoft.com/office/powerpoint/2010/main">
+    <mc:Choice Requires="p14">
       <p:transition p14:dur="0"/>
     </mc:Choice>
-    <mc:Fallback>
+    <mc:Fallback xmlns="">
       <p:transition/>
     </mc:Fallback>
   </mc:AlternateContent>
@@ -32973,11 +32973,11 @@
   <p:clrMapOvr>
     <a:masterClrMapping/>
   </p:clrMapOvr>
-  <mc:AlternateContent xmlns:mc="http://schemas.openxmlformats.org/markup-compatibility/2006">
-    <mc:Choice xmlns:p14="http://schemas.microsoft.com/office/powerpoint/2010/main" Requires="p14">
+  <mc:AlternateContent xmlns:mc="http://schemas.openxmlformats.org/markup-compatibility/2006" xmlns:p14="http://schemas.microsoft.com/office/powerpoint/2010/main">
+    <mc:Choice Requires="p14">
       <p:transition p14:dur="0"/>
     </mc:Choice>
-    <mc:Fallback>
+    <mc:Fallback xmlns="">
       <p:transition/>
     </mc:Fallback>
   </mc:AlternateContent>
@@ -33690,11 +33690,11 @@
   <p:clrMapOvr>
     <a:masterClrMapping/>
   </p:clrMapOvr>
-  <mc:AlternateContent xmlns:mc="http://schemas.openxmlformats.org/markup-compatibility/2006">
-    <mc:Choice xmlns:p14="http://schemas.microsoft.com/office/powerpoint/2010/main" Requires="p14">
+  <mc:AlternateContent xmlns:mc="http://schemas.openxmlformats.org/markup-compatibility/2006" xmlns:p14="http://schemas.microsoft.com/office/powerpoint/2010/main">
+    <mc:Choice Requires="p14">
       <p:transition p14:dur="0"/>
     </mc:Choice>
-    <mc:Fallback>
+    <mc:Fallback xmlns="">
       <p:transition/>
     </mc:Fallback>
   </mc:AlternateContent>
@@ -33867,11 +33867,11 @@
   <p:clrMapOvr>
     <a:masterClrMapping/>
   </p:clrMapOvr>
-  <mc:AlternateContent xmlns:mc="http://schemas.openxmlformats.org/markup-compatibility/2006">
-    <mc:Choice xmlns:p14="http://schemas.microsoft.com/office/powerpoint/2010/main" Requires="p14">
+  <mc:AlternateContent xmlns:mc="http://schemas.openxmlformats.org/markup-compatibility/2006" xmlns:p14="http://schemas.microsoft.com/office/powerpoint/2010/main">
+    <mc:Choice Requires="p14">
       <p:transition p14:dur="0"/>
     </mc:Choice>
-    <mc:Fallback>
+    <mc:Fallback xmlns="">
       <p:transition/>
     </mc:Fallback>
   </mc:AlternateContent>
@@ -34596,11 +34596,11 @@
   <p:clrMapOvr>
     <a:masterClrMapping/>
   </p:clrMapOvr>
-  <mc:AlternateContent xmlns:mc="http://schemas.openxmlformats.org/markup-compatibility/2006">
-    <mc:Choice xmlns:p14="http://schemas.microsoft.com/office/powerpoint/2010/main" Requires="p14">
+  <mc:AlternateContent xmlns:mc="http://schemas.openxmlformats.org/markup-compatibility/2006" xmlns:p14="http://schemas.microsoft.com/office/powerpoint/2010/main">
+    <mc:Choice Requires="p14">
       <p:transition p14:dur="0"/>
     </mc:Choice>
-    <mc:Fallback>
+    <mc:Fallback xmlns="">
       <p:transition/>
     </mc:Fallback>
   </mc:AlternateContent>
@@ -35498,11 +35498,11 @@
   <p:clrMapOvr>
     <a:masterClrMapping/>
   </p:clrMapOvr>
-  <mc:AlternateContent xmlns:mc="http://schemas.openxmlformats.org/markup-compatibility/2006">
-    <mc:Choice xmlns:p14="http://schemas.microsoft.com/office/powerpoint/2010/main" Requires="p14">
+  <mc:AlternateContent xmlns:mc="http://schemas.openxmlformats.org/markup-compatibility/2006" xmlns:p14="http://schemas.microsoft.com/office/powerpoint/2010/main">
+    <mc:Choice Requires="p14">
       <p:transition p14:dur="0"/>
     </mc:Choice>
-    <mc:Fallback>
+    <mc:Fallback xmlns="">
       <p:transition/>
     </mc:Fallback>
   </mc:AlternateContent>
@@ -35653,7 +35653,7 @@
               <a:rPr lang="en" dirty="0" smtClean="0">
                 <a:sym typeface="Wingdings" pitchFamily="2" charset="2"/>
               </a:rPr>
-              <a:t>716</a:t>
+              <a:t>843</a:t>
             </a:r>
             <a:endParaRPr lang="en" dirty="0"/>
           </a:p>
@@ -35672,8 +35672,13 @@
             </a:r>
             <a:r>
               <a:rPr lang="en" dirty="0" smtClean="0"/>
-              <a:t>Game		     283</a:t>
+              <a:t>Game		     </a:t>
             </a:r>
+            <a:r>
+              <a:rPr lang="en" dirty="0" smtClean="0"/>
+              <a:t>511</a:t>
+            </a:r>
+            <a:endParaRPr lang="en" dirty="0" smtClean="0"/>
           </a:p>
           <a:p>
             <a:pPr marL="228600" lvl="0">
@@ -35686,7 +35691,13 @@
               <a:rPr lang="en" dirty="0" smtClean="0">
                 <a:sym typeface="Wingdings" pitchFamily="2" charset="2"/>
               </a:rPr>
-              <a:t> Gui		     240</a:t>
+              <a:t> Gui		     </a:t>
+            </a:r>
+            <a:r>
+              <a:rPr lang="en" dirty="0" smtClean="0">
+                <a:sym typeface="Wingdings" pitchFamily="2" charset="2"/>
+              </a:rPr>
+              <a:t>587</a:t>
             </a:r>
             <a:endParaRPr lang="en" dirty="0"/>
           </a:p>
@@ -36260,11 +36271,11 @@
   <p:clrMapOvr>
     <a:masterClrMapping/>
   </p:clrMapOvr>
-  <mc:AlternateContent xmlns:mc="http://schemas.openxmlformats.org/markup-compatibility/2006">
-    <mc:Choice xmlns:p14="http://schemas.microsoft.com/office/powerpoint/2010/main" Requires="p14">
+  <mc:AlternateContent xmlns:mc="http://schemas.openxmlformats.org/markup-compatibility/2006" xmlns:p14="http://schemas.microsoft.com/office/powerpoint/2010/main">
+    <mc:Choice Requires="p14">
       <p:transition p14:dur="0"/>
     </mc:Choice>
-    <mc:Fallback>
+    <mc:Fallback xmlns="">
       <p:transition/>
     </mc:Fallback>
   </mc:AlternateContent>
@@ -36384,8 +36395,13 @@
             </a:r>
             <a:r>
               <a:rPr lang="en" dirty="0" smtClean="0"/>
-              <a:t> 1239</a:t>
+              <a:t> </a:t>
             </a:r>
+            <a:r>
+              <a:rPr lang="en" dirty="0" smtClean="0"/>
+              <a:t>1941</a:t>
+            </a:r>
+            <a:endParaRPr lang="en" dirty="0" smtClean="0"/>
           </a:p>
           <a:p>
             <a:pPr marL="457200" lvl="0" indent="-228600" rtl="0">
@@ -36405,8 +36421,13 @@
             </a:r>
             <a:r>
               <a:rPr lang="en" dirty="0" smtClean="0"/>
-              <a:t> 431</a:t>
+              <a:t> </a:t>
             </a:r>
+            <a:r>
+              <a:rPr lang="en" dirty="0" smtClean="0"/>
+              <a:t>854</a:t>
+            </a:r>
+            <a:endParaRPr lang="en" dirty="0" smtClean="0"/>
           </a:p>
           <a:p>
             <a:pPr marL="457200" lvl="0" indent="-228600" rtl="0">
@@ -36426,8 +36447,13 @@
             </a:r>
             <a:r>
               <a:rPr lang="en" dirty="0" smtClean="0"/>
-              <a:t> 118</a:t>
+              <a:t> </a:t>
             </a:r>
+            <a:r>
+              <a:rPr lang="en" dirty="0" smtClean="0"/>
+              <a:t>152</a:t>
+            </a:r>
+            <a:endParaRPr lang="en" dirty="0" smtClean="0"/>
           </a:p>
           <a:p>
             <a:pPr marL="457200" lvl="0" indent="-228600" rtl="0">
@@ -36447,8 +36473,13 @@
             </a:r>
             <a:r>
               <a:rPr lang="en" dirty="0" smtClean="0"/>
-              <a:t> 38</a:t>
+              <a:t> </a:t>
             </a:r>
+            <a:r>
+              <a:rPr lang="en" dirty="0" smtClean="0"/>
+              <a:t>48</a:t>
+            </a:r>
+            <a:endParaRPr lang="en" dirty="0" smtClean="0"/>
           </a:p>
           <a:p>
             <a:pPr marL="457200" lvl="0" indent="-228600" rtl="0">
@@ -36468,8 +36499,13 @@
             </a:r>
             <a:r>
               <a:rPr lang="en" dirty="0" smtClean="0"/>
-              <a:t> 37</a:t>
+              <a:t> </a:t>
             </a:r>
+            <a:r>
+              <a:rPr lang="en" dirty="0" smtClean="0"/>
+              <a:t>44</a:t>
+            </a:r>
+            <a:endParaRPr lang="en" dirty="0" smtClean="0"/>
           </a:p>
           <a:p>
             <a:pPr marL="457200" lvl="0" indent="-228600" rtl="0">
@@ -37059,11 +37095,11 @@
   <p:clrMapOvr>
     <a:masterClrMapping/>
   </p:clrMapOvr>
-  <mc:AlternateContent xmlns:mc="http://schemas.openxmlformats.org/markup-compatibility/2006">
-    <mc:Choice xmlns:p14="http://schemas.microsoft.com/office/powerpoint/2010/main" Requires="p14">
+  <mc:AlternateContent xmlns:mc="http://schemas.openxmlformats.org/markup-compatibility/2006" xmlns:p14="http://schemas.microsoft.com/office/powerpoint/2010/main">
+    <mc:Choice Requires="p14">
       <p:transition p14:dur="0"/>
     </mc:Choice>
-    <mc:Fallback>
+    <mc:Fallback xmlns="">
       <p:transition/>
     </mc:Fallback>
   </mc:AlternateContent>
@@ -37183,8 +37219,13 @@
             </a:r>
             <a:r>
               <a:rPr lang="en" dirty="0" smtClean="0"/>
-              <a:t> 259</a:t>
+              <a:t> </a:t>
             </a:r>
+            <a:r>
+              <a:rPr lang="en" dirty="0" smtClean="0"/>
+              <a:t>308</a:t>
+            </a:r>
+            <a:endParaRPr lang="en" dirty="0" smtClean="0"/>
           </a:p>
           <a:p>
             <a:pPr marL="457200" lvl="0" indent="-228600" rtl="0">
@@ -37204,7 +37245,15 @@
             </a:r>
             <a:r>
               <a:rPr lang="en" dirty="0" smtClean="0"/>
-              <a:t> 82,9%</a:t>
+              <a:t> </a:t>
+            </a:r>
+            <a:r>
+              <a:rPr lang="en" dirty="0" smtClean="0"/>
+              <a:t>78.9</a:t>
+            </a:r>
+            <a:r>
+              <a:rPr lang="en" dirty="0" smtClean="0"/>
+              <a:t>%</a:t>
             </a:r>
           </a:p>
           <a:p>
@@ -37225,8 +37274,13 @@
             </a:r>
             <a:r>
               <a:rPr lang="en" dirty="0" smtClean="0"/>
-              <a:t> 19</a:t>
+              <a:t> </a:t>
             </a:r>
+            <a:r>
+              <a:rPr lang="en" dirty="0" smtClean="0"/>
+              <a:t>30</a:t>
+            </a:r>
+            <a:endParaRPr lang="en" dirty="0" smtClean="0"/>
           </a:p>
           <a:p>
             <a:pPr marL="457200" lvl="0" indent="-228600" rtl="0">
@@ -37248,7 +37302,19 @@
               <a:rPr lang="en" dirty="0" smtClean="0">
                 <a:sym typeface="Wingdings" pitchFamily="2" charset="2"/>
               </a:rPr>
-              <a:t> 17.3% Comments</a:t>
+              <a:t> </a:t>
+            </a:r>
+            <a:r>
+              <a:rPr lang="en" dirty="0" smtClean="0">
+                <a:sym typeface="Wingdings" pitchFamily="2" charset="2"/>
+              </a:rPr>
+              <a:t>13.7% </a:t>
+            </a:r>
+            <a:r>
+              <a:rPr lang="en" dirty="0" smtClean="0">
+                <a:sym typeface="Wingdings" pitchFamily="2" charset="2"/>
+              </a:rPr>
+              <a:t>Comments</a:t>
             </a:r>
             <a:endParaRPr lang="en" dirty="0"/>
           </a:p>
@@ -37822,11 +37888,11 @@
   <p:clrMapOvr>
     <a:masterClrMapping/>
   </p:clrMapOvr>
-  <mc:AlternateContent xmlns:mc="http://schemas.openxmlformats.org/markup-compatibility/2006">
-    <mc:Choice xmlns:p14="http://schemas.microsoft.com/office/powerpoint/2010/main" Requires="p14">
+  <mc:AlternateContent xmlns:mc="http://schemas.openxmlformats.org/markup-compatibility/2006" xmlns:p14="http://schemas.microsoft.com/office/powerpoint/2010/main">
+    <mc:Choice Requires="p14">
       <p:transition p14:dur="0"/>
     </mc:Choice>
-    <mc:Fallback>
+    <mc:Fallback xmlns="">
       <p:transition/>
     </mc:Fallback>
   </mc:AlternateContent>
@@ -38000,11 +38066,11 @@
   <p:clrMapOvr>
     <a:masterClrMapping/>
   </p:clrMapOvr>
-  <mc:AlternateContent xmlns:mc="http://schemas.openxmlformats.org/markup-compatibility/2006">
-    <mc:Choice xmlns:p14="http://schemas.microsoft.com/office/powerpoint/2010/main" Requires="p14">
+  <mc:AlternateContent xmlns:mc="http://schemas.openxmlformats.org/markup-compatibility/2006" xmlns:p14="http://schemas.microsoft.com/office/powerpoint/2010/main">
+    <mc:Choice Requires="p14">
       <p:transition p14:dur="0"/>
     </mc:Choice>
-    <mc:Fallback>
+    <mc:Fallback xmlns="">
       <p:transition/>
     </mc:Fallback>
   </mc:AlternateContent>
@@ -38706,11 +38772,11 @@
   <p:clrMapOvr>
     <a:masterClrMapping/>
   </p:clrMapOvr>
-  <mc:AlternateContent xmlns:mc="http://schemas.openxmlformats.org/markup-compatibility/2006">
-    <mc:Choice xmlns:p14="http://schemas.microsoft.com/office/powerpoint/2010/main" Requires="p14">
+  <mc:AlternateContent xmlns:mc="http://schemas.openxmlformats.org/markup-compatibility/2006" xmlns:p14="http://schemas.microsoft.com/office/powerpoint/2010/main">
+    <mc:Choice Requires="p14">
       <p:transition p14:dur="0"/>
     </mc:Choice>
-    <mc:Fallback>
+    <mc:Fallback xmlns="">
       <p:transition/>
     </mc:Fallback>
   </mc:AlternateContent>

--- a/Presentation/Presentation.pptx
+++ b/Presentation/Presentation.pptx
@@ -5,7 +5,7 @@
     <p:sldMasterId id="2147483658" r:id="rId1"/>
   </p:sldMasterIdLst>
   <p:notesMasterIdLst>
-    <p:notesMasterId r:id="rId49"/>
+    <p:notesMasterId r:id="rId50"/>
   </p:notesMasterIdLst>
   <p:sldIdLst>
     <p:sldId id="256" r:id="rId2"/>
@@ -52,26 +52,27 @@
     <p:sldId id="284" r:id="rId43"/>
     <p:sldId id="265" r:id="rId44"/>
     <p:sldId id="266" r:id="rId45"/>
-    <p:sldId id="267" r:id="rId46"/>
-    <p:sldId id="268" r:id="rId47"/>
-    <p:sldId id="269" r:id="rId48"/>
+    <p:sldId id="315" r:id="rId46"/>
+    <p:sldId id="267" r:id="rId47"/>
+    <p:sldId id="268" r:id="rId48"/>
+    <p:sldId id="269" r:id="rId49"/>
   </p:sldIdLst>
   <p:sldSz cx="9144000" cy="5143500" type="screen16x9"/>
   <p:notesSz cx="6858000" cy="9144000"/>
   <p:embeddedFontLst>
     <p:embeddedFont>
-      <p:font typeface="Lora" charset="0"/>
-      <p:regular r:id="rId50"/>
-      <p:bold r:id="rId51"/>
-      <p:italic r:id="rId52"/>
-      <p:boldItalic r:id="rId53"/>
+      <p:font typeface="Quattrocento Sans" charset="0"/>
+      <p:regular r:id="rId51"/>
+      <p:bold r:id="rId52"/>
+      <p:italic r:id="rId53"/>
+      <p:boldItalic r:id="rId54"/>
     </p:embeddedFont>
     <p:embeddedFont>
-      <p:font typeface="Quattrocento Sans" charset="0"/>
-      <p:regular r:id="rId54"/>
-      <p:bold r:id="rId55"/>
-      <p:italic r:id="rId56"/>
-      <p:boldItalic r:id="rId57"/>
+      <p:font typeface="Lora" charset="0"/>
+      <p:regular r:id="rId55"/>
+      <p:bold r:id="rId56"/>
+      <p:italic r:id="rId57"/>
+      <p:boldItalic r:id="rId58"/>
     </p:embeddedFont>
   </p:embeddedFontLst>
   <p:defaultTextStyle>
@@ -4621,6 +4622,107 @@
   <p:cSld>
     <p:spTree>
       <p:nvGrpSpPr>
+        <p:cNvPr id="1" name="Shape 107"/>
+        <p:cNvGrpSpPr/>
+        <p:nvPr/>
+      </p:nvGrpSpPr>
+      <p:grpSpPr>
+        <a:xfrm>
+          <a:off x="0" y="0"/>
+          <a:ext cx="0" cy="0"/>
+          <a:chOff x="0" y="0"/>
+          <a:chExt cx="0" cy="0"/>
+        </a:xfrm>
+      </p:grpSpPr>
+      <p:sp>
+        <p:nvSpPr>
+          <p:cNvPr id="108" name="Shape 108"/>
+          <p:cNvSpPr>
+            <a:spLocks noGrp="1" noRot="1" noChangeAspect="1"/>
+          </p:cNvSpPr>
+          <p:nvPr>
+            <p:ph type="sldImg" idx="2"/>
+          </p:nvPr>
+        </p:nvSpPr>
+        <p:spPr>
+          <a:xfrm>
+            <a:off x="381000" y="685800"/>
+            <a:ext cx="6096000" cy="3429000"/>
+          </a:xfrm>
+          <a:custGeom>
+            <a:avLst/>
+            <a:gdLst/>
+            <a:ahLst/>
+            <a:cxnLst/>
+            <a:rect l="0" t="0" r="0" b="0"/>
+            <a:pathLst>
+              <a:path w="120000" h="120000" extrusionOk="0">
+                <a:moveTo>
+                  <a:pt x="0" y="0"/>
+                </a:moveTo>
+                <a:lnTo>
+                  <a:pt x="120000" y="0"/>
+                </a:lnTo>
+                <a:lnTo>
+                  <a:pt x="120000" y="120000"/>
+                </a:lnTo>
+                <a:lnTo>
+                  <a:pt x="0" y="120000"/>
+                </a:lnTo>
+                <a:close/>
+              </a:path>
+            </a:pathLst>
+          </a:custGeom>
+        </p:spPr>
+      </p:sp>
+      <p:sp>
+        <p:nvSpPr>
+          <p:cNvPr id="109" name="Shape 109"/>
+          <p:cNvSpPr txBox="1">
+            <a:spLocks noGrp="1"/>
+          </p:cNvSpPr>
+          <p:nvPr>
+            <p:ph type="body" idx="1"/>
+          </p:nvPr>
+        </p:nvSpPr>
+        <p:spPr>
+          <a:xfrm>
+            <a:off x="685800" y="4343400"/>
+            <a:ext cx="5486399" cy="4114800"/>
+          </a:xfrm>
+          <a:prstGeom prst="rect">
+            <a:avLst/>
+          </a:prstGeom>
+        </p:spPr>
+        <p:txBody>
+          <a:bodyPr lIns="91425" tIns="91425" rIns="91425" bIns="91425" anchor="t" anchorCtr="0">
+            <a:noAutofit/>
+          </a:bodyPr>
+          <a:lstStyle/>
+          <a:p>
+            <a:pPr lvl="0">
+              <a:spcBef>
+                <a:spcPts val="0"/>
+              </a:spcBef>
+              <a:buNone/>
+            </a:pPr>
+            <a:endParaRPr dirty="0"/>
+          </a:p>
+        </p:txBody>
+      </p:sp>
+    </p:spTree>
+  </p:cSld>
+  <p:clrMapOvr>
+    <a:masterClrMapping/>
+  </p:clrMapOvr>
+</p:notes>
+</file>
+
+<file path=ppt/notesSlides/notesSlide46.xml><?xml version="1.0" encoding="utf-8"?>
+<p:notes xmlns:a="http://schemas.openxmlformats.org/drawingml/2006/main" xmlns:r="http://schemas.openxmlformats.org/officeDocument/2006/relationships" xmlns:p="http://schemas.openxmlformats.org/presentationml/2006/main" showMasterSp="0" showMasterPhAnim="0">
+  <p:cSld>
+    <p:spTree>
+      <p:nvGrpSpPr>
         <p:cNvPr id="1" name="Shape 95"/>
         <p:cNvGrpSpPr/>
         <p:nvPr/>
@@ -4717,7 +4819,7 @@
 </p:notes>
 </file>
 
-<file path=ppt/notesSlides/notesSlide46.xml><?xml version="1.0" encoding="utf-8"?>
+<file path=ppt/notesSlides/notesSlide47.xml><?xml version="1.0" encoding="utf-8"?>
 <p:notes xmlns:a="http://schemas.openxmlformats.org/drawingml/2006/main" xmlns:r="http://schemas.openxmlformats.org/officeDocument/2006/relationships" xmlns:p="http://schemas.openxmlformats.org/presentationml/2006/main" showMasterSp="0" showMasterPhAnim="0">
   <p:cSld>
     <p:spTree>
@@ -4818,7 +4920,7 @@
 </p:notes>
 </file>
 
-<file path=ppt/notesSlides/notesSlide47.xml><?xml version="1.0" encoding="utf-8"?>
+<file path=ppt/notesSlides/notesSlide48.xml><?xml version="1.0" encoding="utf-8"?>
 <p:notes xmlns:a="http://schemas.openxmlformats.org/drawingml/2006/main" xmlns:r="http://schemas.openxmlformats.org/officeDocument/2006/relationships" xmlns:p="http://schemas.openxmlformats.org/presentationml/2006/main" showMasterSp="0" showMasterPhAnim="0">
   <p:cSld>
     <p:spTree>
@@ -33713,6 +33815,1439 @@
   <p:cSld>
     <p:spTree>
       <p:nvGrpSpPr>
+        <p:cNvPr id="1" name="Shape 110"/>
+        <p:cNvGrpSpPr/>
+        <p:nvPr/>
+      </p:nvGrpSpPr>
+      <p:grpSpPr>
+        <a:xfrm>
+          <a:off x="0" y="0"/>
+          <a:ext cx="0" cy="0"/>
+          <a:chOff x="0" y="0"/>
+          <a:chExt cx="0" cy="0"/>
+        </a:xfrm>
+      </p:grpSpPr>
+      <p:sp>
+        <p:nvSpPr>
+          <p:cNvPr id="111" name="Shape 111"/>
+          <p:cNvSpPr txBox="1">
+            <a:spLocks noGrp="1"/>
+          </p:cNvSpPr>
+          <p:nvPr>
+            <p:ph type="title"/>
+          </p:nvPr>
+        </p:nvSpPr>
+        <p:spPr>
+          <a:xfrm>
+            <a:off x="1381250" y="922668"/>
+            <a:ext cx="3878399" cy="435599"/>
+          </a:xfrm>
+          <a:prstGeom prst="rect">
+            <a:avLst/>
+          </a:prstGeom>
+        </p:spPr>
+        <p:txBody>
+          <a:bodyPr lIns="91425" tIns="91425" rIns="91425" bIns="91425" anchor="ctr" anchorCtr="0">
+            <a:noAutofit/>
+          </a:bodyPr>
+          <a:lstStyle/>
+          <a:p>
+            <a:pPr lvl="0">
+              <a:spcBef>
+                <a:spcPts val="0"/>
+              </a:spcBef>
+              <a:buNone/>
+            </a:pPr>
+            <a:r>
+              <a:rPr lang="en" dirty="0" smtClean="0">
+                <a:highlight>
+                  <a:srgbClr val="FFCD00"/>
+                </a:highlight>
+              </a:rPr>
+              <a:t>Arbeitsaufteilung</a:t>
+            </a:r>
+            <a:endParaRPr lang="en" dirty="0">
+              <a:highlight>
+                <a:srgbClr val="FFCD00"/>
+              </a:highlight>
+            </a:endParaRPr>
+          </a:p>
+        </p:txBody>
+      </p:sp>
+      <p:grpSp>
+        <p:nvGrpSpPr>
+          <p:cNvPr id="113" name="Shape 113"/>
+          <p:cNvGrpSpPr/>
+          <p:nvPr/>
+        </p:nvGrpSpPr>
+        <p:grpSpPr>
+          <a:xfrm>
+            <a:off x="916458" y="1019750"/>
+            <a:ext cx="214624" cy="214624"/>
+            <a:chOff x="2594050" y="1631825"/>
+            <a:chExt cx="439625" cy="439625"/>
+          </a:xfrm>
+        </p:grpSpPr>
+        <p:sp>
+          <p:nvSpPr>
+            <p:cNvPr id="114" name="Shape 114"/>
+            <p:cNvSpPr/>
+            <p:nvPr/>
+          </p:nvSpPr>
+          <p:spPr>
+            <a:xfrm>
+              <a:off x="2594050" y="1883300"/>
+              <a:ext cx="188175" cy="188150"/>
+            </a:xfrm>
+            <a:custGeom>
+              <a:avLst/>
+              <a:gdLst/>
+              <a:ahLst/>
+              <a:cxnLst/>
+              <a:rect l="0" t="0" r="0" b="0"/>
+              <a:pathLst>
+                <a:path w="7527" h="7526" fill="none" extrusionOk="0">
+                  <a:moveTo>
+                    <a:pt x="5992" y="0"/>
+                  </a:moveTo>
+                  <a:lnTo>
+                    <a:pt x="537" y="6430"/>
+                  </a:lnTo>
+                  <a:lnTo>
+                    <a:pt x="1" y="7526"/>
+                  </a:lnTo>
+                  <a:lnTo>
+                    <a:pt x="1097" y="6990"/>
+                  </a:lnTo>
+                  <a:lnTo>
+                    <a:pt x="7526" y="1534"/>
+                  </a:lnTo>
+                  <a:lnTo>
+                    <a:pt x="5992" y="0"/>
+                  </a:lnTo>
+                  <a:close/>
+                </a:path>
+              </a:pathLst>
+            </a:custGeom>
+            <a:noFill/>
+            <a:ln w="9525" cap="rnd" cmpd="sng">
+              <a:solidFill>
+                <a:srgbClr val="000000"/>
+              </a:solidFill>
+              <a:prstDash val="solid"/>
+              <a:round/>
+              <a:headEnd type="none" w="med" len="med"/>
+              <a:tailEnd type="none" w="med" len="med"/>
+            </a:ln>
+          </p:spPr>
+          <p:txBody>
+            <a:bodyPr lIns="91425" tIns="91425" rIns="91425" bIns="91425" anchor="ctr" anchorCtr="0">
+              <a:noAutofit/>
+            </a:bodyPr>
+            <a:lstStyle/>
+            <a:p>
+              <a:pPr lvl="0">
+                <a:spcBef>
+                  <a:spcPts val="0"/>
+                </a:spcBef>
+                <a:buNone/>
+              </a:pPr>
+              <a:endParaRPr/>
+            </a:p>
+          </p:txBody>
+        </p:sp>
+        <p:sp>
+          <p:nvSpPr>
+            <p:cNvPr id="115" name="Shape 115"/>
+            <p:cNvSpPr/>
+            <p:nvPr/>
+          </p:nvSpPr>
+          <p:spPr>
+            <a:xfrm>
+              <a:off x="2857700" y="1631825"/>
+              <a:ext cx="175975" cy="176000"/>
+            </a:xfrm>
+            <a:custGeom>
+              <a:avLst/>
+              <a:gdLst/>
+              <a:ahLst/>
+              <a:cxnLst/>
+              <a:rect l="0" t="0" r="0" b="0"/>
+              <a:pathLst>
+                <a:path w="7039" h="7040" fill="none" extrusionOk="0">
+                  <a:moveTo>
+                    <a:pt x="268" y="2704"/>
+                  </a:moveTo>
+                  <a:lnTo>
+                    <a:pt x="4336" y="6771"/>
+                  </a:lnTo>
+                  <a:lnTo>
+                    <a:pt x="4336" y="6771"/>
+                  </a:lnTo>
+                  <a:lnTo>
+                    <a:pt x="4336" y="6771"/>
+                  </a:lnTo>
+                  <a:lnTo>
+                    <a:pt x="4652" y="6917"/>
+                  </a:lnTo>
+                  <a:lnTo>
+                    <a:pt x="4993" y="7015"/>
+                  </a:lnTo>
+                  <a:lnTo>
+                    <a:pt x="5310" y="7039"/>
+                  </a:lnTo>
+                  <a:lnTo>
+                    <a:pt x="5651" y="7039"/>
+                  </a:lnTo>
+                  <a:lnTo>
+                    <a:pt x="5992" y="6966"/>
+                  </a:lnTo>
+                  <a:lnTo>
+                    <a:pt x="6308" y="6844"/>
+                  </a:lnTo>
+                  <a:lnTo>
+                    <a:pt x="6454" y="6747"/>
+                  </a:lnTo>
+                  <a:lnTo>
+                    <a:pt x="6601" y="6674"/>
+                  </a:lnTo>
+                  <a:lnTo>
+                    <a:pt x="6747" y="6552"/>
+                  </a:lnTo>
+                  <a:lnTo>
+                    <a:pt x="6893" y="6430"/>
+                  </a:lnTo>
+                  <a:lnTo>
+                    <a:pt x="6893" y="6430"/>
+                  </a:lnTo>
+                  <a:lnTo>
+                    <a:pt x="6942" y="6357"/>
+                  </a:lnTo>
+                  <a:lnTo>
+                    <a:pt x="7015" y="6260"/>
+                  </a:lnTo>
+                  <a:lnTo>
+                    <a:pt x="7039" y="6138"/>
+                  </a:lnTo>
+                  <a:lnTo>
+                    <a:pt x="7039" y="6041"/>
+                  </a:lnTo>
+                  <a:lnTo>
+                    <a:pt x="7039" y="6041"/>
+                  </a:lnTo>
+                  <a:lnTo>
+                    <a:pt x="7039" y="5943"/>
+                  </a:lnTo>
+                  <a:lnTo>
+                    <a:pt x="7015" y="5846"/>
+                  </a:lnTo>
+                  <a:lnTo>
+                    <a:pt x="6942" y="5748"/>
+                  </a:lnTo>
+                  <a:lnTo>
+                    <a:pt x="6893" y="5651"/>
+                  </a:lnTo>
+                  <a:lnTo>
+                    <a:pt x="1389" y="147"/>
+                  </a:lnTo>
+                  <a:lnTo>
+                    <a:pt x="1389" y="147"/>
+                  </a:lnTo>
+                  <a:lnTo>
+                    <a:pt x="1291" y="98"/>
+                  </a:lnTo>
+                  <a:lnTo>
+                    <a:pt x="1194" y="25"/>
+                  </a:lnTo>
+                  <a:lnTo>
+                    <a:pt x="1096" y="0"/>
+                  </a:lnTo>
+                  <a:lnTo>
+                    <a:pt x="999" y="0"/>
+                  </a:lnTo>
+                  <a:lnTo>
+                    <a:pt x="999" y="0"/>
+                  </a:lnTo>
+                  <a:lnTo>
+                    <a:pt x="902" y="0"/>
+                  </a:lnTo>
+                  <a:lnTo>
+                    <a:pt x="780" y="25"/>
+                  </a:lnTo>
+                  <a:lnTo>
+                    <a:pt x="682" y="98"/>
+                  </a:lnTo>
+                  <a:lnTo>
+                    <a:pt x="609" y="147"/>
+                  </a:lnTo>
+                  <a:lnTo>
+                    <a:pt x="609" y="147"/>
+                  </a:lnTo>
+                  <a:lnTo>
+                    <a:pt x="487" y="293"/>
+                  </a:lnTo>
+                  <a:lnTo>
+                    <a:pt x="366" y="439"/>
+                  </a:lnTo>
+                  <a:lnTo>
+                    <a:pt x="293" y="585"/>
+                  </a:lnTo>
+                  <a:lnTo>
+                    <a:pt x="195" y="731"/>
+                  </a:lnTo>
+                  <a:lnTo>
+                    <a:pt x="73" y="1048"/>
+                  </a:lnTo>
+                  <a:lnTo>
+                    <a:pt x="0" y="1389"/>
+                  </a:lnTo>
+                  <a:lnTo>
+                    <a:pt x="0" y="1730"/>
+                  </a:lnTo>
+                  <a:lnTo>
+                    <a:pt x="25" y="2046"/>
+                  </a:lnTo>
+                  <a:lnTo>
+                    <a:pt x="122" y="2387"/>
+                  </a:lnTo>
+                  <a:lnTo>
+                    <a:pt x="268" y="2704"/>
+                  </a:lnTo>
+                  <a:lnTo>
+                    <a:pt x="268" y="2704"/>
+                  </a:lnTo>
+                  <a:close/>
+                </a:path>
+              </a:pathLst>
+            </a:custGeom>
+            <a:noFill/>
+            <a:ln w="9525" cap="rnd" cmpd="sng">
+              <a:solidFill>
+                <a:srgbClr val="000000"/>
+              </a:solidFill>
+              <a:prstDash val="solid"/>
+              <a:round/>
+              <a:headEnd type="none" w="med" len="med"/>
+              <a:tailEnd type="none" w="med" len="med"/>
+            </a:ln>
+          </p:spPr>
+          <p:txBody>
+            <a:bodyPr lIns="91425" tIns="91425" rIns="91425" bIns="91425" anchor="ctr" anchorCtr="0">
+              <a:noAutofit/>
+            </a:bodyPr>
+            <a:lstStyle/>
+            <a:p>
+              <a:pPr lvl="0">
+                <a:spcBef>
+                  <a:spcPts val="0"/>
+                </a:spcBef>
+                <a:buNone/>
+              </a:pPr>
+              <a:endParaRPr/>
+            </a:p>
+          </p:txBody>
+        </p:sp>
+        <p:sp>
+          <p:nvSpPr>
+            <p:cNvPr id="116" name="Shape 116"/>
+            <p:cNvSpPr/>
+            <p:nvPr/>
+          </p:nvSpPr>
+          <p:spPr>
+            <a:xfrm>
+              <a:off x="2662850" y="1699400"/>
+              <a:ext cx="303250" cy="303250"/>
+            </a:xfrm>
+            <a:custGeom>
+              <a:avLst/>
+              <a:gdLst/>
+              <a:ahLst/>
+              <a:cxnLst/>
+              <a:rect l="0" t="0" r="0" b="0"/>
+              <a:pathLst>
+                <a:path w="12130" h="12130" fill="none" extrusionOk="0">
+                  <a:moveTo>
+                    <a:pt x="8038" y="1"/>
+                  </a:moveTo>
+                  <a:lnTo>
+                    <a:pt x="4872" y="3191"/>
+                  </a:lnTo>
+                  <a:lnTo>
+                    <a:pt x="4872" y="3191"/>
+                  </a:lnTo>
+                  <a:lnTo>
+                    <a:pt x="4628" y="3094"/>
+                  </a:lnTo>
+                  <a:lnTo>
+                    <a:pt x="4385" y="2997"/>
+                  </a:lnTo>
+                  <a:lnTo>
+                    <a:pt x="4092" y="2899"/>
+                  </a:lnTo>
+                  <a:lnTo>
+                    <a:pt x="3800" y="2850"/>
+                  </a:lnTo>
+                  <a:lnTo>
+                    <a:pt x="3484" y="2777"/>
+                  </a:lnTo>
+                  <a:lnTo>
+                    <a:pt x="3167" y="2729"/>
+                  </a:lnTo>
+                  <a:lnTo>
+                    <a:pt x="2850" y="2704"/>
+                  </a:lnTo>
+                  <a:lnTo>
+                    <a:pt x="2534" y="2704"/>
+                  </a:lnTo>
+                  <a:lnTo>
+                    <a:pt x="2534" y="2704"/>
+                  </a:lnTo>
+                  <a:lnTo>
+                    <a:pt x="2241" y="2704"/>
+                  </a:lnTo>
+                  <a:lnTo>
+                    <a:pt x="1949" y="2729"/>
+                  </a:lnTo>
+                  <a:lnTo>
+                    <a:pt x="1633" y="2777"/>
+                  </a:lnTo>
+                  <a:lnTo>
+                    <a:pt x="1316" y="2850"/>
+                  </a:lnTo>
+                  <a:lnTo>
+                    <a:pt x="999" y="2972"/>
+                  </a:lnTo>
+                  <a:lnTo>
+                    <a:pt x="707" y="3094"/>
+                  </a:lnTo>
+                  <a:lnTo>
+                    <a:pt x="415" y="3289"/>
+                  </a:lnTo>
+                  <a:lnTo>
+                    <a:pt x="147" y="3508"/>
+                  </a:lnTo>
+                  <a:lnTo>
+                    <a:pt x="147" y="3508"/>
+                  </a:lnTo>
+                  <a:lnTo>
+                    <a:pt x="74" y="3581"/>
+                  </a:lnTo>
+                  <a:lnTo>
+                    <a:pt x="25" y="3678"/>
+                  </a:lnTo>
+                  <a:lnTo>
+                    <a:pt x="1" y="3776"/>
+                  </a:lnTo>
+                  <a:lnTo>
+                    <a:pt x="1" y="3898"/>
+                  </a:lnTo>
+                  <a:lnTo>
+                    <a:pt x="1" y="3898"/>
+                  </a:lnTo>
+                  <a:lnTo>
+                    <a:pt x="1" y="3995"/>
+                  </a:lnTo>
+                  <a:lnTo>
+                    <a:pt x="25" y="4093"/>
+                  </a:lnTo>
+                  <a:lnTo>
+                    <a:pt x="74" y="4190"/>
+                  </a:lnTo>
+                  <a:lnTo>
+                    <a:pt x="147" y="4287"/>
+                  </a:lnTo>
+                  <a:lnTo>
+                    <a:pt x="7843" y="11984"/>
+                  </a:lnTo>
+                  <a:lnTo>
+                    <a:pt x="7843" y="11984"/>
+                  </a:lnTo>
+                  <a:lnTo>
+                    <a:pt x="7941" y="12057"/>
+                  </a:lnTo>
+                  <a:lnTo>
+                    <a:pt x="8038" y="12105"/>
+                  </a:lnTo>
+                  <a:lnTo>
+                    <a:pt x="8135" y="12130"/>
+                  </a:lnTo>
+                  <a:lnTo>
+                    <a:pt x="8233" y="12130"/>
+                  </a:lnTo>
+                  <a:lnTo>
+                    <a:pt x="8233" y="12130"/>
+                  </a:lnTo>
+                  <a:lnTo>
+                    <a:pt x="8355" y="12130"/>
+                  </a:lnTo>
+                  <a:lnTo>
+                    <a:pt x="8452" y="12105"/>
+                  </a:lnTo>
+                  <a:lnTo>
+                    <a:pt x="8549" y="12057"/>
+                  </a:lnTo>
+                  <a:lnTo>
+                    <a:pt x="8622" y="11984"/>
+                  </a:lnTo>
+                  <a:lnTo>
+                    <a:pt x="8622" y="11984"/>
+                  </a:lnTo>
+                  <a:lnTo>
+                    <a:pt x="8842" y="11716"/>
+                  </a:lnTo>
+                  <a:lnTo>
+                    <a:pt x="9036" y="11423"/>
+                  </a:lnTo>
+                  <a:lnTo>
+                    <a:pt x="9158" y="11131"/>
+                  </a:lnTo>
+                  <a:lnTo>
+                    <a:pt x="9280" y="10814"/>
+                  </a:lnTo>
+                  <a:lnTo>
+                    <a:pt x="9353" y="10498"/>
+                  </a:lnTo>
+                  <a:lnTo>
+                    <a:pt x="9402" y="10181"/>
+                  </a:lnTo>
+                  <a:lnTo>
+                    <a:pt x="9426" y="9889"/>
+                  </a:lnTo>
+                  <a:lnTo>
+                    <a:pt x="9426" y="9597"/>
+                  </a:lnTo>
+                  <a:lnTo>
+                    <a:pt x="9426" y="9597"/>
+                  </a:lnTo>
+                  <a:lnTo>
+                    <a:pt x="9426" y="9280"/>
+                  </a:lnTo>
+                  <a:lnTo>
+                    <a:pt x="9402" y="8964"/>
+                  </a:lnTo>
+                  <a:lnTo>
+                    <a:pt x="9353" y="8647"/>
+                  </a:lnTo>
+                  <a:lnTo>
+                    <a:pt x="9280" y="8330"/>
+                  </a:lnTo>
+                  <a:lnTo>
+                    <a:pt x="9231" y="8038"/>
+                  </a:lnTo>
+                  <a:lnTo>
+                    <a:pt x="9134" y="7746"/>
+                  </a:lnTo>
+                  <a:lnTo>
+                    <a:pt x="9036" y="7502"/>
+                  </a:lnTo>
+                  <a:lnTo>
+                    <a:pt x="8939" y="7259"/>
+                  </a:lnTo>
+                  <a:lnTo>
+                    <a:pt x="12130" y="4093"/>
+                  </a:lnTo>
+                </a:path>
+              </a:pathLst>
+            </a:custGeom>
+            <a:noFill/>
+            <a:ln w="9525" cap="rnd" cmpd="sng">
+              <a:solidFill>
+                <a:srgbClr val="000000"/>
+              </a:solidFill>
+              <a:prstDash val="solid"/>
+              <a:round/>
+              <a:headEnd type="none" w="med" len="med"/>
+              <a:tailEnd type="none" w="med" len="med"/>
+            </a:ln>
+          </p:spPr>
+          <p:txBody>
+            <a:bodyPr lIns="91425" tIns="91425" rIns="91425" bIns="91425" anchor="ctr" anchorCtr="0">
+              <a:noAutofit/>
+            </a:bodyPr>
+            <a:lstStyle/>
+            <a:p>
+              <a:pPr lvl="0">
+                <a:spcBef>
+                  <a:spcPts val="0"/>
+                </a:spcBef>
+                <a:buNone/>
+              </a:pPr>
+              <a:endParaRPr/>
+            </a:p>
+          </p:txBody>
+        </p:sp>
+        <p:sp>
+          <p:nvSpPr>
+            <p:cNvPr id="117" name="Shape 117"/>
+            <p:cNvSpPr/>
+            <p:nvPr/>
+          </p:nvSpPr>
+          <p:spPr>
+            <a:xfrm>
+              <a:off x="2814911" y="1754061"/>
+              <a:ext cx="49950" cy="49950"/>
+            </a:xfrm>
+            <a:custGeom>
+              <a:avLst/>
+              <a:gdLst/>
+              <a:ahLst/>
+              <a:cxnLst/>
+              <a:rect l="0" t="0" r="0" b="0"/>
+              <a:pathLst>
+                <a:path w="1998" h="1998" fill="none" extrusionOk="0">
+                  <a:moveTo>
+                    <a:pt x="1" y="1997"/>
+                  </a:moveTo>
+                  <a:lnTo>
+                    <a:pt x="1998" y="0"/>
+                  </a:lnTo>
+                </a:path>
+              </a:pathLst>
+            </a:custGeom>
+            <a:noFill/>
+            <a:ln w="9525" cap="rnd" cmpd="sng">
+              <a:solidFill>
+                <a:srgbClr val="000000"/>
+              </a:solidFill>
+              <a:prstDash val="solid"/>
+              <a:round/>
+              <a:headEnd type="none" w="med" len="med"/>
+              <a:tailEnd type="none" w="med" len="med"/>
+            </a:ln>
+          </p:spPr>
+          <p:txBody>
+            <a:bodyPr lIns="91425" tIns="91425" rIns="91425" bIns="91425" anchor="ctr" anchorCtr="0">
+              <a:noAutofit/>
+            </a:bodyPr>
+            <a:lstStyle/>
+            <a:p>
+              <a:pPr lvl="0">
+                <a:spcBef>
+                  <a:spcPts val="0"/>
+                </a:spcBef>
+                <a:buNone/>
+              </a:pPr>
+              <a:endParaRPr/>
+            </a:p>
+          </p:txBody>
+        </p:sp>
+      </p:grpSp>
+      <p:pic>
+        <p:nvPicPr>
+          <p:cNvPr id="11" name="Picture 2"/>
+          <p:cNvPicPr>
+            <a:picLocks noChangeAspect="1" noChangeArrowheads="1"/>
+          </p:cNvPicPr>
+          <p:nvPr/>
+        </p:nvPicPr>
+        <p:blipFill>
+          <a:blip r:embed="rId3">
+            <a:extLst>
+              <a:ext uri="{28A0092B-C50C-407E-A947-70E740481C1C}">
+                <a14:useLocalDpi xmlns:a14="http://schemas.microsoft.com/office/drawing/2010/main" val="0"/>
+              </a:ext>
+            </a:extLst>
+          </a:blip>
+          <a:srcRect/>
+          <a:stretch>
+            <a:fillRect/>
+          </a:stretch>
+        </p:blipFill>
+        <p:spPr bwMode="auto">
+          <a:xfrm>
+            <a:off x="1475657" y="1635646"/>
+            <a:ext cx="1512168" cy="3259838"/>
+          </a:xfrm>
+          <a:prstGeom prst="rect">
+            <a:avLst/>
+          </a:prstGeom>
+          <a:noFill/>
+          <a:ln>
+            <a:noFill/>
+          </a:ln>
+          <a:effectLst/>
+          <a:extLst>
+            <a:ext uri="{909E8E84-426E-40DD-AFC4-6F175D3DCCD1}">
+              <a14:hiddenFill xmlns:a14="http://schemas.microsoft.com/office/drawing/2010/main">
+                <a:solidFill>
+                  <a:schemeClr val="accent1"/>
+                </a:solidFill>
+              </a14:hiddenFill>
+            </a:ext>
+            <a:ext uri="{91240B29-F687-4F45-9708-019B960494DF}">
+              <a14:hiddenLine xmlns:a14="http://schemas.microsoft.com/office/drawing/2010/main" w="9525">
+                <a:solidFill>
+                  <a:schemeClr val="tx1"/>
+                </a:solidFill>
+                <a:miter lim="800000"/>
+                <a:headEnd/>
+                <a:tailEnd/>
+              </a14:hiddenLine>
+            </a:ext>
+            <a:ext uri="{AF507438-7753-43E0-B8FC-AC1667EBCBE1}">
+              <a14:hiddenEffects xmlns:a14="http://schemas.microsoft.com/office/drawing/2010/main">
+                <a:effectLst>
+                  <a:outerShdw dist="35921" dir="2700000" algn="ctr" rotWithShape="0">
+                    <a:schemeClr val="bg2"/>
+                  </a:outerShdw>
+                </a:effectLst>
+              </a14:hiddenEffects>
+            </a:ext>
+          </a:extLst>
+        </p:spPr>
+      </p:pic>
+      <p:sp>
+        <p:nvSpPr>
+          <p:cNvPr id="14" name="Shape 112"/>
+          <p:cNvSpPr txBox="1">
+            <a:spLocks noGrp="1"/>
+          </p:cNvSpPr>
+          <p:nvPr>
+            <p:ph type="body" idx="1"/>
+          </p:nvPr>
+        </p:nvSpPr>
+        <p:spPr>
+          <a:xfrm>
+            <a:off x="3355918" y="1490636"/>
+            <a:ext cx="3690958" cy="1224136"/>
+          </a:xfrm>
+          <a:prstGeom prst="rect">
+            <a:avLst/>
+          </a:prstGeom>
+        </p:spPr>
+        <p:txBody>
+          <a:bodyPr lIns="91425" tIns="91425" rIns="91425" bIns="91425" anchor="t" anchorCtr="0">
+            <a:noAutofit/>
+          </a:bodyPr>
+          <a:lstStyle/>
+          <a:p>
+            <a:pPr marL="457200" lvl="0" indent="-228600" rtl="0">
+              <a:spcBef>
+                <a:spcPts val="0"/>
+              </a:spcBef>
+            </a:pPr>
+            <a:r>
+              <a:rPr lang="en" sz="2000" dirty="0" smtClean="0">
+                <a:solidFill>
+                  <a:schemeClr val="accent6">
+                    <a:lumMod val="50000"/>
+                  </a:schemeClr>
+                </a:solidFill>
+              </a:rPr>
+              <a:t>Christian Hahn</a:t>
+            </a:r>
+          </a:p>
+          <a:p>
+            <a:pPr marL="457200" lvl="0" indent="-228600" rtl="0">
+              <a:spcBef>
+                <a:spcPts val="0"/>
+              </a:spcBef>
+            </a:pPr>
+            <a:r>
+              <a:rPr lang="en" sz="2000" dirty="0" smtClean="0">
+                <a:solidFill>
+                  <a:schemeClr val="accent5">
+                    <a:lumMod val="50000"/>
+                  </a:schemeClr>
+                </a:solidFill>
+              </a:rPr>
+              <a:t>Richard Vladimirskij</a:t>
+            </a:r>
+          </a:p>
+          <a:p>
+            <a:pPr marL="457200" indent="-228600">
+              <a:spcBef>
+                <a:spcPts val="0"/>
+              </a:spcBef>
+            </a:pPr>
+            <a:r>
+              <a:rPr lang="en" sz="2000" dirty="0">
+                <a:solidFill>
+                  <a:schemeClr val="accent4">
+                    <a:lumMod val="50000"/>
+                  </a:schemeClr>
+                </a:solidFill>
+              </a:rPr>
+              <a:t>Manuel Schwalm</a:t>
+            </a:r>
+          </a:p>
+          <a:p>
+            <a:pPr marL="457200" lvl="0" indent="-228600" rtl="0">
+              <a:spcBef>
+                <a:spcPts val="0"/>
+              </a:spcBef>
+            </a:pPr>
+            <a:endParaRPr lang="en" dirty="0" smtClean="0"/>
+          </a:p>
+        </p:txBody>
+      </p:sp>
+      <p:sp>
+        <p:nvSpPr>
+          <p:cNvPr id="15" name="Shape 112"/>
+          <p:cNvSpPr txBox="1">
+            <a:spLocks/>
+          </p:cNvSpPr>
+          <p:nvPr/>
+        </p:nvSpPr>
+        <p:spPr>
+          <a:xfrm>
+            <a:off x="3355918" y="2715766"/>
+            <a:ext cx="3690958" cy="1296144"/>
+          </a:xfrm>
+          <a:prstGeom prst="rect">
+            <a:avLst/>
+          </a:prstGeom>
+          <a:noFill/>
+          <a:ln>
+            <a:noFill/>
+          </a:ln>
+        </p:spPr>
+        <p:txBody>
+          <a:bodyPr lIns="91425" tIns="91425" rIns="91425" bIns="91425" anchor="t" anchorCtr="0">
+            <a:noAutofit/>
+          </a:bodyPr>
+          <a:lstStyle>
+            <a:defPPr marR="0" lvl="0" algn="l" rtl="0">
+              <a:lnSpc>
+                <a:spcPct val="100000"/>
+              </a:lnSpc>
+              <a:spcBef>
+                <a:spcPts val="0"/>
+              </a:spcBef>
+              <a:spcAft>
+                <a:spcPts val="0"/>
+              </a:spcAft>
+            </a:defPPr>
+            <a:lvl1pPr marR="0" lvl="0" algn="l" rtl="0">
+              <a:lnSpc>
+                <a:spcPct val="100000"/>
+              </a:lnSpc>
+              <a:spcBef>
+                <a:spcPts val="600"/>
+              </a:spcBef>
+              <a:spcAft>
+                <a:spcPts val="0"/>
+              </a:spcAft>
+              <a:buClr>
+                <a:srgbClr val="FFCD00"/>
+              </a:buClr>
+              <a:buSzPct val="100000"/>
+              <a:buFont typeface="Quattrocento Sans"/>
+              <a:buChar char="◉"/>
+              <a:defRPr sz="2400" b="0" i="0" u="none" strike="noStrike" cap="none">
+                <a:solidFill>
+                  <a:srgbClr val="000000"/>
+                </a:solidFill>
+                <a:latin typeface="Quattrocento Sans"/>
+                <a:ea typeface="Quattrocento Sans"/>
+                <a:cs typeface="Quattrocento Sans"/>
+                <a:sym typeface="Quattrocento Sans"/>
+              </a:defRPr>
+            </a:lvl1pPr>
+            <a:lvl2pPr marR="0" lvl="1" algn="l" rtl="0">
+              <a:lnSpc>
+                <a:spcPct val="100000"/>
+              </a:lnSpc>
+              <a:spcBef>
+                <a:spcPts val="480"/>
+              </a:spcBef>
+              <a:spcAft>
+                <a:spcPts val="0"/>
+              </a:spcAft>
+              <a:buClr>
+                <a:srgbClr val="FFCD00"/>
+              </a:buClr>
+              <a:buSzPct val="100000"/>
+              <a:buFont typeface="Quattrocento Sans"/>
+              <a:buNone/>
+              <a:defRPr sz="2000" b="0" i="0" u="none" strike="noStrike" cap="none">
+                <a:solidFill>
+                  <a:srgbClr val="000000"/>
+                </a:solidFill>
+                <a:latin typeface="Quattrocento Sans"/>
+                <a:ea typeface="Quattrocento Sans"/>
+                <a:cs typeface="Quattrocento Sans"/>
+                <a:sym typeface="Quattrocento Sans"/>
+              </a:defRPr>
+            </a:lvl2pPr>
+            <a:lvl3pPr marR="0" lvl="2" algn="l" rtl="0">
+              <a:lnSpc>
+                <a:spcPct val="100000"/>
+              </a:lnSpc>
+              <a:spcBef>
+                <a:spcPts val="480"/>
+              </a:spcBef>
+              <a:spcAft>
+                <a:spcPts val="0"/>
+              </a:spcAft>
+              <a:buClr>
+                <a:srgbClr val="FFCD00"/>
+              </a:buClr>
+              <a:buSzPct val="100000"/>
+              <a:buFont typeface="Quattrocento Sans"/>
+              <a:buNone/>
+              <a:defRPr sz="2000" b="0" i="0" u="none" strike="noStrike" cap="none">
+                <a:solidFill>
+                  <a:srgbClr val="000000"/>
+                </a:solidFill>
+                <a:latin typeface="Quattrocento Sans"/>
+                <a:ea typeface="Quattrocento Sans"/>
+                <a:cs typeface="Quattrocento Sans"/>
+                <a:sym typeface="Quattrocento Sans"/>
+              </a:defRPr>
+            </a:lvl3pPr>
+            <a:lvl4pPr marR="0" lvl="3" algn="l" rtl="0">
+              <a:lnSpc>
+                <a:spcPct val="100000"/>
+              </a:lnSpc>
+              <a:spcBef>
+                <a:spcPts val="360"/>
+              </a:spcBef>
+              <a:spcAft>
+                <a:spcPts val="0"/>
+              </a:spcAft>
+              <a:buClr>
+                <a:srgbClr val="FFCD00"/>
+              </a:buClr>
+              <a:buSzPct val="100000"/>
+              <a:buFont typeface="Quattrocento Sans"/>
+              <a:buNone/>
+              <a:defRPr sz="1800" b="0" i="0" u="none" strike="noStrike" cap="none">
+                <a:solidFill>
+                  <a:srgbClr val="000000"/>
+                </a:solidFill>
+                <a:latin typeface="Quattrocento Sans"/>
+                <a:ea typeface="Quattrocento Sans"/>
+                <a:cs typeface="Quattrocento Sans"/>
+                <a:sym typeface="Quattrocento Sans"/>
+              </a:defRPr>
+            </a:lvl4pPr>
+            <a:lvl5pPr marR="0" lvl="4" algn="l" rtl="0">
+              <a:lnSpc>
+                <a:spcPct val="100000"/>
+              </a:lnSpc>
+              <a:spcBef>
+                <a:spcPts val="360"/>
+              </a:spcBef>
+              <a:spcAft>
+                <a:spcPts val="0"/>
+              </a:spcAft>
+              <a:buClr>
+                <a:srgbClr val="FFCD00"/>
+              </a:buClr>
+              <a:buSzPct val="100000"/>
+              <a:buFont typeface="Quattrocento Sans"/>
+              <a:buNone/>
+              <a:defRPr sz="1800" b="0" i="0" u="none" strike="noStrike" cap="none">
+                <a:solidFill>
+                  <a:srgbClr val="000000"/>
+                </a:solidFill>
+                <a:latin typeface="Quattrocento Sans"/>
+                <a:ea typeface="Quattrocento Sans"/>
+                <a:cs typeface="Quattrocento Sans"/>
+                <a:sym typeface="Quattrocento Sans"/>
+              </a:defRPr>
+            </a:lvl5pPr>
+            <a:lvl6pPr marR="0" lvl="5" algn="l" rtl="0">
+              <a:lnSpc>
+                <a:spcPct val="100000"/>
+              </a:lnSpc>
+              <a:spcBef>
+                <a:spcPts val="360"/>
+              </a:spcBef>
+              <a:spcAft>
+                <a:spcPts val="0"/>
+              </a:spcAft>
+              <a:buClr>
+                <a:srgbClr val="FFCD00"/>
+              </a:buClr>
+              <a:buSzPct val="100000"/>
+              <a:buFont typeface="Quattrocento Sans"/>
+              <a:buNone/>
+              <a:defRPr sz="1800" b="0" i="0" u="none" strike="noStrike" cap="none">
+                <a:solidFill>
+                  <a:srgbClr val="000000"/>
+                </a:solidFill>
+                <a:latin typeface="Quattrocento Sans"/>
+                <a:ea typeface="Quattrocento Sans"/>
+                <a:cs typeface="Quattrocento Sans"/>
+                <a:sym typeface="Quattrocento Sans"/>
+              </a:defRPr>
+            </a:lvl6pPr>
+            <a:lvl7pPr marR="0" lvl="6" algn="l" rtl="0">
+              <a:lnSpc>
+                <a:spcPct val="100000"/>
+              </a:lnSpc>
+              <a:spcBef>
+                <a:spcPts val="360"/>
+              </a:spcBef>
+              <a:spcAft>
+                <a:spcPts val="0"/>
+              </a:spcAft>
+              <a:buClr>
+                <a:srgbClr val="FFCD00"/>
+              </a:buClr>
+              <a:buSzPct val="100000"/>
+              <a:buFont typeface="Quattrocento Sans"/>
+              <a:buNone/>
+              <a:defRPr sz="1800" b="0" i="0" u="none" strike="noStrike" cap="none">
+                <a:solidFill>
+                  <a:srgbClr val="000000"/>
+                </a:solidFill>
+                <a:latin typeface="Quattrocento Sans"/>
+                <a:ea typeface="Quattrocento Sans"/>
+                <a:cs typeface="Quattrocento Sans"/>
+                <a:sym typeface="Quattrocento Sans"/>
+              </a:defRPr>
+            </a:lvl7pPr>
+            <a:lvl8pPr marR="0" lvl="7" algn="l" rtl="0">
+              <a:lnSpc>
+                <a:spcPct val="100000"/>
+              </a:lnSpc>
+              <a:spcBef>
+                <a:spcPts val="360"/>
+              </a:spcBef>
+              <a:spcAft>
+                <a:spcPts val="0"/>
+              </a:spcAft>
+              <a:buClr>
+                <a:srgbClr val="FFCD00"/>
+              </a:buClr>
+              <a:buSzPct val="100000"/>
+              <a:buFont typeface="Quattrocento Sans"/>
+              <a:buNone/>
+              <a:defRPr sz="1800" b="0" i="0" u="none" strike="noStrike" cap="none">
+                <a:solidFill>
+                  <a:srgbClr val="000000"/>
+                </a:solidFill>
+                <a:latin typeface="Quattrocento Sans"/>
+                <a:ea typeface="Quattrocento Sans"/>
+                <a:cs typeface="Quattrocento Sans"/>
+                <a:sym typeface="Quattrocento Sans"/>
+              </a:defRPr>
+            </a:lvl8pPr>
+            <a:lvl9pPr marR="0" lvl="8" algn="l" rtl="0">
+              <a:lnSpc>
+                <a:spcPct val="100000"/>
+              </a:lnSpc>
+              <a:spcBef>
+                <a:spcPts val="360"/>
+              </a:spcBef>
+              <a:spcAft>
+                <a:spcPts val="0"/>
+              </a:spcAft>
+              <a:buClr>
+                <a:srgbClr val="FFCD00"/>
+              </a:buClr>
+              <a:buSzPct val="100000"/>
+              <a:buFont typeface="Quattrocento Sans"/>
+              <a:buNone/>
+              <a:defRPr sz="1800" b="0" i="0" u="none" strike="noStrike" cap="none">
+                <a:solidFill>
+                  <a:srgbClr val="000000"/>
+                </a:solidFill>
+                <a:latin typeface="Quattrocento Sans"/>
+                <a:ea typeface="Quattrocento Sans"/>
+                <a:cs typeface="Quattrocento Sans"/>
+                <a:sym typeface="Quattrocento Sans"/>
+              </a:defRPr>
+            </a:lvl9pPr>
+          </a:lstStyle>
+          <a:p>
+            <a:pPr marL="457200" indent="-228600">
+              <a:spcBef>
+                <a:spcPts val="0"/>
+              </a:spcBef>
+            </a:pPr>
+            <a:r>
+              <a:rPr lang="en" sz="2000" dirty="0" smtClean="0">
+                <a:solidFill>
+                  <a:schemeClr val="accent4">
+                    <a:lumMod val="50000"/>
+                  </a:schemeClr>
+                </a:solidFill>
+              </a:rPr>
+              <a:t>Manuel Schwalm</a:t>
+            </a:r>
+          </a:p>
+          <a:p>
+            <a:pPr marL="457200" indent="-228600">
+              <a:spcBef>
+                <a:spcPts val="0"/>
+              </a:spcBef>
+            </a:pPr>
+            <a:r>
+              <a:rPr lang="en" sz="2000" dirty="0" smtClean="0">
+                <a:solidFill>
+                  <a:schemeClr val="accent2">
+                    <a:lumMod val="50000"/>
+                  </a:schemeClr>
+                </a:solidFill>
+              </a:rPr>
+              <a:t>Eugen Krizki</a:t>
+            </a:r>
+          </a:p>
+          <a:p>
+            <a:pPr marL="457200" indent="-228600">
+              <a:spcBef>
+                <a:spcPts val="0"/>
+              </a:spcBef>
+            </a:pPr>
+            <a:r>
+              <a:rPr lang="en" sz="2000" dirty="0" smtClean="0">
+                <a:solidFill>
+                  <a:schemeClr val="tx1">
+                    <a:lumMod val="95000"/>
+                    <a:lumOff val="5000"/>
+                  </a:schemeClr>
+                </a:solidFill>
+              </a:rPr>
+              <a:t>Marcel Herd</a:t>
+            </a:r>
+            <a:endParaRPr lang="en" sz="2000" dirty="0">
+              <a:solidFill>
+                <a:schemeClr val="tx1">
+                  <a:lumMod val="95000"/>
+                  <a:lumOff val="5000"/>
+                </a:schemeClr>
+              </a:solidFill>
+            </a:endParaRPr>
+          </a:p>
+        </p:txBody>
+      </p:sp>
+      <p:sp>
+        <p:nvSpPr>
+          <p:cNvPr id="16" name="Shape 112"/>
+          <p:cNvSpPr txBox="1">
+            <a:spLocks/>
+          </p:cNvSpPr>
+          <p:nvPr/>
+        </p:nvSpPr>
+        <p:spPr>
+          <a:xfrm>
+            <a:off x="3329314" y="4182708"/>
+            <a:ext cx="3690958" cy="800472"/>
+          </a:xfrm>
+          <a:prstGeom prst="rect">
+            <a:avLst/>
+          </a:prstGeom>
+          <a:noFill/>
+          <a:ln>
+            <a:noFill/>
+          </a:ln>
+        </p:spPr>
+        <p:txBody>
+          <a:bodyPr lIns="91425" tIns="91425" rIns="91425" bIns="91425" anchor="t" anchorCtr="0">
+            <a:noAutofit/>
+          </a:bodyPr>
+          <a:lstStyle>
+            <a:defPPr marR="0" lvl="0" algn="l" rtl="0">
+              <a:lnSpc>
+                <a:spcPct val="100000"/>
+              </a:lnSpc>
+              <a:spcBef>
+                <a:spcPts val="0"/>
+              </a:spcBef>
+              <a:spcAft>
+                <a:spcPts val="0"/>
+              </a:spcAft>
+            </a:defPPr>
+            <a:lvl1pPr marR="0" lvl="0" algn="l" rtl="0">
+              <a:lnSpc>
+                <a:spcPct val="100000"/>
+              </a:lnSpc>
+              <a:spcBef>
+                <a:spcPts val="600"/>
+              </a:spcBef>
+              <a:spcAft>
+                <a:spcPts val="0"/>
+              </a:spcAft>
+              <a:buClr>
+                <a:srgbClr val="FFCD00"/>
+              </a:buClr>
+              <a:buSzPct val="100000"/>
+              <a:buFont typeface="Quattrocento Sans"/>
+              <a:buChar char="◉"/>
+              <a:defRPr sz="2400" b="0" i="0" u="none" strike="noStrike" cap="none">
+                <a:solidFill>
+                  <a:srgbClr val="000000"/>
+                </a:solidFill>
+                <a:latin typeface="Quattrocento Sans"/>
+                <a:ea typeface="Quattrocento Sans"/>
+                <a:cs typeface="Quattrocento Sans"/>
+                <a:sym typeface="Quattrocento Sans"/>
+              </a:defRPr>
+            </a:lvl1pPr>
+            <a:lvl2pPr marR="0" lvl="1" algn="l" rtl="0">
+              <a:lnSpc>
+                <a:spcPct val="100000"/>
+              </a:lnSpc>
+              <a:spcBef>
+                <a:spcPts val="480"/>
+              </a:spcBef>
+              <a:spcAft>
+                <a:spcPts val="0"/>
+              </a:spcAft>
+              <a:buClr>
+                <a:srgbClr val="FFCD00"/>
+              </a:buClr>
+              <a:buSzPct val="100000"/>
+              <a:buFont typeface="Quattrocento Sans"/>
+              <a:buNone/>
+              <a:defRPr sz="2000" b="0" i="0" u="none" strike="noStrike" cap="none">
+                <a:solidFill>
+                  <a:srgbClr val="000000"/>
+                </a:solidFill>
+                <a:latin typeface="Quattrocento Sans"/>
+                <a:ea typeface="Quattrocento Sans"/>
+                <a:cs typeface="Quattrocento Sans"/>
+                <a:sym typeface="Quattrocento Sans"/>
+              </a:defRPr>
+            </a:lvl2pPr>
+            <a:lvl3pPr marR="0" lvl="2" algn="l" rtl="0">
+              <a:lnSpc>
+                <a:spcPct val="100000"/>
+              </a:lnSpc>
+              <a:spcBef>
+                <a:spcPts val="480"/>
+              </a:spcBef>
+              <a:spcAft>
+                <a:spcPts val="0"/>
+              </a:spcAft>
+              <a:buClr>
+                <a:srgbClr val="FFCD00"/>
+              </a:buClr>
+              <a:buSzPct val="100000"/>
+              <a:buFont typeface="Quattrocento Sans"/>
+              <a:buNone/>
+              <a:defRPr sz="2000" b="0" i="0" u="none" strike="noStrike" cap="none">
+                <a:solidFill>
+                  <a:srgbClr val="000000"/>
+                </a:solidFill>
+                <a:latin typeface="Quattrocento Sans"/>
+                <a:ea typeface="Quattrocento Sans"/>
+                <a:cs typeface="Quattrocento Sans"/>
+                <a:sym typeface="Quattrocento Sans"/>
+              </a:defRPr>
+            </a:lvl3pPr>
+            <a:lvl4pPr marR="0" lvl="3" algn="l" rtl="0">
+              <a:lnSpc>
+                <a:spcPct val="100000"/>
+              </a:lnSpc>
+              <a:spcBef>
+                <a:spcPts val="360"/>
+              </a:spcBef>
+              <a:spcAft>
+                <a:spcPts val="0"/>
+              </a:spcAft>
+              <a:buClr>
+                <a:srgbClr val="FFCD00"/>
+              </a:buClr>
+              <a:buSzPct val="100000"/>
+              <a:buFont typeface="Quattrocento Sans"/>
+              <a:buNone/>
+              <a:defRPr sz="1800" b="0" i="0" u="none" strike="noStrike" cap="none">
+                <a:solidFill>
+                  <a:srgbClr val="000000"/>
+                </a:solidFill>
+                <a:latin typeface="Quattrocento Sans"/>
+                <a:ea typeface="Quattrocento Sans"/>
+                <a:cs typeface="Quattrocento Sans"/>
+                <a:sym typeface="Quattrocento Sans"/>
+              </a:defRPr>
+            </a:lvl4pPr>
+            <a:lvl5pPr marR="0" lvl="4" algn="l" rtl="0">
+              <a:lnSpc>
+                <a:spcPct val="100000"/>
+              </a:lnSpc>
+              <a:spcBef>
+                <a:spcPts val="360"/>
+              </a:spcBef>
+              <a:spcAft>
+                <a:spcPts val="0"/>
+              </a:spcAft>
+              <a:buClr>
+                <a:srgbClr val="FFCD00"/>
+              </a:buClr>
+              <a:buSzPct val="100000"/>
+              <a:buFont typeface="Quattrocento Sans"/>
+              <a:buNone/>
+              <a:defRPr sz="1800" b="0" i="0" u="none" strike="noStrike" cap="none">
+                <a:solidFill>
+                  <a:srgbClr val="000000"/>
+                </a:solidFill>
+                <a:latin typeface="Quattrocento Sans"/>
+                <a:ea typeface="Quattrocento Sans"/>
+                <a:cs typeface="Quattrocento Sans"/>
+                <a:sym typeface="Quattrocento Sans"/>
+              </a:defRPr>
+            </a:lvl5pPr>
+            <a:lvl6pPr marR="0" lvl="5" algn="l" rtl="0">
+              <a:lnSpc>
+                <a:spcPct val="100000"/>
+              </a:lnSpc>
+              <a:spcBef>
+                <a:spcPts val="360"/>
+              </a:spcBef>
+              <a:spcAft>
+                <a:spcPts val="0"/>
+              </a:spcAft>
+              <a:buClr>
+                <a:srgbClr val="FFCD00"/>
+              </a:buClr>
+              <a:buSzPct val="100000"/>
+              <a:buFont typeface="Quattrocento Sans"/>
+              <a:buNone/>
+              <a:defRPr sz="1800" b="0" i="0" u="none" strike="noStrike" cap="none">
+                <a:solidFill>
+                  <a:srgbClr val="000000"/>
+                </a:solidFill>
+                <a:latin typeface="Quattrocento Sans"/>
+                <a:ea typeface="Quattrocento Sans"/>
+                <a:cs typeface="Quattrocento Sans"/>
+                <a:sym typeface="Quattrocento Sans"/>
+              </a:defRPr>
+            </a:lvl6pPr>
+            <a:lvl7pPr marR="0" lvl="6" algn="l" rtl="0">
+              <a:lnSpc>
+                <a:spcPct val="100000"/>
+              </a:lnSpc>
+              <a:spcBef>
+                <a:spcPts val="360"/>
+              </a:spcBef>
+              <a:spcAft>
+                <a:spcPts val="0"/>
+              </a:spcAft>
+              <a:buClr>
+                <a:srgbClr val="FFCD00"/>
+              </a:buClr>
+              <a:buSzPct val="100000"/>
+              <a:buFont typeface="Quattrocento Sans"/>
+              <a:buNone/>
+              <a:defRPr sz="1800" b="0" i="0" u="none" strike="noStrike" cap="none">
+                <a:solidFill>
+                  <a:srgbClr val="000000"/>
+                </a:solidFill>
+                <a:latin typeface="Quattrocento Sans"/>
+                <a:ea typeface="Quattrocento Sans"/>
+                <a:cs typeface="Quattrocento Sans"/>
+                <a:sym typeface="Quattrocento Sans"/>
+              </a:defRPr>
+            </a:lvl7pPr>
+            <a:lvl8pPr marR="0" lvl="7" algn="l" rtl="0">
+              <a:lnSpc>
+                <a:spcPct val="100000"/>
+              </a:lnSpc>
+              <a:spcBef>
+                <a:spcPts val="360"/>
+              </a:spcBef>
+              <a:spcAft>
+                <a:spcPts val="0"/>
+              </a:spcAft>
+              <a:buClr>
+                <a:srgbClr val="FFCD00"/>
+              </a:buClr>
+              <a:buSzPct val="100000"/>
+              <a:buFont typeface="Quattrocento Sans"/>
+              <a:buNone/>
+              <a:defRPr sz="1800" b="0" i="0" u="none" strike="noStrike" cap="none">
+                <a:solidFill>
+                  <a:srgbClr val="000000"/>
+                </a:solidFill>
+                <a:latin typeface="Quattrocento Sans"/>
+                <a:ea typeface="Quattrocento Sans"/>
+                <a:cs typeface="Quattrocento Sans"/>
+                <a:sym typeface="Quattrocento Sans"/>
+              </a:defRPr>
+            </a:lvl8pPr>
+            <a:lvl9pPr marR="0" lvl="8" algn="l" rtl="0">
+              <a:lnSpc>
+                <a:spcPct val="100000"/>
+              </a:lnSpc>
+              <a:spcBef>
+                <a:spcPts val="360"/>
+              </a:spcBef>
+              <a:spcAft>
+                <a:spcPts val="0"/>
+              </a:spcAft>
+              <a:buClr>
+                <a:srgbClr val="FFCD00"/>
+              </a:buClr>
+              <a:buSzPct val="100000"/>
+              <a:buFont typeface="Quattrocento Sans"/>
+              <a:buNone/>
+              <a:defRPr sz="1800" b="0" i="0" u="none" strike="noStrike" cap="none">
+                <a:solidFill>
+                  <a:srgbClr val="000000"/>
+                </a:solidFill>
+                <a:latin typeface="Quattrocento Sans"/>
+                <a:ea typeface="Quattrocento Sans"/>
+                <a:cs typeface="Quattrocento Sans"/>
+                <a:sym typeface="Quattrocento Sans"/>
+              </a:defRPr>
+            </a:lvl9pPr>
+          </a:lstStyle>
+          <a:p>
+            <a:pPr marL="457200" indent="-228600">
+              <a:spcBef>
+                <a:spcPts val="0"/>
+              </a:spcBef>
+            </a:pPr>
+            <a:r>
+              <a:rPr lang="en" sz="2000" dirty="0" smtClean="0">
+                <a:solidFill>
+                  <a:schemeClr val="tx1">
+                    <a:lumMod val="95000"/>
+                    <a:lumOff val="5000"/>
+                  </a:schemeClr>
+                </a:solidFill>
+              </a:rPr>
+              <a:t>Marcel Herd</a:t>
+            </a:r>
+            <a:endParaRPr lang="en" sz="2000" dirty="0">
+              <a:solidFill>
+                <a:schemeClr val="tx1">
+                  <a:lumMod val="95000"/>
+                  <a:lumOff val="5000"/>
+                </a:schemeClr>
+              </a:solidFill>
+            </a:endParaRPr>
+          </a:p>
+        </p:txBody>
+      </p:sp>
+    </p:spTree>
+    <p:extLst>
+      <p:ext uri="{BB962C8B-B14F-4D97-AF65-F5344CB8AC3E}">
+        <p14:creationId xmlns:p14="http://schemas.microsoft.com/office/powerpoint/2010/main" val="806404324"/>
+      </p:ext>
+    </p:extLst>
+  </p:cSld>
+  <p:clrMapOvr>
+    <a:masterClrMapping/>
+  </p:clrMapOvr>
+  <mc:AlternateContent xmlns:mc="http://schemas.openxmlformats.org/markup-compatibility/2006" xmlns:p14="http://schemas.microsoft.com/office/powerpoint/2010/main">
+    <mc:Choice Requires="p14">
+      <p:transition p14:dur="0"/>
+    </mc:Choice>
+    <mc:Fallback xmlns="">
+      <p:transition/>
+    </mc:Fallback>
+  </mc:AlternateContent>
+  <p:timing>
+    <p:tnLst>
+      <p:par>
+        <p:cTn id="1" dur="indefinite" restart="never" nodeType="tmRoot"/>
+      </p:par>
+    </p:tnLst>
+  </p:timing>
+</p:sld>
+</file>
+
+<file path=ppt/slides/slide46.xml><?xml version="1.0" encoding="utf-8"?>
+<p:sld xmlns:a="http://schemas.openxmlformats.org/drawingml/2006/main" xmlns:r="http://schemas.openxmlformats.org/officeDocument/2006/relationships" xmlns:p="http://schemas.openxmlformats.org/presentationml/2006/main">
+  <p:cSld>
+    <p:spTree>
+      <p:nvGrpSpPr>
         <p:cNvPr id="1" name="Shape 98"/>
         <p:cNvGrpSpPr/>
         <p:nvPr/>
@@ -33885,7 +35420,7 @@
 </p:sld>
 </file>
 
-<file path=ppt/slides/slide46.xml><?xml version="1.0" encoding="utf-8"?>
+<file path=ppt/slides/slide47.xml><?xml version="1.0" encoding="utf-8"?>
 <p:sld xmlns:a="http://schemas.openxmlformats.org/drawingml/2006/main" xmlns:r="http://schemas.openxmlformats.org/officeDocument/2006/relationships" xmlns:p="http://schemas.openxmlformats.org/presentationml/2006/main">
   <p:cSld>
     <p:spTree>
@@ -34614,7 +36149,7 @@
 </p:sld>
 </file>
 
-<file path=ppt/slides/slide47.xml><?xml version="1.0" encoding="utf-8"?>
+<file path=ppt/slides/slide48.xml><?xml version="1.0" encoding="utf-8"?>
 <p:sld xmlns:a="http://schemas.openxmlformats.org/drawingml/2006/main" xmlns:r="http://schemas.openxmlformats.org/officeDocument/2006/relationships" xmlns:p="http://schemas.openxmlformats.org/presentationml/2006/main">
   <p:cSld>
     <p:spTree>
@@ -35628,7 +37163,11 @@
             </a:r>
             <a:r>
               <a:rPr lang="en" dirty="0" smtClean="0"/>
-              <a:t> 1239</a:t>
+              <a:t> </a:t>
+            </a:r>
+            <a:r>
+              <a:rPr lang="en" dirty="0" smtClean="0"/>
+              <a:t>1941</a:t>
             </a:r>
             <a:endParaRPr lang="en" dirty="0"/>
           </a:p>
@@ -35672,13 +37211,8 @@
             </a:r>
             <a:r>
               <a:rPr lang="en" dirty="0" smtClean="0"/>
-              <a:t>Game		     </a:t>
+              <a:t>Game		     511</a:t>
             </a:r>
-            <a:r>
-              <a:rPr lang="en" dirty="0" smtClean="0"/>
-              <a:t>511</a:t>
-            </a:r>
-            <a:endParaRPr lang="en" dirty="0" smtClean="0"/>
           </a:p>
           <a:p>
             <a:pPr marL="228600" lvl="0">
@@ -35691,13 +37225,7 @@
               <a:rPr lang="en" dirty="0" smtClean="0">
                 <a:sym typeface="Wingdings" pitchFamily="2" charset="2"/>
               </a:rPr>
-              <a:t> Gui		     </a:t>
-            </a:r>
-            <a:r>
-              <a:rPr lang="en" dirty="0" smtClean="0">
-                <a:sym typeface="Wingdings" pitchFamily="2" charset="2"/>
-              </a:rPr>
-              <a:t>587</a:t>
+              <a:t> Gui		     587</a:t>
             </a:r>
             <a:endParaRPr lang="en" dirty="0"/>
           </a:p>
@@ -36395,13 +37923,8 @@
             </a:r>
             <a:r>
               <a:rPr lang="en" dirty="0" smtClean="0"/>
-              <a:t> </a:t>
+              <a:t> 1941</a:t>
             </a:r>
-            <a:r>
-              <a:rPr lang="en" dirty="0" smtClean="0"/>
-              <a:t>1941</a:t>
-            </a:r>
-            <a:endParaRPr lang="en" dirty="0" smtClean="0"/>
           </a:p>
           <a:p>
             <a:pPr marL="457200" lvl="0" indent="-228600" rtl="0">
@@ -36421,13 +37944,8 @@
             </a:r>
             <a:r>
               <a:rPr lang="en" dirty="0" smtClean="0"/>
-              <a:t> </a:t>
+              <a:t> 854</a:t>
             </a:r>
-            <a:r>
-              <a:rPr lang="en" dirty="0" smtClean="0"/>
-              <a:t>854</a:t>
-            </a:r>
-            <a:endParaRPr lang="en" dirty="0" smtClean="0"/>
           </a:p>
           <a:p>
             <a:pPr marL="457200" lvl="0" indent="-228600" rtl="0">
@@ -36447,13 +37965,8 @@
             </a:r>
             <a:r>
               <a:rPr lang="en" dirty="0" smtClean="0"/>
-              <a:t> </a:t>
+              <a:t> 152</a:t>
             </a:r>
-            <a:r>
-              <a:rPr lang="en" dirty="0" smtClean="0"/>
-              <a:t>152</a:t>
-            </a:r>
-            <a:endParaRPr lang="en" dirty="0" smtClean="0"/>
           </a:p>
           <a:p>
             <a:pPr marL="457200" lvl="0" indent="-228600" rtl="0">
@@ -36473,13 +37986,8 @@
             </a:r>
             <a:r>
               <a:rPr lang="en" dirty="0" smtClean="0"/>
-              <a:t> </a:t>
+              <a:t> 48</a:t>
             </a:r>
-            <a:r>
-              <a:rPr lang="en" dirty="0" smtClean="0"/>
-              <a:t>48</a:t>
-            </a:r>
-            <a:endParaRPr lang="en" dirty="0" smtClean="0"/>
           </a:p>
           <a:p>
             <a:pPr marL="457200" lvl="0" indent="-228600" rtl="0">
@@ -36499,13 +38007,8 @@
             </a:r>
             <a:r>
               <a:rPr lang="en" dirty="0" smtClean="0"/>
-              <a:t> </a:t>
+              <a:t> 44</a:t>
             </a:r>
-            <a:r>
-              <a:rPr lang="en" dirty="0" smtClean="0"/>
-              <a:t>44</a:t>
-            </a:r>
-            <a:endParaRPr lang="en" dirty="0" smtClean="0"/>
           </a:p>
           <a:p>
             <a:pPr marL="457200" lvl="0" indent="-228600" rtl="0">
@@ -37219,13 +38722,8 @@
             </a:r>
             <a:r>
               <a:rPr lang="en" dirty="0" smtClean="0"/>
-              <a:t> </a:t>
+              <a:t> 308</a:t>
             </a:r>
-            <a:r>
-              <a:rPr lang="en" dirty="0" smtClean="0"/>
-              <a:t>308</a:t>
-            </a:r>
-            <a:endParaRPr lang="en" dirty="0" smtClean="0"/>
           </a:p>
           <a:p>
             <a:pPr marL="457200" lvl="0" indent="-228600" rtl="0">
@@ -37245,15 +38743,7 @@
             </a:r>
             <a:r>
               <a:rPr lang="en" dirty="0" smtClean="0"/>
-              <a:t> </a:t>
-            </a:r>
-            <a:r>
-              <a:rPr lang="en" dirty="0" smtClean="0"/>
-              <a:t>78.9</a:t>
-            </a:r>
-            <a:r>
-              <a:rPr lang="en" dirty="0" smtClean="0"/>
-              <a:t>%</a:t>
+              <a:t> 78.9%</a:t>
             </a:r>
           </a:p>
           <a:p>
@@ -37274,13 +38764,8 @@
             </a:r>
             <a:r>
               <a:rPr lang="en" dirty="0" smtClean="0"/>
-              <a:t> </a:t>
+              <a:t> 30</a:t>
             </a:r>
-            <a:r>
-              <a:rPr lang="en" dirty="0" smtClean="0"/>
-              <a:t>30</a:t>
-            </a:r>
-            <a:endParaRPr lang="en" dirty="0" smtClean="0"/>
           </a:p>
           <a:p>
             <a:pPr marL="457200" lvl="0" indent="-228600" rtl="0">
@@ -37302,19 +38787,7 @@
               <a:rPr lang="en" dirty="0" smtClean="0">
                 <a:sym typeface="Wingdings" pitchFamily="2" charset="2"/>
               </a:rPr>
-              <a:t> </a:t>
-            </a:r>
-            <a:r>
-              <a:rPr lang="en" dirty="0" smtClean="0">
-                <a:sym typeface="Wingdings" pitchFamily="2" charset="2"/>
-              </a:rPr>
-              <a:t>13.7% </a:t>
-            </a:r>
-            <a:r>
-              <a:rPr lang="en" dirty="0" smtClean="0">
-                <a:sym typeface="Wingdings" pitchFamily="2" charset="2"/>
-              </a:rPr>
-              <a:t>Comments</a:t>
+              <a:t> 13.7% Comments</a:t>
             </a:r>
             <a:endParaRPr lang="en" dirty="0"/>
           </a:p>

--- a/Presentation/Presentation.pptx
+++ b/Presentation/Presentation.pptx
@@ -5,7 +5,7 @@
     <p:sldMasterId id="2147483658" r:id="rId1"/>
   </p:sldMasterIdLst>
   <p:notesMasterIdLst>
-    <p:notesMasterId r:id="rId50"/>
+    <p:notesMasterId r:id="rId52"/>
   </p:notesMasterIdLst>
   <p:sldIdLst>
     <p:sldId id="256" r:id="rId2"/>
@@ -49,30 +49,32 @@
     <p:sldId id="281" r:id="rId40"/>
     <p:sldId id="282" r:id="rId41"/>
     <p:sldId id="285" r:id="rId42"/>
-    <p:sldId id="284" r:id="rId43"/>
-    <p:sldId id="265" r:id="rId44"/>
-    <p:sldId id="266" r:id="rId45"/>
-    <p:sldId id="315" r:id="rId46"/>
-    <p:sldId id="267" r:id="rId47"/>
-    <p:sldId id="268" r:id="rId48"/>
-    <p:sldId id="269" r:id="rId49"/>
+    <p:sldId id="316" r:id="rId43"/>
+    <p:sldId id="317" r:id="rId44"/>
+    <p:sldId id="284" r:id="rId45"/>
+    <p:sldId id="265" r:id="rId46"/>
+    <p:sldId id="266" r:id="rId47"/>
+    <p:sldId id="315" r:id="rId48"/>
+    <p:sldId id="267" r:id="rId49"/>
+    <p:sldId id="268" r:id="rId50"/>
+    <p:sldId id="269" r:id="rId51"/>
   </p:sldIdLst>
   <p:sldSz cx="9144000" cy="5143500" type="screen16x9"/>
   <p:notesSz cx="6858000" cy="9144000"/>
   <p:embeddedFontLst>
     <p:embeddedFont>
-      <p:font typeface="Quattrocento Sans" charset="0"/>
-      <p:regular r:id="rId51"/>
-      <p:bold r:id="rId52"/>
-      <p:italic r:id="rId53"/>
-      <p:boldItalic r:id="rId54"/>
+      <p:font typeface="Lora" panose="020B0604020202020204" charset="0"/>
+      <p:regular r:id="rId53"/>
+      <p:bold r:id="rId54"/>
+      <p:italic r:id="rId55"/>
+      <p:boldItalic r:id="rId56"/>
     </p:embeddedFont>
     <p:embeddedFont>
-      <p:font typeface="Lora" charset="0"/>
-      <p:regular r:id="rId55"/>
-      <p:bold r:id="rId56"/>
-      <p:italic r:id="rId57"/>
-      <p:boldItalic r:id="rId58"/>
+      <p:font typeface="Quattrocento Sans" panose="020B0604020202020204" charset="0"/>
+      <p:regular r:id="rId57"/>
+      <p:bold r:id="rId58"/>
+      <p:italic r:id="rId59"/>
+      <p:boldItalic r:id="rId60"/>
     </p:embeddedFont>
   </p:embeddedFontLst>
   <p:defaultTextStyle>
@@ -277,6 +279,22 @@
       </a:defRPr>
     </a:lvl9pPr>
   </p:defaultTextStyle>
+  <p:extLst>
+    <p:ext uri="{EFAFB233-063F-42B5-8137-9DF3F51BA10A}">
+      <p15:sldGuideLst xmlns:p15="http://schemas.microsoft.com/office/powerpoint/2012/main">
+        <p15:guide id="1" orient="horz" pos="1620">
+          <p15:clr>
+            <a:srgbClr val="A4A3A4"/>
+          </p15:clr>
+        </p15:guide>
+        <p15:guide id="2" pos="2880">
+          <p15:clr>
+            <a:srgbClr val="A4A3A4"/>
+          </p15:clr>
+        </p15:guide>
+      </p15:sldGuideLst>
+    </p:ext>
+  </p:extLst>
 </p:presentation>
 </file>
 
@@ -946,11 +964,11 @@
               <a:defRPr/>
             </a:pPr>
             <a:r>
-              <a:rPr lang="de-DE" dirty="0" smtClean="0"/>
+              <a:rPr lang="de-DE" dirty="0"/>
               <a:t>Lösung: der</a:t>
             </a:r>
             <a:r>
-              <a:rPr lang="en" dirty="0" smtClean="0"/>
+              <a:rPr lang="en" dirty="0"/>
               <a:t> Gewinn steigt in Abhängigkeit zu den richtig beantworteten Fragen</a:t>
             </a:r>
           </a:p>
@@ -1166,11 +1184,11 @@
               <a:defRPr/>
             </a:pPr>
             <a:r>
-              <a:rPr lang="de-DE" dirty="0" smtClean="0"/>
+              <a:rPr lang="de-DE" dirty="0"/>
               <a:t>Lösung: Die</a:t>
             </a:r>
             <a:r>
-              <a:rPr lang="en" dirty="0" smtClean="0"/>
+              <a:rPr lang="en" dirty="0"/>
               <a:t> Fragen werden progressiv schwerer</a:t>
             </a:r>
           </a:p>
@@ -1386,14 +1404,14 @@
               <a:defRPr/>
             </a:pPr>
             <a:r>
-              <a:rPr lang="en" dirty="0" smtClean="0"/>
+              <a:rPr lang="en" dirty="0"/>
               <a:t>Lösung: Joker als Hilfsmittel</a:t>
             </a:r>
             <a:r>
-              <a:rPr lang="en" baseline="0" dirty="0" smtClean="0"/>
+              <a:rPr lang="en" baseline="0" dirty="0"/>
               <a:t> welche ein Spieler nutzen kann wenn er/sie auf einer Frage festsitzt.</a:t>
             </a:r>
-            <a:endParaRPr lang="en" dirty="0" smtClean="0"/>
+            <a:endParaRPr lang="en" dirty="0"/>
           </a:p>
           <a:p>
             <a:pPr lvl="0">
@@ -1515,14 +1533,14 @@
               <a:defRPr/>
             </a:pPr>
             <a:r>
-              <a:rPr lang="en" dirty="0" smtClean="0"/>
+              <a:rPr lang="en" dirty="0"/>
               <a:t>Lösung: Joker als Hilfsmittel</a:t>
             </a:r>
             <a:r>
-              <a:rPr lang="en" baseline="0" dirty="0" smtClean="0"/>
+              <a:rPr lang="en" baseline="0" dirty="0"/>
               <a:t> welche ein Spieler nutzen kann wenn er/sie auf einer Frage festsitzt.</a:t>
             </a:r>
-            <a:endParaRPr lang="en" dirty="0" smtClean="0"/>
+            <a:endParaRPr lang="en" dirty="0"/>
           </a:p>
           <a:p>
             <a:pPr lvl="0">
@@ -3653,15 +3671,15 @@
               <a:buNone/>
             </a:pPr>
             <a:r>
-              <a:rPr lang="de-DE" dirty="0" smtClean="0"/>
+              <a:rPr lang="de-DE" dirty="0"/>
               <a:t>Hätte </a:t>
             </a:r>
             <a:r>
-              <a:rPr lang="de-DE" dirty="0" err="1" smtClean="0"/>
+              <a:rPr lang="de-DE" dirty="0" err="1"/>
               <a:t>ordinal</a:t>
             </a:r>
             <a:r>
-              <a:rPr lang="de-DE" baseline="0" dirty="0" smtClean="0"/>
+              <a:rPr lang="de-DE" baseline="0" dirty="0"/>
               <a:t> persistieren sollen</a:t>
             </a:r>
             <a:endParaRPr dirty="0"/>
@@ -3766,19 +3784,19 @@
               <a:buNone/>
             </a:pPr>
             <a:r>
-              <a:rPr lang="de-DE" dirty="0" smtClean="0"/>
+              <a:rPr lang="de-DE" dirty="0"/>
               <a:t>Preis</a:t>
             </a:r>
             <a:r>
-              <a:rPr lang="de-DE" baseline="0" dirty="0" smtClean="0"/>
+              <a:rPr lang="de-DE" baseline="0" dirty="0"/>
               <a:t> für aktuelle Frage? Letzter </a:t>
             </a:r>
             <a:r>
-              <a:rPr lang="de-DE" baseline="0" dirty="0" err="1" smtClean="0"/>
+              <a:rPr lang="de-DE" baseline="0" dirty="0" err="1"/>
               <a:t>checkpoint</a:t>
             </a:r>
             <a:r>
-              <a:rPr lang="de-DE" baseline="0" dirty="0" smtClean="0"/>
+              <a:rPr lang="de-DE" baseline="0" dirty="0"/>
               <a:t> falls verloren?</a:t>
             </a:r>
             <a:endParaRPr dirty="0"/>
@@ -3883,19 +3901,19 @@
               <a:buNone/>
             </a:pPr>
             <a:r>
-              <a:rPr lang="de-DE" dirty="0" smtClean="0"/>
+              <a:rPr lang="de-DE" dirty="0"/>
               <a:t>Preis</a:t>
             </a:r>
             <a:r>
-              <a:rPr lang="de-DE" baseline="0" dirty="0" smtClean="0"/>
+              <a:rPr lang="de-DE" baseline="0" dirty="0"/>
               <a:t> für aktuelle Frage? Letzter </a:t>
             </a:r>
             <a:r>
-              <a:rPr lang="de-DE" baseline="0" dirty="0" err="1" smtClean="0"/>
+              <a:rPr lang="de-DE" baseline="0" dirty="0" err="1"/>
               <a:t>checkpoint</a:t>
             </a:r>
             <a:r>
-              <a:rPr lang="de-DE" baseline="0" dirty="0" smtClean="0"/>
+              <a:rPr lang="de-DE" baseline="0" dirty="0"/>
               <a:t> falls verloren?</a:t>
             </a:r>
             <a:endParaRPr dirty="0"/>
@@ -4408,6 +4426,11 @@
         </p:txBody>
       </p:sp>
     </p:spTree>
+    <p:extLst>
+      <p:ext uri="{BB962C8B-B14F-4D97-AF65-F5344CB8AC3E}">
+        <p14:creationId xmlns:p14="http://schemas.microsoft.com/office/powerpoint/2010/main" val="412985722"/>
+      </p:ext>
+    </p:extLst>
   </p:cSld>
   <p:clrMapOvr>
     <a:masterClrMapping/>
@@ -4416,6 +4439,107 @@
 </file>
 
 <file path=ppt/notesSlides/notesSlide43.xml><?xml version="1.0" encoding="utf-8"?>
+<p:notes xmlns:a="http://schemas.openxmlformats.org/drawingml/2006/main" xmlns:r="http://schemas.openxmlformats.org/officeDocument/2006/relationships" xmlns:p="http://schemas.openxmlformats.org/presentationml/2006/main" showMasterSp="0" showMasterPhAnim="0">
+  <p:cSld>
+    <p:spTree>
+      <p:nvGrpSpPr>
+        <p:cNvPr id="1" name="Shape 107"/>
+        <p:cNvGrpSpPr/>
+        <p:nvPr/>
+      </p:nvGrpSpPr>
+      <p:grpSpPr>
+        <a:xfrm>
+          <a:off x="0" y="0"/>
+          <a:ext cx="0" cy="0"/>
+          <a:chOff x="0" y="0"/>
+          <a:chExt cx="0" cy="0"/>
+        </a:xfrm>
+      </p:grpSpPr>
+      <p:sp>
+        <p:nvSpPr>
+          <p:cNvPr id="108" name="Shape 108"/>
+          <p:cNvSpPr>
+            <a:spLocks noGrp="1" noRot="1" noChangeAspect="1"/>
+          </p:cNvSpPr>
+          <p:nvPr>
+            <p:ph type="sldImg" idx="2"/>
+          </p:nvPr>
+        </p:nvSpPr>
+        <p:spPr>
+          <a:xfrm>
+            <a:off x="381000" y="685800"/>
+            <a:ext cx="6096000" cy="3429000"/>
+          </a:xfrm>
+          <a:custGeom>
+            <a:avLst/>
+            <a:gdLst/>
+            <a:ahLst/>
+            <a:cxnLst/>
+            <a:rect l="0" t="0" r="0" b="0"/>
+            <a:pathLst>
+              <a:path w="120000" h="120000" extrusionOk="0">
+                <a:moveTo>
+                  <a:pt x="0" y="0"/>
+                </a:moveTo>
+                <a:lnTo>
+                  <a:pt x="120000" y="0"/>
+                </a:lnTo>
+                <a:lnTo>
+                  <a:pt x="120000" y="120000"/>
+                </a:lnTo>
+                <a:lnTo>
+                  <a:pt x="0" y="120000"/>
+                </a:lnTo>
+                <a:close/>
+              </a:path>
+            </a:pathLst>
+          </a:custGeom>
+        </p:spPr>
+      </p:sp>
+      <p:sp>
+        <p:nvSpPr>
+          <p:cNvPr id="109" name="Shape 109"/>
+          <p:cNvSpPr txBox="1">
+            <a:spLocks noGrp="1"/>
+          </p:cNvSpPr>
+          <p:nvPr>
+            <p:ph type="body" idx="1"/>
+          </p:nvPr>
+        </p:nvSpPr>
+        <p:spPr>
+          <a:xfrm>
+            <a:off x="685800" y="4343400"/>
+            <a:ext cx="5486399" cy="4114800"/>
+          </a:xfrm>
+          <a:prstGeom prst="rect">
+            <a:avLst/>
+          </a:prstGeom>
+        </p:spPr>
+        <p:txBody>
+          <a:bodyPr lIns="91425" tIns="91425" rIns="91425" bIns="91425" anchor="t" anchorCtr="0">
+            <a:noAutofit/>
+          </a:bodyPr>
+          <a:lstStyle/>
+          <a:p>
+            <a:pPr lvl="0">
+              <a:spcBef>
+                <a:spcPts val="0"/>
+              </a:spcBef>
+              <a:buNone/>
+            </a:pPr>
+            <a:endParaRPr/>
+          </a:p>
+        </p:txBody>
+      </p:sp>
+    </p:spTree>
+  </p:cSld>
+  <p:clrMapOvr>
+    <a:masterClrMapping/>
+  </p:clrMapOvr>
+</p:notes>
+</file>
+
+<file path=ppt/notesSlides/notesSlide44.xml><?xml version="1.0" encoding="utf-8"?>
 <p:notes xmlns:a="http://schemas.openxmlformats.org/drawingml/2006/main" xmlns:r="http://schemas.openxmlformats.org/officeDocument/2006/relationships" xmlns:p="http://schemas.openxmlformats.org/presentationml/2006/main" showMasterSp="0" showMasterPhAnim="0">
   <p:cSld>
     <p:spTree>
@@ -4476,107 +4600,6 @@
       <p:sp>
         <p:nvSpPr>
           <p:cNvPr id="97" name="Shape 97"/>
-          <p:cNvSpPr txBox="1">
-            <a:spLocks noGrp="1"/>
-          </p:cNvSpPr>
-          <p:nvPr>
-            <p:ph type="body" idx="1"/>
-          </p:nvPr>
-        </p:nvSpPr>
-        <p:spPr>
-          <a:xfrm>
-            <a:off x="685800" y="4343400"/>
-            <a:ext cx="5486399" cy="4114800"/>
-          </a:xfrm>
-          <a:prstGeom prst="rect">
-            <a:avLst/>
-          </a:prstGeom>
-        </p:spPr>
-        <p:txBody>
-          <a:bodyPr lIns="91425" tIns="91425" rIns="91425" bIns="91425" anchor="t" anchorCtr="0">
-            <a:noAutofit/>
-          </a:bodyPr>
-          <a:lstStyle/>
-          <a:p>
-            <a:pPr lvl="0">
-              <a:spcBef>
-                <a:spcPts val="0"/>
-              </a:spcBef>
-              <a:buNone/>
-            </a:pPr>
-            <a:endParaRPr/>
-          </a:p>
-        </p:txBody>
-      </p:sp>
-    </p:spTree>
-  </p:cSld>
-  <p:clrMapOvr>
-    <a:masterClrMapping/>
-  </p:clrMapOvr>
-</p:notes>
-</file>
-
-<file path=ppt/notesSlides/notesSlide44.xml><?xml version="1.0" encoding="utf-8"?>
-<p:notes xmlns:a="http://schemas.openxmlformats.org/drawingml/2006/main" xmlns:r="http://schemas.openxmlformats.org/officeDocument/2006/relationships" xmlns:p="http://schemas.openxmlformats.org/presentationml/2006/main" showMasterSp="0" showMasterPhAnim="0">
-  <p:cSld>
-    <p:spTree>
-      <p:nvGrpSpPr>
-        <p:cNvPr id="1" name="Shape 107"/>
-        <p:cNvGrpSpPr/>
-        <p:nvPr/>
-      </p:nvGrpSpPr>
-      <p:grpSpPr>
-        <a:xfrm>
-          <a:off x="0" y="0"/>
-          <a:ext cx="0" cy="0"/>
-          <a:chOff x="0" y="0"/>
-          <a:chExt cx="0" cy="0"/>
-        </a:xfrm>
-      </p:grpSpPr>
-      <p:sp>
-        <p:nvSpPr>
-          <p:cNvPr id="108" name="Shape 108"/>
-          <p:cNvSpPr>
-            <a:spLocks noGrp="1" noRot="1" noChangeAspect="1"/>
-          </p:cNvSpPr>
-          <p:nvPr>
-            <p:ph type="sldImg" idx="2"/>
-          </p:nvPr>
-        </p:nvSpPr>
-        <p:spPr>
-          <a:xfrm>
-            <a:off x="381000" y="685800"/>
-            <a:ext cx="6096000" cy="3429000"/>
-          </a:xfrm>
-          <a:custGeom>
-            <a:avLst/>
-            <a:gdLst/>
-            <a:ahLst/>
-            <a:cxnLst/>
-            <a:rect l="0" t="0" r="0" b="0"/>
-            <a:pathLst>
-              <a:path w="120000" h="120000" extrusionOk="0">
-                <a:moveTo>
-                  <a:pt x="0" y="0"/>
-                </a:moveTo>
-                <a:lnTo>
-                  <a:pt x="120000" y="0"/>
-                </a:lnTo>
-                <a:lnTo>
-                  <a:pt x="120000" y="120000"/>
-                </a:lnTo>
-                <a:lnTo>
-                  <a:pt x="0" y="120000"/>
-                </a:lnTo>
-                <a:close/>
-              </a:path>
-            </a:pathLst>
-          </a:custGeom>
-        </p:spPr>
-      </p:sp>
-      <p:sp>
-        <p:nvSpPr>
-          <p:cNvPr id="109" name="Shape 109"/>
           <p:cNvSpPr txBox="1">
             <a:spLocks noGrp="1"/>
           </p:cNvSpPr>
@@ -4706,6 +4729,107 @@
               </a:spcBef>
               <a:buNone/>
             </a:pPr>
+            <a:endParaRPr/>
+          </a:p>
+        </p:txBody>
+      </p:sp>
+    </p:spTree>
+  </p:cSld>
+  <p:clrMapOvr>
+    <a:masterClrMapping/>
+  </p:clrMapOvr>
+</p:notes>
+</file>
+
+<file path=ppt/notesSlides/notesSlide46.xml><?xml version="1.0" encoding="utf-8"?>
+<p:notes xmlns:a="http://schemas.openxmlformats.org/drawingml/2006/main" xmlns:r="http://schemas.openxmlformats.org/officeDocument/2006/relationships" xmlns:p="http://schemas.openxmlformats.org/presentationml/2006/main" showMasterSp="0" showMasterPhAnim="0">
+  <p:cSld>
+    <p:spTree>
+      <p:nvGrpSpPr>
+        <p:cNvPr id="1" name="Shape 107"/>
+        <p:cNvGrpSpPr/>
+        <p:nvPr/>
+      </p:nvGrpSpPr>
+      <p:grpSpPr>
+        <a:xfrm>
+          <a:off x="0" y="0"/>
+          <a:ext cx="0" cy="0"/>
+          <a:chOff x="0" y="0"/>
+          <a:chExt cx="0" cy="0"/>
+        </a:xfrm>
+      </p:grpSpPr>
+      <p:sp>
+        <p:nvSpPr>
+          <p:cNvPr id="108" name="Shape 108"/>
+          <p:cNvSpPr>
+            <a:spLocks noGrp="1" noRot="1" noChangeAspect="1"/>
+          </p:cNvSpPr>
+          <p:nvPr>
+            <p:ph type="sldImg" idx="2"/>
+          </p:nvPr>
+        </p:nvSpPr>
+        <p:spPr>
+          <a:xfrm>
+            <a:off x="381000" y="685800"/>
+            <a:ext cx="6096000" cy="3429000"/>
+          </a:xfrm>
+          <a:custGeom>
+            <a:avLst/>
+            <a:gdLst/>
+            <a:ahLst/>
+            <a:cxnLst/>
+            <a:rect l="0" t="0" r="0" b="0"/>
+            <a:pathLst>
+              <a:path w="120000" h="120000" extrusionOk="0">
+                <a:moveTo>
+                  <a:pt x="0" y="0"/>
+                </a:moveTo>
+                <a:lnTo>
+                  <a:pt x="120000" y="0"/>
+                </a:lnTo>
+                <a:lnTo>
+                  <a:pt x="120000" y="120000"/>
+                </a:lnTo>
+                <a:lnTo>
+                  <a:pt x="0" y="120000"/>
+                </a:lnTo>
+                <a:close/>
+              </a:path>
+            </a:pathLst>
+          </a:custGeom>
+        </p:spPr>
+      </p:sp>
+      <p:sp>
+        <p:nvSpPr>
+          <p:cNvPr id="109" name="Shape 109"/>
+          <p:cNvSpPr txBox="1">
+            <a:spLocks noGrp="1"/>
+          </p:cNvSpPr>
+          <p:nvPr>
+            <p:ph type="body" idx="1"/>
+          </p:nvPr>
+        </p:nvSpPr>
+        <p:spPr>
+          <a:xfrm>
+            <a:off x="685800" y="4343400"/>
+            <a:ext cx="5486399" cy="4114800"/>
+          </a:xfrm>
+          <a:prstGeom prst="rect">
+            <a:avLst/>
+          </a:prstGeom>
+        </p:spPr>
+        <p:txBody>
+          <a:bodyPr lIns="91425" tIns="91425" rIns="91425" bIns="91425" anchor="t" anchorCtr="0">
+            <a:noAutofit/>
+          </a:bodyPr>
+          <a:lstStyle/>
+          <a:p>
+            <a:pPr lvl="0">
+              <a:spcBef>
+                <a:spcPts val="0"/>
+              </a:spcBef>
+              <a:buNone/>
+            </a:pPr>
             <a:endParaRPr dirty="0"/>
           </a:p>
         </p:txBody>
@@ -4718,7 +4842,7 @@
 </p:notes>
 </file>
 
-<file path=ppt/notesSlides/notesSlide46.xml><?xml version="1.0" encoding="utf-8"?>
+<file path=ppt/notesSlides/notesSlide47.xml><?xml version="1.0" encoding="utf-8"?>
 <p:notes xmlns:a="http://schemas.openxmlformats.org/drawingml/2006/main" xmlns:r="http://schemas.openxmlformats.org/officeDocument/2006/relationships" xmlns:p="http://schemas.openxmlformats.org/presentationml/2006/main" showMasterSp="0" showMasterPhAnim="0">
   <p:cSld>
     <p:spTree>
@@ -4819,7 +4943,7 @@
 </p:notes>
 </file>
 
-<file path=ppt/notesSlides/notesSlide47.xml><?xml version="1.0" encoding="utf-8"?>
+<file path=ppt/notesSlides/notesSlide48.xml><?xml version="1.0" encoding="utf-8"?>
 <p:notes xmlns:a="http://schemas.openxmlformats.org/drawingml/2006/main" xmlns:r="http://schemas.openxmlformats.org/officeDocument/2006/relationships" xmlns:p="http://schemas.openxmlformats.org/presentationml/2006/main" showMasterSp="0" showMasterPhAnim="0">
   <p:cSld>
     <p:spTree>
@@ -4920,7 +5044,7 @@
 </p:notes>
 </file>
 
-<file path=ppt/notesSlides/notesSlide48.xml><?xml version="1.0" encoding="utf-8"?>
+<file path=ppt/notesSlides/notesSlide49.xml><?xml version="1.0" encoding="utf-8"?>
 <p:notes xmlns:a="http://schemas.openxmlformats.org/drawingml/2006/main" xmlns:r="http://schemas.openxmlformats.org/officeDocument/2006/relationships" xmlns:p="http://schemas.openxmlformats.org/presentationml/2006/main" showMasterSp="0" showMasterPhAnim="0">
   <p:cSld>
     <p:spTree>
@@ -7464,11 +7588,11 @@
               <a:buNone/>
             </a:pPr>
             <a:r>
-              <a:rPr lang="en" dirty="0" smtClean="0"/>
+              <a:rPr lang="en" dirty="0"/>
               <a:t>OOT-Projekt - Gruppe </a:t>
             </a:r>
             <a:r>
-              <a:rPr lang="en" dirty="0" smtClean="0">
+              <a:rPr lang="en" dirty="0">
                 <a:highlight>
                   <a:srgbClr val="FFCD00"/>
                 </a:highlight>
@@ -8251,21 +8375,6 @@
   <p:clrMapOvr>
     <a:masterClrMapping/>
   </p:clrMapOvr>
-  <mc:AlternateContent xmlns:mc="http://schemas.openxmlformats.org/markup-compatibility/2006" xmlns:p14="http://schemas.microsoft.com/office/powerpoint/2010/main">
-    <mc:Choice Requires="p14">
-      <p:transition p14:dur="0"/>
-    </mc:Choice>
-    <mc:Fallback xmlns="">
-      <p:transition/>
-    </mc:Fallback>
-  </mc:AlternateContent>
-  <p:timing>
-    <p:tnLst>
-      <p:par>
-        <p:cTn id="1" dur="indefinite" restart="never" nodeType="tmRoot"/>
-      </p:par>
-    </p:tnLst>
-  </p:timing>
 </p:sld>
 </file>
 
@@ -8318,18 +8427,13 @@
               <a:buNone/>
             </a:pPr>
             <a:r>
-              <a:rPr lang="en" dirty="0" smtClean="0">
+              <a:rPr lang="en" dirty="0">
                 <a:highlight>
                   <a:srgbClr val="FFCD00"/>
                 </a:highlight>
               </a:rPr>
               <a:t>Ursprünglicher Ansatz</a:t>
             </a:r>
-            <a:endParaRPr lang="en" dirty="0">
-              <a:highlight>
-                <a:srgbClr val="FFCD00"/>
-              </a:highlight>
-            </a:endParaRPr>
           </a:p>
         </p:txBody>
       </p:sp>
@@ -8364,7 +8468,7 @@
               </a:spcBef>
             </a:pPr>
             <a:r>
-              <a:rPr lang="de-DE" dirty="0" smtClean="0"/>
+              <a:rPr lang="de-DE" dirty="0"/>
               <a:t> Das Spiel</a:t>
             </a:r>
           </a:p>
@@ -8375,7 +8479,7 @@
               </a:spcBef>
             </a:pPr>
             <a:r>
-              <a:rPr lang="de-DE" dirty="0" smtClean="0"/>
+              <a:rPr lang="de-DE" dirty="0"/>
               <a:t> Die Fragen</a:t>
             </a:r>
           </a:p>
@@ -8386,7 +8490,7 @@
               </a:spcBef>
             </a:pPr>
             <a:r>
-              <a:rPr lang="de-DE" dirty="0" smtClean="0"/>
+              <a:rPr lang="de-DE" dirty="0"/>
               <a:t> Die Joker</a:t>
             </a:r>
           </a:p>
@@ -8397,7 +8501,7 @@
               </a:spcBef>
             </a:pPr>
             <a:r>
-              <a:rPr lang="de-DE" dirty="0" smtClean="0"/>
+              <a:rPr lang="de-DE" dirty="0"/>
               <a:t> Die Highscores</a:t>
             </a:r>
             <a:endParaRPr dirty="0"/>
@@ -8967,21 +9071,6 @@
   <p:clrMapOvr>
     <a:masterClrMapping/>
   </p:clrMapOvr>
-  <mc:AlternateContent xmlns:mc="http://schemas.openxmlformats.org/markup-compatibility/2006" xmlns:p14="http://schemas.microsoft.com/office/powerpoint/2010/main">
-    <mc:Choice Requires="p14">
-      <p:transition p14:dur="0"/>
-    </mc:Choice>
-    <mc:Fallback xmlns="">
-      <p:transition/>
-    </mc:Fallback>
-  </mc:AlternateContent>
-  <p:timing>
-    <p:tnLst>
-      <p:par>
-        <p:cTn id="1" dur="indefinite" restart="never" nodeType="tmRoot"/>
-      </p:par>
-    </p:tnLst>
-  </p:timing>
 </p:sld>
 </file>
 
@@ -9034,18 +9123,13 @@
               <a:buNone/>
             </a:pPr>
             <a:r>
-              <a:rPr lang="en" dirty="0" smtClean="0">
+              <a:rPr lang="en" dirty="0">
                 <a:highlight>
                   <a:srgbClr val="FFCD00"/>
                 </a:highlight>
               </a:rPr>
               <a:t>Ursprünglicher Ansatz – Das Spiel</a:t>
             </a:r>
-            <a:endParaRPr lang="en" dirty="0">
-              <a:highlight>
-                <a:srgbClr val="FFCD00"/>
-              </a:highlight>
-            </a:endParaRPr>
           </a:p>
         </p:txBody>
       </p:sp>
@@ -9081,7 +9165,7 @@
               <a:buNone/>
             </a:pPr>
             <a:r>
-              <a:rPr lang="en" dirty="0" smtClean="0"/>
+              <a:rPr lang="en" dirty="0"/>
               <a:t>Ein Spieler...</a:t>
             </a:r>
           </a:p>
@@ -9092,7 +9176,7 @@
               </a:spcBef>
               <a:buNone/>
             </a:pPr>
-            <a:endParaRPr lang="en" dirty="0" smtClean="0"/>
+            <a:endParaRPr lang="en" dirty="0"/>
           </a:p>
           <a:p>
             <a:pPr marL="457200" lvl="0" indent="-228600" rtl="0">
@@ -9101,7 +9185,7 @@
               </a:spcBef>
             </a:pPr>
             <a:r>
-              <a:rPr lang="en" dirty="0" smtClean="0"/>
+              <a:rPr lang="en" dirty="0"/>
               <a:t>bekommt 15 Fragen gestellt um potenziell        € 1.000.000 zu gewinnen </a:t>
             </a:r>
           </a:p>
@@ -9679,21 +9763,6 @@
   <p:clrMapOvr>
     <a:masterClrMapping/>
   </p:clrMapOvr>
-  <mc:AlternateContent xmlns:mc="http://schemas.openxmlformats.org/markup-compatibility/2006" xmlns:p14="http://schemas.microsoft.com/office/powerpoint/2010/main">
-    <mc:Choice Requires="p14">
-      <p:transition p14:dur="0"/>
-    </mc:Choice>
-    <mc:Fallback xmlns="">
-      <p:transition/>
-    </mc:Fallback>
-  </mc:AlternateContent>
-  <p:timing>
-    <p:tnLst>
-      <p:par>
-        <p:cTn id="1" dur="indefinite" restart="never" nodeType="tmRoot"/>
-      </p:par>
-    </p:tnLst>
-  </p:timing>
 </p:sld>
 </file>
 
@@ -9746,18 +9815,13 @@
               <a:buNone/>
             </a:pPr>
             <a:r>
-              <a:rPr lang="en" dirty="0" smtClean="0">
+              <a:rPr lang="en" dirty="0">
                 <a:highlight>
                   <a:srgbClr val="FFCD00"/>
                 </a:highlight>
               </a:rPr>
               <a:t>Ursprünglicher Ansatz – Das Spiel</a:t>
             </a:r>
-            <a:endParaRPr lang="en" dirty="0">
-              <a:highlight>
-                <a:srgbClr val="FFCD00"/>
-              </a:highlight>
-            </a:endParaRPr>
           </a:p>
         </p:txBody>
       </p:sp>
@@ -9793,7 +9857,7 @@
               <a:buNone/>
             </a:pPr>
             <a:r>
-              <a:rPr lang="en" dirty="0" smtClean="0"/>
+              <a:rPr lang="en" dirty="0"/>
               <a:t>Ein Spieler...</a:t>
             </a:r>
           </a:p>
@@ -9804,7 +9868,7 @@
               </a:spcBef>
               <a:buNone/>
             </a:pPr>
-            <a:endParaRPr lang="en" dirty="0" smtClean="0"/>
+            <a:endParaRPr lang="en" dirty="0"/>
           </a:p>
           <a:p>
             <a:pPr marL="457200" lvl="0" indent="-228600" rtl="0">
@@ -9813,7 +9877,7 @@
               </a:spcBef>
             </a:pPr>
             <a:r>
-              <a:rPr lang="en" dirty="0" smtClean="0"/>
+              <a:rPr lang="en" dirty="0"/>
               <a:t>bekommt 15 Fragen gestellt um potenziell        € 1.000.000 zu gewinnen </a:t>
             </a:r>
           </a:p>
@@ -10443,7 +10507,7 @@
           <a:p>
             <a:pPr algn="ctr"/>
             <a:r>
-              <a:rPr lang="de-DE" sz="1600" b="1" dirty="0" smtClean="0">
+              <a:rPr lang="de-DE" sz="1600" b="1" dirty="0">
                 <a:solidFill>
                   <a:srgbClr val="00B0F0"/>
                 </a:solidFill>
@@ -10451,12 +10515,6 @@
               </a:rPr>
               <a:t>RUNDEN</a:t>
             </a:r>
-            <a:endParaRPr lang="de-DE" sz="1600" b="1" dirty="0">
-              <a:solidFill>
-                <a:srgbClr val="00B0F0"/>
-              </a:solidFill>
-              <a:latin typeface="Quattrocento Sans" charset="0"/>
-            </a:endParaRPr>
           </a:p>
         </p:txBody>
       </p:sp>
@@ -10465,21 +10523,6 @@
   <p:clrMapOvr>
     <a:masterClrMapping/>
   </p:clrMapOvr>
-  <mc:AlternateContent xmlns:mc="http://schemas.openxmlformats.org/markup-compatibility/2006" xmlns:p14="http://schemas.microsoft.com/office/powerpoint/2010/main">
-    <mc:Choice Requires="p14">
-      <p:transition p14:dur="0"/>
-    </mc:Choice>
-    <mc:Fallback xmlns="">
-      <p:transition/>
-    </mc:Fallback>
-  </mc:AlternateContent>
-  <p:timing>
-    <p:tnLst>
-      <p:par>
-        <p:cTn id="1" dur="indefinite" restart="never" nodeType="tmRoot"/>
-      </p:par>
-    </p:tnLst>
-  </p:timing>
 </p:sld>
 </file>
 
@@ -10532,18 +10575,13 @@
               <a:buNone/>
             </a:pPr>
             <a:r>
-              <a:rPr lang="en" dirty="0" smtClean="0">
+              <a:rPr lang="en" dirty="0">
                 <a:highlight>
                   <a:srgbClr val="FFCD00"/>
                 </a:highlight>
               </a:rPr>
               <a:t>Ursprünglicher Ansatz – Das Spiel</a:t>
             </a:r>
-            <a:endParaRPr lang="en" dirty="0">
-              <a:highlight>
-                <a:srgbClr val="FFCD00"/>
-              </a:highlight>
-            </a:endParaRPr>
           </a:p>
         </p:txBody>
       </p:sp>
@@ -10579,7 +10617,7 @@
               <a:buNone/>
             </a:pPr>
             <a:r>
-              <a:rPr lang="en" dirty="0" smtClean="0"/>
+              <a:rPr lang="en" dirty="0"/>
               <a:t>Ein Spieler...</a:t>
             </a:r>
           </a:p>
@@ -10590,7 +10628,7 @@
               </a:spcBef>
               <a:buNone/>
             </a:pPr>
-            <a:endParaRPr lang="en" dirty="0" smtClean="0"/>
+            <a:endParaRPr lang="en" dirty="0"/>
           </a:p>
           <a:p>
             <a:pPr marL="457200" lvl="0" indent="-228600" rtl="0">
@@ -10599,7 +10637,7 @@
               </a:spcBef>
             </a:pPr>
             <a:r>
-              <a:rPr lang="en" dirty="0" smtClean="0"/>
+              <a:rPr lang="en" dirty="0"/>
               <a:t>bekommt 15 Fragen gestellt um potenziell        € 1.000.000 zu gewinnen </a:t>
             </a:r>
           </a:p>
@@ -10610,7 +10648,7 @@
               </a:spcBef>
             </a:pPr>
             <a:r>
-              <a:rPr lang="en" dirty="0" smtClean="0"/>
+              <a:rPr lang="en" dirty="0"/>
               <a:t>sollte es nicht als “leicht” empfinden das Spiel zu gewinnen</a:t>
             </a:r>
           </a:p>
@@ -11240,7 +11278,7 @@
           <a:p>
             <a:pPr algn="ctr"/>
             <a:r>
-              <a:rPr lang="de-DE" sz="1600" b="1" dirty="0" smtClean="0">
+              <a:rPr lang="de-DE" sz="1600" b="1" dirty="0">
                 <a:solidFill>
                   <a:srgbClr val="00B0F0"/>
                 </a:solidFill>
@@ -11248,12 +11286,6 @@
               </a:rPr>
               <a:t>RUNDEN</a:t>
             </a:r>
-            <a:endParaRPr lang="de-DE" sz="1600" b="1" dirty="0">
-              <a:solidFill>
-                <a:srgbClr val="00B0F0"/>
-              </a:solidFill>
-              <a:latin typeface="Quattrocento Sans" charset="0"/>
-            </a:endParaRPr>
           </a:p>
         </p:txBody>
       </p:sp>
@@ -11262,21 +11294,6 @@
   <p:clrMapOvr>
     <a:masterClrMapping/>
   </p:clrMapOvr>
-  <mc:AlternateContent xmlns:mc="http://schemas.openxmlformats.org/markup-compatibility/2006" xmlns:p14="http://schemas.microsoft.com/office/powerpoint/2010/main">
-    <mc:Choice Requires="p14">
-      <p:transition p14:dur="0"/>
-    </mc:Choice>
-    <mc:Fallback xmlns="">
-      <p:transition/>
-    </mc:Fallback>
-  </mc:AlternateContent>
-  <p:timing>
-    <p:tnLst>
-      <p:par>
-        <p:cTn id="1" dur="indefinite" restart="never" nodeType="tmRoot"/>
-      </p:par>
-    </p:tnLst>
-  </p:timing>
 </p:sld>
 </file>
 
@@ -11329,18 +11346,13 @@
               <a:buNone/>
             </a:pPr>
             <a:r>
-              <a:rPr lang="en" dirty="0" smtClean="0">
+              <a:rPr lang="en" dirty="0">
                 <a:highlight>
                   <a:srgbClr val="FFCD00"/>
                 </a:highlight>
               </a:rPr>
               <a:t>Ursprünglicher Ansatz – Das Spiel</a:t>
             </a:r>
-            <a:endParaRPr lang="en" dirty="0">
-              <a:highlight>
-                <a:srgbClr val="FFCD00"/>
-              </a:highlight>
-            </a:endParaRPr>
           </a:p>
         </p:txBody>
       </p:sp>
@@ -11376,7 +11388,7 @@
               <a:buNone/>
             </a:pPr>
             <a:r>
-              <a:rPr lang="en" dirty="0" smtClean="0"/>
+              <a:rPr lang="en" dirty="0"/>
               <a:t>Ein Spieler...</a:t>
             </a:r>
           </a:p>
@@ -11387,7 +11399,7 @@
               </a:spcBef>
               <a:buNone/>
             </a:pPr>
-            <a:endParaRPr lang="en" dirty="0" smtClean="0"/>
+            <a:endParaRPr lang="en" dirty="0"/>
           </a:p>
           <a:p>
             <a:pPr marL="457200" lvl="0" indent="-228600" rtl="0">
@@ -11396,7 +11408,7 @@
               </a:spcBef>
             </a:pPr>
             <a:r>
-              <a:rPr lang="en" dirty="0" smtClean="0"/>
+              <a:rPr lang="en" dirty="0"/>
               <a:t>bekommt 15 Fragen gestellt um potenziell        € 1.000.000 zu gewinnen </a:t>
             </a:r>
           </a:p>
@@ -11407,7 +11419,7 @@
               </a:spcBef>
             </a:pPr>
             <a:r>
-              <a:rPr lang="en" dirty="0" smtClean="0"/>
+              <a:rPr lang="en" dirty="0"/>
               <a:t>sollte es nicht als “leicht” empfinden das Spiel zu gewinnen</a:t>
             </a:r>
           </a:p>
@@ -12037,7 +12049,7 @@
           <a:p>
             <a:pPr algn="ctr"/>
             <a:r>
-              <a:rPr lang="de-DE" sz="1600" b="1" dirty="0" smtClean="0">
+              <a:rPr lang="de-DE" sz="1600" b="1" dirty="0">
                 <a:solidFill>
                   <a:srgbClr val="00B0F0"/>
                 </a:solidFill>
@@ -12045,12 +12057,6 @@
               </a:rPr>
               <a:t>RUNDEN</a:t>
             </a:r>
-            <a:endParaRPr lang="de-DE" sz="1600" b="1" dirty="0">
-              <a:solidFill>
-                <a:srgbClr val="00B0F0"/>
-              </a:solidFill>
-              <a:latin typeface="Quattrocento Sans" charset="0"/>
-            </a:endParaRPr>
           </a:p>
         </p:txBody>
       </p:sp>
@@ -12111,7 +12117,7 @@
           <a:p>
             <a:pPr algn="ctr"/>
             <a:r>
-              <a:rPr lang="de-DE" sz="1600" b="1" dirty="0" smtClean="0">
+              <a:rPr lang="de-DE" sz="1600" b="1" dirty="0">
                 <a:solidFill>
                   <a:schemeClr val="accent6">
                     <a:lumMod val="60000"/>
@@ -12122,15 +12128,6 @@
               </a:rPr>
               <a:t>SCHWIERIGKEIT</a:t>
             </a:r>
-            <a:endParaRPr lang="de-DE" sz="1600" b="1" dirty="0">
-              <a:solidFill>
-                <a:schemeClr val="accent6">
-                  <a:lumMod val="60000"/>
-                  <a:lumOff val="40000"/>
-                </a:schemeClr>
-              </a:solidFill>
-              <a:latin typeface="Quattrocento Sans" charset="0"/>
-            </a:endParaRPr>
           </a:p>
         </p:txBody>
       </p:sp>
@@ -12139,21 +12136,6 @@
   <p:clrMapOvr>
     <a:masterClrMapping/>
   </p:clrMapOvr>
-  <mc:AlternateContent xmlns:mc="http://schemas.openxmlformats.org/markup-compatibility/2006" xmlns:p14="http://schemas.microsoft.com/office/powerpoint/2010/main">
-    <mc:Choice Requires="p14">
-      <p:transition p14:dur="0"/>
-    </mc:Choice>
-    <mc:Fallback xmlns="">
-      <p:transition/>
-    </mc:Fallback>
-  </mc:AlternateContent>
-  <p:timing>
-    <p:tnLst>
-      <p:par>
-        <p:cTn id="1" dur="indefinite" restart="never" nodeType="tmRoot"/>
-      </p:par>
-    </p:tnLst>
-  </p:timing>
 </p:sld>
 </file>
 
@@ -12206,18 +12188,13 @@
               <a:buNone/>
             </a:pPr>
             <a:r>
-              <a:rPr lang="en" dirty="0" smtClean="0">
+              <a:rPr lang="en" dirty="0">
                 <a:highlight>
                   <a:srgbClr val="FFCD00"/>
                 </a:highlight>
               </a:rPr>
               <a:t>Ursprünglicher Ansatz – Das Spiel</a:t>
             </a:r>
-            <a:endParaRPr lang="en" dirty="0">
-              <a:highlight>
-                <a:srgbClr val="FFCD00"/>
-              </a:highlight>
-            </a:endParaRPr>
           </a:p>
         </p:txBody>
       </p:sp>
@@ -12253,7 +12230,7 @@
               <a:buNone/>
             </a:pPr>
             <a:r>
-              <a:rPr lang="en" dirty="0" smtClean="0"/>
+              <a:rPr lang="en" dirty="0"/>
               <a:t>Ein Spieler...</a:t>
             </a:r>
           </a:p>
@@ -12264,7 +12241,7 @@
               </a:spcBef>
               <a:buNone/>
             </a:pPr>
-            <a:endParaRPr lang="en" dirty="0" smtClean="0"/>
+            <a:endParaRPr lang="en" dirty="0"/>
           </a:p>
           <a:p>
             <a:pPr marL="457200" lvl="0" indent="-228600" rtl="0">
@@ -12273,7 +12250,7 @@
               </a:spcBef>
             </a:pPr>
             <a:r>
-              <a:rPr lang="en" dirty="0" smtClean="0"/>
+              <a:rPr lang="en" dirty="0"/>
               <a:t>bekommt 15 Fragen gestellt um potenziell        € 1.000.000 zu gewinnen </a:t>
             </a:r>
           </a:p>
@@ -12284,7 +12261,7 @@
               </a:spcBef>
             </a:pPr>
             <a:r>
-              <a:rPr lang="en" dirty="0" smtClean="0"/>
+              <a:rPr lang="en" dirty="0"/>
               <a:t>sollte es nicht als “leicht” empfinden das Spiel zu gewinnen</a:t>
             </a:r>
           </a:p>
@@ -12295,10 +12272,10 @@
               </a:spcBef>
             </a:pPr>
             <a:r>
-              <a:rPr lang="de-DE" dirty="0" smtClean="0"/>
+              <a:rPr lang="de-DE" dirty="0"/>
               <a:t>sollte es nicht als „zu schwer“ empfinden Fortschritte in dem Spiel zu machen</a:t>
             </a:r>
-            <a:endParaRPr lang="en" dirty="0" smtClean="0"/>
+            <a:endParaRPr lang="en" dirty="0"/>
           </a:p>
           <a:p>
             <a:pPr lvl="0">
@@ -12926,7 +12903,7 @@
           <a:p>
             <a:pPr algn="ctr"/>
             <a:r>
-              <a:rPr lang="de-DE" sz="1600" b="1" dirty="0" smtClean="0">
+              <a:rPr lang="de-DE" sz="1600" b="1" dirty="0">
                 <a:solidFill>
                   <a:srgbClr val="00B0F0"/>
                 </a:solidFill>
@@ -12934,12 +12911,6 @@
               </a:rPr>
               <a:t>RUNDEN</a:t>
             </a:r>
-            <a:endParaRPr lang="de-DE" sz="1600" b="1" dirty="0">
-              <a:solidFill>
-                <a:srgbClr val="00B0F0"/>
-              </a:solidFill>
-              <a:latin typeface="Quattrocento Sans" charset="0"/>
-            </a:endParaRPr>
           </a:p>
         </p:txBody>
       </p:sp>
@@ -13000,7 +12971,7 @@
           <a:p>
             <a:pPr algn="ctr"/>
             <a:r>
-              <a:rPr lang="de-DE" sz="1600" b="1" dirty="0" smtClean="0">
+              <a:rPr lang="de-DE" sz="1600" b="1" dirty="0">
                 <a:solidFill>
                   <a:schemeClr val="accent6">
                     <a:lumMod val="60000"/>
@@ -13011,15 +12982,6 @@
               </a:rPr>
               <a:t>SCHWIERIGKEIT</a:t>
             </a:r>
-            <a:endParaRPr lang="de-DE" sz="1600" b="1" dirty="0">
-              <a:solidFill>
-                <a:schemeClr val="accent6">
-                  <a:lumMod val="60000"/>
-                  <a:lumOff val="40000"/>
-                </a:schemeClr>
-              </a:solidFill>
-              <a:latin typeface="Quattrocento Sans" charset="0"/>
-            </a:endParaRPr>
           </a:p>
         </p:txBody>
       </p:sp>
@@ -13028,21 +12990,6 @@
   <p:clrMapOvr>
     <a:masterClrMapping/>
   </p:clrMapOvr>
-  <mc:AlternateContent xmlns:mc="http://schemas.openxmlformats.org/markup-compatibility/2006" xmlns:p14="http://schemas.microsoft.com/office/powerpoint/2010/main">
-    <mc:Choice Requires="p14">
-      <p:transition p14:dur="0"/>
-    </mc:Choice>
-    <mc:Fallback xmlns="">
-      <p:transition/>
-    </mc:Fallback>
-  </mc:AlternateContent>
-  <p:timing>
-    <p:tnLst>
-      <p:par>
-        <p:cTn id="1" dur="indefinite" restart="never" nodeType="tmRoot"/>
-      </p:par>
-    </p:tnLst>
-  </p:timing>
 </p:sld>
 </file>
 
@@ -13095,18 +13042,13 @@
               <a:buNone/>
             </a:pPr>
             <a:r>
-              <a:rPr lang="en" dirty="0" smtClean="0">
+              <a:rPr lang="en" dirty="0">
                 <a:highlight>
                   <a:srgbClr val="FFCD00"/>
                 </a:highlight>
               </a:rPr>
               <a:t>Ursprünglicher Ansatz – Das Spiel</a:t>
             </a:r>
-            <a:endParaRPr lang="en" dirty="0">
-              <a:highlight>
-                <a:srgbClr val="FFCD00"/>
-              </a:highlight>
-            </a:endParaRPr>
           </a:p>
         </p:txBody>
       </p:sp>
@@ -13142,7 +13084,7 @@
               <a:buNone/>
             </a:pPr>
             <a:r>
-              <a:rPr lang="en" dirty="0" smtClean="0"/>
+              <a:rPr lang="en" dirty="0"/>
               <a:t>Ein Spieler...</a:t>
             </a:r>
           </a:p>
@@ -13153,7 +13095,7 @@
               </a:spcBef>
               <a:buNone/>
             </a:pPr>
-            <a:endParaRPr lang="en" dirty="0" smtClean="0"/>
+            <a:endParaRPr lang="en" dirty="0"/>
           </a:p>
           <a:p>
             <a:pPr marL="457200" lvl="0" indent="-228600" rtl="0">
@@ -13162,7 +13104,7 @@
               </a:spcBef>
             </a:pPr>
             <a:r>
-              <a:rPr lang="en" dirty="0" smtClean="0"/>
+              <a:rPr lang="en" dirty="0"/>
               <a:t>bekommt 15 Fragen gestellt um potenziell        € 1.000.000 zu gewinnen </a:t>
             </a:r>
           </a:p>
@@ -13173,7 +13115,7 @@
               </a:spcBef>
             </a:pPr>
             <a:r>
-              <a:rPr lang="en" dirty="0" smtClean="0"/>
+              <a:rPr lang="en" dirty="0"/>
               <a:t>sollte es nicht als “leicht” empfinden das Spiel zu gewinnen</a:t>
             </a:r>
           </a:p>
@@ -13184,10 +13126,10 @@
               </a:spcBef>
             </a:pPr>
             <a:r>
-              <a:rPr lang="de-DE" dirty="0" smtClean="0"/>
+              <a:rPr lang="de-DE" dirty="0"/>
               <a:t>sollte es nicht als „zu schwer“ empfinden Fortschritte in dem Spiel zu machen</a:t>
             </a:r>
-            <a:endParaRPr lang="en" dirty="0" smtClean="0"/>
+            <a:endParaRPr lang="en" dirty="0"/>
           </a:p>
           <a:p>
             <a:pPr lvl="0">
@@ -13815,7 +13757,7 @@
           <a:p>
             <a:pPr algn="ctr"/>
             <a:r>
-              <a:rPr lang="de-DE" sz="1600" b="1" dirty="0" smtClean="0">
+              <a:rPr lang="de-DE" sz="1600" b="1" dirty="0">
                 <a:solidFill>
                   <a:srgbClr val="00B0F0"/>
                 </a:solidFill>
@@ -13823,12 +13765,6 @@
               </a:rPr>
               <a:t>RUNDEN</a:t>
             </a:r>
-            <a:endParaRPr lang="de-DE" sz="1600" b="1" dirty="0">
-              <a:solidFill>
-                <a:srgbClr val="00B0F0"/>
-              </a:solidFill>
-              <a:latin typeface="Quattrocento Sans" charset="0"/>
-            </a:endParaRPr>
           </a:p>
         </p:txBody>
       </p:sp>
@@ -13889,7 +13825,7 @@
           <a:p>
             <a:pPr algn="ctr"/>
             <a:r>
-              <a:rPr lang="de-DE" sz="1600" b="1" dirty="0" smtClean="0">
+              <a:rPr lang="de-DE" sz="1600" b="1" dirty="0">
                 <a:solidFill>
                   <a:schemeClr val="accent6">
                     <a:lumMod val="60000"/>
@@ -13900,15 +13836,6 @@
               </a:rPr>
               <a:t>SCHWIERIGKEIT</a:t>
             </a:r>
-            <a:endParaRPr lang="de-DE" sz="1600" b="1" dirty="0">
-              <a:solidFill>
-                <a:schemeClr val="accent6">
-                  <a:lumMod val="60000"/>
-                  <a:lumOff val="40000"/>
-                </a:schemeClr>
-              </a:solidFill>
-              <a:latin typeface="Quattrocento Sans" charset="0"/>
-            </a:endParaRPr>
           </a:p>
         </p:txBody>
       </p:sp>
@@ -13969,7 +13896,7 @@
           <a:p>
             <a:pPr algn="ctr"/>
             <a:r>
-              <a:rPr lang="de-DE" sz="1600" b="1" dirty="0" smtClean="0">
+              <a:rPr lang="de-DE" sz="1600" b="1" dirty="0">
                 <a:solidFill>
                   <a:srgbClr val="00B050"/>
                 </a:solidFill>
@@ -13977,12 +13904,6 @@
               </a:rPr>
               <a:t>JOKER</a:t>
             </a:r>
-            <a:endParaRPr lang="de-DE" sz="1600" b="1" dirty="0">
-              <a:solidFill>
-                <a:srgbClr val="00B050"/>
-              </a:solidFill>
-              <a:latin typeface="Quattrocento Sans" charset="0"/>
-            </a:endParaRPr>
           </a:p>
         </p:txBody>
       </p:sp>
@@ -13991,21 +13912,6 @@
   <p:clrMapOvr>
     <a:masterClrMapping/>
   </p:clrMapOvr>
-  <mc:AlternateContent xmlns:mc="http://schemas.openxmlformats.org/markup-compatibility/2006" xmlns:p14="http://schemas.microsoft.com/office/powerpoint/2010/main">
-    <mc:Choice Requires="p14">
-      <p:transition p14:dur="0"/>
-    </mc:Choice>
-    <mc:Fallback xmlns="">
-      <p:transition/>
-    </mc:Fallback>
-  </mc:AlternateContent>
-  <p:timing>
-    <p:tnLst>
-      <p:par>
-        <p:cTn id="1" dur="indefinite" restart="never" nodeType="tmRoot"/>
-      </p:par>
-    </p:tnLst>
-  </p:timing>
 </p:sld>
 </file>
 
@@ -14058,18 +13964,13 @@
               <a:buNone/>
             </a:pPr>
             <a:r>
-              <a:rPr lang="en" dirty="0" smtClean="0">
+              <a:rPr lang="en" dirty="0">
                 <a:highlight>
                   <a:srgbClr val="FFCD00"/>
                 </a:highlight>
               </a:rPr>
               <a:t>Ursprünglicher Ansatz – Das Spiel</a:t>
             </a:r>
-            <a:endParaRPr lang="en" dirty="0">
-              <a:highlight>
-                <a:srgbClr val="FFCD00"/>
-              </a:highlight>
-            </a:endParaRPr>
           </a:p>
         </p:txBody>
       </p:sp>
@@ -14669,21 +14570,6 @@
   <p:clrMapOvr>
     <a:masterClrMapping/>
   </p:clrMapOvr>
-  <mc:AlternateContent xmlns:mc="http://schemas.openxmlformats.org/markup-compatibility/2006" xmlns:p14="http://schemas.microsoft.com/office/powerpoint/2010/main">
-    <mc:Choice Requires="p14">
-      <p:transition p14:dur="0"/>
-    </mc:Choice>
-    <mc:Fallback xmlns="">
-      <p:transition/>
-    </mc:Fallback>
-  </mc:AlternateContent>
-  <p:timing>
-    <p:tnLst>
-      <p:par>
-        <p:cTn id="1" dur="indefinite" restart="never" nodeType="tmRoot"/>
-      </p:par>
-    </p:tnLst>
-  </p:timing>
 </p:sld>
 </file>
 
@@ -14736,18 +14622,13 @@
               <a:buNone/>
             </a:pPr>
             <a:r>
-              <a:rPr lang="en" dirty="0" smtClean="0">
+              <a:rPr lang="en" dirty="0">
                 <a:highlight>
                   <a:srgbClr val="FFCD00"/>
                 </a:highlight>
               </a:rPr>
               <a:t>Ursprünglicher Ansatz – Die Fragen</a:t>
             </a:r>
-            <a:endParaRPr lang="en" dirty="0">
-              <a:highlight>
-                <a:srgbClr val="FFCD00"/>
-              </a:highlight>
-            </a:endParaRPr>
           </a:p>
         </p:txBody>
       </p:sp>
@@ -15314,21 +15195,6 @@
   <p:clrMapOvr>
     <a:masterClrMapping/>
   </p:clrMapOvr>
-  <mc:AlternateContent xmlns:mc="http://schemas.openxmlformats.org/markup-compatibility/2006" xmlns:p14="http://schemas.microsoft.com/office/powerpoint/2010/main">
-    <mc:Choice Requires="p14">
-      <p:transition p14:dur="0"/>
-    </mc:Choice>
-    <mc:Fallback xmlns="">
-      <p:transition/>
-    </mc:Fallback>
-  </mc:AlternateContent>
-  <p:timing>
-    <p:tnLst>
-      <p:par>
-        <p:cTn id="1" dur="indefinite" restart="never" nodeType="tmRoot"/>
-      </p:par>
-    </p:tnLst>
-  </p:timing>
 </p:sld>
 </file>
 
@@ -15381,18 +15247,13 @@
               <a:buNone/>
             </a:pPr>
             <a:r>
-              <a:rPr lang="en" dirty="0" smtClean="0">
+              <a:rPr lang="en" dirty="0">
                 <a:highlight>
                   <a:srgbClr val="FFCD00"/>
                 </a:highlight>
               </a:rPr>
               <a:t>Ursprünglicher Ansatz – Die Fragen</a:t>
             </a:r>
-            <a:endParaRPr lang="en" dirty="0">
-              <a:highlight>
-                <a:srgbClr val="FFCD00"/>
-              </a:highlight>
-            </a:endParaRPr>
           </a:p>
         </p:txBody>
       </p:sp>
@@ -15427,7 +15288,7 @@
               </a:spcBef>
             </a:pPr>
             <a:r>
-              <a:rPr lang="en" dirty="0" smtClean="0"/>
+              <a:rPr lang="en" dirty="0"/>
               <a:t>Zentraler Bestandteil des Spieles WWM</a:t>
             </a:r>
           </a:p>
@@ -16029,21 +15890,6 @@
   <p:clrMapOvr>
     <a:masterClrMapping/>
   </p:clrMapOvr>
-  <mc:AlternateContent xmlns:mc="http://schemas.openxmlformats.org/markup-compatibility/2006" xmlns:p14="http://schemas.microsoft.com/office/powerpoint/2010/main">
-    <mc:Choice Requires="p14">
-      <p:transition p14:dur="0"/>
-    </mc:Choice>
-    <mc:Fallback xmlns="">
-      <p:transition/>
-    </mc:Fallback>
-  </mc:AlternateContent>
-  <p:timing>
-    <p:tnLst>
-      <p:par>
-        <p:cTn id="1" dur="indefinite" restart="never" nodeType="tmRoot"/>
-      </p:par>
-    </p:tnLst>
-  </p:timing>
 </p:sld>
 </file>
 
@@ -16096,10 +15942,9 @@
               <a:buNone/>
             </a:pPr>
             <a:r>
-              <a:rPr lang="en" dirty="0" smtClean="0"/>
+              <a:rPr lang="en" dirty="0"/>
               <a:t>Projektleiter</a:t>
             </a:r>
-            <a:endParaRPr lang="en" dirty="0"/>
           </a:p>
         </p:txBody>
       </p:sp>
@@ -16135,10 +15980,9 @@
               <a:buNone/>
             </a:pPr>
             <a:r>
-              <a:rPr lang="en" dirty="0" smtClean="0"/>
+              <a:rPr lang="en" dirty="0"/>
               <a:t>Christian Hahn</a:t>
             </a:r>
-            <a:endParaRPr lang="en" dirty="0"/>
           </a:p>
         </p:txBody>
       </p:sp>
@@ -16198,21 +16042,6 @@
   <p:clrMapOvr>
     <a:masterClrMapping/>
   </p:clrMapOvr>
-  <mc:AlternateContent xmlns:mc="http://schemas.openxmlformats.org/markup-compatibility/2006" xmlns:p14="http://schemas.microsoft.com/office/powerpoint/2010/main">
-    <mc:Choice Requires="p14">
-      <p:transition p14:dur="0"/>
-    </mc:Choice>
-    <mc:Fallback xmlns="">
-      <p:transition/>
-    </mc:Fallback>
-  </mc:AlternateContent>
-  <p:timing>
-    <p:tnLst>
-      <p:par>
-        <p:cTn id="1" dur="indefinite" restart="never" nodeType="tmRoot"/>
-      </p:par>
-    </p:tnLst>
-  </p:timing>
 </p:sld>
 </file>
 
@@ -16265,18 +16094,13 @@
               <a:buNone/>
             </a:pPr>
             <a:r>
-              <a:rPr lang="en" dirty="0" smtClean="0">
+              <a:rPr lang="en" dirty="0">
                 <a:highlight>
                   <a:srgbClr val="FFCD00"/>
                 </a:highlight>
               </a:rPr>
               <a:t>Ursprünglicher Ansatz – Die Fragen</a:t>
             </a:r>
-            <a:endParaRPr lang="en" dirty="0">
-              <a:highlight>
-                <a:srgbClr val="FFCD00"/>
-              </a:highlight>
-            </a:endParaRPr>
           </a:p>
         </p:txBody>
       </p:sp>
@@ -16311,7 +16135,7 @@
               </a:spcBef>
             </a:pPr>
             <a:r>
-              <a:rPr lang="en" dirty="0" smtClean="0"/>
+              <a:rPr lang="en" dirty="0"/>
               <a:t>Zentraler Bestandteil des Spieles WWM</a:t>
             </a:r>
           </a:p>
@@ -16322,7 +16146,7 @@
               </a:spcBef>
             </a:pPr>
             <a:r>
-              <a:rPr lang="en" dirty="0" smtClean="0"/>
+              <a:rPr lang="en" dirty="0"/>
               <a:t>Benötigen Schwierigkeitsstufen die innerhalb des Spielverlaufs steigen</a:t>
             </a:r>
           </a:p>
@@ -16924,21 +16748,6 @@
   <p:clrMapOvr>
     <a:masterClrMapping/>
   </p:clrMapOvr>
-  <mc:AlternateContent xmlns:mc="http://schemas.openxmlformats.org/markup-compatibility/2006" xmlns:p14="http://schemas.microsoft.com/office/powerpoint/2010/main">
-    <mc:Choice Requires="p14">
-      <p:transition p14:dur="0"/>
-    </mc:Choice>
-    <mc:Fallback xmlns="">
-      <p:transition/>
-    </mc:Fallback>
-  </mc:AlternateContent>
-  <p:timing>
-    <p:tnLst>
-      <p:par>
-        <p:cTn id="1" dur="indefinite" restart="never" nodeType="tmRoot"/>
-      </p:par>
-    </p:tnLst>
-  </p:timing>
 </p:sld>
 </file>
 
@@ -16991,18 +16800,13 @@
               <a:buNone/>
             </a:pPr>
             <a:r>
-              <a:rPr lang="en" dirty="0" smtClean="0">
+              <a:rPr lang="en" dirty="0">
                 <a:highlight>
                   <a:srgbClr val="FFCD00"/>
                 </a:highlight>
               </a:rPr>
               <a:t>Ursprünglicher Ansatz – Die Fragen</a:t>
             </a:r>
-            <a:endParaRPr lang="en" dirty="0">
-              <a:highlight>
-                <a:srgbClr val="FFCD00"/>
-              </a:highlight>
-            </a:endParaRPr>
           </a:p>
         </p:txBody>
       </p:sp>
@@ -17037,7 +16841,7 @@
               </a:spcBef>
             </a:pPr>
             <a:r>
-              <a:rPr lang="en" dirty="0" smtClean="0"/>
+              <a:rPr lang="en" dirty="0"/>
               <a:t>Zentraler Bestandteil des Spieles WWM</a:t>
             </a:r>
           </a:p>
@@ -17048,7 +16852,7 @@
               </a:spcBef>
             </a:pPr>
             <a:r>
-              <a:rPr lang="en" dirty="0" smtClean="0"/>
+              <a:rPr lang="en" dirty="0"/>
               <a:t>Benötigen Schwierigkeitsstufen die innerhalb des Spielverlaufs steigen</a:t>
             </a:r>
           </a:p>
@@ -17059,7 +16863,7 @@
               </a:spcBef>
             </a:pPr>
             <a:r>
-              <a:rPr lang="en" dirty="0" smtClean="0"/>
+              <a:rPr lang="en" dirty="0"/>
               <a:t>Benötigen eine Datenbank, als Fragenkatalog zum Speichern, Abrufen und Sortieren der Fragen</a:t>
             </a:r>
           </a:p>
@@ -17661,21 +17465,6 @@
   <p:clrMapOvr>
     <a:masterClrMapping/>
   </p:clrMapOvr>
-  <mc:AlternateContent xmlns:mc="http://schemas.openxmlformats.org/markup-compatibility/2006" xmlns:p14="http://schemas.microsoft.com/office/powerpoint/2010/main">
-    <mc:Choice Requires="p14">
-      <p:transition p14:dur="0"/>
-    </mc:Choice>
-    <mc:Fallback xmlns="">
-      <p:transition/>
-    </mc:Fallback>
-  </mc:AlternateContent>
-  <p:timing>
-    <p:tnLst>
-      <p:par>
-        <p:cTn id="1" dur="indefinite" restart="never" nodeType="tmRoot"/>
-      </p:par>
-    </p:tnLst>
-  </p:timing>
 </p:sld>
 </file>
 
@@ -17728,18 +17517,13 @@
               <a:buNone/>
             </a:pPr>
             <a:r>
-              <a:rPr lang="en" dirty="0" smtClean="0">
+              <a:rPr lang="en" dirty="0">
                 <a:highlight>
                   <a:srgbClr val="FFCD00"/>
                 </a:highlight>
               </a:rPr>
               <a:t>Ursprünglicher Ansatz – Die Joker</a:t>
             </a:r>
-            <a:endParaRPr lang="en" dirty="0">
-              <a:highlight>
-                <a:srgbClr val="FFCD00"/>
-              </a:highlight>
-            </a:endParaRPr>
           </a:p>
         </p:txBody>
       </p:sp>
@@ -18306,21 +18090,6 @@
   <p:clrMapOvr>
     <a:masterClrMapping/>
   </p:clrMapOvr>
-  <mc:AlternateContent xmlns:mc="http://schemas.openxmlformats.org/markup-compatibility/2006" xmlns:p14="http://schemas.microsoft.com/office/powerpoint/2010/main">
-    <mc:Choice Requires="p14">
-      <p:transition p14:dur="0"/>
-    </mc:Choice>
-    <mc:Fallback xmlns="">
-      <p:transition/>
-    </mc:Fallback>
-  </mc:AlternateContent>
-  <p:timing>
-    <p:tnLst>
-      <p:par>
-        <p:cTn id="1" dur="indefinite" restart="never" nodeType="tmRoot"/>
-      </p:par>
-    </p:tnLst>
-  </p:timing>
 </p:sld>
 </file>
 
@@ -18373,18 +18142,13 @@
               <a:buNone/>
             </a:pPr>
             <a:r>
-              <a:rPr lang="en" dirty="0" smtClean="0">
+              <a:rPr lang="en" dirty="0">
                 <a:highlight>
                   <a:srgbClr val="FFCD00"/>
                 </a:highlight>
               </a:rPr>
               <a:t>Ursprünglicher Ansatz – Die Joker</a:t>
             </a:r>
-            <a:endParaRPr lang="en" dirty="0">
-              <a:highlight>
-                <a:srgbClr val="FFCD00"/>
-              </a:highlight>
-            </a:endParaRPr>
           </a:p>
         </p:txBody>
       </p:sp>
@@ -18419,7 +18183,7 @@
               </a:spcBef>
             </a:pPr>
             <a:r>
-              <a:rPr lang="en" dirty="0" smtClean="0"/>
+              <a:rPr lang="en" dirty="0"/>
               <a:t>Dienen als Hilfsmittel für den Spieler</a:t>
             </a:r>
           </a:p>
@@ -18430,7 +18194,7 @@
               </a:spcBef>
               <a:buNone/>
             </a:pPr>
-            <a:endParaRPr lang="en" dirty="0" smtClean="0"/>
+            <a:endParaRPr lang="en" dirty="0"/>
           </a:p>
         </p:txBody>
       </p:sp>
@@ -19030,21 +18794,6 @@
   <p:clrMapOvr>
     <a:masterClrMapping/>
   </p:clrMapOvr>
-  <mc:AlternateContent xmlns:mc="http://schemas.openxmlformats.org/markup-compatibility/2006" xmlns:p14="http://schemas.microsoft.com/office/powerpoint/2010/main">
-    <mc:Choice Requires="p14">
-      <p:transition p14:dur="0"/>
-    </mc:Choice>
-    <mc:Fallback xmlns="">
-      <p:transition/>
-    </mc:Fallback>
-  </mc:AlternateContent>
-  <p:timing>
-    <p:tnLst>
-      <p:par>
-        <p:cTn id="1" dur="indefinite" restart="never" nodeType="tmRoot"/>
-      </p:par>
-    </p:tnLst>
-  </p:timing>
 </p:sld>
 </file>
 
@@ -19097,18 +18846,13 @@
               <a:buNone/>
             </a:pPr>
             <a:r>
-              <a:rPr lang="en" dirty="0" smtClean="0">
+              <a:rPr lang="en" dirty="0">
                 <a:highlight>
                   <a:srgbClr val="FFCD00"/>
                 </a:highlight>
               </a:rPr>
               <a:t>Ursprünglicher Ansatz – Die Joker</a:t>
             </a:r>
-            <a:endParaRPr lang="en" dirty="0">
-              <a:highlight>
-                <a:srgbClr val="FFCD00"/>
-              </a:highlight>
-            </a:endParaRPr>
           </a:p>
         </p:txBody>
       </p:sp>
@@ -19143,7 +18887,7 @@
               </a:spcBef>
             </a:pPr>
             <a:r>
-              <a:rPr lang="en" dirty="0" smtClean="0"/>
+              <a:rPr lang="en" dirty="0"/>
               <a:t>Dienen als Hilfsmittel für den Spieler</a:t>
             </a:r>
           </a:p>
@@ -19154,7 +18898,7 @@
               </a:spcBef>
             </a:pPr>
             <a:r>
-              <a:rPr lang="en" dirty="0" smtClean="0"/>
+              <a:rPr lang="en" dirty="0"/>
               <a:t>Benötigte Joker: 50/50, Telefonjoker und Zuschauerjoker</a:t>
             </a:r>
           </a:p>
@@ -19165,7 +18909,7 @@
               </a:spcBef>
               <a:buNone/>
             </a:pPr>
-            <a:endParaRPr lang="en" dirty="0" smtClean="0"/>
+            <a:endParaRPr lang="en" dirty="0"/>
           </a:p>
         </p:txBody>
       </p:sp>
@@ -19765,21 +19509,6 @@
   <p:clrMapOvr>
     <a:masterClrMapping/>
   </p:clrMapOvr>
-  <mc:AlternateContent xmlns:mc="http://schemas.openxmlformats.org/markup-compatibility/2006" xmlns:p14="http://schemas.microsoft.com/office/powerpoint/2010/main">
-    <mc:Choice Requires="p14">
-      <p:transition p14:dur="0"/>
-    </mc:Choice>
-    <mc:Fallback xmlns="">
-      <p:transition/>
-    </mc:Fallback>
-  </mc:AlternateContent>
-  <p:timing>
-    <p:tnLst>
-      <p:par>
-        <p:cTn id="1" dur="indefinite" restart="never" nodeType="tmRoot"/>
-      </p:par>
-    </p:tnLst>
-  </p:timing>
 </p:sld>
 </file>
 
@@ -19832,18 +19561,13 @@
               <a:buNone/>
             </a:pPr>
             <a:r>
-              <a:rPr lang="en" dirty="0" smtClean="0">
+              <a:rPr lang="en" dirty="0">
                 <a:highlight>
                   <a:srgbClr val="FFCD00"/>
                 </a:highlight>
               </a:rPr>
               <a:t>Ursprünglicher Ansatz – Die Joker</a:t>
             </a:r>
-            <a:endParaRPr lang="en" dirty="0">
-              <a:highlight>
-                <a:srgbClr val="FFCD00"/>
-              </a:highlight>
-            </a:endParaRPr>
           </a:p>
         </p:txBody>
       </p:sp>
@@ -19878,7 +19602,7 @@
               </a:spcBef>
             </a:pPr>
             <a:r>
-              <a:rPr lang="en" dirty="0" smtClean="0"/>
+              <a:rPr lang="en" dirty="0"/>
               <a:t>Dienen als Hilfsmittel für den Spieler</a:t>
             </a:r>
           </a:p>
@@ -19889,7 +19613,7 @@
               </a:spcBef>
             </a:pPr>
             <a:r>
-              <a:rPr lang="en" dirty="0" smtClean="0"/>
+              <a:rPr lang="en" dirty="0"/>
               <a:t>Benötigte Joker: 50/50, Telefonjoker und Zuschauerjoker</a:t>
             </a:r>
           </a:p>
@@ -19900,7 +19624,7 @@
               </a:spcBef>
             </a:pPr>
             <a:r>
-              <a:rPr lang="en" dirty="0" smtClean="0"/>
+              <a:rPr lang="en" dirty="0"/>
               <a:t>Genaue Angabe WAS jeder Joker macht und WIE dies in dem Spiel interpretiert wird</a:t>
             </a:r>
           </a:p>
@@ -19910,7 +19634,7 @@
                 <a:spcPts val="0"/>
               </a:spcBef>
             </a:pPr>
-            <a:endParaRPr lang="en" dirty="0" smtClean="0"/>
+            <a:endParaRPr lang="en" dirty="0"/>
           </a:p>
         </p:txBody>
       </p:sp>
@@ -20510,21 +20234,6 @@
   <p:clrMapOvr>
     <a:masterClrMapping/>
   </p:clrMapOvr>
-  <mc:AlternateContent xmlns:mc="http://schemas.openxmlformats.org/markup-compatibility/2006" xmlns:p14="http://schemas.microsoft.com/office/powerpoint/2010/main">
-    <mc:Choice Requires="p14">
-      <p:transition p14:dur="0"/>
-    </mc:Choice>
-    <mc:Fallback xmlns="">
-      <p:transition/>
-    </mc:Fallback>
-  </mc:AlternateContent>
-  <p:timing>
-    <p:tnLst>
-      <p:par>
-        <p:cTn id="1" dur="indefinite" restart="never" nodeType="tmRoot"/>
-      </p:par>
-    </p:tnLst>
-  </p:timing>
 </p:sld>
 </file>
 
@@ -20577,18 +20286,13 @@
               <a:buNone/>
             </a:pPr>
             <a:r>
-              <a:rPr lang="en" dirty="0" smtClean="0">
+              <a:rPr lang="en" dirty="0">
                 <a:highlight>
                   <a:srgbClr val="FFCD00"/>
                 </a:highlight>
               </a:rPr>
               <a:t>Ursprünglicher Ansatz – Highscores</a:t>
             </a:r>
-            <a:endParaRPr lang="en" dirty="0">
-              <a:highlight>
-                <a:srgbClr val="FFCD00"/>
-              </a:highlight>
-            </a:endParaRPr>
           </a:p>
         </p:txBody>
       </p:sp>
@@ -21155,21 +20859,6 @@
   <p:clrMapOvr>
     <a:masterClrMapping/>
   </p:clrMapOvr>
-  <mc:AlternateContent xmlns:mc="http://schemas.openxmlformats.org/markup-compatibility/2006" xmlns:p14="http://schemas.microsoft.com/office/powerpoint/2010/main">
-    <mc:Choice Requires="p14">
-      <p:transition p14:dur="0"/>
-    </mc:Choice>
-    <mc:Fallback xmlns="">
-      <p:transition/>
-    </mc:Fallback>
-  </mc:AlternateContent>
-  <p:timing>
-    <p:tnLst>
-      <p:par>
-        <p:cTn id="1" dur="indefinite" restart="never" nodeType="tmRoot"/>
-      </p:par>
-    </p:tnLst>
-  </p:timing>
 </p:sld>
 </file>
 
@@ -21222,18 +20911,13 @@
               <a:buNone/>
             </a:pPr>
             <a:r>
-              <a:rPr lang="en" dirty="0" smtClean="0">
+              <a:rPr lang="en" dirty="0">
                 <a:highlight>
                   <a:srgbClr val="FFCD00"/>
                 </a:highlight>
               </a:rPr>
               <a:t>Ursprünglicher Ansatz – Highscores</a:t>
             </a:r>
-            <a:endParaRPr lang="en" dirty="0">
-              <a:highlight>
-                <a:srgbClr val="FFCD00"/>
-              </a:highlight>
-            </a:endParaRPr>
           </a:p>
         </p:txBody>
       </p:sp>
@@ -21811,7 +21495,7 @@
           <a:lstStyle/>
           <a:p>
             <a:r>
-              <a:rPr lang="de-DE" dirty="0" smtClean="0"/>
+              <a:rPr lang="de-DE" dirty="0"/>
               <a:t> Ermöglichen es dem Spieler seine Erfolge mit anderen Spielern bzw. mit sich selbst zu vergleichen</a:t>
             </a:r>
           </a:p>
@@ -21822,21 +21506,6 @@
   <p:clrMapOvr>
     <a:masterClrMapping/>
   </p:clrMapOvr>
-  <mc:AlternateContent xmlns:mc="http://schemas.openxmlformats.org/markup-compatibility/2006" xmlns:p14="http://schemas.microsoft.com/office/powerpoint/2010/main">
-    <mc:Choice Requires="p14">
-      <p:transition p14:dur="0"/>
-    </mc:Choice>
-    <mc:Fallback xmlns="">
-      <p:transition/>
-    </mc:Fallback>
-  </mc:AlternateContent>
-  <p:timing>
-    <p:tnLst>
-      <p:par>
-        <p:cTn id="1" dur="indefinite" restart="never" nodeType="tmRoot"/>
-      </p:par>
-    </p:tnLst>
-  </p:timing>
 </p:sld>
 </file>
 
@@ -21889,18 +21558,13 @@
               <a:buNone/>
             </a:pPr>
             <a:r>
-              <a:rPr lang="en" dirty="0" smtClean="0">
+              <a:rPr lang="en" dirty="0">
                 <a:highlight>
                   <a:srgbClr val="FFCD00"/>
                 </a:highlight>
               </a:rPr>
               <a:t>Ursprünglicher Ansatz – Highscores</a:t>
             </a:r>
-            <a:endParaRPr lang="en" dirty="0">
-              <a:highlight>
-                <a:srgbClr val="FFCD00"/>
-              </a:highlight>
-            </a:endParaRPr>
           </a:p>
         </p:txBody>
       </p:sp>
@@ -22478,13 +22142,13 @@
           <a:lstStyle/>
           <a:p>
             <a:r>
-              <a:rPr lang="de-DE" dirty="0" smtClean="0"/>
+              <a:rPr lang="de-DE" dirty="0"/>
               <a:t> Ermöglichen es dem Spieler seine Erfolge mit anderen Spielern bzw. mit sich selbst zu vergleichen</a:t>
             </a:r>
           </a:p>
           <a:p>
             <a:r>
-              <a:rPr lang="de-DE" dirty="0" smtClean="0"/>
+              <a:rPr lang="de-DE" dirty="0"/>
               <a:t> Die Highscores sollen in einer Datenbank verwaltet werden</a:t>
             </a:r>
           </a:p>
@@ -22495,21 +22159,6 @@
   <p:clrMapOvr>
     <a:masterClrMapping/>
   </p:clrMapOvr>
-  <mc:AlternateContent xmlns:mc="http://schemas.openxmlformats.org/markup-compatibility/2006" xmlns:p14="http://schemas.microsoft.com/office/powerpoint/2010/main">
-    <mc:Choice Requires="p14">
-      <p:transition p14:dur="0"/>
-    </mc:Choice>
-    <mc:Fallback xmlns="">
-      <p:transition/>
-    </mc:Fallback>
-  </mc:AlternateContent>
-  <p:timing>
-    <p:tnLst>
-      <p:par>
-        <p:cTn id="1" dur="indefinite" restart="never" nodeType="tmRoot"/>
-      </p:par>
-    </p:tnLst>
-  </p:timing>
 </p:sld>
 </file>
 
@@ -22562,18 +22211,13 @@
               <a:buNone/>
             </a:pPr>
             <a:r>
-              <a:rPr lang="en" dirty="0" smtClean="0">
+              <a:rPr lang="en" dirty="0">
                 <a:highlight>
                   <a:srgbClr val="FFCD00"/>
                 </a:highlight>
               </a:rPr>
               <a:t>Ursprünglicher Ansatz – Highscores</a:t>
             </a:r>
-            <a:endParaRPr lang="en" dirty="0">
-              <a:highlight>
-                <a:srgbClr val="FFCD00"/>
-              </a:highlight>
-            </a:endParaRPr>
           </a:p>
         </p:txBody>
       </p:sp>
@@ -23151,19 +22795,19 @@
           <a:lstStyle/>
           <a:p>
             <a:r>
-              <a:rPr lang="de-DE" dirty="0" smtClean="0"/>
+              <a:rPr lang="de-DE" dirty="0"/>
               <a:t> Ermöglichen es dem Spieler seine Erfolge mit anderen Spielern bzw. mit sich selbst zu vergleichen</a:t>
             </a:r>
           </a:p>
           <a:p>
             <a:r>
-              <a:rPr lang="de-DE" dirty="0" smtClean="0"/>
+              <a:rPr lang="de-DE" dirty="0"/>
               <a:t> Die Highscores sollen in einer Datenbank verwaltet werden</a:t>
             </a:r>
           </a:p>
           <a:p>
             <a:r>
-              <a:rPr lang="de-DE" dirty="0" smtClean="0"/>
+              <a:rPr lang="de-DE" dirty="0"/>
               <a:t> Ein Spieler sollte einen Überblick auf die 10 besten Highscores haben</a:t>
             </a:r>
           </a:p>
@@ -23174,21 +22818,6 @@
   <p:clrMapOvr>
     <a:masterClrMapping/>
   </p:clrMapOvr>
-  <mc:AlternateContent xmlns:mc="http://schemas.openxmlformats.org/markup-compatibility/2006" xmlns:p14="http://schemas.microsoft.com/office/powerpoint/2010/main">
-    <mc:Choice Requires="p14">
-      <p:transition p14:dur="0"/>
-    </mc:Choice>
-    <mc:Fallback xmlns="">
-      <p:transition/>
-    </mc:Fallback>
-  </mc:AlternateContent>
-  <p:timing>
-    <p:tnLst>
-      <p:par>
-        <p:cTn id="1" dur="indefinite" restart="never" nodeType="tmRoot"/>
-      </p:par>
-    </p:tnLst>
-  </p:timing>
 </p:sld>
 </file>
 
@@ -23241,18 +22870,13 @@
               <a:buNone/>
             </a:pPr>
             <a:r>
-              <a:rPr lang="en" dirty="0" smtClean="0">
+              <a:rPr lang="en" dirty="0">
                 <a:highlight>
                   <a:srgbClr val="FFCD00"/>
                 </a:highlight>
               </a:rPr>
               <a:t>Team-Einteilung</a:t>
             </a:r>
-            <a:endParaRPr lang="en" dirty="0">
-              <a:highlight>
-                <a:srgbClr val="FFCD00"/>
-              </a:highlight>
-            </a:endParaRPr>
           </a:p>
         </p:txBody>
       </p:sp>
@@ -23287,17 +22911,17 @@
               </a:spcBef>
             </a:pPr>
             <a:r>
-              <a:rPr lang="en" dirty="0" smtClean="0"/>
+              <a:rPr lang="en" dirty="0"/>
               <a:t>Projektleiter	</a:t>
             </a:r>
             <a:r>
-              <a:rPr lang="en" dirty="0" smtClean="0">
+              <a:rPr lang="en" dirty="0">
                 <a:sym typeface="Wingdings" pitchFamily="2" charset="2"/>
               </a:rPr>
               <a:t></a:t>
             </a:r>
             <a:r>
-              <a:rPr lang="en" dirty="0" smtClean="0"/>
+              <a:rPr lang="en" dirty="0"/>
               <a:t> Christian Hahn</a:t>
             </a:r>
           </a:p>
@@ -23308,17 +22932,17 @@
               </a:spcBef>
             </a:pPr>
             <a:r>
-              <a:rPr lang="en" dirty="0" smtClean="0"/>
+              <a:rPr lang="en" dirty="0"/>
               <a:t>Analysten		</a:t>
             </a:r>
             <a:r>
-              <a:rPr lang="en" dirty="0" smtClean="0">
+              <a:rPr lang="en" dirty="0">
                 <a:sym typeface="Wingdings" pitchFamily="2" charset="2"/>
               </a:rPr>
               <a:t></a:t>
             </a:r>
             <a:r>
-              <a:rPr lang="en" dirty="0" smtClean="0"/>
+              <a:rPr lang="en" dirty="0"/>
               <a:t> Richard Vladimirskij</a:t>
             </a:r>
           </a:p>
@@ -23329,17 +22953,17 @@
               </a:spcBef>
             </a:pPr>
             <a:r>
-              <a:rPr lang="en" dirty="0" smtClean="0"/>
+              <a:rPr lang="en" dirty="0"/>
               <a:t>Designer		</a:t>
             </a:r>
             <a:r>
-              <a:rPr lang="en" dirty="0" smtClean="0">
+              <a:rPr lang="en" dirty="0">
                 <a:sym typeface="Wingdings" pitchFamily="2" charset="2"/>
               </a:rPr>
               <a:t></a:t>
             </a:r>
             <a:r>
-              <a:rPr lang="en" dirty="0" smtClean="0"/>
+              <a:rPr lang="en" dirty="0"/>
               <a:t> Marcel Herd &amp; Eugen Krizki</a:t>
             </a:r>
           </a:p>
@@ -23350,17 +22974,17 @@
               </a:spcBef>
             </a:pPr>
             <a:r>
-              <a:rPr lang="en" dirty="0" smtClean="0"/>
+              <a:rPr lang="en" dirty="0"/>
               <a:t>Tester		</a:t>
             </a:r>
             <a:r>
-              <a:rPr lang="en" dirty="0" smtClean="0">
+              <a:rPr lang="en" dirty="0">
                 <a:sym typeface="Wingdings" pitchFamily="2" charset="2"/>
               </a:rPr>
               <a:t> </a:t>
             </a:r>
             <a:r>
-              <a:rPr lang="en" dirty="0" smtClean="0"/>
+              <a:rPr lang="en" dirty="0"/>
               <a:t>Manuel Schwalm</a:t>
             </a:r>
           </a:p>
@@ -23942,21 +23566,6 @@
   <p:clrMapOvr>
     <a:masterClrMapping/>
   </p:clrMapOvr>
-  <mc:AlternateContent xmlns:mc="http://schemas.openxmlformats.org/markup-compatibility/2006" xmlns:p14="http://schemas.microsoft.com/office/powerpoint/2010/main">
-    <mc:Choice Requires="p14">
-      <p:transition p14:dur="0"/>
-    </mc:Choice>
-    <mc:Fallback xmlns="">
-      <p:transition/>
-    </mc:Fallback>
-  </mc:AlternateContent>
-  <p:timing>
-    <p:tnLst>
-      <p:par>
-        <p:cTn id="1" dur="indefinite" restart="never" nodeType="tmRoot"/>
-      </p:par>
-    </p:tnLst>
-  </p:timing>
 </p:sld>
 </file>
 
@@ -24009,18 +23618,13 @@
               <a:buNone/>
             </a:pPr>
             <a:r>
-              <a:rPr lang="en" dirty="0" smtClean="0">
+              <a:rPr lang="en" dirty="0">
                 <a:highlight>
                   <a:srgbClr val="FFCD00"/>
                 </a:highlight>
               </a:rPr>
               <a:t>Überarbeitungsbedarf</a:t>
             </a:r>
-            <a:endParaRPr lang="en" dirty="0">
-              <a:highlight>
-                <a:srgbClr val="FFCD00"/>
-              </a:highlight>
-            </a:endParaRPr>
           </a:p>
         </p:txBody>
       </p:sp>
@@ -24603,7 +24207,7 @@
           <a:lstStyle/>
           <a:p>
             <a:r>
-              <a:rPr lang="de-DE" dirty="0" smtClean="0"/>
+              <a:rPr lang="de-DE" dirty="0"/>
               <a:t> Weitere Spezifizierung von Abläufen</a:t>
             </a:r>
           </a:p>
@@ -24613,7 +24217,7 @@
               <a:buChar char="Ø"/>
             </a:pPr>
             <a:r>
-              <a:rPr lang="de-DE" sz="1800" dirty="0" smtClean="0"/>
+              <a:rPr lang="de-DE" sz="1800" dirty="0"/>
               <a:t> z.B. Telefon Joker verhalten, Publikumsjoker verhalten etc.</a:t>
             </a:r>
           </a:p>
@@ -24624,21 +24228,6 @@
   <p:clrMapOvr>
     <a:masterClrMapping/>
   </p:clrMapOvr>
-  <mc:AlternateContent xmlns:mc="http://schemas.openxmlformats.org/markup-compatibility/2006" xmlns:p14="http://schemas.microsoft.com/office/powerpoint/2010/main">
-    <mc:Choice Requires="p14">
-      <p:transition p14:dur="0"/>
-    </mc:Choice>
-    <mc:Fallback xmlns="">
-      <p:transition/>
-    </mc:Fallback>
-  </mc:AlternateContent>
-  <p:timing>
-    <p:tnLst>
-      <p:par>
-        <p:cTn id="1" dur="indefinite" restart="never" nodeType="tmRoot"/>
-      </p:par>
-    </p:tnLst>
-  </p:timing>
 </p:sld>
 </file>
 
@@ -24691,18 +24280,13 @@
               <a:buNone/>
             </a:pPr>
             <a:r>
-              <a:rPr lang="en" dirty="0" smtClean="0">
+              <a:rPr lang="en" dirty="0">
                 <a:highlight>
                   <a:srgbClr val="FFCD00"/>
                 </a:highlight>
               </a:rPr>
               <a:t>Überarbeitungsbedarf</a:t>
             </a:r>
-            <a:endParaRPr lang="en" dirty="0">
-              <a:highlight>
-                <a:srgbClr val="FFCD00"/>
-              </a:highlight>
-            </a:endParaRPr>
           </a:p>
         </p:txBody>
       </p:sp>
@@ -25285,7 +24869,7 @@
           <a:lstStyle/>
           <a:p>
             <a:r>
-              <a:rPr lang="de-DE" dirty="0" smtClean="0"/>
+              <a:rPr lang="de-DE" dirty="0"/>
               <a:t> Weitere Spezifizierung von Abläufen</a:t>
             </a:r>
           </a:p>
@@ -25295,7 +24879,7 @@
               <a:buChar char="Ø"/>
             </a:pPr>
             <a:r>
-              <a:rPr lang="de-DE" sz="1800" dirty="0" smtClean="0"/>
+              <a:rPr lang="de-DE" sz="1800" dirty="0"/>
               <a:t> z.B. Telefon Joker verhalten, Publikumsjoker verhalten etc.</a:t>
             </a:r>
           </a:p>
@@ -25303,11 +24887,11 @@
             <a:pPr>
               <a:buNone/>
             </a:pPr>
-            <a:endParaRPr lang="de-DE" dirty="0" smtClean="0"/>
+            <a:endParaRPr lang="de-DE" dirty="0"/>
           </a:p>
           <a:p>
             <a:r>
-              <a:rPr lang="de-DE" dirty="0" smtClean="0"/>
+              <a:rPr lang="de-DE" dirty="0"/>
               <a:t> Spezifizierung des Benutzerverlaufs, außerhalb des Spieles</a:t>
             </a:r>
           </a:p>
@@ -25315,7 +24899,7 @@
             <a:pPr>
               <a:buNone/>
             </a:pPr>
-            <a:endParaRPr lang="de-DE" dirty="0" smtClean="0"/>
+            <a:endParaRPr lang="de-DE" dirty="0"/>
           </a:p>
         </p:txBody>
       </p:sp>
@@ -25357,21 +24941,6 @@
   <p:clrMapOvr>
     <a:masterClrMapping/>
   </p:clrMapOvr>
-  <mc:AlternateContent xmlns:mc="http://schemas.openxmlformats.org/markup-compatibility/2006" xmlns:p14="http://schemas.microsoft.com/office/powerpoint/2010/main">
-    <mc:Choice Requires="p14">
-      <p:transition p14:dur="0"/>
-    </mc:Choice>
-    <mc:Fallback xmlns="">
-      <p:transition/>
-    </mc:Fallback>
-  </mc:AlternateContent>
-  <p:timing>
-    <p:tnLst>
-      <p:par>
-        <p:cTn id="1" dur="indefinite" restart="never" nodeType="tmRoot"/>
-      </p:par>
-    </p:tnLst>
-  </p:timing>
 </p:sld>
 </file>
 
@@ -25424,7 +24993,7 @@
               <a:buNone/>
             </a:pPr>
             <a:r>
-              <a:rPr lang="de-DE" sz="4800" dirty="0" smtClean="0">
+              <a:rPr lang="de-DE" sz="4800" dirty="0">
                 <a:highlight>
                   <a:srgbClr val="FFCD00"/>
                 </a:highlight>
@@ -25432,18 +25001,13 @@
               <a:t>E</a:t>
             </a:r>
             <a:r>
-              <a:rPr lang="en" sz="4800" dirty="0" smtClean="0">
+              <a:rPr lang="en" sz="4800" dirty="0">
                 <a:highlight>
                   <a:srgbClr val="FFCD00"/>
                 </a:highlight>
               </a:rPr>
               <a:t>rfahrungen in der Analyse</a:t>
             </a:r>
-            <a:endParaRPr lang="en" sz="4800" dirty="0">
-              <a:highlight>
-                <a:srgbClr val="FFCD00"/>
-              </a:highlight>
-            </a:endParaRPr>
           </a:p>
         </p:txBody>
       </p:sp>
@@ -25548,21 +25112,6 @@
   <p:clrMapOvr>
     <a:masterClrMapping/>
   </p:clrMapOvr>
-  <mc:AlternateContent xmlns:mc="http://schemas.openxmlformats.org/markup-compatibility/2006" xmlns:p14="http://schemas.microsoft.com/office/powerpoint/2010/main">
-    <mc:Choice Requires="p14">
-      <p:transition p14:dur="0"/>
-    </mc:Choice>
-    <mc:Fallback xmlns="">
-      <p:transition/>
-    </mc:Fallback>
-  </mc:AlternateContent>
-  <p:timing>
-    <p:tnLst>
-      <p:par>
-        <p:cTn id="1" dur="indefinite" restart="never" nodeType="tmRoot"/>
-      </p:par>
-    </p:tnLst>
-  </p:timing>
 </p:sld>
 </file>
 
@@ -25615,10 +25164,9 @@
               <a:buNone/>
             </a:pPr>
             <a:r>
-              <a:rPr lang="en" dirty="0" smtClean="0"/>
+              <a:rPr lang="en" dirty="0"/>
               <a:t>Designer</a:t>
             </a:r>
-            <a:endParaRPr lang="en" dirty="0"/>
           </a:p>
         </p:txBody>
       </p:sp>
@@ -25649,15 +25197,15 @@
           <a:p>
             <a:pPr lvl="0"/>
             <a:r>
-              <a:rPr lang="en" dirty="0" smtClean="0"/>
+              <a:rPr lang="en" dirty="0"/>
               <a:t>Marcel Herd </a:t>
             </a:r>
             <a:r>
-              <a:rPr lang="de-DE" dirty="0" smtClean="0"/>
+              <a:rPr lang="de-DE" dirty="0"/>
               <a:t>• Eugen </a:t>
             </a:r>
             <a:r>
-              <a:rPr lang="de-DE" dirty="0" err="1" smtClean="0"/>
+              <a:rPr lang="de-DE" dirty="0" err="1"/>
               <a:t>Krizki</a:t>
             </a:r>
             <a:endParaRPr lang="en" dirty="0"/>
@@ -25696,7 +25244,7 @@
               <a:buNone/>
             </a:pPr>
             <a:r>
-              <a:rPr lang="en" sz="2400" dirty="0" smtClean="0">
+              <a:rPr lang="en" sz="2400" dirty="0">
                 <a:solidFill>
                   <a:schemeClr val="dk1"/>
                 </a:solidFill>
@@ -25707,15 +25255,6 @@
               </a:rPr>
               <a:t>3</a:t>
             </a:r>
-            <a:endParaRPr lang="en" sz="2400" dirty="0">
-              <a:solidFill>
-                <a:schemeClr val="dk1"/>
-              </a:solidFill>
-              <a:latin typeface="Lora"/>
-              <a:ea typeface="Lora"/>
-              <a:cs typeface="Lora"/>
-              <a:sym typeface="Lora"/>
-            </a:endParaRPr>
           </a:p>
         </p:txBody>
       </p:sp>
@@ -25729,21 +25268,6 @@
   <p:clrMapOvr>
     <a:masterClrMapping/>
   </p:clrMapOvr>
-  <mc:AlternateContent xmlns:mc="http://schemas.openxmlformats.org/markup-compatibility/2006" xmlns:p14="http://schemas.microsoft.com/office/powerpoint/2010/main">
-    <mc:Choice Requires="p14">
-      <p:transition p14:dur="0"/>
-    </mc:Choice>
-    <mc:Fallback xmlns="">
-      <p:transition/>
-    </mc:Fallback>
-  </mc:AlternateContent>
-  <p:timing>
-    <p:tnLst>
-      <p:par>
-        <p:cTn id="1" dur="indefinite" restart="never" nodeType="tmRoot"/>
-      </p:par>
-    </p:tnLst>
-  </p:timing>
 </p:sld>
 </file>
 
@@ -25796,18 +25320,13 @@
               <a:buNone/>
             </a:pPr>
             <a:r>
-              <a:rPr lang="en" dirty="0" smtClean="0">
+              <a:rPr lang="en" dirty="0">
                 <a:highlight>
                   <a:srgbClr val="FFCD00"/>
                 </a:highlight>
               </a:rPr>
               <a:t>Analyseergebnis</a:t>
             </a:r>
-            <a:endParaRPr lang="en" dirty="0">
-              <a:highlight>
-                <a:srgbClr val="FFCD00"/>
-              </a:highlight>
-            </a:endParaRPr>
           </a:p>
         </p:txBody>
       </p:sp>
@@ -25842,14 +25361,26 @@
               </a:spcBef>
             </a:pPr>
             <a:r>
-              <a:rPr lang="en" dirty="0" smtClean="0"/>
+              <a:rPr lang="de-DE" dirty="0" err="1"/>
+              <a:t>Bla</a:t>
+            </a:r>
+            <a:r>
+              <a:rPr lang="de-DE" dirty="0"/>
               <a:t> </a:t>
             </a:r>
             <a:r>
+              <a:rPr lang="de-DE" dirty="0" err="1"/>
+              <a:t>bla</a:t>
+            </a:r>
+            <a:r>
               <a:rPr lang="de-DE" dirty="0"/>
-              <a:t>✓</a:t>
+              <a:t> </a:t>
             </a:r>
-            <a:endParaRPr lang="en" dirty="0" smtClean="0"/>
+            <a:r>
+              <a:rPr lang="de-DE" dirty="0" err="1"/>
+              <a:t>bla</a:t>
+            </a:r>
+            <a:endParaRPr lang="en" dirty="0"/>
           </a:p>
           <a:p>
             <a:pPr marL="457200" lvl="0" indent="-228600" rtl="0">
@@ -25857,7 +25388,7 @@
                 <a:spcPts val="0"/>
               </a:spcBef>
             </a:pPr>
-            <a:endParaRPr lang="en" dirty="0" smtClean="0"/>
+            <a:endParaRPr lang="en" dirty="0"/>
           </a:p>
           <a:p>
             <a:pPr marL="457200" lvl="0" indent="-228600" rtl="0">
@@ -26437,21 +25968,6 @@
   <p:clrMapOvr>
     <a:masterClrMapping/>
   </p:clrMapOvr>
-  <mc:AlternateContent xmlns:mc="http://schemas.openxmlformats.org/markup-compatibility/2006" xmlns:p14="http://schemas.microsoft.com/office/powerpoint/2010/main">
-    <mc:Choice Requires="p14">
-      <p:transition p14:dur="0"/>
-    </mc:Choice>
-    <mc:Fallback xmlns="">
-      <p:transition/>
-    </mc:Fallback>
-  </mc:AlternateContent>
-  <p:timing>
-    <p:tnLst>
-      <p:par>
-        <p:cTn id="1" dur="indefinite" restart="never" nodeType="tmRoot"/>
-      </p:par>
-    </p:tnLst>
-  </p:timing>
 </p:sld>
 </file>
 
@@ -26504,18 +26020,13 @@
               <a:buNone/>
             </a:pPr>
             <a:r>
-              <a:rPr lang="en" dirty="0" smtClean="0">
+              <a:rPr lang="en" dirty="0">
                 <a:highlight>
                   <a:srgbClr val="FFCD00"/>
                 </a:highlight>
               </a:rPr>
               <a:t>Design-Entscheidungen</a:t>
             </a:r>
-            <a:endParaRPr lang="en" dirty="0">
-              <a:highlight>
-                <a:srgbClr val="FFCD00"/>
-              </a:highlight>
-            </a:endParaRPr>
           </a:p>
         </p:txBody>
       </p:sp>
@@ -26550,7 +26061,7 @@
               </a:spcBef>
             </a:pPr>
             <a:r>
-              <a:rPr lang="en" dirty="0" smtClean="0"/>
+              <a:rPr lang="en" dirty="0"/>
               <a:t>“Die Fragen sollen nach ihrer Schwierigkeit sortiert werden können”</a:t>
             </a:r>
           </a:p>
@@ -26561,7 +26072,7 @@
               </a:spcBef>
             </a:pPr>
             <a:r>
-              <a:rPr lang="en" dirty="0" smtClean="0"/>
+              <a:rPr lang="en" dirty="0"/>
               <a:t>Gewinn &amp; Checkpoints</a:t>
             </a:r>
           </a:p>
@@ -26572,7 +26083,7 @@
               </a:spcBef>
             </a:pPr>
             <a:r>
-              <a:rPr lang="en" dirty="0" smtClean="0"/>
+              <a:rPr lang="en" dirty="0"/>
               <a:t>Joker</a:t>
             </a:r>
           </a:p>
@@ -26583,7 +26094,7 @@
               </a:spcBef>
             </a:pPr>
             <a:r>
-              <a:rPr lang="en" dirty="0" smtClean="0"/>
+              <a:rPr lang="en" dirty="0"/>
               <a:t>MVC</a:t>
             </a:r>
           </a:p>
@@ -27165,21 +26676,6 @@
   <p:clrMapOvr>
     <a:masterClrMapping/>
   </p:clrMapOvr>
-  <mc:AlternateContent xmlns:mc="http://schemas.openxmlformats.org/markup-compatibility/2006" xmlns:p14="http://schemas.microsoft.com/office/powerpoint/2010/main">
-    <mc:Choice Requires="p14">
-      <p:transition p14:dur="0"/>
-    </mc:Choice>
-    <mc:Fallback xmlns="">
-      <p:transition/>
-    </mc:Fallback>
-  </mc:AlternateContent>
-  <p:timing>
-    <p:tnLst>
-      <p:par>
-        <p:cTn id="1" dur="indefinite" restart="never" nodeType="tmRoot"/>
-      </p:par>
-    </p:tnLst>
-  </p:timing>
 </p:sld>
 </file>
 
@@ -27232,18 +26728,13 @@
               <a:buNone/>
             </a:pPr>
             <a:r>
-              <a:rPr lang="en" dirty="0" smtClean="0">
+              <a:rPr lang="en" dirty="0">
                 <a:highlight>
                   <a:srgbClr val="FFCD00"/>
                 </a:highlight>
               </a:rPr>
               <a:t>Sortieren nach Schwierigkeit</a:t>
             </a:r>
-            <a:endParaRPr lang="en" dirty="0">
-              <a:highlight>
-                <a:srgbClr val="FFCD00"/>
-              </a:highlight>
-            </a:endParaRPr>
           </a:p>
         </p:txBody>
       </p:sp>
@@ -27879,21 +27370,6 @@
   <p:clrMapOvr>
     <a:masterClrMapping/>
   </p:clrMapOvr>
-  <mc:AlternateContent xmlns:mc="http://schemas.openxmlformats.org/markup-compatibility/2006" xmlns:p14="http://schemas.microsoft.com/office/powerpoint/2010/main">
-    <mc:Choice Requires="p14">
-      <p:transition p14:dur="0"/>
-    </mc:Choice>
-    <mc:Fallback xmlns="">
-      <p:transition/>
-    </mc:Fallback>
-  </mc:AlternateContent>
-  <p:timing>
-    <p:tnLst>
-      <p:par>
-        <p:cTn id="1" dur="indefinite" restart="never" nodeType="tmRoot"/>
-      </p:par>
-    </p:tnLst>
-  </p:timing>
 </p:sld>
 </file>
 
@@ -27946,18 +27422,13 @@
               <a:buNone/>
             </a:pPr>
             <a:r>
-              <a:rPr lang="en" dirty="0" smtClean="0">
+              <a:rPr lang="en" dirty="0">
                 <a:highlight>
                   <a:srgbClr val="FFCD00"/>
                 </a:highlight>
               </a:rPr>
               <a:t>Gewinn &amp; Checkpoints</a:t>
             </a:r>
-            <a:endParaRPr lang="en" dirty="0">
-              <a:highlight>
-                <a:srgbClr val="FFCD00"/>
-              </a:highlight>
-            </a:endParaRPr>
           </a:p>
         </p:txBody>
       </p:sp>
@@ -28593,21 +28064,6 @@
   <p:clrMapOvr>
     <a:masterClrMapping/>
   </p:clrMapOvr>
-  <mc:AlternateContent xmlns:mc="http://schemas.openxmlformats.org/markup-compatibility/2006" xmlns:p14="http://schemas.microsoft.com/office/powerpoint/2010/main">
-    <mc:Choice Requires="p14">
-      <p:transition p14:dur="0"/>
-    </mc:Choice>
-    <mc:Fallback xmlns="">
-      <p:transition/>
-    </mc:Fallback>
-  </mc:AlternateContent>
-  <p:timing>
-    <p:tnLst>
-      <p:par>
-        <p:cTn id="1" dur="indefinite" restart="never" nodeType="tmRoot"/>
-      </p:par>
-    </p:tnLst>
-  </p:timing>
 </p:sld>
 </file>
 
@@ -28660,18 +28116,13 @@
               <a:buNone/>
             </a:pPr>
             <a:r>
-              <a:rPr lang="en" dirty="0" smtClean="0">
+              <a:rPr lang="en" dirty="0">
                 <a:highlight>
                   <a:srgbClr val="FFCD00"/>
                 </a:highlight>
               </a:rPr>
               <a:t>Gewinn &amp; Checkpoints</a:t>
             </a:r>
-            <a:endParaRPr lang="en" dirty="0">
-              <a:highlight>
-                <a:srgbClr val="FFCD00"/>
-              </a:highlight>
-            </a:endParaRPr>
           </a:p>
         </p:txBody>
       </p:sp>
@@ -29307,21 +28758,6 @@
   <p:clrMapOvr>
     <a:masterClrMapping/>
   </p:clrMapOvr>
-  <mc:AlternateContent xmlns:mc="http://schemas.openxmlformats.org/markup-compatibility/2006" xmlns:p14="http://schemas.microsoft.com/office/powerpoint/2010/main">
-    <mc:Choice Requires="p14">
-      <p:transition p14:dur="0"/>
-    </mc:Choice>
-    <mc:Fallback xmlns="">
-      <p:transition/>
-    </mc:Fallback>
-  </mc:AlternateContent>
-  <p:timing>
-    <p:tnLst>
-      <p:par>
-        <p:cTn id="1" dur="indefinite" restart="never" nodeType="tmRoot"/>
-      </p:par>
-    </p:tnLst>
-  </p:timing>
 </p:sld>
 </file>
 
@@ -29374,18 +28810,13 @@
               <a:buNone/>
             </a:pPr>
             <a:r>
-              <a:rPr lang="en" dirty="0" smtClean="0">
+              <a:rPr lang="en" dirty="0">
                 <a:highlight>
                   <a:srgbClr val="FFCD00"/>
                 </a:highlight>
               </a:rPr>
               <a:t>Joker</a:t>
             </a:r>
-            <a:endParaRPr lang="en" dirty="0">
-              <a:highlight>
-                <a:srgbClr val="FFCD00"/>
-              </a:highlight>
-            </a:endParaRPr>
           </a:p>
         </p:txBody>
       </p:sp>
@@ -30085,21 +29516,6 @@
   <p:clrMapOvr>
     <a:masterClrMapping/>
   </p:clrMapOvr>
-  <mc:AlternateContent xmlns:mc="http://schemas.openxmlformats.org/markup-compatibility/2006" xmlns:p14="http://schemas.microsoft.com/office/powerpoint/2010/main">
-    <mc:Choice Requires="p14">
-      <p:transition p14:dur="0"/>
-    </mc:Choice>
-    <mc:Fallback xmlns="">
-      <p:transition/>
-    </mc:Fallback>
-  </mc:AlternateContent>
-  <p:timing>
-    <p:tnLst>
-      <p:par>
-        <p:cTn id="1" dur="indefinite" restart="never" nodeType="tmRoot"/>
-      </p:par>
-    </p:tnLst>
-  </p:timing>
 </p:sld>
 </file>
 
@@ -30152,18 +29568,13 @@
               <a:buNone/>
             </a:pPr>
             <a:r>
-              <a:rPr lang="en" dirty="0" smtClean="0">
+              <a:rPr lang="en" dirty="0">
                 <a:highlight>
                   <a:srgbClr val="FFCD00"/>
                 </a:highlight>
               </a:rPr>
               <a:t>Projektaufwand</a:t>
             </a:r>
-            <a:endParaRPr lang="en" dirty="0">
-              <a:highlight>
-                <a:srgbClr val="FFCD00"/>
-              </a:highlight>
-            </a:endParaRPr>
           </a:p>
         </p:txBody>
       </p:sp>
@@ -30198,20 +29609,19 @@
               </a:spcBef>
             </a:pPr>
             <a:r>
-              <a:rPr lang="en" dirty="0" smtClean="0"/>
+              <a:rPr lang="en" dirty="0"/>
               <a:t>Lines of Code	 </a:t>
             </a:r>
             <a:r>
-              <a:rPr lang="en" dirty="0" smtClean="0">
+              <a:rPr lang="en" dirty="0">
                 <a:sym typeface="Wingdings" pitchFamily="2" charset="2"/>
               </a:rPr>
               <a:t>   </a:t>
             </a:r>
             <a:r>
-              <a:rPr lang="en" dirty="0" smtClean="0"/>
+              <a:rPr lang="en" dirty="0"/>
               <a:t>1941</a:t>
             </a:r>
-            <a:endParaRPr lang="en" dirty="0"/>
           </a:p>
         </p:txBody>
       </p:sp>
@@ -30783,21 +30193,6 @@
   <p:clrMapOvr>
     <a:masterClrMapping/>
   </p:clrMapOvr>
-  <mc:AlternateContent xmlns:mc="http://schemas.openxmlformats.org/markup-compatibility/2006" xmlns:p14="http://schemas.microsoft.com/office/powerpoint/2010/main">
-    <mc:Choice Requires="p14">
-      <p:transition p14:dur="0"/>
-    </mc:Choice>
-    <mc:Fallback xmlns="">
-      <p:transition/>
-    </mc:Fallback>
-  </mc:AlternateContent>
-  <p:timing>
-    <p:tnLst>
-      <p:par>
-        <p:cTn id="1" dur="indefinite" restart="never" nodeType="tmRoot"/>
-      </p:par>
-    </p:tnLst>
-  </p:timing>
 </p:sld>
 </file>
 
@@ -30850,18 +30245,13 @@
               <a:buNone/>
             </a:pPr>
             <a:r>
-              <a:rPr lang="en" dirty="0" smtClean="0">
+              <a:rPr lang="en" dirty="0">
                 <a:highlight>
                   <a:srgbClr val="FFCD00"/>
                 </a:highlight>
               </a:rPr>
               <a:t>Joker</a:t>
             </a:r>
-            <a:endParaRPr lang="en" dirty="0">
-              <a:highlight>
-                <a:srgbClr val="FFCD00"/>
-              </a:highlight>
-            </a:endParaRPr>
           </a:p>
         </p:txBody>
       </p:sp>
@@ -31497,21 +30887,6 @@
   <p:clrMapOvr>
     <a:masterClrMapping/>
   </p:clrMapOvr>
-  <mc:AlternateContent xmlns:mc="http://schemas.openxmlformats.org/markup-compatibility/2006" xmlns:p14="http://schemas.microsoft.com/office/powerpoint/2010/main">
-    <mc:Choice Requires="p14">
-      <p:transition p14:dur="0"/>
-    </mc:Choice>
-    <mc:Fallback xmlns="">
-      <p:transition/>
-    </mc:Fallback>
-  </mc:AlternateContent>
-  <p:timing>
-    <p:tnLst>
-      <p:par>
-        <p:cTn id="1" dur="indefinite" restart="never" nodeType="tmRoot"/>
-      </p:par>
-    </p:tnLst>
-  </p:timing>
 </p:sld>
 </file>
 
@@ -31564,18 +30939,13 @@
               <a:buNone/>
             </a:pPr>
             <a:r>
-              <a:rPr lang="en" dirty="0" smtClean="0">
+              <a:rPr lang="en" dirty="0">
                 <a:highlight>
                   <a:srgbClr val="FFCD00"/>
                 </a:highlight>
               </a:rPr>
               <a:t>MVC</a:t>
             </a:r>
-            <a:endParaRPr lang="en" dirty="0">
-              <a:highlight>
-                <a:srgbClr val="FFCD00"/>
-              </a:highlight>
-            </a:endParaRPr>
           </a:p>
         </p:txBody>
       </p:sp>
@@ -31604,15 +30974,82 @@
           </a:bodyPr>
           <a:lstStyle/>
           <a:p>
+            <a:pPr marL="457200" lvl="0" indent="-228600">
+              <a:spcBef>
+                <a:spcPts val="0"/>
+              </a:spcBef>
+            </a:pPr>
+            <a:r>
+              <a:rPr lang="de-DE" dirty="0"/>
+              <a:t>Muster zur Strukturierung von Software-Entwicklung</a:t>
+            </a:r>
+            <a:endParaRPr lang="en" dirty="0"/>
+          </a:p>
+          <a:p>
             <a:pPr marL="457200" lvl="0" indent="-228600" rtl="0">
               <a:spcBef>
                 <a:spcPts val="0"/>
               </a:spcBef>
             </a:pPr>
             <a:r>
-              <a:rPr lang="en" dirty="0" smtClean="0"/>
-              <a:t>Bla bla bla</a:t>
+              <a:rPr lang="en" dirty="0"/>
+              <a:t>Entkopplung von Benutzerschnittstelle und Anwendungsfunktionalität</a:t>
             </a:r>
+          </a:p>
+          <a:p>
+            <a:pPr marL="571500" lvl="2" indent="-342900">
+              <a:spcBef>
+                <a:spcPts val="0"/>
+              </a:spcBef>
+              <a:buFont typeface="Wingdings" panose="05000000000000000000" pitchFamily="2" charset="2"/>
+              <a:buChar char="Ø"/>
+            </a:pPr>
+            <a:r>
+              <a:rPr lang="de-DE" dirty="0"/>
+              <a:t>	F</a:t>
+            </a:r>
+            <a:r>
+              <a:rPr lang="en" dirty="0"/>
+              <a:t>lexibler Programmentwurf</a:t>
+            </a:r>
+          </a:p>
+          <a:p>
+            <a:pPr marL="571500" lvl="1" indent="-342900">
+              <a:spcBef>
+                <a:spcPts val="0"/>
+              </a:spcBef>
+              <a:buFont typeface="Wingdings" panose="05000000000000000000" pitchFamily="2" charset="2"/>
+              <a:buChar char="Ø"/>
+            </a:pPr>
+            <a:r>
+              <a:rPr lang="de-DE" dirty="0"/>
+              <a:t>	E</a:t>
+            </a:r>
+            <a:r>
+              <a:rPr lang="en" dirty="0"/>
+              <a:t>rleichtert spätere Änderungen</a:t>
+            </a:r>
+          </a:p>
+          <a:p>
+            <a:pPr marL="571500" lvl="1" indent="-342900">
+              <a:spcBef>
+                <a:spcPts val="0"/>
+              </a:spcBef>
+              <a:buFont typeface="Wingdings" panose="05000000000000000000" pitchFamily="2" charset="2"/>
+              <a:buChar char="Ø"/>
+            </a:pPr>
+            <a:r>
+              <a:rPr lang="en" dirty="0"/>
+              <a:t>	Widerverwendbarkeit einzelner Komponenten</a:t>
+            </a:r>
+          </a:p>
+          <a:p>
+            <a:pPr marL="457200" lvl="0" indent="-228600" rtl="0">
+              <a:spcBef>
+                <a:spcPts val="0"/>
+              </a:spcBef>
+            </a:pPr>
+            <a:endParaRPr lang="en" dirty="0"/>
           </a:p>
           <a:p>
             <a:pPr marL="457200" lvl="0" indent="-228600" rtl="0">
@@ -32192,21 +31629,6 @@
   <p:clrMapOvr>
     <a:masterClrMapping/>
   </p:clrMapOvr>
-  <mc:AlternateContent xmlns:mc="http://schemas.openxmlformats.org/markup-compatibility/2006" xmlns:p14="http://schemas.microsoft.com/office/powerpoint/2010/main">
-    <mc:Choice Requires="p14">
-      <p:transition p14:dur="0"/>
-    </mc:Choice>
-    <mc:Fallback xmlns="">
-      <p:transition/>
-    </mc:Fallback>
-  </mc:AlternateContent>
-  <p:timing>
-    <p:tnLst>
-      <p:par>
-        <p:cTn id="1" dur="indefinite" restart="never" nodeType="tmRoot"/>
-      </p:par>
-    </p:tnLst>
-  </p:timing>
 </p:sld>
 </file>
 
@@ -32259,18 +31681,1415 @@
               <a:buNone/>
             </a:pPr>
             <a:r>
-              <a:rPr lang="en" dirty="0" smtClean="0">
+              <a:rPr lang="en" dirty="0">
                 <a:highlight>
                   <a:srgbClr val="FFCD00"/>
                 </a:highlight>
               </a:rPr>
               <a:t>MVC</a:t>
             </a:r>
-            <a:endParaRPr lang="en" dirty="0">
-              <a:highlight>
-                <a:srgbClr val="FFCD00"/>
-              </a:highlight>
-            </a:endParaRPr>
+          </a:p>
+        </p:txBody>
+      </p:sp>
+      <p:sp>
+        <p:nvSpPr>
+          <p:cNvPr id="112" name="Shape 112"/>
+          <p:cNvSpPr txBox="1">
+            <a:spLocks noGrp="1"/>
+          </p:cNvSpPr>
+          <p:nvPr>
+            <p:ph type="body" idx="1"/>
+          </p:nvPr>
+        </p:nvSpPr>
+        <p:spPr>
+          <a:xfrm>
+            <a:off x="1381250" y="1616470"/>
+            <a:ext cx="6809700" cy="3112200"/>
+          </a:xfrm>
+          <a:prstGeom prst="rect">
+            <a:avLst/>
+          </a:prstGeom>
+        </p:spPr>
+        <p:txBody>
+          <a:bodyPr lIns="91425" tIns="91425" rIns="91425" bIns="91425" anchor="t" anchorCtr="0">
+            <a:noAutofit/>
+          </a:bodyPr>
+          <a:lstStyle/>
+          <a:p>
+            <a:pPr marL="457200" lvl="0" indent="-228600" rtl="0">
+              <a:spcBef>
+                <a:spcPts val="0"/>
+              </a:spcBef>
+            </a:pPr>
+            <a:r>
+              <a:rPr lang="en" dirty="0"/>
+              <a:t>Model: verwaltet darzustellende Daten</a:t>
+            </a:r>
+          </a:p>
+          <a:p>
+            <a:pPr marL="457200" lvl="0" indent="-228600" rtl="0">
+              <a:spcBef>
+                <a:spcPts val="0"/>
+              </a:spcBef>
+            </a:pPr>
+            <a:r>
+              <a:rPr lang="en" dirty="0"/>
+              <a:t>View: grafische Darstellung </a:t>
+            </a:r>
+          </a:p>
+          <a:p>
+            <a:pPr marL="228600" lvl="0" rtl="0">
+              <a:spcBef>
+                <a:spcPts val="0"/>
+              </a:spcBef>
+              <a:buNone/>
+            </a:pPr>
+            <a:r>
+              <a:rPr lang="en" dirty="0"/>
+              <a:t>   der D</a:t>
+            </a:r>
+            <a:r>
+              <a:rPr lang="en" sz="2400" dirty="0"/>
+              <a:t>aten</a:t>
+            </a:r>
+          </a:p>
+          <a:p>
+            <a:pPr marL="457200" lvl="0" indent="-228600" rtl="0">
+              <a:spcBef>
+                <a:spcPts val="0"/>
+              </a:spcBef>
+            </a:pPr>
+            <a:r>
+              <a:rPr lang="en" dirty="0"/>
+              <a:t>Controller: Kontrolle </a:t>
+            </a:r>
+          </a:p>
+          <a:p>
+            <a:pPr marL="228600" lvl="0" rtl="0">
+              <a:spcBef>
+                <a:spcPts val="0"/>
+              </a:spcBef>
+              <a:buNone/>
+            </a:pPr>
+            <a:r>
+              <a:rPr lang="en" dirty="0"/>
+              <a:t>   der Benutzeringabe</a:t>
+            </a:r>
+          </a:p>
+          <a:p>
+            <a:pPr marL="457200" lvl="0" indent="-228600" rtl="0">
+              <a:spcBef>
+                <a:spcPts val="0"/>
+              </a:spcBef>
+            </a:pPr>
+            <a:endParaRPr lang="en" dirty="0"/>
+          </a:p>
+        </p:txBody>
+      </p:sp>
+      <p:grpSp>
+        <p:nvGrpSpPr>
+          <p:cNvPr id="113" name="Shape 113"/>
+          <p:cNvGrpSpPr/>
+          <p:nvPr/>
+        </p:nvGrpSpPr>
+        <p:grpSpPr>
+          <a:xfrm>
+            <a:off x="916458" y="1019750"/>
+            <a:ext cx="214624" cy="214624"/>
+            <a:chOff x="2594050" y="1631825"/>
+            <a:chExt cx="439625" cy="439625"/>
+          </a:xfrm>
+        </p:grpSpPr>
+        <p:sp>
+          <p:nvSpPr>
+            <p:cNvPr id="114" name="Shape 114"/>
+            <p:cNvSpPr/>
+            <p:nvPr/>
+          </p:nvSpPr>
+          <p:spPr>
+            <a:xfrm>
+              <a:off x="2594050" y="1883300"/>
+              <a:ext cx="188175" cy="188150"/>
+            </a:xfrm>
+            <a:custGeom>
+              <a:avLst/>
+              <a:gdLst/>
+              <a:ahLst/>
+              <a:cxnLst/>
+              <a:rect l="0" t="0" r="0" b="0"/>
+              <a:pathLst>
+                <a:path w="7527" h="7526" fill="none" extrusionOk="0">
+                  <a:moveTo>
+                    <a:pt x="5992" y="0"/>
+                  </a:moveTo>
+                  <a:lnTo>
+                    <a:pt x="537" y="6430"/>
+                  </a:lnTo>
+                  <a:lnTo>
+                    <a:pt x="1" y="7526"/>
+                  </a:lnTo>
+                  <a:lnTo>
+                    <a:pt x="1097" y="6990"/>
+                  </a:lnTo>
+                  <a:lnTo>
+                    <a:pt x="7526" y="1534"/>
+                  </a:lnTo>
+                  <a:lnTo>
+                    <a:pt x="5992" y="0"/>
+                  </a:lnTo>
+                  <a:close/>
+                </a:path>
+              </a:pathLst>
+            </a:custGeom>
+            <a:noFill/>
+            <a:ln w="9525" cap="rnd" cmpd="sng">
+              <a:solidFill>
+                <a:srgbClr val="000000"/>
+              </a:solidFill>
+              <a:prstDash val="solid"/>
+              <a:round/>
+              <a:headEnd type="none" w="med" len="med"/>
+              <a:tailEnd type="none" w="med" len="med"/>
+            </a:ln>
+          </p:spPr>
+          <p:txBody>
+            <a:bodyPr lIns="91425" tIns="91425" rIns="91425" bIns="91425" anchor="ctr" anchorCtr="0">
+              <a:noAutofit/>
+            </a:bodyPr>
+            <a:lstStyle/>
+            <a:p>
+              <a:pPr lvl="0">
+                <a:spcBef>
+                  <a:spcPts val="0"/>
+                </a:spcBef>
+                <a:buNone/>
+              </a:pPr>
+              <a:endParaRPr/>
+            </a:p>
+          </p:txBody>
+        </p:sp>
+        <p:sp>
+          <p:nvSpPr>
+            <p:cNvPr id="115" name="Shape 115"/>
+            <p:cNvSpPr/>
+            <p:nvPr/>
+          </p:nvSpPr>
+          <p:spPr>
+            <a:xfrm>
+              <a:off x="2857700" y="1631825"/>
+              <a:ext cx="175975" cy="176000"/>
+            </a:xfrm>
+            <a:custGeom>
+              <a:avLst/>
+              <a:gdLst/>
+              <a:ahLst/>
+              <a:cxnLst/>
+              <a:rect l="0" t="0" r="0" b="0"/>
+              <a:pathLst>
+                <a:path w="7039" h="7040" fill="none" extrusionOk="0">
+                  <a:moveTo>
+                    <a:pt x="268" y="2704"/>
+                  </a:moveTo>
+                  <a:lnTo>
+                    <a:pt x="4336" y="6771"/>
+                  </a:lnTo>
+                  <a:lnTo>
+                    <a:pt x="4336" y="6771"/>
+                  </a:lnTo>
+                  <a:lnTo>
+                    <a:pt x="4336" y="6771"/>
+                  </a:lnTo>
+                  <a:lnTo>
+                    <a:pt x="4652" y="6917"/>
+                  </a:lnTo>
+                  <a:lnTo>
+                    <a:pt x="4993" y="7015"/>
+                  </a:lnTo>
+                  <a:lnTo>
+                    <a:pt x="5310" y="7039"/>
+                  </a:lnTo>
+                  <a:lnTo>
+                    <a:pt x="5651" y="7039"/>
+                  </a:lnTo>
+                  <a:lnTo>
+                    <a:pt x="5992" y="6966"/>
+                  </a:lnTo>
+                  <a:lnTo>
+                    <a:pt x="6308" y="6844"/>
+                  </a:lnTo>
+                  <a:lnTo>
+                    <a:pt x="6454" y="6747"/>
+                  </a:lnTo>
+                  <a:lnTo>
+                    <a:pt x="6601" y="6674"/>
+                  </a:lnTo>
+                  <a:lnTo>
+                    <a:pt x="6747" y="6552"/>
+                  </a:lnTo>
+                  <a:lnTo>
+                    <a:pt x="6893" y="6430"/>
+                  </a:lnTo>
+                  <a:lnTo>
+                    <a:pt x="6893" y="6430"/>
+                  </a:lnTo>
+                  <a:lnTo>
+                    <a:pt x="6942" y="6357"/>
+                  </a:lnTo>
+                  <a:lnTo>
+                    <a:pt x="7015" y="6260"/>
+                  </a:lnTo>
+                  <a:lnTo>
+                    <a:pt x="7039" y="6138"/>
+                  </a:lnTo>
+                  <a:lnTo>
+                    <a:pt x="7039" y="6041"/>
+                  </a:lnTo>
+                  <a:lnTo>
+                    <a:pt x="7039" y="6041"/>
+                  </a:lnTo>
+                  <a:lnTo>
+                    <a:pt x="7039" y="5943"/>
+                  </a:lnTo>
+                  <a:lnTo>
+                    <a:pt x="7015" y="5846"/>
+                  </a:lnTo>
+                  <a:lnTo>
+                    <a:pt x="6942" y="5748"/>
+                  </a:lnTo>
+                  <a:lnTo>
+                    <a:pt x="6893" y="5651"/>
+                  </a:lnTo>
+                  <a:lnTo>
+                    <a:pt x="1389" y="147"/>
+                  </a:lnTo>
+                  <a:lnTo>
+                    <a:pt x="1389" y="147"/>
+                  </a:lnTo>
+                  <a:lnTo>
+                    <a:pt x="1291" y="98"/>
+                  </a:lnTo>
+                  <a:lnTo>
+                    <a:pt x="1194" y="25"/>
+                  </a:lnTo>
+                  <a:lnTo>
+                    <a:pt x="1096" y="0"/>
+                  </a:lnTo>
+                  <a:lnTo>
+                    <a:pt x="999" y="0"/>
+                  </a:lnTo>
+                  <a:lnTo>
+                    <a:pt x="999" y="0"/>
+                  </a:lnTo>
+                  <a:lnTo>
+                    <a:pt x="902" y="0"/>
+                  </a:lnTo>
+                  <a:lnTo>
+                    <a:pt x="780" y="25"/>
+                  </a:lnTo>
+                  <a:lnTo>
+                    <a:pt x="682" y="98"/>
+                  </a:lnTo>
+                  <a:lnTo>
+                    <a:pt x="609" y="147"/>
+                  </a:lnTo>
+                  <a:lnTo>
+                    <a:pt x="609" y="147"/>
+                  </a:lnTo>
+                  <a:lnTo>
+                    <a:pt x="487" y="293"/>
+                  </a:lnTo>
+                  <a:lnTo>
+                    <a:pt x="366" y="439"/>
+                  </a:lnTo>
+                  <a:lnTo>
+                    <a:pt x="293" y="585"/>
+                  </a:lnTo>
+                  <a:lnTo>
+                    <a:pt x="195" y="731"/>
+                  </a:lnTo>
+                  <a:lnTo>
+                    <a:pt x="73" y="1048"/>
+                  </a:lnTo>
+                  <a:lnTo>
+                    <a:pt x="0" y="1389"/>
+                  </a:lnTo>
+                  <a:lnTo>
+                    <a:pt x="0" y="1730"/>
+                  </a:lnTo>
+                  <a:lnTo>
+                    <a:pt x="25" y="2046"/>
+                  </a:lnTo>
+                  <a:lnTo>
+                    <a:pt x="122" y="2387"/>
+                  </a:lnTo>
+                  <a:lnTo>
+                    <a:pt x="268" y="2704"/>
+                  </a:lnTo>
+                  <a:lnTo>
+                    <a:pt x="268" y="2704"/>
+                  </a:lnTo>
+                  <a:close/>
+                </a:path>
+              </a:pathLst>
+            </a:custGeom>
+            <a:noFill/>
+            <a:ln w="9525" cap="rnd" cmpd="sng">
+              <a:solidFill>
+                <a:srgbClr val="000000"/>
+              </a:solidFill>
+              <a:prstDash val="solid"/>
+              <a:round/>
+              <a:headEnd type="none" w="med" len="med"/>
+              <a:tailEnd type="none" w="med" len="med"/>
+            </a:ln>
+          </p:spPr>
+          <p:txBody>
+            <a:bodyPr lIns="91425" tIns="91425" rIns="91425" bIns="91425" anchor="ctr" anchorCtr="0">
+              <a:noAutofit/>
+            </a:bodyPr>
+            <a:lstStyle/>
+            <a:p>
+              <a:pPr lvl="0">
+                <a:spcBef>
+                  <a:spcPts val="0"/>
+                </a:spcBef>
+                <a:buNone/>
+              </a:pPr>
+              <a:endParaRPr/>
+            </a:p>
+          </p:txBody>
+        </p:sp>
+        <p:sp>
+          <p:nvSpPr>
+            <p:cNvPr id="116" name="Shape 116"/>
+            <p:cNvSpPr/>
+            <p:nvPr/>
+          </p:nvSpPr>
+          <p:spPr>
+            <a:xfrm>
+              <a:off x="2662850" y="1699400"/>
+              <a:ext cx="303250" cy="303250"/>
+            </a:xfrm>
+            <a:custGeom>
+              <a:avLst/>
+              <a:gdLst/>
+              <a:ahLst/>
+              <a:cxnLst/>
+              <a:rect l="0" t="0" r="0" b="0"/>
+              <a:pathLst>
+                <a:path w="12130" h="12130" fill="none" extrusionOk="0">
+                  <a:moveTo>
+                    <a:pt x="8038" y="1"/>
+                  </a:moveTo>
+                  <a:lnTo>
+                    <a:pt x="4872" y="3191"/>
+                  </a:lnTo>
+                  <a:lnTo>
+                    <a:pt x="4872" y="3191"/>
+                  </a:lnTo>
+                  <a:lnTo>
+                    <a:pt x="4628" y="3094"/>
+                  </a:lnTo>
+                  <a:lnTo>
+                    <a:pt x="4385" y="2997"/>
+                  </a:lnTo>
+                  <a:lnTo>
+                    <a:pt x="4092" y="2899"/>
+                  </a:lnTo>
+                  <a:lnTo>
+                    <a:pt x="3800" y="2850"/>
+                  </a:lnTo>
+                  <a:lnTo>
+                    <a:pt x="3484" y="2777"/>
+                  </a:lnTo>
+                  <a:lnTo>
+                    <a:pt x="3167" y="2729"/>
+                  </a:lnTo>
+                  <a:lnTo>
+                    <a:pt x="2850" y="2704"/>
+                  </a:lnTo>
+                  <a:lnTo>
+                    <a:pt x="2534" y="2704"/>
+                  </a:lnTo>
+                  <a:lnTo>
+                    <a:pt x="2534" y="2704"/>
+                  </a:lnTo>
+                  <a:lnTo>
+                    <a:pt x="2241" y="2704"/>
+                  </a:lnTo>
+                  <a:lnTo>
+                    <a:pt x="1949" y="2729"/>
+                  </a:lnTo>
+                  <a:lnTo>
+                    <a:pt x="1633" y="2777"/>
+                  </a:lnTo>
+                  <a:lnTo>
+                    <a:pt x="1316" y="2850"/>
+                  </a:lnTo>
+                  <a:lnTo>
+                    <a:pt x="999" y="2972"/>
+                  </a:lnTo>
+                  <a:lnTo>
+                    <a:pt x="707" y="3094"/>
+                  </a:lnTo>
+                  <a:lnTo>
+                    <a:pt x="415" y="3289"/>
+                  </a:lnTo>
+                  <a:lnTo>
+                    <a:pt x="147" y="3508"/>
+                  </a:lnTo>
+                  <a:lnTo>
+                    <a:pt x="147" y="3508"/>
+                  </a:lnTo>
+                  <a:lnTo>
+                    <a:pt x="74" y="3581"/>
+                  </a:lnTo>
+                  <a:lnTo>
+                    <a:pt x="25" y="3678"/>
+                  </a:lnTo>
+                  <a:lnTo>
+                    <a:pt x="1" y="3776"/>
+                  </a:lnTo>
+                  <a:lnTo>
+                    <a:pt x="1" y="3898"/>
+                  </a:lnTo>
+                  <a:lnTo>
+                    <a:pt x="1" y="3898"/>
+                  </a:lnTo>
+                  <a:lnTo>
+                    <a:pt x="1" y="3995"/>
+                  </a:lnTo>
+                  <a:lnTo>
+                    <a:pt x="25" y="4093"/>
+                  </a:lnTo>
+                  <a:lnTo>
+                    <a:pt x="74" y="4190"/>
+                  </a:lnTo>
+                  <a:lnTo>
+                    <a:pt x="147" y="4287"/>
+                  </a:lnTo>
+                  <a:lnTo>
+                    <a:pt x="7843" y="11984"/>
+                  </a:lnTo>
+                  <a:lnTo>
+                    <a:pt x="7843" y="11984"/>
+                  </a:lnTo>
+                  <a:lnTo>
+                    <a:pt x="7941" y="12057"/>
+                  </a:lnTo>
+                  <a:lnTo>
+                    <a:pt x="8038" y="12105"/>
+                  </a:lnTo>
+                  <a:lnTo>
+                    <a:pt x="8135" y="12130"/>
+                  </a:lnTo>
+                  <a:lnTo>
+                    <a:pt x="8233" y="12130"/>
+                  </a:lnTo>
+                  <a:lnTo>
+                    <a:pt x="8233" y="12130"/>
+                  </a:lnTo>
+                  <a:lnTo>
+                    <a:pt x="8355" y="12130"/>
+                  </a:lnTo>
+                  <a:lnTo>
+                    <a:pt x="8452" y="12105"/>
+                  </a:lnTo>
+                  <a:lnTo>
+                    <a:pt x="8549" y="12057"/>
+                  </a:lnTo>
+                  <a:lnTo>
+                    <a:pt x="8622" y="11984"/>
+                  </a:lnTo>
+                  <a:lnTo>
+                    <a:pt x="8622" y="11984"/>
+                  </a:lnTo>
+                  <a:lnTo>
+                    <a:pt x="8842" y="11716"/>
+                  </a:lnTo>
+                  <a:lnTo>
+                    <a:pt x="9036" y="11423"/>
+                  </a:lnTo>
+                  <a:lnTo>
+                    <a:pt x="9158" y="11131"/>
+                  </a:lnTo>
+                  <a:lnTo>
+                    <a:pt x="9280" y="10814"/>
+                  </a:lnTo>
+                  <a:lnTo>
+                    <a:pt x="9353" y="10498"/>
+                  </a:lnTo>
+                  <a:lnTo>
+                    <a:pt x="9402" y="10181"/>
+                  </a:lnTo>
+                  <a:lnTo>
+                    <a:pt x="9426" y="9889"/>
+                  </a:lnTo>
+                  <a:lnTo>
+                    <a:pt x="9426" y="9597"/>
+                  </a:lnTo>
+                  <a:lnTo>
+                    <a:pt x="9426" y="9597"/>
+                  </a:lnTo>
+                  <a:lnTo>
+                    <a:pt x="9426" y="9280"/>
+                  </a:lnTo>
+                  <a:lnTo>
+                    <a:pt x="9402" y="8964"/>
+                  </a:lnTo>
+                  <a:lnTo>
+                    <a:pt x="9353" y="8647"/>
+                  </a:lnTo>
+                  <a:lnTo>
+                    <a:pt x="9280" y="8330"/>
+                  </a:lnTo>
+                  <a:lnTo>
+                    <a:pt x="9231" y="8038"/>
+                  </a:lnTo>
+                  <a:lnTo>
+                    <a:pt x="9134" y="7746"/>
+                  </a:lnTo>
+                  <a:lnTo>
+                    <a:pt x="9036" y="7502"/>
+                  </a:lnTo>
+                  <a:lnTo>
+                    <a:pt x="8939" y="7259"/>
+                  </a:lnTo>
+                  <a:lnTo>
+                    <a:pt x="12130" y="4093"/>
+                  </a:lnTo>
+                </a:path>
+              </a:pathLst>
+            </a:custGeom>
+            <a:noFill/>
+            <a:ln w="9525" cap="rnd" cmpd="sng">
+              <a:solidFill>
+                <a:srgbClr val="000000"/>
+              </a:solidFill>
+              <a:prstDash val="solid"/>
+              <a:round/>
+              <a:headEnd type="none" w="med" len="med"/>
+              <a:tailEnd type="none" w="med" len="med"/>
+            </a:ln>
+          </p:spPr>
+          <p:txBody>
+            <a:bodyPr lIns="91425" tIns="91425" rIns="91425" bIns="91425" anchor="ctr" anchorCtr="0">
+              <a:noAutofit/>
+            </a:bodyPr>
+            <a:lstStyle/>
+            <a:p>
+              <a:pPr lvl="0">
+                <a:spcBef>
+                  <a:spcPts val="0"/>
+                </a:spcBef>
+                <a:buNone/>
+              </a:pPr>
+              <a:endParaRPr/>
+            </a:p>
+          </p:txBody>
+        </p:sp>
+        <p:sp>
+          <p:nvSpPr>
+            <p:cNvPr id="117" name="Shape 117"/>
+            <p:cNvSpPr/>
+            <p:nvPr/>
+          </p:nvSpPr>
+          <p:spPr>
+            <a:xfrm>
+              <a:off x="2814911" y="1754061"/>
+              <a:ext cx="49950" cy="49950"/>
+            </a:xfrm>
+            <a:custGeom>
+              <a:avLst/>
+              <a:gdLst/>
+              <a:ahLst/>
+              <a:cxnLst/>
+              <a:rect l="0" t="0" r="0" b="0"/>
+              <a:pathLst>
+                <a:path w="1998" h="1998" fill="none" extrusionOk="0">
+                  <a:moveTo>
+                    <a:pt x="1" y="1997"/>
+                  </a:moveTo>
+                  <a:lnTo>
+                    <a:pt x="1998" y="0"/>
+                  </a:lnTo>
+                </a:path>
+              </a:pathLst>
+            </a:custGeom>
+            <a:noFill/>
+            <a:ln w="9525" cap="rnd" cmpd="sng">
+              <a:solidFill>
+                <a:srgbClr val="000000"/>
+              </a:solidFill>
+              <a:prstDash val="solid"/>
+              <a:round/>
+              <a:headEnd type="none" w="med" len="med"/>
+              <a:tailEnd type="none" w="med" len="med"/>
+            </a:ln>
+          </p:spPr>
+          <p:txBody>
+            <a:bodyPr lIns="91425" tIns="91425" rIns="91425" bIns="91425" anchor="ctr" anchorCtr="0">
+              <a:noAutofit/>
+            </a:bodyPr>
+            <a:lstStyle/>
+            <a:p>
+              <a:pPr lvl="0">
+                <a:spcBef>
+                  <a:spcPts val="0"/>
+                </a:spcBef>
+                <a:buNone/>
+              </a:pPr>
+              <a:endParaRPr/>
+            </a:p>
+          </p:txBody>
+        </p:sp>
+      </p:grpSp>
+      <p:pic>
+        <p:nvPicPr>
+          <p:cNvPr id="1026" name="Picture 2" descr="https://upload.wikimedia.org/wikipedia/commons/thumb/a/a0/MVC-Process.svg/2000px-MVC-Process.svg.png"/>
+          <p:cNvPicPr>
+            <a:picLocks noChangeAspect="1" noChangeArrowheads="1"/>
+          </p:cNvPicPr>
+          <p:nvPr/>
+        </p:nvPicPr>
+        <p:blipFill>
+          <a:blip r:embed="rId3">
+            <a:extLst>
+              <a:ext uri="{28A0092B-C50C-407E-A947-70E740481C1C}">
+                <a14:useLocalDpi xmlns:a14="http://schemas.microsoft.com/office/drawing/2010/main" val="0"/>
+              </a:ext>
+            </a:extLst>
+          </a:blip>
+          <a:srcRect/>
+          <a:stretch>
+            <a:fillRect/>
+          </a:stretch>
+        </p:blipFill>
+        <p:spPr bwMode="auto">
+          <a:xfrm>
+            <a:off x="6012160" y="2085934"/>
+            <a:ext cx="2664296" cy="2932814"/>
+          </a:xfrm>
+          <a:prstGeom prst="rect">
+            <a:avLst/>
+          </a:prstGeom>
+          <a:noFill/>
+          <a:extLst>
+            <a:ext uri="{909E8E84-426E-40DD-AFC4-6F175D3DCCD1}">
+              <a14:hiddenFill xmlns:a14="http://schemas.microsoft.com/office/drawing/2010/main">
+                <a:solidFill>
+                  <a:srgbClr val="FFFFFF"/>
+                </a:solidFill>
+              </a14:hiddenFill>
+            </a:ext>
+          </a:extLst>
+        </p:spPr>
+      </p:pic>
+    </p:spTree>
+    <p:extLst>
+      <p:ext uri="{BB962C8B-B14F-4D97-AF65-F5344CB8AC3E}">
+        <p14:creationId xmlns:p14="http://schemas.microsoft.com/office/powerpoint/2010/main" val="2430259545"/>
+      </p:ext>
+    </p:extLst>
+  </p:cSld>
+  <p:clrMapOvr>
+    <a:masterClrMapping/>
+  </p:clrMapOvr>
+</p:sld>
+</file>
+
+<file path=ppt/slides/slide43.xml><?xml version="1.0" encoding="utf-8"?>
+<p:sld xmlns:a="http://schemas.openxmlformats.org/drawingml/2006/main" xmlns:r="http://schemas.openxmlformats.org/officeDocument/2006/relationships" xmlns:p="http://schemas.openxmlformats.org/presentationml/2006/main">
+  <p:cSld>
+    <p:spTree>
+      <p:nvGrpSpPr>
+        <p:cNvPr id="1" name=""/>
+        <p:cNvGrpSpPr/>
+        <p:nvPr/>
+      </p:nvGrpSpPr>
+      <p:grpSpPr>
+        <a:xfrm>
+          <a:off x="0" y="0"/>
+          <a:ext cx="0" cy="0"/>
+          <a:chOff x="0" y="0"/>
+          <a:chExt cx="0" cy="0"/>
+        </a:xfrm>
+      </p:grpSpPr>
+      <p:sp>
+        <p:nvSpPr>
+          <p:cNvPr id="2" name="Titel 1"/>
+          <p:cNvSpPr>
+            <a:spLocks noGrp="1"/>
+          </p:cNvSpPr>
+          <p:nvPr>
+            <p:ph type="title"/>
+          </p:nvPr>
+        </p:nvSpPr>
+        <p:spPr/>
+        <p:txBody>
+          <a:bodyPr/>
+          <a:lstStyle/>
+          <a:p>
+            <a:r>
+              <a:rPr lang="de-DE" dirty="0">
+                <a:highlight>
+                  <a:srgbClr val="FFCD00"/>
+                </a:highlight>
+              </a:rPr>
+              <a:t>MVC</a:t>
+            </a:r>
+          </a:p>
+        </p:txBody>
+      </p:sp>
+      <p:sp>
+        <p:nvSpPr>
+          <p:cNvPr id="3" name="Textplatzhalter 2"/>
+          <p:cNvSpPr>
+            <a:spLocks noGrp="1"/>
+          </p:cNvSpPr>
+          <p:nvPr>
+            <p:ph type="body" idx="1"/>
+          </p:nvPr>
+        </p:nvSpPr>
+        <p:spPr/>
+        <p:txBody>
+          <a:bodyPr/>
+          <a:lstStyle/>
+          <a:p>
+            <a:r>
+              <a:rPr lang="de-DE" dirty="0"/>
+              <a:t>BSP MVC konkret in diesem Projekt</a:t>
+            </a:r>
+          </a:p>
+        </p:txBody>
+      </p:sp>
+      <p:grpSp>
+        <p:nvGrpSpPr>
+          <p:cNvPr id="4" name="Shape 113"/>
+          <p:cNvGrpSpPr/>
+          <p:nvPr/>
+        </p:nvGrpSpPr>
+        <p:grpSpPr>
+          <a:xfrm>
+            <a:off x="916458" y="1019750"/>
+            <a:ext cx="214624" cy="214624"/>
+            <a:chOff x="2594050" y="1631825"/>
+            <a:chExt cx="439625" cy="439625"/>
+          </a:xfrm>
+        </p:grpSpPr>
+        <p:sp>
+          <p:nvSpPr>
+            <p:cNvPr id="5" name="Shape 114"/>
+            <p:cNvSpPr/>
+            <p:nvPr/>
+          </p:nvSpPr>
+          <p:spPr>
+            <a:xfrm>
+              <a:off x="2594050" y="1883300"/>
+              <a:ext cx="188175" cy="188150"/>
+            </a:xfrm>
+            <a:custGeom>
+              <a:avLst/>
+              <a:gdLst/>
+              <a:ahLst/>
+              <a:cxnLst/>
+              <a:rect l="0" t="0" r="0" b="0"/>
+              <a:pathLst>
+                <a:path w="7527" h="7526" fill="none" extrusionOk="0">
+                  <a:moveTo>
+                    <a:pt x="5992" y="0"/>
+                  </a:moveTo>
+                  <a:lnTo>
+                    <a:pt x="537" y="6430"/>
+                  </a:lnTo>
+                  <a:lnTo>
+                    <a:pt x="1" y="7526"/>
+                  </a:lnTo>
+                  <a:lnTo>
+                    <a:pt x="1097" y="6990"/>
+                  </a:lnTo>
+                  <a:lnTo>
+                    <a:pt x="7526" y="1534"/>
+                  </a:lnTo>
+                  <a:lnTo>
+                    <a:pt x="5992" y="0"/>
+                  </a:lnTo>
+                  <a:close/>
+                </a:path>
+              </a:pathLst>
+            </a:custGeom>
+            <a:noFill/>
+            <a:ln w="9525" cap="rnd" cmpd="sng">
+              <a:solidFill>
+                <a:srgbClr val="000000"/>
+              </a:solidFill>
+              <a:prstDash val="solid"/>
+              <a:round/>
+              <a:headEnd type="none" w="med" len="med"/>
+              <a:tailEnd type="none" w="med" len="med"/>
+            </a:ln>
+          </p:spPr>
+          <p:txBody>
+            <a:bodyPr lIns="91425" tIns="91425" rIns="91425" bIns="91425" anchor="ctr" anchorCtr="0">
+              <a:noAutofit/>
+            </a:bodyPr>
+            <a:lstStyle/>
+            <a:p>
+              <a:pPr lvl="0">
+                <a:spcBef>
+                  <a:spcPts val="0"/>
+                </a:spcBef>
+                <a:buNone/>
+              </a:pPr>
+              <a:endParaRPr/>
+            </a:p>
+          </p:txBody>
+        </p:sp>
+        <p:sp>
+          <p:nvSpPr>
+            <p:cNvPr id="6" name="Shape 115"/>
+            <p:cNvSpPr/>
+            <p:nvPr/>
+          </p:nvSpPr>
+          <p:spPr>
+            <a:xfrm>
+              <a:off x="2857700" y="1631825"/>
+              <a:ext cx="175975" cy="176000"/>
+            </a:xfrm>
+            <a:custGeom>
+              <a:avLst/>
+              <a:gdLst/>
+              <a:ahLst/>
+              <a:cxnLst/>
+              <a:rect l="0" t="0" r="0" b="0"/>
+              <a:pathLst>
+                <a:path w="7039" h="7040" fill="none" extrusionOk="0">
+                  <a:moveTo>
+                    <a:pt x="268" y="2704"/>
+                  </a:moveTo>
+                  <a:lnTo>
+                    <a:pt x="4336" y="6771"/>
+                  </a:lnTo>
+                  <a:lnTo>
+                    <a:pt x="4336" y="6771"/>
+                  </a:lnTo>
+                  <a:lnTo>
+                    <a:pt x="4336" y="6771"/>
+                  </a:lnTo>
+                  <a:lnTo>
+                    <a:pt x="4652" y="6917"/>
+                  </a:lnTo>
+                  <a:lnTo>
+                    <a:pt x="4993" y="7015"/>
+                  </a:lnTo>
+                  <a:lnTo>
+                    <a:pt x="5310" y="7039"/>
+                  </a:lnTo>
+                  <a:lnTo>
+                    <a:pt x="5651" y="7039"/>
+                  </a:lnTo>
+                  <a:lnTo>
+                    <a:pt x="5992" y="6966"/>
+                  </a:lnTo>
+                  <a:lnTo>
+                    <a:pt x="6308" y="6844"/>
+                  </a:lnTo>
+                  <a:lnTo>
+                    <a:pt x="6454" y="6747"/>
+                  </a:lnTo>
+                  <a:lnTo>
+                    <a:pt x="6601" y="6674"/>
+                  </a:lnTo>
+                  <a:lnTo>
+                    <a:pt x="6747" y="6552"/>
+                  </a:lnTo>
+                  <a:lnTo>
+                    <a:pt x="6893" y="6430"/>
+                  </a:lnTo>
+                  <a:lnTo>
+                    <a:pt x="6893" y="6430"/>
+                  </a:lnTo>
+                  <a:lnTo>
+                    <a:pt x="6942" y="6357"/>
+                  </a:lnTo>
+                  <a:lnTo>
+                    <a:pt x="7015" y="6260"/>
+                  </a:lnTo>
+                  <a:lnTo>
+                    <a:pt x="7039" y="6138"/>
+                  </a:lnTo>
+                  <a:lnTo>
+                    <a:pt x="7039" y="6041"/>
+                  </a:lnTo>
+                  <a:lnTo>
+                    <a:pt x="7039" y="6041"/>
+                  </a:lnTo>
+                  <a:lnTo>
+                    <a:pt x="7039" y="5943"/>
+                  </a:lnTo>
+                  <a:lnTo>
+                    <a:pt x="7015" y="5846"/>
+                  </a:lnTo>
+                  <a:lnTo>
+                    <a:pt x="6942" y="5748"/>
+                  </a:lnTo>
+                  <a:lnTo>
+                    <a:pt x="6893" y="5651"/>
+                  </a:lnTo>
+                  <a:lnTo>
+                    <a:pt x="1389" y="147"/>
+                  </a:lnTo>
+                  <a:lnTo>
+                    <a:pt x="1389" y="147"/>
+                  </a:lnTo>
+                  <a:lnTo>
+                    <a:pt x="1291" y="98"/>
+                  </a:lnTo>
+                  <a:lnTo>
+                    <a:pt x="1194" y="25"/>
+                  </a:lnTo>
+                  <a:lnTo>
+                    <a:pt x="1096" y="0"/>
+                  </a:lnTo>
+                  <a:lnTo>
+                    <a:pt x="999" y="0"/>
+                  </a:lnTo>
+                  <a:lnTo>
+                    <a:pt x="999" y="0"/>
+                  </a:lnTo>
+                  <a:lnTo>
+                    <a:pt x="902" y="0"/>
+                  </a:lnTo>
+                  <a:lnTo>
+                    <a:pt x="780" y="25"/>
+                  </a:lnTo>
+                  <a:lnTo>
+                    <a:pt x="682" y="98"/>
+                  </a:lnTo>
+                  <a:lnTo>
+                    <a:pt x="609" y="147"/>
+                  </a:lnTo>
+                  <a:lnTo>
+                    <a:pt x="609" y="147"/>
+                  </a:lnTo>
+                  <a:lnTo>
+                    <a:pt x="487" y="293"/>
+                  </a:lnTo>
+                  <a:lnTo>
+                    <a:pt x="366" y="439"/>
+                  </a:lnTo>
+                  <a:lnTo>
+                    <a:pt x="293" y="585"/>
+                  </a:lnTo>
+                  <a:lnTo>
+                    <a:pt x="195" y="731"/>
+                  </a:lnTo>
+                  <a:lnTo>
+                    <a:pt x="73" y="1048"/>
+                  </a:lnTo>
+                  <a:lnTo>
+                    <a:pt x="0" y="1389"/>
+                  </a:lnTo>
+                  <a:lnTo>
+                    <a:pt x="0" y="1730"/>
+                  </a:lnTo>
+                  <a:lnTo>
+                    <a:pt x="25" y="2046"/>
+                  </a:lnTo>
+                  <a:lnTo>
+                    <a:pt x="122" y="2387"/>
+                  </a:lnTo>
+                  <a:lnTo>
+                    <a:pt x="268" y="2704"/>
+                  </a:lnTo>
+                  <a:lnTo>
+                    <a:pt x="268" y="2704"/>
+                  </a:lnTo>
+                  <a:close/>
+                </a:path>
+              </a:pathLst>
+            </a:custGeom>
+            <a:noFill/>
+            <a:ln w="9525" cap="rnd" cmpd="sng">
+              <a:solidFill>
+                <a:srgbClr val="000000"/>
+              </a:solidFill>
+              <a:prstDash val="solid"/>
+              <a:round/>
+              <a:headEnd type="none" w="med" len="med"/>
+              <a:tailEnd type="none" w="med" len="med"/>
+            </a:ln>
+          </p:spPr>
+          <p:txBody>
+            <a:bodyPr lIns="91425" tIns="91425" rIns="91425" bIns="91425" anchor="ctr" anchorCtr="0">
+              <a:noAutofit/>
+            </a:bodyPr>
+            <a:lstStyle/>
+            <a:p>
+              <a:pPr lvl="0">
+                <a:spcBef>
+                  <a:spcPts val="0"/>
+                </a:spcBef>
+                <a:buNone/>
+              </a:pPr>
+              <a:endParaRPr/>
+            </a:p>
+          </p:txBody>
+        </p:sp>
+        <p:sp>
+          <p:nvSpPr>
+            <p:cNvPr id="7" name="Shape 116"/>
+            <p:cNvSpPr/>
+            <p:nvPr/>
+          </p:nvSpPr>
+          <p:spPr>
+            <a:xfrm>
+              <a:off x="2662850" y="1699400"/>
+              <a:ext cx="303250" cy="303250"/>
+            </a:xfrm>
+            <a:custGeom>
+              <a:avLst/>
+              <a:gdLst/>
+              <a:ahLst/>
+              <a:cxnLst/>
+              <a:rect l="0" t="0" r="0" b="0"/>
+              <a:pathLst>
+                <a:path w="12130" h="12130" fill="none" extrusionOk="0">
+                  <a:moveTo>
+                    <a:pt x="8038" y="1"/>
+                  </a:moveTo>
+                  <a:lnTo>
+                    <a:pt x="4872" y="3191"/>
+                  </a:lnTo>
+                  <a:lnTo>
+                    <a:pt x="4872" y="3191"/>
+                  </a:lnTo>
+                  <a:lnTo>
+                    <a:pt x="4628" y="3094"/>
+                  </a:lnTo>
+                  <a:lnTo>
+                    <a:pt x="4385" y="2997"/>
+                  </a:lnTo>
+                  <a:lnTo>
+                    <a:pt x="4092" y="2899"/>
+                  </a:lnTo>
+                  <a:lnTo>
+                    <a:pt x="3800" y="2850"/>
+                  </a:lnTo>
+                  <a:lnTo>
+                    <a:pt x="3484" y="2777"/>
+                  </a:lnTo>
+                  <a:lnTo>
+                    <a:pt x="3167" y="2729"/>
+                  </a:lnTo>
+                  <a:lnTo>
+                    <a:pt x="2850" y="2704"/>
+                  </a:lnTo>
+                  <a:lnTo>
+                    <a:pt x="2534" y="2704"/>
+                  </a:lnTo>
+                  <a:lnTo>
+                    <a:pt x="2534" y="2704"/>
+                  </a:lnTo>
+                  <a:lnTo>
+                    <a:pt x="2241" y="2704"/>
+                  </a:lnTo>
+                  <a:lnTo>
+                    <a:pt x="1949" y="2729"/>
+                  </a:lnTo>
+                  <a:lnTo>
+                    <a:pt x="1633" y="2777"/>
+                  </a:lnTo>
+                  <a:lnTo>
+                    <a:pt x="1316" y="2850"/>
+                  </a:lnTo>
+                  <a:lnTo>
+                    <a:pt x="999" y="2972"/>
+                  </a:lnTo>
+                  <a:lnTo>
+                    <a:pt x="707" y="3094"/>
+                  </a:lnTo>
+                  <a:lnTo>
+                    <a:pt x="415" y="3289"/>
+                  </a:lnTo>
+                  <a:lnTo>
+                    <a:pt x="147" y="3508"/>
+                  </a:lnTo>
+                  <a:lnTo>
+                    <a:pt x="147" y="3508"/>
+                  </a:lnTo>
+                  <a:lnTo>
+                    <a:pt x="74" y="3581"/>
+                  </a:lnTo>
+                  <a:lnTo>
+                    <a:pt x="25" y="3678"/>
+                  </a:lnTo>
+                  <a:lnTo>
+                    <a:pt x="1" y="3776"/>
+                  </a:lnTo>
+                  <a:lnTo>
+                    <a:pt x="1" y="3898"/>
+                  </a:lnTo>
+                  <a:lnTo>
+                    <a:pt x="1" y="3898"/>
+                  </a:lnTo>
+                  <a:lnTo>
+                    <a:pt x="1" y="3995"/>
+                  </a:lnTo>
+                  <a:lnTo>
+                    <a:pt x="25" y="4093"/>
+                  </a:lnTo>
+                  <a:lnTo>
+                    <a:pt x="74" y="4190"/>
+                  </a:lnTo>
+                  <a:lnTo>
+                    <a:pt x="147" y="4287"/>
+                  </a:lnTo>
+                  <a:lnTo>
+                    <a:pt x="7843" y="11984"/>
+                  </a:lnTo>
+                  <a:lnTo>
+                    <a:pt x="7843" y="11984"/>
+                  </a:lnTo>
+                  <a:lnTo>
+                    <a:pt x="7941" y="12057"/>
+                  </a:lnTo>
+                  <a:lnTo>
+                    <a:pt x="8038" y="12105"/>
+                  </a:lnTo>
+                  <a:lnTo>
+                    <a:pt x="8135" y="12130"/>
+                  </a:lnTo>
+                  <a:lnTo>
+                    <a:pt x="8233" y="12130"/>
+                  </a:lnTo>
+                  <a:lnTo>
+                    <a:pt x="8233" y="12130"/>
+                  </a:lnTo>
+                  <a:lnTo>
+                    <a:pt x="8355" y="12130"/>
+                  </a:lnTo>
+                  <a:lnTo>
+                    <a:pt x="8452" y="12105"/>
+                  </a:lnTo>
+                  <a:lnTo>
+                    <a:pt x="8549" y="12057"/>
+                  </a:lnTo>
+                  <a:lnTo>
+                    <a:pt x="8622" y="11984"/>
+                  </a:lnTo>
+                  <a:lnTo>
+                    <a:pt x="8622" y="11984"/>
+                  </a:lnTo>
+                  <a:lnTo>
+                    <a:pt x="8842" y="11716"/>
+                  </a:lnTo>
+                  <a:lnTo>
+                    <a:pt x="9036" y="11423"/>
+                  </a:lnTo>
+                  <a:lnTo>
+                    <a:pt x="9158" y="11131"/>
+                  </a:lnTo>
+                  <a:lnTo>
+                    <a:pt x="9280" y="10814"/>
+                  </a:lnTo>
+                  <a:lnTo>
+                    <a:pt x="9353" y="10498"/>
+                  </a:lnTo>
+                  <a:lnTo>
+                    <a:pt x="9402" y="10181"/>
+                  </a:lnTo>
+                  <a:lnTo>
+                    <a:pt x="9426" y="9889"/>
+                  </a:lnTo>
+                  <a:lnTo>
+                    <a:pt x="9426" y="9597"/>
+                  </a:lnTo>
+                  <a:lnTo>
+                    <a:pt x="9426" y="9597"/>
+                  </a:lnTo>
+                  <a:lnTo>
+                    <a:pt x="9426" y="9280"/>
+                  </a:lnTo>
+                  <a:lnTo>
+                    <a:pt x="9402" y="8964"/>
+                  </a:lnTo>
+                  <a:lnTo>
+                    <a:pt x="9353" y="8647"/>
+                  </a:lnTo>
+                  <a:lnTo>
+                    <a:pt x="9280" y="8330"/>
+                  </a:lnTo>
+                  <a:lnTo>
+                    <a:pt x="9231" y="8038"/>
+                  </a:lnTo>
+                  <a:lnTo>
+                    <a:pt x="9134" y="7746"/>
+                  </a:lnTo>
+                  <a:lnTo>
+                    <a:pt x="9036" y="7502"/>
+                  </a:lnTo>
+                  <a:lnTo>
+                    <a:pt x="8939" y="7259"/>
+                  </a:lnTo>
+                  <a:lnTo>
+                    <a:pt x="12130" y="4093"/>
+                  </a:lnTo>
+                </a:path>
+              </a:pathLst>
+            </a:custGeom>
+            <a:noFill/>
+            <a:ln w="9525" cap="rnd" cmpd="sng">
+              <a:solidFill>
+                <a:srgbClr val="000000"/>
+              </a:solidFill>
+              <a:prstDash val="solid"/>
+              <a:round/>
+              <a:headEnd type="none" w="med" len="med"/>
+              <a:tailEnd type="none" w="med" len="med"/>
+            </a:ln>
+          </p:spPr>
+          <p:txBody>
+            <a:bodyPr lIns="91425" tIns="91425" rIns="91425" bIns="91425" anchor="ctr" anchorCtr="0">
+              <a:noAutofit/>
+            </a:bodyPr>
+            <a:lstStyle/>
+            <a:p>
+              <a:pPr lvl="0">
+                <a:spcBef>
+                  <a:spcPts val="0"/>
+                </a:spcBef>
+                <a:buNone/>
+              </a:pPr>
+              <a:endParaRPr/>
+            </a:p>
+          </p:txBody>
+        </p:sp>
+        <p:sp>
+          <p:nvSpPr>
+            <p:cNvPr id="8" name="Shape 117"/>
+            <p:cNvSpPr/>
+            <p:nvPr/>
+          </p:nvSpPr>
+          <p:spPr>
+            <a:xfrm>
+              <a:off x="2814911" y="1754061"/>
+              <a:ext cx="49950" cy="49950"/>
+            </a:xfrm>
+            <a:custGeom>
+              <a:avLst/>
+              <a:gdLst/>
+              <a:ahLst/>
+              <a:cxnLst/>
+              <a:rect l="0" t="0" r="0" b="0"/>
+              <a:pathLst>
+                <a:path w="1998" h="1998" fill="none" extrusionOk="0">
+                  <a:moveTo>
+                    <a:pt x="1" y="1997"/>
+                  </a:moveTo>
+                  <a:lnTo>
+                    <a:pt x="1998" y="0"/>
+                  </a:lnTo>
+                </a:path>
+              </a:pathLst>
+            </a:custGeom>
+            <a:noFill/>
+            <a:ln w="9525" cap="rnd" cmpd="sng">
+              <a:solidFill>
+                <a:srgbClr val="000000"/>
+              </a:solidFill>
+              <a:prstDash val="solid"/>
+              <a:round/>
+              <a:headEnd type="none" w="med" len="med"/>
+              <a:tailEnd type="none" w="med" len="med"/>
+            </a:ln>
+          </p:spPr>
+          <p:txBody>
+            <a:bodyPr lIns="91425" tIns="91425" rIns="91425" bIns="91425" anchor="ctr" anchorCtr="0">
+              <a:noAutofit/>
+            </a:bodyPr>
+            <a:lstStyle/>
+            <a:p>
+              <a:pPr lvl="0">
+                <a:spcBef>
+                  <a:spcPts val="0"/>
+                </a:spcBef>
+                <a:buNone/>
+              </a:pPr>
+              <a:endParaRPr/>
+            </a:p>
+          </p:txBody>
+        </p:sp>
+      </p:grpSp>
+    </p:spTree>
+    <p:extLst>
+      <p:ext uri="{BB962C8B-B14F-4D97-AF65-F5344CB8AC3E}">
+        <p14:creationId xmlns:p14="http://schemas.microsoft.com/office/powerpoint/2010/main" val="1200729802"/>
+      </p:ext>
+    </p:extLst>
+  </p:cSld>
+  <p:clrMapOvr>
+    <a:masterClrMapping/>
+  </p:clrMapOvr>
+</p:sld>
+</file>
+
+<file path=ppt/slides/slide44.xml><?xml version="1.0" encoding="utf-8"?>
+<p:sld xmlns:a="http://schemas.openxmlformats.org/drawingml/2006/main" xmlns:r="http://schemas.openxmlformats.org/officeDocument/2006/relationships" xmlns:p="http://schemas.openxmlformats.org/presentationml/2006/main">
+  <p:cSld>
+    <p:spTree>
+      <p:nvGrpSpPr>
+        <p:cNvPr id="1" name="Shape 110"/>
+        <p:cNvGrpSpPr/>
+        <p:nvPr/>
+      </p:nvGrpSpPr>
+      <p:grpSpPr>
+        <a:xfrm>
+          <a:off x="0" y="0"/>
+          <a:ext cx="0" cy="0"/>
+          <a:chOff x="0" y="0"/>
+          <a:chExt cx="0" cy="0"/>
+        </a:xfrm>
+      </p:grpSpPr>
+      <p:sp>
+        <p:nvSpPr>
+          <p:cNvPr id="111" name="Shape 111"/>
+          <p:cNvSpPr txBox="1">
+            <a:spLocks noGrp="1"/>
+          </p:cNvSpPr>
+          <p:nvPr>
+            <p:ph type="title"/>
+          </p:nvPr>
+        </p:nvSpPr>
+        <p:spPr>
+          <a:xfrm>
+            <a:off x="1381250" y="922668"/>
+            <a:ext cx="3878399" cy="435599"/>
+          </a:xfrm>
+          <a:prstGeom prst="rect">
+            <a:avLst/>
+          </a:prstGeom>
+        </p:spPr>
+        <p:txBody>
+          <a:bodyPr lIns="91425" tIns="91425" rIns="91425" bIns="91425" anchor="ctr" anchorCtr="0">
+            <a:noAutofit/>
+          </a:bodyPr>
+          <a:lstStyle/>
+          <a:p>
+            <a:pPr lvl="0">
+              <a:spcBef>
+                <a:spcPts val="0"/>
+              </a:spcBef>
+              <a:buNone/>
+            </a:pPr>
+            <a:r>
+              <a:rPr lang="en" dirty="0">
+                <a:highlight>
+                  <a:srgbClr val="FFCD00"/>
+                </a:highlight>
+              </a:rPr>
+              <a:t>MVC</a:t>
+            </a:r>
           </a:p>
         </p:txBody>
       </p:sp>
@@ -32906,25 +33725,10 @@
   <p:clrMapOvr>
     <a:masterClrMapping/>
   </p:clrMapOvr>
-  <mc:AlternateContent xmlns:mc="http://schemas.openxmlformats.org/markup-compatibility/2006" xmlns:p14="http://schemas.microsoft.com/office/powerpoint/2010/main">
-    <mc:Choice Requires="p14">
-      <p:transition p14:dur="0"/>
-    </mc:Choice>
-    <mc:Fallback xmlns="">
-      <p:transition/>
-    </mc:Fallback>
-  </mc:AlternateContent>
-  <p:timing>
-    <p:tnLst>
-      <p:par>
-        <p:cTn id="1" dur="indefinite" restart="never" nodeType="tmRoot"/>
-      </p:par>
-    </p:tnLst>
-  </p:timing>
 </p:sld>
 </file>
 
-<file path=ppt/slides/slide43.xml><?xml version="1.0" encoding="utf-8"?>
+<file path=ppt/slides/slide45.xml><?xml version="1.0" encoding="utf-8"?>
 <p:sld xmlns:a="http://schemas.openxmlformats.org/drawingml/2006/main" xmlns:r="http://schemas.openxmlformats.org/officeDocument/2006/relationships" xmlns:p="http://schemas.openxmlformats.org/presentationml/2006/main">
   <p:cSld>
     <p:spTree>
@@ -32973,10 +33777,9 @@
               <a:buNone/>
             </a:pPr>
             <a:r>
-              <a:rPr lang="en" dirty="0" smtClean="0"/>
+              <a:rPr lang="en" dirty="0"/>
               <a:t>Implementierung</a:t>
             </a:r>
-            <a:endParaRPr lang="en" dirty="0"/>
           </a:p>
         </p:txBody>
       </p:sp>
@@ -33042,7 +33845,7 @@
               <a:buNone/>
             </a:pPr>
             <a:r>
-              <a:rPr lang="en" sz="2400" dirty="0" smtClean="0">
+              <a:rPr lang="en" sz="2400" dirty="0">
                 <a:solidFill>
                   <a:schemeClr val="dk1"/>
                 </a:solidFill>
@@ -33053,15 +33856,6 @@
               </a:rPr>
               <a:t>4</a:t>
             </a:r>
-            <a:endParaRPr lang="en" sz="2400" dirty="0">
-              <a:solidFill>
-                <a:schemeClr val="dk1"/>
-              </a:solidFill>
-              <a:latin typeface="Lora"/>
-              <a:ea typeface="Lora"/>
-              <a:cs typeface="Lora"/>
-              <a:sym typeface="Lora"/>
-            </a:endParaRPr>
           </a:p>
         </p:txBody>
       </p:sp>
@@ -33075,25 +33869,10 @@
   <p:clrMapOvr>
     <a:masterClrMapping/>
   </p:clrMapOvr>
-  <mc:AlternateContent xmlns:mc="http://schemas.openxmlformats.org/markup-compatibility/2006" xmlns:p14="http://schemas.microsoft.com/office/powerpoint/2010/main">
-    <mc:Choice Requires="p14">
-      <p:transition p14:dur="0"/>
-    </mc:Choice>
-    <mc:Fallback xmlns="">
-      <p:transition/>
-    </mc:Fallback>
-  </mc:AlternateContent>
-  <p:timing>
-    <p:tnLst>
-      <p:par>
-        <p:cTn id="1" dur="indefinite" restart="never" nodeType="tmRoot"/>
-      </p:par>
-    </p:tnLst>
-  </p:timing>
 </p:sld>
 </file>
 
-<file path=ppt/slides/slide44.xml><?xml version="1.0" encoding="utf-8"?>
+<file path=ppt/slides/slide46.xml><?xml version="1.0" encoding="utf-8"?>
 <p:sld xmlns:a="http://schemas.openxmlformats.org/drawingml/2006/main" xmlns:r="http://schemas.openxmlformats.org/officeDocument/2006/relationships" xmlns:p="http://schemas.openxmlformats.org/presentationml/2006/main">
   <p:cSld>
     <p:spTree>
@@ -33142,18 +33921,13 @@
               <a:buNone/>
             </a:pPr>
             <a:r>
-              <a:rPr lang="en" dirty="0" smtClean="0">
+              <a:rPr lang="en" dirty="0">
                 <a:highlight>
                   <a:srgbClr val="FFCD00"/>
                 </a:highlight>
               </a:rPr>
               <a:t>Topic</a:t>
             </a:r>
-            <a:endParaRPr lang="en" dirty="0">
-              <a:highlight>
-                <a:srgbClr val="FFCD00"/>
-              </a:highlight>
-            </a:endParaRPr>
           </a:p>
         </p:txBody>
       </p:sp>
@@ -33188,7 +33962,7 @@
               </a:spcBef>
             </a:pPr>
             <a:r>
-              <a:rPr lang="en" dirty="0" smtClean="0"/>
+              <a:rPr lang="en" dirty="0"/>
               <a:t>Kommentare zum Analyse-/Designergebnis</a:t>
             </a:r>
           </a:p>
@@ -33199,7 +33973,7 @@
               </a:spcBef>
             </a:pPr>
             <a:r>
-              <a:rPr lang="en" dirty="0" smtClean="0"/>
+              <a:rPr lang="en" dirty="0"/>
               <a:t>Arbeitsaufteilung (anhand des Designs)</a:t>
             </a:r>
           </a:p>
@@ -33210,7 +33984,7 @@
               </a:spcBef>
             </a:pPr>
             <a:r>
-              <a:rPr lang="en" dirty="0" smtClean="0"/>
+              <a:rPr lang="en" dirty="0"/>
               <a:t>Erfahrungen</a:t>
             </a:r>
           </a:p>
@@ -33792,25 +34566,10 @@
   <p:clrMapOvr>
     <a:masterClrMapping/>
   </p:clrMapOvr>
-  <mc:AlternateContent xmlns:mc="http://schemas.openxmlformats.org/markup-compatibility/2006" xmlns:p14="http://schemas.microsoft.com/office/powerpoint/2010/main">
-    <mc:Choice Requires="p14">
-      <p:transition p14:dur="0"/>
-    </mc:Choice>
-    <mc:Fallback xmlns="">
-      <p:transition/>
-    </mc:Fallback>
-  </mc:AlternateContent>
-  <p:timing>
-    <p:tnLst>
-      <p:par>
-        <p:cTn id="1" dur="indefinite" restart="never" nodeType="tmRoot"/>
-      </p:par>
-    </p:tnLst>
-  </p:timing>
 </p:sld>
 </file>
 
-<file path=ppt/slides/slide45.xml><?xml version="1.0" encoding="utf-8"?>
+<file path=ppt/slides/slide47.xml><?xml version="1.0" encoding="utf-8"?>
 <p:sld xmlns:a="http://schemas.openxmlformats.org/drawingml/2006/main" xmlns:r="http://schemas.openxmlformats.org/officeDocument/2006/relationships" xmlns:p="http://schemas.openxmlformats.org/presentationml/2006/main">
   <p:cSld>
     <p:spTree>
@@ -33859,18 +34618,13 @@
               <a:buNone/>
             </a:pPr>
             <a:r>
-              <a:rPr lang="en" dirty="0" smtClean="0">
+              <a:rPr lang="en" dirty="0">
                 <a:highlight>
                   <a:srgbClr val="FFCD00"/>
                 </a:highlight>
               </a:rPr>
               <a:t>Arbeitsaufteilung</a:t>
             </a:r>
-            <a:endParaRPr lang="en" dirty="0">
-              <a:highlight>
-                <a:srgbClr val="FFCD00"/>
-              </a:highlight>
-            </a:endParaRPr>
           </a:p>
         </p:txBody>
       </p:sp>
@@ -34527,7 +35281,7 @@
               </a:spcBef>
             </a:pPr>
             <a:r>
-              <a:rPr lang="en" sz="2000" dirty="0" smtClean="0">
+              <a:rPr lang="en" sz="2000" dirty="0">
                 <a:solidFill>
                   <a:schemeClr val="accent6">
                     <a:lumMod val="50000"/>
@@ -34544,7 +35298,7 @@
               </a:spcBef>
             </a:pPr>
             <a:r>
-              <a:rPr lang="en" sz="2000" dirty="0" smtClean="0">
+              <a:rPr lang="en" sz="2000" dirty="0">
                 <a:solidFill>
                   <a:schemeClr val="accent5">
                     <a:lumMod val="50000"/>
@@ -34577,7 +35331,7 @@
                 <a:spcPts val="0"/>
               </a:spcBef>
             </a:pPr>
-            <a:endParaRPr lang="en" dirty="0" smtClean="0"/>
+            <a:endParaRPr lang="en" dirty="0"/>
           </a:p>
         </p:txBody>
       </p:sp>
@@ -34860,7 +35614,7 @@
               </a:spcBef>
             </a:pPr>
             <a:r>
-              <a:rPr lang="en" sz="2000" dirty="0" smtClean="0">
+              <a:rPr lang="en" sz="2000" dirty="0">
                 <a:solidFill>
                   <a:schemeClr val="accent4">
                     <a:lumMod val="50000"/>
@@ -34877,7 +35631,7 @@
               </a:spcBef>
             </a:pPr>
             <a:r>
-              <a:rPr lang="en" sz="2000" dirty="0" smtClean="0">
+              <a:rPr lang="en" sz="2000" dirty="0">
                 <a:solidFill>
                   <a:schemeClr val="accent2">
                     <a:lumMod val="50000"/>
@@ -34894,7 +35648,7 @@
               </a:spcBef>
             </a:pPr>
             <a:r>
-              <a:rPr lang="en" sz="2000" dirty="0" smtClean="0">
+              <a:rPr lang="en" sz="2000" dirty="0">
                 <a:solidFill>
                   <a:schemeClr val="tx1">
                     <a:lumMod val="95000"/>
@@ -34904,14 +35658,6 @@
               </a:rPr>
               <a:t>Marcel Herd</a:t>
             </a:r>
-            <a:endParaRPr lang="en" sz="2000" dirty="0">
-              <a:solidFill>
-                <a:schemeClr val="tx1">
-                  <a:lumMod val="95000"/>
-                  <a:lumOff val="5000"/>
-                </a:schemeClr>
-              </a:solidFill>
-            </a:endParaRPr>
           </a:p>
         </p:txBody>
       </p:sp>
@@ -35194,7 +35940,7 @@
               </a:spcBef>
             </a:pPr>
             <a:r>
-              <a:rPr lang="en" sz="2000" dirty="0" smtClean="0">
+              <a:rPr lang="en" sz="2000" dirty="0">
                 <a:solidFill>
                   <a:schemeClr val="tx1">
                     <a:lumMod val="95000"/>
@@ -35204,14 +35950,6 @@
               </a:rPr>
               <a:t>Marcel Herd</a:t>
             </a:r>
-            <a:endParaRPr lang="en" sz="2000" dirty="0">
-              <a:solidFill>
-                <a:schemeClr val="tx1">
-                  <a:lumMod val="95000"/>
-                  <a:lumOff val="5000"/>
-                </a:schemeClr>
-              </a:solidFill>
-            </a:endParaRPr>
           </a:p>
         </p:txBody>
       </p:sp>
@@ -35225,25 +35963,10 @@
   <p:clrMapOvr>
     <a:masterClrMapping/>
   </p:clrMapOvr>
-  <mc:AlternateContent xmlns:mc="http://schemas.openxmlformats.org/markup-compatibility/2006" xmlns:p14="http://schemas.microsoft.com/office/powerpoint/2010/main">
-    <mc:Choice Requires="p14">
-      <p:transition p14:dur="0"/>
-    </mc:Choice>
-    <mc:Fallback xmlns="">
-      <p:transition/>
-    </mc:Fallback>
-  </mc:AlternateContent>
-  <p:timing>
-    <p:tnLst>
-      <p:par>
-        <p:cTn id="1" dur="indefinite" restart="never" nodeType="tmRoot"/>
-      </p:par>
-    </p:tnLst>
-  </p:timing>
 </p:sld>
 </file>
 
-<file path=ppt/slides/slide46.xml><?xml version="1.0" encoding="utf-8"?>
+<file path=ppt/slides/slide48.xml><?xml version="1.0" encoding="utf-8"?>
 <p:sld xmlns:a="http://schemas.openxmlformats.org/drawingml/2006/main" xmlns:r="http://schemas.openxmlformats.org/officeDocument/2006/relationships" xmlns:p="http://schemas.openxmlformats.org/presentationml/2006/main">
   <p:cSld>
     <p:spTree>
@@ -35292,10 +36015,9 @@
               <a:buNone/>
             </a:pPr>
             <a:r>
-              <a:rPr lang="en" dirty="0" smtClean="0"/>
+              <a:rPr lang="en" dirty="0"/>
               <a:t>Tester</a:t>
             </a:r>
-            <a:endParaRPr lang="en" dirty="0"/>
           </a:p>
         </p:txBody>
       </p:sp>
@@ -35327,11 +36049,7 @@
             <a:pPr lvl="0"/>
             <a:r>
               <a:rPr lang="de-DE" dirty="0"/>
-              <a:t>Manuel Schwalm </a:t>
-            </a:r>
-            <a:r>
-              <a:rPr lang="de-DE" dirty="0" smtClean="0"/>
-              <a:t>• ASDF</a:t>
+              <a:t>Manuel Schwalm • ASDF</a:t>
             </a:r>
             <a:endParaRPr lang="en" dirty="0"/>
           </a:p>
@@ -35369,7 +36087,7 @@
               <a:buNone/>
             </a:pPr>
             <a:r>
-              <a:rPr lang="en" sz="2400" dirty="0" smtClean="0">
+              <a:rPr lang="en" sz="2400" dirty="0">
                 <a:solidFill>
                   <a:schemeClr val="dk1"/>
                 </a:solidFill>
@@ -35380,15 +36098,6 @@
               </a:rPr>
               <a:t>5</a:t>
             </a:r>
-            <a:endParaRPr lang="en" sz="2400" dirty="0">
-              <a:solidFill>
-                <a:schemeClr val="dk1"/>
-              </a:solidFill>
-              <a:latin typeface="Lora"/>
-              <a:ea typeface="Lora"/>
-              <a:cs typeface="Lora"/>
-              <a:sym typeface="Lora"/>
-            </a:endParaRPr>
           </a:p>
         </p:txBody>
       </p:sp>
@@ -35402,25 +36111,10 @@
   <p:clrMapOvr>
     <a:masterClrMapping/>
   </p:clrMapOvr>
-  <mc:AlternateContent xmlns:mc="http://schemas.openxmlformats.org/markup-compatibility/2006" xmlns:p14="http://schemas.microsoft.com/office/powerpoint/2010/main">
-    <mc:Choice Requires="p14">
-      <p:transition p14:dur="0"/>
-    </mc:Choice>
-    <mc:Fallback xmlns="">
-      <p:transition/>
-    </mc:Fallback>
-  </mc:AlternateContent>
-  <p:timing>
-    <p:tnLst>
-      <p:par>
-        <p:cTn id="1" dur="indefinite" restart="never" nodeType="tmRoot"/>
-      </p:par>
-    </p:tnLst>
-  </p:timing>
 </p:sld>
 </file>
 
-<file path=ppt/slides/slide47.xml><?xml version="1.0" encoding="utf-8"?>
+<file path=ppt/slides/slide49.xml><?xml version="1.0" encoding="utf-8"?>
 <p:sld xmlns:a="http://schemas.openxmlformats.org/drawingml/2006/main" xmlns:r="http://schemas.openxmlformats.org/officeDocument/2006/relationships" xmlns:p="http://schemas.openxmlformats.org/presentationml/2006/main">
   <p:cSld>
     <p:spTree>
@@ -35469,18 +36163,13 @@
               <a:buNone/>
             </a:pPr>
             <a:r>
-              <a:rPr lang="en" dirty="0" smtClean="0">
+              <a:rPr lang="en" dirty="0">
                 <a:highlight>
                   <a:srgbClr val="FFCD00"/>
                 </a:highlight>
               </a:rPr>
               <a:t>Topic</a:t>
             </a:r>
-            <a:endParaRPr lang="en" dirty="0">
-              <a:highlight>
-                <a:srgbClr val="FFCD00"/>
-              </a:highlight>
-            </a:endParaRPr>
           </a:p>
         </p:txBody>
       </p:sp>
@@ -35515,7 +36204,7 @@
               </a:spcBef>
             </a:pPr>
             <a:r>
-              <a:rPr lang="en" dirty="0" smtClean="0"/>
+              <a:rPr lang="en" dirty="0"/>
               <a:t>Kommentare zum Analyse-/Designergebnis</a:t>
             </a:r>
           </a:p>
@@ -35526,7 +36215,7 @@
               </a:spcBef>
             </a:pPr>
             <a:r>
-              <a:rPr lang="en" dirty="0" smtClean="0"/>
+              <a:rPr lang="en" dirty="0"/>
               <a:t>Demo anhand der Testprozeduren</a:t>
             </a:r>
           </a:p>
@@ -35537,10 +36226,10 @@
               </a:spcBef>
             </a:pPr>
             <a:r>
-              <a:rPr lang="en" smtClean="0"/>
+              <a:rPr lang="en"/>
               <a:t>Qualität der Implementierungen</a:t>
             </a:r>
-            <a:endParaRPr lang="en" dirty="0" smtClean="0"/>
+            <a:endParaRPr lang="en" dirty="0"/>
           </a:p>
           <a:p>
             <a:pPr marL="457200" lvl="0" indent="-228600" rtl="0">
@@ -35549,7 +36238,7 @@
               </a:spcBef>
             </a:pPr>
             <a:r>
-              <a:rPr lang="en" dirty="0" smtClean="0"/>
+              <a:rPr lang="en" dirty="0"/>
               <a:t>Erfahrungen</a:t>
             </a:r>
           </a:p>
@@ -36131,25 +36820,745 @@
   <p:clrMapOvr>
     <a:masterClrMapping/>
   </p:clrMapOvr>
-  <mc:AlternateContent xmlns:mc="http://schemas.openxmlformats.org/markup-compatibility/2006" xmlns:p14="http://schemas.microsoft.com/office/powerpoint/2010/main">
-    <mc:Choice Requires="p14">
-      <p:transition p14:dur="0"/>
-    </mc:Choice>
-    <mc:Fallback xmlns="">
-      <p:transition/>
-    </mc:Fallback>
-  </mc:AlternateContent>
-  <p:timing>
-    <p:tnLst>
-      <p:par>
-        <p:cTn id="1" dur="indefinite" restart="never" nodeType="tmRoot"/>
-      </p:par>
-    </p:tnLst>
-  </p:timing>
 </p:sld>
 </file>
 
-<file path=ppt/slides/slide48.xml><?xml version="1.0" encoding="utf-8"?>
+<file path=ppt/slides/slide5.xml><?xml version="1.0" encoding="utf-8"?>
+<p:sld xmlns:a="http://schemas.openxmlformats.org/drawingml/2006/main" xmlns:r="http://schemas.openxmlformats.org/officeDocument/2006/relationships" xmlns:p="http://schemas.openxmlformats.org/presentationml/2006/main">
+  <p:cSld>
+    <p:spTree>
+      <p:nvGrpSpPr>
+        <p:cNvPr id="1" name="Shape 110"/>
+        <p:cNvGrpSpPr/>
+        <p:nvPr/>
+      </p:nvGrpSpPr>
+      <p:grpSpPr>
+        <a:xfrm>
+          <a:off x="0" y="0"/>
+          <a:ext cx="0" cy="0"/>
+          <a:chOff x="0" y="0"/>
+          <a:chExt cx="0" cy="0"/>
+        </a:xfrm>
+      </p:grpSpPr>
+      <p:sp>
+        <p:nvSpPr>
+          <p:cNvPr id="111" name="Shape 111"/>
+          <p:cNvSpPr txBox="1">
+            <a:spLocks noGrp="1"/>
+          </p:cNvSpPr>
+          <p:nvPr>
+            <p:ph type="title"/>
+          </p:nvPr>
+        </p:nvSpPr>
+        <p:spPr>
+          <a:xfrm>
+            <a:off x="1381250" y="922668"/>
+            <a:ext cx="3878399" cy="435599"/>
+          </a:xfrm>
+          <a:prstGeom prst="rect">
+            <a:avLst/>
+          </a:prstGeom>
+        </p:spPr>
+        <p:txBody>
+          <a:bodyPr lIns="91425" tIns="91425" rIns="91425" bIns="91425" anchor="ctr" anchorCtr="0">
+            <a:noAutofit/>
+          </a:bodyPr>
+          <a:lstStyle/>
+          <a:p>
+            <a:pPr lvl="0">
+              <a:spcBef>
+                <a:spcPts val="0"/>
+              </a:spcBef>
+              <a:buNone/>
+            </a:pPr>
+            <a:r>
+              <a:rPr lang="en" dirty="0">
+                <a:highlight>
+                  <a:srgbClr val="FFCD00"/>
+                </a:highlight>
+              </a:rPr>
+              <a:t>Projektaufwand</a:t>
+            </a:r>
+          </a:p>
+        </p:txBody>
+      </p:sp>
+      <p:sp>
+        <p:nvSpPr>
+          <p:cNvPr id="112" name="Shape 112"/>
+          <p:cNvSpPr txBox="1">
+            <a:spLocks noGrp="1"/>
+          </p:cNvSpPr>
+          <p:nvPr>
+            <p:ph type="body" idx="1"/>
+          </p:nvPr>
+        </p:nvSpPr>
+        <p:spPr>
+          <a:xfrm>
+            <a:off x="1381250" y="1616470"/>
+            <a:ext cx="6809700" cy="3112200"/>
+          </a:xfrm>
+          <a:prstGeom prst="rect">
+            <a:avLst/>
+          </a:prstGeom>
+        </p:spPr>
+        <p:txBody>
+          <a:bodyPr lIns="91425" tIns="91425" rIns="91425" bIns="91425" anchor="t" anchorCtr="0">
+            <a:noAutofit/>
+          </a:bodyPr>
+          <a:lstStyle/>
+          <a:p>
+            <a:pPr marL="457200" lvl="0" indent="-228600">
+              <a:spcBef>
+                <a:spcPts val="0"/>
+              </a:spcBef>
+            </a:pPr>
+            <a:r>
+              <a:rPr lang="en" dirty="0"/>
+              <a:t>Lines of Code	</a:t>
+            </a:r>
+            <a:r>
+              <a:rPr lang="en" dirty="0">
+                <a:sym typeface="Wingdings" pitchFamily="2" charset="2"/>
+              </a:rPr>
+              <a:t>   </a:t>
+            </a:r>
+            <a:r>
+              <a:rPr lang="en" dirty="0"/>
+              <a:t> 1941</a:t>
+            </a:r>
+          </a:p>
+          <a:p>
+            <a:pPr marL="228600" lvl="0">
+              <a:spcBef>
+                <a:spcPts val="0"/>
+              </a:spcBef>
+              <a:buNone/>
+            </a:pPr>
+            <a:r>
+              <a:rPr lang="en" dirty="0">
+                <a:sym typeface="Wingdings" pitchFamily="2" charset="2"/>
+              </a:rPr>
+              <a:t> </a:t>
+            </a:r>
+            <a:r>
+              <a:rPr lang="en" dirty="0"/>
+              <a:t>Persistence     	     </a:t>
+            </a:r>
+            <a:r>
+              <a:rPr lang="en" dirty="0">
+                <a:sym typeface="Wingdings" pitchFamily="2" charset="2"/>
+              </a:rPr>
+              <a:t>843</a:t>
+            </a:r>
+            <a:endParaRPr lang="en" dirty="0"/>
+          </a:p>
+          <a:p>
+            <a:pPr marL="228600" lvl="0">
+              <a:spcBef>
+                <a:spcPts val="0"/>
+              </a:spcBef>
+              <a:buNone/>
+            </a:pPr>
+            <a:r>
+              <a:rPr lang="en" dirty="0">
+                <a:sym typeface="Wingdings" pitchFamily="2" charset="2"/>
+              </a:rPr>
+              <a:t> </a:t>
+            </a:r>
+            <a:r>
+              <a:rPr lang="en" dirty="0"/>
+              <a:t>Game		     511</a:t>
+            </a:r>
+          </a:p>
+          <a:p>
+            <a:pPr marL="228600" lvl="0">
+              <a:spcBef>
+                <a:spcPts val="0"/>
+              </a:spcBef>
+              <a:buNone/>
+            </a:pPr>
+            <a:r>
+              <a:rPr lang="en" dirty="0">
+                <a:sym typeface="Wingdings" pitchFamily="2" charset="2"/>
+              </a:rPr>
+              <a:t> Gui		     587</a:t>
+            </a:r>
+            <a:endParaRPr lang="en" dirty="0"/>
+          </a:p>
+        </p:txBody>
+      </p:sp>
+      <p:grpSp>
+        <p:nvGrpSpPr>
+          <p:cNvPr id="113" name="Shape 113"/>
+          <p:cNvGrpSpPr/>
+          <p:nvPr/>
+        </p:nvGrpSpPr>
+        <p:grpSpPr>
+          <a:xfrm>
+            <a:off x="916458" y="1019750"/>
+            <a:ext cx="214624" cy="214624"/>
+            <a:chOff x="2594050" y="1631825"/>
+            <a:chExt cx="439625" cy="439625"/>
+          </a:xfrm>
+        </p:grpSpPr>
+        <p:sp>
+          <p:nvSpPr>
+            <p:cNvPr id="114" name="Shape 114"/>
+            <p:cNvSpPr/>
+            <p:nvPr/>
+          </p:nvSpPr>
+          <p:spPr>
+            <a:xfrm>
+              <a:off x="2594050" y="1883300"/>
+              <a:ext cx="188175" cy="188150"/>
+            </a:xfrm>
+            <a:custGeom>
+              <a:avLst/>
+              <a:gdLst/>
+              <a:ahLst/>
+              <a:cxnLst/>
+              <a:rect l="0" t="0" r="0" b="0"/>
+              <a:pathLst>
+                <a:path w="7527" h="7526" fill="none" extrusionOk="0">
+                  <a:moveTo>
+                    <a:pt x="5992" y="0"/>
+                  </a:moveTo>
+                  <a:lnTo>
+                    <a:pt x="537" y="6430"/>
+                  </a:lnTo>
+                  <a:lnTo>
+                    <a:pt x="1" y="7526"/>
+                  </a:lnTo>
+                  <a:lnTo>
+                    <a:pt x="1097" y="6990"/>
+                  </a:lnTo>
+                  <a:lnTo>
+                    <a:pt x="7526" y="1534"/>
+                  </a:lnTo>
+                  <a:lnTo>
+                    <a:pt x="5992" y="0"/>
+                  </a:lnTo>
+                  <a:close/>
+                </a:path>
+              </a:pathLst>
+            </a:custGeom>
+            <a:noFill/>
+            <a:ln w="9525" cap="rnd" cmpd="sng">
+              <a:solidFill>
+                <a:srgbClr val="000000"/>
+              </a:solidFill>
+              <a:prstDash val="solid"/>
+              <a:round/>
+              <a:headEnd type="none" w="med" len="med"/>
+              <a:tailEnd type="none" w="med" len="med"/>
+            </a:ln>
+          </p:spPr>
+          <p:txBody>
+            <a:bodyPr lIns="91425" tIns="91425" rIns="91425" bIns="91425" anchor="ctr" anchorCtr="0">
+              <a:noAutofit/>
+            </a:bodyPr>
+            <a:lstStyle/>
+            <a:p>
+              <a:pPr lvl="0">
+                <a:spcBef>
+                  <a:spcPts val="0"/>
+                </a:spcBef>
+                <a:buNone/>
+              </a:pPr>
+              <a:endParaRPr/>
+            </a:p>
+          </p:txBody>
+        </p:sp>
+        <p:sp>
+          <p:nvSpPr>
+            <p:cNvPr id="115" name="Shape 115"/>
+            <p:cNvSpPr/>
+            <p:nvPr/>
+          </p:nvSpPr>
+          <p:spPr>
+            <a:xfrm>
+              <a:off x="2857700" y="1631825"/>
+              <a:ext cx="175975" cy="176000"/>
+            </a:xfrm>
+            <a:custGeom>
+              <a:avLst/>
+              <a:gdLst/>
+              <a:ahLst/>
+              <a:cxnLst/>
+              <a:rect l="0" t="0" r="0" b="0"/>
+              <a:pathLst>
+                <a:path w="7039" h="7040" fill="none" extrusionOk="0">
+                  <a:moveTo>
+                    <a:pt x="268" y="2704"/>
+                  </a:moveTo>
+                  <a:lnTo>
+                    <a:pt x="4336" y="6771"/>
+                  </a:lnTo>
+                  <a:lnTo>
+                    <a:pt x="4336" y="6771"/>
+                  </a:lnTo>
+                  <a:lnTo>
+                    <a:pt x="4336" y="6771"/>
+                  </a:lnTo>
+                  <a:lnTo>
+                    <a:pt x="4652" y="6917"/>
+                  </a:lnTo>
+                  <a:lnTo>
+                    <a:pt x="4993" y="7015"/>
+                  </a:lnTo>
+                  <a:lnTo>
+                    <a:pt x="5310" y="7039"/>
+                  </a:lnTo>
+                  <a:lnTo>
+                    <a:pt x="5651" y="7039"/>
+                  </a:lnTo>
+                  <a:lnTo>
+                    <a:pt x="5992" y="6966"/>
+                  </a:lnTo>
+                  <a:lnTo>
+                    <a:pt x="6308" y="6844"/>
+                  </a:lnTo>
+                  <a:lnTo>
+                    <a:pt x="6454" y="6747"/>
+                  </a:lnTo>
+                  <a:lnTo>
+                    <a:pt x="6601" y="6674"/>
+                  </a:lnTo>
+                  <a:lnTo>
+                    <a:pt x="6747" y="6552"/>
+                  </a:lnTo>
+                  <a:lnTo>
+                    <a:pt x="6893" y="6430"/>
+                  </a:lnTo>
+                  <a:lnTo>
+                    <a:pt x="6893" y="6430"/>
+                  </a:lnTo>
+                  <a:lnTo>
+                    <a:pt x="6942" y="6357"/>
+                  </a:lnTo>
+                  <a:lnTo>
+                    <a:pt x="7015" y="6260"/>
+                  </a:lnTo>
+                  <a:lnTo>
+                    <a:pt x="7039" y="6138"/>
+                  </a:lnTo>
+                  <a:lnTo>
+                    <a:pt x="7039" y="6041"/>
+                  </a:lnTo>
+                  <a:lnTo>
+                    <a:pt x="7039" y="6041"/>
+                  </a:lnTo>
+                  <a:lnTo>
+                    <a:pt x="7039" y="5943"/>
+                  </a:lnTo>
+                  <a:lnTo>
+                    <a:pt x="7015" y="5846"/>
+                  </a:lnTo>
+                  <a:lnTo>
+                    <a:pt x="6942" y="5748"/>
+                  </a:lnTo>
+                  <a:lnTo>
+                    <a:pt x="6893" y="5651"/>
+                  </a:lnTo>
+                  <a:lnTo>
+                    <a:pt x="1389" y="147"/>
+                  </a:lnTo>
+                  <a:lnTo>
+                    <a:pt x="1389" y="147"/>
+                  </a:lnTo>
+                  <a:lnTo>
+                    <a:pt x="1291" y="98"/>
+                  </a:lnTo>
+                  <a:lnTo>
+                    <a:pt x="1194" y="25"/>
+                  </a:lnTo>
+                  <a:lnTo>
+                    <a:pt x="1096" y="0"/>
+                  </a:lnTo>
+                  <a:lnTo>
+                    <a:pt x="999" y="0"/>
+                  </a:lnTo>
+                  <a:lnTo>
+                    <a:pt x="999" y="0"/>
+                  </a:lnTo>
+                  <a:lnTo>
+                    <a:pt x="902" y="0"/>
+                  </a:lnTo>
+                  <a:lnTo>
+                    <a:pt x="780" y="25"/>
+                  </a:lnTo>
+                  <a:lnTo>
+                    <a:pt x="682" y="98"/>
+                  </a:lnTo>
+                  <a:lnTo>
+                    <a:pt x="609" y="147"/>
+                  </a:lnTo>
+                  <a:lnTo>
+                    <a:pt x="609" y="147"/>
+                  </a:lnTo>
+                  <a:lnTo>
+                    <a:pt x="487" y="293"/>
+                  </a:lnTo>
+                  <a:lnTo>
+                    <a:pt x="366" y="439"/>
+                  </a:lnTo>
+                  <a:lnTo>
+                    <a:pt x="293" y="585"/>
+                  </a:lnTo>
+                  <a:lnTo>
+                    <a:pt x="195" y="731"/>
+                  </a:lnTo>
+                  <a:lnTo>
+                    <a:pt x="73" y="1048"/>
+                  </a:lnTo>
+                  <a:lnTo>
+                    <a:pt x="0" y="1389"/>
+                  </a:lnTo>
+                  <a:lnTo>
+                    <a:pt x="0" y="1730"/>
+                  </a:lnTo>
+                  <a:lnTo>
+                    <a:pt x="25" y="2046"/>
+                  </a:lnTo>
+                  <a:lnTo>
+                    <a:pt x="122" y="2387"/>
+                  </a:lnTo>
+                  <a:lnTo>
+                    <a:pt x="268" y="2704"/>
+                  </a:lnTo>
+                  <a:lnTo>
+                    <a:pt x="268" y="2704"/>
+                  </a:lnTo>
+                  <a:close/>
+                </a:path>
+              </a:pathLst>
+            </a:custGeom>
+            <a:noFill/>
+            <a:ln w="9525" cap="rnd" cmpd="sng">
+              <a:solidFill>
+                <a:srgbClr val="000000"/>
+              </a:solidFill>
+              <a:prstDash val="solid"/>
+              <a:round/>
+              <a:headEnd type="none" w="med" len="med"/>
+              <a:tailEnd type="none" w="med" len="med"/>
+            </a:ln>
+          </p:spPr>
+          <p:txBody>
+            <a:bodyPr lIns="91425" tIns="91425" rIns="91425" bIns="91425" anchor="ctr" anchorCtr="0">
+              <a:noAutofit/>
+            </a:bodyPr>
+            <a:lstStyle/>
+            <a:p>
+              <a:pPr lvl="0">
+                <a:spcBef>
+                  <a:spcPts val="0"/>
+                </a:spcBef>
+                <a:buNone/>
+              </a:pPr>
+              <a:endParaRPr/>
+            </a:p>
+          </p:txBody>
+        </p:sp>
+        <p:sp>
+          <p:nvSpPr>
+            <p:cNvPr id="116" name="Shape 116"/>
+            <p:cNvSpPr/>
+            <p:nvPr/>
+          </p:nvSpPr>
+          <p:spPr>
+            <a:xfrm>
+              <a:off x="2662850" y="1699400"/>
+              <a:ext cx="303250" cy="303250"/>
+            </a:xfrm>
+            <a:custGeom>
+              <a:avLst/>
+              <a:gdLst/>
+              <a:ahLst/>
+              <a:cxnLst/>
+              <a:rect l="0" t="0" r="0" b="0"/>
+              <a:pathLst>
+                <a:path w="12130" h="12130" fill="none" extrusionOk="0">
+                  <a:moveTo>
+                    <a:pt x="8038" y="1"/>
+                  </a:moveTo>
+                  <a:lnTo>
+                    <a:pt x="4872" y="3191"/>
+                  </a:lnTo>
+                  <a:lnTo>
+                    <a:pt x="4872" y="3191"/>
+                  </a:lnTo>
+                  <a:lnTo>
+                    <a:pt x="4628" y="3094"/>
+                  </a:lnTo>
+                  <a:lnTo>
+                    <a:pt x="4385" y="2997"/>
+                  </a:lnTo>
+                  <a:lnTo>
+                    <a:pt x="4092" y="2899"/>
+                  </a:lnTo>
+                  <a:lnTo>
+                    <a:pt x="3800" y="2850"/>
+                  </a:lnTo>
+                  <a:lnTo>
+                    <a:pt x="3484" y="2777"/>
+                  </a:lnTo>
+                  <a:lnTo>
+                    <a:pt x="3167" y="2729"/>
+                  </a:lnTo>
+                  <a:lnTo>
+                    <a:pt x="2850" y="2704"/>
+                  </a:lnTo>
+                  <a:lnTo>
+                    <a:pt x="2534" y="2704"/>
+                  </a:lnTo>
+                  <a:lnTo>
+                    <a:pt x="2534" y="2704"/>
+                  </a:lnTo>
+                  <a:lnTo>
+                    <a:pt x="2241" y="2704"/>
+                  </a:lnTo>
+                  <a:lnTo>
+                    <a:pt x="1949" y="2729"/>
+                  </a:lnTo>
+                  <a:lnTo>
+                    <a:pt x="1633" y="2777"/>
+                  </a:lnTo>
+                  <a:lnTo>
+                    <a:pt x="1316" y="2850"/>
+                  </a:lnTo>
+                  <a:lnTo>
+                    <a:pt x="999" y="2972"/>
+                  </a:lnTo>
+                  <a:lnTo>
+                    <a:pt x="707" y="3094"/>
+                  </a:lnTo>
+                  <a:lnTo>
+                    <a:pt x="415" y="3289"/>
+                  </a:lnTo>
+                  <a:lnTo>
+                    <a:pt x="147" y="3508"/>
+                  </a:lnTo>
+                  <a:lnTo>
+                    <a:pt x="147" y="3508"/>
+                  </a:lnTo>
+                  <a:lnTo>
+                    <a:pt x="74" y="3581"/>
+                  </a:lnTo>
+                  <a:lnTo>
+                    <a:pt x="25" y="3678"/>
+                  </a:lnTo>
+                  <a:lnTo>
+                    <a:pt x="1" y="3776"/>
+                  </a:lnTo>
+                  <a:lnTo>
+                    <a:pt x="1" y="3898"/>
+                  </a:lnTo>
+                  <a:lnTo>
+                    <a:pt x="1" y="3898"/>
+                  </a:lnTo>
+                  <a:lnTo>
+                    <a:pt x="1" y="3995"/>
+                  </a:lnTo>
+                  <a:lnTo>
+                    <a:pt x="25" y="4093"/>
+                  </a:lnTo>
+                  <a:lnTo>
+                    <a:pt x="74" y="4190"/>
+                  </a:lnTo>
+                  <a:lnTo>
+                    <a:pt x="147" y="4287"/>
+                  </a:lnTo>
+                  <a:lnTo>
+                    <a:pt x="7843" y="11984"/>
+                  </a:lnTo>
+                  <a:lnTo>
+                    <a:pt x="7843" y="11984"/>
+                  </a:lnTo>
+                  <a:lnTo>
+                    <a:pt x="7941" y="12057"/>
+                  </a:lnTo>
+                  <a:lnTo>
+                    <a:pt x="8038" y="12105"/>
+                  </a:lnTo>
+                  <a:lnTo>
+                    <a:pt x="8135" y="12130"/>
+                  </a:lnTo>
+                  <a:lnTo>
+                    <a:pt x="8233" y="12130"/>
+                  </a:lnTo>
+                  <a:lnTo>
+                    <a:pt x="8233" y="12130"/>
+                  </a:lnTo>
+                  <a:lnTo>
+                    <a:pt x="8355" y="12130"/>
+                  </a:lnTo>
+                  <a:lnTo>
+                    <a:pt x="8452" y="12105"/>
+                  </a:lnTo>
+                  <a:lnTo>
+                    <a:pt x="8549" y="12057"/>
+                  </a:lnTo>
+                  <a:lnTo>
+                    <a:pt x="8622" y="11984"/>
+                  </a:lnTo>
+                  <a:lnTo>
+                    <a:pt x="8622" y="11984"/>
+                  </a:lnTo>
+                  <a:lnTo>
+                    <a:pt x="8842" y="11716"/>
+                  </a:lnTo>
+                  <a:lnTo>
+                    <a:pt x="9036" y="11423"/>
+                  </a:lnTo>
+                  <a:lnTo>
+                    <a:pt x="9158" y="11131"/>
+                  </a:lnTo>
+                  <a:lnTo>
+                    <a:pt x="9280" y="10814"/>
+                  </a:lnTo>
+                  <a:lnTo>
+                    <a:pt x="9353" y="10498"/>
+                  </a:lnTo>
+                  <a:lnTo>
+                    <a:pt x="9402" y="10181"/>
+                  </a:lnTo>
+                  <a:lnTo>
+                    <a:pt x="9426" y="9889"/>
+                  </a:lnTo>
+                  <a:lnTo>
+                    <a:pt x="9426" y="9597"/>
+                  </a:lnTo>
+                  <a:lnTo>
+                    <a:pt x="9426" y="9597"/>
+                  </a:lnTo>
+                  <a:lnTo>
+                    <a:pt x="9426" y="9280"/>
+                  </a:lnTo>
+                  <a:lnTo>
+                    <a:pt x="9402" y="8964"/>
+                  </a:lnTo>
+                  <a:lnTo>
+                    <a:pt x="9353" y="8647"/>
+                  </a:lnTo>
+                  <a:lnTo>
+                    <a:pt x="9280" y="8330"/>
+                  </a:lnTo>
+                  <a:lnTo>
+                    <a:pt x="9231" y="8038"/>
+                  </a:lnTo>
+                  <a:lnTo>
+                    <a:pt x="9134" y="7746"/>
+                  </a:lnTo>
+                  <a:lnTo>
+                    <a:pt x="9036" y="7502"/>
+                  </a:lnTo>
+                  <a:lnTo>
+                    <a:pt x="8939" y="7259"/>
+                  </a:lnTo>
+                  <a:lnTo>
+                    <a:pt x="12130" y="4093"/>
+                  </a:lnTo>
+                </a:path>
+              </a:pathLst>
+            </a:custGeom>
+            <a:noFill/>
+            <a:ln w="9525" cap="rnd" cmpd="sng">
+              <a:solidFill>
+                <a:srgbClr val="000000"/>
+              </a:solidFill>
+              <a:prstDash val="solid"/>
+              <a:round/>
+              <a:headEnd type="none" w="med" len="med"/>
+              <a:tailEnd type="none" w="med" len="med"/>
+            </a:ln>
+          </p:spPr>
+          <p:txBody>
+            <a:bodyPr lIns="91425" tIns="91425" rIns="91425" bIns="91425" anchor="ctr" anchorCtr="0">
+              <a:noAutofit/>
+            </a:bodyPr>
+            <a:lstStyle/>
+            <a:p>
+              <a:pPr lvl="0">
+                <a:spcBef>
+                  <a:spcPts val="0"/>
+                </a:spcBef>
+                <a:buNone/>
+              </a:pPr>
+              <a:endParaRPr/>
+            </a:p>
+          </p:txBody>
+        </p:sp>
+        <p:sp>
+          <p:nvSpPr>
+            <p:cNvPr id="117" name="Shape 117"/>
+            <p:cNvSpPr/>
+            <p:nvPr/>
+          </p:nvSpPr>
+          <p:spPr>
+            <a:xfrm>
+              <a:off x="2814911" y="1754061"/>
+              <a:ext cx="49950" cy="49950"/>
+            </a:xfrm>
+            <a:custGeom>
+              <a:avLst/>
+              <a:gdLst/>
+              <a:ahLst/>
+              <a:cxnLst/>
+              <a:rect l="0" t="0" r="0" b="0"/>
+              <a:pathLst>
+                <a:path w="1998" h="1998" fill="none" extrusionOk="0">
+                  <a:moveTo>
+                    <a:pt x="1" y="1997"/>
+                  </a:moveTo>
+                  <a:lnTo>
+                    <a:pt x="1998" y="0"/>
+                  </a:lnTo>
+                </a:path>
+              </a:pathLst>
+            </a:custGeom>
+            <a:noFill/>
+            <a:ln w="9525" cap="rnd" cmpd="sng">
+              <a:solidFill>
+                <a:srgbClr val="000000"/>
+              </a:solidFill>
+              <a:prstDash val="solid"/>
+              <a:round/>
+              <a:headEnd type="none" w="med" len="med"/>
+              <a:tailEnd type="none" w="med" len="med"/>
+            </a:ln>
+          </p:spPr>
+          <p:txBody>
+            <a:bodyPr lIns="91425" tIns="91425" rIns="91425" bIns="91425" anchor="ctr" anchorCtr="0">
+              <a:noAutofit/>
+            </a:bodyPr>
+            <a:lstStyle/>
+            <a:p>
+              <a:pPr lvl="0">
+                <a:spcBef>
+                  <a:spcPts val="0"/>
+                </a:spcBef>
+                <a:buNone/>
+              </a:pPr>
+              <a:endParaRPr/>
+            </a:p>
+          </p:txBody>
+        </p:sp>
+      </p:grpSp>
+    </p:spTree>
+    <p:extLst>
+      <p:ext uri="{BB962C8B-B14F-4D97-AF65-F5344CB8AC3E}">
+        <p14:creationId xmlns:p14="http://schemas.microsoft.com/office/powerpoint/2010/main" val="1279202038"/>
+      </p:ext>
+    </p:extLst>
+  </p:cSld>
+  <p:clrMapOvr>
+    <a:masterClrMapping/>
+  </p:clrMapOvr>
+</p:sld>
+</file>
+
+<file path=ppt/slides/slide50.xml><?xml version="1.0" encoding="utf-8"?>
 <p:sld xmlns:a="http://schemas.openxmlformats.org/drawingml/2006/main" xmlns:r="http://schemas.openxmlformats.org/officeDocument/2006/relationships" xmlns:p="http://schemas.openxmlformats.org/presentationml/2006/main">
   <p:cSld>
     <p:spTree>
@@ -36198,7 +37607,7 @@
               <a:buNone/>
             </a:pPr>
             <a:r>
-              <a:rPr lang="en" sz="3600" b="1" i="1" dirty="0" smtClean="0">
+              <a:rPr lang="en" sz="3600" b="1" i="1" dirty="0">
                 <a:latin typeface="Lora"/>
                 <a:ea typeface="Lora"/>
                 <a:cs typeface="Lora"/>
@@ -36207,7 +37616,7 @@
               <a:t>Gibt es </a:t>
             </a:r>
             <a:r>
-              <a:rPr lang="en" sz="3600" b="1" i="1" dirty="0" smtClean="0">
+              <a:rPr lang="en" sz="3600" b="1" i="1" dirty="0">
                 <a:highlight>
                   <a:srgbClr val="FFCD00"/>
                 </a:highlight>
@@ -36219,7 +37628,7 @@
               <a:t>Fragen</a:t>
             </a:r>
             <a:r>
-              <a:rPr lang="en" sz="3600" b="1" i="1" dirty="0" smtClean="0">
+              <a:rPr lang="en" sz="3600" b="1" i="1" dirty="0">
                 <a:latin typeface="Lora"/>
                 <a:ea typeface="Lora"/>
                 <a:cs typeface="Lora"/>
@@ -36227,12 +37636,6 @@
               </a:rPr>
               <a:t>?</a:t>
             </a:r>
-            <a:endParaRPr lang="en" sz="3600" b="1" i="1" dirty="0">
-              <a:latin typeface="Lora"/>
-              <a:ea typeface="Lora"/>
-              <a:cs typeface="Lora"/>
-              <a:sym typeface="Lora"/>
-            </a:endParaRPr>
           </a:p>
           <a:p>
             <a:pPr lvl="0" rtl="0">
@@ -36307,10 +37710,9 @@
               <a:buNone/>
             </a:pPr>
             <a:r>
-              <a:rPr lang="en" sz="6000" dirty="0" smtClean="0"/>
+              <a:rPr lang="en" sz="6000" dirty="0"/>
               <a:t>Danke!</a:t>
             </a:r>
-            <a:endParaRPr lang="en" sz="6000" dirty="0"/>
           </a:p>
         </p:txBody>
       </p:sp>
@@ -37033,25 +38435,10 @@
   <p:clrMapOvr>
     <a:masterClrMapping/>
   </p:clrMapOvr>
-  <mc:AlternateContent xmlns:mc="http://schemas.openxmlformats.org/markup-compatibility/2006" xmlns:p14="http://schemas.microsoft.com/office/powerpoint/2010/main">
-    <mc:Choice Requires="p14">
-      <p:transition p14:dur="0"/>
-    </mc:Choice>
-    <mc:Fallback xmlns="">
-      <p:transition/>
-    </mc:Fallback>
-  </mc:AlternateContent>
-  <p:timing>
-    <p:tnLst>
-      <p:par>
-        <p:cTn id="1" dur="indefinite" restart="never" nodeType="tmRoot"/>
-      </p:par>
-    </p:tnLst>
-  </p:timing>
 </p:sld>
 </file>
 
-<file path=ppt/slides/slide5.xml><?xml version="1.0" encoding="utf-8"?>
+<file path=ppt/slides/slide6.xml><?xml version="1.0" encoding="utf-8"?>
 <p:sld xmlns:a="http://schemas.openxmlformats.org/drawingml/2006/main" xmlns:r="http://schemas.openxmlformats.org/officeDocument/2006/relationships" xmlns:p="http://schemas.openxmlformats.org/presentationml/2006/main">
   <p:cSld>
     <p:spTree>
@@ -37100,18 +38487,13 @@
               <a:buNone/>
             </a:pPr>
             <a:r>
-              <a:rPr lang="en" dirty="0" smtClean="0">
+              <a:rPr lang="en" dirty="0">
                 <a:highlight>
                   <a:srgbClr val="FFCD00"/>
                 </a:highlight>
               </a:rPr>
               <a:t>Projektaufwand</a:t>
             </a:r>
-            <a:endParaRPr lang="en" dirty="0">
-              <a:highlight>
-                <a:srgbClr val="FFCD00"/>
-              </a:highlight>
-            </a:endParaRPr>
           </a:p>
         </p:txBody>
       </p:sp>
@@ -37140,92 +38522,125 @@
           </a:bodyPr>
           <a:lstStyle/>
           <a:p>
-            <a:pPr marL="457200" lvl="0" indent="-228600">
+            <a:pPr marL="457200" lvl="0" indent="-228600" rtl="0">
               <a:spcBef>
                 <a:spcPts val="0"/>
               </a:spcBef>
             </a:pPr>
             <a:r>
-              <a:rPr lang="en" dirty="0" smtClean="0"/>
+              <a:rPr lang="en" dirty="0"/>
               <a:t>Lines of Code	</a:t>
             </a:r>
             <a:r>
               <a:rPr lang="en" dirty="0">
                 <a:sym typeface="Wingdings" pitchFamily="2" charset="2"/>
               </a:rPr>
-              <a:t> </a:t>
+              <a:t></a:t>
             </a:r>
             <a:r>
-              <a:rPr lang="en" dirty="0" smtClean="0">
-                <a:sym typeface="Wingdings" pitchFamily="2" charset="2"/>
-              </a:rPr>
-              <a:t>  </a:t>
+              <a:rPr lang="en" dirty="0"/>
+              <a:t> 1941</a:t>
             </a:r>
-            <a:r>
-              <a:rPr lang="en" dirty="0" smtClean="0"/>
-              <a:t> </a:t>
-            </a:r>
-            <a:r>
-              <a:rPr lang="en" dirty="0" smtClean="0"/>
-              <a:t>1941</a:t>
-            </a:r>
-            <a:endParaRPr lang="en" dirty="0"/>
           </a:p>
           <a:p>
-            <a:pPr marL="228600" lvl="0">
+            <a:pPr marL="457200" lvl="0" indent="-228600" rtl="0">
               <a:spcBef>
                 <a:spcPts val="0"/>
               </a:spcBef>
-              <a:buNone/>
             </a:pPr>
             <a:r>
-              <a:rPr lang="en" dirty="0" smtClean="0">
+              <a:rPr lang="en" dirty="0"/>
+              <a:t>Statements	</a:t>
+            </a:r>
+            <a:r>
+              <a:rPr lang="en" dirty="0">
                 <a:sym typeface="Wingdings" pitchFamily="2" charset="2"/>
               </a:rPr>
-              <a:t> </a:t>
+              <a:t></a:t>
             </a:r>
             <a:r>
-              <a:rPr lang="en" dirty="0" smtClean="0"/>
-              <a:t>Persistence     	     </a:t>
+              <a:rPr lang="en" dirty="0"/>
+              <a:t> 854</a:t>
             </a:r>
-            <a:r>
-              <a:rPr lang="en" dirty="0" smtClean="0">
-                <a:sym typeface="Wingdings" pitchFamily="2" charset="2"/>
-              </a:rPr>
-              <a:t>843</a:t>
-            </a:r>
-            <a:endParaRPr lang="en" dirty="0"/>
           </a:p>
           <a:p>
-            <a:pPr marL="228600" lvl="0">
+            <a:pPr marL="457200" lvl="0" indent="-228600" rtl="0">
               <a:spcBef>
                 <a:spcPts val="0"/>
               </a:spcBef>
-              <a:buNone/>
             </a:pPr>
             <a:r>
-              <a:rPr lang="en" dirty="0" smtClean="0">
+              <a:rPr lang="en" dirty="0"/>
+              <a:t>Functions		</a:t>
+            </a:r>
+            <a:r>
+              <a:rPr lang="en" dirty="0">
                 <a:sym typeface="Wingdings" pitchFamily="2" charset="2"/>
               </a:rPr>
-              <a:t> </a:t>
+              <a:t></a:t>
             </a:r>
             <a:r>
-              <a:rPr lang="en" dirty="0" smtClean="0"/>
-              <a:t>Game		     511</a:t>
+              <a:rPr lang="en" dirty="0"/>
+              <a:t> 152</a:t>
             </a:r>
           </a:p>
           <a:p>
-            <a:pPr marL="228600" lvl="0">
+            <a:pPr marL="457200" lvl="0" indent="-228600" rtl="0">
               <a:spcBef>
                 <a:spcPts val="0"/>
               </a:spcBef>
-              <a:buNone/>
             </a:pPr>
             <a:r>
-              <a:rPr lang="en" dirty="0" smtClean="0">
+              <a:rPr lang="en" dirty="0"/>
+              <a:t>Classes		</a:t>
+            </a:r>
+            <a:r>
+              <a:rPr lang="en" dirty="0">
                 <a:sym typeface="Wingdings" pitchFamily="2" charset="2"/>
               </a:rPr>
-              <a:t> Gui		     587</a:t>
+              <a:t></a:t>
+            </a:r>
+            <a:r>
+              <a:rPr lang="en" dirty="0"/>
+              <a:t> 48</a:t>
+            </a:r>
+          </a:p>
+          <a:p>
+            <a:pPr marL="457200" lvl="0" indent="-228600" rtl="0">
+              <a:spcBef>
+                <a:spcPts val="0"/>
+              </a:spcBef>
+            </a:pPr>
+            <a:r>
+              <a:rPr lang="en" dirty="0"/>
+              <a:t>Files		</a:t>
+            </a:r>
+            <a:r>
+              <a:rPr lang="en" dirty="0">
+                <a:sym typeface="Wingdings" pitchFamily="2" charset="2"/>
+              </a:rPr>
+              <a:t></a:t>
+            </a:r>
+            <a:r>
+              <a:rPr lang="en" dirty="0"/>
+              <a:t> 44</a:t>
+            </a:r>
+          </a:p>
+          <a:p>
+            <a:pPr marL="457200" lvl="0" indent="-228600" rtl="0">
+              <a:spcBef>
+                <a:spcPts val="0"/>
+              </a:spcBef>
+            </a:pPr>
+            <a:r>
+              <a:rPr lang="en" dirty="0"/>
+              <a:t>Directories	</a:t>
+            </a:r>
+            <a:r>
+              <a:rPr lang="en" dirty="0">
+                <a:sym typeface="Wingdings" pitchFamily="2" charset="2"/>
+              </a:rPr>
+              <a:t> 12</a:t>
             </a:r>
             <a:endParaRPr lang="en" dirty="0"/>
           </a:p>
@@ -37792,32 +39207,17 @@
     </p:spTree>
     <p:extLst>
       <p:ext uri="{BB962C8B-B14F-4D97-AF65-F5344CB8AC3E}">
-        <p14:creationId xmlns:p14="http://schemas.microsoft.com/office/powerpoint/2010/main" val="1279202038"/>
+        <p14:creationId xmlns:p14="http://schemas.microsoft.com/office/powerpoint/2010/main" val="2522101649"/>
       </p:ext>
     </p:extLst>
   </p:cSld>
   <p:clrMapOvr>
     <a:masterClrMapping/>
   </p:clrMapOvr>
-  <mc:AlternateContent xmlns:mc="http://schemas.openxmlformats.org/markup-compatibility/2006" xmlns:p14="http://schemas.microsoft.com/office/powerpoint/2010/main">
-    <mc:Choice Requires="p14">
-      <p:transition p14:dur="0"/>
-    </mc:Choice>
-    <mc:Fallback xmlns="">
-      <p:transition/>
-    </mc:Fallback>
-  </mc:AlternateContent>
-  <p:timing>
-    <p:tnLst>
-      <p:par>
-        <p:cTn id="1" dur="indefinite" restart="never" nodeType="tmRoot"/>
-      </p:par>
-    </p:tnLst>
-  </p:timing>
 </p:sld>
 </file>
 
-<file path=ppt/slides/slide6.xml><?xml version="1.0" encoding="utf-8"?>
+<file path=ppt/slides/slide7.xml><?xml version="1.0" encoding="utf-8"?>
 <p:sld xmlns:a="http://schemas.openxmlformats.org/drawingml/2006/main" xmlns:r="http://schemas.openxmlformats.org/officeDocument/2006/relationships" xmlns:p="http://schemas.openxmlformats.org/presentationml/2006/main">
   <p:cSld>
     <p:spTree>
@@ -37866,18 +39266,13 @@
               <a:buNone/>
             </a:pPr>
             <a:r>
-              <a:rPr lang="en" dirty="0" smtClean="0">
+              <a:rPr lang="en" dirty="0">
                 <a:highlight>
                   <a:srgbClr val="FFCD00"/>
                 </a:highlight>
               </a:rPr>
-              <a:t>Projektaufwand</a:t>
+              <a:t>Dokumentation</a:t>
             </a:r>
-            <a:endParaRPr lang="en" dirty="0">
-              <a:highlight>
-                <a:srgbClr val="FFCD00"/>
-              </a:highlight>
-            </a:endParaRPr>
           </a:p>
         </p:txBody>
       </p:sp>
@@ -37912,18 +39307,18 @@
               </a:spcBef>
             </a:pPr>
             <a:r>
-              <a:rPr lang="en" dirty="0" smtClean="0"/>
-              <a:t>Lines of Code	</a:t>
+              <a:rPr lang="en" dirty="0"/>
+              <a:t>Comment lines			</a:t>
             </a:r>
             <a:r>
-              <a:rPr lang="en" dirty="0" smtClean="0">
+              <a:rPr lang="en" dirty="0">
                 <a:sym typeface="Wingdings" pitchFamily="2" charset="2"/>
               </a:rPr>
               <a:t></a:t>
             </a:r>
             <a:r>
-              <a:rPr lang="en" dirty="0" smtClean="0"/>
-              <a:t> 1941</a:t>
+              <a:rPr lang="en" dirty="0"/>
+              <a:t> 308</a:t>
             </a:r>
           </a:p>
           <a:p>
@@ -37933,18 +39328,18 @@
               </a:spcBef>
             </a:pPr>
             <a:r>
-              <a:rPr lang="en" dirty="0" smtClean="0"/>
-              <a:t>Statements	</a:t>
+              <a:rPr lang="en" dirty="0"/>
+              <a:t>Public Documented API		</a:t>
             </a:r>
             <a:r>
-              <a:rPr lang="en" dirty="0" smtClean="0">
+              <a:rPr lang="en" dirty="0">
                 <a:sym typeface="Wingdings" pitchFamily="2" charset="2"/>
               </a:rPr>
               <a:t></a:t>
             </a:r>
             <a:r>
-              <a:rPr lang="en" dirty="0" smtClean="0"/>
-              <a:t> 854</a:t>
+              <a:rPr lang="en" dirty="0"/>
+              <a:t> 78.9%</a:t>
             </a:r>
           </a:p>
           <a:p>
@@ -37954,18 +39349,18 @@
               </a:spcBef>
             </a:pPr>
             <a:r>
-              <a:rPr lang="en" dirty="0" smtClean="0"/>
-              <a:t>Functions		</a:t>
+              <a:rPr lang="en" dirty="0"/>
+              <a:t>Public Undocumented API	</a:t>
             </a:r>
             <a:r>
-              <a:rPr lang="en" dirty="0" smtClean="0">
+              <a:rPr lang="en" dirty="0">
                 <a:sym typeface="Wingdings" pitchFamily="2" charset="2"/>
               </a:rPr>
               <a:t></a:t>
             </a:r>
             <a:r>
-              <a:rPr lang="en" dirty="0" smtClean="0"/>
-              <a:t> 152</a:t>
+              <a:rPr lang="en" dirty="0"/>
+              <a:t> 30</a:t>
             </a:r>
           </a:p>
           <a:p>
@@ -37974,20 +39369,9 @@
                 <a:spcPts val="0"/>
               </a:spcBef>
             </a:pPr>
-            <a:r>
-              <a:rPr lang="en" dirty="0" smtClean="0"/>
-              <a:t>Classes		</a:t>
-            </a:r>
-            <a:r>
-              <a:rPr lang="en" dirty="0" smtClean="0">
-                <a:sym typeface="Wingdings" pitchFamily="2" charset="2"/>
-              </a:rPr>
-              <a:t></a:t>
-            </a:r>
-            <a:r>
-              <a:rPr lang="en" dirty="0" smtClean="0"/>
-              <a:t> 48</a:t>
-            </a:r>
+            <a:endParaRPr lang="en" dirty="0">
+              <a:sym typeface="Wingdings" pitchFamily="2" charset="2"/>
+            </a:endParaRPr>
           </a:p>
           <a:p>
             <a:pPr marL="457200" lvl="0" indent="-228600" rtl="0">
@@ -37996,35 +39380,10 @@
               </a:spcBef>
             </a:pPr>
             <a:r>
-              <a:rPr lang="en" dirty="0" smtClean="0"/>
-              <a:t>Files		</a:t>
-            </a:r>
-            <a:r>
-              <a:rPr lang="en" dirty="0" smtClean="0">
+              <a:rPr lang="en" dirty="0">
                 <a:sym typeface="Wingdings" pitchFamily="2" charset="2"/>
               </a:rPr>
-              <a:t></a:t>
-            </a:r>
-            <a:r>
-              <a:rPr lang="en" dirty="0" smtClean="0"/>
-              <a:t> 44</a:t>
-            </a:r>
-          </a:p>
-          <a:p>
-            <a:pPr marL="457200" lvl="0" indent="-228600" rtl="0">
-              <a:spcBef>
-                <a:spcPts val="0"/>
-              </a:spcBef>
-            </a:pPr>
-            <a:r>
-              <a:rPr lang="en" dirty="0" smtClean="0"/>
-              <a:t>Directories	</a:t>
-            </a:r>
-            <a:r>
-              <a:rPr lang="en" dirty="0" smtClean="0">
-                <a:sym typeface="Wingdings" pitchFamily="2" charset="2"/>
-              </a:rPr>
-              <a:t> 12</a:t>
+              <a:t> 13.7% Comments</a:t>
             </a:r>
             <a:endParaRPr lang="en" dirty="0"/>
           </a:p>
@@ -38591,32 +39950,169 @@
     </p:spTree>
     <p:extLst>
       <p:ext uri="{BB962C8B-B14F-4D97-AF65-F5344CB8AC3E}">
-        <p14:creationId xmlns:p14="http://schemas.microsoft.com/office/powerpoint/2010/main" val="2522101649"/>
+        <p14:creationId xmlns:p14="http://schemas.microsoft.com/office/powerpoint/2010/main" val="4147062136"/>
       </p:ext>
     </p:extLst>
   </p:cSld>
   <p:clrMapOvr>
     <a:masterClrMapping/>
   </p:clrMapOvr>
-  <mc:AlternateContent xmlns:mc="http://schemas.openxmlformats.org/markup-compatibility/2006" xmlns:p14="http://schemas.microsoft.com/office/powerpoint/2010/main">
-    <mc:Choice Requires="p14">
-      <p:transition p14:dur="0"/>
-    </mc:Choice>
-    <mc:Fallback xmlns="">
-      <p:transition/>
-    </mc:Fallback>
-  </mc:AlternateContent>
-  <p:timing>
-    <p:tnLst>
-      <p:par>
-        <p:cTn id="1" dur="indefinite" restart="never" nodeType="tmRoot"/>
-      </p:par>
-    </p:tnLst>
-  </p:timing>
 </p:sld>
 </file>
 
-<file path=ppt/slides/slide7.xml><?xml version="1.0" encoding="utf-8"?>
+<file path=ppt/slides/slide8.xml><?xml version="1.0" encoding="utf-8"?>
+<p:sld xmlns:a="http://schemas.openxmlformats.org/drawingml/2006/main" xmlns:r="http://schemas.openxmlformats.org/officeDocument/2006/relationships" xmlns:p="http://schemas.openxmlformats.org/presentationml/2006/main">
+  <p:cSld>
+    <p:spTree>
+      <p:nvGrpSpPr>
+        <p:cNvPr id="1" name="Shape 98"/>
+        <p:cNvGrpSpPr/>
+        <p:nvPr/>
+      </p:nvGrpSpPr>
+      <p:grpSpPr>
+        <a:xfrm>
+          <a:off x="0" y="0"/>
+          <a:ext cx="0" cy="0"/>
+          <a:chOff x="0" y="0"/>
+          <a:chExt cx="0" cy="0"/>
+        </a:xfrm>
+      </p:grpSpPr>
+      <p:sp>
+        <p:nvSpPr>
+          <p:cNvPr id="99" name="Shape 99"/>
+          <p:cNvSpPr txBox="1">
+            <a:spLocks noGrp="1"/>
+          </p:cNvSpPr>
+          <p:nvPr>
+            <p:ph type="ctrTitle"/>
+          </p:nvPr>
+        </p:nvSpPr>
+        <p:spPr>
+          <a:xfrm>
+            <a:off x="2022225" y="1693523"/>
+            <a:ext cx="3787799" cy="1159799"/>
+          </a:xfrm>
+          <a:prstGeom prst="rect">
+            <a:avLst/>
+          </a:prstGeom>
+        </p:spPr>
+        <p:txBody>
+          <a:bodyPr lIns="91425" tIns="91425" rIns="91425" bIns="91425" anchor="b" anchorCtr="0">
+            <a:noAutofit/>
+          </a:bodyPr>
+          <a:lstStyle/>
+          <a:p>
+            <a:pPr lvl="0" rtl="0">
+              <a:spcBef>
+                <a:spcPts val="0"/>
+              </a:spcBef>
+              <a:buNone/>
+            </a:pPr>
+            <a:r>
+              <a:rPr lang="en" dirty="0"/>
+              <a:t>Analysten</a:t>
+            </a:r>
+          </a:p>
+        </p:txBody>
+      </p:sp>
+      <p:sp>
+        <p:nvSpPr>
+          <p:cNvPr id="100" name="Shape 100"/>
+          <p:cNvSpPr txBox="1">
+            <a:spLocks noGrp="1"/>
+          </p:cNvSpPr>
+          <p:nvPr>
+            <p:ph type="subTitle" idx="1"/>
+          </p:nvPr>
+        </p:nvSpPr>
+        <p:spPr>
+          <a:xfrm>
+            <a:off x="2022300" y="2815923"/>
+            <a:ext cx="5591400" cy="784799"/>
+          </a:xfrm>
+          <a:prstGeom prst="rect">
+            <a:avLst/>
+          </a:prstGeom>
+        </p:spPr>
+        <p:txBody>
+          <a:bodyPr lIns="91425" tIns="91425" rIns="91425" bIns="91425" anchor="t" anchorCtr="0">
+            <a:noAutofit/>
+          </a:bodyPr>
+          <a:lstStyle/>
+          <a:p>
+            <a:pPr lvl="0" rtl="0">
+              <a:spcBef>
+                <a:spcPts val="0"/>
+              </a:spcBef>
+              <a:buNone/>
+            </a:pPr>
+            <a:r>
+              <a:rPr lang="en" dirty="0"/>
+              <a:t>Richard Vladimirskij</a:t>
+            </a:r>
+          </a:p>
+        </p:txBody>
+      </p:sp>
+      <p:sp>
+        <p:nvSpPr>
+          <p:cNvPr id="101" name="Shape 101"/>
+          <p:cNvSpPr txBox="1"/>
+          <p:nvPr/>
+        </p:nvSpPr>
+        <p:spPr>
+          <a:xfrm>
+            <a:off x="1133975" y="2291150"/>
+            <a:ext cx="543899" cy="562199"/>
+          </a:xfrm>
+          <a:prstGeom prst="rect">
+            <a:avLst/>
+          </a:prstGeom>
+          <a:noFill/>
+          <a:ln>
+            <a:noFill/>
+          </a:ln>
+        </p:spPr>
+        <p:txBody>
+          <a:bodyPr lIns="91425" tIns="91425" rIns="91425" bIns="91425" anchor="ctr" anchorCtr="0">
+            <a:noAutofit/>
+          </a:bodyPr>
+          <a:lstStyle/>
+          <a:p>
+            <a:pPr lvl="0" algn="ctr">
+              <a:spcBef>
+                <a:spcPts val="0"/>
+              </a:spcBef>
+              <a:buNone/>
+            </a:pPr>
+            <a:r>
+              <a:rPr lang="en" sz="2400" dirty="0">
+                <a:solidFill>
+                  <a:schemeClr val="dk1"/>
+                </a:solidFill>
+                <a:latin typeface="Lora"/>
+                <a:ea typeface="Lora"/>
+                <a:cs typeface="Lora"/>
+                <a:sym typeface="Lora"/>
+              </a:rPr>
+              <a:t>2</a:t>
+            </a:r>
+          </a:p>
+        </p:txBody>
+      </p:sp>
+    </p:spTree>
+    <p:extLst>
+      <p:ext uri="{BB962C8B-B14F-4D97-AF65-F5344CB8AC3E}">
+        <p14:creationId xmlns:p14="http://schemas.microsoft.com/office/powerpoint/2010/main" val="2145982150"/>
+      </p:ext>
+    </p:extLst>
+  </p:cSld>
+  <p:clrMapOvr>
+    <a:masterClrMapping/>
+  </p:clrMapOvr>
+</p:sld>
+</file>
+
+<file path=ppt/slides/slide9.xml><?xml version="1.0" encoding="utf-8"?>
 <p:sld xmlns:a="http://schemas.openxmlformats.org/drawingml/2006/main" xmlns:r="http://schemas.openxmlformats.org/officeDocument/2006/relationships" xmlns:p="http://schemas.openxmlformats.org/presentationml/2006/main">
   <p:cSld>
     <p:spTree>
@@ -38665,18 +40161,13 @@
               <a:buNone/>
             </a:pPr>
             <a:r>
-              <a:rPr lang="en" dirty="0" smtClean="0">
+              <a:rPr lang="en" dirty="0">
                 <a:highlight>
                   <a:srgbClr val="FFCD00"/>
                 </a:highlight>
               </a:rPr>
-              <a:t>Dokumentation</a:t>
+              <a:t>Topic</a:t>
             </a:r>
-            <a:endParaRPr lang="en" dirty="0">
-              <a:highlight>
-                <a:srgbClr val="FFCD00"/>
-              </a:highlight>
-            </a:endParaRPr>
           </a:p>
         </p:txBody>
       </p:sp>
@@ -38711,18 +40202,8 @@
               </a:spcBef>
             </a:pPr>
             <a:r>
-              <a:rPr lang="en" dirty="0" smtClean="0"/>
-              <a:t>Comment lines			</a:t>
-            </a:r>
-            <a:r>
-              <a:rPr lang="en" dirty="0" smtClean="0">
-                <a:sym typeface="Wingdings" pitchFamily="2" charset="2"/>
-              </a:rPr>
-              <a:t></a:t>
-            </a:r>
-            <a:r>
-              <a:rPr lang="en" dirty="0" smtClean="0"/>
-              <a:t> 308</a:t>
+              <a:rPr lang="en" dirty="0"/>
+              <a:t>Ursprünglicher Ansatz, Überarbeitungsbedarf</a:t>
             </a:r>
           </a:p>
           <a:p>
@@ -38732,18 +40213,8 @@
               </a:spcBef>
             </a:pPr>
             <a:r>
-              <a:rPr lang="en" dirty="0" smtClean="0"/>
-              <a:t>Public Documented API		</a:t>
-            </a:r>
-            <a:r>
-              <a:rPr lang="en" dirty="0" smtClean="0">
-                <a:sym typeface="Wingdings" pitchFamily="2" charset="2"/>
-              </a:rPr>
-              <a:t></a:t>
-            </a:r>
-            <a:r>
-              <a:rPr lang="en" dirty="0" smtClean="0"/>
-              <a:t> 78.9%</a:t>
+              <a:rPr lang="en" dirty="0"/>
+              <a:t>Erfahrungen</a:t>
             </a:r>
           </a:p>
           <a:p>
@@ -38752,43 +40223,6 @@
                 <a:spcPts val="0"/>
               </a:spcBef>
             </a:pPr>
-            <a:r>
-              <a:rPr lang="en" dirty="0" smtClean="0"/>
-              <a:t>Public Undocumented API	</a:t>
-            </a:r>
-            <a:r>
-              <a:rPr lang="en" dirty="0" smtClean="0">
-                <a:sym typeface="Wingdings" pitchFamily="2" charset="2"/>
-              </a:rPr>
-              <a:t></a:t>
-            </a:r>
-            <a:r>
-              <a:rPr lang="en" dirty="0" smtClean="0"/>
-              <a:t> 30</a:t>
-            </a:r>
-          </a:p>
-          <a:p>
-            <a:pPr marL="457200" lvl="0" indent="-228600" rtl="0">
-              <a:spcBef>
-                <a:spcPts val="0"/>
-              </a:spcBef>
-            </a:pPr>
-            <a:endParaRPr lang="en" dirty="0" smtClean="0">
-              <a:sym typeface="Wingdings" pitchFamily="2" charset="2"/>
-            </a:endParaRPr>
-          </a:p>
-          <a:p>
-            <a:pPr marL="457200" lvl="0" indent="-228600" rtl="0">
-              <a:spcBef>
-                <a:spcPts val="0"/>
-              </a:spcBef>
-            </a:pPr>
-            <a:r>
-              <a:rPr lang="en" dirty="0" smtClean="0">
-                <a:sym typeface="Wingdings" pitchFamily="2" charset="2"/>
-              </a:rPr>
-              <a:t> 13.7% Comments</a:t>
-            </a:r>
             <a:endParaRPr lang="en" dirty="0"/>
           </a:p>
         </p:txBody>
@@ -39354,890 +40788,6 @@
     </p:spTree>
     <p:extLst>
       <p:ext uri="{BB962C8B-B14F-4D97-AF65-F5344CB8AC3E}">
-        <p14:creationId xmlns:p14="http://schemas.microsoft.com/office/powerpoint/2010/main" val="4147062136"/>
-      </p:ext>
-    </p:extLst>
-  </p:cSld>
-  <p:clrMapOvr>
-    <a:masterClrMapping/>
-  </p:clrMapOvr>
-  <mc:AlternateContent xmlns:mc="http://schemas.openxmlformats.org/markup-compatibility/2006" xmlns:p14="http://schemas.microsoft.com/office/powerpoint/2010/main">
-    <mc:Choice Requires="p14">
-      <p:transition p14:dur="0"/>
-    </mc:Choice>
-    <mc:Fallback xmlns="">
-      <p:transition/>
-    </mc:Fallback>
-  </mc:AlternateContent>
-  <p:timing>
-    <p:tnLst>
-      <p:par>
-        <p:cTn id="1" dur="indefinite" restart="never" nodeType="tmRoot"/>
-      </p:par>
-    </p:tnLst>
-  </p:timing>
-</p:sld>
-</file>
-
-<file path=ppt/slides/slide8.xml><?xml version="1.0" encoding="utf-8"?>
-<p:sld xmlns:a="http://schemas.openxmlformats.org/drawingml/2006/main" xmlns:r="http://schemas.openxmlformats.org/officeDocument/2006/relationships" xmlns:p="http://schemas.openxmlformats.org/presentationml/2006/main">
-  <p:cSld>
-    <p:spTree>
-      <p:nvGrpSpPr>
-        <p:cNvPr id="1" name="Shape 98"/>
-        <p:cNvGrpSpPr/>
-        <p:nvPr/>
-      </p:nvGrpSpPr>
-      <p:grpSpPr>
-        <a:xfrm>
-          <a:off x="0" y="0"/>
-          <a:ext cx="0" cy="0"/>
-          <a:chOff x="0" y="0"/>
-          <a:chExt cx="0" cy="0"/>
-        </a:xfrm>
-      </p:grpSpPr>
-      <p:sp>
-        <p:nvSpPr>
-          <p:cNvPr id="99" name="Shape 99"/>
-          <p:cNvSpPr txBox="1">
-            <a:spLocks noGrp="1"/>
-          </p:cNvSpPr>
-          <p:nvPr>
-            <p:ph type="ctrTitle"/>
-          </p:nvPr>
-        </p:nvSpPr>
-        <p:spPr>
-          <a:xfrm>
-            <a:off x="2022225" y="1693523"/>
-            <a:ext cx="3787799" cy="1159799"/>
-          </a:xfrm>
-          <a:prstGeom prst="rect">
-            <a:avLst/>
-          </a:prstGeom>
-        </p:spPr>
-        <p:txBody>
-          <a:bodyPr lIns="91425" tIns="91425" rIns="91425" bIns="91425" anchor="b" anchorCtr="0">
-            <a:noAutofit/>
-          </a:bodyPr>
-          <a:lstStyle/>
-          <a:p>
-            <a:pPr lvl="0" rtl="0">
-              <a:spcBef>
-                <a:spcPts val="0"/>
-              </a:spcBef>
-              <a:buNone/>
-            </a:pPr>
-            <a:r>
-              <a:rPr lang="en" dirty="0" smtClean="0"/>
-              <a:t>Analysten</a:t>
-            </a:r>
-            <a:endParaRPr lang="en" dirty="0"/>
-          </a:p>
-        </p:txBody>
-      </p:sp>
-      <p:sp>
-        <p:nvSpPr>
-          <p:cNvPr id="100" name="Shape 100"/>
-          <p:cNvSpPr txBox="1">
-            <a:spLocks noGrp="1"/>
-          </p:cNvSpPr>
-          <p:nvPr>
-            <p:ph type="subTitle" idx="1"/>
-          </p:nvPr>
-        </p:nvSpPr>
-        <p:spPr>
-          <a:xfrm>
-            <a:off x="2022300" y="2815923"/>
-            <a:ext cx="5591400" cy="784799"/>
-          </a:xfrm>
-          <a:prstGeom prst="rect">
-            <a:avLst/>
-          </a:prstGeom>
-        </p:spPr>
-        <p:txBody>
-          <a:bodyPr lIns="91425" tIns="91425" rIns="91425" bIns="91425" anchor="t" anchorCtr="0">
-            <a:noAutofit/>
-          </a:bodyPr>
-          <a:lstStyle/>
-          <a:p>
-            <a:pPr lvl="0" rtl="0">
-              <a:spcBef>
-                <a:spcPts val="0"/>
-              </a:spcBef>
-              <a:buNone/>
-            </a:pPr>
-            <a:r>
-              <a:rPr lang="en" dirty="0" smtClean="0"/>
-              <a:t>Richard Vladimirskij</a:t>
-            </a:r>
-            <a:endParaRPr lang="en" dirty="0"/>
-          </a:p>
-        </p:txBody>
-      </p:sp>
-      <p:sp>
-        <p:nvSpPr>
-          <p:cNvPr id="101" name="Shape 101"/>
-          <p:cNvSpPr txBox="1"/>
-          <p:nvPr/>
-        </p:nvSpPr>
-        <p:spPr>
-          <a:xfrm>
-            <a:off x="1133975" y="2291150"/>
-            <a:ext cx="543899" cy="562199"/>
-          </a:xfrm>
-          <a:prstGeom prst="rect">
-            <a:avLst/>
-          </a:prstGeom>
-          <a:noFill/>
-          <a:ln>
-            <a:noFill/>
-          </a:ln>
-        </p:spPr>
-        <p:txBody>
-          <a:bodyPr lIns="91425" tIns="91425" rIns="91425" bIns="91425" anchor="ctr" anchorCtr="0">
-            <a:noAutofit/>
-          </a:bodyPr>
-          <a:lstStyle/>
-          <a:p>
-            <a:pPr lvl="0" algn="ctr">
-              <a:spcBef>
-                <a:spcPts val="0"/>
-              </a:spcBef>
-              <a:buNone/>
-            </a:pPr>
-            <a:r>
-              <a:rPr lang="en" sz="2400" dirty="0" smtClean="0">
-                <a:solidFill>
-                  <a:schemeClr val="dk1"/>
-                </a:solidFill>
-                <a:latin typeface="Lora"/>
-                <a:ea typeface="Lora"/>
-                <a:cs typeface="Lora"/>
-                <a:sym typeface="Lora"/>
-              </a:rPr>
-              <a:t>2</a:t>
-            </a:r>
-            <a:endParaRPr lang="en" sz="2400" dirty="0">
-              <a:solidFill>
-                <a:schemeClr val="dk1"/>
-              </a:solidFill>
-              <a:latin typeface="Lora"/>
-              <a:ea typeface="Lora"/>
-              <a:cs typeface="Lora"/>
-              <a:sym typeface="Lora"/>
-            </a:endParaRPr>
-          </a:p>
-        </p:txBody>
-      </p:sp>
-    </p:spTree>
-    <p:extLst>
-      <p:ext uri="{BB962C8B-B14F-4D97-AF65-F5344CB8AC3E}">
-        <p14:creationId xmlns:p14="http://schemas.microsoft.com/office/powerpoint/2010/main" val="2145982150"/>
-      </p:ext>
-    </p:extLst>
-  </p:cSld>
-  <p:clrMapOvr>
-    <a:masterClrMapping/>
-  </p:clrMapOvr>
-  <mc:AlternateContent xmlns:mc="http://schemas.openxmlformats.org/markup-compatibility/2006" xmlns:p14="http://schemas.microsoft.com/office/powerpoint/2010/main">
-    <mc:Choice Requires="p14">
-      <p:transition p14:dur="0"/>
-    </mc:Choice>
-    <mc:Fallback xmlns="">
-      <p:transition/>
-    </mc:Fallback>
-  </mc:AlternateContent>
-  <p:timing>
-    <p:tnLst>
-      <p:par>
-        <p:cTn id="1" dur="indefinite" restart="never" nodeType="tmRoot"/>
-      </p:par>
-    </p:tnLst>
-  </p:timing>
-</p:sld>
-</file>
-
-<file path=ppt/slides/slide9.xml><?xml version="1.0" encoding="utf-8"?>
-<p:sld xmlns:a="http://schemas.openxmlformats.org/drawingml/2006/main" xmlns:r="http://schemas.openxmlformats.org/officeDocument/2006/relationships" xmlns:p="http://schemas.openxmlformats.org/presentationml/2006/main">
-  <p:cSld>
-    <p:spTree>
-      <p:nvGrpSpPr>
-        <p:cNvPr id="1" name="Shape 110"/>
-        <p:cNvGrpSpPr/>
-        <p:nvPr/>
-      </p:nvGrpSpPr>
-      <p:grpSpPr>
-        <a:xfrm>
-          <a:off x="0" y="0"/>
-          <a:ext cx="0" cy="0"/>
-          <a:chOff x="0" y="0"/>
-          <a:chExt cx="0" cy="0"/>
-        </a:xfrm>
-      </p:grpSpPr>
-      <p:sp>
-        <p:nvSpPr>
-          <p:cNvPr id="111" name="Shape 111"/>
-          <p:cNvSpPr txBox="1">
-            <a:spLocks noGrp="1"/>
-          </p:cNvSpPr>
-          <p:nvPr>
-            <p:ph type="title"/>
-          </p:nvPr>
-        </p:nvSpPr>
-        <p:spPr>
-          <a:xfrm>
-            <a:off x="1381250" y="922668"/>
-            <a:ext cx="3878399" cy="435599"/>
-          </a:xfrm>
-          <a:prstGeom prst="rect">
-            <a:avLst/>
-          </a:prstGeom>
-        </p:spPr>
-        <p:txBody>
-          <a:bodyPr lIns="91425" tIns="91425" rIns="91425" bIns="91425" anchor="ctr" anchorCtr="0">
-            <a:noAutofit/>
-          </a:bodyPr>
-          <a:lstStyle/>
-          <a:p>
-            <a:pPr lvl="0">
-              <a:spcBef>
-                <a:spcPts val="0"/>
-              </a:spcBef>
-              <a:buNone/>
-            </a:pPr>
-            <a:r>
-              <a:rPr lang="en" dirty="0" smtClean="0">
-                <a:highlight>
-                  <a:srgbClr val="FFCD00"/>
-                </a:highlight>
-              </a:rPr>
-              <a:t>Topic</a:t>
-            </a:r>
-            <a:endParaRPr lang="en" dirty="0">
-              <a:highlight>
-                <a:srgbClr val="FFCD00"/>
-              </a:highlight>
-            </a:endParaRPr>
-          </a:p>
-        </p:txBody>
-      </p:sp>
-      <p:sp>
-        <p:nvSpPr>
-          <p:cNvPr id="112" name="Shape 112"/>
-          <p:cNvSpPr txBox="1">
-            <a:spLocks noGrp="1"/>
-          </p:cNvSpPr>
-          <p:nvPr>
-            <p:ph type="body" idx="1"/>
-          </p:nvPr>
-        </p:nvSpPr>
-        <p:spPr>
-          <a:xfrm>
-            <a:off x="1381250" y="1616470"/>
-            <a:ext cx="6809700" cy="3112200"/>
-          </a:xfrm>
-          <a:prstGeom prst="rect">
-            <a:avLst/>
-          </a:prstGeom>
-        </p:spPr>
-        <p:txBody>
-          <a:bodyPr lIns="91425" tIns="91425" rIns="91425" bIns="91425" anchor="t" anchorCtr="0">
-            <a:noAutofit/>
-          </a:bodyPr>
-          <a:lstStyle/>
-          <a:p>
-            <a:pPr marL="457200" lvl="0" indent="-228600" rtl="0">
-              <a:spcBef>
-                <a:spcPts val="0"/>
-              </a:spcBef>
-            </a:pPr>
-            <a:r>
-              <a:rPr lang="en" dirty="0" smtClean="0"/>
-              <a:t>Ursprünglicher Ansatz, Überarbeitungsbedarf</a:t>
-            </a:r>
-          </a:p>
-          <a:p>
-            <a:pPr marL="457200" lvl="0" indent="-228600" rtl="0">
-              <a:spcBef>
-                <a:spcPts val="0"/>
-              </a:spcBef>
-            </a:pPr>
-            <a:r>
-              <a:rPr lang="en" dirty="0" smtClean="0"/>
-              <a:t>Erfahrungen</a:t>
-            </a:r>
-          </a:p>
-          <a:p>
-            <a:pPr marL="457200" lvl="0" indent="-228600" rtl="0">
-              <a:spcBef>
-                <a:spcPts val="0"/>
-              </a:spcBef>
-            </a:pPr>
-            <a:endParaRPr lang="en" dirty="0"/>
-          </a:p>
-        </p:txBody>
-      </p:sp>
-      <p:grpSp>
-        <p:nvGrpSpPr>
-          <p:cNvPr id="113" name="Shape 113"/>
-          <p:cNvGrpSpPr/>
-          <p:nvPr/>
-        </p:nvGrpSpPr>
-        <p:grpSpPr>
-          <a:xfrm>
-            <a:off x="916458" y="1019750"/>
-            <a:ext cx="214624" cy="214624"/>
-            <a:chOff x="2594050" y="1631825"/>
-            <a:chExt cx="439625" cy="439625"/>
-          </a:xfrm>
-        </p:grpSpPr>
-        <p:sp>
-          <p:nvSpPr>
-            <p:cNvPr id="114" name="Shape 114"/>
-            <p:cNvSpPr/>
-            <p:nvPr/>
-          </p:nvSpPr>
-          <p:spPr>
-            <a:xfrm>
-              <a:off x="2594050" y="1883300"/>
-              <a:ext cx="188175" cy="188150"/>
-            </a:xfrm>
-            <a:custGeom>
-              <a:avLst/>
-              <a:gdLst/>
-              <a:ahLst/>
-              <a:cxnLst/>
-              <a:rect l="0" t="0" r="0" b="0"/>
-              <a:pathLst>
-                <a:path w="7527" h="7526" fill="none" extrusionOk="0">
-                  <a:moveTo>
-                    <a:pt x="5992" y="0"/>
-                  </a:moveTo>
-                  <a:lnTo>
-                    <a:pt x="537" y="6430"/>
-                  </a:lnTo>
-                  <a:lnTo>
-                    <a:pt x="1" y="7526"/>
-                  </a:lnTo>
-                  <a:lnTo>
-                    <a:pt x="1097" y="6990"/>
-                  </a:lnTo>
-                  <a:lnTo>
-                    <a:pt x="7526" y="1534"/>
-                  </a:lnTo>
-                  <a:lnTo>
-                    <a:pt x="5992" y="0"/>
-                  </a:lnTo>
-                  <a:close/>
-                </a:path>
-              </a:pathLst>
-            </a:custGeom>
-            <a:noFill/>
-            <a:ln w="9525" cap="rnd" cmpd="sng">
-              <a:solidFill>
-                <a:srgbClr val="000000"/>
-              </a:solidFill>
-              <a:prstDash val="solid"/>
-              <a:round/>
-              <a:headEnd type="none" w="med" len="med"/>
-              <a:tailEnd type="none" w="med" len="med"/>
-            </a:ln>
-          </p:spPr>
-          <p:txBody>
-            <a:bodyPr lIns="91425" tIns="91425" rIns="91425" bIns="91425" anchor="ctr" anchorCtr="0">
-              <a:noAutofit/>
-            </a:bodyPr>
-            <a:lstStyle/>
-            <a:p>
-              <a:pPr lvl="0">
-                <a:spcBef>
-                  <a:spcPts val="0"/>
-                </a:spcBef>
-                <a:buNone/>
-              </a:pPr>
-              <a:endParaRPr/>
-            </a:p>
-          </p:txBody>
-        </p:sp>
-        <p:sp>
-          <p:nvSpPr>
-            <p:cNvPr id="115" name="Shape 115"/>
-            <p:cNvSpPr/>
-            <p:nvPr/>
-          </p:nvSpPr>
-          <p:spPr>
-            <a:xfrm>
-              <a:off x="2857700" y="1631825"/>
-              <a:ext cx="175975" cy="176000"/>
-            </a:xfrm>
-            <a:custGeom>
-              <a:avLst/>
-              <a:gdLst/>
-              <a:ahLst/>
-              <a:cxnLst/>
-              <a:rect l="0" t="0" r="0" b="0"/>
-              <a:pathLst>
-                <a:path w="7039" h="7040" fill="none" extrusionOk="0">
-                  <a:moveTo>
-                    <a:pt x="268" y="2704"/>
-                  </a:moveTo>
-                  <a:lnTo>
-                    <a:pt x="4336" y="6771"/>
-                  </a:lnTo>
-                  <a:lnTo>
-                    <a:pt x="4336" y="6771"/>
-                  </a:lnTo>
-                  <a:lnTo>
-                    <a:pt x="4336" y="6771"/>
-                  </a:lnTo>
-                  <a:lnTo>
-                    <a:pt x="4652" y="6917"/>
-                  </a:lnTo>
-                  <a:lnTo>
-                    <a:pt x="4993" y="7015"/>
-                  </a:lnTo>
-                  <a:lnTo>
-                    <a:pt x="5310" y="7039"/>
-                  </a:lnTo>
-                  <a:lnTo>
-                    <a:pt x="5651" y="7039"/>
-                  </a:lnTo>
-                  <a:lnTo>
-                    <a:pt x="5992" y="6966"/>
-                  </a:lnTo>
-                  <a:lnTo>
-                    <a:pt x="6308" y="6844"/>
-                  </a:lnTo>
-                  <a:lnTo>
-                    <a:pt x="6454" y="6747"/>
-                  </a:lnTo>
-                  <a:lnTo>
-                    <a:pt x="6601" y="6674"/>
-                  </a:lnTo>
-                  <a:lnTo>
-                    <a:pt x="6747" y="6552"/>
-                  </a:lnTo>
-                  <a:lnTo>
-                    <a:pt x="6893" y="6430"/>
-                  </a:lnTo>
-                  <a:lnTo>
-                    <a:pt x="6893" y="6430"/>
-                  </a:lnTo>
-                  <a:lnTo>
-                    <a:pt x="6942" y="6357"/>
-                  </a:lnTo>
-                  <a:lnTo>
-                    <a:pt x="7015" y="6260"/>
-                  </a:lnTo>
-                  <a:lnTo>
-                    <a:pt x="7039" y="6138"/>
-                  </a:lnTo>
-                  <a:lnTo>
-                    <a:pt x="7039" y="6041"/>
-                  </a:lnTo>
-                  <a:lnTo>
-                    <a:pt x="7039" y="6041"/>
-                  </a:lnTo>
-                  <a:lnTo>
-                    <a:pt x="7039" y="5943"/>
-                  </a:lnTo>
-                  <a:lnTo>
-                    <a:pt x="7015" y="5846"/>
-                  </a:lnTo>
-                  <a:lnTo>
-                    <a:pt x="6942" y="5748"/>
-                  </a:lnTo>
-                  <a:lnTo>
-                    <a:pt x="6893" y="5651"/>
-                  </a:lnTo>
-                  <a:lnTo>
-                    <a:pt x="1389" y="147"/>
-                  </a:lnTo>
-                  <a:lnTo>
-                    <a:pt x="1389" y="147"/>
-                  </a:lnTo>
-                  <a:lnTo>
-                    <a:pt x="1291" y="98"/>
-                  </a:lnTo>
-                  <a:lnTo>
-                    <a:pt x="1194" y="25"/>
-                  </a:lnTo>
-                  <a:lnTo>
-                    <a:pt x="1096" y="0"/>
-                  </a:lnTo>
-                  <a:lnTo>
-                    <a:pt x="999" y="0"/>
-                  </a:lnTo>
-                  <a:lnTo>
-                    <a:pt x="999" y="0"/>
-                  </a:lnTo>
-                  <a:lnTo>
-                    <a:pt x="902" y="0"/>
-                  </a:lnTo>
-                  <a:lnTo>
-                    <a:pt x="780" y="25"/>
-                  </a:lnTo>
-                  <a:lnTo>
-                    <a:pt x="682" y="98"/>
-                  </a:lnTo>
-                  <a:lnTo>
-                    <a:pt x="609" y="147"/>
-                  </a:lnTo>
-                  <a:lnTo>
-                    <a:pt x="609" y="147"/>
-                  </a:lnTo>
-                  <a:lnTo>
-                    <a:pt x="487" y="293"/>
-                  </a:lnTo>
-                  <a:lnTo>
-                    <a:pt x="366" y="439"/>
-                  </a:lnTo>
-                  <a:lnTo>
-                    <a:pt x="293" y="585"/>
-                  </a:lnTo>
-                  <a:lnTo>
-                    <a:pt x="195" y="731"/>
-                  </a:lnTo>
-                  <a:lnTo>
-                    <a:pt x="73" y="1048"/>
-                  </a:lnTo>
-                  <a:lnTo>
-                    <a:pt x="0" y="1389"/>
-                  </a:lnTo>
-                  <a:lnTo>
-                    <a:pt x="0" y="1730"/>
-                  </a:lnTo>
-                  <a:lnTo>
-                    <a:pt x="25" y="2046"/>
-                  </a:lnTo>
-                  <a:lnTo>
-                    <a:pt x="122" y="2387"/>
-                  </a:lnTo>
-                  <a:lnTo>
-                    <a:pt x="268" y="2704"/>
-                  </a:lnTo>
-                  <a:lnTo>
-                    <a:pt x="268" y="2704"/>
-                  </a:lnTo>
-                  <a:close/>
-                </a:path>
-              </a:pathLst>
-            </a:custGeom>
-            <a:noFill/>
-            <a:ln w="9525" cap="rnd" cmpd="sng">
-              <a:solidFill>
-                <a:srgbClr val="000000"/>
-              </a:solidFill>
-              <a:prstDash val="solid"/>
-              <a:round/>
-              <a:headEnd type="none" w="med" len="med"/>
-              <a:tailEnd type="none" w="med" len="med"/>
-            </a:ln>
-          </p:spPr>
-          <p:txBody>
-            <a:bodyPr lIns="91425" tIns="91425" rIns="91425" bIns="91425" anchor="ctr" anchorCtr="0">
-              <a:noAutofit/>
-            </a:bodyPr>
-            <a:lstStyle/>
-            <a:p>
-              <a:pPr lvl="0">
-                <a:spcBef>
-                  <a:spcPts val="0"/>
-                </a:spcBef>
-                <a:buNone/>
-              </a:pPr>
-              <a:endParaRPr/>
-            </a:p>
-          </p:txBody>
-        </p:sp>
-        <p:sp>
-          <p:nvSpPr>
-            <p:cNvPr id="116" name="Shape 116"/>
-            <p:cNvSpPr/>
-            <p:nvPr/>
-          </p:nvSpPr>
-          <p:spPr>
-            <a:xfrm>
-              <a:off x="2662850" y="1699400"/>
-              <a:ext cx="303250" cy="303250"/>
-            </a:xfrm>
-            <a:custGeom>
-              <a:avLst/>
-              <a:gdLst/>
-              <a:ahLst/>
-              <a:cxnLst/>
-              <a:rect l="0" t="0" r="0" b="0"/>
-              <a:pathLst>
-                <a:path w="12130" h="12130" fill="none" extrusionOk="0">
-                  <a:moveTo>
-                    <a:pt x="8038" y="1"/>
-                  </a:moveTo>
-                  <a:lnTo>
-                    <a:pt x="4872" y="3191"/>
-                  </a:lnTo>
-                  <a:lnTo>
-                    <a:pt x="4872" y="3191"/>
-                  </a:lnTo>
-                  <a:lnTo>
-                    <a:pt x="4628" y="3094"/>
-                  </a:lnTo>
-                  <a:lnTo>
-                    <a:pt x="4385" y="2997"/>
-                  </a:lnTo>
-                  <a:lnTo>
-                    <a:pt x="4092" y="2899"/>
-                  </a:lnTo>
-                  <a:lnTo>
-                    <a:pt x="3800" y="2850"/>
-                  </a:lnTo>
-                  <a:lnTo>
-                    <a:pt x="3484" y="2777"/>
-                  </a:lnTo>
-                  <a:lnTo>
-                    <a:pt x="3167" y="2729"/>
-                  </a:lnTo>
-                  <a:lnTo>
-                    <a:pt x="2850" y="2704"/>
-                  </a:lnTo>
-                  <a:lnTo>
-                    <a:pt x="2534" y="2704"/>
-                  </a:lnTo>
-                  <a:lnTo>
-                    <a:pt x="2534" y="2704"/>
-                  </a:lnTo>
-                  <a:lnTo>
-                    <a:pt x="2241" y="2704"/>
-                  </a:lnTo>
-                  <a:lnTo>
-                    <a:pt x="1949" y="2729"/>
-                  </a:lnTo>
-                  <a:lnTo>
-                    <a:pt x="1633" y="2777"/>
-                  </a:lnTo>
-                  <a:lnTo>
-                    <a:pt x="1316" y="2850"/>
-                  </a:lnTo>
-                  <a:lnTo>
-                    <a:pt x="999" y="2972"/>
-                  </a:lnTo>
-                  <a:lnTo>
-                    <a:pt x="707" y="3094"/>
-                  </a:lnTo>
-                  <a:lnTo>
-                    <a:pt x="415" y="3289"/>
-                  </a:lnTo>
-                  <a:lnTo>
-                    <a:pt x="147" y="3508"/>
-                  </a:lnTo>
-                  <a:lnTo>
-                    <a:pt x="147" y="3508"/>
-                  </a:lnTo>
-                  <a:lnTo>
-                    <a:pt x="74" y="3581"/>
-                  </a:lnTo>
-                  <a:lnTo>
-                    <a:pt x="25" y="3678"/>
-                  </a:lnTo>
-                  <a:lnTo>
-                    <a:pt x="1" y="3776"/>
-                  </a:lnTo>
-                  <a:lnTo>
-                    <a:pt x="1" y="3898"/>
-                  </a:lnTo>
-                  <a:lnTo>
-                    <a:pt x="1" y="3898"/>
-                  </a:lnTo>
-                  <a:lnTo>
-                    <a:pt x="1" y="3995"/>
-                  </a:lnTo>
-                  <a:lnTo>
-                    <a:pt x="25" y="4093"/>
-                  </a:lnTo>
-                  <a:lnTo>
-                    <a:pt x="74" y="4190"/>
-                  </a:lnTo>
-                  <a:lnTo>
-                    <a:pt x="147" y="4287"/>
-                  </a:lnTo>
-                  <a:lnTo>
-                    <a:pt x="7843" y="11984"/>
-                  </a:lnTo>
-                  <a:lnTo>
-                    <a:pt x="7843" y="11984"/>
-                  </a:lnTo>
-                  <a:lnTo>
-                    <a:pt x="7941" y="12057"/>
-                  </a:lnTo>
-                  <a:lnTo>
-                    <a:pt x="8038" y="12105"/>
-                  </a:lnTo>
-                  <a:lnTo>
-                    <a:pt x="8135" y="12130"/>
-                  </a:lnTo>
-                  <a:lnTo>
-                    <a:pt x="8233" y="12130"/>
-                  </a:lnTo>
-                  <a:lnTo>
-                    <a:pt x="8233" y="12130"/>
-                  </a:lnTo>
-                  <a:lnTo>
-                    <a:pt x="8355" y="12130"/>
-                  </a:lnTo>
-                  <a:lnTo>
-                    <a:pt x="8452" y="12105"/>
-                  </a:lnTo>
-                  <a:lnTo>
-                    <a:pt x="8549" y="12057"/>
-                  </a:lnTo>
-                  <a:lnTo>
-                    <a:pt x="8622" y="11984"/>
-                  </a:lnTo>
-                  <a:lnTo>
-                    <a:pt x="8622" y="11984"/>
-                  </a:lnTo>
-                  <a:lnTo>
-                    <a:pt x="8842" y="11716"/>
-                  </a:lnTo>
-                  <a:lnTo>
-                    <a:pt x="9036" y="11423"/>
-                  </a:lnTo>
-                  <a:lnTo>
-                    <a:pt x="9158" y="11131"/>
-                  </a:lnTo>
-                  <a:lnTo>
-                    <a:pt x="9280" y="10814"/>
-                  </a:lnTo>
-                  <a:lnTo>
-                    <a:pt x="9353" y="10498"/>
-                  </a:lnTo>
-                  <a:lnTo>
-                    <a:pt x="9402" y="10181"/>
-                  </a:lnTo>
-                  <a:lnTo>
-                    <a:pt x="9426" y="9889"/>
-                  </a:lnTo>
-                  <a:lnTo>
-                    <a:pt x="9426" y="9597"/>
-                  </a:lnTo>
-                  <a:lnTo>
-                    <a:pt x="9426" y="9597"/>
-                  </a:lnTo>
-                  <a:lnTo>
-                    <a:pt x="9426" y="9280"/>
-                  </a:lnTo>
-                  <a:lnTo>
-                    <a:pt x="9402" y="8964"/>
-                  </a:lnTo>
-                  <a:lnTo>
-                    <a:pt x="9353" y="8647"/>
-                  </a:lnTo>
-                  <a:lnTo>
-                    <a:pt x="9280" y="8330"/>
-                  </a:lnTo>
-                  <a:lnTo>
-                    <a:pt x="9231" y="8038"/>
-                  </a:lnTo>
-                  <a:lnTo>
-                    <a:pt x="9134" y="7746"/>
-                  </a:lnTo>
-                  <a:lnTo>
-                    <a:pt x="9036" y="7502"/>
-                  </a:lnTo>
-                  <a:lnTo>
-                    <a:pt x="8939" y="7259"/>
-                  </a:lnTo>
-                  <a:lnTo>
-                    <a:pt x="12130" y="4093"/>
-                  </a:lnTo>
-                </a:path>
-              </a:pathLst>
-            </a:custGeom>
-            <a:noFill/>
-            <a:ln w="9525" cap="rnd" cmpd="sng">
-              <a:solidFill>
-                <a:srgbClr val="000000"/>
-              </a:solidFill>
-              <a:prstDash val="solid"/>
-              <a:round/>
-              <a:headEnd type="none" w="med" len="med"/>
-              <a:tailEnd type="none" w="med" len="med"/>
-            </a:ln>
-          </p:spPr>
-          <p:txBody>
-            <a:bodyPr lIns="91425" tIns="91425" rIns="91425" bIns="91425" anchor="ctr" anchorCtr="0">
-              <a:noAutofit/>
-            </a:bodyPr>
-            <a:lstStyle/>
-            <a:p>
-              <a:pPr lvl="0">
-                <a:spcBef>
-                  <a:spcPts val="0"/>
-                </a:spcBef>
-                <a:buNone/>
-              </a:pPr>
-              <a:endParaRPr/>
-            </a:p>
-          </p:txBody>
-        </p:sp>
-        <p:sp>
-          <p:nvSpPr>
-            <p:cNvPr id="117" name="Shape 117"/>
-            <p:cNvSpPr/>
-            <p:nvPr/>
-          </p:nvSpPr>
-          <p:spPr>
-            <a:xfrm>
-              <a:off x="2814911" y="1754061"/>
-              <a:ext cx="49950" cy="49950"/>
-            </a:xfrm>
-            <a:custGeom>
-              <a:avLst/>
-              <a:gdLst/>
-              <a:ahLst/>
-              <a:cxnLst/>
-              <a:rect l="0" t="0" r="0" b="0"/>
-              <a:pathLst>
-                <a:path w="1998" h="1998" fill="none" extrusionOk="0">
-                  <a:moveTo>
-                    <a:pt x="1" y="1997"/>
-                  </a:moveTo>
-                  <a:lnTo>
-                    <a:pt x="1998" y="0"/>
-                  </a:lnTo>
-                </a:path>
-              </a:pathLst>
-            </a:custGeom>
-            <a:noFill/>
-            <a:ln w="9525" cap="rnd" cmpd="sng">
-              <a:solidFill>
-                <a:srgbClr val="000000"/>
-              </a:solidFill>
-              <a:prstDash val="solid"/>
-              <a:round/>
-              <a:headEnd type="none" w="med" len="med"/>
-              <a:tailEnd type="none" w="med" len="med"/>
-            </a:ln>
-          </p:spPr>
-          <p:txBody>
-            <a:bodyPr lIns="91425" tIns="91425" rIns="91425" bIns="91425" anchor="ctr" anchorCtr="0">
-              <a:noAutofit/>
-            </a:bodyPr>
-            <a:lstStyle/>
-            <a:p>
-              <a:pPr lvl="0">
-                <a:spcBef>
-                  <a:spcPts val="0"/>
-                </a:spcBef>
-                <a:buNone/>
-              </a:pPr>
-              <a:endParaRPr/>
-            </a:p>
-          </p:txBody>
-        </p:sp>
-      </p:grpSp>
-    </p:spTree>
-    <p:extLst>
-      <p:ext uri="{BB962C8B-B14F-4D97-AF65-F5344CB8AC3E}">
         <p14:creationId xmlns:p14="http://schemas.microsoft.com/office/powerpoint/2010/main" val="1178456594"/>
       </p:ext>
     </p:extLst>
@@ -40245,21 +40795,6 @@
   <p:clrMapOvr>
     <a:masterClrMapping/>
   </p:clrMapOvr>
-  <mc:AlternateContent xmlns:mc="http://schemas.openxmlformats.org/markup-compatibility/2006" xmlns:p14="http://schemas.microsoft.com/office/powerpoint/2010/main">
-    <mc:Choice Requires="p14">
-      <p:transition p14:dur="0"/>
-    </mc:Choice>
-    <mc:Fallback xmlns="">
-      <p:transition/>
-    </mc:Fallback>
-  </mc:AlternateContent>
-  <p:timing>
-    <p:tnLst>
-      <p:par>
-        <p:cTn id="1" dur="indefinite" restart="never" nodeType="tmRoot"/>
-      </p:par>
-    </p:tnLst>
-  </p:timing>
 </p:sld>
 </file>
 

--- a/Presentation/Presentation.pptx
+++ b/Presentation/Presentation.pptx
@@ -5,7 +5,7 @@
     <p:sldMasterId id="2147483658" r:id="rId1"/>
   </p:sldMasterIdLst>
   <p:notesMasterIdLst>
-    <p:notesMasterId r:id="rId52"/>
+    <p:notesMasterId r:id="rId51"/>
   </p:notesMasterIdLst>
   <p:sldIdLst>
     <p:sldId id="256" r:id="rId2"/>
@@ -50,31 +50,30 @@
     <p:sldId id="282" r:id="rId41"/>
     <p:sldId id="285" r:id="rId42"/>
     <p:sldId id="316" r:id="rId43"/>
-    <p:sldId id="317" r:id="rId44"/>
-    <p:sldId id="284" r:id="rId45"/>
-    <p:sldId id="265" r:id="rId46"/>
-    <p:sldId id="266" r:id="rId47"/>
-    <p:sldId id="315" r:id="rId48"/>
-    <p:sldId id="267" r:id="rId49"/>
-    <p:sldId id="268" r:id="rId50"/>
-    <p:sldId id="269" r:id="rId51"/>
+    <p:sldId id="284" r:id="rId44"/>
+    <p:sldId id="265" r:id="rId45"/>
+    <p:sldId id="266" r:id="rId46"/>
+    <p:sldId id="315" r:id="rId47"/>
+    <p:sldId id="267" r:id="rId48"/>
+    <p:sldId id="268" r:id="rId49"/>
+    <p:sldId id="269" r:id="rId50"/>
   </p:sldIdLst>
   <p:sldSz cx="9144000" cy="5143500" type="screen16x9"/>
   <p:notesSz cx="6858000" cy="9144000"/>
   <p:embeddedFontLst>
     <p:embeddedFont>
       <p:font typeface="Lora" panose="020B0604020202020204" charset="0"/>
-      <p:regular r:id="rId53"/>
-      <p:bold r:id="rId54"/>
-      <p:italic r:id="rId55"/>
-      <p:boldItalic r:id="rId56"/>
+      <p:regular r:id="rId52"/>
+      <p:bold r:id="rId53"/>
+      <p:italic r:id="rId54"/>
+      <p:boldItalic r:id="rId55"/>
     </p:embeddedFont>
     <p:embeddedFont>
       <p:font typeface="Quattrocento Sans" panose="020B0604020202020204" charset="0"/>
-      <p:regular r:id="rId57"/>
-      <p:bold r:id="rId58"/>
-      <p:italic r:id="rId59"/>
-      <p:boldItalic r:id="rId60"/>
+      <p:regular r:id="rId56"/>
+      <p:bold r:id="rId57"/>
+      <p:italic r:id="rId58"/>
+      <p:boldItalic r:id="rId59"/>
     </p:embeddedFont>
   </p:embeddedFontLst>
   <p:defaultTextStyle>
@@ -25361,33 +25360,20 @@
               </a:spcBef>
             </a:pPr>
             <a:r>
-              <a:rPr lang="de-DE" dirty="0" err="1"/>
-              <a:t>Bla</a:t>
+              <a:rPr lang="de-DE" dirty="0"/>
+              <a:t>Die Analyse war sehr detailliert</a:t>
             </a:r>
-            <a:r>
-              <a:rPr lang="de-DE" dirty="0"/>
-              <a:t> </a:t>
-            </a:r>
-            <a:r>
-              <a:rPr lang="de-DE" dirty="0" err="1"/>
-              <a:t>bla</a:t>
-            </a:r>
-            <a:r>
-              <a:rPr lang="de-DE" dirty="0"/>
-              <a:t> </a:t>
-            </a:r>
-            <a:r>
-              <a:rPr lang="de-DE" dirty="0" err="1"/>
-              <a:t>bla</a:t>
-            </a:r>
-            <a:endParaRPr lang="en" dirty="0"/>
           </a:p>
           <a:p>
-            <a:pPr marL="457200" lvl="0" indent="-228600" rtl="0">
+            <a:pPr marL="457200" lvl="0" indent="-228600">
               <a:spcBef>
                 <a:spcPts val="0"/>
               </a:spcBef>
             </a:pPr>
+            <a:r>
+              <a:rPr lang="de-DE" dirty="0"/>
+              <a:t>Musste im Laufe des Designs nicht überarbeitet werden</a:t>
+            </a:r>
             <a:endParaRPr lang="en" dirty="0"/>
           </a:p>
           <a:p>
@@ -32403,642 +32389,6 @@
   <p:cSld>
     <p:spTree>
       <p:nvGrpSpPr>
-        <p:cNvPr id="1" name=""/>
-        <p:cNvGrpSpPr/>
-        <p:nvPr/>
-      </p:nvGrpSpPr>
-      <p:grpSpPr>
-        <a:xfrm>
-          <a:off x="0" y="0"/>
-          <a:ext cx="0" cy="0"/>
-          <a:chOff x="0" y="0"/>
-          <a:chExt cx="0" cy="0"/>
-        </a:xfrm>
-      </p:grpSpPr>
-      <p:sp>
-        <p:nvSpPr>
-          <p:cNvPr id="2" name="Titel 1"/>
-          <p:cNvSpPr>
-            <a:spLocks noGrp="1"/>
-          </p:cNvSpPr>
-          <p:nvPr>
-            <p:ph type="title"/>
-          </p:nvPr>
-        </p:nvSpPr>
-        <p:spPr/>
-        <p:txBody>
-          <a:bodyPr/>
-          <a:lstStyle/>
-          <a:p>
-            <a:r>
-              <a:rPr lang="de-DE" dirty="0">
-                <a:highlight>
-                  <a:srgbClr val="FFCD00"/>
-                </a:highlight>
-              </a:rPr>
-              <a:t>MVC</a:t>
-            </a:r>
-          </a:p>
-        </p:txBody>
-      </p:sp>
-      <p:sp>
-        <p:nvSpPr>
-          <p:cNvPr id="3" name="Textplatzhalter 2"/>
-          <p:cNvSpPr>
-            <a:spLocks noGrp="1"/>
-          </p:cNvSpPr>
-          <p:nvPr>
-            <p:ph type="body" idx="1"/>
-          </p:nvPr>
-        </p:nvSpPr>
-        <p:spPr/>
-        <p:txBody>
-          <a:bodyPr/>
-          <a:lstStyle/>
-          <a:p>
-            <a:r>
-              <a:rPr lang="de-DE" dirty="0"/>
-              <a:t>BSP MVC konkret in diesem Projekt</a:t>
-            </a:r>
-          </a:p>
-        </p:txBody>
-      </p:sp>
-      <p:grpSp>
-        <p:nvGrpSpPr>
-          <p:cNvPr id="4" name="Shape 113"/>
-          <p:cNvGrpSpPr/>
-          <p:nvPr/>
-        </p:nvGrpSpPr>
-        <p:grpSpPr>
-          <a:xfrm>
-            <a:off x="916458" y="1019750"/>
-            <a:ext cx="214624" cy="214624"/>
-            <a:chOff x="2594050" y="1631825"/>
-            <a:chExt cx="439625" cy="439625"/>
-          </a:xfrm>
-        </p:grpSpPr>
-        <p:sp>
-          <p:nvSpPr>
-            <p:cNvPr id="5" name="Shape 114"/>
-            <p:cNvSpPr/>
-            <p:nvPr/>
-          </p:nvSpPr>
-          <p:spPr>
-            <a:xfrm>
-              <a:off x="2594050" y="1883300"/>
-              <a:ext cx="188175" cy="188150"/>
-            </a:xfrm>
-            <a:custGeom>
-              <a:avLst/>
-              <a:gdLst/>
-              <a:ahLst/>
-              <a:cxnLst/>
-              <a:rect l="0" t="0" r="0" b="0"/>
-              <a:pathLst>
-                <a:path w="7527" h="7526" fill="none" extrusionOk="0">
-                  <a:moveTo>
-                    <a:pt x="5992" y="0"/>
-                  </a:moveTo>
-                  <a:lnTo>
-                    <a:pt x="537" y="6430"/>
-                  </a:lnTo>
-                  <a:lnTo>
-                    <a:pt x="1" y="7526"/>
-                  </a:lnTo>
-                  <a:lnTo>
-                    <a:pt x="1097" y="6990"/>
-                  </a:lnTo>
-                  <a:lnTo>
-                    <a:pt x="7526" y="1534"/>
-                  </a:lnTo>
-                  <a:lnTo>
-                    <a:pt x="5992" y="0"/>
-                  </a:lnTo>
-                  <a:close/>
-                </a:path>
-              </a:pathLst>
-            </a:custGeom>
-            <a:noFill/>
-            <a:ln w="9525" cap="rnd" cmpd="sng">
-              <a:solidFill>
-                <a:srgbClr val="000000"/>
-              </a:solidFill>
-              <a:prstDash val="solid"/>
-              <a:round/>
-              <a:headEnd type="none" w="med" len="med"/>
-              <a:tailEnd type="none" w="med" len="med"/>
-            </a:ln>
-          </p:spPr>
-          <p:txBody>
-            <a:bodyPr lIns="91425" tIns="91425" rIns="91425" bIns="91425" anchor="ctr" anchorCtr="0">
-              <a:noAutofit/>
-            </a:bodyPr>
-            <a:lstStyle/>
-            <a:p>
-              <a:pPr lvl="0">
-                <a:spcBef>
-                  <a:spcPts val="0"/>
-                </a:spcBef>
-                <a:buNone/>
-              </a:pPr>
-              <a:endParaRPr/>
-            </a:p>
-          </p:txBody>
-        </p:sp>
-        <p:sp>
-          <p:nvSpPr>
-            <p:cNvPr id="6" name="Shape 115"/>
-            <p:cNvSpPr/>
-            <p:nvPr/>
-          </p:nvSpPr>
-          <p:spPr>
-            <a:xfrm>
-              <a:off x="2857700" y="1631825"/>
-              <a:ext cx="175975" cy="176000"/>
-            </a:xfrm>
-            <a:custGeom>
-              <a:avLst/>
-              <a:gdLst/>
-              <a:ahLst/>
-              <a:cxnLst/>
-              <a:rect l="0" t="0" r="0" b="0"/>
-              <a:pathLst>
-                <a:path w="7039" h="7040" fill="none" extrusionOk="0">
-                  <a:moveTo>
-                    <a:pt x="268" y="2704"/>
-                  </a:moveTo>
-                  <a:lnTo>
-                    <a:pt x="4336" y="6771"/>
-                  </a:lnTo>
-                  <a:lnTo>
-                    <a:pt x="4336" y="6771"/>
-                  </a:lnTo>
-                  <a:lnTo>
-                    <a:pt x="4336" y="6771"/>
-                  </a:lnTo>
-                  <a:lnTo>
-                    <a:pt x="4652" y="6917"/>
-                  </a:lnTo>
-                  <a:lnTo>
-                    <a:pt x="4993" y="7015"/>
-                  </a:lnTo>
-                  <a:lnTo>
-                    <a:pt x="5310" y="7039"/>
-                  </a:lnTo>
-                  <a:lnTo>
-                    <a:pt x="5651" y="7039"/>
-                  </a:lnTo>
-                  <a:lnTo>
-                    <a:pt x="5992" y="6966"/>
-                  </a:lnTo>
-                  <a:lnTo>
-                    <a:pt x="6308" y="6844"/>
-                  </a:lnTo>
-                  <a:lnTo>
-                    <a:pt x="6454" y="6747"/>
-                  </a:lnTo>
-                  <a:lnTo>
-                    <a:pt x="6601" y="6674"/>
-                  </a:lnTo>
-                  <a:lnTo>
-                    <a:pt x="6747" y="6552"/>
-                  </a:lnTo>
-                  <a:lnTo>
-                    <a:pt x="6893" y="6430"/>
-                  </a:lnTo>
-                  <a:lnTo>
-                    <a:pt x="6893" y="6430"/>
-                  </a:lnTo>
-                  <a:lnTo>
-                    <a:pt x="6942" y="6357"/>
-                  </a:lnTo>
-                  <a:lnTo>
-                    <a:pt x="7015" y="6260"/>
-                  </a:lnTo>
-                  <a:lnTo>
-                    <a:pt x="7039" y="6138"/>
-                  </a:lnTo>
-                  <a:lnTo>
-                    <a:pt x="7039" y="6041"/>
-                  </a:lnTo>
-                  <a:lnTo>
-                    <a:pt x="7039" y="6041"/>
-                  </a:lnTo>
-                  <a:lnTo>
-                    <a:pt x="7039" y="5943"/>
-                  </a:lnTo>
-                  <a:lnTo>
-                    <a:pt x="7015" y="5846"/>
-                  </a:lnTo>
-                  <a:lnTo>
-                    <a:pt x="6942" y="5748"/>
-                  </a:lnTo>
-                  <a:lnTo>
-                    <a:pt x="6893" y="5651"/>
-                  </a:lnTo>
-                  <a:lnTo>
-                    <a:pt x="1389" y="147"/>
-                  </a:lnTo>
-                  <a:lnTo>
-                    <a:pt x="1389" y="147"/>
-                  </a:lnTo>
-                  <a:lnTo>
-                    <a:pt x="1291" y="98"/>
-                  </a:lnTo>
-                  <a:lnTo>
-                    <a:pt x="1194" y="25"/>
-                  </a:lnTo>
-                  <a:lnTo>
-                    <a:pt x="1096" y="0"/>
-                  </a:lnTo>
-                  <a:lnTo>
-                    <a:pt x="999" y="0"/>
-                  </a:lnTo>
-                  <a:lnTo>
-                    <a:pt x="999" y="0"/>
-                  </a:lnTo>
-                  <a:lnTo>
-                    <a:pt x="902" y="0"/>
-                  </a:lnTo>
-                  <a:lnTo>
-                    <a:pt x="780" y="25"/>
-                  </a:lnTo>
-                  <a:lnTo>
-                    <a:pt x="682" y="98"/>
-                  </a:lnTo>
-                  <a:lnTo>
-                    <a:pt x="609" y="147"/>
-                  </a:lnTo>
-                  <a:lnTo>
-                    <a:pt x="609" y="147"/>
-                  </a:lnTo>
-                  <a:lnTo>
-                    <a:pt x="487" y="293"/>
-                  </a:lnTo>
-                  <a:lnTo>
-                    <a:pt x="366" y="439"/>
-                  </a:lnTo>
-                  <a:lnTo>
-                    <a:pt x="293" y="585"/>
-                  </a:lnTo>
-                  <a:lnTo>
-                    <a:pt x="195" y="731"/>
-                  </a:lnTo>
-                  <a:lnTo>
-                    <a:pt x="73" y="1048"/>
-                  </a:lnTo>
-                  <a:lnTo>
-                    <a:pt x="0" y="1389"/>
-                  </a:lnTo>
-                  <a:lnTo>
-                    <a:pt x="0" y="1730"/>
-                  </a:lnTo>
-                  <a:lnTo>
-                    <a:pt x="25" y="2046"/>
-                  </a:lnTo>
-                  <a:lnTo>
-                    <a:pt x="122" y="2387"/>
-                  </a:lnTo>
-                  <a:lnTo>
-                    <a:pt x="268" y="2704"/>
-                  </a:lnTo>
-                  <a:lnTo>
-                    <a:pt x="268" y="2704"/>
-                  </a:lnTo>
-                  <a:close/>
-                </a:path>
-              </a:pathLst>
-            </a:custGeom>
-            <a:noFill/>
-            <a:ln w="9525" cap="rnd" cmpd="sng">
-              <a:solidFill>
-                <a:srgbClr val="000000"/>
-              </a:solidFill>
-              <a:prstDash val="solid"/>
-              <a:round/>
-              <a:headEnd type="none" w="med" len="med"/>
-              <a:tailEnd type="none" w="med" len="med"/>
-            </a:ln>
-          </p:spPr>
-          <p:txBody>
-            <a:bodyPr lIns="91425" tIns="91425" rIns="91425" bIns="91425" anchor="ctr" anchorCtr="0">
-              <a:noAutofit/>
-            </a:bodyPr>
-            <a:lstStyle/>
-            <a:p>
-              <a:pPr lvl="0">
-                <a:spcBef>
-                  <a:spcPts val="0"/>
-                </a:spcBef>
-                <a:buNone/>
-              </a:pPr>
-              <a:endParaRPr/>
-            </a:p>
-          </p:txBody>
-        </p:sp>
-        <p:sp>
-          <p:nvSpPr>
-            <p:cNvPr id="7" name="Shape 116"/>
-            <p:cNvSpPr/>
-            <p:nvPr/>
-          </p:nvSpPr>
-          <p:spPr>
-            <a:xfrm>
-              <a:off x="2662850" y="1699400"/>
-              <a:ext cx="303250" cy="303250"/>
-            </a:xfrm>
-            <a:custGeom>
-              <a:avLst/>
-              <a:gdLst/>
-              <a:ahLst/>
-              <a:cxnLst/>
-              <a:rect l="0" t="0" r="0" b="0"/>
-              <a:pathLst>
-                <a:path w="12130" h="12130" fill="none" extrusionOk="0">
-                  <a:moveTo>
-                    <a:pt x="8038" y="1"/>
-                  </a:moveTo>
-                  <a:lnTo>
-                    <a:pt x="4872" y="3191"/>
-                  </a:lnTo>
-                  <a:lnTo>
-                    <a:pt x="4872" y="3191"/>
-                  </a:lnTo>
-                  <a:lnTo>
-                    <a:pt x="4628" y="3094"/>
-                  </a:lnTo>
-                  <a:lnTo>
-                    <a:pt x="4385" y="2997"/>
-                  </a:lnTo>
-                  <a:lnTo>
-                    <a:pt x="4092" y="2899"/>
-                  </a:lnTo>
-                  <a:lnTo>
-                    <a:pt x="3800" y="2850"/>
-                  </a:lnTo>
-                  <a:lnTo>
-                    <a:pt x="3484" y="2777"/>
-                  </a:lnTo>
-                  <a:lnTo>
-                    <a:pt x="3167" y="2729"/>
-                  </a:lnTo>
-                  <a:lnTo>
-                    <a:pt x="2850" y="2704"/>
-                  </a:lnTo>
-                  <a:lnTo>
-                    <a:pt x="2534" y="2704"/>
-                  </a:lnTo>
-                  <a:lnTo>
-                    <a:pt x="2534" y="2704"/>
-                  </a:lnTo>
-                  <a:lnTo>
-                    <a:pt x="2241" y="2704"/>
-                  </a:lnTo>
-                  <a:lnTo>
-                    <a:pt x="1949" y="2729"/>
-                  </a:lnTo>
-                  <a:lnTo>
-                    <a:pt x="1633" y="2777"/>
-                  </a:lnTo>
-                  <a:lnTo>
-                    <a:pt x="1316" y="2850"/>
-                  </a:lnTo>
-                  <a:lnTo>
-                    <a:pt x="999" y="2972"/>
-                  </a:lnTo>
-                  <a:lnTo>
-                    <a:pt x="707" y="3094"/>
-                  </a:lnTo>
-                  <a:lnTo>
-                    <a:pt x="415" y="3289"/>
-                  </a:lnTo>
-                  <a:lnTo>
-                    <a:pt x="147" y="3508"/>
-                  </a:lnTo>
-                  <a:lnTo>
-                    <a:pt x="147" y="3508"/>
-                  </a:lnTo>
-                  <a:lnTo>
-                    <a:pt x="74" y="3581"/>
-                  </a:lnTo>
-                  <a:lnTo>
-                    <a:pt x="25" y="3678"/>
-                  </a:lnTo>
-                  <a:lnTo>
-                    <a:pt x="1" y="3776"/>
-                  </a:lnTo>
-                  <a:lnTo>
-                    <a:pt x="1" y="3898"/>
-                  </a:lnTo>
-                  <a:lnTo>
-                    <a:pt x="1" y="3898"/>
-                  </a:lnTo>
-                  <a:lnTo>
-                    <a:pt x="1" y="3995"/>
-                  </a:lnTo>
-                  <a:lnTo>
-                    <a:pt x="25" y="4093"/>
-                  </a:lnTo>
-                  <a:lnTo>
-                    <a:pt x="74" y="4190"/>
-                  </a:lnTo>
-                  <a:lnTo>
-                    <a:pt x="147" y="4287"/>
-                  </a:lnTo>
-                  <a:lnTo>
-                    <a:pt x="7843" y="11984"/>
-                  </a:lnTo>
-                  <a:lnTo>
-                    <a:pt x="7843" y="11984"/>
-                  </a:lnTo>
-                  <a:lnTo>
-                    <a:pt x="7941" y="12057"/>
-                  </a:lnTo>
-                  <a:lnTo>
-                    <a:pt x="8038" y="12105"/>
-                  </a:lnTo>
-                  <a:lnTo>
-                    <a:pt x="8135" y="12130"/>
-                  </a:lnTo>
-                  <a:lnTo>
-                    <a:pt x="8233" y="12130"/>
-                  </a:lnTo>
-                  <a:lnTo>
-                    <a:pt x="8233" y="12130"/>
-                  </a:lnTo>
-                  <a:lnTo>
-                    <a:pt x="8355" y="12130"/>
-                  </a:lnTo>
-                  <a:lnTo>
-                    <a:pt x="8452" y="12105"/>
-                  </a:lnTo>
-                  <a:lnTo>
-                    <a:pt x="8549" y="12057"/>
-                  </a:lnTo>
-                  <a:lnTo>
-                    <a:pt x="8622" y="11984"/>
-                  </a:lnTo>
-                  <a:lnTo>
-                    <a:pt x="8622" y="11984"/>
-                  </a:lnTo>
-                  <a:lnTo>
-                    <a:pt x="8842" y="11716"/>
-                  </a:lnTo>
-                  <a:lnTo>
-                    <a:pt x="9036" y="11423"/>
-                  </a:lnTo>
-                  <a:lnTo>
-                    <a:pt x="9158" y="11131"/>
-                  </a:lnTo>
-                  <a:lnTo>
-                    <a:pt x="9280" y="10814"/>
-                  </a:lnTo>
-                  <a:lnTo>
-                    <a:pt x="9353" y="10498"/>
-                  </a:lnTo>
-                  <a:lnTo>
-                    <a:pt x="9402" y="10181"/>
-                  </a:lnTo>
-                  <a:lnTo>
-                    <a:pt x="9426" y="9889"/>
-                  </a:lnTo>
-                  <a:lnTo>
-                    <a:pt x="9426" y="9597"/>
-                  </a:lnTo>
-                  <a:lnTo>
-                    <a:pt x="9426" y="9597"/>
-                  </a:lnTo>
-                  <a:lnTo>
-                    <a:pt x="9426" y="9280"/>
-                  </a:lnTo>
-                  <a:lnTo>
-                    <a:pt x="9402" y="8964"/>
-                  </a:lnTo>
-                  <a:lnTo>
-                    <a:pt x="9353" y="8647"/>
-                  </a:lnTo>
-                  <a:lnTo>
-                    <a:pt x="9280" y="8330"/>
-                  </a:lnTo>
-                  <a:lnTo>
-                    <a:pt x="9231" y="8038"/>
-                  </a:lnTo>
-                  <a:lnTo>
-                    <a:pt x="9134" y="7746"/>
-                  </a:lnTo>
-                  <a:lnTo>
-                    <a:pt x="9036" y="7502"/>
-                  </a:lnTo>
-                  <a:lnTo>
-                    <a:pt x="8939" y="7259"/>
-                  </a:lnTo>
-                  <a:lnTo>
-                    <a:pt x="12130" y="4093"/>
-                  </a:lnTo>
-                </a:path>
-              </a:pathLst>
-            </a:custGeom>
-            <a:noFill/>
-            <a:ln w="9525" cap="rnd" cmpd="sng">
-              <a:solidFill>
-                <a:srgbClr val="000000"/>
-              </a:solidFill>
-              <a:prstDash val="solid"/>
-              <a:round/>
-              <a:headEnd type="none" w="med" len="med"/>
-              <a:tailEnd type="none" w="med" len="med"/>
-            </a:ln>
-          </p:spPr>
-          <p:txBody>
-            <a:bodyPr lIns="91425" tIns="91425" rIns="91425" bIns="91425" anchor="ctr" anchorCtr="0">
-              <a:noAutofit/>
-            </a:bodyPr>
-            <a:lstStyle/>
-            <a:p>
-              <a:pPr lvl="0">
-                <a:spcBef>
-                  <a:spcPts val="0"/>
-                </a:spcBef>
-                <a:buNone/>
-              </a:pPr>
-              <a:endParaRPr/>
-            </a:p>
-          </p:txBody>
-        </p:sp>
-        <p:sp>
-          <p:nvSpPr>
-            <p:cNvPr id="8" name="Shape 117"/>
-            <p:cNvSpPr/>
-            <p:nvPr/>
-          </p:nvSpPr>
-          <p:spPr>
-            <a:xfrm>
-              <a:off x="2814911" y="1754061"/>
-              <a:ext cx="49950" cy="49950"/>
-            </a:xfrm>
-            <a:custGeom>
-              <a:avLst/>
-              <a:gdLst/>
-              <a:ahLst/>
-              <a:cxnLst/>
-              <a:rect l="0" t="0" r="0" b="0"/>
-              <a:pathLst>
-                <a:path w="1998" h="1998" fill="none" extrusionOk="0">
-                  <a:moveTo>
-                    <a:pt x="1" y="1997"/>
-                  </a:moveTo>
-                  <a:lnTo>
-                    <a:pt x="1998" y="0"/>
-                  </a:lnTo>
-                </a:path>
-              </a:pathLst>
-            </a:custGeom>
-            <a:noFill/>
-            <a:ln w="9525" cap="rnd" cmpd="sng">
-              <a:solidFill>
-                <a:srgbClr val="000000"/>
-              </a:solidFill>
-              <a:prstDash val="solid"/>
-              <a:round/>
-              <a:headEnd type="none" w="med" len="med"/>
-              <a:tailEnd type="none" w="med" len="med"/>
-            </a:ln>
-          </p:spPr>
-          <p:txBody>
-            <a:bodyPr lIns="91425" tIns="91425" rIns="91425" bIns="91425" anchor="ctr" anchorCtr="0">
-              <a:noAutofit/>
-            </a:bodyPr>
-            <a:lstStyle/>
-            <a:p>
-              <a:pPr lvl="0">
-                <a:spcBef>
-                  <a:spcPts val="0"/>
-                </a:spcBef>
-                <a:buNone/>
-              </a:pPr>
-              <a:endParaRPr/>
-            </a:p>
-          </p:txBody>
-        </p:sp>
-      </p:grpSp>
-    </p:spTree>
-    <p:extLst>
-      <p:ext uri="{BB962C8B-B14F-4D97-AF65-F5344CB8AC3E}">
-        <p14:creationId xmlns:p14="http://schemas.microsoft.com/office/powerpoint/2010/main" val="1200729802"/>
-      </p:ext>
-    </p:extLst>
-  </p:cSld>
-  <p:clrMapOvr>
-    <a:masterClrMapping/>
-  </p:clrMapOvr>
-</p:sld>
-</file>
-
-<file path=ppt/slides/slide44.xml><?xml version="1.0" encoding="utf-8"?>
-<p:sld xmlns:a="http://schemas.openxmlformats.org/drawingml/2006/main" xmlns:r="http://schemas.openxmlformats.org/officeDocument/2006/relationships" xmlns:p="http://schemas.openxmlformats.org/presentationml/2006/main">
-  <p:cSld>
-    <p:spTree>
-      <p:nvGrpSpPr>
         <p:cNvPr id="1" name="Shape 110"/>
         <p:cNvGrpSpPr/>
         <p:nvPr/>
@@ -33728,7 +33078,7 @@
 </p:sld>
 </file>
 
-<file path=ppt/slides/slide45.xml><?xml version="1.0" encoding="utf-8"?>
+<file path=ppt/slides/slide44.xml><?xml version="1.0" encoding="utf-8"?>
 <p:sld xmlns:a="http://schemas.openxmlformats.org/drawingml/2006/main" xmlns:r="http://schemas.openxmlformats.org/officeDocument/2006/relationships" xmlns:p="http://schemas.openxmlformats.org/presentationml/2006/main">
   <p:cSld>
     <p:spTree>
@@ -33872,7 +33222,7 @@
 </p:sld>
 </file>
 
-<file path=ppt/slides/slide46.xml><?xml version="1.0" encoding="utf-8"?>
+<file path=ppt/slides/slide45.xml><?xml version="1.0" encoding="utf-8"?>
 <p:sld xmlns:a="http://schemas.openxmlformats.org/drawingml/2006/main" xmlns:r="http://schemas.openxmlformats.org/officeDocument/2006/relationships" xmlns:p="http://schemas.openxmlformats.org/presentationml/2006/main">
   <p:cSld>
     <p:spTree>
@@ -34569,7 +33919,7 @@
 </p:sld>
 </file>
 
-<file path=ppt/slides/slide47.xml><?xml version="1.0" encoding="utf-8"?>
+<file path=ppt/slides/slide46.xml><?xml version="1.0" encoding="utf-8"?>
 <p:sld xmlns:a="http://schemas.openxmlformats.org/drawingml/2006/main" xmlns:r="http://schemas.openxmlformats.org/officeDocument/2006/relationships" xmlns:p="http://schemas.openxmlformats.org/presentationml/2006/main">
   <p:cSld>
     <p:spTree>
@@ -35966,7 +35316,7 @@
 </p:sld>
 </file>
 
-<file path=ppt/slides/slide48.xml><?xml version="1.0" encoding="utf-8"?>
+<file path=ppt/slides/slide47.xml><?xml version="1.0" encoding="utf-8"?>
 <p:sld xmlns:a="http://schemas.openxmlformats.org/drawingml/2006/main" xmlns:r="http://schemas.openxmlformats.org/officeDocument/2006/relationships" xmlns:p="http://schemas.openxmlformats.org/presentationml/2006/main">
   <p:cSld>
     <p:spTree>
@@ -36114,7 +35464,7 @@
 </p:sld>
 </file>
 
-<file path=ppt/slides/slide49.xml><?xml version="1.0" encoding="utf-8"?>
+<file path=ppt/slides/slide48.xml><?xml version="1.0" encoding="utf-8"?>
 <p:sld xmlns:a="http://schemas.openxmlformats.org/drawingml/2006/main" xmlns:r="http://schemas.openxmlformats.org/officeDocument/2006/relationships" xmlns:p="http://schemas.openxmlformats.org/presentationml/2006/main">
   <p:cSld>
     <p:spTree>
@@ -36823,742 +36173,7 @@
 </p:sld>
 </file>
 
-<file path=ppt/slides/slide5.xml><?xml version="1.0" encoding="utf-8"?>
-<p:sld xmlns:a="http://schemas.openxmlformats.org/drawingml/2006/main" xmlns:r="http://schemas.openxmlformats.org/officeDocument/2006/relationships" xmlns:p="http://schemas.openxmlformats.org/presentationml/2006/main">
-  <p:cSld>
-    <p:spTree>
-      <p:nvGrpSpPr>
-        <p:cNvPr id="1" name="Shape 110"/>
-        <p:cNvGrpSpPr/>
-        <p:nvPr/>
-      </p:nvGrpSpPr>
-      <p:grpSpPr>
-        <a:xfrm>
-          <a:off x="0" y="0"/>
-          <a:ext cx="0" cy="0"/>
-          <a:chOff x="0" y="0"/>
-          <a:chExt cx="0" cy="0"/>
-        </a:xfrm>
-      </p:grpSpPr>
-      <p:sp>
-        <p:nvSpPr>
-          <p:cNvPr id="111" name="Shape 111"/>
-          <p:cNvSpPr txBox="1">
-            <a:spLocks noGrp="1"/>
-          </p:cNvSpPr>
-          <p:nvPr>
-            <p:ph type="title"/>
-          </p:nvPr>
-        </p:nvSpPr>
-        <p:spPr>
-          <a:xfrm>
-            <a:off x="1381250" y="922668"/>
-            <a:ext cx="3878399" cy="435599"/>
-          </a:xfrm>
-          <a:prstGeom prst="rect">
-            <a:avLst/>
-          </a:prstGeom>
-        </p:spPr>
-        <p:txBody>
-          <a:bodyPr lIns="91425" tIns="91425" rIns="91425" bIns="91425" anchor="ctr" anchorCtr="0">
-            <a:noAutofit/>
-          </a:bodyPr>
-          <a:lstStyle/>
-          <a:p>
-            <a:pPr lvl="0">
-              <a:spcBef>
-                <a:spcPts val="0"/>
-              </a:spcBef>
-              <a:buNone/>
-            </a:pPr>
-            <a:r>
-              <a:rPr lang="en" dirty="0">
-                <a:highlight>
-                  <a:srgbClr val="FFCD00"/>
-                </a:highlight>
-              </a:rPr>
-              <a:t>Projektaufwand</a:t>
-            </a:r>
-          </a:p>
-        </p:txBody>
-      </p:sp>
-      <p:sp>
-        <p:nvSpPr>
-          <p:cNvPr id="112" name="Shape 112"/>
-          <p:cNvSpPr txBox="1">
-            <a:spLocks noGrp="1"/>
-          </p:cNvSpPr>
-          <p:nvPr>
-            <p:ph type="body" idx="1"/>
-          </p:nvPr>
-        </p:nvSpPr>
-        <p:spPr>
-          <a:xfrm>
-            <a:off x="1381250" y="1616470"/>
-            <a:ext cx="6809700" cy="3112200"/>
-          </a:xfrm>
-          <a:prstGeom prst="rect">
-            <a:avLst/>
-          </a:prstGeom>
-        </p:spPr>
-        <p:txBody>
-          <a:bodyPr lIns="91425" tIns="91425" rIns="91425" bIns="91425" anchor="t" anchorCtr="0">
-            <a:noAutofit/>
-          </a:bodyPr>
-          <a:lstStyle/>
-          <a:p>
-            <a:pPr marL="457200" lvl="0" indent="-228600">
-              <a:spcBef>
-                <a:spcPts val="0"/>
-              </a:spcBef>
-            </a:pPr>
-            <a:r>
-              <a:rPr lang="en" dirty="0"/>
-              <a:t>Lines of Code	</a:t>
-            </a:r>
-            <a:r>
-              <a:rPr lang="en" dirty="0">
-                <a:sym typeface="Wingdings" pitchFamily="2" charset="2"/>
-              </a:rPr>
-              <a:t>   </a:t>
-            </a:r>
-            <a:r>
-              <a:rPr lang="en" dirty="0"/>
-              <a:t> 1941</a:t>
-            </a:r>
-          </a:p>
-          <a:p>
-            <a:pPr marL="228600" lvl="0">
-              <a:spcBef>
-                <a:spcPts val="0"/>
-              </a:spcBef>
-              <a:buNone/>
-            </a:pPr>
-            <a:r>
-              <a:rPr lang="en" dirty="0">
-                <a:sym typeface="Wingdings" pitchFamily="2" charset="2"/>
-              </a:rPr>
-              <a:t> </a:t>
-            </a:r>
-            <a:r>
-              <a:rPr lang="en" dirty="0"/>
-              <a:t>Persistence     	     </a:t>
-            </a:r>
-            <a:r>
-              <a:rPr lang="en" dirty="0">
-                <a:sym typeface="Wingdings" pitchFamily="2" charset="2"/>
-              </a:rPr>
-              <a:t>843</a:t>
-            </a:r>
-            <a:endParaRPr lang="en" dirty="0"/>
-          </a:p>
-          <a:p>
-            <a:pPr marL="228600" lvl="0">
-              <a:spcBef>
-                <a:spcPts val="0"/>
-              </a:spcBef>
-              <a:buNone/>
-            </a:pPr>
-            <a:r>
-              <a:rPr lang="en" dirty="0">
-                <a:sym typeface="Wingdings" pitchFamily="2" charset="2"/>
-              </a:rPr>
-              <a:t> </a:t>
-            </a:r>
-            <a:r>
-              <a:rPr lang="en" dirty="0"/>
-              <a:t>Game		     511</a:t>
-            </a:r>
-          </a:p>
-          <a:p>
-            <a:pPr marL="228600" lvl="0">
-              <a:spcBef>
-                <a:spcPts val="0"/>
-              </a:spcBef>
-              <a:buNone/>
-            </a:pPr>
-            <a:r>
-              <a:rPr lang="en" dirty="0">
-                <a:sym typeface="Wingdings" pitchFamily="2" charset="2"/>
-              </a:rPr>
-              <a:t> Gui		     587</a:t>
-            </a:r>
-            <a:endParaRPr lang="en" dirty="0"/>
-          </a:p>
-        </p:txBody>
-      </p:sp>
-      <p:grpSp>
-        <p:nvGrpSpPr>
-          <p:cNvPr id="113" name="Shape 113"/>
-          <p:cNvGrpSpPr/>
-          <p:nvPr/>
-        </p:nvGrpSpPr>
-        <p:grpSpPr>
-          <a:xfrm>
-            <a:off x="916458" y="1019750"/>
-            <a:ext cx="214624" cy="214624"/>
-            <a:chOff x="2594050" y="1631825"/>
-            <a:chExt cx="439625" cy="439625"/>
-          </a:xfrm>
-        </p:grpSpPr>
-        <p:sp>
-          <p:nvSpPr>
-            <p:cNvPr id="114" name="Shape 114"/>
-            <p:cNvSpPr/>
-            <p:nvPr/>
-          </p:nvSpPr>
-          <p:spPr>
-            <a:xfrm>
-              <a:off x="2594050" y="1883300"/>
-              <a:ext cx="188175" cy="188150"/>
-            </a:xfrm>
-            <a:custGeom>
-              <a:avLst/>
-              <a:gdLst/>
-              <a:ahLst/>
-              <a:cxnLst/>
-              <a:rect l="0" t="0" r="0" b="0"/>
-              <a:pathLst>
-                <a:path w="7527" h="7526" fill="none" extrusionOk="0">
-                  <a:moveTo>
-                    <a:pt x="5992" y="0"/>
-                  </a:moveTo>
-                  <a:lnTo>
-                    <a:pt x="537" y="6430"/>
-                  </a:lnTo>
-                  <a:lnTo>
-                    <a:pt x="1" y="7526"/>
-                  </a:lnTo>
-                  <a:lnTo>
-                    <a:pt x="1097" y="6990"/>
-                  </a:lnTo>
-                  <a:lnTo>
-                    <a:pt x="7526" y="1534"/>
-                  </a:lnTo>
-                  <a:lnTo>
-                    <a:pt x="5992" y="0"/>
-                  </a:lnTo>
-                  <a:close/>
-                </a:path>
-              </a:pathLst>
-            </a:custGeom>
-            <a:noFill/>
-            <a:ln w="9525" cap="rnd" cmpd="sng">
-              <a:solidFill>
-                <a:srgbClr val="000000"/>
-              </a:solidFill>
-              <a:prstDash val="solid"/>
-              <a:round/>
-              <a:headEnd type="none" w="med" len="med"/>
-              <a:tailEnd type="none" w="med" len="med"/>
-            </a:ln>
-          </p:spPr>
-          <p:txBody>
-            <a:bodyPr lIns="91425" tIns="91425" rIns="91425" bIns="91425" anchor="ctr" anchorCtr="0">
-              <a:noAutofit/>
-            </a:bodyPr>
-            <a:lstStyle/>
-            <a:p>
-              <a:pPr lvl="0">
-                <a:spcBef>
-                  <a:spcPts val="0"/>
-                </a:spcBef>
-                <a:buNone/>
-              </a:pPr>
-              <a:endParaRPr/>
-            </a:p>
-          </p:txBody>
-        </p:sp>
-        <p:sp>
-          <p:nvSpPr>
-            <p:cNvPr id="115" name="Shape 115"/>
-            <p:cNvSpPr/>
-            <p:nvPr/>
-          </p:nvSpPr>
-          <p:spPr>
-            <a:xfrm>
-              <a:off x="2857700" y="1631825"/>
-              <a:ext cx="175975" cy="176000"/>
-            </a:xfrm>
-            <a:custGeom>
-              <a:avLst/>
-              <a:gdLst/>
-              <a:ahLst/>
-              <a:cxnLst/>
-              <a:rect l="0" t="0" r="0" b="0"/>
-              <a:pathLst>
-                <a:path w="7039" h="7040" fill="none" extrusionOk="0">
-                  <a:moveTo>
-                    <a:pt x="268" y="2704"/>
-                  </a:moveTo>
-                  <a:lnTo>
-                    <a:pt x="4336" y="6771"/>
-                  </a:lnTo>
-                  <a:lnTo>
-                    <a:pt x="4336" y="6771"/>
-                  </a:lnTo>
-                  <a:lnTo>
-                    <a:pt x="4336" y="6771"/>
-                  </a:lnTo>
-                  <a:lnTo>
-                    <a:pt x="4652" y="6917"/>
-                  </a:lnTo>
-                  <a:lnTo>
-                    <a:pt x="4993" y="7015"/>
-                  </a:lnTo>
-                  <a:lnTo>
-                    <a:pt x="5310" y="7039"/>
-                  </a:lnTo>
-                  <a:lnTo>
-                    <a:pt x="5651" y="7039"/>
-                  </a:lnTo>
-                  <a:lnTo>
-                    <a:pt x="5992" y="6966"/>
-                  </a:lnTo>
-                  <a:lnTo>
-                    <a:pt x="6308" y="6844"/>
-                  </a:lnTo>
-                  <a:lnTo>
-                    <a:pt x="6454" y="6747"/>
-                  </a:lnTo>
-                  <a:lnTo>
-                    <a:pt x="6601" y="6674"/>
-                  </a:lnTo>
-                  <a:lnTo>
-                    <a:pt x="6747" y="6552"/>
-                  </a:lnTo>
-                  <a:lnTo>
-                    <a:pt x="6893" y="6430"/>
-                  </a:lnTo>
-                  <a:lnTo>
-                    <a:pt x="6893" y="6430"/>
-                  </a:lnTo>
-                  <a:lnTo>
-                    <a:pt x="6942" y="6357"/>
-                  </a:lnTo>
-                  <a:lnTo>
-                    <a:pt x="7015" y="6260"/>
-                  </a:lnTo>
-                  <a:lnTo>
-                    <a:pt x="7039" y="6138"/>
-                  </a:lnTo>
-                  <a:lnTo>
-                    <a:pt x="7039" y="6041"/>
-                  </a:lnTo>
-                  <a:lnTo>
-                    <a:pt x="7039" y="6041"/>
-                  </a:lnTo>
-                  <a:lnTo>
-                    <a:pt x="7039" y="5943"/>
-                  </a:lnTo>
-                  <a:lnTo>
-                    <a:pt x="7015" y="5846"/>
-                  </a:lnTo>
-                  <a:lnTo>
-                    <a:pt x="6942" y="5748"/>
-                  </a:lnTo>
-                  <a:lnTo>
-                    <a:pt x="6893" y="5651"/>
-                  </a:lnTo>
-                  <a:lnTo>
-                    <a:pt x="1389" y="147"/>
-                  </a:lnTo>
-                  <a:lnTo>
-                    <a:pt x="1389" y="147"/>
-                  </a:lnTo>
-                  <a:lnTo>
-                    <a:pt x="1291" y="98"/>
-                  </a:lnTo>
-                  <a:lnTo>
-                    <a:pt x="1194" y="25"/>
-                  </a:lnTo>
-                  <a:lnTo>
-                    <a:pt x="1096" y="0"/>
-                  </a:lnTo>
-                  <a:lnTo>
-                    <a:pt x="999" y="0"/>
-                  </a:lnTo>
-                  <a:lnTo>
-                    <a:pt x="999" y="0"/>
-                  </a:lnTo>
-                  <a:lnTo>
-                    <a:pt x="902" y="0"/>
-                  </a:lnTo>
-                  <a:lnTo>
-                    <a:pt x="780" y="25"/>
-                  </a:lnTo>
-                  <a:lnTo>
-                    <a:pt x="682" y="98"/>
-                  </a:lnTo>
-                  <a:lnTo>
-                    <a:pt x="609" y="147"/>
-                  </a:lnTo>
-                  <a:lnTo>
-                    <a:pt x="609" y="147"/>
-                  </a:lnTo>
-                  <a:lnTo>
-                    <a:pt x="487" y="293"/>
-                  </a:lnTo>
-                  <a:lnTo>
-                    <a:pt x="366" y="439"/>
-                  </a:lnTo>
-                  <a:lnTo>
-                    <a:pt x="293" y="585"/>
-                  </a:lnTo>
-                  <a:lnTo>
-                    <a:pt x="195" y="731"/>
-                  </a:lnTo>
-                  <a:lnTo>
-                    <a:pt x="73" y="1048"/>
-                  </a:lnTo>
-                  <a:lnTo>
-                    <a:pt x="0" y="1389"/>
-                  </a:lnTo>
-                  <a:lnTo>
-                    <a:pt x="0" y="1730"/>
-                  </a:lnTo>
-                  <a:lnTo>
-                    <a:pt x="25" y="2046"/>
-                  </a:lnTo>
-                  <a:lnTo>
-                    <a:pt x="122" y="2387"/>
-                  </a:lnTo>
-                  <a:lnTo>
-                    <a:pt x="268" y="2704"/>
-                  </a:lnTo>
-                  <a:lnTo>
-                    <a:pt x="268" y="2704"/>
-                  </a:lnTo>
-                  <a:close/>
-                </a:path>
-              </a:pathLst>
-            </a:custGeom>
-            <a:noFill/>
-            <a:ln w="9525" cap="rnd" cmpd="sng">
-              <a:solidFill>
-                <a:srgbClr val="000000"/>
-              </a:solidFill>
-              <a:prstDash val="solid"/>
-              <a:round/>
-              <a:headEnd type="none" w="med" len="med"/>
-              <a:tailEnd type="none" w="med" len="med"/>
-            </a:ln>
-          </p:spPr>
-          <p:txBody>
-            <a:bodyPr lIns="91425" tIns="91425" rIns="91425" bIns="91425" anchor="ctr" anchorCtr="0">
-              <a:noAutofit/>
-            </a:bodyPr>
-            <a:lstStyle/>
-            <a:p>
-              <a:pPr lvl="0">
-                <a:spcBef>
-                  <a:spcPts val="0"/>
-                </a:spcBef>
-                <a:buNone/>
-              </a:pPr>
-              <a:endParaRPr/>
-            </a:p>
-          </p:txBody>
-        </p:sp>
-        <p:sp>
-          <p:nvSpPr>
-            <p:cNvPr id="116" name="Shape 116"/>
-            <p:cNvSpPr/>
-            <p:nvPr/>
-          </p:nvSpPr>
-          <p:spPr>
-            <a:xfrm>
-              <a:off x="2662850" y="1699400"/>
-              <a:ext cx="303250" cy="303250"/>
-            </a:xfrm>
-            <a:custGeom>
-              <a:avLst/>
-              <a:gdLst/>
-              <a:ahLst/>
-              <a:cxnLst/>
-              <a:rect l="0" t="0" r="0" b="0"/>
-              <a:pathLst>
-                <a:path w="12130" h="12130" fill="none" extrusionOk="0">
-                  <a:moveTo>
-                    <a:pt x="8038" y="1"/>
-                  </a:moveTo>
-                  <a:lnTo>
-                    <a:pt x="4872" y="3191"/>
-                  </a:lnTo>
-                  <a:lnTo>
-                    <a:pt x="4872" y="3191"/>
-                  </a:lnTo>
-                  <a:lnTo>
-                    <a:pt x="4628" y="3094"/>
-                  </a:lnTo>
-                  <a:lnTo>
-                    <a:pt x="4385" y="2997"/>
-                  </a:lnTo>
-                  <a:lnTo>
-                    <a:pt x="4092" y="2899"/>
-                  </a:lnTo>
-                  <a:lnTo>
-                    <a:pt x="3800" y="2850"/>
-                  </a:lnTo>
-                  <a:lnTo>
-                    <a:pt x="3484" y="2777"/>
-                  </a:lnTo>
-                  <a:lnTo>
-                    <a:pt x="3167" y="2729"/>
-                  </a:lnTo>
-                  <a:lnTo>
-                    <a:pt x="2850" y="2704"/>
-                  </a:lnTo>
-                  <a:lnTo>
-                    <a:pt x="2534" y="2704"/>
-                  </a:lnTo>
-                  <a:lnTo>
-                    <a:pt x="2534" y="2704"/>
-                  </a:lnTo>
-                  <a:lnTo>
-                    <a:pt x="2241" y="2704"/>
-                  </a:lnTo>
-                  <a:lnTo>
-                    <a:pt x="1949" y="2729"/>
-                  </a:lnTo>
-                  <a:lnTo>
-                    <a:pt x="1633" y="2777"/>
-                  </a:lnTo>
-                  <a:lnTo>
-                    <a:pt x="1316" y="2850"/>
-                  </a:lnTo>
-                  <a:lnTo>
-                    <a:pt x="999" y="2972"/>
-                  </a:lnTo>
-                  <a:lnTo>
-                    <a:pt x="707" y="3094"/>
-                  </a:lnTo>
-                  <a:lnTo>
-                    <a:pt x="415" y="3289"/>
-                  </a:lnTo>
-                  <a:lnTo>
-                    <a:pt x="147" y="3508"/>
-                  </a:lnTo>
-                  <a:lnTo>
-                    <a:pt x="147" y="3508"/>
-                  </a:lnTo>
-                  <a:lnTo>
-                    <a:pt x="74" y="3581"/>
-                  </a:lnTo>
-                  <a:lnTo>
-                    <a:pt x="25" y="3678"/>
-                  </a:lnTo>
-                  <a:lnTo>
-                    <a:pt x="1" y="3776"/>
-                  </a:lnTo>
-                  <a:lnTo>
-                    <a:pt x="1" y="3898"/>
-                  </a:lnTo>
-                  <a:lnTo>
-                    <a:pt x="1" y="3898"/>
-                  </a:lnTo>
-                  <a:lnTo>
-                    <a:pt x="1" y="3995"/>
-                  </a:lnTo>
-                  <a:lnTo>
-                    <a:pt x="25" y="4093"/>
-                  </a:lnTo>
-                  <a:lnTo>
-                    <a:pt x="74" y="4190"/>
-                  </a:lnTo>
-                  <a:lnTo>
-                    <a:pt x="147" y="4287"/>
-                  </a:lnTo>
-                  <a:lnTo>
-                    <a:pt x="7843" y="11984"/>
-                  </a:lnTo>
-                  <a:lnTo>
-                    <a:pt x="7843" y="11984"/>
-                  </a:lnTo>
-                  <a:lnTo>
-                    <a:pt x="7941" y="12057"/>
-                  </a:lnTo>
-                  <a:lnTo>
-                    <a:pt x="8038" y="12105"/>
-                  </a:lnTo>
-                  <a:lnTo>
-                    <a:pt x="8135" y="12130"/>
-                  </a:lnTo>
-                  <a:lnTo>
-                    <a:pt x="8233" y="12130"/>
-                  </a:lnTo>
-                  <a:lnTo>
-                    <a:pt x="8233" y="12130"/>
-                  </a:lnTo>
-                  <a:lnTo>
-                    <a:pt x="8355" y="12130"/>
-                  </a:lnTo>
-                  <a:lnTo>
-                    <a:pt x="8452" y="12105"/>
-                  </a:lnTo>
-                  <a:lnTo>
-                    <a:pt x="8549" y="12057"/>
-                  </a:lnTo>
-                  <a:lnTo>
-                    <a:pt x="8622" y="11984"/>
-                  </a:lnTo>
-                  <a:lnTo>
-                    <a:pt x="8622" y="11984"/>
-                  </a:lnTo>
-                  <a:lnTo>
-                    <a:pt x="8842" y="11716"/>
-                  </a:lnTo>
-                  <a:lnTo>
-                    <a:pt x="9036" y="11423"/>
-                  </a:lnTo>
-                  <a:lnTo>
-                    <a:pt x="9158" y="11131"/>
-                  </a:lnTo>
-                  <a:lnTo>
-                    <a:pt x="9280" y="10814"/>
-                  </a:lnTo>
-                  <a:lnTo>
-                    <a:pt x="9353" y="10498"/>
-                  </a:lnTo>
-                  <a:lnTo>
-                    <a:pt x="9402" y="10181"/>
-                  </a:lnTo>
-                  <a:lnTo>
-                    <a:pt x="9426" y="9889"/>
-                  </a:lnTo>
-                  <a:lnTo>
-                    <a:pt x="9426" y="9597"/>
-                  </a:lnTo>
-                  <a:lnTo>
-                    <a:pt x="9426" y="9597"/>
-                  </a:lnTo>
-                  <a:lnTo>
-                    <a:pt x="9426" y="9280"/>
-                  </a:lnTo>
-                  <a:lnTo>
-                    <a:pt x="9402" y="8964"/>
-                  </a:lnTo>
-                  <a:lnTo>
-                    <a:pt x="9353" y="8647"/>
-                  </a:lnTo>
-                  <a:lnTo>
-                    <a:pt x="9280" y="8330"/>
-                  </a:lnTo>
-                  <a:lnTo>
-                    <a:pt x="9231" y="8038"/>
-                  </a:lnTo>
-                  <a:lnTo>
-                    <a:pt x="9134" y="7746"/>
-                  </a:lnTo>
-                  <a:lnTo>
-                    <a:pt x="9036" y="7502"/>
-                  </a:lnTo>
-                  <a:lnTo>
-                    <a:pt x="8939" y="7259"/>
-                  </a:lnTo>
-                  <a:lnTo>
-                    <a:pt x="12130" y="4093"/>
-                  </a:lnTo>
-                </a:path>
-              </a:pathLst>
-            </a:custGeom>
-            <a:noFill/>
-            <a:ln w="9525" cap="rnd" cmpd="sng">
-              <a:solidFill>
-                <a:srgbClr val="000000"/>
-              </a:solidFill>
-              <a:prstDash val="solid"/>
-              <a:round/>
-              <a:headEnd type="none" w="med" len="med"/>
-              <a:tailEnd type="none" w="med" len="med"/>
-            </a:ln>
-          </p:spPr>
-          <p:txBody>
-            <a:bodyPr lIns="91425" tIns="91425" rIns="91425" bIns="91425" anchor="ctr" anchorCtr="0">
-              <a:noAutofit/>
-            </a:bodyPr>
-            <a:lstStyle/>
-            <a:p>
-              <a:pPr lvl="0">
-                <a:spcBef>
-                  <a:spcPts val="0"/>
-                </a:spcBef>
-                <a:buNone/>
-              </a:pPr>
-              <a:endParaRPr/>
-            </a:p>
-          </p:txBody>
-        </p:sp>
-        <p:sp>
-          <p:nvSpPr>
-            <p:cNvPr id="117" name="Shape 117"/>
-            <p:cNvSpPr/>
-            <p:nvPr/>
-          </p:nvSpPr>
-          <p:spPr>
-            <a:xfrm>
-              <a:off x="2814911" y="1754061"/>
-              <a:ext cx="49950" cy="49950"/>
-            </a:xfrm>
-            <a:custGeom>
-              <a:avLst/>
-              <a:gdLst/>
-              <a:ahLst/>
-              <a:cxnLst/>
-              <a:rect l="0" t="0" r="0" b="0"/>
-              <a:pathLst>
-                <a:path w="1998" h="1998" fill="none" extrusionOk="0">
-                  <a:moveTo>
-                    <a:pt x="1" y="1997"/>
-                  </a:moveTo>
-                  <a:lnTo>
-                    <a:pt x="1998" y="0"/>
-                  </a:lnTo>
-                </a:path>
-              </a:pathLst>
-            </a:custGeom>
-            <a:noFill/>
-            <a:ln w="9525" cap="rnd" cmpd="sng">
-              <a:solidFill>
-                <a:srgbClr val="000000"/>
-              </a:solidFill>
-              <a:prstDash val="solid"/>
-              <a:round/>
-              <a:headEnd type="none" w="med" len="med"/>
-              <a:tailEnd type="none" w="med" len="med"/>
-            </a:ln>
-          </p:spPr>
-          <p:txBody>
-            <a:bodyPr lIns="91425" tIns="91425" rIns="91425" bIns="91425" anchor="ctr" anchorCtr="0">
-              <a:noAutofit/>
-            </a:bodyPr>
-            <a:lstStyle/>
-            <a:p>
-              <a:pPr lvl="0">
-                <a:spcBef>
-                  <a:spcPts val="0"/>
-                </a:spcBef>
-                <a:buNone/>
-              </a:pPr>
-              <a:endParaRPr/>
-            </a:p>
-          </p:txBody>
-        </p:sp>
-      </p:grpSp>
-    </p:spTree>
-    <p:extLst>
-      <p:ext uri="{BB962C8B-B14F-4D97-AF65-F5344CB8AC3E}">
-        <p14:creationId xmlns:p14="http://schemas.microsoft.com/office/powerpoint/2010/main" val="1279202038"/>
-      </p:ext>
-    </p:extLst>
-  </p:cSld>
-  <p:clrMapOvr>
-    <a:masterClrMapping/>
-  </p:clrMapOvr>
-</p:sld>
-</file>
-
-<file path=ppt/slides/slide50.xml><?xml version="1.0" encoding="utf-8"?>
+<file path=ppt/slides/slide49.xml><?xml version="1.0" encoding="utf-8"?>
 <p:sld xmlns:a="http://schemas.openxmlformats.org/drawingml/2006/main" xmlns:r="http://schemas.openxmlformats.org/officeDocument/2006/relationships" xmlns:p="http://schemas.openxmlformats.org/presentationml/2006/main">
   <p:cSld>
     <p:spTree>
@@ -38429,6 +37044,741 @@
     <p:extLst>
       <p:ext uri="{BB962C8B-B14F-4D97-AF65-F5344CB8AC3E}">
         <p14:creationId xmlns:p14="http://schemas.microsoft.com/office/powerpoint/2010/main" val="923769229"/>
+      </p:ext>
+    </p:extLst>
+  </p:cSld>
+  <p:clrMapOvr>
+    <a:masterClrMapping/>
+  </p:clrMapOvr>
+</p:sld>
+</file>
+
+<file path=ppt/slides/slide5.xml><?xml version="1.0" encoding="utf-8"?>
+<p:sld xmlns:a="http://schemas.openxmlformats.org/drawingml/2006/main" xmlns:r="http://schemas.openxmlformats.org/officeDocument/2006/relationships" xmlns:p="http://schemas.openxmlformats.org/presentationml/2006/main">
+  <p:cSld>
+    <p:spTree>
+      <p:nvGrpSpPr>
+        <p:cNvPr id="1" name="Shape 110"/>
+        <p:cNvGrpSpPr/>
+        <p:nvPr/>
+      </p:nvGrpSpPr>
+      <p:grpSpPr>
+        <a:xfrm>
+          <a:off x="0" y="0"/>
+          <a:ext cx="0" cy="0"/>
+          <a:chOff x="0" y="0"/>
+          <a:chExt cx="0" cy="0"/>
+        </a:xfrm>
+      </p:grpSpPr>
+      <p:sp>
+        <p:nvSpPr>
+          <p:cNvPr id="111" name="Shape 111"/>
+          <p:cNvSpPr txBox="1">
+            <a:spLocks noGrp="1"/>
+          </p:cNvSpPr>
+          <p:nvPr>
+            <p:ph type="title"/>
+          </p:nvPr>
+        </p:nvSpPr>
+        <p:spPr>
+          <a:xfrm>
+            <a:off x="1381250" y="922668"/>
+            <a:ext cx="3878399" cy="435599"/>
+          </a:xfrm>
+          <a:prstGeom prst="rect">
+            <a:avLst/>
+          </a:prstGeom>
+        </p:spPr>
+        <p:txBody>
+          <a:bodyPr lIns="91425" tIns="91425" rIns="91425" bIns="91425" anchor="ctr" anchorCtr="0">
+            <a:noAutofit/>
+          </a:bodyPr>
+          <a:lstStyle/>
+          <a:p>
+            <a:pPr lvl="0">
+              <a:spcBef>
+                <a:spcPts val="0"/>
+              </a:spcBef>
+              <a:buNone/>
+            </a:pPr>
+            <a:r>
+              <a:rPr lang="en" dirty="0">
+                <a:highlight>
+                  <a:srgbClr val="FFCD00"/>
+                </a:highlight>
+              </a:rPr>
+              <a:t>Projektaufwand</a:t>
+            </a:r>
+          </a:p>
+        </p:txBody>
+      </p:sp>
+      <p:sp>
+        <p:nvSpPr>
+          <p:cNvPr id="112" name="Shape 112"/>
+          <p:cNvSpPr txBox="1">
+            <a:spLocks noGrp="1"/>
+          </p:cNvSpPr>
+          <p:nvPr>
+            <p:ph type="body" idx="1"/>
+          </p:nvPr>
+        </p:nvSpPr>
+        <p:spPr>
+          <a:xfrm>
+            <a:off x="1381250" y="1616470"/>
+            <a:ext cx="6809700" cy="3112200"/>
+          </a:xfrm>
+          <a:prstGeom prst="rect">
+            <a:avLst/>
+          </a:prstGeom>
+        </p:spPr>
+        <p:txBody>
+          <a:bodyPr lIns="91425" tIns="91425" rIns="91425" bIns="91425" anchor="t" anchorCtr="0">
+            <a:noAutofit/>
+          </a:bodyPr>
+          <a:lstStyle/>
+          <a:p>
+            <a:pPr marL="457200" lvl="0" indent="-228600">
+              <a:spcBef>
+                <a:spcPts val="0"/>
+              </a:spcBef>
+            </a:pPr>
+            <a:r>
+              <a:rPr lang="en" dirty="0"/>
+              <a:t>Lines of Code	</a:t>
+            </a:r>
+            <a:r>
+              <a:rPr lang="en" dirty="0">
+                <a:sym typeface="Wingdings" pitchFamily="2" charset="2"/>
+              </a:rPr>
+              <a:t>   </a:t>
+            </a:r>
+            <a:r>
+              <a:rPr lang="en" dirty="0"/>
+              <a:t> 1941</a:t>
+            </a:r>
+          </a:p>
+          <a:p>
+            <a:pPr marL="228600" lvl="0">
+              <a:spcBef>
+                <a:spcPts val="0"/>
+              </a:spcBef>
+              <a:buNone/>
+            </a:pPr>
+            <a:r>
+              <a:rPr lang="en" dirty="0">
+                <a:sym typeface="Wingdings" pitchFamily="2" charset="2"/>
+              </a:rPr>
+              <a:t> </a:t>
+            </a:r>
+            <a:r>
+              <a:rPr lang="en" dirty="0"/>
+              <a:t>Persistence     	     </a:t>
+            </a:r>
+            <a:r>
+              <a:rPr lang="en" dirty="0">
+                <a:sym typeface="Wingdings" pitchFamily="2" charset="2"/>
+              </a:rPr>
+              <a:t>843</a:t>
+            </a:r>
+            <a:endParaRPr lang="en" dirty="0"/>
+          </a:p>
+          <a:p>
+            <a:pPr marL="228600" lvl="0">
+              <a:spcBef>
+                <a:spcPts val="0"/>
+              </a:spcBef>
+              <a:buNone/>
+            </a:pPr>
+            <a:r>
+              <a:rPr lang="en" dirty="0">
+                <a:sym typeface="Wingdings" pitchFamily="2" charset="2"/>
+              </a:rPr>
+              <a:t> </a:t>
+            </a:r>
+            <a:r>
+              <a:rPr lang="en" dirty="0"/>
+              <a:t>Game		     511</a:t>
+            </a:r>
+          </a:p>
+          <a:p>
+            <a:pPr marL="228600" lvl="0">
+              <a:spcBef>
+                <a:spcPts val="0"/>
+              </a:spcBef>
+              <a:buNone/>
+            </a:pPr>
+            <a:r>
+              <a:rPr lang="en" dirty="0">
+                <a:sym typeface="Wingdings" pitchFamily="2" charset="2"/>
+              </a:rPr>
+              <a:t> Gui		     587</a:t>
+            </a:r>
+            <a:endParaRPr lang="en" dirty="0"/>
+          </a:p>
+        </p:txBody>
+      </p:sp>
+      <p:grpSp>
+        <p:nvGrpSpPr>
+          <p:cNvPr id="113" name="Shape 113"/>
+          <p:cNvGrpSpPr/>
+          <p:nvPr/>
+        </p:nvGrpSpPr>
+        <p:grpSpPr>
+          <a:xfrm>
+            <a:off x="916458" y="1019750"/>
+            <a:ext cx="214624" cy="214624"/>
+            <a:chOff x="2594050" y="1631825"/>
+            <a:chExt cx="439625" cy="439625"/>
+          </a:xfrm>
+        </p:grpSpPr>
+        <p:sp>
+          <p:nvSpPr>
+            <p:cNvPr id="114" name="Shape 114"/>
+            <p:cNvSpPr/>
+            <p:nvPr/>
+          </p:nvSpPr>
+          <p:spPr>
+            <a:xfrm>
+              <a:off x="2594050" y="1883300"/>
+              <a:ext cx="188175" cy="188150"/>
+            </a:xfrm>
+            <a:custGeom>
+              <a:avLst/>
+              <a:gdLst/>
+              <a:ahLst/>
+              <a:cxnLst/>
+              <a:rect l="0" t="0" r="0" b="0"/>
+              <a:pathLst>
+                <a:path w="7527" h="7526" fill="none" extrusionOk="0">
+                  <a:moveTo>
+                    <a:pt x="5992" y="0"/>
+                  </a:moveTo>
+                  <a:lnTo>
+                    <a:pt x="537" y="6430"/>
+                  </a:lnTo>
+                  <a:lnTo>
+                    <a:pt x="1" y="7526"/>
+                  </a:lnTo>
+                  <a:lnTo>
+                    <a:pt x="1097" y="6990"/>
+                  </a:lnTo>
+                  <a:lnTo>
+                    <a:pt x="7526" y="1534"/>
+                  </a:lnTo>
+                  <a:lnTo>
+                    <a:pt x="5992" y="0"/>
+                  </a:lnTo>
+                  <a:close/>
+                </a:path>
+              </a:pathLst>
+            </a:custGeom>
+            <a:noFill/>
+            <a:ln w="9525" cap="rnd" cmpd="sng">
+              <a:solidFill>
+                <a:srgbClr val="000000"/>
+              </a:solidFill>
+              <a:prstDash val="solid"/>
+              <a:round/>
+              <a:headEnd type="none" w="med" len="med"/>
+              <a:tailEnd type="none" w="med" len="med"/>
+            </a:ln>
+          </p:spPr>
+          <p:txBody>
+            <a:bodyPr lIns="91425" tIns="91425" rIns="91425" bIns="91425" anchor="ctr" anchorCtr="0">
+              <a:noAutofit/>
+            </a:bodyPr>
+            <a:lstStyle/>
+            <a:p>
+              <a:pPr lvl="0">
+                <a:spcBef>
+                  <a:spcPts val="0"/>
+                </a:spcBef>
+                <a:buNone/>
+              </a:pPr>
+              <a:endParaRPr/>
+            </a:p>
+          </p:txBody>
+        </p:sp>
+        <p:sp>
+          <p:nvSpPr>
+            <p:cNvPr id="115" name="Shape 115"/>
+            <p:cNvSpPr/>
+            <p:nvPr/>
+          </p:nvSpPr>
+          <p:spPr>
+            <a:xfrm>
+              <a:off x="2857700" y="1631825"/>
+              <a:ext cx="175975" cy="176000"/>
+            </a:xfrm>
+            <a:custGeom>
+              <a:avLst/>
+              <a:gdLst/>
+              <a:ahLst/>
+              <a:cxnLst/>
+              <a:rect l="0" t="0" r="0" b="0"/>
+              <a:pathLst>
+                <a:path w="7039" h="7040" fill="none" extrusionOk="0">
+                  <a:moveTo>
+                    <a:pt x="268" y="2704"/>
+                  </a:moveTo>
+                  <a:lnTo>
+                    <a:pt x="4336" y="6771"/>
+                  </a:lnTo>
+                  <a:lnTo>
+                    <a:pt x="4336" y="6771"/>
+                  </a:lnTo>
+                  <a:lnTo>
+                    <a:pt x="4336" y="6771"/>
+                  </a:lnTo>
+                  <a:lnTo>
+                    <a:pt x="4652" y="6917"/>
+                  </a:lnTo>
+                  <a:lnTo>
+                    <a:pt x="4993" y="7015"/>
+                  </a:lnTo>
+                  <a:lnTo>
+                    <a:pt x="5310" y="7039"/>
+                  </a:lnTo>
+                  <a:lnTo>
+                    <a:pt x="5651" y="7039"/>
+                  </a:lnTo>
+                  <a:lnTo>
+                    <a:pt x="5992" y="6966"/>
+                  </a:lnTo>
+                  <a:lnTo>
+                    <a:pt x="6308" y="6844"/>
+                  </a:lnTo>
+                  <a:lnTo>
+                    <a:pt x="6454" y="6747"/>
+                  </a:lnTo>
+                  <a:lnTo>
+                    <a:pt x="6601" y="6674"/>
+                  </a:lnTo>
+                  <a:lnTo>
+                    <a:pt x="6747" y="6552"/>
+                  </a:lnTo>
+                  <a:lnTo>
+                    <a:pt x="6893" y="6430"/>
+                  </a:lnTo>
+                  <a:lnTo>
+                    <a:pt x="6893" y="6430"/>
+                  </a:lnTo>
+                  <a:lnTo>
+                    <a:pt x="6942" y="6357"/>
+                  </a:lnTo>
+                  <a:lnTo>
+                    <a:pt x="7015" y="6260"/>
+                  </a:lnTo>
+                  <a:lnTo>
+                    <a:pt x="7039" y="6138"/>
+                  </a:lnTo>
+                  <a:lnTo>
+                    <a:pt x="7039" y="6041"/>
+                  </a:lnTo>
+                  <a:lnTo>
+                    <a:pt x="7039" y="6041"/>
+                  </a:lnTo>
+                  <a:lnTo>
+                    <a:pt x="7039" y="5943"/>
+                  </a:lnTo>
+                  <a:lnTo>
+                    <a:pt x="7015" y="5846"/>
+                  </a:lnTo>
+                  <a:lnTo>
+                    <a:pt x="6942" y="5748"/>
+                  </a:lnTo>
+                  <a:lnTo>
+                    <a:pt x="6893" y="5651"/>
+                  </a:lnTo>
+                  <a:lnTo>
+                    <a:pt x="1389" y="147"/>
+                  </a:lnTo>
+                  <a:lnTo>
+                    <a:pt x="1389" y="147"/>
+                  </a:lnTo>
+                  <a:lnTo>
+                    <a:pt x="1291" y="98"/>
+                  </a:lnTo>
+                  <a:lnTo>
+                    <a:pt x="1194" y="25"/>
+                  </a:lnTo>
+                  <a:lnTo>
+                    <a:pt x="1096" y="0"/>
+                  </a:lnTo>
+                  <a:lnTo>
+                    <a:pt x="999" y="0"/>
+                  </a:lnTo>
+                  <a:lnTo>
+                    <a:pt x="999" y="0"/>
+                  </a:lnTo>
+                  <a:lnTo>
+                    <a:pt x="902" y="0"/>
+                  </a:lnTo>
+                  <a:lnTo>
+                    <a:pt x="780" y="25"/>
+                  </a:lnTo>
+                  <a:lnTo>
+                    <a:pt x="682" y="98"/>
+                  </a:lnTo>
+                  <a:lnTo>
+                    <a:pt x="609" y="147"/>
+                  </a:lnTo>
+                  <a:lnTo>
+                    <a:pt x="609" y="147"/>
+                  </a:lnTo>
+                  <a:lnTo>
+                    <a:pt x="487" y="293"/>
+                  </a:lnTo>
+                  <a:lnTo>
+                    <a:pt x="366" y="439"/>
+                  </a:lnTo>
+                  <a:lnTo>
+                    <a:pt x="293" y="585"/>
+                  </a:lnTo>
+                  <a:lnTo>
+                    <a:pt x="195" y="731"/>
+                  </a:lnTo>
+                  <a:lnTo>
+                    <a:pt x="73" y="1048"/>
+                  </a:lnTo>
+                  <a:lnTo>
+                    <a:pt x="0" y="1389"/>
+                  </a:lnTo>
+                  <a:lnTo>
+                    <a:pt x="0" y="1730"/>
+                  </a:lnTo>
+                  <a:lnTo>
+                    <a:pt x="25" y="2046"/>
+                  </a:lnTo>
+                  <a:lnTo>
+                    <a:pt x="122" y="2387"/>
+                  </a:lnTo>
+                  <a:lnTo>
+                    <a:pt x="268" y="2704"/>
+                  </a:lnTo>
+                  <a:lnTo>
+                    <a:pt x="268" y="2704"/>
+                  </a:lnTo>
+                  <a:close/>
+                </a:path>
+              </a:pathLst>
+            </a:custGeom>
+            <a:noFill/>
+            <a:ln w="9525" cap="rnd" cmpd="sng">
+              <a:solidFill>
+                <a:srgbClr val="000000"/>
+              </a:solidFill>
+              <a:prstDash val="solid"/>
+              <a:round/>
+              <a:headEnd type="none" w="med" len="med"/>
+              <a:tailEnd type="none" w="med" len="med"/>
+            </a:ln>
+          </p:spPr>
+          <p:txBody>
+            <a:bodyPr lIns="91425" tIns="91425" rIns="91425" bIns="91425" anchor="ctr" anchorCtr="0">
+              <a:noAutofit/>
+            </a:bodyPr>
+            <a:lstStyle/>
+            <a:p>
+              <a:pPr lvl="0">
+                <a:spcBef>
+                  <a:spcPts val="0"/>
+                </a:spcBef>
+                <a:buNone/>
+              </a:pPr>
+              <a:endParaRPr/>
+            </a:p>
+          </p:txBody>
+        </p:sp>
+        <p:sp>
+          <p:nvSpPr>
+            <p:cNvPr id="116" name="Shape 116"/>
+            <p:cNvSpPr/>
+            <p:nvPr/>
+          </p:nvSpPr>
+          <p:spPr>
+            <a:xfrm>
+              <a:off x="2662850" y="1699400"/>
+              <a:ext cx="303250" cy="303250"/>
+            </a:xfrm>
+            <a:custGeom>
+              <a:avLst/>
+              <a:gdLst/>
+              <a:ahLst/>
+              <a:cxnLst/>
+              <a:rect l="0" t="0" r="0" b="0"/>
+              <a:pathLst>
+                <a:path w="12130" h="12130" fill="none" extrusionOk="0">
+                  <a:moveTo>
+                    <a:pt x="8038" y="1"/>
+                  </a:moveTo>
+                  <a:lnTo>
+                    <a:pt x="4872" y="3191"/>
+                  </a:lnTo>
+                  <a:lnTo>
+                    <a:pt x="4872" y="3191"/>
+                  </a:lnTo>
+                  <a:lnTo>
+                    <a:pt x="4628" y="3094"/>
+                  </a:lnTo>
+                  <a:lnTo>
+                    <a:pt x="4385" y="2997"/>
+                  </a:lnTo>
+                  <a:lnTo>
+                    <a:pt x="4092" y="2899"/>
+                  </a:lnTo>
+                  <a:lnTo>
+                    <a:pt x="3800" y="2850"/>
+                  </a:lnTo>
+                  <a:lnTo>
+                    <a:pt x="3484" y="2777"/>
+                  </a:lnTo>
+                  <a:lnTo>
+                    <a:pt x="3167" y="2729"/>
+                  </a:lnTo>
+                  <a:lnTo>
+                    <a:pt x="2850" y="2704"/>
+                  </a:lnTo>
+                  <a:lnTo>
+                    <a:pt x="2534" y="2704"/>
+                  </a:lnTo>
+                  <a:lnTo>
+                    <a:pt x="2534" y="2704"/>
+                  </a:lnTo>
+                  <a:lnTo>
+                    <a:pt x="2241" y="2704"/>
+                  </a:lnTo>
+                  <a:lnTo>
+                    <a:pt x="1949" y="2729"/>
+                  </a:lnTo>
+                  <a:lnTo>
+                    <a:pt x="1633" y="2777"/>
+                  </a:lnTo>
+                  <a:lnTo>
+                    <a:pt x="1316" y="2850"/>
+                  </a:lnTo>
+                  <a:lnTo>
+                    <a:pt x="999" y="2972"/>
+                  </a:lnTo>
+                  <a:lnTo>
+                    <a:pt x="707" y="3094"/>
+                  </a:lnTo>
+                  <a:lnTo>
+                    <a:pt x="415" y="3289"/>
+                  </a:lnTo>
+                  <a:lnTo>
+                    <a:pt x="147" y="3508"/>
+                  </a:lnTo>
+                  <a:lnTo>
+                    <a:pt x="147" y="3508"/>
+                  </a:lnTo>
+                  <a:lnTo>
+                    <a:pt x="74" y="3581"/>
+                  </a:lnTo>
+                  <a:lnTo>
+                    <a:pt x="25" y="3678"/>
+                  </a:lnTo>
+                  <a:lnTo>
+                    <a:pt x="1" y="3776"/>
+                  </a:lnTo>
+                  <a:lnTo>
+                    <a:pt x="1" y="3898"/>
+                  </a:lnTo>
+                  <a:lnTo>
+                    <a:pt x="1" y="3898"/>
+                  </a:lnTo>
+                  <a:lnTo>
+                    <a:pt x="1" y="3995"/>
+                  </a:lnTo>
+                  <a:lnTo>
+                    <a:pt x="25" y="4093"/>
+                  </a:lnTo>
+                  <a:lnTo>
+                    <a:pt x="74" y="4190"/>
+                  </a:lnTo>
+                  <a:lnTo>
+                    <a:pt x="147" y="4287"/>
+                  </a:lnTo>
+                  <a:lnTo>
+                    <a:pt x="7843" y="11984"/>
+                  </a:lnTo>
+                  <a:lnTo>
+                    <a:pt x="7843" y="11984"/>
+                  </a:lnTo>
+                  <a:lnTo>
+                    <a:pt x="7941" y="12057"/>
+                  </a:lnTo>
+                  <a:lnTo>
+                    <a:pt x="8038" y="12105"/>
+                  </a:lnTo>
+                  <a:lnTo>
+                    <a:pt x="8135" y="12130"/>
+                  </a:lnTo>
+                  <a:lnTo>
+                    <a:pt x="8233" y="12130"/>
+                  </a:lnTo>
+                  <a:lnTo>
+                    <a:pt x="8233" y="12130"/>
+                  </a:lnTo>
+                  <a:lnTo>
+                    <a:pt x="8355" y="12130"/>
+                  </a:lnTo>
+                  <a:lnTo>
+                    <a:pt x="8452" y="12105"/>
+                  </a:lnTo>
+                  <a:lnTo>
+                    <a:pt x="8549" y="12057"/>
+                  </a:lnTo>
+                  <a:lnTo>
+                    <a:pt x="8622" y="11984"/>
+                  </a:lnTo>
+                  <a:lnTo>
+                    <a:pt x="8622" y="11984"/>
+                  </a:lnTo>
+                  <a:lnTo>
+                    <a:pt x="8842" y="11716"/>
+                  </a:lnTo>
+                  <a:lnTo>
+                    <a:pt x="9036" y="11423"/>
+                  </a:lnTo>
+                  <a:lnTo>
+                    <a:pt x="9158" y="11131"/>
+                  </a:lnTo>
+                  <a:lnTo>
+                    <a:pt x="9280" y="10814"/>
+                  </a:lnTo>
+                  <a:lnTo>
+                    <a:pt x="9353" y="10498"/>
+                  </a:lnTo>
+                  <a:lnTo>
+                    <a:pt x="9402" y="10181"/>
+                  </a:lnTo>
+                  <a:lnTo>
+                    <a:pt x="9426" y="9889"/>
+                  </a:lnTo>
+                  <a:lnTo>
+                    <a:pt x="9426" y="9597"/>
+                  </a:lnTo>
+                  <a:lnTo>
+                    <a:pt x="9426" y="9597"/>
+                  </a:lnTo>
+                  <a:lnTo>
+                    <a:pt x="9426" y="9280"/>
+                  </a:lnTo>
+                  <a:lnTo>
+                    <a:pt x="9402" y="8964"/>
+                  </a:lnTo>
+                  <a:lnTo>
+                    <a:pt x="9353" y="8647"/>
+                  </a:lnTo>
+                  <a:lnTo>
+                    <a:pt x="9280" y="8330"/>
+                  </a:lnTo>
+                  <a:lnTo>
+                    <a:pt x="9231" y="8038"/>
+                  </a:lnTo>
+                  <a:lnTo>
+                    <a:pt x="9134" y="7746"/>
+                  </a:lnTo>
+                  <a:lnTo>
+                    <a:pt x="9036" y="7502"/>
+                  </a:lnTo>
+                  <a:lnTo>
+                    <a:pt x="8939" y="7259"/>
+                  </a:lnTo>
+                  <a:lnTo>
+                    <a:pt x="12130" y="4093"/>
+                  </a:lnTo>
+                </a:path>
+              </a:pathLst>
+            </a:custGeom>
+            <a:noFill/>
+            <a:ln w="9525" cap="rnd" cmpd="sng">
+              <a:solidFill>
+                <a:srgbClr val="000000"/>
+              </a:solidFill>
+              <a:prstDash val="solid"/>
+              <a:round/>
+              <a:headEnd type="none" w="med" len="med"/>
+              <a:tailEnd type="none" w="med" len="med"/>
+            </a:ln>
+          </p:spPr>
+          <p:txBody>
+            <a:bodyPr lIns="91425" tIns="91425" rIns="91425" bIns="91425" anchor="ctr" anchorCtr="0">
+              <a:noAutofit/>
+            </a:bodyPr>
+            <a:lstStyle/>
+            <a:p>
+              <a:pPr lvl="0">
+                <a:spcBef>
+                  <a:spcPts val="0"/>
+                </a:spcBef>
+                <a:buNone/>
+              </a:pPr>
+              <a:endParaRPr/>
+            </a:p>
+          </p:txBody>
+        </p:sp>
+        <p:sp>
+          <p:nvSpPr>
+            <p:cNvPr id="117" name="Shape 117"/>
+            <p:cNvSpPr/>
+            <p:nvPr/>
+          </p:nvSpPr>
+          <p:spPr>
+            <a:xfrm>
+              <a:off x="2814911" y="1754061"/>
+              <a:ext cx="49950" cy="49950"/>
+            </a:xfrm>
+            <a:custGeom>
+              <a:avLst/>
+              <a:gdLst/>
+              <a:ahLst/>
+              <a:cxnLst/>
+              <a:rect l="0" t="0" r="0" b="0"/>
+              <a:pathLst>
+                <a:path w="1998" h="1998" fill="none" extrusionOk="0">
+                  <a:moveTo>
+                    <a:pt x="1" y="1997"/>
+                  </a:moveTo>
+                  <a:lnTo>
+                    <a:pt x="1998" y="0"/>
+                  </a:lnTo>
+                </a:path>
+              </a:pathLst>
+            </a:custGeom>
+            <a:noFill/>
+            <a:ln w="9525" cap="rnd" cmpd="sng">
+              <a:solidFill>
+                <a:srgbClr val="000000"/>
+              </a:solidFill>
+              <a:prstDash val="solid"/>
+              <a:round/>
+              <a:headEnd type="none" w="med" len="med"/>
+              <a:tailEnd type="none" w="med" len="med"/>
+            </a:ln>
+          </p:spPr>
+          <p:txBody>
+            <a:bodyPr lIns="91425" tIns="91425" rIns="91425" bIns="91425" anchor="ctr" anchorCtr="0">
+              <a:noAutofit/>
+            </a:bodyPr>
+            <a:lstStyle/>
+            <a:p>
+              <a:pPr lvl="0">
+                <a:spcBef>
+                  <a:spcPts val="0"/>
+                </a:spcBef>
+                <a:buNone/>
+              </a:pPr>
+              <a:endParaRPr/>
+            </a:p>
+          </p:txBody>
+        </p:sp>
+      </p:grpSp>
+    </p:spTree>
+    <p:extLst>
+      <p:ext uri="{BB962C8B-B14F-4D97-AF65-F5344CB8AC3E}">
+        <p14:creationId xmlns:p14="http://schemas.microsoft.com/office/powerpoint/2010/main" val="1279202038"/>
       </p:ext>
     </p:extLst>
   </p:cSld>

--- a/Presentation/Presentation.pptx
+++ b/Presentation/Presentation.pptx
@@ -62,14 +62,14 @@
   <p:notesSz cx="6858000" cy="9144000"/>
   <p:embeddedFontLst>
     <p:embeddedFont>
-      <p:font typeface="Lora" panose="020B0604020202020204" charset="0"/>
+      <p:font typeface="Lora" charset="0"/>
       <p:regular r:id="rId52"/>
       <p:bold r:id="rId53"/>
       <p:italic r:id="rId54"/>
       <p:boldItalic r:id="rId55"/>
     </p:embeddedFont>
     <p:embeddedFont>
-      <p:font typeface="Quattrocento Sans" panose="020B0604020202020204" charset="0"/>
+      <p:font typeface="Quattrocento Sans" charset="0"/>
       <p:regular r:id="rId56"/>
       <p:bold r:id="rId57"/>
       <p:italic r:id="rId58"/>
@@ -280,7 +280,7 @@
   </p:defaultTextStyle>
   <p:extLst>
     <p:ext uri="{EFAFB233-063F-42B5-8137-9DF3F51BA10A}">
-      <p15:sldGuideLst xmlns:p15="http://schemas.microsoft.com/office/powerpoint/2012/main">
+      <p15:sldGuideLst xmlns:p15="http://schemas.microsoft.com/office/powerpoint/2012/main" xmlns="">
         <p15:guide id="1" orient="horz" pos="1620">
           <p15:clr>
             <a:srgbClr val="A4A3A4"/>
@@ -31759,8 +31759,13 @@
             </a:pPr>
             <a:r>
               <a:rPr lang="en" dirty="0"/>
-              <a:t>   der Benutzeringabe</a:t>
+              <a:t>   der </a:t>
             </a:r>
+            <a:r>
+              <a:rPr lang="en" dirty="0" smtClean="0"/>
+              <a:t>Benutzereingabe</a:t>
+            </a:r>
+            <a:endParaRPr lang="en" dirty="0"/>
           </a:p>
           <a:p>
             <a:pPr marL="457200" lvl="0" indent="-228600" rtl="0">
@@ -35399,7 +35404,11 @@
             <a:pPr lvl="0"/>
             <a:r>
               <a:rPr lang="de-DE" dirty="0"/>
-              <a:t>Manuel Schwalm • ASDF</a:t>
+              <a:t>Manuel </a:t>
+            </a:r>
+            <a:r>
+              <a:rPr lang="de-DE" dirty="0" smtClean="0"/>
+              <a:t>Schwalm</a:t>
             </a:r>
             <a:endParaRPr lang="en" dirty="0"/>
           </a:p>

--- a/Presentation/Presentation.pptx
+++ b/Presentation/Presentation.pptx
@@ -5,7 +5,7 @@
     <p:sldMasterId id="2147483658" r:id="rId1"/>
   </p:sldMasterIdLst>
   <p:notesMasterIdLst>
-    <p:notesMasterId r:id="rId51"/>
+    <p:notesMasterId r:id="rId60"/>
   </p:notesMasterIdLst>
   <p:sldIdLst>
     <p:sldId id="256" r:id="rId2"/>
@@ -53,27 +53,36 @@
     <p:sldId id="284" r:id="rId44"/>
     <p:sldId id="265" r:id="rId45"/>
     <p:sldId id="266" r:id="rId46"/>
-    <p:sldId id="315" r:id="rId47"/>
-    <p:sldId id="267" r:id="rId48"/>
-    <p:sldId id="268" r:id="rId49"/>
-    <p:sldId id="269" r:id="rId50"/>
+    <p:sldId id="317" r:id="rId47"/>
+    <p:sldId id="315" r:id="rId48"/>
+    <p:sldId id="318" r:id="rId49"/>
+    <p:sldId id="320" r:id="rId50"/>
+    <p:sldId id="319" r:id="rId51"/>
+    <p:sldId id="267" r:id="rId52"/>
+    <p:sldId id="268" r:id="rId53"/>
+    <p:sldId id="325" r:id="rId54"/>
+    <p:sldId id="327" r:id="rId55"/>
+    <p:sldId id="323" r:id="rId56"/>
+    <p:sldId id="324" r:id="rId57"/>
+    <p:sldId id="328" r:id="rId58"/>
+    <p:sldId id="269" r:id="rId59"/>
   </p:sldIdLst>
   <p:sldSz cx="9144000" cy="5143500" type="screen16x9"/>
   <p:notesSz cx="6858000" cy="9144000"/>
   <p:embeddedFontLst>
     <p:embeddedFont>
-      <p:font typeface="Lora" charset="0"/>
-      <p:regular r:id="rId52"/>
-      <p:bold r:id="rId53"/>
-      <p:italic r:id="rId54"/>
-      <p:boldItalic r:id="rId55"/>
+      <p:font typeface="Lora" panose="020B0604020202020204" charset="0"/>
+      <p:regular r:id="rId61"/>
+      <p:bold r:id="rId62"/>
+      <p:italic r:id="rId63"/>
+      <p:boldItalic r:id="rId64"/>
     </p:embeddedFont>
     <p:embeddedFont>
-      <p:font typeface="Quattrocento Sans" charset="0"/>
-      <p:regular r:id="rId56"/>
-      <p:bold r:id="rId57"/>
-      <p:italic r:id="rId58"/>
-      <p:boldItalic r:id="rId59"/>
+      <p:font typeface="Quattrocento Sans" panose="020B0604020202020204" charset="0"/>
+      <p:regular r:id="rId65"/>
+      <p:bold r:id="rId66"/>
+      <p:italic r:id="rId67"/>
+      <p:boldItalic r:id="rId68"/>
     </p:embeddedFont>
   </p:embeddedFontLst>
   <p:defaultTextStyle>
@@ -280,7 +289,7 @@
   </p:defaultTextStyle>
   <p:extLst>
     <p:ext uri="{EFAFB233-063F-42B5-8137-9DF3F51BA10A}">
-      <p15:sldGuideLst xmlns:p15="http://schemas.microsoft.com/office/powerpoint/2012/main" xmlns="">
+      <p15:sldGuideLst xmlns:p15="http://schemas.microsoft.com/office/powerpoint/2012/main">
         <p15:guide id="1" orient="horz" pos="1620">
           <p15:clr>
             <a:srgbClr val="A4A3A4"/>
@@ -5048,7 +5057,7 @@
   <p:cSld>
     <p:spTree>
       <p:nvGrpSpPr>
-        <p:cNvPr id="1" name="Shape 372"/>
+        <p:cNvPr id="1" name="Shape 118"/>
         <p:cNvGrpSpPr/>
         <p:nvPr/>
       </p:nvGrpSpPr>
@@ -5062,7 +5071,7 @@
       </p:grpSpPr>
       <p:sp>
         <p:nvSpPr>
-          <p:cNvPr id="373" name="Shape 373"/>
+          <p:cNvPr id="119" name="Shape 119"/>
           <p:cNvSpPr>
             <a:spLocks noGrp="1" noRot="1" noChangeAspect="1"/>
           </p:cNvSpPr>
@@ -5103,7 +5112,7 @@
       </p:sp>
       <p:sp>
         <p:nvSpPr>
-          <p:cNvPr id="374" name="Shape 374"/>
+          <p:cNvPr id="120" name="Shape 120"/>
           <p:cNvSpPr txBox="1">
             <a:spLocks noGrp="1"/>
           </p:cNvSpPr>
@@ -5137,6 +5146,11 @@
         </p:txBody>
       </p:sp>
     </p:spTree>
+    <p:extLst>
+      <p:ext uri="{BB962C8B-B14F-4D97-AF65-F5344CB8AC3E}">
+        <p14:creationId xmlns:p14="http://schemas.microsoft.com/office/powerpoint/2010/main" val="2410614538"/>
+      </p:ext>
+    </p:extLst>
   </p:cSld>
   <p:clrMapOvr>
     <a:masterClrMapping/>
@@ -5205,6 +5219,107 @@
       <p:sp>
         <p:nvSpPr>
           <p:cNvPr id="109" name="Shape 109"/>
+          <p:cNvSpPr txBox="1">
+            <a:spLocks noGrp="1"/>
+          </p:cNvSpPr>
+          <p:nvPr>
+            <p:ph type="body" idx="1"/>
+          </p:nvPr>
+        </p:nvSpPr>
+        <p:spPr>
+          <a:xfrm>
+            <a:off x="685800" y="4343400"/>
+            <a:ext cx="5486399" cy="4114800"/>
+          </a:xfrm>
+          <a:prstGeom prst="rect">
+            <a:avLst/>
+          </a:prstGeom>
+        </p:spPr>
+        <p:txBody>
+          <a:bodyPr lIns="91425" tIns="91425" rIns="91425" bIns="91425" anchor="t" anchorCtr="0">
+            <a:noAutofit/>
+          </a:bodyPr>
+          <a:lstStyle/>
+          <a:p>
+            <a:pPr lvl="0">
+              <a:spcBef>
+                <a:spcPts val="0"/>
+              </a:spcBef>
+              <a:buNone/>
+            </a:pPr>
+            <a:endParaRPr/>
+          </a:p>
+        </p:txBody>
+      </p:sp>
+    </p:spTree>
+  </p:cSld>
+  <p:clrMapOvr>
+    <a:masterClrMapping/>
+  </p:clrMapOvr>
+</p:notes>
+</file>
+
+<file path=ppt/notesSlides/notesSlide50.xml><?xml version="1.0" encoding="utf-8"?>
+<p:notes xmlns:a="http://schemas.openxmlformats.org/drawingml/2006/main" xmlns:r="http://schemas.openxmlformats.org/officeDocument/2006/relationships" xmlns:p="http://schemas.openxmlformats.org/presentationml/2006/main" showMasterSp="0" showMasterPhAnim="0">
+  <p:cSld>
+    <p:spTree>
+      <p:nvGrpSpPr>
+        <p:cNvPr id="1" name="Shape 372"/>
+        <p:cNvGrpSpPr/>
+        <p:nvPr/>
+      </p:nvGrpSpPr>
+      <p:grpSpPr>
+        <a:xfrm>
+          <a:off x="0" y="0"/>
+          <a:ext cx="0" cy="0"/>
+          <a:chOff x="0" y="0"/>
+          <a:chExt cx="0" cy="0"/>
+        </a:xfrm>
+      </p:grpSpPr>
+      <p:sp>
+        <p:nvSpPr>
+          <p:cNvPr id="373" name="Shape 373"/>
+          <p:cNvSpPr>
+            <a:spLocks noGrp="1" noRot="1" noChangeAspect="1"/>
+          </p:cNvSpPr>
+          <p:nvPr>
+            <p:ph type="sldImg" idx="2"/>
+          </p:nvPr>
+        </p:nvSpPr>
+        <p:spPr>
+          <a:xfrm>
+            <a:off x="381000" y="685800"/>
+            <a:ext cx="6096000" cy="3429000"/>
+          </a:xfrm>
+          <a:custGeom>
+            <a:avLst/>
+            <a:gdLst/>
+            <a:ahLst/>
+            <a:cxnLst/>
+            <a:rect l="0" t="0" r="0" b="0"/>
+            <a:pathLst>
+              <a:path w="120000" h="120000" extrusionOk="0">
+                <a:moveTo>
+                  <a:pt x="0" y="0"/>
+                </a:moveTo>
+                <a:lnTo>
+                  <a:pt x="120000" y="0"/>
+                </a:lnTo>
+                <a:lnTo>
+                  <a:pt x="120000" y="120000"/>
+                </a:lnTo>
+                <a:lnTo>
+                  <a:pt x="0" y="120000"/>
+                </a:lnTo>
+                <a:close/>
+              </a:path>
+            </a:pathLst>
+          </a:custGeom>
+        </p:spPr>
+      </p:sp>
+      <p:sp>
+        <p:nvSpPr>
+          <p:cNvPr id="374" name="Shape 374"/>
           <p:cNvSpPr txBox="1">
             <a:spLocks noGrp="1"/>
           </p:cNvSpPr>
@@ -31759,13 +31874,8 @@
             </a:pPr>
             <a:r>
               <a:rPr lang="en" dirty="0"/>
-              <a:t>   der </a:t>
+              <a:t>   der Benutzereingabe</a:t>
             </a:r>
-            <a:r>
-              <a:rPr lang="en" dirty="0" smtClean="0"/>
-              <a:t>Benutzereingabe</a:t>
-            </a:r>
-            <a:endParaRPr lang="en" dirty="0"/>
           </a:p>
           <a:p>
             <a:pPr marL="457200" lvl="0" indent="-228600" rtl="0">
@@ -33925,6 +34035,655 @@
 </file>
 
 <file path=ppt/slides/slide46.xml><?xml version="1.0" encoding="utf-8"?>
+<p:sld xmlns:a="http://schemas.openxmlformats.org/drawingml/2006/main" xmlns:r="http://schemas.openxmlformats.org/officeDocument/2006/relationships" xmlns:p="http://schemas.openxmlformats.org/presentationml/2006/main">
+  <p:cSld>
+    <p:spTree>
+      <p:nvGrpSpPr>
+        <p:cNvPr id="1" name=""/>
+        <p:cNvGrpSpPr/>
+        <p:nvPr/>
+      </p:nvGrpSpPr>
+      <p:grpSpPr>
+        <a:xfrm>
+          <a:off x="0" y="0"/>
+          <a:ext cx="0" cy="0"/>
+          <a:chOff x="0" y="0"/>
+          <a:chExt cx="0" cy="0"/>
+        </a:xfrm>
+      </p:grpSpPr>
+      <p:sp>
+        <p:nvSpPr>
+          <p:cNvPr id="2" name="Titel 1"/>
+          <p:cNvSpPr>
+            <a:spLocks noGrp="1"/>
+          </p:cNvSpPr>
+          <p:nvPr>
+            <p:ph type="title"/>
+          </p:nvPr>
+        </p:nvSpPr>
+        <p:spPr>
+          <a:xfrm>
+            <a:off x="1381250" y="922668"/>
+            <a:ext cx="3478782" cy="435599"/>
+          </a:xfrm>
+        </p:spPr>
+        <p:txBody>
+          <a:bodyPr/>
+          <a:lstStyle/>
+          <a:p>
+            <a:r>
+              <a:rPr lang="de-DE" dirty="0"/>
+              <a:t>Kommentare zum Analyse-/Designergebnis</a:t>
+            </a:r>
+          </a:p>
+        </p:txBody>
+      </p:sp>
+      <p:sp>
+        <p:nvSpPr>
+          <p:cNvPr id="3" name="Textplatzhalter 2"/>
+          <p:cNvSpPr>
+            <a:spLocks noGrp="1"/>
+          </p:cNvSpPr>
+          <p:nvPr>
+            <p:ph type="body" idx="1"/>
+          </p:nvPr>
+        </p:nvSpPr>
+        <p:spPr/>
+        <p:txBody>
+          <a:bodyPr/>
+          <a:lstStyle/>
+          <a:p>
+            <a:r>
+              <a:rPr lang="de-DE" dirty="0"/>
+              <a:t>Design- und Analyse boten sehr gute Vorlage</a:t>
+            </a:r>
+          </a:p>
+          <a:p>
+            <a:r>
+              <a:rPr lang="de-DE" dirty="0"/>
+              <a:t>Änderungen waren nicht nötig.</a:t>
+            </a:r>
+          </a:p>
+          <a:p>
+            <a:r>
+              <a:rPr lang="de-DE" dirty="0"/>
+              <a:t>Gut gewähltes Pattern (MVC)</a:t>
+            </a:r>
+          </a:p>
+        </p:txBody>
+      </p:sp>
+      <p:grpSp>
+        <p:nvGrpSpPr>
+          <p:cNvPr id="4" name="Shape 113"/>
+          <p:cNvGrpSpPr/>
+          <p:nvPr/>
+        </p:nvGrpSpPr>
+        <p:grpSpPr>
+          <a:xfrm>
+            <a:off x="916458" y="1019750"/>
+            <a:ext cx="214624" cy="214624"/>
+            <a:chOff x="2594050" y="1631825"/>
+            <a:chExt cx="439625" cy="439625"/>
+          </a:xfrm>
+        </p:grpSpPr>
+        <p:sp>
+          <p:nvSpPr>
+            <p:cNvPr id="5" name="Shape 114"/>
+            <p:cNvSpPr/>
+            <p:nvPr/>
+          </p:nvSpPr>
+          <p:spPr>
+            <a:xfrm>
+              <a:off x="2594050" y="1883300"/>
+              <a:ext cx="188175" cy="188150"/>
+            </a:xfrm>
+            <a:custGeom>
+              <a:avLst/>
+              <a:gdLst/>
+              <a:ahLst/>
+              <a:cxnLst/>
+              <a:rect l="0" t="0" r="0" b="0"/>
+              <a:pathLst>
+                <a:path w="7527" h="7526" fill="none" extrusionOk="0">
+                  <a:moveTo>
+                    <a:pt x="5992" y="0"/>
+                  </a:moveTo>
+                  <a:lnTo>
+                    <a:pt x="537" y="6430"/>
+                  </a:lnTo>
+                  <a:lnTo>
+                    <a:pt x="1" y="7526"/>
+                  </a:lnTo>
+                  <a:lnTo>
+                    <a:pt x="1097" y="6990"/>
+                  </a:lnTo>
+                  <a:lnTo>
+                    <a:pt x="7526" y="1534"/>
+                  </a:lnTo>
+                  <a:lnTo>
+                    <a:pt x="5992" y="0"/>
+                  </a:lnTo>
+                  <a:close/>
+                </a:path>
+              </a:pathLst>
+            </a:custGeom>
+            <a:noFill/>
+            <a:ln w="9525" cap="rnd" cmpd="sng">
+              <a:solidFill>
+                <a:srgbClr val="000000"/>
+              </a:solidFill>
+              <a:prstDash val="solid"/>
+              <a:round/>
+              <a:headEnd type="none" w="med" len="med"/>
+              <a:tailEnd type="none" w="med" len="med"/>
+            </a:ln>
+          </p:spPr>
+          <p:txBody>
+            <a:bodyPr lIns="91425" tIns="91425" rIns="91425" bIns="91425" anchor="ctr" anchorCtr="0">
+              <a:noAutofit/>
+            </a:bodyPr>
+            <a:lstStyle/>
+            <a:p>
+              <a:pPr lvl="0">
+                <a:spcBef>
+                  <a:spcPts val="0"/>
+                </a:spcBef>
+                <a:buNone/>
+              </a:pPr>
+              <a:endParaRPr/>
+            </a:p>
+          </p:txBody>
+        </p:sp>
+        <p:sp>
+          <p:nvSpPr>
+            <p:cNvPr id="6" name="Shape 115"/>
+            <p:cNvSpPr/>
+            <p:nvPr/>
+          </p:nvSpPr>
+          <p:spPr>
+            <a:xfrm>
+              <a:off x="2857700" y="1631825"/>
+              <a:ext cx="175975" cy="176000"/>
+            </a:xfrm>
+            <a:custGeom>
+              <a:avLst/>
+              <a:gdLst/>
+              <a:ahLst/>
+              <a:cxnLst/>
+              <a:rect l="0" t="0" r="0" b="0"/>
+              <a:pathLst>
+                <a:path w="7039" h="7040" fill="none" extrusionOk="0">
+                  <a:moveTo>
+                    <a:pt x="268" y="2704"/>
+                  </a:moveTo>
+                  <a:lnTo>
+                    <a:pt x="4336" y="6771"/>
+                  </a:lnTo>
+                  <a:lnTo>
+                    <a:pt x="4336" y="6771"/>
+                  </a:lnTo>
+                  <a:lnTo>
+                    <a:pt x="4336" y="6771"/>
+                  </a:lnTo>
+                  <a:lnTo>
+                    <a:pt x="4652" y="6917"/>
+                  </a:lnTo>
+                  <a:lnTo>
+                    <a:pt x="4993" y="7015"/>
+                  </a:lnTo>
+                  <a:lnTo>
+                    <a:pt x="5310" y="7039"/>
+                  </a:lnTo>
+                  <a:lnTo>
+                    <a:pt x="5651" y="7039"/>
+                  </a:lnTo>
+                  <a:lnTo>
+                    <a:pt x="5992" y="6966"/>
+                  </a:lnTo>
+                  <a:lnTo>
+                    <a:pt x="6308" y="6844"/>
+                  </a:lnTo>
+                  <a:lnTo>
+                    <a:pt x="6454" y="6747"/>
+                  </a:lnTo>
+                  <a:lnTo>
+                    <a:pt x="6601" y="6674"/>
+                  </a:lnTo>
+                  <a:lnTo>
+                    <a:pt x="6747" y="6552"/>
+                  </a:lnTo>
+                  <a:lnTo>
+                    <a:pt x="6893" y="6430"/>
+                  </a:lnTo>
+                  <a:lnTo>
+                    <a:pt x="6893" y="6430"/>
+                  </a:lnTo>
+                  <a:lnTo>
+                    <a:pt x="6942" y="6357"/>
+                  </a:lnTo>
+                  <a:lnTo>
+                    <a:pt x="7015" y="6260"/>
+                  </a:lnTo>
+                  <a:lnTo>
+                    <a:pt x="7039" y="6138"/>
+                  </a:lnTo>
+                  <a:lnTo>
+                    <a:pt x="7039" y="6041"/>
+                  </a:lnTo>
+                  <a:lnTo>
+                    <a:pt x="7039" y="6041"/>
+                  </a:lnTo>
+                  <a:lnTo>
+                    <a:pt x="7039" y="5943"/>
+                  </a:lnTo>
+                  <a:lnTo>
+                    <a:pt x="7015" y="5846"/>
+                  </a:lnTo>
+                  <a:lnTo>
+                    <a:pt x="6942" y="5748"/>
+                  </a:lnTo>
+                  <a:lnTo>
+                    <a:pt x="6893" y="5651"/>
+                  </a:lnTo>
+                  <a:lnTo>
+                    <a:pt x="1389" y="147"/>
+                  </a:lnTo>
+                  <a:lnTo>
+                    <a:pt x="1389" y="147"/>
+                  </a:lnTo>
+                  <a:lnTo>
+                    <a:pt x="1291" y="98"/>
+                  </a:lnTo>
+                  <a:lnTo>
+                    <a:pt x="1194" y="25"/>
+                  </a:lnTo>
+                  <a:lnTo>
+                    <a:pt x="1096" y="0"/>
+                  </a:lnTo>
+                  <a:lnTo>
+                    <a:pt x="999" y="0"/>
+                  </a:lnTo>
+                  <a:lnTo>
+                    <a:pt x="999" y="0"/>
+                  </a:lnTo>
+                  <a:lnTo>
+                    <a:pt x="902" y="0"/>
+                  </a:lnTo>
+                  <a:lnTo>
+                    <a:pt x="780" y="25"/>
+                  </a:lnTo>
+                  <a:lnTo>
+                    <a:pt x="682" y="98"/>
+                  </a:lnTo>
+                  <a:lnTo>
+                    <a:pt x="609" y="147"/>
+                  </a:lnTo>
+                  <a:lnTo>
+                    <a:pt x="609" y="147"/>
+                  </a:lnTo>
+                  <a:lnTo>
+                    <a:pt x="487" y="293"/>
+                  </a:lnTo>
+                  <a:lnTo>
+                    <a:pt x="366" y="439"/>
+                  </a:lnTo>
+                  <a:lnTo>
+                    <a:pt x="293" y="585"/>
+                  </a:lnTo>
+                  <a:lnTo>
+                    <a:pt x="195" y="731"/>
+                  </a:lnTo>
+                  <a:lnTo>
+                    <a:pt x="73" y="1048"/>
+                  </a:lnTo>
+                  <a:lnTo>
+                    <a:pt x="0" y="1389"/>
+                  </a:lnTo>
+                  <a:lnTo>
+                    <a:pt x="0" y="1730"/>
+                  </a:lnTo>
+                  <a:lnTo>
+                    <a:pt x="25" y="2046"/>
+                  </a:lnTo>
+                  <a:lnTo>
+                    <a:pt x="122" y="2387"/>
+                  </a:lnTo>
+                  <a:lnTo>
+                    <a:pt x="268" y="2704"/>
+                  </a:lnTo>
+                  <a:lnTo>
+                    <a:pt x="268" y="2704"/>
+                  </a:lnTo>
+                  <a:close/>
+                </a:path>
+              </a:pathLst>
+            </a:custGeom>
+            <a:noFill/>
+            <a:ln w="9525" cap="rnd" cmpd="sng">
+              <a:solidFill>
+                <a:srgbClr val="000000"/>
+              </a:solidFill>
+              <a:prstDash val="solid"/>
+              <a:round/>
+              <a:headEnd type="none" w="med" len="med"/>
+              <a:tailEnd type="none" w="med" len="med"/>
+            </a:ln>
+          </p:spPr>
+          <p:txBody>
+            <a:bodyPr lIns="91425" tIns="91425" rIns="91425" bIns="91425" anchor="ctr" anchorCtr="0">
+              <a:noAutofit/>
+            </a:bodyPr>
+            <a:lstStyle/>
+            <a:p>
+              <a:pPr lvl="0">
+                <a:spcBef>
+                  <a:spcPts val="0"/>
+                </a:spcBef>
+                <a:buNone/>
+              </a:pPr>
+              <a:endParaRPr/>
+            </a:p>
+          </p:txBody>
+        </p:sp>
+        <p:sp>
+          <p:nvSpPr>
+            <p:cNvPr id="7" name="Shape 116"/>
+            <p:cNvSpPr/>
+            <p:nvPr/>
+          </p:nvSpPr>
+          <p:spPr>
+            <a:xfrm>
+              <a:off x="2662850" y="1699400"/>
+              <a:ext cx="303250" cy="303250"/>
+            </a:xfrm>
+            <a:custGeom>
+              <a:avLst/>
+              <a:gdLst/>
+              <a:ahLst/>
+              <a:cxnLst/>
+              <a:rect l="0" t="0" r="0" b="0"/>
+              <a:pathLst>
+                <a:path w="12130" h="12130" fill="none" extrusionOk="0">
+                  <a:moveTo>
+                    <a:pt x="8038" y="1"/>
+                  </a:moveTo>
+                  <a:lnTo>
+                    <a:pt x="4872" y="3191"/>
+                  </a:lnTo>
+                  <a:lnTo>
+                    <a:pt x="4872" y="3191"/>
+                  </a:lnTo>
+                  <a:lnTo>
+                    <a:pt x="4628" y="3094"/>
+                  </a:lnTo>
+                  <a:lnTo>
+                    <a:pt x="4385" y="2997"/>
+                  </a:lnTo>
+                  <a:lnTo>
+                    <a:pt x="4092" y="2899"/>
+                  </a:lnTo>
+                  <a:lnTo>
+                    <a:pt x="3800" y="2850"/>
+                  </a:lnTo>
+                  <a:lnTo>
+                    <a:pt x="3484" y="2777"/>
+                  </a:lnTo>
+                  <a:lnTo>
+                    <a:pt x="3167" y="2729"/>
+                  </a:lnTo>
+                  <a:lnTo>
+                    <a:pt x="2850" y="2704"/>
+                  </a:lnTo>
+                  <a:lnTo>
+                    <a:pt x="2534" y="2704"/>
+                  </a:lnTo>
+                  <a:lnTo>
+                    <a:pt x="2534" y="2704"/>
+                  </a:lnTo>
+                  <a:lnTo>
+                    <a:pt x="2241" y="2704"/>
+                  </a:lnTo>
+                  <a:lnTo>
+                    <a:pt x="1949" y="2729"/>
+                  </a:lnTo>
+                  <a:lnTo>
+                    <a:pt x="1633" y="2777"/>
+                  </a:lnTo>
+                  <a:lnTo>
+                    <a:pt x="1316" y="2850"/>
+                  </a:lnTo>
+                  <a:lnTo>
+                    <a:pt x="999" y="2972"/>
+                  </a:lnTo>
+                  <a:lnTo>
+                    <a:pt x="707" y="3094"/>
+                  </a:lnTo>
+                  <a:lnTo>
+                    <a:pt x="415" y="3289"/>
+                  </a:lnTo>
+                  <a:lnTo>
+                    <a:pt x="147" y="3508"/>
+                  </a:lnTo>
+                  <a:lnTo>
+                    <a:pt x="147" y="3508"/>
+                  </a:lnTo>
+                  <a:lnTo>
+                    <a:pt x="74" y="3581"/>
+                  </a:lnTo>
+                  <a:lnTo>
+                    <a:pt x="25" y="3678"/>
+                  </a:lnTo>
+                  <a:lnTo>
+                    <a:pt x="1" y="3776"/>
+                  </a:lnTo>
+                  <a:lnTo>
+                    <a:pt x="1" y="3898"/>
+                  </a:lnTo>
+                  <a:lnTo>
+                    <a:pt x="1" y="3898"/>
+                  </a:lnTo>
+                  <a:lnTo>
+                    <a:pt x="1" y="3995"/>
+                  </a:lnTo>
+                  <a:lnTo>
+                    <a:pt x="25" y="4093"/>
+                  </a:lnTo>
+                  <a:lnTo>
+                    <a:pt x="74" y="4190"/>
+                  </a:lnTo>
+                  <a:lnTo>
+                    <a:pt x="147" y="4287"/>
+                  </a:lnTo>
+                  <a:lnTo>
+                    <a:pt x="7843" y="11984"/>
+                  </a:lnTo>
+                  <a:lnTo>
+                    <a:pt x="7843" y="11984"/>
+                  </a:lnTo>
+                  <a:lnTo>
+                    <a:pt x="7941" y="12057"/>
+                  </a:lnTo>
+                  <a:lnTo>
+                    <a:pt x="8038" y="12105"/>
+                  </a:lnTo>
+                  <a:lnTo>
+                    <a:pt x="8135" y="12130"/>
+                  </a:lnTo>
+                  <a:lnTo>
+                    <a:pt x="8233" y="12130"/>
+                  </a:lnTo>
+                  <a:lnTo>
+                    <a:pt x="8233" y="12130"/>
+                  </a:lnTo>
+                  <a:lnTo>
+                    <a:pt x="8355" y="12130"/>
+                  </a:lnTo>
+                  <a:lnTo>
+                    <a:pt x="8452" y="12105"/>
+                  </a:lnTo>
+                  <a:lnTo>
+                    <a:pt x="8549" y="12057"/>
+                  </a:lnTo>
+                  <a:lnTo>
+                    <a:pt x="8622" y="11984"/>
+                  </a:lnTo>
+                  <a:lnTo>
+                    <a:pt x="8622" y="11984"/>
+                  </a:lnTo>
+                  <a:lnTo>
+                    <a:pt x="8842" y="11716"/>
+                  </a:lnTo>
+                  <a:lnTo>
+                    <a:pt x="9036" y="11423"/>
+                  </a:lnTo>
+                  <a:lnTo>
+                    <a:pt x="9158" y="11131"/>
+                  </a:lnTo>
+                  <a:lnTo>
+                    <a:pt x="9280" y="10814"/>
+                  </a:lnTo>
+                  <a:lnTo>
+                    <a:pt x="9353" y="10498"/>
+                  </a:lnTo>
+                  <a:lnTo>
+                    <a:pt x="9402" y="10181"/>
+                  </a:lnTo>
+                  <a:lnTo>
+                    <a:pt x="9426" y="9889"/>
+                  </a:lnTo>
+                  <a:lnTo>
+                    <a:pt x="9426" y="9597"/>
+                  </a:lnTo>
+                  <a:lnTo>
+                    <a:pt x="9426" y="9597"/>
+                  </a:lnTo>
+                  <a:lnTo>
+                    <a:pt x="9426" y="9280"/>
+                  </a:lnTo>
+                  <a:lnTo>
+                    <a:pt x="9402" y="8964"/>
+                  </a:lnTo>
+                  <a:lnTo>
+                    <a:pt x="9353" y="8647"/>
+                  </a:lnTo>
+                  <a:lnTo>
+                    <a:pt x="9280" y="8330"/>
+                  </a:lnTo>
+                  <a:lnTo>
+                    <a:pt x="9231" y="8038"/>
+                  </a:lnTo>
+                  <a:lnTo>
+                    <a:pt x="9134" y="7746"/>
+                  </a:lnTo>
+                  <a:lnTo>
+                    <a:pt x="9036" y="7502"/>
+                  </a:lnTo>
+                  <a:lnTo>
+                    <a:pt x="8939" y="7259"/>
+                  </a:lnTo>
+                  <a:lnTo>
+                    <a:pt x="12130" y="4093"/>
+                  </a:lnTo>
+                </a:path>
+              </a:pathLst>
+            </a:custGeom>
+            <a:noFill/>
+            <a:ln w="9525" cap="rnd" cmpd="sng">
+              <a:solidFill>
+                <a:srgbClr val="000000"/>
+              </a:solidFill>
+              <a:prstDash val="solid"/>
+              <a:round/>
+              <a:headEnd type="none" w="med" len="med"/>
+              <a:tailEnd type="none" w="med" len="med"/>
+            </a:ln>
+          </p:spPr>
+          <p:txBody>
+            <a:bodyPr lIns="91425" tIns="91425" rIns="91425" bIns="91425" anchor="ctr" anchorCtr="0">
+              <a:noAutofit/>
+            </a:bodyPr>
+            <a:lstStyle/>
+            <a:p>
+              <a:pPr lvl="0">
+                <a:spcBef>
+                  <a:spcPts val="0"/>
+                </a:spcBef>
+                <a:buNone/>
+              </a:pPr>
+              <a:endParaRPr/>
+            </a:p>
+          </p:txBody>
+        </p:sp>
+        <p:sp>
+          <p:nvSpPr>
+            <p:cNvPr id="8" name="Shape 117"/>
+            <p:cNvSpPr/>
+            <p:nvPr/>
+          </p:nvSpPr>
+          <p:spPr>
+            <a:xfrm>
+              <a:off x="2814911" y="1754061"/>
+              <a:ext cx="49950" cy="49950"/>
+            </a:xfrm>
+            <a:custGeom>
+              <a:avLst/>
+              <a:gdLst/>
+              <a:ahLst/>
+              <a:cxnLst/>
+              <a:rect l="0" t="0" r="0" b="0"/>
+              <a:pathLst>
+                <a:path w="1998" h="1998" fill="none" extrusionOk="0">
+                  <a:moveTo>
+                    <a:pt x="1" y="1997"/>
+                  </a:moveTo>
+                  <a:lnTo>
+                    <a:pt x="1998" y="0"/>
+                  </a:lnTo>
+                </a:path>
+              </a:pathLst>
+            </a:custGeom>
+            <a:noFill/>
+            <a:ln w="9525" cap="rnd" cmpd="sng">
+              <a:solidFill>
+                <a:srgbClr val="000000"/>
+              </a:solidFill>
+              <a:prstDash val="solid"/>
+              <a:round/>
+              <a:headEnd type="none" w="med" len="med"/>
+              <a:tailEnd type="none" w="med" len="med"/>
+            </a:ln>
+          </p:spPr>
+          <p:txBody>
+            <a:bodyPr lIns="91425" tIns="91425" rIns="91425" bIns="91425" anchor="ctr" anchorCtr="0">
+              <a:noAutofit/>
+            </a:bodyPr>
+            <a:lstStyle/>
+            <a:p>
+              <a:pPr lvl="0">
+                <a:spcBef>
+                  <a:spcPts val="0"/>
+                </a:spcBef>
+                <a:buNone/>
+              </a:pPr>
+              <a:endParaRPr/>
+            </a:p>
+          </p:txBody>
+        </p:sp>
+      </p:grpSp>
+    </p:spTree>
+    <p:extLst>
+      <p:ext uri="{BB962C8B-B14F-4D97-AF65-F5344CB8AC3E}">
+        <p14:creationId xmlns:p14="http://schemas.microsoft.com/office/powerpoint/2010/main" val="3388617525"/>
+      </p:ext>
+    </p:extLst>
+  </p:cSld>
+  <p:clrMapOvr>
+    <a:masterClrMapping/>
+  </p:clrMapOvr>
+</p:sld>
+</file>
+
+<file path=ppt/slides/slide47.xml><?xml version="1.0" encoding="utf-8"?>
 <p:sld xmlns:a="http://schemas.openxmlformats.org/drawingml/2006/main" xmlns:r="http://schemas.openxmlformats.org/officeDocument/2006/relationships" xmlns:p="http://schemas.openxmlformats.org/presentationml/2006/main">
   <p:cSld>
     <p:spTree>
@@ -35321,7 +36080,2750 @@
 </p:sld>
 </file>
 
-<file path=ppt/slides/slide47.xml><?xml version="1.0" encoding="utf-8"?>
+<file path=ppt/slides/slide48.xml><?xml version="1.0" encoding="utf-8"?>
+<p:sld xmlns:a="http://schemas.openxmlformats.org/drawingml/2006/main" xmlns:r="http://schemas.openxmlformats.org/officeDocument/2006/relationships" xmlns:p="http://schemas.openxmlformats.org/presentationml/2006/main">
+  <p:cSld>
+    <p:spTree>
+      <p:nvGrpSpPr>
+        <p:cNvPr id="1" name=""/>
+        <p:cNvGrpSpPr/>
+        <p:nvPr/>
+      </p:nvGrpSpPr>
+      <p:grpSpPr>
+        <a:xfrm>
+          <a:off x="0" y="0"/>
+          <a:ext cx="0" cy="0"/>
+          <a:chOff x="0" y="0"/>
+          <a:chExt cx="0" cy="0"/>
+        </a:xfrm>
+      </p:grpSpPr>
+      <p:sp>
+        <p:nvSpPr>
+          <p:cNvPr id="9" name="Titel 8"/>
+          <p:cNvSpPr>
+            <a:spLocks noGrp="1"/>
+          </p:cNvSpPr>
+          <p:nvPr>
+            <p:ph type="title"/>
+          </p:nvPr>
+        </p:nvSpPr>
+        <p:spPr>
+          <a:xfrm>
+            <a:off x="1375153" y="924720"/>
+            <a:ext cx="3910830" cy="435599"/>
+          </a:xfrm>
+        </p:spPr>
+        <p:txBody>
+          <a:bodyPr/>
+          <a:lstStyle/>
+          <a:p>
+            <a:r>
+              <a:rPr lang="de-DE" dirty="0"/>
+              <a:t>Erfahrungen</a:t>
+            </a:r>
+            <a:br>
+              <a:rPr lang="de-DE" dirty="0"/>
+            </a:br>
+            <a:r>
+              <a:rPr lang="de-DE" dirty="0"/>
+              <a:t>Das „Game“-Modul</a:t>
+            </a:r>
+          </a:p>
+        </p:txBody>
+      </p:sp>
+      <p:sp>
+        <p:nvSpPr>
+          <p:cNvPr id="10" name="Textplatzhalter 9"/>
+          <p:cNvSpPr>
+            <a:spLocks noGrp="1"/>
+          </p:cNvSpPr>
+          <p:nvPr>
+            <p:ph type="body" idx="1"/>
+          </p:nvPr>
+        </p:nvSpPr>
+        <p:spPr/>
+        <p:txBody>
+          <a:bodyPr/>
+          <a:lstStyle/>
+          <a:p>
+            <a:r>
+              <a:rPr lang="de-DE" dirty="0"/>
+              <a:t>Implementierung des „Game“-Moduls lief reibungslos ab.</a:t>
+            </a:r>
+          </a:p>
+          <a:p>
+            <a:pPr marL="342900" indent="-342900">
+              <a:buFont typeface="Wingdings" panose="05000000000000000000" pitchFamily="2" charset="2"/>
+              <a:buChar char="Ø"/>
+            </a:pPr>
+            <a:r>
+              <a:rPr lang="de-DE" dirty="0"/>
+              <a:t>Im Nachhinein Ausbesserung kleinerer Fehler</a:t>
+            </a:r>
+          </a:p>
+          <a:p>
+            <a:pPr marL="342900" indent="-342900">
+              <a:buFont typeface="Wingdings" panose="05000000000000000000" pitchFamily="2" charset="2"/>
+              <a:buChar char="Ø"/>
+            </a:pPr>
+            <a:r>
+              <a:rPr lang="de-DE" dirty="0"/>
+              <a:t>Insgesamt nach Implementierung beinahe reibungslose Kommunikation mit anderen Modulen</a:t>
+            </a:r>
+          </a:p>
+          <a:p>
+            <a:pPr marL="342900" indent="-342900">
+              <a:buFont typeface="Wingdings" panose="05000000000000000000" pitchFamily="2" charset="2"/>
+              <a:buChar char="Ø"/>
+            </a:pPr>
+            <a:endParaRPr lang="de-DE" dirty="0"/>
+          </a:p>
+        </p:txBody>
+      </p:sp>
+      <p:grpSp>
+        <p:nvGrpSpPr>
+          <p:cNvPr id="11" name="Shape 113"/>
+          <p:cNvGrpSpPr/>
+          <p:nvPr/>
+        </p:nvGrpSpPr>
+        <p:grpSpPr>
+          <a:xfrm>
+            <a:off x="916458" y="1019750"/>
+            <a:ext cx="214624" cy="214624"/>
+            <a:chOff x="2594050" y="1631825"/>
+            <a:chExt cx="439625" cy="439625"/>
+          </a:xfrm>
+        </p:grpSpPr>
+        <p:sp>
+          <p:nvSpPr>
+            <p:cNvPr id="12" name="Shape 114"/>
+            <p:cNvSpPr/>
+            <p:nvPr/>
+          </p:nvSpPr>
+          <p:spPr>
+            <a:xfrm>
+              <a:off x="2594050" y="1883300"/>
+              <a:ext cx="188175" cy="188150"/>
+            </a:xfrm>
+            <a:custGeom>
+              <a:avLst/>
+              <a:gdLst/>
+              <a:ahLst/>
+              <a:cxnLst/>
+              <a:rect l="0" t="0" r="0" b="0"/>
+              <a:pathLst>
+                <a:path w="7527" h="7526" fill="none" extrusionOk="0">
+                  <a:moveTo>
+                    <a:pt x="5992" y="0"/>
+                  </a:moveTo>
+                  <a:lnTo>
+                    <a:pt x="537" y="6430"/>
+                  </a:lnTo>
+                  <a:lnTo>
+                    <a:pt x="1" y="7526"/>
+                  </a:lnTo>
+                  <a:lnTo>
+                    <a:pt x="1097" y="6990"/>
+                  </a:lnTo>
+                  <a:lnTo>
+                    <a:pt x="7526" y="1534"/>
+                  </a:lnTo>
+                  <a:lnTo>
+                    <a:pt x="5992" y="0"/>
+                  </a:lnTo>
+                  <a:close/>
+                </a:path>
+              </a:pathLst>
+            </a:custGeom>
+            <a:noFill/>
+            <a:ln w="9525" cap="rnd" cmpd="sng">
+              <a:solidFill>
+                <a:srgbClr val="000000"/>
+              </a:solidFill>
+              <a:prstDash val="solid"/>
+              <a:round/>
+              <a:headEnd type="none" w="med" len="med"/>
+              <a:tailEnd type="none" w="med" len="med"/>
+            </a:ln>
+          </p:spPr>
+          <p:txBody>
+            <a:bodyPr lIns="91425" tIns="91425" rIns="91425" bIns="91425" anchor="ctr" anchorCtr="0">
+              <a:noAutofit/>
+            </a:bodyPr>
+            <a:lstStyle/>
+            <a:p>
+              <a:pPr lvl="0">
+                <a:spcBef>
+                  <a:spcPts val="0"/>
+                </a:spcBef>
+                <a:buNone/>
+              </a:pPr>
+              <a:endParaRPr/>
+            </a:p>
+          </p:txBody>
+        </p:sp>
+        <p:sp>
+          <p:nvSpPr>
+            <p:cNvPr id="13" name="Shape 115"/>
+            <p:cNvSpPr/>
+            <p:nvPr/>
+          </p:nvSpPr>
+          <p:spPr>
+            <a:xfrm>
+              <a:off x="2857700" y="1631825"/>
+              <a:ext cx="175975" cy="176000"/>
+            </a:xfrm>
+            <a:custGeom>
+              <a:avLst/>
+              <a:gdLst/>
+              <a:ahLst/>
+              <a:cxnLst/>
+              <a:rect l="0" t="0" r="0" b="0"/>
+              <a:pathLst>
+                <a:path w="7039" h="7040" fill="none" extrusionOk="0">
+                  <a:moveTo>
+                    <a:pt x="268" y="2704"/>
+                  </a:moveTo>
+                  <a:lnTo>
+                    <a:pt x="4336" y="6771"/>
+                  </a:lnTo>
+                  <a:lnTo>
+                    <a:pt x="4336" y="6771"/>
+                  </a:lnTo>
+                  <a:lnTo>
+                    <a:pt x="4336" y="6771"/>
+                  </a:lnTo>
+                  <a:lnTo>
+                    <a:pt x="4652" y="6917"/>
+                  </a:lnTo>
+                  <a:lnTo>
+                    <a:pt x="4993" y="7015"/>
+                  </a:lnTo>
+                  <a:lnTo>
+                    <a:pt x="5310" y="7039"/>
+                  </a:lnTo>
+                  <a:lnTo>
+                    <a:pt x="5651" y="7039"/>
+                  </a:lnTo>
+                  <a:lnTo>
+                    <a:pt x="5992" y="6966"/>
+                  </a:lnTo>
+                  <a:lnTo>
+                    <a:pt x="6308" y="6844"/>
+                  </a:lnTo>
+                  <a:lnTo>
+                    <a:pt x="6454" y="6747"/>
+                  </a:lnTo>
+                  <a:lnTo>
+                    <a:pt x="6601" y="6674"/>
+                  </a:lnTo>
+                  <a:lnTo>
+                    <a:pt x="6747" y="6552"/>
+                  </a:lnTo>
+                  <a:lnTo>
+                    <a:pt x="6893" y="6430"/>
+                  </a:lnTo>
+                  <a:lnTo>
+                    <a:pt x="6893" y="6430"/>
+                  </a:lnTo>
+                  <a:lnTo>
+                    <a:pt x="6942" y="6357"/>
+                  </a:lnTo>
+                  <a:lnTo>
+                    <a:pt x="7015" y="6260"/>
+                  </a:lnTo>
+                  <a:lnTo>
+                    <a:pt x="7039" y="6138"/>
+                  </a:lnTo>
+                  <a:lnTo>
+                    <a:pt x="7039" y="6041"/>
+                  </a:lnTo>
+                  <a:lnTo>
+                    <a:pt x="7039" y="6041"/>
+                  </a:lnTo>
+                  <a:lnTo>
+                    <a:pt x="7039" y="5943"/>
+                  </a:lnTo>
+                  <a:lnTo>
+                    <a:pt x="7015" y="5846"/>
+                  </a:lnTo>
+                  <a:lnTo>
+                    <a:pt x="6942" y="5748"/>
+                  </a:lnTo>
+                  <a:lnTo>
+                    <a:pt x="6893" y="5651"/>
+                  </a:lnTo>
+                  <a:lnTo>
+                    <a:pt x="1389" y="147"/>
+                  </a:lnTo>
+                  <a:lnTo>
+                    <a:pt x="1389" y="147"/>
+                  </a:lnTo>
+                  <a:lnTo>
+                    <a:pt x="1291" y="98"/>
+                  </a:lnTo>
+                  <a:lnTo>
+                    <a:pt x="1194" y="25"/>
+                  </a:lnTo>
+                  <a:lnTo>
+                    <a:pt x="1096" y="0"/>
+                  </a:lnTo>
+                  <a:lnTo>
+                    <a:pt x="999" y="0"/>
+                  </a:lnTo>
+                  <a:lnTo>
+                    <a:pt x="999" y="0"/>
+                  </a:lnTo>
+                  <a:lnTo>
+                    <a:pt x="902" y="0"/>
+                  </a:lnTo>
+                  <a:lnTo>
+                    <a:pt x="780" y="25"/>
+                  </a:lnTo>
+                  <a:lnTo>
+                    <a:pt x="682" y="98"/>
+                  </a:lnTo>
+                  <a:lnTo>
+                    <a:pt x="609" y="147"/>
+                  </a:lnTo>
+                  <a:lnTo>
+                    <a:pt x="609" y="147"/>
+                  </a:lnTo>
+                  <a:lnTo>
+                    <a:pt x="487" y="293"/>
+                  </a:lnTo>
+                  <a:lnTo>
+                    <a:pt x="366" y="439"/>
+                  </a:lnTo>
+                  <a:lnTo>
+                    <a:pt x="293" y="585"/>
+                  </a:lnTo>
+                  <a:lnTo>
+                    <a:pt x="195" y="731"/>
+                  </a:lnTo>
+                  <a:lnTo>
+                    <a:pt x="73" y="1048"/>
+                  </a:lnTo>
+                  <a:lnTo>
+                    <a:pt x="0" y="1389"/>
+                  </a:lnTo>
+                  <a:lnTo>
+                    <a:pt x="0" y="1730"/>
+                  </a:lnTo>
+                  <a:lnTo>
+                    <a:pt x="25" y="2046"/>
+                  </a:lnTo>
+                  <a:lnTo>
+                    <a:pt x="122" y="2387"/>
+                  </a:lnTo>
+                  <a:lnTo>
+                    <a:pt x="268" y="2704"/>
+                  </a:lnTo>
+                  <a:lnTo>
+                    <a:pt x="268" y="2704"/>
+                  </a:lnTo>
+                  <a:close/>
+                </a:path>
+              </a:pathLst>
+            </a:custGeom>
+            <a:noFill/>
+            <a:ln w="9525" cap="rnd" cmpd="sng">
+              <a:solidFill>
+                <a:srgbClr val="000000"/>
+              </a:solidFill>
+              <a:prstDash val="solid"/>
+              <a:round/>
+              <a:headEnd type="none" w="med" len="med"/>
+              <a:tailEnd type="none" w="med" len="med"/>
+            </a:ln>
+          </p:spPr>
+          <p:txBody>
+            <a:bodyPr lIns="91425" tIns="91425" rIns="91425" bIns="91425" anchor="ctr" anchorCtr="0">
+              <a:noAutofit/>
+            </a:bodyPr>
+            <a:lstStyle/>
+            <a:p>
+              <a:pPr lvl="0">
+                <a:spcBef>
+                  <a:spcPts val="0"/>
+                </a:spcBef>
+                <a:buNone/>
+              </a:pPr>
+              <a:endParaRPr/>
+            </a:p>
+          </p:txBody>
+        </p:sp>
+        <p:sp>
+          <p:nvSpPr>
+            <p:cNvPr id="14" name="Shape 116"/>
+            <p:cNvSpPr/>
+            <p:nvPr/>
+          </p:nvSpPr>
+          <p:spPr>
+            <a:xfrm>
+              <a:off x="2662850" y="1699400"/>
+              <a:ext cx="303250" cy="303250"/>
+            </a:xfrm>
+            <a:custGeom>
+              <a:avLst/>
+              <a:gdLst/>
+              <a:ahLst/>
+              <a:cxnLst/>
+              <a:rect l="0" t="0" r="0" b="0"/>
+              <a:pathLst>
+                <a:path w="12130" h="12130" fill="none" extrusionOk="0">
+                  <a:moveTo>
+                    <a:pt x="8038" y="1"/>
+                  </a:moveTo>
+                  <a:lnTo>
+                    <a:pt x="4872" y="3191"/>
+                  </a:lnTo>
+                  <a:lnTo>
+                    <a:pt x="4872" y="3191"/>
+                  </a:lnTo>
+                  <a:lnTo>
+                    <a:pt x="4628" y="3094"/>
+                  </a:lnTo>
+                  <a:lnTo>
+                    <a:pt x="4385" y="2997"/>
+                  </a:lnTo>
+                  <a:lnTo>
+                    <a:pt x="4092" y="2899"/>
+                  </a:lnTo>
+                  <a:lnTo>
+                    <a:pt x="3800" y="2850"/>
+                  </a:lnTo>
+                  <a:lnTo>
+                    <a:pt x="3484" y="2777"/>
+                  </a:lnTo>
+                  <a:lnTo>
+                    <a:pt x="3167" y="2729"/>
+                  </a:lnTo>
+                  <a:lnTo>
+                    <a:pt x="2850" y="2704"/>
+                  </a:lnTo>
+                  <a:lnTo>
+                    <a:pt x="2534" y="2704"/>
+                  </a:lnTo>
+                  <a:lnTo>
+                    <a:pt x="2534" y="2704"/>
+                  </a:lnTo>
+                  <a:lnTo>
+                    <a:pt x="2241" y="2704"/>
+                  </a:lnTo>
+                  <a:lnTo>
+                    <a:pt x="1949" y="2729"/>
+                  </a:lnTo>
+                  <a:lnTo>
+                    <a:pt x="1633" y="2777"/>
+                  </a:lnTo>
+                  <a:lnTo>
+                    <a:pt x="1316" y="2850"/>
+                  </a:lnTo>
+                  <a:lnTo>
+                    <a:pt x="999" y="2972"/>
+                  </a:lnTo>
+                  <a:lnTo>
+                    <a:pt x="707" y="3094"/>
+                  </a:lnTo>
+                  <a:lnTo>
+                    <a:pt x="415" y="3289"/>
+                  </a:lnTo>
+                  <a:lnTo>
+                    <a:pt x="147" y="3508"/>
+                  </a:lnTo>
+                  <a:lnTo>
+                    <a:pt x="147" y="3508"/>
+                  </a:lnTo>
+                  <a:lnTo>
+                    <a:pt x="74" y="3581"/>
+                  </a:lnTo>
+                  <a:lnTo>
+                    <a:pt x="25" y="3678"/>
+                  </a:lnTo>
+                  <a:lnTo>
+                    <a:pt x="1" y="3776"/>
+                  </a:lnTo>
+                  <a:lnTo>
+                    <a:pt x="1" y="3898"/>
+                  </a:lnTo>
+                  <a:lnTo>
+                    <a:pt x="1" y="3898"/>
+                  </a:lnTo>
+                  <a:lnTo>
+                    <a:pt x="1" y="3995"/>
+                  </a:lnTo>
+                  <a:lnTo>
+                    <a:pt x="25" y="4093"/>
+                  </a:lnTo>
+                  <a:lnTo>
+                    <a:pt x="74" y="4190"/>
+                  </a:lnTo>
+                  <a:lnTo>
+                    <a:pt x="147" y="4287"/>
+                  </a:lnTo>
+                  <a:lnTo>
+                    <a:pt x="7843" y="11984"/>
+                  </a:lnTo>
+                  <a:lnTo>
+                    <a:pt x="7843" y="11984"/>
+                  </a:lnTo>
+                  <a:lnTo>
+                    <a:pt x="7941" y="12057"/>
+                  </a:lnTo>
+                  <a:lnTo>
+                    <a:pt x="8038" y="12105"/>
+                  </a:lnTo>
+                  <a:lnTo>
+                    <a:pt x="8135" y="12130"/>
+                  </a:lnTo>
+                  <a:lnTo>
+                    <a:pt x="8233" y="12130"/>
+                  </a:lnTo>
+                  <a:lnTo>
+                    <a:pt x="8233" y="12130"/>
+                  </a:lnTo>
+                  <a:lnTo>
+                    <a:pt x="8355" y="12130"/>
+                  </a:lnTo>
+                  <a:lnTo>
+                    <a:pt x="8452" y="12105"/>
+                  </a:lnTo>
+                  <a:lnTo>
+                    <a:pt x="8549" y="12057"/>
+                  </a:lnTo>
+                  <a:lnTo>
+                    <a:pt x="8622" y="11984"/>
+                  </a:lnTo>
+                  <a:lnTo>
+                    <a:pt x="8622" y="11984"/>
+                  </a:lnTo>
+                  <a:lnTo>
+                    <a:pt x="8842" y="11716"/>
+                  </a:lnTo>
+                  <a:lnTo>
+                    <a:pt x="9036" y="11423"/>
+                  </a:lnTo>
+                  <a:lnTo>
+                    <a:pt x="9158" y="11131"/>
+                  </a:lnTo>
+                  <a:lnTo>
+                    <a:pt x="9280" y="10814"/>
+                  </a:lnTo>
+                  <a:lnTo>
+                    <a:pt x="9353" y="10498"/>
+                  </a:lnTo>
+                  <a:lnTo>
+                    <a:pt x="9402" y="10181"/>
+                  </a:lnTo>
+                  <a:lnTo>
+                    <a:pt x="9426" y="9889"/>
+                  </a:lnTo>
+                  <a:lnTo>
+                    <a:pt x="9426" y="9597"/>
+                  </a:lnTo>
+                  <a:lnTo>
+                    <a:pt x="9426" y="9597"/>
+                  </a:lnTo>
+                  <a:lnTo>
+                    <a:pt x="9426" y="9280"/>
+                  </a:lnTo>
+                  <a:lnTo>
+                    <a:pt x="9402" y="8964"/>
+                  </a:lnTo>
+                  <a:lnTo>
+                    <a:pt x="9353" y="8647"/>
+                  </a:lnTo>
+                  <a:lnTo>
+                    <a:pt x="9280" y="8330"/>
+                  </a:lnTo>
+                  <a:lnTo>
+                    <a:pt x="9231" y="8038"/>
+                  </a:lnTo>
+                  <a:lnTo>
+                    <a:pt x="9134" y="7746"/>
+                  </a:lnTo>
+                  <a:lnTo>
+                    <a:pt x="9036" y="7502"/>
+                  </a:lnTo>
+                  <a:lnTo>
+                    <a:pt x="8939" y="7259"/>
+                  </a:lnTo>
+                  <a:lnTo>
+                    <a:pt x="12130" y="4093"/>
+                  </a:lnTo>
+                </a:path>
+              </a:pathLst>
+            </a:custGeom>
+            <a:noFill/>
+            <a:ln w="9525" cap="rnd" cmpd="sng">
+              <a:solidFill>
+                <a:srgbClr val="000000"/>
+              </a:solidFill>
+              <a:prstDash val="solid"/>
+              <a:round/>
+              <a:headEnd type="none" w="med" len="med"/>
+              <a:tailEnd type="none" w="med" len="med"/>
+            </a:ln>
+          </p:spPr>
+          <p:txBody>
+            <a:bodyPr lIns="91425" tIns="91425" rIns="91425" bIns="91425" anchor="ctr" anchorCtr="0">
+              <a:noAutofit/>
+            </a:bodyPr>
+            <a:lstStyle/>
+            <a:p>
+              <a:pPr lvl="0">
+                <a:spcBef>
+                  <a:spcPts val="0"/>
+                </a:spcBef>
+                <a:buNone/>
+              </a:pPr>
+              <a:endParaRPr/>
+            </a:p>
+          </p:txBody>
+        </p:sp>
+        <p:sp>
+          <p:nvSpPr>
+            <p:cNvPr id="15" name="Shape 117"/>
+            <p:cNvSpPr/>
+            <p:nvPr/>
+          </p:nvSpPr>
+          <p:spPr>
+            <a:xfrm>
+              <a:off x="2814911" y="1754061"/>
+              <a:ext cx="49950" cy="49950"/>
+            </a:xfrm>
+            <a:custGeom>
+              <a:avLst/>
+              <a:gdLst/>
+              <a:ahLst/>
+              <a:cxnLst/>
+              <a:rect l="0" t="0" r="0" b="0"/>
+              <a:pathLst>
+                <a:path w="1998" h="1998" fill="none" extrusionOk="0">
+                  <a:moveTo>
+                    <a:pt x="1" y="1997"/>
+                  </a:moveTo>
+                  <a:lnTo>
+                    <a:pt x="1998" y="0"/>
+                  </a:lnTo>
+                </a:path>
+              </a:pathLst>
+            </a:custGeom>
+            <a:noFill/>
+            <a:ln w="9525" cap="rnd" cmpd="sng">
+              <a:solidFill>
+                <a:srgbClr val="000000"/>
+              </a:solidFill>
+              <a:prstDash val="solid"/>
+              <a:round/>
+              <a:headEnd type="none" w="med" len="med"/>
+              <a:tailEnd type="none" w="med" len="med"/>
+            </a:ln>
+          </p:spPr>
+          <p:txBody>
+            <a:bodyPr lIns="91425" tIns="91425" rIns="91425" bIns="91425" anchor="ctr" anchorCtr="0">
+              <a:noAutofit/>
+            </a:bodyPr>
+            <a:lstStyle/>
+            <a:p>
+              <a:pPr lvl="0">
+                <a:spcBef>
+                  <a:spcPts val="0"/>
+                </a:spcBef>
+                <a:buNone/>
+              </a:pPr>
+              <a:endParaRPr/>
+            </a:p>
+          </p:txBody>
+        </p:sp>
+      </p:grpSp>
+    </p:spTree>
+    <p:extLst>
+      <p:ext uri="{BB962C8B-B14F-4D97-AF65-F5344CB8AC3E}">
+        <p14:creationId xmlns:p14="http://schemas.microsoft.com/office/powerpoint/2010/main" val="4114549964"/>
+      </p:ext>
+    </p:extLst>
+  </p:cSld>
+  <p:clrMapOvr>
+    <a:masterClrMapping/>
+  </p:clrMapOvr>
+</p:sld>
+</file>
+
+<file path=ppt/slides/slide49.xml><?xml version="1.0" encoding="utf-8"?>
+<p:sld xmlns:a="http://schemas.openxmlformats.org/drawingml/2006/main" xmlns:r="http://schemas.openxmlformats.org/officeDocument/2006/relationships" xmlns:p="http://schemas.openxmlformats.org/presentationml/2006/main">
+  <p:cSld>
+    <p:spTree>
+      <p:nvGrpSpPr>
+        <p:cNvPr id="1" name=""/>
+        <p:cNvGrpSpPr/>
+        <p:nvPr/>
+      </p:nvGrpSpPr>
+      <p:grpSpPr>
+        <a:xfrm>
+          <a:off x="0" y="0"/>
+          <a:ext cx="0" cy="0"/>
+          <a:chOff x="0" y="0"/>
+          <a:chExt cx="0" cy="0"/>
+        </a:xfrm>
+      </p:grpSpPr>
+      <p:sp>
+        <p:nvSpPr>
+          <p:cNvPr id="2" name="Titel 1"/>
+          <p:cNvSpPr>
+            <a:spLocks noGrp="1"/>
+          </p:cNvSpPr>
+          <p:nvPr>
+            <p:ph type="title"/>
+          </p:nvPr>
+        </p:nvSpPr>
+        <p:spPr/>
+        <p:txBody>
+          <a:bodyPr/>
+          <a:lstStyle/>
+          <a:p>
+            <a:r>
+              <a:rPr lang="de-DE" dirty="0"/>
+              <a:t>Erfahrungen</a:t>
+            </a:r>
+            <a:br>
+              <a:rPr lang="de-DE" dirty="0"/>
+            </a:br>
+            <a:r>
+              <a:rPr lang="de-DE" dirty="0"/>
+              <a:t>Das „</a:t>
+            </a:r>
+            <a:r>
+              <a:rPr lang="de-DE" dirty="0" err="1"/>
+              <a:t>Persistence</a:t>
+            </a:r>
+            <a:r>
+              <a:rPr lang="de-DE" dirty="0"/>
+              <a:t>“-Modul</a:t>
+            </a:r>
+          </a:p>
+        </p:txBody>
+      </p:sp>
+      <p:sp>
+        <p:nvSpPr>
+          <p:cNvPr id="3" name="Textplatzhalter 2"/>
+          <p:cNvSpPr>
+            <a:spLocks noGrp="1"/>
+          </p:cNvSpPr>
+          <p:nvPr>
+            <p:ph type="body" idx="1"/>
+          </p:nvPr>
+        </p:nvSpPr>
+        <p:spPr/>
+        <p:txBody>
+          <a:bodyPr/>
+          <a:lstStyle/>
+          <a:p>
+            <a:r>
+              <a:rPr lang="de-DE" dirty="0"/>
+              <a:t>Implementierung einer Datenbank</a:t>
+            </a:r>
+          </a:p>
+          <a:p>
+            <a:r>
+              <a:rPr lang="de-DE" dirty="0"/>
+              <a:t>Verbindung und Kommunikation mit anderen Modulen einwandfrei.</a:t>
+            </a:r>
+          </a:p>
+          <a:p>
+            <a:pPr marL="342900" indent="-342900">
+              <a:buFont typeface="Wingdings" panose="05000000000000000000" pitchFamily="2" charset="2"/>
+              <a:buChar char="Ø"/>
+            </a:pPr>
+            <a:r>
+              <a:rPr lang="de-DE" dirty="0"/>
+              <a:t>Lokale Datenbank falls Externe Datenbank nicht erreichbar</a:t>
+            </a:r>
+          </a:p>
+        </p:txBody>
+      </p:sp>
+      <p:grpSp>
+        <p:nvGrpSpPr>
+          <p:cNvPr id="4" name="Shape 113"/>
+          <p:cNvGrpSpPr/>
+          <p:nvPr/>
+        </p:nvGrpSpPr>
+        <p:grpSpPr>
+          <a:xfrm>
+            <a:off x="916458" y="1019750"/>
+            <a:ext cx="214624" cy="214624"/>
+            <a:chOff x="2594050" y="1631825"/>
+            <a:chExt cx="439625" cy="439625"/>
+          </a:xfrm>
+        </p:grpSpPr>
+        <p:sp>
+          <p:nvSpPr>
+            <p:cNvPr id="5" name="Shape 114"/>
+            <p:cNvSpPr/>
+            <p:nvPr/>
+          </p:nvSpPr>
+          <p:spPr>
+            <a:xfrm>
+              <a:off x="2594050" y="1883300"/>
+              <a:ext cx="188175" cy="188150"/>
+            </a:xfrm>
+            <a:custGeom>
+              <a:avLst/>
+              <a:gdLst/>
+              <a:ahLst/>
+              <a:cxnLst/>
+              <a:rect l="0" t="0" r="0" b="0"/>
+              <a:pathLst>
+                <a:path w="7527" h="7526" fill="none" extrusionOk="0">
+                  <a:moveTo>
+                    <a:pt x="5992" y="0"/>
+                  </a:moveTo>
+                  <a:lnTo>
+                    <a:pt x="537" y="6430"/>
+                  </a:lnTo>
+                  <a:lnTo>
+                    <a:pt x="1" y="7526"/>
+                  </a:lnTo>
+                  <a:lnTo>
+                    <a:pt x="1097" y="6990"/>
+                  </a:lnTo>
+                  <a:lnTo>
+                    <a:pt x="7526" y="1534"/>
+                  </a:lnTo>
+                  <a:lnTo>
+                    <a:pt x="5992" y="0"/>
+                  </a:lnTo>
+                  <a:close/>
+                </a:path>
+              </a:pathLst>
+            </a:custGeom>
+            <a:noFill/>
+            <a:ln w="9525" cap="rnd" cmpd="sng">
+              <a:solidFill>
+                <a:srgbClr val="000000"/>
+              </a:solidFill>
+              <a:prstDash val="solid"/>
+              <a:round/>
+              <a:headEnd type="none" w="med" len="med"/>
+              <a:tailEnd type="none" w="med" len="med"/>
+            </a:ln>
+          </p:spPr>
+          <p:txBody>
+            <a:bodyPr lIns="91425" tIns="91425" rIns="91425" bIns="91425" anchor="ctr" anchorCtr="0">
+              <a:noAutofit/>
+            </a:bodyPr>
+            <a:lstStyle/>
+            <a:p>
+              <a:pPr lvl="0">
+                <a:spcBef>
+                  <a:spcPts val="0"/>
+                </a:spcBef>
+                <a:buNone/>
+              </a:pPr>
+              <a:endParaRPr/>
+            </a:p>
+          </p:txBody>
+        </p:sp>
+        <p:sp>
+          <p:nvSpPr>
+            <p:cNvPr id="6" name="Shape 115"/>
+            <p:cNvSpPr/>
+            <p:nvPr/>
+          </p:nvSpPr>
+          <p:spPr>
+            <a:xfrm>
+              <a:off x="2857700" y="1631825"/>
+              <a:ext cx="175975" cy="176000"/>
+            </a:xfrm>
+            <a:custGeom>
+              <a:avLst/>
+              <a:gdLst/>
+              <a:ahLst/>
+              <a:cxnLst/>
+              <a:rect l="0" t="0" r="0" b="0"/>
+              <a:pathLst>
+                <a:path w="7039" h="7040" fill="none" extrusionOk="0">
+                  <a:moveTo>
+                    <a:pt x="268" y="2704"/>
+                  </a:moveTo>
+                  <a:lnTo>
+                    <a:pt x="4336" y="6771"/>
+                  </a:lnTo>
+                  <a:lnTo>
+                    <a:pt x="4336" y="6771"/>
+                  </a:lnTo>
+                  <a:lnTo>
+                    <a:pt x="4336" y="6771"/>
+                  </a:lnTo>
+                  <a:lnTo>
+                    <a:pt x="4652" y="6917"/>
+                  </a:lnTo>
+                  <a:lnTo>
+                    <a:pt x="4993" y="7015"/>
+                  </a:lnTo>
+                  <a:lnTo>
+                    <a:pt x="5310" y="7039"/>
+                  </a:lnTo>
+                  <a:lnTo>
+                    <a:pt x="5651" y="7039"/>
+                  </a:lnTo>
+                  <a:lnTo>
+                    <a:pt x="5992" y="6966"/>
+                  </a:lnTo>
+                  <a:lnTo>
+                    <a:pt x="6308" y="6844"/>
+                  </a:lnTo>
+                  <a:lnTo>
+                    <a:pt x="6454" y="6747"/>
+                  </a:lnTo>
+                  <a:lnTo>
+                    <a:pt x="6601" y="6674"/>
+                  </a:lnTo>
+                  <a:lnTo>
+                    <a:pt x="6747" y="6552"/>
+                  </a:lnTo>
+                  <a:lnTo>
+                    <a:pt x="6893" y="6430"/>
+                  </a:lnTo>
+                  <a:lnTo>
+                    <a:pt x="6893" y="6430"/>
+                  </a:lnTo>
+                  <a:lnTo>
+                    <a:pt x="6942" y="6357"/>
+                  </a:lnTo>
+                  <a:lnTo>
+                    <a:pt x="7015" y="6260"/>
+                  </a:lnTo>
+                  <a:lnTo>
+                    <a:pt x="7039" y="6138"/>
+                  </a:lnTo>
+                  <a:lnTo>
+                    <a:pt x="7039" y="6041"/>
+                  </a:lnTo>
+                  <a:lnTo>
+                    <a:pt x="7039" y="6041"/>
+                  </a:lnTo>
+                  <a:lnTo>
+                    <a:pt x="7039" y="5943"/>
+                  </a:lnTo>
+                  <a:lnTo>
+                    <a:pt x="7015" y="5846"/>
+                  </a:lnTo>
+                  <a:lnTo>
+                    <a:pt x="6942" y="5748"/>
+                  </a:lnTo>
+                  <a:lnTo>
+                    <a:pt x="6893" y="5651"/>
+                  </a:lnTo>
+                  <a:lnTo>
+                    <a:pt x="1389" y="147"/>
+                  </a:lnTo>
+                  <a:lnTo>
+                    <a:pt x="1389" y="147"/>
+                  </a:lnTo>
+                  <a:lnTo>
+                    <a:pt x="1291" y="98"/>
+                  </a:lnTo>
+                  <a:lnTo>
+                    <a:pt x="1194" y="25"/>
+                  </a:lnTo>
+                  <a:lnTo>
+                    <a:pt x="1096" y="0"/>
+                  </a:lnTo>
+                  <a:lnTo>
+                    <a:pt x="999" y="0"/>
+                  </a:lnTo>
+                  <a:lnTo>
+                    <a:pt x="999" y="0"/>
+                  </a:lnTo>
+                  <a:lnTo>
+                    <a:pt x="902" y="0"/>
+                  </a:lnTo>
+                  <a:lnTo>
+                    <a:pt x="780" y="25"/>
+                  </a:lnTo>
+                  <a:lnTo>
+                    <a:pt x="682" y="98"/>
+                  </a:lnTo>
+                  <a:lnTo>
+                    <a:pt x="609" y="147"/>
+                  </a:lnTo>
+                  <a:lnTo>
+                    <a:pt x="609" y="147"/>
+                  </a:lnTo>
+                  <a:lnTo>
+                    <a:pt x="487" y="293"/>
+                  </a:lnTo>
+                  <a:lnTo>
+                    <a:pt x="366" y="439"/>
+                  </a:lnTo>
+                  <a:lnTo>
+                    <a:pt x="293" y="585"/>
+                  </a:lnTo>
+                  <a:lnTo>
+                    <a:pt x="195" y="731"/>
+                  </a:lnTo>
+                  <a:lnTo>
+                    <a:pt x="73" y="1048"/>
+                  </a:lnTo>
+                  <a:lnTo>
+                    <a:pt x="0" y="1389"/>
+                  </a:lnTo>
+                  <a:lnTo>
+                    <a:pt x="0" y="1730"/>
+                  </a:lnTo>
+                  <a:lnTo>
+                    <a:pt x="25" y="2046"/>
+                  </a:lnTo>
+                  <a:lnTo>
+                    <a:pt x="122" y="2387"/>
+                  </a:lnTo>
+                  <a:lnTo>
+                    <a:pt x="268" y="2704"/>
+                  </a:lnTo>
+                  <a:lnTo>
+                    <a:pt x="268" y="2704"/>
+                  </a:lnTo>
+                  <a:close/>
+                </a:path>
+              </a:pathLst>
+            </a:custGeom>
+            <a:noFill/>
+            <a:ln w="9525" cap="rnd" cmpd="sng">
+              <a:solidFill>
+                <a:srgbClr val="000000"/>
+              </a:solidFill>
+              <a:prstDash val="solid"/>
+              <a:round/>
+              <a:headEnd type="none" w="med" len="med"/>
+              <a:tailEnd type="none" w="med" len="med"/>
+            </a:ln>
+          </p:spPr>
+          <p:txBody>
+            <a:bodyPr lIns="91425" tIns="91425" rIns="91425" bIns="91425" anchor="ctr" anchorCtr="0">
+              <a:noAutofit/>
+            </a:bodyPr>
+            <a:lstStyle/>
+            <a:p>
+              <a:pPr lvl="0">
+                <a:spcBef>
+                  <a:spcPts val="0"/>
+                </a:spcBef>
+                <a:buNone/>
+              </a:pPr>
+              <a:endParaRPr/>
+            </a:p>
+          </p:txBody>
+        </p:sp>
+        <p:sp>
+          <p:nvSpPr>
+            <p:cNvPr id="7" name="Shape 116"/>
+            <p:cNvSpPr/>
+            <p:nvPr/>
+          </p:nvSpPr>
+          <p:spPr>
+            <a:xfrm>
+              <a:off x="2662850" y="1699400"/>
+              <a:ext cx="303250" cy="303250"/>
+            </a:xfrm>
+            <a:custGeom>
+              <a:avLst/>
+              <a:gdLst/>
+              <a:ahLst/>
+              <a:cxnLst/>
+              <a:rect l="0" t="0" r="0" b="0"/>
+              <a:pathLst>
+                <a:path w="12130" h="12130" fill="none" extrusionOk="0">
+                  <a:moveTo>
+                    <a:pt x="8038" y="1"/>
+                  </a:moveTo>
+                  <a:lnTo>
+                    <a:pt x="4872" y="3191"/>
+                  </a:lnTo>
+                  <a:lnTo>
+                    <a:pt x="4872" y="3191"/>
+                  </a:lnTo>
+                  <a:lnTo>
+                    <a:pt x="4628" y="3094"/>
+                  </a:lnTo>
+                  <a:lnTo>
+                    <a:pt x="4385" y="2997"/>
+                  </a:lnTo>
+                  <a:lnTo>
+                    <a:pt x="4092" y="2899"/>
+                  </a:lnTo>
+                  <a:lnTo>
+                    <a:pt x="3800" y="2850"/>
+                  </a:lnTo>
+                  <a:lnTo>
+                    <a:pt x="3484" y="2777"/>
+                  </a:lnTo>
+                  <a:lnTo>
+                    <a:pt x="3167" y="2729"/>
+                  </a:lnTo>
+                  <a:lnTo>
+                    <a:pt x="2850" y="2704"/>
+                  </a:lnTo>
+                  <a:lnTo>
+                    <a:pt x="2534" y="2704"/>
+                  </a:lnTo>
+                  <a:lnTo>
+                    <a:pt x="2534" y="2704"/>
+                  </a:lnTo>
+                  <a:lnTo>
+                    <a:pt x="2241" y="2704"/>
+                  </a:lnTo>
+                  <a:lnTo>
+                    <a:pt x="1949" y="2729"/>
+                  </a:lnTo>
+                  <a:lnTo>
+                    <a:pt x="1633" y="2777"/>
+                  </a:lnTo>
+                  <a:lnTo>
+                    <a:pt x="1316" y="2850"/>
+                  </a:lnTo>
+                  <a:lnTo>
+                    <a:pt x="999" y="2972"/>
+                  </a:lnTo>
+                  <a:lnTo>
+                    <a:pt x="707" y="3094"/>
+                  </a:lnTo>
+                  <a:lnTo>
+                    <a:pt x="415" y="3289"/>
+                  </a:lnTo>
+                  <a:lnTo>
+                    <a:pt x="147" y="3508"/>
+                  </a:lnTo>
+                  <a:lnTo>
+                    <a:pt x="147" y="3508"/>
+                  </a:lnTo>
+                  <a:lnTo>
+                    <a:pt x="74" y="3581"/>
+                  </a:lnTo>
+                  <a:lnTo>
+                    <a:pt x="25" y="3678"/>
+                  </a:lnTo>
+                  <a:lnTo>
+                    <a:pt x="1" y="3776"/>
+                  </a:lnTo>
+                  <a:lnTo>
+                    <a:pt x="1" y="3898"/>
+                  </a:lnTo>
+                  <a:lnTo>
+                    <a:pt x="1" y="3898"/>
+                  </a:lnTo>
+                  <a:lnTo>
+                    <a:pt x="1" y="3995"/>
+                  </a:lnTo>
+                  <a:lnTo>
+                    <a:pt x="25" y="4093"/>
+                  </a:lnTo>
+                  <a:lnTo>
+                    <a:pt x="74" y="4190"/>
+                  </a:lnTo>
+                  <a:lnTo>
+                    <a:pt x="147" y="4287"/>
+                  </a:lnTo>
+                  <a:lnTo>
+                    <a:pt x="7843" y="11984"/>
+                  </a:lnTo>
+                  <a:lnTo>
+                    <a:pt x="7843" y="11984"/>
+                  </a:lnTo>
+                  <a:lnTo>
+                    <a:pt x="7941" y="12057"/>
+                  </a:lnTo>
+                  <a:lnTo>
+                    <a:pt x="8038" y="12105"/>
+                  </a:lnTo>
+                  <a:lnTo>
+                    <a:pt x="8135" y="12130"/>
+                  </a:lnTo>
+                  <a:lnTo>
+                    <a:pt x="8233" y="12130"/>
+                  </a:lnTo>
+                  <a:lnTo>
+                    <a:pt x="8233" y="12130"/>
+                  </a:lnTo>
+                  <a:lnTo>
+                    <a:pt x="8355" y="12130"/>
+                  </a:lnTo>
+                  <a:lnTo>
+                    <a:pt x="8452" y="12105"/>
+                  </a:lnTo>
+                  <a:lnTo>
+                    <a:pt x="8549" y="12057"/>
+                  </a:lnTo>
+                  <a:lnTo>
+                    <a:pt x="8622" y="11984"/>
+                  </a:lnTo>
+                  <a:lnTo>
+                    <a:pt x="8622" y="11984"/>
+                  </a:lnTo>
+                  <a:lnTo>
+                    <a:pt x="8842" y="11716"/>
+                  </a:lnTo>
+                  <a:lnTo>
+                    <a:pt x="9036" y="11423"/>
+                  </a:lnTo>
+                  <a:lnTo>
+                    <a:pt x="9158" y="11131"/>
+                  </a:lnTo>
+                  <a:lnTo>
+                    <a:pt x="9280" y="10814"/>
+                  </a:lnTo>
+                  <a:lnTo>
+                    <a:pt x="9353" y="10498"/>
+                  </a:lnTo>
+                  <a:lnTo>
+                    <a:pt x="9402" y="10181"/>
+                  </a:lnTo>
+                  <a:lnTo>
+                    <a:pt x="9426" y="9889"/>
+                  </a:lnTo>
+                  <a:lnTo>
+                    <a:pt x="9426" y="9597"/>
+                  </a:lnTo>
+                  <a:lnTo>
+                    <a:pt x="9426" y="9597"/>
+                  </a:lnTo>
+                  <a:lnTo>
+                    <a:pt x="9426" y="9280"/>
+                  </a:lnTo>
+                  <a:lnTo>
+                    <a:pt x="9402" y="8964"/>
+                  </a:lnTo>
+                  <a:lnTo>
+                    <a:pt x="9353" y="8647"/>
+                  </a:lnTo>
+                  <a:lnTo>
+                    <a:pt x="9280" y="8330"/>
+                  </a:lnTo>
+                  <a:lnTo>
+                    <a:pt x="9231" y="8038"/>
+                  </a:lnTo>
+                  <a:lnTo>
+                    <a:pt x="9134" y="7746"/>
+                  </a:lnTo>
+                  <a:lnTo>
+                    <a:pt x="9036" y="7502"/>
+                  </a:lnTo>
+                  <a:lnTo>
+                    <a:pt x="8939" y="7259"/>
+                  </a:lnTo>
+                  <a:lnTo>
+                    <a:pt x="12130" y="4093"/>
+                  </a:lnTo>
+                </a:path>
+              </a:pathLst>
+            </a:custGeom>
+            <a:noFill/>
+            <a:ln w="9525" cap="rnd" cmpd="sng">
+              <a:solidFill>
+                <a:srgbClr val="000000"/>
+              </a:solidFill>
+              <a:prstDash val="solid"/>
+              <a:round/>
+              <a:headEnd type="none" w="med" len="med"/>
+              <a:tailEnd type="none" w="med" len="med"/>
+            </a:ln>
+          </p:spPr>
+          <p:txBody>
+            <a:bodyPr lIns="91425" tIns="91425" rIns="91425" bIns="91425" anchor="ctr" anchorCtr="0">
+              <a:noAutofit/>
+            </a:bodyPr>
+            <a:lstStyle/>
+            <a:p>
+              <a:pPr lvl="0">
+                <a:spcBef>
+                  <a:spcPts val="0"/>
+                </a:spcBef>
+                <a:buNone/>
+              </a:pPr>
+              <a:endParaRPr/>
+            </a:p>
+          </p:txBody>
+        </p:sp>
+        <p:sp>
+          <p:nvSpPr>
+            <p:cNvPr id="8" name="Shape 117"/>
+            <p:cNvSpPr/>
+            <p:nvPr/>
+          </p:nvSpPr>
+          <p:spPr>
+            <a:xfrm>
+              <a:off x="2814911" y="1754061"/>
+              <a:ext cx="49950" cy="49950"/>
+            </a:xfrm>
+            <a:custGeom>
+              <a:avLst/>
+              <a:gdLst/>
+              <a:ahLst/>
+              <a:cxnLst/>
+              <a:rect l="0" t="0" r="0" b="0"/>
+              <a:pathLst>
+                <a:path w="1998" h="1998" fill="none" extrusionOk="0">
+                  <a:moveTo>
+                    <a:pt x="1" y="1997"/>
+                  </a:moveTo>
+                  <a:lnTo>
+                    <a:pt x="1998" y="0"/>
+                  </a:lnTo>
+                </a:path>
+              </a:pathLst>
+            </a:custGeom>
+            <a:noFill/>
+            <a:ln w="9525" cap="rnd" cmpd="sng">
+              <a:solidFill>
+                <a:srgbClr val="000000"/>
+              </a:solidFill>
+              <a:prstDash val="solid"/>
+              <a:round/>
+              <a:headEnd type="none" w="med" len="med"/>
+              <a:tailEnd type="none" w="med" len="med"/>
+            </a:ln>
+          </p:spPr>
+          <p:txBody>
+            <a:bodyPr lIns="91425" tIns="91425" rIns="91425" bIns="91425" anchor="ctr" anchorCtr="0">
+              <a:noAutofit/>
+            </a:bodyPr>
+            <a:lstStyle/>
+            <a:p>
+              <a:pPr lvl="0">
+                <a:spcBef>
+                  <a:spcPts val="0"/>
+                </a:spcBef>
+                <a:buNone/>
+              </a:pPr>
+              <a:endParaRPr/>
+            </a:p>
+          </p:txBody>
+        </p:sp>
+      </p:grpSp>
+    </p:spTree>
+    <p:extLst>
+      <p:ext uri="{BB962C8B-B14F-4D97-AF65-F5344CB8AC3E}">
+        <p14:creationId xmlns:p14="http://schemas.microsoft.com/office/powerpoint/2010/main" val="1812517718"/>
+      </p:ext>
+    </p:extLst>
+  </p:cSld>
+  <p:clrMapOvr>
+    <a:masterClrMapping/>
+  </p:clrMapOvr>
+</p:sld>
+</file>
+
+<file path=ppt/slides/slide5.xml><?xml version="1.0" encoding="utf-8"?>
+<p:sld xmlns:a="http://schemas.openxmlformats.org/drawingml/2006/main" xmlns:r="http://schemas.openxmlformats.org/officeDocument/2006/relationships" xmlns:p="http://schemas.openxmlformats.org/presentationml/2006/main">
+  <p:cSld>
+    <p:spTree>
+      <p:nvGrpSpPr>
+        <p:cNvPr id="1" name="Shape 110"/>
+        <p:cNvGrpSpPr/>
+        <p:nvPr/>
+      </p:nvGrpSpPr>
+      <p:grpSpPr>
+        <a:xfrm>
+          <a:off x="0" y="0"/>
+          <a:ext cx="0" cy="0"/>
+          <a:chOff x="0" y="0"/>
+          <a:chExt cx="0" cy="0"/>
+        </a:xfrm>
+      </p:grpSpPr>
+      <p:sp>
+        <p:nvSpPr>
+          <p:cNvPr id="111" name="Shape 111"/>
+          <p:cNvSpPr txBox="1">
+            <a:spLocks noGrp="1"/>
+          </p:cNvSpPr>
+          <p:nvPr>
+            <p:ph type="title"/>
+          </p:nvPr>
+        </p:nvSpPr>
+        <p:spPr>
+          <a:xfrm>
+            <a:off x="1381250" y="922668"/>
+            <a:ext cx="3878399" cy="435599"/>
+          </a:xfrm>
+          <a:prstGeom prst="rect">
+            <a:avLst/>
+          </a:prstGeom>
+        </p:spPr>
+        <p:txBody>
+          <a:bodyPr lIns="91425" tIns="91425" rIns="91425" bIns="91425" anchor="ctr" anchorCtr="0">
+            <a:noAutofit/>
+          </a:bodyPr>
+          <a:lstStyle/>
+          <a:p>
+            <a:pPr lvl="0">
+              <a:spcBef>
+                <a:spcPts val="0"/>
+              </a:spcBef>
+              <a:buNone/>
+            </a:pPr>
+            <a:r>
+              <a:rPr lang="en" dirty="0">
+                <a:highlight>
+                  <a:srgbClr val="FFCD00"/>
+                </a:highlight>
+              </a:rPr>
+              <a:t>Projektaufwand</a:t>
+            </a:r>
+          </a:p>
+        </p:txBody>
+      </p:sp>
+      <p:sp>
+        <p:nvSpPr>
+          <p:cNvPr id="112" name="Shape 112"/>
+          <p:cNvSpPr txBox="1">
+            <a:spLocks noGrp="1"/>
+          </p:cNvSpPr>
+          <p:nvPr>
+            <p:ph type="body" idx="1"/>
+          </p:nvPr>
+        </p:nvSpPr>
+        <p:spPr>
+          <a:xfrm>
+            <a:off x="1381250" y="1616470"/>
+            <a:ext cx="6809700" cy="3112200"/>
+          </a:xfrm>
+          <a:prstGeom prst="rect">
+            <a:avLst/>
+          </a:prstGeom>
+        </p:spPr>
+        <p:txBody>
+          <a:bodyPr lIns="91425" tIns="91425" rIns="91425" bIns="91425" anchor="t" anchorCtr="0">
+            <a:noAutofit/>
+          </a:bodyPr>
+          <a:lstStyle/>
+          <a:p>
+            <a:pPr marL="457200" lvl="0" indent="-228600">
+              <a:spcBef>
+                <a:spcPts val="0"/>
+              </a:spcBef>
+            </a:pPr>
+            <a:r>
+              <a:rPr lang="en" dirty="0"/>
+              <a:t>Lines of Code	</a:t>
+            </a:r>
+            <a:r>
+              <a:rPr lang="en" dirty="0">
+                <a:sym typeface="Wingdings" pitchFamily="2" charset="2"/>
+              </a:rPr>
+              <a:t>   </a:t>
+            </a:r>
+            <a:r>
+              <a:rPr lang="en" dirty="0"/>
+              <a:t> 1941</a:t>
+            </a:r>
+          </a:p>
+          <a:p>
+            <a:pPr marL="228600" lvl="0">
+              <a:spcBef>
+                <a:spcPts val="0"/>
+              </a:spcBef>
+              <a:buNone/>
+            </a:pPr>
+            <a:r>
+              <a:rPr lang="en" dirty="0">
+                <a:sym typeface="Wingdings" pitchFamily="2" charset="2"/>
+              </a:rPr>
+              <a:t> </a:t>
+            </a:r>
+            <a:r>
+              <a:rPr lang="en" dirty="0"/>
+              <a:t>Persistence     	     </a:t>
+            </a:r>
+            <a:r>
+              <a:rPr lang="en" dirty="0">
+                <a:sym typeface="Wingdings" pitchFamily="2" charset="2"/>
+              </a:rPr>
+              <a:t>843</a:t>
+            </a:r>
+            <a:endParaRPr lang="en" dirty="0"/>
+          </a:p>
+          <a:p>
+            <a:pPr marL="228600" lvl="0">
+              <a:spcBef>
+                <a:spcPts val="0"/>
+              </a:spcBef>
+              <a:buNone/>
+            </a:pPr>
+            <a:r>
+              <a:rPr lang="en" dirty="0">
+                <a:sym typeface="Wingdings" pitchFamily="2" charset="2"/>
+              </a:rPr>
+              <a:t> </a:t>
+            </a:r>
+            <a:r>
+              <a:rPr lang="en" dirty="0"/>
+              <a:t>Game		     511</a:t>
+            </a:r>
+          </a:p>
+          <a:p>
+            <a:pPr marL="228600" lvl="0">
+              <a:spcBef>
+                <a:spcPts val="0"/>
+              </a:spcBef>
+              <a:buNone/>
+            </a:pPr>
+            <a:r>
+              <a:rPr lang="en" dirty="0">
+                <a:sym typeface="Wingdings" pitchFamily="2" charset="2"/>
+              </a:rPr>
+              <a:t> Gui		     587</a:t>
+            </a:r>
+            <a:endParaRPr lang="en" dirty="0"/>
+          </a:p>
+        </p:txBody>
+      </p:sp>
+      <p:grpSp>
+        <p:nvGrpSpPr>
+          <p:cNvPr id="113" name="Shape 113"/>
+          <p:cNvGrpSpPr/>
+          <p:nvPr/>
+        </p:nvGrpSpPr>
+        <p:grpSpPr>
+          <a:xfrm>
+            <a:off x="916458" y="1019750"/>
+            <a:ext cx="214624" cy="214624"/>
+            <a:chOff x="2594050" y="1631825"/>
+            <a:chExt cx="439625" cy="439625"/>
+          </a:xfrm>
+        </p:grpSpPr>
+        <p:sp>
+          <p:nvSpPr>
+            <p:cNvPr id="114" name="Shape 114"/>
+            <p:cNvSpPr/>
+            <p:nvPr/>
+          </p:nvSpPr>
+          <p:spPr>
+            <a:xfrm>
+              <a:off x="2594050" y="1883300"/>
+              <a:ext cx="188175" cy="188150"/>
+            </a:xfrm>
+            <a:custGeom>
+              <a:avLst/>
+              <a:gdLst/>
+              <a:ahLst/>
+              <a:cxnLst/>
+              <a:rect l="0" t="0" r="0" b="0"/>
+              <a:pathLst>
+                <a:path w="7527" h="7526" fill="none" extrusionOk="0">
+                  <a:moveTo>
+                    <a:pt x="5992" y="0"/>
+                  </a:moveTo>
+                  <a:lnTo>
+                    <a:pt x="537" y="6430"/>
+                  </a:lnTo>
+                  <a:lnTo>
+                    <a:pt x="1" y="7526"/>
+                  </a:lnTo>
+                  <a:lnTo>
+                    <a:pt x="1097" y="6990"/>
+                  </a:lnTo>
+                  <a:lnTo>
+                    <a:pt x="7526" y="1534"/>
+                  </a:lnTo>
+                  <a:lnTo>
+                    <a:pt x="5992" y="0"/>
+                  </a:lnTo>
+                  <a:close/>
+                </a:path>
+              </a:pathLst>
+            </a:custGeom>
+            <a:noFill/>
+            <a:ln w="9525" cap="rnd" cmpd="sng">
+              <a:solidFill>
+                <a:srgbClr val="000000"/>
+              </a:solidFill>
+              <a:prstDash val="solid"/>
+              <a:round/>
+              <a:headEnd type="none" w="med" len="med"/>
+              <a:tailEnd type="none" w="med" len="med"/>
+            </a:ln>
+          </p:spPr>
+          <p:txBody>
+            <a:bodyPr lIns="91425" tIns="91425" rIns="91425" bIns="91425" anchor="ctr" anchorCtr="0">
+              <a:noAutofit/>
+            </a:bodyPr>
+            <a:lstStyle/>
+            <a:p>
+              <a:pPr lvl="0">
+                <a:spcBef>
+                  <a:spcPts val="0"/>
+                </a:spcBef>
+                <a:buNone/>
+              </a:pPr>
+              <a:endParaRPr/>
+            </a:p>
+          </p:txBody>
+        </p:sp>
+        <p:sp>
+          <p:nvSpPr>
+            <p:cNvPr id="115" name="Shape 115"/>
+            <p:cNvSpPr/>
+            <p:nvPr/>
+          </p:nvSpPr>
+          <p:spPr>
+            <a:xfrm>
+              <a:off x="2857700" y="1631825"/>
+              <a:ext cx="175975" cy="176000"/>
+            </a:xfrm>
+            <a:custGeom>
+              <a:avLst/>
+              <a:gdLst/>
+              <a:ahLst/>
+              <a:cxnLst/>
+              <a:rect l="0" t="0" r="0" b="0"/>
+              <a:pathLst>
+                <a:path w="7039" h="7040" fill="none" extrusionOk="0">
+                  <a:moveTo>
+                    <a:pt x="268" y="2704"/>
+                  </a:moveTo>
+                  <a:lnTo>
+                    <a:pt x="4336" y="6771"/>
+                  </a:lnTo>
+                  <a:lnTo>
+                    <a:pt x="4336" y="6771"/>
+                  </a:lnTo>
+                  <a:lnTo>
+                    <a:pt x="4336" y="6771"/>
+                  </a:lnTo>
+                  <a:lnTo>
+                    <a:pt x="4652" y="6917"/>
+                  </a:lnTo>
+                  <a:lnTo>
+                    <a:pt x="4993" y="7015"/>
+                  </a:lnTo>
+                  <a:lnTo>
+                    <a:pt x="5310" y="7039"/>
+                  </a:lnTo>
+                  <a:lnTo>
+                    <a:pt x="5651" y="7039"/>
+                  </a:lnTo>
+                  <a:lnTo>
+                    <a:pt x="5992" y="6966"/>
+                  </a:lnTo>
+                  <a:lnTo>
+                    <a:pt x="6308" y="6844"/>
+                  </a:lnTo>
+                  <a:lnTo>
+                    <a:pt x="6454" y="6747"/>
+                  </a:lnTo>
+                  <a:lnTo>
+                    <a:pt x="6601" y="6674"/>
+                  </a:lnTo>
+                  <a:lnTo>
+                    <a:pt x="6747" y="6552"/>
+                  </a:lnTo>
+                  <a:lnTo>
+                    <a:pt x="6893" y="6430"/>
+                  </a:lnTo>
+                  <a:lnTo>
+                    <a:pt x="6893" y="6430"/>
+                  </a:lnTo>
+                  <a:lnTo>
+                    <a:pt x="6942" y="6357"/>
+                  </a:lnTo>
+                  <a:lnTo>
+                    <a:pt x="7015" y="6260"/>
+                  </a:lnTo>
+                  <a:lnTo>
+                    <a:pt x="7039" y="6138"/>
+                  </a:lnTo>
+                  <a:lnTo>
+                    <a:pt x="7039" y="6041"/>
+                  </a:lnTo>
+                  <a:lnTo>
+                    <a:pt x="7039" y="6041"/>
+                  </a:lnTo>
+                  <a:lnTo>
+                    <a:pt x="7039" y="5943"/>
+                  </a:lnTo>
+                  <a:lnTo>
+                    <a:pt x="7015" y="5846"/>
+                  </a:lnTo>
+                  <a:lnTo>
+                    <a:pt x="6942" y="5748"/>
+                  </a:lnTo>
+                  <a:lnTo>
+                    <a:pt x="6893" y="5651"/>
+                  </a:lnTo>
+                  <a:lnTo>
+                    <a:pt x="1389" y="147"/>
+                  </a:lnTo>
+                  <a:lnTo>
+                    <a:pt x="1389" y="147"/>
+                  </a:lnTo>
+                  <a:lnTo>
+                    <a:pt x="1291" y="98"/>
+                  </a:lnTo>
+                  <a:lnTo>
+                    <a:pt x="1194" y="25"/>
+                  </a:lnTo>
+                  <a:lnTo>
+                    <a:pt x="1096" y="0"/>
+                  </a:lnTo>
+                  <a:lnTo>
+                    <a:pt x="999" y="0"/>
+                  </a:lnTo>
+                  <a:lnTo>
+                    <a:pt x="999" y="0"/>
+                  </a:lnTo>
+                  <a:lnTo>
+                    <a:pt x="902" y="0"/>
+                  </a:lnTo>
+                  <a:lnTo>
+                    <a:pt x="780" y="25"/>
+                  </a:lnTo>
+                  <a:lnTo>
+                    <a:pt x="682" y="98"/>
+                  </a:lnTo>
+                  <a:lnTo>
+                    <a:pt x="609" y="147"/>
+                  </a:lnTo>
+                  <a:lnTo>
+                    <a:pt x="609" y="147"/>
+                  </a:lnTo>
+                  <a:lnTo>
+                    <a:pt x="487" y="293"/>
+                  </a:lnTo>
+                  <a:lnTo>
+                    <a:pt x="366" y="439"/>
+                  </a:lnTo>
+                  <a:lnTo>
+                    <a:pt x="293" y="585"/>
+                  </a:lnTo>
+                  <a:lnTo>
+                    <a:pt x="195" y="731"/>
+                  </a:lnTo>
+                  <a:lnTo>
+                    <a:pt x="73" y="1048"/>
+                  </a:lnTo>
+                  <a:lnTo>
+                    <a:pt x="0" y="1389"/>
+                  </a:lnTo>
+                  <a:lnTo>
+                    <a:pt x="0" y="1730"/>
+                  </a:lnTo>
+                  <a:lnTo>
+                    <a:pt x="25" y="2046"/>
+                  </a:lnTo>
+                  <a:lnTo>
+                    <a:pt x="122" y="2387"/>
+                  </a:lnTo>
+                  <a:lnTo>
+                    <a:pt x="268" y="2704"/>
+                  </a:lnTo>
+                  <a:lnTo>
+                    <a:pt x="268" y="2704"/>
+                  </a:lnTo>
+                  <a:close/>
+                </a:path>
+              </a:pathLst>
+            </a:custGeom>
+            <a:noFill/>
+            <a:ln w="9525" cap="rnd" cmpd="sng">
+              <a:solidFill>
+                <a:srgbClr val="000000"/>
+              </a:solidFill>
+              <a:prstDash val="solid"/>
+              <a:round/>
+              <a:headEnd type="none" w="med" len="med"/>
+              <a:tailEnd type="none" w="med" len="med"/>
+            </a:ln>
+          </p:spPr>
+          <p:txBody>
+            <a:bodyPr lIns="91425" tIns="91425" rIns="91425" bIns="91425" anchor="ctr" anchorCtr="0">
+              <a:noAutofit/>
+            </a:bodyPr>
+            <a:lstStyle/>
+            <a:p>
+              <a:pPr lvl="0">
+                <a:spcBef>
+                  <a:spcPts val="0"/>
+                </a:spcBef>
+                <a:buNone/>
+              </a:pPr>
+              <a:endParaRPr/>
+            </a:p>
+          </p:txBody>
+        </p:sp>
+        <p:sp>
+          <p:nvSpPr>
+            <p:cNvPr id="116" name="Shape 116"/>
+            <p:cNvSpPr/>
+            <p:nvPr/>
+          </p:nvSpPr>
+          <p:spPr>
+            <a:xfrm>
+              <a:off x="2662850" y="1699400"/>
+              <a:ext cx="303250" cy="303250"/>
+            </a:xfrm>
+            <a:custGeom>
+              <a:avLst/>
+              <a:gdLst/>
+              <a:ahLst/>
+              <a:cxnLst/>
+              <a:rect l="0" t="0" r="0" b="0"/>
+              <a:pathLst>
+                <a:path w="12130" h="12130" fill="none" extrusionOk="0">
+                  <a:moveTo>
+                    <a:pt x="8038" y="1"/>
+                  </a:moveTo>
+                  <a:lnTo>
+                    <a:pt x="4872" y="3191"/>
+                  </a:lnTo>
+                  <a:lnTo>
+                    <a:pt x="4872" y="3191"/>
+                  </a:lnTo>
+                  <a:lnTo>
+                    <a:pt x="4628" y="3094"/>
+                  </a:lnTo>
+                  <a:lnTo>
+                    <a:pt x="4385" y="2997"/>
+                  </a:lnTo>
+                  <a:lnTo>
+                    <a:pt x="4092" y="2899"/>
+                  </a:lnTo>
+                  <a:lnTo>
+                    <a:pt x="3800" y="2850"/>
+                  </a:lnTo>
+                  <a:lnTo>
+                    <a:pt x="3484" y="2777"/>
+                  </a:lnTo>
+                  <a:lnTo>
+                    <a:pt x="3167" y="2729"/>
+                  </a:lnTo>
+                  <a:lnTo>
+                    <a:pt x="2850" y="2704"/>
+                  </a:lnTo>
+                  <a:lnTo>
+                    <a:pt x="2534" y="2704"/>
+                  </a:lnTo>
+                  <a:lnTo>
+                    <a:pt x="2534" y="2704"/>
+                  </a:lnTo>
+                  <a:lnTo>
+                    <a:pt x="2241" y="2704"/>
+                  </a:lnTo>
+                  <a:lnTo>
+                    <a:pt x="1949" y="2729"/>
+                  </a:lnTo>
+                  <a:lnTo>
+                    <a:pt x="1633" y="2777"/>
+                  </a:lnTo>
+                  <a:lnTo>
+                    <a:pt x="1316" y="2850"/>
+                  </a:lnTo>
+                  <a:lnTo>
+                    <a:pt x="999" y="2972"/>
+                  </a:lnTo>
+                  <a:lnTo>
+                    <a:pt x="707" y="3094"/>
+                  </a:lnTo>
+                  <a:lnTo>
+                    <a:pt x="415" y="3289"/>
+                  </a:lnTo>
+                  <a:lnTo>
+                    <a:pt x="147" y="3508"/>
+                  </a:lnTo>
+                  <a:lnTo>
+                    <a:pt x="147" y="3508"/>
+                  </a:lnTo>
+                  <a:lnTo>
+                    <a:pt x="74" y="3581"/>
+                  </a:lnTo>
+                  <a:lnTo>
+                    <a:pt x="25" y="3678"/>
+                  </a:lnTo>
+                  <a:lnTo>
+                    <a:pt x="1" y="3776"/>
+                  </a:lnTo>
+                  <a:lnTo>
+                    <a:pt x="1" y="3898"/>
+                  </a:lnTo>
+                  <a:lnTo>
+                    <a:pt x="1" y="3898"/>
+                  </a:lnTo>
+                  <a:lnTo>
+                    <a:pt x="1" y="3995"/>
+                  </a:lnTo>
+                  <a:lnTo>
+                    <a:pt x="25" y="4093"/>
+                  </a:lnTo>
+                  <a:lnTo>
+                    <a:pt x="74" y="4190"/>
+                  </a:lnTo>
+                  <a:lnTo>
+                    <a:pt x="147" y="4287"/>
+                  </a:lnTo>
+                  <a:lnTo>
+                    <a:pt x="7843" y="11984"/>
+                  </a:lnTo>
+                  <a:lnTo>
+                    <a:pt x="7843" y="11984"/>
+                  </a:lnTo>
+                  <a:lnTo>
+                    <a:pt x="7941" y="12057"/>
+                  </a:lnTo>
+                  <a:lnTo>
+                    <a:pt x="8038" y="12105"/>
+                  </a:lnTo>
+                  <a:lnTo>
+                    <a:pt x="8135" y="12130"/>
+                  </a:lnTo>
+                  <a:lnTo>
+                    <a:pt x="8233" y="12130"/>
+                  </a:lnTo>
+                  <a:lnTo>
+                    <a:pt x="8233" y="12130"/>
+                  </a:lnTo>
+                  <a:lnTo>
+                    <a:pt x="8355" y="12130"/>
+                  </a:lnTo>
+                  <a:lnTo>
+                    <a:pt x="8452" y="12105"/>
+                  </a:lnTo>
+                  <a:lnTo>
+                    <a:pt x="8549" y="12057"/>
+                  </a:lnTo>
+                  <a:lnTo>
+                    <a:pt x="8622" y="11984"/>
+                  </a:lnTo>
+                  <a:lnTo>
+                    <a:pt x="8622" y="11984"/>
+                  </a:lnTo>
+                  <a:lnTo>
+                    <a:pt x="8842" y="11716"/>
+                  </a:lnTo>
+                  <a:lnTo>
+                    <a:pt x="9036" y="11423"/>
+                  </a:lnTo>
+                  <a:lnTo>
+                    <a:pt x="9158" y="11131"/>
+                  </a:lnTo>
+                  <a:lnTo>
+                    <a:pt x="9280" y="10814"/>
+                  </a:lnTo>
+                  <a:lnTo>
+                    <a:pt x="9353" y="10498"/>
+                  </a:lnTo>
+                  <a:lnTo>
+                    <a:pt x="9402" y="10181"/>
+                  </a:lnTo>
+                  <a:lnTo>
+                    <a:pt x="9426" y="9889"/>
+                  </a:lnTo>
+                  <a:lnTo>
+                    <a:pt x="9426" y="9597"/>
+                  </a:lnTo>
+                  <a:lnTo>
+                    <a:pt x="9426" y="9597"/>
+                  </a:lnTo>
+                  <a:lnTo>
+                    <a:pt x="9426" y="9280"/>
+                  </a:lnTo>
+                  <a:lnTo>
+                    <a:pt x="9402" y="8964"/>
+                  </a:lnTo>
+                  <a:lnTo>
+                    <a:pt x="9353" y="8647"/>
+                  </a:lnTo>
+                  <a:lnTo>
+                    <a:pt x="9280" y="8330"/>
+                  </a:lnTo>
+                  <a:lnTo>
+                    <a:pt x="9231" y="8038"/>
+                  </a:lnTo>
+                  <a:lnTo>
+                    <a:pt x="9134" y="7746"/>
+                  </a:lnTo>
+                  <a:lnTo>
+                    <a:pt x="9036" y="7502"/>
+                  </a:lnTo>
+                  <a:lnTo>
+                    <a:pt x="8939" y="7259"/>
+                  </a:lnTo>
+                  <a:lnTo>
+                    <a:pt x="12130" y="4093"/>
+                  </a:lnTo>
+                </a:path>
+              </a:pathLst>
+            </a:custGeom>
+            <a:noFill/>
+            <a:ln w="9525" cap="rnd" cmpd="sng">
+              <a:solidFill>
+                <a:srgbClr val="000000"/>
+              </a:solidFill>
+              <a:prstDash val="solid"/>
+              <a:round/>
+              <a:headEnd type="none" w="med" len="med"/>
+              <a:tailEnd type="none" w="med" len="med"/>
+            </a:ln>
+          </p:spPr>
+          <p:txBody>
+            <a:bodyPr lIns="91425" tIns="91425" rIns="91425" bIns="91425" anchor="ctr" anchorCtr="0">
+              <a:noAutofit/>
+            </a:bodyPr>
+            <a:lstStyle/>
+            <a:p>
+              <a:pPr lvl="0">
+                <a:spcBef>
+                  <a:spcPts val="0"/>
+                </a:spcBef>
+                <a:buNone/>
+              </a:pPr>
+              <a:endParaRPr/>
+            </a:p>
+          </p:txBody>
+        </p:sp>
+        <p:sp>
+          <p:nvSpPr>
+            <p:cNvPr id="117" name="Shape 117"/>
+            <p:cNvSpPr/>
+            <p:nvPr/>
+          </p:nvSpPr>
+          <p:spPr>
+            <a:xfrm>
+              <a:off x="2814911" y="1754061"/>
+              <a:ext cx="49950" cy="49950"/>
+            </a:xfrm>
+            <a:custGeom>
+              <a:avLst/>
+              <a:gdLst/>
+              <a:ahLst/>
+              <a:cxnLst/>
+              <a:rect l="0" t="0" r="0" b="0"/>
+              <a:pathLst>
+                <a:path w="1998" h="1998" fill="none" extrusionOk="0">
+                  <a:moveTo>
+                    <a:pt x="1" y="1997"/>
+                  </a:moveTo>
+                  <a:lnTo>
+                    <a:pt x="1998" y="0"/>
+                  </a:lnTo>
+                </a:path>
+              </a:pathLst>
+            </a:custGeom>
+            <a:noFill/>
+            <a:ln w="9525" cap="rnd" cmpd="sng">
+              <a:solidFill>
+                <a:srgbClr val="000000"/>
+              </a:solidFill>
+              <a:prstDash val="solid"/>
+              <a:round/>
+              <a:headEnd type="none" w="med" len="med"/>
+              <a:tailEnd type="none" w="med" len="med"/>
+            </a:ln>
+          </p:spPr>
+          <p:txBody>
+            <a:bodyPr lIns="91425" tIns="91425" rIns="91425" bIns="91425" anchor="ctr" anchorCtr="0">
+              <a:noAutofit/>
+            </a:bodyPr>
+            <a:lstStyle/>
+            <a:p>
+              <a:pPr lvl="0">
+                <a:spcBef>
+                  <a:spcPts val="0"/>
+                </a:spcBef>
+                <a:buNone/>
+              </a:pPr>
+              <a:endParaRPr/>
+            </a:p>
+          </p:txBody>
+        </p:sp>
+      </p:grpSp>
+    </p:spTree>
+    <p:extLst>
+      <p:ext uri="{BB962C8B-B14F-4D97-AF65-F5344CB8AC3E}">
+        <p14:creationId xmlns:p14="http://schemas.microsoft.com/office/powerpoint/2010/main" val="1279202038"/>
+      </p:ext>
+    </p:extLst>
+  </p:cSld>
+  <p:clrMapOvr>
+    <a:masterClrMapping/>
+  </p:clrMapOvr>
+</p:sld>
+</file>
+
+<file path=ppt/slides/slide50.xml><?xml version="1.0" encoding="utf-8"?>
+<p:sld xmlns:a="http://schemas.openxmlformats.org/drawingml/2006/main" xmlns:r="http://schemas.openxmlformats.org/officeDocument/2006/relationships" xmlns:p="http://schemas.openxmlformats.org/presentationml/2006/main">
+  <p:cSld>
+    <p:spTree>
+      <p:nvGrpSpPr>
+        <p:cNvPr id="1" name=""/>
+        <p:cNvGrpSpPr/>
+        <p:nvPr/>
+      </p:nvGrpSpPr>
+      <p:grpSpPr>
+        <a:xfrm>
+          <a:off x="0" y="0"/>
+          <a:ext cx="0" cy="0"/>
+          <a:chOff x="0" y="0"/>
+          <a:chExt cx="0" cy="0"/>
+        </a:xfrm>
+      </p:grpSpPr>
+      <p:sp>
+        <p:nvSpPr>
+          <p:cNvPr id="2" name="Titel 1"/>
+          <p:cNvSpPr>
+            <a:spLocks noGrp="1"/>
+          </p:cNvSpPr>
+          <p:nvPr>
+            <p:ph type="title"/>
+          </p:nvPr>
+        </p:nvSpPr>
+        <p:spPr/>
+        <p:txBody>
+          <a:bodyPr/>
+          <a:lstStyle/>
+          <a:p>
+            <a:r>
+              <a:rPr lang="de-DE" dirty="0"/>
+              <a:t>Erfahrungen</a:t>
+            </a:r>
+            <a:br>
+              <a:rPr lang="de-DE" dirty="0"/>
+            </a:br>
+            <a:r>
+              <a:rPr lang="de-DE" dirty="0"/>
+              <a:t>Das „</a:t>
+            </a:r>
+            <a:r>
+              <a:rPr lang="de-DE" dirty="0" err="1"/>
+              <a:t>Gui</a:t>
+            </a:r>
+            <a:r>
+              <a:rPr lang="de-DE" dirty="0"/>
+              <a:t>“-Modul</a:t>
+            </a:r>
+          </a:p>
+        </p:txBody>
+      </p:sp>
+      <p:sp>
+        <p:nvSpPr>
+          <p:cNvPr id="3" name="Textplatzhalter 2"/>
+          <p:cNvSpPr>
+            <a:spLocks noGrp="1"/>
+          </p:cNvSpPr>
+          <p:nvPr>
+            <p:ph type="body" idx="1"/>
+          </p:nvPr>
+        </p:nvSpPr>
+        <p:spPr/>
+        <p:txBody>
+          <a:bodyPr/>
+          <a:lstStyle/>
+          <a:p>
+            <a:r>
+              <a:rPr lang="de-DE" dirty="0"/>
+              <a:t>Implementierung anfangs mit kleineren Schwierigkeiten</a:t>
+            </a:r>
+          </a:p>
+          <a:p>
+            <a:pPr marL="342900" indent="-342900">
+              <a:buFont typeface="Wingdings" panose="05000000000000000000" pitchFamily="2" charset="2"/>
+              <a:buChar char="Ø"/>
+            </a:pPr>
+            <a:r>
+              <a:rPr lang="de-DE" dirty="0"/>
+              <a:t>Kleinere Anpassung im Nachhinein am Game Modul zur Fragenverwaltung</a:t>
+            </a:r>
+          </a:p>
+          <a:p>
+            <a:pPr marL="342900" indent="-342900">
+              <a:buFont typeface="Wingdings" panose="05000000000000000000" pitchFamily="2" charset="2"/>
+              <a:buChar char="Ø"/>
+            </a:pPr>
+            <a:r>
+              <a:rPr lang="de-DE" dirty="0"/>
+              <a:t>…Jedoch insgesamt alles nach plan verlaufen</a:t>
+            </a:r>
+          </a:p>
+          <a:p>
+            <a:pPr marL="342900" indent="-342900"/>
+            <a:r>
+              <a:rPr lang="de-DE" dirty="0"/>
+              <a:t>Übergang zwischen den Views – Problemlos</a:t>
+            </a:r>
+          </a:p>
+        </p:txBody>
+      </p:sp>
+      <p:grpSp>
+        <p:nvGrpSpPr>
+          <p:cNvPr id="5" name="Shape 113"/>
+          <p:cNvGrpSpPr/>
+          <p:nvPr/>
+        </p:nvGrpSpPr>
+        <p:grpSpPr>
+          <a:xfrm>
+            <a:off x="916458" y="1019750"/>
+            <a:ext cx="214624" cy="214624"/>
+            <a:chOff x="2594050" y="1631825"/>
+            <a:chExt cx="439625" cy="439625"/>
+          </a:xfrm>
+        </p:grpSpPr>
+        <p:sp>
+          <p:nvSpPr>
+            <p:cNvPr id="6" name="Shape 114"/>
+            <p:cNvSpPr/>
+            <p:nvPr/>
+          </p:nvSpPr>
+          <p:spPr>
+            <a:xfrm>
+              <a:off x="2594050" y="1883300"/>
+              <a:ext cx="188175" cy="188150"/>
+            </a:xfrm>
+            <a:custGeom>
+              <a:avLst/>
+              <a:gdLst/>
+              <a:ahLst/>
+              <a:cxnLst/>
+              <a:rect l="0" t="0" r="0" b="0"/>
+              <a:pathLst>
+                <a:path w="7527" h="7526" fill="none" extrusionOk="0">
+                  <a:moveTo>
+                    <a:pt x="5992" y="0"/>
+                  </a:moveTo>
+                  <a:lnTo>
+                    <a:pt x="537" y="6430"/>
+                  </a:lnTo>
+                  <a:lnTo>
+                    <a:pt x="1" y="7526"/>
+                  </a:lnTo>
+                  <a:lnTo>
+                    <a:pt x="1097" y="6990"/>
+                  </a:lnTo>
+                  <a:lnTo>
+                    <a:pt x="7526" y="1534"/>
+                  </a:lnTo>
+                  <a:lnTo>
+                    <a:pt x="5992" y="0"/>
+                  </a:lnTo>
+                  <a:close/>
+                </a:path>
+              </a:pathLst>
+            </a:custGeom>
+            <a:noFill/>
+            <a:ln w="9525" cap="rnd" cmpd="sng">
+              <a:solidFill>
+                <a:srgbClr val="000000"/>
+              </a:solidFill>
+              <a:prstDash val="solid"/>
+              <a:round/>
+              <a:headEnd type="none" w="med" len="med"/>
+              <a:tailEnd type="none" w="med" len="med"/>
+            </a:ln>
+          </p:spPr>
+          <p:txBody>
+            <a:bodyPr lIns="91425" tIns="91425" rIns="91425" bIns="91425" anchor="ctr" anchorCtr="0">
+              <a:noAutofit/>
+            </a:bodyPr>
+            <a:lstStyle/>
+            <a:p>
+              <a:pPr lvl="0">
+                <a:spcBef>
+                  <a:spcPts val="0"/>
+                </a:spcBef>
+                <a:buNone/>
+              </a:pPr>
+              <a:endParaRPr/>
+            </a:p>
+          </p:txBody>
+        </p:sp>
+        <p:sp>
+          <p:nvSpPr>
+            <p:cNvPr id="7" name="Shape 115"/>
+            <p:cNvSpPr/>
+            <p:nvPr/>
+          </p:nvSpPr>
+          <p:spPr>
+            <a:xfrm>
+              <a:off x="2857700" y="1631825"/>
+              <a:ext cx="175975" cy="176000"/>
+            </a:xfrm>
+            <a:custGeom>
+              <a:avLst/>
+              <a:gdLst/>
+              <a:ahLst/>
+              <a:cxnLst/>
+              <a:rect l="0" t="0" r="0" b="0"/>
+              <a:pathLst>
+                <a:path w="7039" h="7040" fill="none" extrusionOk="0">
+                  <a:moveTo>
+                    <a:pt x="268" y="2704"/>
+                  </a:moveTo>
+                  <a:lnTo>
+                    <a:pt x="4336" y="6771"/>
+                  </a:lnTo>
+                  <a:lnTo>
+                    <a:pt x="4336" y="6771"/>
+                  </a:lnTo>
+                  <a:lnTo>
+                    <a:pt x="4336" y="6771"/>
+                  </a:lnTo>
+                  <a:lnTo>
+                    <a:pt x="4652" y="6917"/>
+                  </a:lnTo>
+                  <a:lnTo>
+                    <a:pt x="4993" y="7015"/>
+                  </a:lnTo>
+                  <a:lnTo>
+                    <a:pt x="5310" y="7039"/>
+                  </a:lnTo>
+                  <a:lnTo>
+                    <a:pt x="5651" y="7039"/>
+                  </a:lnTo>
+                  <a:lnTo>
+                    <a:pt x="5992" y="6966"/>
+                  </a:lnTo>
+                  <a:lnTo>
+                    <a:pt x="6308" y="6844"/>
+                  </a:lnTo>
+                  <a:lnTo>
+                    <a:pt x="6454" y="6747"/>
+                  </a:lnTo>
+                  <a:lnTo>
+                    <a:pt x="6601" y="6674"/>
+                  </a:lnTo>
+                  <a:lnTo>
+                    <a:pt x="6747" y="6552"/>
+                  </a:lnTo>
+                  <a:lnTo>
+                    <a:pt x="6893" y="6430"/>
+                  </a:lnTo>
+                  <a:lnTo>
+                    <a:pt x="6893" y="6430"/>
+                  </a:lnTo>
+                  <a:lnTo>
+                    <a:pt x="6942" y="6357"/>
+                  </a:lnTo>
+                  <a:lnTo>
+                    <a:pt x="7015" y="6260"/>
+                  </a:lnTo>
+                  <a:lnTo>
+                    <a:pt x="7039" y="6138"/>
+                  </a:lnTo>
+                  <a:lnTo>
+                    <a:pt x="7039" y="6041"/>
+                  </a:lnTo>
+                  <a:lnTo>
+                    <a:pt x="7039" y="6041"/>
+                  </a:lnTo>
+                  <a:lnTo>
+                    <a:pt x="7039" y="5943"/>
+                  </a:lnTo>
+                  <a:lnTo>
+                    <a:pt x="7015" y="5846"/>
+                  </a:lnTo>
+                  <a:lnTo>
+                    <a:pt x="6942" y="5748"/>
+                  </a:lnTo>
+                  <a:lnTo>
+                    <a:pt x="6893" y="5651"/>
+                  </a:lnTo>
+                  <a:lnTo>
+                    <a:pt x="1389" y="147"/>
+                  </a:lnTo>
+                  <a:lnTo>
+                    <a:pt x="1389" y="147"/>
+                  </a:lnTo>
+                  <a:lnTo>
+                    <a:pt x="1291" y="98"/>
+                  </a:lnTo>
+                  <a:lnTo>
+                    <a:pt x="1194" y="25"/>
+                  </a:lnTo>
+                  <a:lnTo>
+                    <a:pt x="1096" y="0"/>
+                  </a:lnTo>
+                  <a:lnTo>
+                    <a:pt x="999" y="0"/>
+                  </a:lnTo>
+                  <a:lnTo>
+                    <a:pt x="999" y="0"/>
+                  </a:lnTo>
+                  <a:lnTo>
+                    <a:pt x="902" y="0"/>
+                  </a:lnTo>
+                  <a:lnTo>
+                    <a:pt x="780" y="25"/>
+                  </a:lnTo>
+                  <a:lnTo>
+                    <a:pt x="682" y="98"/>
+                  </a:lnTo>
+                  <a:lnTo>
+                    <a:pt x="609" y="147"/>
+                  </a:lnTo>
+                  <a:lnTo>
+                    <a:pt x="609" y="147"/>
+                  </a:lnTo>
+                  <a:lnTo>
+                    <a:pt x="487" y="293"/>
+                  </a:lnTo>
+                  <a:lnTo>
+                    <a:pt x="366" y="439"/>
+                  </a:lnTo>
+                  <a:lnTo>
+                    <a:pt x="293" y="585"/>
+                  </a:lnTo>
+                  <a:lnTo>
+                    <a:pt x="195" y="731"/>
+                  </a:lnTo>
+                  <a:lnTo>
+                    <a:pt x="73" y="1048"/>
+                  </a:lnTo>
+                  <a:lnTo>
+                    <a:pt x="0" y="1389"/>
+                  </a:lnTo>
+                  <a:lnTo>
+                    <a:pt x="0" y="1730"/>
+                  </a:lnTo>
+                  <a:lnTo>
+                    <a:pt x="25" y="2046"/>
+                  </a:lnTo>
+                  <a:lnTo>
+                    <a:pt x="122" y="2387"/>
+                  </a:lnTo>
+                  <a:lnTo>
+                    <a:pt x="268" y="2704"/>
+                  </a:lnTo>
+                  <a:lnTo>
+                    <a:pt x="268" y="2704"/>
+                  </a:lnTo>
+                  <a:close/>
+                </a:path>
+              </a:pathLst>
+            </a:custGeom>
+            <a:noFill/>
+            <a:ln w="9525" cap="rnd" cmpd="sng">
+              <a:solidFill>
+                <a:srgbClr val="000000"/>
+              </a:solidFill>
+              <a:prstDash val="solid"/>
+              <a:round/>
+              <a:headEnd type="none" w="med" len="med"/>
+              <a:tailEnd type="none" w="med" len="med"/>
+            </a:ln>
+          </p:spPr>
+          <p:txBody>
+            <a:bodyPr lIns="91425" tIns="91425" rIns="91425" bIns="91425" anchor="ctr" anchorCtr="0">
+              <a:noAutofit/>
+            </a:bodyPr>
+            <a:lstStyle/>
+            <a:p>
+              <a:pPr lvl="0">
+                <a:spcBef>
+                  <a:spcPts val="0"/>
+                </a:spcBef>
+                <a:buNone/>
+              </a:pPr>
+              <a:endParaRPr/>
+            </a:p>
+          </p:txBody>
+        </p:sp>
+        <p:sp>
+          <p:nvSpPr>
+            <p:cNvPr id="8" name="Shape 116"/>
+            <p:cNvSpPr/>
+            <p:nvPr/>
+          </p:nvSpPr>
+          <p:spPr>
+            <a:xfrm>
+              <a:off x="2662850" y="1699400"/>
+              <a:ext cx="303250" cy="303250"/>
+            </a:xfrm>
+            <a:custGeom>
+              <a:avLst/>
+              <a:gdLst/>
+              <a:ahLst/>
+              <a:cxnLst/>
+              <a:rect l="0" t="0" r="0" b="0"/>
+              <a:pathLst>
+                <a:path w="12130" h="12130" fill="none" extrusionOk="0">
+                  <a:moveTo>
+                    <a:pt x="8038" y="1"/>
+                  </a:moveTo>
+                  <a:lnTo>
+                    <a:pt x="4872" y="3191"/>
+                  </a:lnTo>
+                  <a:lnTo>
+                    <a:pt x="4872" y="3191"/>
+                  </a:lnTo>
+                  <a:lnTo>
+                    <a:pt x="4628" y="3094"/>
+                  </a:lnTo>
+                  <a:lnTo>
+                    <a:pt x="4385" y="2997"/>
+                  </a:lnTo>
+                  <a:lnTo>
+                    <a:pt x="4092" y="2899"/>
+                  </a:lnTo>
+                  <a:lnTo>
+                    <a:pt x="3800" y="2850"/>
+                  </a:lnTo>
+                  <a:lnTo>
+                    <a:pt x="3484" y="2777"/>
+                  </a:lnTo>
+                  <a:lnTo>
+                    <a:pt x="3167" y="2729"/>
+                  </a:lnTo>
+                  <a:lnTo>
+                    <a:pt x="2850" y="2704"/>
+                  </a:lnTo>
+                  <a:lnTo>
+                    <a:pt x="2534" y="2704"/>
+                  </a:lnTo>
+                  <a:lnTo>
+                    <a:pt x="2534" y="2704"/>
+                  </a:lnTo>
+                  <a:lnTo>
+                    <a:pt x="2241" y="2704"/>
+                  </a:lnTo>
+                  <a:lnTo>
+                    <a:pt x="1949" y="2729"/>
+                  </a:lnTo>
+                  <a:lnTo>
+                    <a:pt x="1633" y="2777"/>
+                  </a:lnTo>
+                  <a:lnTo>
+                    <a:pt x="1316" y="2850"/>
+                  </a:lnTo>
+                  <a:lnTo>
+                    <a:pt x="999" y="2972"/>
+                  </a:lnTo>
+                  <a:lnTo>
+                    <a:pt x="707" y="3094"/>
+                  </a:lnTo>
+                  <a:lnTo>
+                    <a:pt x="415" y="3289"/>
+                  </a:lnTo>
+                  <a:lnTo>
+                    <a:pt x="147" y="3508"/>
+                  </a:lnTo>
+                  <a:lnTo>
+                    <a:pt x="147" y="3508"/>
+                  </a:lnTo>
+                  <a:lnTo>
+                    <a:pt x="74" y="3581"/>
+                  </a:lnTo>
+                  <a:lnTo>
+                    <a:pt x="25" y="3678"/>
+                  </a:lnTo>
+                  <a:lnTo>
+                    <a:pt x="1" y="3776"/>
+                  </a:lnTo>
+                  <a:lnTo>
+                    <a:pt x="1" y="3898"/>
+                  </a:lnTo>
+                  <a:lnTo>
+                    <a:pt x="1" y="3898"/>
+                  </a:lnTo>
+                  <a:lnTo>
+                    <a:pt x="1" y="3995"/>
+                  </a:lnTo>
+                  <a:lnTo>
+                    <a:pt x="25" y="4093"/>
+                  </a:lnTo>
+                  <a:lnTo>
+                    <a:pt x="74" y="4190"/>
+                  </a:lnTo>
+                  <a:lnTo>
+                    <a:pt x="147" y="4287"/>
+                  </a:lnTo>
+                  <a:lnTo>
+                    <a:pt x="7843" y="11984"/>
+                  </a:lnTo>
+                  <a:lnTo>
+                    <a:pt x="7843" y="11984"/>
+                  </a:lnTo>
+                  <a:lnTo>
+                    <a:pt x="7941" y="12057"/>
+                  </a:lnTo>
+                  <a:lnTo>
+                    <a:pt x="8038" y="12105"/>
+                  </a:lnTo>
+                  <a:lnTo>
+                    <a:pt x="8135" y="12130"/>
+                  </a:lnTo>
+                  <a:lnTo>
+                    <a:pt x="8233" y="12130"/>
+                  </a:lnTo>
+                  <a:lnTo>
+                    <a:pt x="8233" y="12130"/>
+                  </a:lnTo>
+                  <a:lnTo>
+                    <a:pt x="8355" y="12130"/>
+                  </a:lnTo>
+                  <a:lnTo>
+                    <a:pt x="8452" y="12105"/>
+                  </a:lnTo>
+                  <a:lnTo>
+                    <a:pt x="8549" y="12057"/>
+                  </a:lnTo>
+                  <a:lnTo>
+                    <a:pt x="8622" y="11984"/>
+                  </a:lnTo>
+                  <a:lnTo>
+                    <a:pt x="8622" y="11984"/>
+                  </a:lnTo>
+                  <a:lnTo>
+                    <a:pt x="8842" y="11716"/>
+                  </a:lnTo>
+                  <a:lnTo>
+                    <a:pt x="9036" y="11423"/>
+                  </a:lnTo>
+                  <a:lnTo>
+                    <a:pt x="9158" y="11131"/>
+                  </a:lnTo>
+                  <a:lnTo>
+                    <a:pt x="9280" y="10814"/>
+                  </a:lnTo>
+                  <a:lnTo>
+                    <a:pt x="9353" y="10498"/>
+                  </a:lnTo>
+                  <a:lnTo>
+                    <a:pt x="9402" y="10181"/>
+                  </a:lnTo>
+                  <a:lnTo>
+                    <a:pt x="9426" y="9889"/>
+                  </a:lnTo>
+                  <a:lnTo>
+                    <a:pt x="9426" y="9597"/>
+                  </a:lnTo>
+                  <a:lnTo>
+                    <a:pt x="9426" y="9597"/>
+                  </a:lnTo>
+                  <a:lnTo>
+                    <a:pt x="9426" y="9280"/>
+                  </a:lnTo>
+                  <a:lnTo>
+                    <a:pt x="9402" y="8964"/>
+                  </a:lnTo>
+                  <a:lnTo>
+                    <a:pt x="9353" y="8647"/>
+                  </a:lnTo>
+                  <a:lnTo>
+                    <a:pt x="9280" y="8330"/>
+                  </a:lnTo>
+                  <a:lnTo>
+                    <a:pt x="9231" y="8038"/>
+                  </a:lnTo>
+                  <a:lnTo>
+                    <a:pt x="9134" y="7746"/>
+                  </a:lnTo>
+                  <a:lnTo>
+                    <a:pt x="9036" y="7502"/>
+                  </a:lnTo>
+                  <a:lnTo>
+                    <a:pt x="8939" y="7259"/>
+                  </a:lnTo>
+                  <a:lnTo>
+                    <a:pt x="12130" y="4093"/>
+                  </a:lnTo>
+                </a:path>
+              </a:pathLst>
+            </a:custGeom>
+            <a:noFill/>
+            <a:ln w="9525" cap="rnd" cmpd="sng">
+              <a:solidFill>
+                <a:srgbClr val="000000"/>
+              </a:solidFill>
+              <a:prstDash val="solid"/>
+              <a:round/>
+              <a:headEnd type="none" w="med" len="med"/>
+              <a:tailEnd type="none" w="med" len="med"/>
+            </a:ln>
+          </p:spPr>
+          <p:txBody>
+            <a:bodyPr lIns="91425" tIns="91425" rIns="91425" bIns="91425" anchor="ctr" anchorCtr="0">
+              <a:noAutofit/>
+            </a:bodyPr>
+            <a:lstStyle/>
+            <a:p>
+              <a:pPr lvl="0">
+                <a:spcBef>
+                  <a:spcPts val="0"/>
+                </a:spcBef>
+                <a:buNone/>
+              </a:pPr>
+              <a:endParaRPr/>
+            </a:p>
+          </p:txBody>
+        </p:sp>
+        <p:sp>
+          <p:nvSpPr>
+            <p:cNvPr id="9" name="Shape 117"/>
+            <p:cNvSpPr/>
+            <p:nvPr/>
+          </p:nvSpPr>
+          <p:spPr>
+            <a:xfrm>
+              <a:off x="2814911" y="1754061"/>
+              <a:ext cx="49950" cy="49950"/>
+            </a:xfrm>
+            <a:custGeom>
+              <a:avLst/>
+              <a:gdLst/>
+              <a:ahLst/>
+              <a:cxnLst/>
+              <a:rect l="0" t="0" r="0" b="0"/>
+              <a:pathLst>
+                <a:path w="1998" h="1998" fill="none" extrusionOk="0">
+                  <a:moveTo>
+                    <a:pt x="1" y="1997"/>
+                  </a:moveTo>
+                  <a:lnTo>
+                    <a:pt x="1998" y="0"/>
+                  </a:lnTo>
+                </a:path>
+              </a:pathLst>
+            </a:custGeom>
+            <a:noFill/>
+            <a:ln w="9525" cap="rnd" cmpd="sng">
+              <a:solidFill>
+                <a:srgbClr val="000000"/>
+              </a:solidFill>
+              <a:prstDash val="solid"/>
+              <a:round/>
+              <a:headEnd type="none" w="med" len="med"/>
+              <a:tailEnd type="none" w="med" len="med"/>
+            </a:ln>
+          </p:spPr>
+          <p:txBody>
+            <a:bodyPr lIns="91425" tIns="91425" rIns="91425" bIns="91425" anchor="ctr" anchorCtr="0">
+              <a:noAutofit/>
+            </a:bodyPr>
+            <a:lstStyle/>
+            <a:p>
+              <a:pPr lvl="0">
+                <a:spcBef>
+                  <a:spcPts val="0"/>
+                </a:spcBef>
+                <a:buNone/>
+              </a:pPr>
+              <a:endParaRPr/>
+            </a:p>
+          </p:txBody>
+        </p:sp>
+      </p:grpSp>
+    </p:spTree>
+    <p:extLst>
+      <p:ext uri="{BB962C8B-B14F-4D97-AF65-F5344CB8AC3E}">
+        <p14:creationId xmlns:p14="http://schemas.microsoft.com/office/powerpoint/2010/main" val="3220765122"/>
+      </p:ext>
+    </p:extLst>
+  </p:cSld>
+  <p:clrMapOvr>
+    <a:masterClrMapping/>
+  </p:clrMapOvr>
+</p:sld>
+</file>
+
+<file path=ppt/slides/slide51.xml><?xml version="1.0" encoding="utf-8"?>
 <p:sld xmlns:a="http://schemas.openxmlformats.org/drawingml/2006/main" xmlns:r="http://schemas.openxmlformats.org/officeDocument/2006/relationships" xmlns:p="http://schemas.openxmlformats.org/presentationml/2006/main">
   <p:cSld>
     <p:spTree>
@@ -35404,11 +38906,7 @@
             <a:pPr lvl="0"/>
             <a:r>
               <a:rPr lang="de-DE" dirty="0"/>
-              <a:t>Manuel </a:t>
-            </a:r>
-            <a:r>
-              <a:rPr lang="de-DE" dirty="0" smtClean="0"/>
-              <a:t>Schwalm</a:t>
+              <a:t>Manuel Schwalm</a:t>
             </a:r>
             <a:endParaRPr lang="en" dirty="0"/>
           </a:p>
@@ -35473,7 +38971,7 @@
 </p:sld>
 </file>
 
-<file path=ppt/slides/slide48.xml><?xml version="1.0" encoding="utf-8"?>
+<file path=ppt/slides/slide52.xml><?xml version="1.0" encoding="utf-8"?>
 <p:sld xmlns:a="http://schemas.openxmlformats.org/drawingml/2006/main" xmlns:r="http://schemas.openxmlformats.org/officeDocument/2006/relationships" xmlns:p="http://schemas.openxmlformats.org/presentationml/2006/main">
   <p:cSld>
     <p:spTree>
@@ -35585,10 +39083,9 @@
               </a:spcBef>
             </a:pPr>
             <a:r>
-              <a:rPr lang="en"/>
+              <a:rPr lang="en" dirty="0"/>
               <a:t>Qualität der Implementierungen</a:t>
             </a:r>
-            <a:endParaRPr lang="en" dirty="0"/>
           </a:p>
           <a:p>
             <a:pPr marL="457200" lvl="0" indent="-228600" rtl="0">
@@ -36182,7 +39679,2848 @@
 </p:sld>
 </file>
 
-<file path=ppt/slides/slide49.xml><?xml version="1.0" encoding="utf-8"?>
+<file path=ppt/slides/slide53.xml><?xml version="1.0" encoding="utf-8"?>
+<p:sld xmlns:a="http://schemas.openxmlformats.org/drawingml/2006/main" xmlns:r="http://schemas.openxmlformats.org/officeDocument/2006/relationships" xmlns:p="http://schemas.openxmlformats.org/presentationml/2006/main">
+  <p:cSld>
+    <p:spTree>
+      <p:nvGrpSpPr>
+        <p:cNvPr id="1" name=""/>
+        <p:cNvGrpSpPr/>
+        <p:nvPr/>
+      </p:nvGrpSpPr>
+      <p:grpSpPr>
+        <a:xfrm>
+          <a:off x="0" y="0"/>
+          <a:ext cx="0" cy="0"/>
+          <a:chOff x="0" y="0"/>
+          <a:chExt cx="0" cy="0"/>
+        </a:xfrm>
+      </p:grpSpPr>
+      <p:sp>
+        <p:nvSpPr>
+          <p:cNvPr id="2" name="Titel 1"/>
+          <p:cNvSpPr>
+            <a:spLocks noGrp="1"/>
+          </p:cNvSpPr>
+          <p:nvPr>
+            <p:ph type="title"/>
+          </p:nvPr>
+        </p:nvSpPr>
+        <p:spPr/>
+        <p:txBody>
+          <a:bodyPr/>
+          <a:lstStyle/>
+          <a:p>
+            <a:r>
+              <a:rPr lang="de-DE" dirty="0"/>
+              <a:t>Kommentare zum </a:t>
+            </a:r>
+            <a:r>
+              <a:rPr lang="de-DE" dirty="0" err="1"/>
+              <a:t>Analys</a:t>
+            </a:r>
+            <a:r>
+              <a:rPr lang="de-DE" dirty="0"/>
+              <a:t>-/Designergebnis</a:t>
+            </a:r>
+          </a:p>
+        </p:txBody>
+      </p:sp>
+      <p:sp>
+        <p:nvSpPr>
+          <p:cNvPr id="3" name="Textplatzhalter 2"/>
+          <p:cNvSpPr>
+            <a:spLocks noGrp="1"/>
+          </p:cNvSpPr>
+          <p:nvPr>
+            <p:ph type="body" idx="1"/>
+          </p:nvPr>
+        </p:nvSpPr>
+        <p:spPr/>
+        <p:txBody>
+          <a:bodyPr/>
+          <a:lstStyle/>
+          <a:p>
+            <a:r>
+              <a:rPr lang="de-DE" dirty="0"/>
+              <a:t>Durch gute Vorarbeit in Analyse und Design, waren Testfälle leicht definierbar</a:t>
+            </a:r>
+          </a:p>
+          <a:p>
+            <a:r>
+              <a:rPr lang="de-DE" dirty="0"/>
+              <a:t>Überarbeitung war auch hier nicht mehr notwendig</a:t>
+            </a:r>
+          </a:p>
+          <a:p>
+            <a:r>
+              <a:rPr lang="de-DE" dirty="0"/>
+              <a:t>Verlauf und Implementierung verlief nicht wie geplant (Dazu später mehr)</a:t>
+            </a:r>
+          </a:p>
+          <a:p>
+            <a:endParaRPr lang="de-DE" dirty="0"/>
+          </a:p>
+        </p:txBody>
+      </p:sp>
+      <p:grpSp>
+        <p:nvGrpSpPr>
+          <p:cNvPr id="4" name="Shape 113"/>
+          <p:cNvGrpSpPr/>
+          <p:nvPr/>
+        </p:nvGrpSpPr>
+        <p:grpSpPr>
+          <a:xfrm>
+            <a:off x="916458" y="1019750"/>
+            <a:ext cx="214624" cy="214624"/>
+            <a:chOff x="2594050" y="1631825"/>
+            <a:chExt cx="439625" cy="439625"/>
+          </a:xfrm>
+        </p:grpSpPr>
+        <p:sp>
+          <p:nvSpPr>
+            <p:cNvPr id="5" name="Shape 114"/>
+            <p:cNvSpPr/>
+            <p:nvPr/>
+          </p:nvSpPr>
+          <p:spPr>
+            <a:xfrm>
+              <a:off x="2594050" y="1883300"/>
+              <a:ext cx="188175" cy="188150"/>
+            </a:xfrm>
+            <a:custGeom>
+              <a:avLst/>
+              <a:gdLst/>
+              <a:ahLst/>
+              <a:cxnLst/>
+              <a:rect l="0" t="0" r="0" b="0"/>
+              <a:pathLst>
+                <a:path w="7527" h="7526" fill="none" extrusionOk="0">
+                  <a:moveTo>
+                    <a:pt x="5992" y="0"/>
+                  </a:moveTo>
+                  <a:lnTo>
+                    <a:pt x="537" y="6430"/>
+                  </a:lnTo>
+                  <a:lnTo>
+                    <a:pt x="1" y="7526"/>
+                  </a:lnTo>
+                  <a:lnTo>
+                    <a:pt x="1097" y="6990"/>
+                  </a:lnTo>
+                  <a:lnTo>
+                    <a:pt x="7526" y="1534"/>
+                  </a:lnTo>
+                  <a:lnTo>
+                    <a:pt x="5992" y="0"/>
+                  </a:lnTo>
+                  <a:close/>
+                </a:path>
+              </a:pathLst>
+            </a:custGeom>
+            <a:noFill/>
+            <a:ln w="9525" cap="rnd" cmpd="sng">
+              <a:solidFill>
+                <a:srgbClr val="000000"/>
+              </a:solidFill>
+              <a:prstDash val="solid"/>
+              <a:round/>
+              <a:headEnd type="none" w="med" len="med"/>
+              <a:tailEnd type="none" w="med" len="med"/>
+            </a:ln>
+          </p:spPr>
+          <p:txBody>
+            <a:bodyPr lIns="91425" tIns="91425" rIns="91425" bIns="91425" anchor="ctr" anchorCtr="0">
+              <a:noAutofit/>
+            </a:bodyPr>
+            <a:lstStyle/>
+            <a:p>
+              <a:pPr lvl="0">
+                <a:spcBef>
+                  <a:spcPts val="0"/>
+                </a:spcBef>
+                <a:buNone/>
+              </a:pPr>
+              <a:endParaRPr/>
+            </a:p>
+          </p:txBody>
+        </p:sp>
+        <p:sp>
+          <p:nvSpPr>
+            <p:cNvPr id="6" name="Shape 115"/>
+            <p:cNvSpPr/>
+            <p:nvPr/>
+          </p:nvSpPr>
+          <p:spPr>
+            <a:xfrm>
+              <a:off x="2857700" y="1631825"/>
+              <a:ext cx="175975" cy="176000"/>
+            </a:xfrm>
+            <a:custGeom>
+              <a:avLst/>
+              <a:gdLst/>
+              <a:ahLst/>
+              <a:cxnLst/>
+              <a:rect l="0" t="0" r="0" b="0"/>
+              <a:pathLst>
+                <a:path w="7039" h="7040" fill="none" extrusionOk="0">
+                  <a:moveTo>
+                    <a:pt x="268" y="2704"/>
+                  </a:moveTo>
+                  <a:lnTo>
+                    <a:pt x="4336" y="6771"/>
+                  </a:lnTo>
+                  <a:lnTo>
+                    <a:pt x="4336" y="6771"/>
+                  </a:lnTo>
+                  <a:lnTo>
+                    <a:pt x="4336" y="6771"/>
+                  </a:lnTo>
+                  <a:lnTo>
+                    <a:pt x="4652" y="6917"/>
+                  </a:lnTo>
+                  <a:lnTo>
+                    <a:pt x="4993" y="7015"/>
+                  </a:lnTo>
+                  <a:lnTo>
+                    <a:pt x="5310" y="7039"/>
+                  </a:lnTo>
+                  <a:lnTo>
+                    <a:pt x="5651" y="7039"/>
+                  </a:lnTo>
+                  <a:lnTo>
+                    <a:pt x="5992" y="6966"/>
+                  </a:lnTo>
+                  <a:lnTo>
+                    <a:pt x="6308" y="6844"/>
+                  </a:lnTo>
+                  <a:lnTo>
+                    <a:pt x="6454" y="6747"/>
+                  </a:lnTo>
+                  <a:lnTo>
+                    <a:pt x="6601" y="6674"/>
+                  </a:lnTo>
+                  <a:lnTo>
+                    <a:pt x="6747" y="6552"/>
+                  </a:lnTo>
+                  <a:lnTo>
+                    <a:pt x="6893" y="6430"/>
+                  </a:lnTo>
+                  <a:lnTo>
+                    <a:pt x="6893" y="6430"/>
+                  </a:lnTo>
+                  <a:lnTo>
+                    <a:pt x="6942" y="6357"/>
+                  </a:lnTo>
+                  <a:lnTo>
+                    <a:pt x="7015" y="6260"/>
+                  </a:lnTo>
+                  <a:lnTo>
+                    <a:pt x="7039" y="6138"/>
+                  </a:lnTo>
+                  <a:lnTo>
+                    <a:pt x="7039" y="6041"/>
+                  </a:lnTo>
+                  <a:lnTo>
+                    <a:pt x="7039" y="6041"/>
+                  </a:lnTo>
+                  <a:lnTo>
+                    <a:pt x="7039" y="5943"/>
+                  </a:lnTo>
+                  <a:lnTo>
+                    <a:pt x="7015" y="5846"/>
+                  </a:lnTo>
+                  <a:lnTo>
+                    <a:pt x="6942" y="5748"/>
+                  </a:lnTo>
+                  <a:lnTo>
+                    <a:pt x="6893" y="5651"/>
+                  </a:lnTo>
+                  <a:lnTo>
+                    <a:pt x="1389" y="147"/>
+                  </a:lnTo>
+                  <a:lnTo>
+                    <a:pt x="1389" y="147"/>
+                  </a:lnTo>
+                  <a:lnTo>
+                    <a:pt x="1291" y="98"/>
+                  </a:lnTo>
+                  <a:lnTo>
+                    <a:pt x="1194" y="25"/>
+                  </a:lnTo>
+                  <a:lnTo>
+                    <a:pt x="1096" y="0"/>
+                  </a:lnTo>
+                  <a:lnTo>
+                    <a:pt x="999" y="0"/>
+                  </a:lnTo>
+                  <a:lnTo>
+                    <a:pt x="999" y="0"/>
+                  </a:lnTo>
+                  <a:lnTo>
+                    <a:pt x="902" y="0"/>
+                  </a:lnTo>
+                  <a:lnTo>
+                    <a:pt x="780" y="25"/>
+                  </a:lnTo>
+                  <a:lnTo>
+                    <a:pt x="682" y="98"/>
+                  </a:lnTo>
+                  <a:lnTo>
+                    <a:pt x="609" y="147"/>
+                  </a:lnTo>
+                  <a:lnTo>
+                    <a:pt x="609" y="147"/>
+                  </a:lnTo>
+                  <a:lnTo>
+                    <a:pt x="487" y="293"/>
+                  </a:lnTo>
+                  <a:lnTo>
+                    <a:pt x="366" y="439"/>
+                  </a:lnTo>
+                  <a:lnTo>
+                    <a:pt x="293" y="585"/>
+                  </a:lnTo>
+                  <a:lnTo>
+                    <a:pt x="195" y="731"/>
+                  </a:lnTo>
+                  <a:lnTo>
+                    <a:pt x="73" y="1048"/>
+                  </a:lnTo>
+                  <a:lnTo>
+                    <a:pt x="0" y="1389"/>
+                  </a:lnTo>
+                  <a:lnTo>
+                    <a:pt x="0" y="1730"/>
+                  </a:lnTo>
+                  <a:lnTo>
+                    <a:pt x="25" y="2046"/>
+                  </a:lnTo>
+                  <a:lnTo>
+                    <a:pt x="122" y="2387"/>
+                  </a:lnTo>
+                  <a:lnTo>
+                    <a:pt x="268" y="2704"/>
+                  </a:lnTo>
+                  <a:lnTo>
+                    <a:pt x="268" y="2704"/>
+                  </a:lnTo>
+                  <a:close/>
+                </a:path>
+              </a:pathLst>
+            </a:custGeom>
+            <a:noFill/>
+            <a:ln w="9525" cap="rnd" cmpd="sng">
+              <a:solidFill>
+                <a:srgbClr val="000000"/>
+              </a:solidFill>
+              <a:prstDash val="solid"/>
+              <a:round/>
+              <a:headEnd type="none" w="med" len="med"/>
+              <a:tailEnd type="none" w="med" len="med"/>
+            </a:ln>
+          </p:spPr>
+          <p:txBody>
+            <a:bodyPr lIns="91425" tIns="91425" rIns="91425" bIns="91425" anchor="ctr" anchorCtr="0">
+              <a:noAutofit/>
+            </a:bodyPr>
+            <a:lstStyle/>
+            <a:p>
+              <a:pPr lvl="0">
+                <a:spcBef>
+                  <a:spcPts val="0"/>
+                </a:spcBef>
+                <a:buNone/>
+              </a:pPr>
+              <a:endParaRPr/>
+            </a:p>
+          </p:txBody>
+        </p:sp>
+        <p:sp>
+          <p:nvSpPr>
+            <p:cNvPr id="7" name="Shape 116"/>
+            <p:cNvSpPr/>
+            <p:nvPr/>
+          </p:nvSpPr>
+          <p:spPr>
+            <a:xfrm>
+              <a:off x="2662850" y="1699400"/>
+              <a:ext cx="303250" cy="303250"/>
+            </a:xfrm>
+            <a:custGeom>
+              <a:avLst/>
+              <a:gdLst/>
+              <a:ahLst/>
+              <a:cxnLst/>
+              <a:rect l="0" t="0" r="0" b="0"/>
+              <a:pathLst>
+                <a:path w="12130" h="12130" fill="none" extrusionOk="0">
+                  <a:moveTo>
+                    <a:pt x="8038" y="1"/>
+                  </a:moveTo>
+                  <a:lnTo>
+                    <a:pt x="4872" y="3191"/>
+                  </a:lnTo>
+                  <a:lnTo>
+                    <a:pt x="4872" y="3191"/>
+                  </a:lnTo>
+                  <a:lnTo>
+                    <a:pt x="4628" y="3094"/>
+                  </a:lnTo>
+                  <a:lnTo>
+                    <a:pt x="4385" y="2997"/>
+                  </a:lnTo>
+                  <a:lnTo>
+                    <a:pt x="4092" y="2899"/>
+                  </a:lnTo>
+                  <a:lnTo>
+                    <a:pt x="3800" y="2850"/>
+                  </a:lnTo>
+                  <a:lnTo>
+                    <a:pt x="3484" y="2777"/>
+                  </a:lnTo>
+                  <a:lnTo>
+                    <a:pt x="3167" y="2729"/>
+                  </a:lnTo>
+                  <a:lnTo>
+                    <a:pt x="2850" y="2704"/>
+                  </a:lnTo>
+                  <a:lnTo>
+                    <a:pt x="2534" y="2704"/>
+                  </a:lnTo>
+                  <a:lnTo>
+                    <a:pt x="2534" y="2704"/>
+                  </a:lnTo>
+                  <a:lnTo>
+                    <a:pt x="2241" y="2704"/>
+                  </a:lnTo>
+                  <a:lnTo>
+                    <a:pt x="1949" y="2729"/>
+                  </a:lnTo>
+                  <a:lnTo>
+                    <a:pt x="1633" y="2777"/>
+                  </a:lnTo>
+                  <a:lnTo>
+                    <a:pt x="1316" y="2850"/>
+                  </a:lnTo>
+                  <a:lnTo>
+                    <a:pt x="999" y="2972"/>
+                  </a:lnTo>
+                  <a:lnTo>
+                    <a:pt x="707" y="3094"/>
+                  </a:lnTo>
+                  <a:lnTo>
+                    <a:pt x="415" y="3289"/>
+                  </a:lnTo>
+                  <a:lnTo>
+                    <a:pt x="147" y="3508"/>
+                  </a:lnTo>
+                  <a:lnTo>
+                    <a:pt x="147" y="3508"/>
+                  </a:lnTo>
+                  <a:lnTo>
+                    <a:pt x="74" y="3581"/>
+                  </a:lnTo>
+                  <a:lnTo>
+                    <a:pt x="25" y="3678"/>
+                  </a:lnTo>
+                  <a:lnTo>
+                    <a:pt x="1" y="3776"/>
+                  </a:lnTo>
+                  <a:lnTo>
+                    <a:pt x="1" y="3898"/>
+                  </a:lnTo>
+                  <a:lnTo>
+                    <a:pt x="1" y="3898"/>
+                  </a:lnTo>
+                  <a:lnTo>
+                    <a:pt x="1" y="3995"/>
+                  </a:lnTo>
+                  <a:lnTo>
+                    <a:pt x="25" y="4093"/>
+                  </a:lnTo>
+                  <a:lnTo>
+                    <a:pt x="74" y="4190"/>
+                  </a:lnTo>
+                  <a:lnTo>
+                    <a:pt x="147" y="4287"/>
+                  </a:lnTo>
+                  <a:lnTo>
+                    <a:pt x="7843" y="11984"/>
+                  </a:lnTo>
+                  <a:lnTo>
+                    <a:pt x="7843" y="11984"/>
+                  </a:lnTo>
+                  <a:lnTo>
+                    <a:pt x="7941" y="12057"/>
+                  </a:lnTo>
+                  <a:lnTo>
+                    <a:pt x="8038" y="12105"/>
+                  </a:lnTo>
+                  <a:lnTo>
+                    <a:pt x="8135" y="12130"/>
+                  </a:lnTo>
+                  <a:lnTo>
+                    <a:pt x="8233" y="12130"/>
+                  </a:lnTo>
+                  <a:lnTo>
+                    <a:pt x="8233" y="12130"/>
+                  </a:lnTo>
+                  <a:lnTo>
+                    <a:pt x="8355" y="12130"/>
+                  </a:lnTo>
+                  <a:lnTo>
+                    <a:pt x="8452" y="12105"/>
+                  </a:lnTo>
+                  <a:lnTo>
+                    <a:pt x="8549" y="12057"/>
+                  </a:lnTo>
+                  <a:lnTo>
+                    <a:pt x="8622" y="11984"/>
+                  </a:lnTo>
+                  <a:lnTo>
+                    <a:pt x="8622" y="11984"/>
+                  </a:lnTo>
+                  <a:lnTo>
+                    <a:pt x="8842" y="11716"/>
+                  </a:lnTo>
+                  <a:lnTo>
+                    <a:pt x="9036" y="11423"/>
+                  </a:lnTo>
+                  <a:lnTo>
+                    <a:pt x="9158" y="11131"/>
+                  </a:lnTo>
+                  <a:lnTo>
+                    <a:pt x="9280" y="10814"/>
+                  </a:lnTo>
+                  <a:lnTo>
+                    <a:pt x="9353" y="10498"/>
+                  </a:lnTo>
+                  <a:lnTo>
+                    <a:pt x="9402" y="10181"/>
+                  </a:lnTo>
+                  <a:lnTo>
+                    <a:pt x="9426" y="9889"/>
+                  </a:lnTo>
+                  <a:lnTo>
+                    <a:pt x="9426" y="9597"/>
+                  </a:lnTo>
+                  <a:lnTo>
+                    <a:pt x="9426" y="9597"/>
+                  </a:lnTo>
+                  <a:lnTo>
+                    <a:pt x="9426" y="9280"/>
+                  </a:lnTo>
+                  <a:lnTo>
+                    <a:pt x="9402" y="8964"/>
+                  </a:lnTo>
+                  <a:lnTo>
+                    <a:pt x="9353" y="8647"/>
+                  </a:lnTo>
+                  <a:lnTo>
+                    <a:pt x="9280" y="8330"/>
+                  </a:lnTo>
+                  <a:lnTo>
+                    <a:pt x="9231" y="8038"/>
+                  </a:lnTo>
+                  <a:lnTo>
+                    <a:pt x="9134" y="7746"/>
+                  </a:lnTo>
+                  <a:lnTo>
+                    <a:pt x="9036" y="7502"/>
+                  </a:lnTo>
+                  <a:lnTo>
+                    <a:pt x="8939" y="7259"/>
+                  </a:lnTo>
+                  <a:lnTo>
+                    <a:pt x="12130" y="4093"/>
+                  </a:lnTo>
+                </a:path>
+              </a:pathLst>
+            </a:custGeom>
+            <a:noFill/>
+            <a:ln w="9525" cap="rnd" cmpd="sng">
+              <a:solidFill>
+                <a:srgbClr val="000000"/>
+              </a:solidFill>
+              <a:prstDash val="solid"/>
+              <a:round/>
+              <a:headEnd type="none" w="med" len="med"/>
+              <a:tailEnd type="none" w="med" len="med"/>
+            </a:ln>
+          </p:spPr>
+          <p:txBody>
+            <a:bodyPr lIns="91425" tIns="91425" rIns="91425" bIns="91425" anchor="ctr" anchorCtr="0">
+              <a:noAutofit/>
+            </a:bodyPr>
+            <a:lstStyle/>
+            <a:p>
+              <a:pPr lvl="0">
+                <a:spcBef>
+                  <a:spcPts val="0"/>
+                </a:spcBef>
+                <a:buNone/>
+              </a:pPr>
+              <a:endParaRPr/>
+            </a:p>
+          </p:txBody>
+        </p:sp>
+        <p:sp>
+          <p:nvSpPr>
+            <p:cNvPr id="8" name="Shape 117"/>
+            <p:cNvSpPr/>
+            <p:nvPr/>
+          </p:nvSpPr>
+          <p:spPr>
+            <a:xfrm>
+              <a:off x="2814911" y="1754061"/>
+              <a:ext cx="49950" cy="49950"/>
+            </a:xfrm>
+            <a:custGeom>
+              <a:avLst/>
+              <a:gdLst/>
+              <a:ahLst/>
+              <a:cxnLst/>
+              <a:rect l="0" t="0" r="0" b="0"/>
+              <a:pathLst>
+                <a:path w="1998" h="1998" fill="none" extrusionOk="0">
+                  <a:moveTo>
+                    <a:pt x="1" y="1997"/>
+                  </a:moveTo>
+                  <a:lnTo>
+                    <a:pt x="1998" y="0"/>
+                  </a:lnTo>
+                </a:path>
+              </a:pathLst>
+            </a:custGeom>
+            <a:noFill/>
+            <a:ln w="9525" cap="rnd" cmpd="sng">
+              <a:solidFill>
+                <a:srgbClr val="000000"/>
+              </a:solidFill>
+              <a:prstDash val="solid"/>
+              <a:round/>
+              <a:headEnd type="none" w="med" len="med"/>
+              <a:tailEnd type="none" w="med" len="med"/>
+            </a:ln>
+          </p:spPr>
+          <p:txBody>
+            <a:bodyPr lIns="91425" tIns="91425" rIns="91425" bIns="91425" anchor="ctr" anchorCtr="0">
+              <a:noAutofit/>
+            </a:bodyPr>
+            <a:lstStyle/>
+            <a:p>
+              <a:pPr lvl="0">
+                <a:spcBef>
+                  <a:spcPts val="0"/>
+                </a:spcBef>
+                <a:buNone/>
+              </a:pPr>
+              <a:endParaRPr/>
+            </a:p>
+          </p:txBody>
+        </p:sp>
+      </p:grpSp>
+    </p:spTree>
+    <p:extLst>
+      <p:ext uri="{BB962C8B-B14F-4D97-AF65-F5344CB8AC3E}">
+        <p14:creationId xmlns:p14="http://schemas.microsoft.com/office/powerpoint/2010/main" val="693759371"/>
+      </p:ext>
+    </p:extLst>
+  </p:cSld>
+  <p:clrMapOvr>
+    <a:masterClrMapping/>
+  </p:clrMapOvr>
+</p:sld>
+</file>
+
+<file path=ppt/slides/slide54.xml><?xml version="1.0" encoding="utf-8"?>
+<p:sld xmlns:a="http://schemas.openxmlformats.org/drawingml/2006/main" xmlns:r="http://schemas.openxmlformats.org/officeDocument/2006/relationships" xmlns:p="http://schemas.openxmlformats.org/presentationml/2006/main">
+  <p:cSld>
+    <p:spTree>
+      <p:nvGrpSpPr>
+        <p:cNvPr id="1" name="Shape 121"/>
+        <p:cNvGrpSpPr/>
+        <p:nvPr/>
+      </p:nvGrpSpPr>
+      <p:grpSpPr>
+        <a:xfrm>
+          <a:off x="0" y="0"/>
+          <a:ext cx="0" cy="0"/>
+          <a:chOff x="0" y="0"/>
+          <a:chExt cx="0" cy="0"/>
+        </a:xfrm>
+      </p:grpSpPr>
+      <p:sp>
+        <p:nvSpPr>
+          <p:cNvPr id="122" name="Shape 122"/>
+          <p:cNvSpPr txBox="1">
+            <a:spLocks noGrp="1"/>
+          </p:cNvSpPr>
+          <p:nvPr>
+            <p:ph type="ctrTitle" idx="4294967295"/>
+          </p:nvPr>
+        </p:nvSpPr>
+        <p:spPr>
+          <a:xfrm>
+            <a:off x="467544" y="2878750"/>
+            <a:ext cx="8280920" cy="1159799"/>
+          </a:xfrm>
+          <a:prstGeom prst="rect">
+            <a:avLst/>
+          </a:prstGeom>
+        </p:spPr>
+        <p:txBody>
+          <a:bodyPr lIns="91425" tIns="91425" rIns="91425" bIns="91425" anchor="ctr" anchorCtr="0">
+            <a:noAutofit/>
+          </a:bodyPr>
+          <a:lstStyle/>
+          <a:p>
+            <a:pPr lvl="0" algn="ctr" rtl="0">
+              <a:spcBef>
+                <a:spcPts val="0"/>
+              </a:spcBef>
+              <a:buNone/>
+            </a:pPr>
+            <a:r>
+              <a:rPr lang="de-DE" sz="3600" dirty="0">
+                <a:highlight>
+                  <a:srgbClr val="FFCD00"/>
+                </a:highlight>
+              </a:rPr>
+              <a:t>Demo anhand der Testprozeduren</a:t>
+            </a:r>
+            <a:endParaRPr lang="en" sz="3600" dirty="0">
+              <a:highlight>
+                <a:srgbClr val="FFCD00"/>
+              </a:highlight>
+            </a:endParaRPr>
+          </a:p>
+        </p:txBody>
+      </p:sp>
+      <p:cxnSp>
+        <p:nvCxnSpPr>
+          <p:cNvPr id="124" name="Shape 124"/>
+          <p:cNvCxnSpPr/>
+          <p:nvPr/>
+        </p:nvCxnSpPr>
+        <p:spPr>
+          <a:xfrm>
+            <a:off x="-6025" y="1668728"/>
+            <a:ext cx="9161999" cy="0"/>
+          </a:xfrm>
+          <a:prstGeom prst="straightConnector1">
+            <a:avLst/>
+          </a:prstGeom>
+          <a:noFill/>
+          <a:ln w="9525" cap="flat" cmpd="sng">
+            <a:solidFill>
+              <a:srgbClr val="CCCCCC"/>
+            </a:solidFill>
+            <a:prstDash val="solid"/>
+            <a:round/>
+            <a:headEnd type="none" w="lg" len="lg"/>
+            <a:tailEnd type="none" w="lg" len="lg"/>
+          </a:ln>
+        </p:spPr>
+      </p:cxnSp>
+      <p:sp>
+        <p:nvSpPr>
+          <p:cNvPr id="125" name="Shape 125"/>
+          <p:cNvSpPr/>
+          <p:nvPr/>
+        </p:nvSpPr>
+        <p:spPr>
+          <a:xfrm>
+            <a:off x="3470200" y="566931"/>
+            <a:ext cx="2203499" cy="2203499"/>
+          </a:xfrm>
+          <a:prstGeom prst="ellipse">
+            <a:avLst/>
+          </a:prstGeom>
+          <a:solidFill>
+            <a:srgbClr val="FFCD00"/>
+          </a:solidFill>
+          <a:ln>
+            <a:noFill/>
+          </a:ln>
+        </p:spPr>
+        <p:txBody>
+          <a:bodyPr lIns="91425" tIns="91425" rIns="91425" bIns="91425" anchor="ctr" anchorCtr="0">
+            <a:noAutofit/>
+          </a:bodyPr>
+          <a:lstStyle/>
+          <a:p>
+            <a:pPr lvl="0" rtl="0">
+              <a:spcBef>
+                <a:spcPts val="0"/>
+              </a:spcBef>
+              <a:buNone/>
+            </a:pPr>
+            <a:endParaRPr/>
+          </a:p>
+        </p:txBody>
+      </p:sp>
+      <p:pic>
+        <p:nvPicPr>
+          <p:cNvPr id="10242" name="Picture 2"/>
+          <p:cNvPicPr>
+            <a:picLocks noChangeAspect="1" noChangeArrowheads="1"/>
+          </p:cNvPicPr>
+          <p:nvPr/>
+        </p:nvPicPr>
+        <p:blipFill>
+          <a:blip r:embed="rId3"/>
+          <a:srcRect/>
+          <a:stretch>
+            <a:fillRect/>
+          </a:stretch>
+        </p:blipFill>
+        <p:spPr bwMode="auto">
+          <a:xfrm>
+            <a:off x="3802627" y="1203598"/>
+            <a:ext cx="1561461" cy="908149"/>
+          </a:xfrm>
+          <a:prstGeom prst="rect">
+            <a:avLst/>
+          </a:prstGeom>
+          <a:noFill/>
+          <a:ln w="9525">
+            <a:noFill/>
+            <a:miter lim="800000"/>
+            <a:headEnd/>
+            <a:tailEnd/>
+          </a:ln>
+          <a:effectLst/>
+        </p:spPr>
+      </p:pic>
+    </p:spTree>
+    <p:extLst>
+      <p:ext uri="{BB962C8B-B14F-4D97-AF65-F5344CB8AC3E}">
+        <p14:creationId xmlns:p14="http://schemas.microsoft.com/office/powerpoint/2010/main" val="1582115173"/>
+      </p:ext>
+    </p:extLst>
+  </p:cSld>
+  <p:clrMapOvr>
+    <a:masterClrMapping/>
+  </p:clrMapOvr>
+</p:sld>
+</file>
+
+<file path=ppt/slides/slide55.xml><?xml version="1.0" encoding="utf-8"?>
+<p:sld xmlns:a="http://schemas.openxmlformats.org/drawingml/2006/main" xmlns:r="http://schemas.openxmlformats.org/officeDocument/2006/relationships" xmlns:p="http://schemas.openxmlformats.org/presentationml/2006/main">
+  <p:cSld>
+    <p:spTree>
+      <p:nvGrpSpPr>
+        <p:cNvPr id="1" name=""/>
+        <p:cNvGrpSpPr/>
+        <p:nvPr/>
+      </p:nvGrpSpPr>
+      <p:grpSpPr>
+        <a:xfrm>
+          <a:off x="0" y="0"/>
+          <a:ext cx="0" cy="0"/>
+          <a:chOff x="0" y="0"/>
+          <a:chExt cx="0" cy="0"/>
+        </a:xfrm>
+      </p:grpSpPr>
+      <p:sp>
+        <p:nvSpPr>
+          <p:cNvPr id="2" name="Titel 1"/>
+          <p:cNvSpPr>
+            <a:spLocks noGrp="1"/>
+          </p:cNvSpPr>
+          <p:nvPr>
+            <p:ph type="title"/>
+          </p:nvPr>
+        </p:nvSpPr>
+        <p:spPr/>
+        <p:txBody>
+          <a:bodyPr/>
+          <a:lstStyle/>
+          <a:p>
+            <a:r>
+              <a:rPr lang="de-DE" dirty="0"/>
+              <a:t>Qualität der Implementierung</a:t>
+            </a:r>
+          </a:p>
+        </p:txBody>
+      </p:sp>
+      <p:sp>
+        <p:nvSpPr>
+          <p:cNvPr id="3" name="Textplatzhalter 2"/>
+          <p:cNvSpPr>
+            <a:spLocks noGrp="1"/>
+          </p:cNvSpPr>
+          <p:nvPr>
+            <p:ph type="body" idx="1"/>
+          </p:nvPr>
+        </p:nvSpPr>
+        <p:spPr/>
+        <p:txBody>
+          <a:bodyPr/>
+          <a:lstStyle/>
+          <a:p>
+            <a:r>
+              <a:rPr lang="de-DE" dirty="0"/>
+              <a:t>Nur die wichtigsten Testbereiche konnten erstellt werden</a:t>
+            </a:r>
+          </a:p>
+          <a:p>
+            <a:r>
+              <a:rPr lang="de-DE" dirty="0"/>
+              <a:t>Keine Tests für </a:t>
+            </a:r>
+            <a:r>
+              <a:rPr lang="de-DE" dirty="0" err="1"/>
+              <a:t>Gui</a:t>
+            </a:r>
+            <a:r>
+              <a:rPr lang="de-DE" dirty="0"/>
+              <a:t> vorhanden</a:t>
+            </a:r>
+          </a:p>
+          <a:p>
+            <a:r>
+              <a:rPr lang="de-DE" dirty="0"/>
+              <a:t>Insgesamt alle vorhandenen Tests sehr gut implementiert</a:t>
+            </a:r>
+          </a:p>
+          <a:p>
+            <a:pPr marL="342900" indent="-342900">
+              <a:buFont typeface="Wingdings" panose="05000000000000000000" pitchFamily="2" charset="2"/>
+              <a:buChar char="Ø"/>
+            </a:pPr>
+            <a:r>
+              <a:rPr lang="de-DE" dirty="0"/>
+              <a:t>…Dokumentation allerdings nicht vorhanden</a:t>
+            </a:r>
+          </a:p>
+        </p:txBody>
+      </p:sp>
+      <p:grpSp>
+        <p:nvGrpSpPr>
+          <p:cNvPr id="4" name="Shape 113"/>
+          <p:cNvGrpSpPr/>
+          <p:nvPr/>
+        </p:nvGrpSpPr>
+        <p:grpSpPr>
+          <a:xfrm>
+            <a:off x="916458" y="1019750"/>
+            <a:ext cx="214624" cy="214624"/>
+            <a:chOff x="2594050" y="1631825"/>
+            <a:chExt cx="439625" cy="439625"/>
+          </a:xfrm>
+        </p:grpSpPr>
+        <p:sp>
+          <p:nvSpPr>
+            <p:cNvPr id="5" name="Shape 114"/>
+            <p:cNvSpPr/>
+            <p:nvPr/>
+          </p:nvSpPr>
+          <p:spPr>
+            <a:xfrm>
+              <a:off x="2594050" y="1883300"/>
+              <a:ext cx="188175" cy="188150"/>
+            </a:xfrm>
+            <a:custGeom>
+              <a:avLst/>
+              <a:gdLst/>
+              <a:ahLst/>
+              <a:cxnLst/>
+              <a:rect l="0" t="0" r="0" b="0"/>
+              <a:pathLst>
+                <a:path w="7527" h="7526" fill="none" extrusionOk="0">
+                  <a:moveTo>
+                    <a:pt x="5992" y="0"/>
+                  </a:moveTo>
+                  <a:lnTo>
+                    <a:pt x="537" y="6430"/>
+                  </a:lnTo>
+                  <a:lnTo>
+                    <a:pt x="1" y="7526"/>
+                  </a:lnTo>
+                  <a:lnTo>
+                    <a:pt x="1097" y="6990"/>
+                  </a:lnTo>
+                  <a:lnTo>
+                    <a:pt x="7526" y="1534"/>
+                  </a:lnTo>
+                  <a:lnTo>
+                    <a:pt x="5992" y="0"/>
+                  </a:lnTo>
+                  <a:close/>
+                </a:path>
+              </a:pathLst>
+            </a:custGeom>
+            <a:noFill/>
+            <a:ln w="9525" cap="rnd" cmpd="sng">
+              <a:solidFill>
+                <a:srgbClr val="000000"/>
+              </a:solidFill>
+              <a:prstDash val="solid"/>
+              <a:round/>
+              <a:headEnd type="none" w="med" len="med"/>
+              <a:tailEnd type="none" w="med" len="med"/>
+            </a:ln>
+          </p:spPr>
+          <p:txBody>
+            <a:bodyPr lIns="91425" tIns="91425" rIns="91425" bIns="91425" anchor="ctr" anchorCtr="0">
+              <a:noAutofit/>
+            </a:bodyPr>
+            <a:lstStyle/>
+            <a:p>
+              <a:pPr lvl="0">
+                <a:spcBef>
+                  <a:spcPts val="0"/>
+                </a:spcBef>
+                <a:buNone/>
+              </a:pPr>
+              <a:endParaRPr/>
+            </a:p>
+          </p:txBody>
+        </p:sp>
+        <p:sp>
+          <p:nvSpPr>
+            <p:cNvPr id="6" name="Shape 115"/>
+            <p:cNvSpPr/>
+            <p:nvPr/>
+          </p:nvSpPr>
+          <p:spPr>
+            <a:xfrm>
+              <a:off x="2857700" y="1631825"/>
+              <a:ext cx="175975" cy="176000"/>
+            </a:xfrm>
+            <a:custGeom>
+              <a:avLst/>
+              <a:gdLst/>
+              <a:ahLst/>
+              <a:cxnLst/>
+              <a:rect l="0" t="0" r="0" b="0"/>
+              <a:pathLst>
+                <a:path w="7039" h="7040" fill="none" extrusionOk="0">
+                  <a:moveTo>
+                    <a:pt x="268" y="2704"/>
+                  </a:moveTo>
+                  <a:lnTo>
+                    <a:pt x="4336" y="6771"/>
+                  </a:lnTo>
+                  <a:lnTo>
+                    <a:pt x="4336" y="6771"/>
+                  </a:lnTo>
+                  <a:lnTo>
+                    <a:pt x="4336" y="6771"/>
+                  </a:lnTo>
+                  <a:lnTo>
+                    <a:pt x="4652" y="6917"/>
+                  </a:lnTo>
+                  <a:lnTo>
+                    <a:pt x="4993" y="7015"/>
+                  </a:lnTo>
+                  <a:lnTo>
+                    <a:pt x="5310" y="7039"/>
+                  </a:lnTo>
+                  <a:lnTo>
+                    <a:pt x="5651" y="7039"/>
+                  </a:lnTo>
+                  <a:lnTo>
+                    <a:pt x="5992" y="6966"/>
+                  </a:lnTo>
+                  <a:lnTo>
+                    <a:pt x="6308" y="6844"/>
+                  </a:lnTo>
+                  <a:lnTo>
+                    <a:pt x="6454" y="6747"/>
+                  </a:lnTo>
+                  <a:lnTo>
+                    <a:pt x="6601" y="6674"/>
+                  </a:lnTo>
+                  <a:lnTo>
+                    <a:pt x="6747" y="6552"/>
+                  </a:lnTo>
+                  <a:lnTo>
+                    <a:pt x="6893" y="6430"/>
+                  </a:lnTo>
+                  <a:lnTo>
+                    <a:pt x="6893" y="6430"/>
+                  </a:lnTo>
+                  <a:lnTo>
+                    <a:pt x="6942" y="6357"/>
+                  </a:lnTo>
+                  <a:lnTo>
+                    <a:pt x="7015" y="6260"/>
+                  </a:lnTo>
+                  <a:lnTo>
+                    <a:pt x="7039" y="6138"/>
+                  </a:lnTo>
+                  <a:lnTo>
+                    <a:pt x="7039" y="6041"/>
+                  </a:lnTo>
+                  <a:lnTo>
+                    <a:pt x="7039" y="6041"/>
+                  </a:lnTo>
+                  <a:lnTo>
+                    <a:pt x="7039" y="5943"/>
+                  </a:lnTo>
+                  <a:lnTo>
+                    <a:pt x="7015" y="5846"/>
+                  </a:lnTo>
+                  <a:lnTo>
+                    <a:pt x="6942" y="5748"/>
+                  </a:lnTo>
+                  <a:lnTo>
+                    <a:pt x="6893" y="5651"/>
+                  </a:lnTo>
+                  <a:lnTo>
+                    <a:pt x="1389" y="147"/>
+                  </a:lnTo>
+                  <a:lnTo>
+                    <a:pt x="1389" y="147"/>
+                  </a:lnTo>
+                  <a:lnTo>
+                    <a:pt x="1291" y="98"/>
+                  </a:lnTo>
+                  <a:lnTo>
+                    <a:pt x="1194" y="25"/>
+                  </a:lnTo>
+                  <a:lnTo>
+                    <a:pt x="1096" y="0"/>
+                  </a:lnTo>
+                  <a:lnTo>
+                    <a:pt x="999" y="0"/>
+                  </a:lnTo>
+                  <a:lnTo>
+                    <a:pt x="999" y="0"/>
+                  </a:lnTo>
+                  <a:lnTo>
+                    <a:pt x="902" y="0"/>
+                  </a:lnTo>
+                  <a:lnTo>
+                    <a:pt x="780" y="25"/>
+                  </a:lnTo>
+                  <a:lnTo>
+                    <a:pt x="682" y="98"/>
+                  </a:lnTo>
+                  <a:lnTo>
+                    <a:pt x="609" y="147"/>
+                  </a:lnTo>
+                  <a:lnTo>
+                    <a:pt x="609" y="147"/>
+                  </a:lnTo>
+                  <a:lnTo>
+                    <a:pt x="487" y="293"/>
+                  </a:lnTo>
+                  <a:lnTo>
+                    <a:pt x="366" y="439"/>
+                  </a:lnTo>
+                  <a:lnTo>
+                    <a:pt x="293" y="585"/>
+                  </a:lnTo>
+                  <a:lnTo>
+                    <a:pt x="195" y="731"/>
+                  </a:lnTo>
+                  <a:lnTo>
+                    <a:pt x="73" y="1048"/>
+                  </a:lnTo>
+                  <a:lnTo>
+                    <a:pt x="0" y="1389"/>
+                  </a:lnTo>
+                  <a:lnTo>
+                    <a:pt x="0" y="1730"/>
+                  </a:lnTo>
+                  <a:lnTo>
+                    <a:pt x="25" y="2046"/>
+                  </a:lnTo>
+                  <a:lnTo>
+                    <a:pt x="122" y="2387"/>
+                  </a:lnTo>
+                  <a:lnTo>
+                    <a:pt x="268" y="2704"/>
+                  </a:lnTo>
+                  <a:lnTo>
+                    <a:pt x="268" y="2704"/>
+                  </a:lnTo>
+                  <a:close/>
+                </a:path>
+              </a:pathLst>
+            </a:custGeom>
+            <a:noFill/>
+            <a:ln w="9525" cap="rnd" cmpd="sng">
+              <a:solidFill>
+                <a:srgbClr val="000000"/>
+              </a:solidFill>
+              <a:prstDash val="solid"/>
+              <a:round/>
+              <a:headEnd type="none" w="med" len="med"/>
+              <a:tailEnd type="none" w="med" len="med"/>
+            </a:ln>
+          </p:spPr>
+          <p:txBody>
+            <a:bodyPr lIns="91425" tIns="91425" rIns="91425" bIns="91425" anchor="ctr" anchorCtr="0">
+              <a:noAutofit/>
+            </a:bodyPr>
+            <a:lstStyle/>
+            <a:p>
+              <a:pPr lvl="0">
+                <a:spcBef>
+                  <a:spcPts val="0"/>
+                </a:spcBef>
+                <a:buNone/>
+              </a:pPr>
+              <a:endParaRPr/>
+            </a:p>
+          </p:txBody>
+        </p:sp>
+        <p:sp>
+          <p:nvSpPr>
+            <p:cNvPr id="7" name="Shape 116"/>
+            <p:cNvSpPr/>
+            <p:nvPr/>
+          </p:nvSpPr>
+          <p:spPr>
+            <a:xfrm>
+              <a:off x="2662850" y="1699400"/>
+              <a:ext cx="303250" cy="303250"/>
+            </a:xfrm>
+            <a:custGeom>
+              <a:avLst/>
+              <a:gdLst/>
+              <a:ahLst/>
+              <a:cxnLst/>
+              <a:rect l="0" t="0" r="0" b="0"/>
+              <a:pathLst>
+                <a:path w="12130" h="12130" fill="none" extrusionOk="0">
+                  <a:moveTo>
+                    <a:pt x="8038" y="1"/>
+                  </a:moveTo>
+                  <a:lnTo>
+                    <a:pt x="4872" y="3191"/>
+                  </a:lnTo>
+                  <a:lnTo>
+                    <a:pt x="4872" y="3191"/>
+                  </a:lnTo>
+                  <a:lnTo>
+                    <a:pt x="4628" y="3094"/>
+                  </a:lnTo>
+                  <a:lnTo>
+                    <a:pt x="4385" y="2997"/>
+                  </a:lnTo>
+                  <a:lnTo>
+                    <a:pt x="4092" y="2899"/>
+                  </a:lnTo>
+                  <a:lnTo>
+                    <a:pt x="3800" y="2850"/>
+                  </a:lnTo>
+                  <a:lnTo>
+                    <a:pt x="3484" y="2777"/>
+                  </a:lnTo>
+                  <a:lnTo>
+                    <a:pt x="3167" y="2729"/>
+                  </a:lnTo>
+                  <a:lnTo>
+                    <a:pt x="2850" y="2704"/>
+                  </a:lnTo>
+                  <a:lnTo>
+                    <a:pt x="2534" y="2704"/>
+                  </a:lnTo>
+                  <a:lnTo>
+                    <a:pt x="2534" y="2704"/>
+                  </a:lnTo>
+                  <a:lnTo>
+                    <a:pt x="2241" y="2704"/>
+                  </a:lnTo>
+                  <a:lnTo>
+                    <a:pt x="1949" y="2729"/>
+                  </a:lnTo>
+                  <a:lnTo>
+                    <a:pt x="1633" y="2777"/>
+                  </a:lnTo>
+                  <a:lnTo>
+                    <a:pt x="1316" y="2850"/>
+                  </a:lnTo>
+                  <a:lnTo>
+                    <a:pt x="999" y="2972"/>
+                  </a:lnTo>
+                  <a:lnTo>
+                    <a:pt x="707" y="3094"/>
+                  </a:lnTo>
+                  <a:lnTo>
+                    <a:pt x="415" y="3289"/>
+                  </a:lnTo>
+                  <a:lnTo>
+                    <a:pt x="147" y="3508"/>
+                  </a:lnTo>
+                  <a:lnTo>
+                    <a:pt x="147" y="3508"/>
+                  </a:lnTo>
+                  <a:lnTo>
+                    <a:pt x="74" y="3581"/>
+                  </a:lnTo>
+                  <a:lnTo>
+                    <a:pt x="25" y="3678"/>
+                  </a:lnTo>
+                  <a:lnTo>
+                    <a:pt x="1" y="3776"/>
+                  </a:lnTo>
+                  <a:lnTo>
+                    <a:pt x="1" y="3898"/>
+                  </a:lnTo>
+                  <a:lnTo>
+                    <a:pt x="1" y="3898"/>
+                  </a:lnTo>
+                  <a:lnTo>
+                    <a:pt x="1" y="3995"/>
+                  </a:lnTo>
+                  <a:lnTo>
+                    <a:pt x="25" y="4093"/>
+                  </a:lnTo>
+                  <a:lnTo>
+                    <a:pt x="74" y="4190"/>
+                  </a:lnTo>
+                  <a:lnTo>
+                    <a:pt x="147" y="4287"/>
+                  </a:lnTo>
+                  <a:lnTo>
+                    <a:pt x="7843" y="11984"/>
+                  </a:lnTo>
+                  <a:lnTo>
+                    <a:pt x="7843" y="11984"/>
+                  </a:lnTo>
+                  <a:lnTo>
+                    <a:pt x="7941" y="12057"/>
+                  </a:lnTo>
+                  <a:lnTo>
+                    <a:pt x="8038" y="12105"/>
+                  </a:lnTo>
+                  <a:lnTo>
+                    <a:pt x="8135" y="12130"/>
+                  </a:lnTo>
+                  <a:lnTo>
+                    <a:pt x="8233" y="12130"/>
+                  </a:lnTo>
+                  <a:lnTo>
+                    <a:pt x="8233" y="12130"/>
+                  </a:lnTo>
+                  <a:lnTo>
+                    <a:pt x="8355" y="12130"/>
+                  </a:lnTo>
+                  <a:lnTo>
+                    <a:pt x="8452" y="12105"/>
+                  </a:lnTo>
+                  <a:lnTo>
+                    <a:pt x="8549" y="12057"/>
+                  </a:lnTo>
+                  <a:lnTo>
+                    <a:pt x="8622" y="11984"/>
+                  </a:lnTo>
+                  <a:lnTo>
+                    <a:pt x="8622" y="11984"/>
+                  </a:lnTo>
+                  <a:lnTo>
+                    <a:pt x="8842" y="11716"/>
+                  </a:lnTo>
+                  <a:lnTo>
+                    <a:pt x="9036" y="11423"/>
+                  </a:lnTo>
+                  <a:lnTo>
+                    <a:pt x="9158" y="11131"/>
+                  </a:lnTo>
+                  <a:lnTo>
+                    <a:pt x="9280" y="10814"/>
+                  </a:lnTo>
+                  <a:lnTo>
+                    <a:pt x="9353" y="10498"/>
+                  </a:lnTo>
+                  <a:lnTo>
+                    <a:pt x="9402" y="10181"/>
+                  </a:lnTo>
+                  <a:lnTo>
+                    <a:pt x="9426" y="9889"/>
+                  </a:lnTo>
+                  <a:lnTo>
+                    <a:pt x="9426" y="9597"/>
+                  </a:lnTo>
+                  <a:lnTo>
+                    <a:pt x="9426" y="9597"/>
+                  </a:lnTo>
+                  <a:lnTo>
+                    <a:pt x="9426" y="9280"/>
+                  </a:lnTo>
+                  <a:lnTo>
+                    <a:pt x="9402" y="8964"/>
+                  </a:lnTo>
+                  <a:lnTo>
+                    <a:pt x="9353" y="8647"/>
+                  </a:lnTo>
+                  <a:lnTo>
+                    <a:pt x="9280" y="8330"/>
+                  </a:lnTo>
+                  <a:lnTo>
+                    <a:pt x="9231" y="8038"/>
+                  </a:lnTo>
+                  <a:lnTo>
+                    <a:pt x="9134" y="7746"/>
+                  </a:lnTo>
+                  <a:lnTo>
+                    <a:pt x="9036" y="7502"/>
+                  </a:lnTo>
+                  <a:lnTo>
+                    <a:pt x="8939" y="7259"/>
+                  </a:lnTo>
+                  <a:lnTo>
+                    <a:pt x="12130" y="4093"/>
+                  </a:lnTo>
+                </a:path>
+              </a:pathLst>
+            </a:custGeom>
+            <a:noFill/>
+            <a:ln w="9525" cap="rnd" cmpd="sng">
+              <a:solidFill>
+                <a:srgbClr val="000000"/>
+              </a:solidFill>
+              <a:prstDash val="solid"/>
+              <a:round/>
+              <a:headEnd type="none" w="med" len="med"/>
+              <a:tailEnd type="none" w="med" len="med"/>
+            </a:ln>
+          </p:spPr>
+          <p:txBody>
+            <a:bodyPr lIns="91425" tIns="91425" rIns="91425" bIns="91425" anchor="ctr" anchorCtr="0">
+              <a:noAutofit/>
+            </a:bodyPr>
+            <a:lstStyle/>
+            <a:p>
+              <a:pPr lvl="0">
+                <a:spcBef>
+                  <a:spcPts val="0"/>
+                </a:spcBef>
+                <a:buNone/>
+              </a:pPr>
+              <a:endParaRPr/>
+            </a:p>
+          </p:txBody>
+        </p:sp>
+        <p:sp>
+          <p:nvSpPr>
+            <p:cNvPr id="8" name="Shape 117"/>
+            <p:cNvSpPr/>
+            <p:nvPr/>
+          </p:nvSpPr>
+          <p:spPr>
+            <a:xfrm>
+              <a:off x="2814911" y="1754061"/>
+              <a:ext cx="49950" cy="49950"/>
+            </a:xfrm>
+            <a:custGeom>
+              <a:avLst/>
+              <a:gdLst/>
+              <a:ahLst/>
+              <a:cxnLst/>
+              <a:rect l="0" t="0" r="0" b="0"/>
+              <a:pathLst>
+                <a:path w="1998" h="1998" fill="none" extrusionOk="0">
+                  <a:moveTo>
+                    <a:pt x="1" y="1997"/>
+                  </a:moveTo>
+                  <a:lnTo>
+                    <a:pt x="1998" y="0"/>
+                  </a:lnTo>
+                </a:path>
+              </a:pathLst>
+            </a:custGeom>
+            <a:noFill/>
+            <a:ln w="9525" cap="rnd" cmpd="sng">
+              <a:solidFill>
+                <a:srgbClr val="000000"/>
+              </a:solidFill>
+              <a:prstDash val="solid"/>
+              <a:round/>
+              <a:headEnd type="none" w="med" len="med"/>
+              <a:tailEnd type="none" w="med" len="med"/>
+            </a:ln>
+          </p:spPr>
+          <p:txBody>
+            <a:bodyPr lIns="91425" tIns="91425" rIns="91425" bIns="91425" anchor="ctr" anchorCtr="0">
+              <a:noAutofit/>
+            </a:bodyPr>
+            <a:lstStyle/>
+            <a:p>
+              <a:pPr lvl="0">
+                <a:spcBef>
+                  <a:spcPts val="0"/>
+                </a:spcBef>
+                <a:buNone/>
+              </a:pPr>
+              <a:endParaRPr/>
+            </a:p>
+          </p:txBody>
+        </p:sp>
+      </p:grpSp>
+    </p:spTree>
+    <p:extLst>
+      <p:ext uri="{BB962C8B-B14F-4D97-AF65-F5344CB8AC3E}">
+        <p14:creationId xmlns:p14="http://schemas.microsoft.com/office/powerpoint/2010/main" val="848149863"/>
+      </p:ext>
+    </p:extLst>
+  </p:cSld>
+  <p:clrMapOvr>
+    <a:masterClrMapping/>
+  </p:clrMapOvr>
+</p:sld>
+</file>
+
+<file path=ppt/slides/slide56.xml><?xml version="1.0" encoding="utf-8"?>
+<p:sld xmlns:a="http://schemas.openxmlformats.org/drawingml/2006/main" xmlns:r="http://schemas.openxmlformats.org/officeDocument/2006/relationships" xmlns:p="http://schemas.openxmlformats.org/presentationml/2006/main">
+  <p:cSld>
+    <p:spTree>
+      <p:nvGrpSpPr>
+        <p:cNvPr id="1" name=""/>
+        <p:cNvGrpSpPr/>
+        <p:nvPr/>
+      </p:nvGrpSpPr>
+      <p:grpSpPr>
+        <a:xfrm>
+          <a:off x="0" y="0"/>
+          <a:ext cx="0" cy="0"/>
+          <a:chOff x="0" y="0"/>
+          <a:chExt cx="0" cy="0"/>
+        </a:xfrm>
+      </p:grpSpPr>
+      <p:sp>
+        <p:nvSpPr>
+          <p:cNvPr id="2" name="Titel 1"/>
+          <p:cNvSpPr>
+            <a:spLocks noGrp="1"/>
+          </p:cNvSpPr>
+          <p:nvPr>
+            <p:ph type="title"/>
+          </p:nvPr>
+        </p:nvSpPr>
+        <p:spPr/>
+        <p:txBody>
+          <a:bodyPr/>
+          <a:lstStyle/>
+          <a:p>
+            <a:r>
+              <a:rPr lang="de-DE" dirty="0"/>
+              <a:t>Erfahrungen</a:t>
+            </a:r>
+          </a:p>
+        </p:txBody>
+      </p:sp>
+      <p:sp>
+        <p:nvSpPr>
+          <p:cNvPr id="3" name="Textplatzhalter 2"/>
+          <p:cNvSpPr>
+            <a:spLocks noGrp="1"/>
+          </p:cNvSpPr>
+          <p:nvPr>
+            <p:ph type="body" idx="1"/>
+          </p:nvPr>
+        </p:nvSpPr>
+        <p:spPr/>
+        <p:txBody>
+          <a:bodyPr/>
+          <a:lstStyle/>
+          <a:p>
+            <a:r>
+              <a:rPr lang="de-DE" dirty="0"/>
+              <a:t>Einige Probleme im „Game“-Modul aufgefallen</a:t>
+            </a:r>
+          </a:p>
+          <a:p>
+            <a:pPr marL="342900" indent="-342900">
+              <a:buFont typeface="Wingdings" panose="05000000000000000000" pitchFamily="2" charset="2"/>
+              <a:buChar char="Ø"/>
+            </a:pPr>
+            <a:r>
+              <a:rPr lang="de-DE" dirty="0"/>
+              <a:t>Alle Probleme beseitigt…</a:t>
+            </a:r>
+          </a:p>
+          <a:p>
+            <a:pPr marL="342900" indent="-342900">
+              <a:buFont typeface="Wingdings" panose="05000000000000000000" pitchFamily="2" charset="2"/>
+              <a:buChar char="Ø"/>
+            </a:pPr>
+            <a:r>
+              <a:rPr lang="de-DE" dirty="0"/>
+              <a:t>Anschließend liefen alle Tests Erfolgreich ab</a:t>
+            </a:r>
+          </a:p>
+          <a:p>
+            <a:pPr marL="342900" indent="-342900">
+              <a:buFont typeface="Wingdings" panose="05000000000000000000" pitchFamily="2" charset="2"/>
+              <a:buChar char="ü"/>
+            </a:pPr>
+            <a:endParaRPr lang="de-DE" dirty="0"/>
+          </a:p>
+        </p:txBody>
+      </p:sp>
+      <p:grpSp>
+        <p:nvGrpSpPr>
+          <p:cNvPr id="4" name="Shape 113"/>
+          <p:cNvGrpSpPr/>
+          <p:nvPr/>
+        </p:nvGrpSpPr>
+        <p:grpSpPr>
+          <a:xfrm>
+            <a:off x="916458" y="1019750"/>
+            <a:ext cx="214624" cy="214624"/>
+            <a:chOff x="2594050" y="1631825"/>
+            <a:chExt cx="439625" cy="439625"/>
+          </a:xfrm>
+        </p:grpSpPr>
+        <p:sp>
+          <p:nvSpPr>
+            <p:cNvPr id="5" name="Shape 114"/>
+            <p:cNvSpPr/>
+            <p:nvPr/>
+          </p:nvSpPr>
+          <p:spPr>
+            <a:xfrm>
+              <a:off x="2594050" y="1883300"/>
+              <a:ext cx="188175" cy="188150"/>
+            </a:xfrm>
+            <a:custGeom>
+              <a:avLst/>
+              <a:gdLst/>
+              <a:ahLst/>
+              <a:cxnLst/>
+              <a:rect l="0" t="0" r="0" b="0"/>
+              <a:pathLst>
+                <a:path w="7527" h="7526" fill="none" extrusionOk="0">
+                  <a:moveTo>
+                    <a:pt x="5992" y="0"/>
+                  </a:moveTo>
+                  <a:lnTo>
+                    <a:pt x="537" y="6430"/>
+                  </a:lnTo>
+                  <a:lnTo>
+                    <a:pt x="1" y="7526"/>
+                  </a:lnTo>
+                  <a:lnTo>
+                    <a:pt x="1097" y="6990"/>
+                  </a:lnTo>
+                  <a:lnTo>
+                    <a:pt x="7526" y="1534"/>
+                  </a:lnTo>
+                  <a:lnTo>
+                    <a:pt x="5992" y="0"/>
+                  </a:lnTo>
+                  <a:close/>
+                </a:path>
+              </a:pathLst>
+            </a:custGeom>
+            <a:noFill/>
+            <a:ln w="9525" cap="rnd" cmpd="sng">
+              <a:solidFill>
+                <a:srgbClr val="000000"/>
+              </a:solidFill>
+              <a:prstDash val="solid"/>
+              <a:round/>
+              <a:headEnd type="none" w="med" len="med"/>
+              <a:tailEnd type="none" w="med" len="med"/>
+            </a:ln>
+          </p:spPr>
+          <p:txBody>
+            <a:bodyPr lIns="91425" tIns="91425" rIns="91425" bIns="91425" anchor="ctr" anchorCtr="0">
+              <a:noAutofit/>
+            </a:bodyPr>
+            <a:lstStyle/>
+            <a:p>
+              <a:pPr lvl="0">
+                <a:spcBef>
+                  <a:spcPts val="0"/>
+                </a:spcBef>
+                <a:buNone/>
+              </a:pPr>
+              <a:endParaRPr/>
+            </a:p>
+          </p:txBody>
+        </p:sp>
+        <p:sp>
+          <p:nvSpPr>
+            <p:cNvPr id="6" name="Shape 115"/>
+            <p:cNvSpPr/>
+            <p:nvPr/>
+          </p:nvSpPr>
+          <p:spPr>
+            <a:xfrm>
+              <a:off x="2857700" y="1631825"/>
+              <a:ext cx="175975" cy="176000"/>
+            </a:xfrm>
+            <a:custGeom>
+              <a:avLst/>
+              <a:gdLst/>
+              <a:ahLst/>
+              <a:cxnLst/>
+              <a:rect l="0" t="0" r="0" b="0"/>
+              <a:pathLst>
+                <a:path w="7039" h="7040" fill="none" extrusionOk="0">
+                  <a:moveTo>
+                    <a:pt x="268" y="2704"/>
+                  </a:moveTo>
+                  <a:lnTo>
+                    <a:pt x="4336" y="6771"/>
+                  </a:lnTo>
+                  <a:lnTo>
+                    <a:pt x="4336" y="6771"/>
+                  </a:lnTo>
+                  <a:lnTo>
+                    <a:pt x="4336" y="6771"/>
+                  </a:lnTo>
+                  <a:lnTo>
+                    <a:pt x="4652" y="6917"/>
+                  </a:lnTo>
+                  <a:lnTo>
+                    <a:pt x="4993" y="7015"/>
+                  </a:lnTo>
+                  <a:lnTo>
+                    <a:pt x="5310" y="7039"/>
+                  </a:lnTo>
+                  <a:lnTo>
+                    <a:pt x="5651" y="7039"/>
+                  </a:lnTo>
+                  <a:lnTo>
+                    <a:pt x="5992" y="6966"/>
+                  </a:lnTo>
+                  <a:lnTo>
+                    <a:pt x="6308" y="6844"/>
+                  </a:lnTo>
+                  <a:lnTo>
+                    <a:pt x="6454" y="6747"/>
+                  </a:lnTo>
+                  <a:lnTo>
+                    <a:pt x="6601" y="6674"/>
+                  </a:lnTo>
+                  <a:lnTo>
+                    <a:pt x="6747" y="6552"/>
+                  </a:lnTo>
+                  <a:lnTo>
+                    <a:pt x="6893" y="6430"/>
+                  </a:lnTo>
+                  <a:lnTo>
+                    <a:pt x="6893" y="6430"/>
+                  </a:lnTo>
+                  <a:lnTo>
+                    <a:pt x="6942" y="6357"/>
+                  </a:lnTo>
+                  <a:lnTo>
+                    <a:pt x="7015" y="6260"/>
+                  </a:lnTo>
+                  <a:lnTo>
+                    <a:pt x="7039" y="6138"/>
+                  </a:lnTo>
+                  <a:lnTo>
+                    <a:pt x="7039" y="6041"/>
+                  </a:lnTo>
+                  <a:lnTo>
+                    <a:pt x="7039" y="6041"/>
+                  </a:lnTo>
+                  <a:lnTo>
+                    <a:pt x="7039" y="5943"/>
+                  </a:lnTo>
+                  <a:lnTo>
+                    <a:pt x="7015" y="5846"/>
+                  </a:lnTo>
+                  <a:lnTo>
+                    <a:pt x="6942" y="5748"/>
+                  </a:lnTo>
+                  <a:lnTo>
+                    <a:pt x="6893" y="5651"/>
+                  </a:lnTo>
+                  <a:lnTo>
+                    <a:pt x="1389" y="147"/>
+                  </a:lnTo>
+                  <a:lnTo>
+                    <a:pt x="1389" y="147"/>
+                  </a:lnTo>
+                  <a:lnTo>
+                    <a:pt x="1291" y="98"/>
+                  </a:lnTo>
+                  <a:lnTo>
+                    <a:pt x="1194" y="25"/>
+                  </a:lnTo>
+                  <a:lnTo>
+                    <a:pt x="1096" y="0"/>
+                  </a:lnTo>
+                  <a:lnTo>
+                    <a:pt x="999" y="0"/>
+                  </a:lnTo>
+                  <a:lnTo>
+                    <a:pt x="999" y="0"/>
+                  </a:lnTo>
+                  <a:lnTo>
+                    <a:pt x="902" y="0"/>
+                  </a:lnTo>
+                  <a:lnTo>
+                    <a:pt x="780" y="25"/>
+                  </a:lnTo>
+                  <a:lnTo>
+                    <a:pt x="682" y="98"/>
+                  </a:lnTo>
+                  <a:lnTo>
+                    <a:pt x="609" y="147"/>
+                  </a:lnTo>
+                  <a:lnTo>
+                    <a:pt x="609" y="147"/>
+                  </a:lnTo>
+                  <a:lnTo>
+                    <a:pt x="487" y="293"/>
+                  </a:lnTo>
+                  <a:lnTo>
+                    <a:pt x="366" y="439"/>
+                  </a:lnTo>
+                  <a:lnTo>
+                    <a:pt x="293" y="585"/>
+                  </a:lnTo>
+                  <a:lnTo>
+                    <a:pt x="195" y="731"/>
+                  </a:lnTo>
+                  <a:lnTo>
+                    <a:pt x="73" y="1048"/>
+                  </a:lnTo>
+                  <a:lnTo>
+                    <a:pt x="0" y="1389"/>
+                  </a:lnTo>
+                  <a:lnTo>
+                    <a:pt x="0" y="1730"/>
+                  </a:lnTo>
+                  <a:lnTo>
+                    <a:pt x="25" y="2046"/>
+                  </a:lnTo>
+                  <a:lnTo>
+                    <a:pt x="122" y="2387"/>
+                  </a:lnTo>
+                  <a:lnTo>
+                    <a:pt x="268" y="2704"/>
+                  </a:lnTo>
+                  <a:lnTo>
+                    <a:pt x="268" y="2704"/>
+                  </a:lnTo>
+                  <a:close/>
+                </a:path>
+              </a:pathLst>
+            </a:custGeom>
+            <a:noFill/>
+            <a:ln w="9525" cap="rnd" cmpd="sng">
+              <a:solidFill>
+                <a:srgbClr val="000000"/>
+              </a:solidFill>
+              <a:prstDash val="solid"/>
+              <a:round/>
+              <a:headEnd type="none" w="med" len="med"/>
+              <a:tailEnd type="none" w="med" len="med"/>
+            </a:ln>
+          </p:spPr>
+          <p:txBody>
+            <a:bodyPr lIns="91425" tIns="91425" rIns="91425" bIns="91425" anchor="ctr" anchorCtr="0">
+              <a:noAutofit/>
+            </a:bodyPr>
+            <a:lstStyle/>
+            <a:p>
+              <a:pPr lvl="0">
+                <a:spcBef>
+                  <a:spcPts val="0"/>
+                </a:spcBef>
+                <a:buNone/>
+              </a:pPr>
+              <a:endParaRPr/>
+            </a:p>
+          </p:txBody>
+        </p:sp>
+        <p:sp>
+          <p:nvSpPr>
+            <p:cNvPr id="7" name="Shape 116"/>
+            <p:cNvSpPr/>
+            <p:nvPr/>
+          </p:nvSpPr>
+          <p:spPr>
+            <a:xfrm>
+              <a:off x="2662850" y="1699400"/>
+              <a:ext cx="303250" cy="303250"/>
+            </a:xfrm>
+            <a:custGeom>
+              <a:avLst/>
+              <a:gdLst/>
+              <a:ahLst/>
+              <a:cxnLst/>
+              <a:rect l="0" t="0" r="0" b="0"/>
+              <a:pathLst>
+                <a:path w="12130" h="12130" fill="none" extrusionOk="0">
+                  <a:moveTo>
+                    <a:pt x="8038" y="1"/>
+                  </a:moveTo>
+                  <a:lnTo>
+                    <a:pt x="4872" y="3191"/>
+                  </a:lnTo>
+                  <a:lnTo>
+                    <a:pt x="4872" y="3191"/>
+                  </a:lnTo>
+                  <a:lnTo>
+                    <a:pt x="4628" y="3094"/>
+                  </a:lnTo>
+                  <a:lnTo>
+                    <a:pt x="4385" y="2997"/>
+                  </a:lnTo>
+                  <a:lnTo>
+                    <a:pt x="4092" y="2899"/>
+                  </a:lnTo>
+                  <a:lnTo>
+                    <a:pt x="3800" y="2850"/>
+                  </a:lnTo>
+                  <a:lnTo>
+                    <a:pt x="3484" y="2777"/>
+                  </a:lnTo>
+                  <a:lnTo>
+                    <a:pt x="3167" y="2729"/>
+                  </a:lnTo>
+                  <a:lnTo>
+                    <a:pt x="2850" y="2704"/>
+                  </a:lnTo>
+                  <a:lnTo>
+                    <a:pt x="2534" y="2704"/>
+                  </a:lnTo>
+                  <a:lnTo>
+                    <a:pt x="2534" y="2704"/>
+                  </a:lnTo>
+                  <a:lnTo>
+                    <a:pt x="2241" y="2704"/>
+                  </a:lnTo>
+                  <a:lnTo>
+                    <a:pt x="1949" y="2729"/>
+                  </a:lnTo>
+                  <a:lnTo>
+                    <a:pt x="1633" y="2777"/>
+                  </a:lnTo>
+                  <a:lnTo>
+                    <a:pt x="1316" y="2850"/>
+                  </a:lnTo>
+                  <a:lnTo>
+                    <a:pt x="999" y="2972"/>
+                  </a:lnTo>
+                  <a:lnTo>
+                    <a:pt x="707" y="3094"/>
+                  </a:lnTo>
+                  <a:lnTo>
+                    <a:pt x="415" y="3289"/>
+                  </a:lnTo>
+                  <a:lnTo>
+                    <a:pt x="147" y="3508"/>
+                  </a:lnTo>
+                  <a:lnTo>
+                    <a:pt x="147" y="3508"/>
+                  </a:lnTo>
+                  <a:lnTo>
+                    <a:pt x="74" y="3581"/>
+                  </a:lnTo>
+                  <a:lnTo>
+                    <a:pt x="25" y="3678"/>
+                  </a:lnTo>
+                  <a:lnTo>
+                    <a:pt x="1" y="3776"/>
+                  </a:lnTo>
+                  <a:lnTo>
+                    <a:pt x="1" y="3898"/>
+                  </a:lnTo>
+                  <a:lnTo>
+                    <a:pt x="1" y="3898"/>
+                  </a:lnTo>
+                  <a:lnTo>
+                    <a:pt x="1" y="3995"/>
+                  </a:lnTo>
+                  <a:lnTo>
+                    <a:pt x="25" y="4093"/>
+                  </a:lnTo>
+                  <a:lnTo>
+                    <a:pt x="74" y="4190"/>
+                  </a:lnTo>
+                  <a:lnTo>
+                    <a:pt x="147" y="4287"/>
+                  </a:lnTo>
+                  <a:lnTo>
+                    <a:pt x="7843" y="11984"/>
+                  </a:lnTo>
+                  <a:lnTo>
+                    <a:pt x="7843" y="11984"/>
+                  </a:lnTo>
+                  <a:lnTo>
+                    <a:pt x="7941" y="12057"/>
+                  </a:lnTo>
+                  <a:lnTo>
+                    <a:pt x="8038" y="12105"/>
+                  </a:lnTo>
+                  <a:lnTo>
+                    <a:pt x="8135" y="12130"/>
+                  </a:lnTo>
+                  <a:lnTo>
+                    <a:pt x="8233" y="12130"/>
+                  </a:lnTo>
+                  <a:lnTo>
+                    <a:pt x="8233" y="12130"/>
+                  </a:lnTo>
+                  <a:lnTo>
+                    <a:pt x="8355" y="12130"/>
+                  </a:lnTo>
+                  <a:lnTo>
+                    <a:pt x="8452" y="12105"/>
+                  </a:lnTo>
+                  <a:lnTo>
+                    <a:pt x="8549" y="12057"/>
+                  </a:lnTo>
+                  <a:lnTo>
+                    <a:pt x="8622" y="11984"/>
+                  </a:lnTo>
+                  <a:lnTo>
+                    <a:pt x="8622" y="11984"/>
+                  </a:lnTo>
+                  <a:lnTo>
+                    <a:pt x="8842" y="11716"/>
+                  </a:lnTo>
+                  <a:lnTo>
+                    <a:pt x="9036" y="11423"/>
+                  </a:lnTo>
+                  <a:lnTo>
+                    <a:pt x="9158" y="11131"/>
+                  </a:lnTo>
+                  <a:lnTo>
+                    <a:pt x="9280" y="10814"/>
+                  </a:lnTo>
+                  <a:lnTo>
+                    <a:pt x="9353" y="10498"/>
+                  </a:lnTo>
+                  <a:lnTo>
+                    <a:pt x="9402" y="10181"/>
+                  </a:lnTo>
+                  <a:lnTo>
+                    <a:pt x="9426" y="9889"/>
+                  </a:lnTo>
+                  <a:lnTo>
+                    <a:pt x="9426" y="9597"/>
+                  </a:lnTo>
+                  <a:lnTo>
+                    <a:pt x="9426" y="9597"/>
+                  </a:lnTo>
+                  <a:lnTo>
+                    <a:pt x="9426" y="9280"/>
+                  </a:lnTo>
+                  <a:lnTo>
+                    <a:pt x="9402" y="8964"/>
+                  </a:lnTo>
+                  <a:lnTo>
+                    <a:pt x="9353" y="8647"/>
+                  </a:lnTo>
+                  <a:lnTo>
+                    <a:pt x="9280" y="8330"/>
+                  </a:lnTo>
+                  <a:lnTo>
+                    <a:pt x="9231" y="8038"/>
+                  </a:lnTo>
+                  <a:lnTo>
+                    <a:pt x="9134" y="7746"/>
+                  </a:lnTo>
+                  <a:lnTo>
+                    <a:pt x="9036" y="7502"/>
+                  </a:lnTo>
+                  <a:lnTo>
+                    <a:pt x="8939" y="7259"/>
+                  </a:lnTo>
+                  <a:lnTo>
+                    <a:pt x="12130" y="4093"/>
+                  </a:lnTo>
+                </a:path>
+              </a:pathLst>
+            </a:custGeom>
+            <a:noFill/>
+            <a:ln w="9525" cap="rnd" cmpd="sng">
+              <a:solidFill>
+                <a:srgbClr val="000000"/>
+              </a:solidFill>
+              <a:prstDash val="solid"/>
+              <a:round/>
+              <a:headEnd type="none" w="med" len="med"/>
+              <a:tailEnd type="none" w="med" len="med"/>
+            </a:ln>
+          </p:spPr>
+          <p:txBody>
+            <a:bodyPr lIns="91425" tIns="91425" rIns="91425" bIns="91425" anchor="ctr" anchorCtr="0">
+              <a:noAutofit/>
+            </a:bodyPr>
+            <a:lstStyle/>
+            <a:p>
+              <a:pPr lvl="0">
+                <a:spcBef>
+                  <a:spcPts val="0"/>
+                </a:spcBef>
+                <a:buNone/>
+              </a:pPr>
+              <a:endParaRPr/>
+            </a:p>
+          </p:txBody>
+        </p:sp>
+        <p:sp>
+          <p:nvSpPr>
+            <p:cNvPr id="8" name="Shape 117"/>
+            <p:cNvSpPr/>
+            <p:nvPr/>
+          </p:nvSpPr>
+          <p:spPr>
+            <a:xfrm>
+              <a:off x="2814911" y="1754061"/>
+              <a:ext cx="49950" cy="49950"/>
+            </a:xfrm>
+            <a:custGeom>
+              <a:avLst/>
+              <a:gdLst/>
+              <a:ahLst/>
+              <a:cxnLst/>
+              <a:rect l="0" t="0" r="0" b="0"/>
+              <a:pathLst>
+                <a:path w="1998" h="1998" fill="none" extrusionOk="0">
+                  <a:moveTo>
+                    <a:pt x="1" y="1997"/>
+                  </a:moveTo>
+                  <a:lnTo>
+                    <a:pt x="1998" y="0"/>
+                  </a:lnTo>
+                </a:path>
+              </a:pathLst>
+            </a:custGeom>
+            <a:noFill/>
+            <a:ln w="9525" cap="rnd" cmpd="sng">
+              <a:solidFill>
+                <a:srgbClr val="000000"/>
+              </a:solidFill>
+              <a:prstDash val="solid"/>
+              <a:round/>
+              <a:headEnd type="none" w="med" len="med"/>
+              <a:tailEnd type="none" w="med" len="med"/>
+            </a:ln>
+          </p:spPr>
+          <p:txBody>
+            <a:bodyPr lIns="91425" tIns="91425" rIns="91425" bIns="91425" anchor="ctr" anchorCtr="0">
+              <a:noAutofit/>
+            </a:bodyPr>
+            <a:lstStyle/>
+            <a:p>
+              <a:pPr lvl="0">
+                <a:spcBef>
+                  <a:spcPts val="0"/>
+                </a:spcBef>
+                <a:buNone/>
+              </a:pPr>
+              <a:endParaRPr/>
+            </a:p>
+          </p:txBody>
+        </p:sp>
+      </p:grpSp>
+    </p:spTree>
+    <p:extLst>
+      <p:ext uri="{BB962C8B-B14F-4D97-AF65-F5344CB8AC3E}">
+        <p14:creationId xmlns:p14="http://schemas.microsoft.com/office/powerpoint/2010/main" val="2022624864"/>
+      </p:ext>
+    </p:extLst>
+  </p:cSld>
+  <p:clrMapOvr>
+    <a:masterClrMapping/>
+  </p:clrMapOvr>
+</p:sld>
+</file>
+
+<file path=ppt/slides/slide57.xml><?xml version="1.0" encoding="utf-8"?>
+<p:sld xmlns:a="http://schemas.openxmlformats.org/drawingml/2006/main" xmlns:r="http://schemas.openxmlformats.org/officeDocument/2006/relationships" xmlns:p="http://schemas.openxmlformats.org/presentationml/2006/main">
+  <p:cSld>
+    <p:spTree>
+      <p:nvGrpSpPr>
+        <p:cNvPr id="1" name=""/>
+        <p:cNvGrpSpPr/>
+        <p:nvPr/>
+      </p:nvGrpSpPr>
+      <p:grpSpPr>
+        <a:xfrm>
+          <a:off x="0" y="0"/>
+          <a:ext cx="0" cy="0"/>
+          <a:chOff x="0" y="0"/>
+          <a:chExt cx="0" cy="0"/>
+        </a:xfrm>
+      </p:grpSpPr>
+      <p:sp>
+        <p:nvSpPr>
+          <p:cNvPr id="2" name="Titel 1"/>
+          <p:cNvSpPr>
+            <a:spLocks noGrp="1"/>
+          </p:cNvSpPr>
+          <p:nvPr>
+            <p:ph type="title"/>
+          </p:nvPr>
+        </p:nvSpPr>
+        <p:spPr/>
+        <p:txBody>
+          <a:bodyPr/>
+          <a:lstStyle/>
+          <a:p>
+            <a:r>
+              <a:rPr lang="de-DE" dirty="0"/>
+              <a:t>Abschluss – Probleme</a:t>
+            </a:r>
+          </a:p>
+        </p:txBody>
+      </p:sp>
+      <p:sp>
+        <p:nvSpPr>
+          <p:cNvPr id="3" name="Textplatzhalter 2"/>
+          <p:cNvSpPr>
+            <a:spLocks noGrp="1"/>
+          </p:cNvSpPr>
+          <p:nvPr>
+            <p:ph type="body" idx="1"/>
+          </p:nvPr>
+        </p:nvSpPr>
+        <p:spPr/>
+        <p:txBody>
+          <a:bodyPr/>
+          <a:lstStyle/>
+          <a:p>
+            <a:r>
+              <a:rPr lang="de-DE" dirty="0"/>
+              <a:t>Bis hin zur Implementierung alles einwandfrei</a:t>
+            </a:r>
+          </a:p>
+          <a:p>
+            <a:r>
+              <a:rPr lang="de-DE" dirty="0"/>
+              <a:t>Abschließende Implementierung der </a:t>
+            </a:r>
+            <a:r>
+              <a:rPr lang="de-DE" dirty="0" err="1"/>
+              <a:t>Gui</a:t>
+            </a:r>
+            <a:r>
+              <a:rPr lang="de-DE" dirty="0"/>
+              <a:t> &amp; Tests verlief zu spät</a:t>
+            </a:r>
+          </a:p>
+          <a:p>
+            <a:pPr marL="342900" indent="-342900">
+              <a:buFont typeface="Wingdings" panose="05000000000000000000" pitchFamily="2" charset="2"/>
+              <a:buChar char="Ø"/>
+            </a:pPr>
+            <a:r>
+              <a:rPr lang="de-DE" dirty="0"/>
+              <a:t>Zusätzlich zur Umstrukturierung durch Mitgliedsauscheiden…</a:t>
+            </a:r>
+          </a:p>
+          <a:p>
+            <a:pPr marL="342900" indent="-342900">
+              <a:buFont typeface="Wingdings" panose="05000000000000000000" pitchFamily="2" charset="2"/>
+              <a:buChar char="Ø"/>
+            </a:pPr>
+            <a:r>
+              <a:rPr lang="de-DE" dirty="0"/>
+              <a:t>Mussten Tester die </a:t>
+            </a:r>
+            <a:r>
+              <a:rPr lang="de-DE" dirty="0" err="1"/>
+              <a:t>Gui</a:t>
+            </a:r>
+            <a:r>
+              <a:rPr lang="de-DE" dirty="0"/>
+              <a:t> übernehmen…</a:t>
+            </a:r>
+          </a:p>
+          <a:p>
+            <a:pPr marL="342900" indent="-342900">
+              <a:buFont typeface="Wingdings" panose="05000000000000000000" pitchFamily="2" charset="2"/>
+              <a:buChar char="Ø"/>
+            </a:pPr>
+            <a:r>
+              <a:rPr lang="de-DE" dirty="0">
+                <a:solidFill>
+                  <a:srgbClr val="FF0000"/>
+                </a:solidFill>
+              </a:rPr>
+              <a:t>Dadurch gab es abstriche bei den Tests und der Dokumentation</a:t>
+            </a:r>
+            <a:r>
+              <a:rPr lang="de-DE" dirty="0"/>
+              <a:t> </a:t>
+            </a:r>
+          </a:p>
+        </p:txBody>
+      </p:sp>
+      <p:grpSp>
+        <p:nvGrpSpPr>
+          <p:cNvPr id="4" name="Shape 113"/>
+          <p:cNvGrpSpPr/>
+          <p:nvPr/>
+        </p:nvGrpSpPr>
+        <p:grpSpPr>
+          <a:xfrm>
+            <a:off x="916458" y="1019750"/>
+            <a:ext cx="214624" cy="214624"/>
+            <a:chOff x="2594050" y="1631825"/>
+            <a:chExt cx="439625" cy="439625"/>
+          </a:xfrm>
+        </p:grpSpPr>
+        <p:sp>
+          <p:nvSpPr>
+            <p:cNvPr id="5" name="Shape 114"/>
+            <p:cNvSpPr/>
+            <p:nvPr/>
+          </p:nvSpPr>
+          <p:spPr>
+            <a:xfrm>
+              <a:off x="2594050" y="1883300"/>
+              <a:ext cx="188175" cy="188150"/>
+            </a:xfrm>
+            <a:custGeom>
+              <a:avLst/>
+              <a:gdLst/>
+              <a:ahLst/>
+              <a:cxnLst/>
+              <a:rect l="0" t="0" r="0" b="0"/>
+              <a:pathLst>
+                <a:path w="7527" h="7526" fill="none" extrusionOk="0">
+                  <a:moveTo>
+                    <a:pt x="5992" y="0"/>
+                  </a:moveTo>
+                  <a:lnTo>
+                    <a:pt x="537" y="6430"/>
+                  </a:lnTo>
+                  <a:lnTo>
+                    <a:pt x="1" y="7526"/>
+                  </a:lnTo>
+                  <a:lnTo>
+                    <a:pt x="1097" y="6990"/>
+                  </a:lnTo>
+                  <a:lnTo>
+                    <a:pt x="7526" y="1534"/>
+                  </a:lnTo>
+                  <a:lnTo>
+                    <a:pt x="5992" y="0"/>
+                  </a:lnTo>
+                  <a:close/>
+                </a:path>
+              </a:pathLst>
+            </a:custGeom>
+            <a:noFill/>
+            <a:ln w="9525" cap="rnd" cmpd="sng">
+              <a:solidFill>
+                <a:srgbClr val="000000"/>
+              </a:solidFill>
+              <a:prstDash val="solid"/>
+              <a:round/>
+              <a:headEnd type="none" w="med" len="med"/>
+              <a:tailEnd type="none" w="med" len="med"/>
+            </a:ln>
+          </p:spPr>
+          <p:txBody>
+            <a:bodyPr lIns="91425" tIns="91425" rIns="91425" bIns="91425" anchor="ctr" anchorCtr="0">
+              <a:noAutofit/>
+            </a:bodyPr>
+            <a:lstStyle/>
+            <a:p>
+              <a:pPr lvl="0">
+                <a:spcBef>
+                  <a:spcPts val="0"/>
+                </a:spcBef>
+                <a:buNone/>
+              </a:pPr>
+              <a:endParaRPr/>
+            </a:p>
+          </p:txBody>
+        </p:sp>
+        <p:sp>
+          <p:nvSpPr>
+            <p:cNvPr id="6" name="Shape 115"/>
+            <p:cNvSpPr/>
+            <p:nvPr/>
+          </p:nvSpPr>
+          <p:spPr>
+            <a:xfrm>
+              <a:off x="2857700" y="1631825"/>
+              <a:ext cx="175975" cy="176000"/>
+            </a:xfrm>
+            <a:custGeom>
+              <a:avLst/>
+              <a:gdLst/>
+              <a:ahLst/>
+              <a:cxnLst/>
+              <a:rect l="0" t="0" r="0" b="0"/>
+              <a:pathLst>
+                <a:path w="7039" h="7040" fill="none" extrusionOk="0">
+                  <a:moveTo>
+                    <a:pt x="268" y="2704"/>
+                  </a:moveTo>
+                  <a:lnTo>
+                    <a:pt x="4336" y="6771"/>
+                  </a:lnTo>
+                  <a:lnTo>
+                    <a:pt x="4336" y="6771"/>
+                  </a:lnTo>
+                  <a:lnTo>
+                    <a:pt x="4336" y="6771"/>
+                  </a:lnTo>
+                  <a:lnTo>
+                    <a:pt x="4652" y="6917"/>
+                  </a:lnTo>
+                  <a:lnTo>
+                    <a:pt x="4993" y="7015"/>
+                  </a:lnTo>
+                  <a:lnTo>
+                    <a:pt x="5310" y="7039"/>
+                  </a:lnTo>
+                  <a:lnTo>
+                    <a:pt x="5651" y="7039"/>
+                  </a:lnTo>
+                  <a:lnTo>
+                    <a:pt x="5992" y="6966"/>
+                  </a:lnTo>
+                  <a:lnTo>
+                    <a:pt x="6308" y="6844"/>
+                  </a:lnTo>
+                  <a:lnTo>
+                    <a:pt x="6454" y="6747"/>
+                  </a:lnTo>
+                  <a:lnTo>
+                    <a:pt x="6601" y="6674"/>
+                  </a:lnTo>
+                  <a:lnTo>
+                    <a:pt x="6747" y="6552"/>
+                  </a:lnTo>
+                  <a:lnTo>
+                    <a:pt x="6893" y="6430"/>
+                  </a:lnTo>
+                  <a:lnTo>
+                    <a:pt x="6893" y="6430"/>
+                  </a:lnTo>
+                  <a:lnTo>
+                    <a:pt x="6942" y="6357"/>
+                  </a:lnTo>
+                  <a:lnTo>
+                    <a:pt x="7015" y="6260"/>
+                  </a:lnTo>
+                  <a:lnTo>
+                    <a:pt x="7039" y="6138"/>
+                  </a:lnTo>
+                  <a:lnTo>
+                    <a:pt x="7039" y="6041"/>
+                  </a:lnTo>
+                  <a:lnTo>
+                    <a:pt x="7039" y="6041"/>
+                  </a:lnTo>
+                  <a:lnTo>
+                    <a:pt x="7039" y="5943"/>
+                  </a:lnTo>
+                  <a:lnTo>
+                    <a:pt x="7015" y="5846"/>
+                  </a:lnTo>
+                  <a:lnTo>
+                    <a:pt x="6942" y="5748"/>
+                  </a:lnTo>
+                  <a:lnTo>
+                    <a:pt x="6893" y="5651"/>
+                  </a:lnTo>
+                  <a:lnTo>
+                    <a:pt x="1389" y="147"/>
+                  </a:lnTo>
+                  <a:lnTo>
+                    <a:pt x="1389" y="147"/>
+                  </a:lnTo>
+                  <a:lnTo>
+                    <a:pt x="1291" y="98"/>
+                  </a:lnTo>
+                  <a:lnTo>
+                    <a:pt x="1194" y="25"/>
+                  </a:lnTo>
+                  <a:lnTo>
+                    <a:pt x="1096" y="0"/>
+                  </a:lnTo>
+                  <a:lnTo>
+                    <a:pt x="999" y="0"/>
+                  </a:lnTo>
+                  <a:lnTo>
+                    <a:pt x="999" y="0"/>
+                  </a:lnTo>
+                  <a:lnTo>
+                    <a:pt x="902" y="0"/>
+                  </a:lnTo>
+                  <a:lnTo>
+                    <a:pt x="780" y="25"/>
+                  </a:lnTo>
+                  <a:lnTo>
+                    <a:pt x="682" y="98"/>
+                  </a:lnTo>
+                  <a:lnTo>
+                    <a:pt x="609" y="147"/>
+                  </a:lnTo>
+                  <a:lnTo>
+                    <a:pt x="609" y="147"/>
+                  </a:lnTo>
+                  <a:lnTo>
+                    <a:pt x="487" y="293"/>
+                  </a:lnTo>
+                  <a:lnTo>
+                    <a:pt x="366" y="439"/>
+                  </a:lnTo>
+                  <a:lnTo>
+                    <a:pt x="293" y="585"/>
+                  </a:lnTo>
+                  <a:lnTo>
+                    <a:pt x="195" y="731"/>
+                  </a:lnTo>
+                  <a:lnTo>
+                    <a:pt x="73" y="1048"/>
+                  </a:lnTo>
+                  <a:lnTo>
+                    <a:pt x="0" y="1389"/>
+                  </a:lnTo>
+                  <a:lnTo>
+                    <a:pt x="0" y="1730"/>
+                  </a:lnTo>
+                  <a:lnTo>
+                    <a:pt x="25" y="2046"/>
+                  </a:lnTo>
+                  <a:lnTo>
+                    <a:pt x="122" y="2387"/>
+                  </a:lnTo>
+                  <a:lnTo>
+                    <a:pt x="268" y="2704"/>
+                  </a:lnTo>
+                  <a:lnTo>
+                    <a:pt x="268" y="2704"/>
+                  </a:lnTo>
+                  <a:close/>
+                </a:path>
+              </a:pathLst>
+            </a:custGeom>
+            <a:noFill/>
+            <a:ln w="9525" cap="rnd" cmpd="sng">
+              <a:solidFill>
+                <a:srgbClr val="000000"/>
+              </a:solidFill>
+              <a:prstDash val="solid"/>
+              <a:round/>
+              <a:headEnd type="none" w="med" len="med"/>
+              <a:tailEnd type="none" w="med" len="med"/>
+            </a:ln>
+          </p:spPr>
+          <p:txBody>
+            <a:bodyPr lIns="91425" tIns="91425" rIns="91425" bIns="91425" anchor="ctr" anchorCtr="0">
+              <a:noAutofit/>
+            </a:bodyPr>
+            <a:lstStyle/>
+            <a:p>
+              <a:pPr lvl="0">
+                <a:spcBef>
+                  <a:spcPts val="0"/>
+                </a:spcBef>
+                <a:buNone/>
+              </a:pPr>
+              <a:endParaRPr/>
+            </a:p>
+          </p:txBody>
+        </p:sp>
+        <p:sp>
+          <p:nvSpPr>
+            <p:cNvPr id="7" name="Shape 116"/>
+            <p:cNvSpPr/>
+            <p:nvPr/>
+          </p:nvSpPr>
+          <p:spPr>
+            <a:xfrm>
+              <a:off x="2662850" y="1699400"/>
+              <a:ext cx="303250" cy="303250"/>
+            </a:xfrm>
+            <a:custGeom>
+              <a:avLst/>
+              <a:gdLst/>
+              <a:ahLst/>
+              <a:cxnLst/>
+              <a:rect l="0" t="0" r="0" b="0"/>
+              <a:pathLst>
+                <a:path w="12130" h="12130" fill="none" extrusionOk="0">
+                  <a:moveTo>
+                    <a:pt x="8038" y="1"/>
+                  </a:moveTo>
+                  <a:lnTo>
+                    <a:pt x="4872" y="3191"/>
+                  </a:lnTo>
+                  <a:lnTo>
+                    <a:pt x="4872" y="3191"/>
+                  </a:lnTo>
+                  <a:lnTo>
+                    <a:pt x="4628" y="3094"/>
+                  </a:lnTo>
+                  <a:lnTo>
+                    <a:pt x="4385" y="2997"/>
+                  </a:lnTo>
+                  <a:lnTo>
+                    <a:pt x="4092" y="2899"/>
+                  </a:lnTo>
+                  <a:lnTo>
+                    <a:pt x="3800" y="2850"/>
+                  </a:lnTo>
+                  <a:lnTo>
+                    <a:pt x="3484" y="2777"/>
+                  </a:lnTo>
+                  <a:lnTo>
+                    <a:pt x="3167" y="2729"/>
+                  </a:lnTo>
+                  <a:lnTo>
+                    <a:pt x="2850" y="2704"/>
+                  </a:lnTo>
+                  <a:lnTo>
+                    <a:pt x="2534" y="2704"/>
+                  </a:lnTo>
+                  <a:lnTo>
+                    <a:pt x="2534" y="2704"/>
+                  </a:lnTo>
+                  <a:lnTo>
+                    <a:pt x="2241" y="2704"/>
+                  </a:lnTo>
+                  <a:lnTo>
+                    <a:pt x="1949" y="2729"/>
+                  </a:lnTo>
+                  <a:lnTo>
+                    <a:pt x="1633" y="2777"/>
+                  </a:lnTo>
+                  <a:lnTo>
+                    <a:pt x="1316" y="2850"/>
+                  </a:lnTo>
+                  <a:lnTo>
+                    <a:pt x="999" y="2972"/>
+                  </a:lnTo>
+                  <a:lnTo>
+                    <a:pt x="707" y="3094"/>
+                  </a:lnTo>
+                  <a:lnTo>
+                    <a:pt x="415" y="3289"/>
+                  </a:lnTo>
+                  <a:lnTo>
+                    <a:pt x="147" y="3508"/>
+                  </a:lnTo>
+                  <a:lnTo>
+                    <a:pt x="147" y="3508"/>
+                  </a:lnTo>
+                  <a:lnTo>
+                    <a:pt x="74" y="3581"/>
+                  </a:lnTo>
+                  <a:lnTo>
+                    <a:pt x="25" y="3678"/>
+                  </a:lnTo>
+                  <a:lnTo>
+                    <a:pt x="1" y="3776"/>
+                  </a:lnTo>
+                  <a:lnTo>
+                    <a:pt x="1" y="3898"/>
+                  </a:lnTo>
+                  <a:lnTo>
+                    <a:pt x="1" y="3898"/>
+                  </a:lnTo>
+                  <a:lnTo>
+                    <a:pt x="1" y="3995"/>
+                  </a:lnTo>
+                  <a:lnTo>
+                    <a:pt x="25" y="4093"/>
+                  </a:lnTo>
+                  <a:lnTo>
+                    <a:pt x="74" y="4190"/>
+                  </a:lnTo>
+                  <a:lnTo>
+                    <a:pt x="147" y="4287"/>
+                  </a:lnTo>
+                  <a:lnTo>
+                    <a:pt x="7843" y="11984"/>
+                  </a:lnTo>
+                  <a:lnTo>
+                    <a:pt x="7843" y="11984"/>
+                  </a:lnTo>
+                  <a:lnTo>
+                    <a:pt x="7941" y="12057"/>
+                  </a:lnTo>
+                  <a:lnTo>
+                    <a:pt x="8038" y="12105"/>
+                  </a:lnTo>
+                  <a:lnTo>
+                    <a:pt x="8135" y="12130"/>
+                  </a:lnTo>
+                  <a:lnTo>
+                    <a:pt x="8233" y="12130"/>
+                  </a:lnTo>
+                  <a:lnTo>
+                    <a:pt x="8233" y="12130"/>
+                  </a:lnTo>
+                  <a:lnTo>
+                    <a:pt x="8355" y="12130"/>
+                  </a:lnTo>
+                  <a:lnTo>
+                    <a:pt x="8452" y="12105"/>
+                  </a:lnTo>
+                  <a:lnTo>
+                    <a:pt x="8549" y="12057"/>
+                  </a:lnTo>
+                  <a:lnTo>
+                    <a:pt x="8622" y="11984"/>
+                  </a:lnTo>
+                  <a:lnTo>
+                    <a:pt x="8622" y="11984"/>
+                  </a:lnTo>
+                  <a:lnTo>
+                    <a:pt x="8842" y="11716"/>
+                  </a:lnTo>
+                  <a:lnTo>
+                    <a:pt x="9036" y="11423"/>
+                  </a:lnTo>
+                  <a:lnTo>
+                    <a:pt x="9158" y="11131"/>
+                  </a:lnTo>
+                  <a:lnTo>
+                    <a:pt x="9280" y="10814"/>
+                  </a:lnTo>
+                  <a:lnTo>
+                    <a:pt x="9353" y="10498"/>
+                  </a:lnTo>
+                  <a:lnTo>
+                    <a:pt x="9402" y="10181"/>
+                  </a:lnTo>
+                  <a:lnTo>
+                    <a:pt x="9426" y="9889"/>
+                  </a:lnTo>
+                  <a:lnTo>
+                    <a:pt x="9426" y="9597"/>
+                  </a:lnTo>
+                  <a:lnTo>
+                    <a:pt x="9426" y="9597"/>
+                  </a:lnTo>
+                  <a:lnTo>
+                    <a:pt x="9426" y="9280"/>
+                  </a:lnTo>
+                  <a:lnTo>
+                    <a:pt x="9402" y="8964"/>
+                  </a:lnTo>
+                  <a:lnTo>
+                    <a:pt x="9353" y="8647"/>
+                  </a:lnTo>
+                  <a:lnTo>
+                    <a:pt x="9280" y="8330"/>
+                  </a:lnTo>
+                  <a:lnTo>
+                    <a:pt x="9231" y="8038"/>
+                  </a:lnTo>
+                  <a:lnTo>
+                    <a:pt x="9134" y="7746"/>
+                  </a:lnTo>
+                  <a:lnTo>
+                    <a:pt x="9036" y="7502"/>
+                  </a:lnTo>
+                  <a:lnTo>
+                    <a:pt x="8939" y="7259"/>
+                  </a:lnTo>
+                  <a:lnTo>
+                    <a:pt x="12130" y="4093"/>
+                  </a:lnTo>
+                </a:path>
+              </a:pathLst>
+            </a:custGeom>
+            <a:noFill/>
+            <a:ln w="9525" cap="rnd" cmpd="sng">
+              <a:solidFill>
+                <a:srgbClr val="000000"/>
+              </a:solidFill>
+              <a:prstDash val="solid"/>
+              <a:round/>
+              <a:headEnd type="none" w="med" len="med"/>
+              <a:tailEnd type="none" w="med" len="med"/>
+            </a:ln>
+          </p:spPr>
+          <p:txBody>
+            <a:bodyPr lIns="91425" tIns="91425" rIns="91425" bIns="91425" anchor="ctr" anchorCtr="0">
+              <a:noAutofit/>
+            </a:bodyPr>
+            <a:lstStyle/>
+            <a:p>
+              <a:pPr lvl="0">
+                <a:spcBef>
+                  <a:spcPts val="0"/>
+                </a:spcBef>
+                <a:buNone/>
+              </a:pPr>
+              <a:endParaRPr/>
+            </a:p>
+          </p:txBody>
+        </p:sp>
+        <p:sp>
+          <p:nvSpPr>
+            <p:cNvPr id="8" name="Shape 117"/>
+            <p:cNvSpPr/>
+            <p:nvPr/>
+          </p:nvSpPr>
+          <p:spPr>
+            <a:xfrm>
+              <a:off x="2814911" y="1754061"/>
+              <a:ext cx="49950" cy="49950"/>
+            </a:xfrm>
+            <a:custGeom>
+              <a:avLst/>
+              <a:gdLst/>
+              <a:ahLst/>
+              <a:cxnLst/>
+              <a:rect l="0" t="0" r="0" b="0"/>
+              <a:pathLst>
+                <a:path w="1998" h="1998" fill="none" extrusionOk="0">
+                  <a:moveTo>
+                    <a:pt x="1" y="1997"/>
+                  </a:moveTo>
+                  <a:lnTo>
+                    <a:pt x="1998" y="0"/>
+                  </a:lnTo>
+                </a:path>
+              </a:pathLst>
+            </a:custGeom>
+            <a:noFill/>
+            <a:ln w="9525" cap="rnd" cmpd="sng">
+              <a:solidFill>
+                <a:srgbClr val="000000"/>
+              </a:solidFill>
+              <a:prstDash val="solid"/>
+              <a:round/>
+              <a:headEnd type="none" w="med" len="med"/>
+              <a:tailEnd type="none" w="med" len="med"/>
+            </a:ln>
+          </p:spPr>
+          <p:txBody>
+            <a:bodyPr lIns="91425" tIns="91425" rIns="91425" bIns="91425" anchor="ctr" anchorCtr="0">
+              <a:noAutofit/>
+            </a:bodyPr>
+            <a:lstStyle/>
+            <a:p>
+              <a:pPr lvl="0">
+                <a:spcBef>
+                  <a:spcPts val="0"/>
+                </a:spcBef>
+                <a:buNone/>
+              </a:pPr>
+              <a:endParaRPr/>
+            </a:p>
+          </p:txBody>
+        </p:sp>
+      </p:grpSp>
+    </p:spTree>
+    <p:extLst>
+      <p:ext uri="{BB962C8B-B14F-4D97-AF65-F5344CB8AC3E}">
+        <p14:creationId xmlns:p14="http://schemas.microsoft.com/office/powerpoint/2010/main" val="465092011"/>
+      </p:ext>
+    </p:extLst>
+  </p:cSld>
+  <p:clrMapOvr>
+    <a:masterClrMapping/>
+  </p:clrMapOvr>
+</p:sld>
+</file>
+
+<file path=ppt/slides/slide58.xml><?xml version="1.0" encoding="utf-8"?>
 <p:sld xmlns:a="http://schemas.openxmlformats.org/drawingml/2006/main" xmlns:r="http://schemas.openxmlformats.org/officeDocument/2006/relationships" xmlns:p="http://schemas.openxmlformats.org/presentationml/2006/main">
   <p:cSld>
     <p:spTree>
@@ -37053,741 +43391,6 @@
     <p:extLst>
       <p:ext uri="{BB962C8B-B14F-4D97-AF65-F5344CB8AC3E}">
         <p14:creationId xmlns:p14="http://schemas.microsoft.com/office/powerpoint/2010/main" val="923769229"/>
-      </p:ext>
-    </p:extLst>
-  </p:cSld>
-  <p:clrMapOvr>
-    <a:masterClrMapping/>
-  </p:clrMapOvr>
-</p:sld>
-</file>
-
-<file path=ppt/slides/slide5.xml><?xml version="1.0" encoding="utf-8"?>
-<p:sld xmlns:a="http://schemas.openxmlformats.org/drawingml/2006/main" xmlns:r="http://schemas.openxmlformats.org/officeDocument/2006/relationships" xmlns:p="http://schemas.openxmlformats.org/presentationml/2006/main">
-  <p:cSld>
-    <p:spTree>
-      <p:nvGrpSpPr>
-        <p:cNvPr id="1" name="Shape 110"/>
-        <p:cNvGrpSpPr/>
-        <p:nvPr/>
-      </p:nvGrpSpPr>
-      <p:grpSpPr>
-        <a:xfrm>
-          <a:off x="0" y="0"/>
-          <a:ext cx="0" cy="0"/>
-          <a:chOff x="0" y="0"/>
-          <a:chExt cx="0" cy="0"/>
-        </a:xfrm>
-      </p:grpSpPr>
-      <p:sp>
-        <p:nvSpPr>
-          <p:cNvPr id="111" name="Shape 111"/>
-          <p:cNvSpPr txBox="1">
-            <a:spLocks noGrp="1"/>
-          </p:cNvSpPr>
-          <p:nvPr>
-            <p:ph type="title"/>
-          </p:nvPr>
-        </p:nvSpPr>
-        <p:spPr>
-          <a:xfrm>
-            <a:off x="1381250" y="922668"/>
-            <a:ext cx="3878399" cy="435599"/>
-          </a:xfrm>
-          <a:prstGeom prst="rect">
-            <a:avLst/>
-          </a:prstGeom>
-        </p:spPr>
-        <p:txBody>
-          <a:bodyPr lIns="91425" tIns="91425" rIns="91425" bIns="91425" anchor="ctr" anchorCtr="0">
-            <a:noAutofit/>
-          </a:bodyPr>
-          <a:lstStyle/>
-          <a:p>
-            <a:pPr lvl="0">
-              <a:spcBef>
-                <a:spcPts val="0"/>
-              </a:spcBef>
-              <a:buNone/>
-            </a:pPr>
-            <a:r>
-              <a:rPr lang="en" dirty="0">
-                <a:highlight>
-                  <a:srgbClr val="FFCD00"/>
-                </a:highlight>
-              </a:rPr>
-              <a:t>Projektaufwand</a:t>
-            </a:r>
-          </a:p>
-        </p:txBody>
-      </p:sp>
-      <p:sp>
-        <p:nvSpPr>
-          <p:cNvPr id="112" name="Shape 112"/>
-          <p:cNvSpPr txBox="1">
-            <a:spLocks noGrp="1"/>
-          </p:cNvSpPr>
-          <p:nvPr>
-            <p:ph type="body" idx="1"/>
-          </p:nvPr>
-        </p:nvSpPr>
-        <p:spPr>
-          <a:xfrm>
-            <a:off x="1381250" y="1616470"/>
-            <a:ext cx="6809700" cy="3112200"/>
-          </a:xfrm>
-          <a:prstGeom prst="rect">
-            <a:avLst/>
-          </a:prstGeom>
-        </p:spPr>
-        <p:txBody>
-          <a:bodyPr lIns="91425" tIns="91425" rIns="91425" bIns="91425" anchor="t" anchorCtr="0">
-            <a:noAutofit/>
-          </a:bodyPr>
-          <a:lstStyle/>
-          <a:p>
-            <a:pPr marL="457200" lvl="0" indent="-228600">
-              <a:spcBef>
-                <a:spcPts val="0"/>
-              </a:spcBef>
-            </a:pPr>
-            <a:r>
-              <a:rPr lang="en" dirty="0"/>
-              <a:t>Lines of Code	</a:t>
-            </a:r>
-            <a:r>
-              <a:rPr lang="en" dirty="0">
-                <a:sym typeface="Wingdings" pitchFamily="2" charset="2"/>
-              </a:rPr>
-              <a:t>   </a:t>
-            </a:r>
-            <a:r>
-              <a:rPr lang="en" dirty="0"/>
-              <a:t> 1941</a:t>
-            </a:r>
-          </a:p>
-          <a:p>
-            <a:pPr marL="228600" lvl="0">
-              <a:spcBef>
-                <a:spcPts val="0"/>
-              </a:spcBef>
-              <a:buNone/>
-            </a:pPr>
-            <a:r>
-              <a:rPr lang="en" dirty="0">
-                <a:sym typeface="Wingdings" pitchFamily="2" charset="2"/>
-              </a:rPr>
-              <a:t> </a:t>
-            </a:r>
-            <a:r>
-              <a:rPr lang="en" dirty="0"/>
-              <a:t>Persistence     	     </a:t>
-            </a:r>
-            <a:r>
-              <a:rPr lang="en" dirty="0">
-                <a:sym typeface="Wingdings" pitchFamily="2" charset="2"/>
-              </a:rPr>
-              <a:t>843</a:t>
-            </a:r>
-            <a:endParaRPr lang="en" dirty="0"/>
-          </a:p>
-          <a:p>
-            <a:pPr marL="228600" lvl="0">
-              <a:spcBef>
-                <a:spcPts val="0"/>
-              </a:spcBef>
-              <a:buNone/>
-            </a:pPr>
-            <a:r>
-              <a:rPr lang="en" dirty="0">
-                <a:sym typeface="Wingdings" pitchFamily="2" charset="2"/>
-              </a:rPr>
-              <a:t> </a:t>
-            </a:r>
-            <a:r>
-              <a:rPr lang="en" dirty="0"/>
-              <a:t>Game		     511</a:t>
-            </a:r>
-          </a:p>
-          <a:p>
-            <a:pPr marL="228600" lvl="0">
-              <a:spcBef>
-                <a:spcPts val="0"/>
-              </a:spcBef>
-              <a:buNone/>
-            </a:pPr>
-            <a:r>
-              <a:rPr lang="en" dirty="0">
-                <a:sym typeface="Wingdings" pitchFamily="2" charset="2"/>
-              </a:rPr>
-              <a:t> Gui		     587</a:t>
-            </a:r>
-            <a:endParaRPr lang="en" dirty="0"/>
-          </a:p>
-        </p:txBody>
-      </p:sp>
-      <p:grpSp>
-        <p:nvGrpSpPr>
-          <p:cNvPr id="113" name="Shape 113"/>
-          <p:cNvGrpSpPr/>
-          <p:nvPr/>
-        </p:nvGrpSpPr>
-        <p:grpSpPr>
-          <a:xfrm>
-            <a:off x="916458" y="1019750"/>
-            <a:ext cx="214624" cy="214624"/>
-            <a:chOff x="2594050" y="1631825"/>
-            <a:chExt cx="439625" cy="439625"/>
-          </a:xfrm>
-        </p:grpSpPr>
-        <p:sp>
-          <p:nvSpPr>
-            <p:cNvPr id="114" name="Shape 114"/>
-            <p:cNvSpPr/>
-            <p:nvPr/>
-          </p:nvSpPr>
-          <p:spPr>
-            <a:xfrm>
-              <a:off x="2594050" y="1883300"/>
-              <a:ext cx="188175" cy="188150"/>
-            </a:xfrm>
-            <a:custGeom>
-              <a:avLst/>
-              <a:gdLst/>
-              <a:ahLst/>
-              <a:cxnLst/>
-              <a:rect l="0" t="0" r="0" b="0"/>
-              <a:pathLst>
-                <a:path w="7527" h="7526" fill="none" extrusionOk="0">
-                  <a:moveTo>
-                    <a:pt x="5992" y="0"/>
-                  </a:moveTo>
-                  <a:lnTo>
-                    <a:pt x="537" y="6430"/>
-                  </a:lnTo>
-                  <a:lnTo>
-                    <a:pt x="1" y="7526"/>
-                  </a:lnTo>
-                  <a:lnTo>
-                    <a:pt x="1097" y="6990"/>
-                  </a:lnTo>
-                  <a:lnTo>
-                    <a:pt x="7526" y="1534"/>
-                  </a:lnTo>
-                  <a:lnTo>
-                    <a:pt x="5992" y="0"/>
-                  </a:lnTo>
-                  <a:close/>
-                </a:path>
-              </a:pathLst>
-            </a:custGeom>
-            <a:noFill/>
-            <a:ln w="9525" cap="rnd" cmpd="sng">
-              <a:solidFill>
-                <a:srgbClr val="000000"/>
-              </a:solidFill>
-              <a:prstDash val="solid"/>
-              <a:round/>
-              <a:headEnd type="none" w="med" len="med"/>
-              <a:tailEnd type="none" w="med" len="med"/>
-            </a:ln>
-          </p:spPr>
-          <p:txBody>
-            <a:bodyPr lIns="91425" tIns="91425" rIns="91425" bIns="91425" anchor="ctr" anchorCtr="0">
-              <a:noAutofit/>
-            </a:bodyPr>
-            <a:lstStyle/>
-            <a:p>
-              <a:pPr lvl="0">
-                <a:spcBef>
-                  <a:spcPts val="0"/>
-                </a:spcBef>
-                <a:buNone/>
-              </a:pPr>
-              <a:endParaRPr/>
-            </a:p>
-          </p:txBody>
-        </p:sp>
-        <p:sp>
-          <p:nvSpPr>
-            <p:cNvPr id="115" name="Shape 115"/>
-            <p:cNvSpPr/>
-            <p:nvPr/>
-          </p:nvSpPr>
-          <p:spPr>
-            <a:xfrm>
-              <a:off x="2857700" y="1631825"/>
-              <a:ext cx="175975" cy="176000"/>
-            </a:xfrm>
-            <a:custGeom>
-              <a:avLst/>
-              <a:gdLst/>
-              <a:ahLst/>
-              <a:cxnLst/>
-              <a:rect l="0" t="0" r="0" b="0"/>
-              <a:pathLst>
-                <a:path w="7039" h="7040" fill="none" extrusionOk="0">
-                  <a:moveTo>
-                    <a:pt x="268" y="2704"/>
-                  </a:moveTo>
-                  <a:lnTo>
-                    <a:pt x="4336" y="6771"/>
-                  </a:lnTo>
-                  <a:lnTo>
-                    <a:pt x="4336" y="6771"/>
-                  </a:lnTo>
-                  <a:lnTo>
-                    <a:pt x="4336" y="6771"/>
-                  </a:lnTo>
-                  <a:lnTo>
-                    <a:pt x="4652" y="6917"/>
-                  </a:lnTo>
-                  <a:lnTo>
-                    <a:pt x="4993" y="7015"/>
-                  </a:lnTo>
-                  <a:lnTo>
-                    <a:pt x="5310" y="7039"/>
-                  </a:lnTo>
-                  <a:lnTo>
-                    <a:pt x="5651" y="7039"/>
-                  </a:lnTo>
-                  <a:lnTo>
-                    <a:pt x="5992" y="6966"/>
-                  </a:lnTo>
-                  <a:lnTo>
-                    <a:pt x="6308" y="6844"/>
-                  </a:lnTo>
-                  <a:lnTo>
-                    <a:pt x="6454" y="6747"/>
-                  </a:lnTo>
-                  <a:lnTo>
-                    <a:pt x="6601" y="6674"/>
-                  </a:lnTo>
-                  <a:lnTo>
-                    <a:pt x="6747" y="6552"/>
-                  </a:lnTo>
-                  <a:lnTo>
-                    <a:pt x="6893" y="6430"/>
-                  </a:lnTo>
-                  <a:lnTo>
-                    <a:pt x="6893" y="6430"/>
-                  </a:lnTo>
-                  <a:lnTo>
-                    <a:pt x="6942" y="6357"/>
-                  </a:lnTo>
-                  <a:lnTo>
-                    <a:pt x="7015" y="6260"/>
-                  </a:lnTo>
-                  <a:lnTo>
-                    <a:pt x="7039" y="6138"/>
-                  </a:lnTo>
-                  <a:lnTo>
-                    <a:pt x="7039" y="6041"/>
-                  </a:lnTo>
-                  <a:lnTo>
-                    <a:pt x="7039" y="6041"/>
-                  </a:lnTo>
-                  <a:lnTo>
-                    <a:pt x="7039" y="5943"/>
-                  </a:lnTo>
-                  <a:lnTo>
-                    <a:pt x="7015" y="5846"/>
-                  </a:lnTo>
-                  <a:lnTo>
-                    <a:pt x="6942" y="5748"/>
-                  </a:lnTo>
-                  <a:lnTo>
-                    <a:pt x="6893" y="5651"/>
-                  </a:lnTo>
-                  <a:lnTo>
-                    <a:pt x="1389" y="147"/>
-                  </a:lnTo>
-                  <a:lnTo>
-                    <a:pt x="1389" y="147"/>
-                  </a:lnTo>
-                  <a:lnTo>
-                    <a:pt x="1291" y="98"/>
-                  </a:lnTo>
-                  <a:lnTo>
-                    <a:pt x="1194" y="25"/>
-                  </a:lnTo>
-                  <a:lnTo>
-                    <a:pt x="1096" y="0"/>
-                  </a:lnTo>
-                  <a:lnTo>
-                    <a:pt x="999" y="0"/>
-                  </a:lnTo>
-                  <a:lnTo>
-                    <a:pt x="999" y="0"/>
-                  </a:lnTo>
-                  <a:lnTo>
-                    <a:pt x="902" y="0"/>
-                  </a:lnTo>
-                  <a:lnTo>
-                    <a:pt x="780" y="25"/>
-                  </a:lnTo>
-                  <a:lnTo>
-                    <a:pt x="682" y="98"/>
-                  </a:lnTo>
-                  <a:lnTo>
-                    <a:pt x="609" y="147"/>
-                  </a:lnTo>
-                  <a:lnTo>
-                    <a:pt x="609" y="147"/>
-                  </a:lnTo>
-                  <a:lnTo>
-                    <a:pt x="487" y="293"/>
-                  </a:lnTo>
-                  <a:lnTo>
-                    <a:pt x="366" y="439"/>
-                  </a:lnTo>
-                  <a:lnTo>
-                    <a:pt x="293" y="585"/>
-                  </a:lnTo>
-                  <a:lnTo>
-                    <a:pt x="195" y="731"/>
-                  </a:lnTo>
-                  <a:lnTo>
-                    <a:pt x="73" y="1048"/>
-                  </a:lnTo>
-                  <a:lnTo>
-                    <a:pt x="0" y="1389"/>
-                  </a:lnTo>
-                  <a:lnTo>
-                    <a:pt x="0" y="1730"/>
-                  </a:lnTo>
-                  <a:lnTo>
-                    <a:pt x="25" y="2046"/>
-                  </a:lnTo>
-                  <a:lnTo>
-                    <a:pt x="122" y="2387"/>
-                  </a:lnTo>
-                  <a:lnTo>
-                    <a:pt x="268" y="2704"/>
-                  </a:lnTo>
-                  <a:lnTo>
-                    <a:pt x="268" y="2704"/>
-                  </a:lnTo>
-                  <a:close/>
-                </a:path>
-              </a:pathLst>
-            </a:custGeom>
-            <a:noFill/>
-            <a:ln w="9525" cap="rnd" cmpd="sng">
-              <a:solidFill>
-                <a:srgbClr val="000000"/>
-              </a:solidFill>
-              <a:prstDash val="solid"/>
-              <a:round/>
-              <a:headEnd type="none" w="med" len="med"/>
-              <a:tailEnd type="none" w="med" len="med"/>
-            </a:ln>
-          </p:spPr>
-          <p:txBody>
-            <a:bodyPr lIns="91425" tIns="91425" rIns="91425" bIns="91425" anchor="ctr" anchorCtr="0">
-              <a:noAutofit/>
-            </a:bodyPr>
-            <a:lstStyle/>
-            <a:p>
-              <a:pPr lvl="0">
-                <a:spcBef>
-                  <a:spcPts val="0"/>
-                </a:spcBef>
-                <a:buNone/>
-              </a:pPr>
-              <a:endParaRPr/>
-            </a:p>
-          </p:txBody>
-        </p:sp>
-        <p:sp>
-          <p:nvSpPr>
-            <p:cNvPr id="116" name="Shape 116"/>
-            <p:cNvSpPr/>
-            <p:nvPr/>
-          </p:nvSpPr>
-          <p:spPr>
-            <a:xfrm>
-              <a:off x="2662850" y="1699400"/>
-              <a:ext cx="303250" cy="303250"/>
-            </a:xfrm>
-            <a:custGeom>
-              <a:avLst/>
-              <a:gdLst/>
-              <a:ahLst/>
-              <a:cxnLst/>
-              <a:rect l="0" t="0" r="0" b="0"/>
-              <a:pathLst>
-                <a:path w="12130" h="12130" fill="none" extrusionOk="0">
-                  <a:moveTo>
-                    <a:pt x="8038" y="1"/>
-                  </a:moveTo>
-                  <a:lnTo>
-                    <a:pt x="4872" y="3191"/>
-                  </a:lnTo>
-                  <a:lnTo>
-                    <a:pt x="4872" y="3191"/>
-                  </a:lnTo>
-                  <a:lnTo>
-                    <a:pt x="4628" y="3094"/>
-                  </a:lnTo>
-                  <a:lnTo>
-                    <a:pt x="4385" y="2997"/>
-                  </a:lnTo>
-                  <a:lnTo>
-                    <a:pt x="4092" y="2899"/>
-                  </a:lnTo>
-                  <a:lnTo>
-                    <a:pt x="3800" y="2850"/>
-                  </a:lnTo>
-                  <a:lnTo>
-                    <a:pt x="3484" y="2777"/>
-                  </a:lnTo>
-                  <a:lnTo>
-                    <a:pt x="3167" y="2729"/>
-                  </a:lnTo>
-                  <a:lnTo>
-                    <a:pt x="2850" y="2704"/>
-                  </a:lnTo>
-                  <a:lnTo>
-                    <a:pt x="2534" y="2704"/>
-                  </a:lnTo>
-                  <a:lnTo>
-                    <a:pt x="2534" y="2704"/>
-                  </a:lnTo>
-                  <a:lnTo>
-                    <a:pt x="2241" y="2704"/>
-                  </a:lnTo>
-                  <a:lnTo>
-                    <a:pt x="1949" y="2729"/>
-                  </a:lnTo>
-                  <a:lnTo>
-                    <a:pt x="1633" y="2777"/>
-                  </a:lnTo>
-                  <a:lnTo>
-                    <a:pt x="1316" y="2850"/>
-                  </a:lnTo>
-                  <a:lnTo>
-                    <a:pt x="999" y="2972"/>
-                  </a:lnTo>
-                  <a:lnTo>
-                    <a:pt x="707" y="3094"/>
-                  </a:lnTo>
-                  <a:lnTo>
-                    <a:pt x="415" y="3289"/>
-                  </a:lnTo>
-                  <a:lnTo>
-                    <a:pt x="147" y="3508"/>
-                  </a:lnTo>
-                  <a:lnTo>
-                    <a:pt x="147" y="3508"/>
-                  </a:lnTo>
-                  <a:lnTo>
-                    <a:pt x="74" y="3581"/>
-                  </a:lnTo>
-                  <a:lnTo>
-                    <a:pt x="25" y="3678"/>
-                  </a:lnTo>
-                  <a:lnTo>
-                    <a:pt x="1" y="3776"/>
-                  </a:lnTo>
-                  <a:lnTo>
-                    <a:pt x="1" y="3898"/>
-                  </a:lnTo>
-                  <a:lnTo>
-                    <a:pt x="1" y="3898"/>
-                  </a:lnTo>
-                  <a:lnTo>
-                    <a:pt x="1" y="3995"/>
-                  </a:lnTo>
-                  <a:lnTo>
-                    <a:pt x="25" y="4093"/>
-                  </a:lnTo>
-                  <a:lnTo>
-                    <a:pt x="74" y="4190"/>
-                  </a:lnTo>
-                  <a:lnTo>
-                    <a:pt x="147" y="4287"/>
-                  </a:lnTo>
-                  <a:lnTo>
-                    <a:pt x="7843" y="11984"/>
-                  </a:lnTo>
-                  <a:lnTo>
-                    <a:pt x="7843" y="11984"/>
-                  </a:lnTo>
-                  <a:lnTo>
-                    <a:pt x="7941" y="12057"/>
-                  </a:lnTo>
-                  <a:lnTo>
-                    <a:pt x="8038" y="12105"/>
-                  </a:lnTo>
-                  <a:lnTo>
-                    <a:pt x="8135" y="12130"/>
-                  </a:lnTo>
-                  <a:lnTo>
-                    <a:pt x="8233" y="12130"/>
-                  </a:lnTo>
-                  <a:lnTo>
-                    <a:pt x="8233" y="12130"/>
-                  </a:lnTo>
-                  <a:lnTo>
-                    <a:pt x="8355" y="12130"/>
-                  </a:lnTo>
-                  <a:lnTo>
-                    <a:pt x="8452" y="12105"/>
-                  </a:lnTo>
-                  <a:lnTo>
-                    <a:pt x="8549" y="12057"/>
-                  </a:lnTo>
-                  <a:lnTo>
-                    <a:pt x="8622" y="11984"/>
-                  </a:lnTo>
-                  <a:lnTo>
-                    <a:pt x="8622" y="11984"/>
-                  </a:lnTo>
-                  <a:lnTo>
-                    <a:pt x="8842" y="11716"/>
-                  </a:lnTo>
-                  <a:lnTo>
-                    <a:pt x="9036" y="11423"/>
-                  </a:lnTo>
-                  <a:lnTo>
-                    <a:pt x="9158" y="11131"/>
-                  </a:lnTo>
-                  <a:lnTo>
-                    <a:pt x="9280" y="10814"/>
-                  </a:lnTo>
-                  <a:lnTo>
-                    <a:pt x="9353" y="10498"/>
-                  </a:lnTo>
-                  <a:lnTo>
-                    <a:pt x="9402" y="10181"/>
-                  </a:lnTo>
-                  <a:lnTo>
-                    <a:pt x="9426" y="9889"/>
-                  </a:lnTo>
-                  <a:lnTo>
-                    <a:pt x="9426" y="9597"/>
-                  </a:lnTo>
-                  <a:lnTo>
-                    <a:pt x="9426" y="9597"/>
-                  </a:lnTo>
-                  <a:lnTo>
-                    <a:pt x="9426" y="9280"/>
-                  </a:lnTo>
-                  <a:lnTo>
-                    <a:pt x="9402" y="8964"/>
-                  </a:lnTo>
-                  <a:lnTo>
-                    <a:pt x="9353" y="8647"/>
-                  </a:lnTo>
-                  <a:lnTo>
-                    <a:pt x="9280" y="8330"/>
-                  </a:lnTo>
-                  <a:lnTo>
-                    <a:pt x="9231" y="8038"/>
-                  </a:lnTo>
-                  <a:lnTo>
-                    <a:pt x="9134" y="7746"/>
-                  </a:lnTo>
-                  <a:lnTo>
-                    <a:pt x="9036" y="7502"/>
-                  </a:lnTo>
-                  <a:lnTo>
-                    <a:pt x="8939" y="7259"/>
-                  </a:lnTo>
-                  <a:lnTo>
-                    <a:pt x="12130" y="4093"/>
-                  </a:lnTo>
-                </a:path>
-              </a:pathLst>
-            </a:custGeom>
-            <a:noFill/>
-            <a:ln w="9525" cap="rnd" cmpd="sng">
-              <a:solidFill>
-                <a:srgbClr val="000000"/>
-              </a:solidFill>
-              <a:prstDash val="solid"/>
-              <a:round/>
-              <a:headEnd type="none" w="med" len="med"/>
-              <a:tailEnd type="none" w="med" len="med"/>
-            </a:ln>
-          </p:spPr>
-          <p:txBody>
-            <a:bodyPr lIns="91425" tIns="91425" rIns="91425" bIns="91425" anchor="ctr" anchorCtr="0">
-              <a:noAutofit/>
-            </a:bodyPr>
-            <a:lstStyle/>
-            <a:p>
-              <a:pPr lvl="0">
-                <a:spcBef>
-                  <a:spcPts val="0"/>
-                </a:spcBef>
-                <a:buNone/>
-              </a:pPr>
-              <a:endParaRPr/>
-            </a:p>
-          </p:txBody>
-        </p:sp>
-        <p:sp>
-          <p:nvSpPr>
-            <p:cNvPr id="117" name="Shape 117"/>
-            <p:cNvSpPr/>
-            <p:nvPr/>
-          </p:nvSpPr>
-          <p:spPr>
-            <a:xfrm>
-              <a:off x="2814911" y="1754061"/>
-              <a:ext cx="49950" cy="49950"/>
-            </a:xfrm>
-            <a:custGeom>
-              <a:avLst/>
-              <a:gdLst/>
-              <a:ahLst/>
-              <a:cxnLst/>
-              <a:rect l="0" t="0" r="0" b="0"/>
-              <a:pathLst>
-                <a:path w="1998" h="1998" fill="none" extrusionOk="0">
-                  <a:moveTo>
-                    <a:pt x="1" y="1997"/>
-                  </a:moveTo>
-                  <a:lnTo>
-                    <a:pt x="1998" y="0"/>
-                  </a:lnTo>
-                </a:path>
-              </a:pathLst>
-            </a:custGeom>
-            <a:noFill/>
-            <a:ln w="9525" cap="rnd" cmpd="sng">
-              <a:solidFill>
-                <a:srgbClr val="000000"/>
-              </a:solidFill>
-              <a:prstDash val="solid"/>
-              <a:round/>
-              <a:headEnd type="none" w="med" len="med"/>
-              <a:tailEnd type="none" w="med" len="med"/>
-            </a:ln>
-          </p:spPr>
-          <p:txBody>
-            <a:bodyPr lIns="91425" tIns="91425" rIns="91425" bIns="91425" anchor="ctr" anchorCtr="0">
-              <a:noAutofit/>
-            </a:bodyPr>
-            <a:lstStyle/>
-            <a:p>
-              <a:pPr lvl="0">
-                <a:spcBef>
-                  <a:spcPts val="0"/>
-                </a:spcBef>
-                <a:buNone/>
-              </a:pPr>
-              <a:endParaRPr/>
-            </a:p>
-          </p:txBody>
-        </p:sp>
-      </p:grpSp>
-    </p:spTree>
-    <p:extLst>
-      <p:ext uri="{BB962C8B-B14F-4D97-AF65-F5344CB8AC3E}">
-        <p14:creationId xmlns:p14="http://schemas.microsoft.com/office/powerpoint/2010/main" val="1279202038"/>
       </p:ext>
     </p:extLst>
   </p:cSld>

--- a/Presentation/Presentation.pptx
+++ b/Presentation/Presentation.pptx
@@ -5,7 +5,7 @@
     <p:sldMasterId id="2147483658" r:id="rId1"/>
   </p:sldMasterIdLst>
   <p:notesMasterIdLst>
-    <p:notesMasterId r:id="rId60"/>
+    <p:notesMasterId r:id="rId57"/>
   </p:notesMasterIdLst>
   <p:sldIdLst>
     <p:sldId id="256" r:id="rId2"/>
@@ -16,73 +16,70 @@
     <p:sldId id="271" r:id="rId7"/>
     <p:sldId id="270" r:id="rId8"/>
     <p:sldId id="261" r:id="rId9"/>
-    <p:sldId id="262" r:id="rId10"/>
-    <p:sldId id="287" r:id="rId11"/>
-    <p:sldId id="288" r:id="rId12"/>
-    <p:sldId id="289" r:id="rId13"/>
-    <p:sldId id="290" r:id="rId14"/>
-    <p:sldId id="291" r:id="rId15"/>
-    <p:sldId id="292" r:id="rId16"/>
-    <p:sldId id="293" r:id="rId17"/>
-    <p:sldId id="294" r:id="rId18"/>
-    <p:sldId id="295" r:id="rId19"/>
-    <p:sldId id="296" r:id="rId20"/>
-    <p:sldId id="297" r:id="rId21"/>
-    <p:sldId id="298" r:id="rId22"/>
-    <p:sldId id="299" r:id="rId23"/>
-    <p:sldId id="300" r:id="rId24"/>
-    <p:sldId id="301" r:id="rId25"/>
-    <p:sldId id="302" r:id="rId26"/>
-    <p:sldId id="303" r:id="rId27"/>
-    <p:sldId id="304" r:id="rId28"/>
-    <p:sldId id="305" r:id="rId29"/>
-    <p:sldId id="306" r:id="rId30"/>
-    <p:sldId id="313" r:id="rId31"/>
-    <p:sldId id="314" r:id="rId32"/>
-    <p:sldId id="312" r:id="rId33"/>
-    <p:sldId id="263" r:id="rId34"/>
-    <p:sldId id="277" r:id="rId35"/>
-    <p:sldId id="278" r:id="rId36"/>
-    <p:sldId id="279" r:id="rId37"/>
-    <p:sldId id="280" r:id="rId38"/>
-    <p:sldId id="286" r:id="rId39"/>
-    <p:sldId id="281" r:id="rId40"/>
-    <p:sldId id="282" r:id="rId41"/>
-    <p:sldId id="285" r:id="rId42"/>
-    <p:sldId id="316" r:id="rId43"/>
-    <p:sldId id="284" r:id="rId44"/>
-    <p:sldId id="265" r:id="rId45"/>
-    <p:sldId id="266" r:id="rId46"/>
-    <p:sldId id="317" r:id="rId47"/>
-    <p:sldId id="315" r:id="rId48"/>
-    <p:sldId id="318" r:id="rId49"/>
-    <p:sldId id="320" r:id="rId50"/>
-    <p:sldId id="319" r:id="rId51"/>
-    <p:sldId id="267" r:id="rId52"/>
-    <p:sldId id="268" r:id="rId53"/>
-    <p:sldId id="325" r:id="rId54"/>
-    <p:sldId id="327" r:id="rId55"/>
-    <p:sldId id="323" r:id="rId56"/>
-    <p:sldId id="324" r:id="rId57"/>
-    <p:sldId id="328" r:id="rId58"/>
-    <p:sldId id="269" r:id="rId59"/>
+    <p:sldId id="287" r:id="rId10"/>
+    <p:sldId id="288" r:id="rId11"/>
+    <p:sldId id="289" r:id="rId12"/>
+    <p:sldId id="290" r:id="rId13"/>
+    <p:sldId id="291" r:id="rId14"/>
+    <p:sldId id="292" r:id="rId15"/>
+    <p:sldId id="293" r:id="rId16"/>
+    <p:sldId id="294" r:id="rId17"/>
+    <p:sldId id="295" r:id="rId18"/>
+    <p:sldId id="296" r:id="rId19"/>
+    <p:sldId id="297" r:id="rId20"/>
+    <p:sldId id="298" r:id="rId21"/>
+    <p:sldId id="299" r:id="rId22"/>
+    <p:sldId id="300" r:id="rId23"/>
+    <p:sldId id="301" r:id="rId24"/>
+    <p:sldId id="302" r:id="rId25"/>
+    <p:sldId id="303" r:id="rId26"/>
+    <p:sldId id="304" r:id="rId27"/>
+    <p:sldId id="305" r:id="rId28"/>
+    <p:sldId id="306" r:id="rId29"/>
+    <p:sldId id="313" r:id="rId30"/>
+    <p:sldId id="314" r:id="rId31"/>
+    <p:sldId id="312" r:id="rId32"/>
+    <p:sldId id="263" r:id="rId33"/>
+    <p:sldId id="277" r:id="rId34"/>
+    <p:sldId id="278" r:id="rId35"/>
+    <p:sldId id="279" r:id="rId36"/>
+    <p:sldId id="280" r:id="rId37"/>
+    <p:sldId id="286" r:id="rId38"/>
+    <p:sldId id="281" r:id="rId39"/>
+    <p:sldId id="282" r:id="rId40"/>
+    <p:sldId id="285" r:id="rId41"/>
+    <p:sldId id="316" r:id="rId42"/>
+    <p:sldId id="284" r:id="rId43"/>
+    <p:sldId id="265" r:id="rId44"/>
+    <p:sldId id="317" r:id="rId45"/>
+    <p:sldId id="315" r:id="rId46"/>
+    <p:sldId id="318" r:id="rId47"/>
+    <p:sldId id="320" r:id="rId48"/>
+    <p:sldId id="319" r:id="rId49"/>
+    <p:sldId id="267" r:id="rId50"/>
+    <p:sldId id="325" r:id="rId51"/>
+    <p:sldId id="327" r:id="rId52"/>
+    <p:sldId id="323" r:id="rId53"/>
+    <p:sldId id="324" r:id="rId54"/>
+    <p:sldId id="328" r:id="rId55"/>
+    <p:sldId id="269" r:id="rId56"/>
   </p:sldIdLst>
   <p:sldSz cx="9144000" cy="5143500" type="screen16x9"/>
   <p:notesSz cx="6858000" cy="9144000"/>
   <p:embeddedFontLst>
     <p:embeddedFont>
-      <p:font typeface="Lora" panose="020B0604020202020204" charset="0"/>
-      <p:regular r:id="rId61"/>
-      <p:bold r:id="rId62"/>
-      <p:italic r:id="rId63"/>
-      <p:boldItalic r:id="rId64"/>
+      <p:font typeface="Lora" charset="0"/>
+      <p:regular r:id="rId58"/>
+      <p:bold r:id="rId59"/>
+      <p:italic r:id="rId60"/>
+      <p:boldItalic r:id="rId61"/>
     </p:embeddedFont>
     <p:embeddedFont>
-      <p:font typeface="Quattrocento Sans" panose="020B0604020202020204" charset="0"/>
-      <p:regular r:id="rId65"/>
-      <p:bold r:id="rId66"/>
-      <p:italic r:id="rId67"/>
-      <p:boldItalic r:id="rId68"/>
+      <p:font typeface="Quattrocento Sans" charset="0"/>
+      <p:regular r:id="rId62"/>
+      <p:bold r:id="rId63"/>
+      <p:italic r:id="rId64"/>
+      <p:boldItalic r:id="rId65"/>
     </p:embeddedFont>
   </p:embeddedFontLst>
   <p:defaultTextStyle>
@@ -289,7 +286,7 @@
   </p:defaultTextStyle>
   <p:extLst>
     <p:ext uri="{EFAFB233-063F-42B5-8137-9DF3F51BA10A}">
-      <p15:sldGuideLst xmlns:p15="http://schemas.microsoft.com/office/powerpoint/2012/main">
+      <p15:sldGuideLst xmlns:p15="http://schemas.microsoft.com/office/powerpoint/2012/main" xmlns="">
         <p15:guide id="1" orient="horz" pos="1620">
           <p15:clr>
             <a:srgbClr val="A4A3A4"/>
@@ -853,107 +850,6 @@
           </a:bodyPr>
           <a:lstStyle/>
           <a:p>
-            <a:pPr lvl="0">
-              <a:spcBef>
-                <a:spcPts val="0"/>
-              </a:spcBef>
-              <a:buNone/>
-            </a:pPr>
-            <a:endParaRPr/>
-          </a:p>
-        </p:txBody>
-      </p:sp>
-    </p:spTree>
-  </p:cSld>
-  <p:clrMapOvr>
-    <a:masterClrMapping/>
-  </p:clrMapOvr>
-</p:notes>
-</file>
-
-<file path=ppt/notesSlides/notesSlide12.xml><?xml version="1.0" encoding="utf-8"?>
-<p:notes xmlns:a="http://schemas.openxmlformats.org/drawingml/2006/main" xmlns:r="http://schemas.openxmlformats.org/officeDocument/2006/relationships" xmlns:p="http://schemas.openxmlformats.org/presentationml/2006/main" showMasterSp="0" showMasterPhAnim="0">
-  <p:cSld>
-    <p:spTree>
-      <p:nvGrpSpPr>
-        <p:cNvPr id="1" name="Shape 107"/>
-        <p:cNvGrpSpPr/>
-        <p:nvPr/>
-      </p:nvGrpSpPr>
-      <p:grpSpPr>
-        <a:xfrm>
-          <a:off x="0" y="0"/>
-          <a:ext cx="0" cy="0"/>
-          <a:chOff x="0" y="0"/>
-          <a:chExt cx="0" cy="0"/>
-        </a:xfrm>
-      </p:grpSpPr>
-      <p:sp>
-        <p:nvSpPr>
-          <p:cNvPr id="108" name="Shape 108"/>
-          <p:cNvSpPr>
-            <a:spLocks noGrp="1" noRot="1" noChangeAspect="1"/>
-          </p:cNvSpPr>
-          <p:nvPr>
-            <p:ph type="sldImg" idx="2"/>
-          </p:nvPr>
-        </p:nvSpPr>
-        <p:spPr>
-          <a:xfrm>
-            <a:off x="381000" y="685800"/>
-            <a:ext cx="6096000" cy="3429000"/>
-          </a:xfrm>
-          <a:custGeom>
-            <a:avLst/>
-            <a:gdLst/>
-            <a:ahLst/>
-            <a:cxnLst/>
-            <a:rect l="0" t="0" r="0" b="0"/>
-            <a:pathLst>
-              <a:path w="120000" h="120000" extrusionOk="0">
-                <a:moveTo>
-                  <a:pt x="0" y="0"/>
-                </a:moveTo>
-                <a:lnTo>
-                  <a:pt x="120000" y="0"/>
-                </a:lnTo>
-                <a:lnTo>
-                  <a:pt x="120000" y="120000"/>
-                </a:lnTo>
-                <a:lnTo>
-                  <a:pt x="0" y="120000"/>
-                </a:lnTo>
-                <a:close/>
-              </a:path>
-            </a:pathLst>
-          </a:custGeom>
-        </p:spPr>
-      </p:sp>
-      <p:sp>
-        <p:nvSpPr>
-          <p:cNvPr id="109" name="Shape 109"/>
-          <p:cNvSpPr txBox="1">
-            <a:spLocks noGrp="1"/>
-          </p:cNvSpPr>
-          <p:nvPr>
-            <p:ph type="body" idx="1"/>
-          </p:nvPr>
-        </p:nvSpPr>
-        <p:spPr>
-          <a:xfrm>
-            <a:off x="685800" y="4343400"/>
-            <a:ext cx="5486399" cy="4114800"/>
-          </a:xfrm>
-          <a:prstGeom prst="rect">
-            <a:avLst/>
-          </a:prstGeom>
-        </p:spPr>
-        <p:txBody>
-          <a:bodyPr lIns="91425" tIns="91425" rIns="91425" bIns="91425" anchor="t" anchorCtr="0">
-            <a:noAutofit/>
-          </a:bodyPr>
-          <a:lstStyle/>
-          <a:p>
             <a:pPr marL="0" marR="0" lvl="0" indent="0" algn="l" defTabSz="914400" rtl="0" eaLnBrk="1" fontAlgn="auto" latinLnBrk="0" hangingPunct="1">
               <a:lnSpc>
                 <a:spcPct val="100000"/>
@@ -990,7 +886,7 @@
 </p:notes>
 </file>
 
-<file path=ppt/notesSlides/notesSlide13.xml><?xml version="1.0" encoding="utf-8"?>
+<file path=ppt/notesSlides/notesSlide12.xml><?xml version="1.0" encoding="utf-8"?>
 <p:notes xmlns:a="http://schemas.openxmlformats.org/drawingml/2006/main" xmlns:r="http://schemas.openxmlformats.org/officeDocument/2006/relationships" xmlns:p="http://schemas.openxmlformats.org/presentationml/2006/main" showMasterSp="0" showMasterPhAnim="0">
   <p:cSld>
     <p:spTree>
@@ -1091,7 +987,7 @@
 </p:notes>
 </file>
 
-<file path=ppt/notesSlides/notesSlide14.xml><?xml version="1.0" encoding="utf-8"?>
+<file path=ppt/notesSlides/notesSlide13.xml><?xml version="1.0" encoding="utf-8"?>
 <p:notes xmlns:a="http://schemas.openxmlformats.org/drawingml/2006/main" xmlns:r="http://schemas.openxmlformats.org/officeDocument/2006/relationships" xmlns:p="http://schemas.openxmlformats.org/presentationml/2006/main" showMasterSp="0" showMasterPhAnim="0">
   <p:cSld>
     <p:spTree>
@@ -1210,7 +1106,7 @@
 </p:notes>
 </file>
 
-<file path=ppt/notesSlides/notesSlide15.xml><?xml version="1.0" encoding="utf-8"?>
+<file path=ppt/notesSlides/notesSlide14.xml><?xml version="1.0" encoding="utf-8"?>
 <p:notes xmlns:a="http://schemas.openxmlformats.org/drawingml/2006/main" xmlns:r="http://schemas.openxmlformats.org/officeDocument/2006/relationships" xmlns:p="http://schemas.openxmlformats.org/presentationml/2006/main" showMasterSp="0" showMasterPhAnim="0">
   <p:cSld>
     <p:spTree>
@@ -1300,6 +1196,135 @@
               <a:buNone/>
             </a:pPr>
             <a:endParaRPr/>
+          </a:p>
+        </p:txBody>
+      </p:sp>
+    </p:spTree>
+  </p:cSld>
+  <p:clrMapOvr>
+    <a:masterClrMapping/>
+  </p:clrMapOvr>
+</p:notes>
+</file>
+
+<file path=ppt/notesSlides/notesSlide15.xml><?xml version="1.0" encoding="utf-8"?>
+<p:notes xmlns:a="http://schemas.openxmlformats.org/drawingml/2006/main" xmlns:r="http://schemas.openxmlformats.org/officeDocument/2006/relationships" xmlns:p="http://schemas.openxmlformats.org/presentationml/2006/main" showMasterSp="0" showMasterPhAnim="0">
+  <p:cSld>
+    <p:spTree>
+      <p:nvGrpSpPr>
+        <p:cNvPr id="1" name="Shape 107"/>
+        <p:cNvGrpSpPr/>
+        <p:nvPr/>
+      </p:nvGrpSpPr>
+      <p:grpSpPr>
+        <a:xfrm>
+          <a:off x="0" y="0"/>
+          <a:ext cx="0" cy="0"/>
+          <a:chOff x="0" y="0"/>
+          <a:chExt cx="0" cy="0"/>
+        </a:xfrm>
+      </p:grpSpPr>
+      <p:sp>
+        <p:nvSpPr>
+          <p:cNvPr id="108" name="Shape 108"/>
+          <p:cNvSpPr>
+            <a:spLocks noGrp="1" noRot="1" noChangeAspect="1"/>
+          </p:cNvSpPr>
+          <p:nvPr>
+            <p:ph type="sldImg" idx="2"/>
+          </p:nvPr>
+        </p:nvSpPr>
+        <p:spPr>
+          <a:xfrm>
+            <a:off x="381000" y="685800"/>
+            <a:ext cx="6096000" cy="3429000"/>
+          </a:xfrm>
+          <a:custGeom>
+            <a:avLst/>
+            <a:gdLst/>
+            <a:ahLst/>
+            <a:cxnLst/>
+            <a:rect l="0" t="0" r="0" b="0"/>
+            <a:pathLst>
+              <a:path w="120000" h="120000" extrusionOk="0">
+                <a:moveTo>
+                  <a:pt x="0" y="0"/>
+                </a:moveTo>
+                <a:lnTo>
+                  <a:pt x="120000" y="0"/>
+                </a:lnTo>
+                <a:lnTo>
+                  <a:pt x="120000" y="120000"/>
+                </a:lnTo>
+                <a:lnTo>
+                  <a:pt x="0" y="120000"/>
+                </a:lnTo>
+                <a:close/>
+              </a:path>
+            </a:pathLst>
+          </a:custGeom>
+        </p:spPr>
+      </p:sp>
+      <p:sp>
+        <p:nvSpPr>
+          <p:cNvPr id="109" name="Shape 109"/>
+          <p:cNvSpPr txBox="1">
+            <a:spLocks noGrp="1"/>
+          </p:cNvSpPr>
+          <p:nvPr>
+            <p:ph type="body" idx="1"/>
+          </p:nvPr>
+        </p:nvSpPr>
+        <p:spPr>
+          <a:xfrm>
+            <a:off x="685800" y="4343400"/>
+            <a:ext cx="5486399" cy="4114800"/>
+          </a:xfrm>
+          <a:prstGeom prst="rect">
+            <a:avLst/>
+          </a:prstGeom>
+        </p:spPr>
+        <p:txBody>
+          <a:bodyPr lIns="91425" tIns="91425" rIns="91425" bIns="91425" anchor="t" anchorCtr="0">
+            <a:noAutofit/>
+          </a:bodyPr>
+          <a:lstStyle/>
+          <a:p>
+            <a:pPr marL="0" marR="0" lvl="0" indent="0" algn="l" defTabSz="914400" rtl="0" eaLnBrk="1" fontAlgn="auto" latinLnBrk="0" hangingPunct="1">
+              <a:lnSpc>
+                <a:spcPct val="100000"/>
+              </a:lnSpc>
+              <a:spcBef>
+                <a:spcPts val="0"/>
+              </a:spcBef>
+              <a:spcAft>
+                <a:spcPts val="0"/>
+              </a:spcAft>
+              <a:buClrTx/>
+              <a:buSzTx/>
+              <a:buFontTx/>
+              <a:buNone/>
+              <a:tabLst/>
+              <a:defRPr/>
+            </a:pPr>
+            <a:r>
+              <a:rPr lang="en" dirty="0"/>
+              <a:t>Lösung: Joker als Hilfsmittel</a:t>
+            </a:r>
+            <a:r>
+              <a:rPr lang="en" baseline="0" dirty="0"/>
+              <a:t> welche ein Spieler nutzen kann wenn er/sie auf einer Frage festsitzt.</a:t>
+            </a:r>
+            <a:endParaRPr lang="en" dirty="0"/>
+          </a:p>
+          <a:p>
+            <a:pPr lvl="0">
+              <a:spcBef>
+                <a:spcPts val="0"/>
+              </a:spcBef>
+              <a:buNone/>
+            </a:pPr>
+            <a:endParaRPr dirty="0"/>
           </a:p>
         </p:txBody>
       </p:sp>
@@ -1523,41 +1548,13 @@
           </a:bodyPr>
           <a:lstStyle/>
           <a:p>
-            <a:pPr marL="0" marR="0" lvl="0" indent="0" algn="l" defTabSz="914400" rtl="0" eaLnBrk="1" fontAlgn="auto" latinLnBrk="0" hangingPunct="1">
-              <a:lnSpc>
-                <a:spcPct val="100000"/>
-              </a:lnSpc>
-              <a:spcBef>
-                <a:spcPts val="0"/>
-              </a:spcBef>
-              <a:spcAft>
-                <a:spcPts val="0"/>
-              </a:spcAft>
-              <a:buClrTx/>
-              <a:buSzTx/>
-              <a:buFontTx/>
-              <a:buNone/>
-              <a:tabLst/>
-              <a:defRPr/>
-            </a:pPr>
-            <a:r>
-              <a:rPr lang="en" dirty="0"/>
-              <a:t>Lösung: Joker als Hilfsmittel</a:t>
-            </a:r>
-            <a:r>
-              <a:rPr lang="en" baseline="0" dirty="0"/>
-              <a:t> welche ein Spieler nutzen kann wenn er/sie auf einer Frage festsitzt.</a:t>
-            </a:r>
-            <a:endParaRPr lang="en" dirty="0"/>
-          </a:p>
-          <a:p>
             <a:pPr lvl="0">
               <a:spcBef>
                 <a:spcPts val="0"/>
               </a:spcBef>
               <a:buNone/>
             </a:pPr>
-            <a:endParaRPr dirty="0"/>
+            <a:endParaRPr/>
           </a:p>
         </p:txBody>
       </p:sp>
@@ -3089,107 +3086,6 @@
   <p:cSld>
     <p:spTree>
       <p:nvGrpSpPr>
-        <p:cNvPr id="1" name="Shape 107"/>
-        <p:cNvGrpSpPr/>
-        <p:nvPr/>
-      </p:nvGrpSpPr>
-      <p:grpSpPr>
-        <a:xfrm>
-          <a:off x="0" y="0"/>
-          <a:ext cx="0" cy="0"/>
-          <a:chOff x="0" y="0"/>
-          <a:chExt cx="0" cy="0"/>
-        </a:xfrm>
-      </p:grpSpPr>
-      <p:sp>
-        <p:nvSpPr>
-          <p:cNvPr id="108" name="Shape 108"/>
-          <p:cNvSpPr>
-            <a:spLocks noGrp="1" noRot="1" noChangeAspect="1"/>
-          </p:cNvSpPr>
-          <p:nvPr>
-            <p:ph type="sldImg" idx="2"/>
-          </p:nvPr>
-        </p:nvSpPr>
-        <p:spPr>
-          <a:xfrm>
-            <a:off x="381000" y="685800"/>
-            <a:ext cx="6096000" cy="3429000"/>
-          </a:xfrm>
-          <a:custGeom>
-            <a:avLst/>
-            <a:gdLst/>
-            <a:ahLst/>
-            <a:cxnLst/>
-            <a:rect l="0" t="0" r="0" b="0"/>
-            <a:pathLst>
-              <a:path w="120000" h="120000" extrusionOk="0">
-                <a:moveTo>
-                  <a:pt x="0" y="0"/>
-                </a:moveTo>
-                <a:lnTo>
-                  <a:pt x="120000" y="0"/>
-                </a:lnTo>
-                <a:lnTo>
-                  <a:pt x="120000" y="120000"/>
-                </a:lnTo>
-                <a:lnTo>
-                  <a:pt x="0" y="120000"/>
-                </a:lnTo>
-                <a:close/>
-              </a:path>
-            </a:pathLst>
-          </a:custGeom>
-        </p:spPr>
-      </p:sp>
-      <p:sp>
-        <p:nvSpPr>
-          <p:cNvPr id="109" name="Shape 109"/>
-          <p:cNvSpPr txBox="1">
-            <a:spLocks noGrp="1"/>
-          </p:cNvSpPr>
-          <p:nvPr>
-            <p:ph type="body" idx="1"/>
-          </p:nvPr>
-        </p:nvSpPr>
-        <p:spPr>
-          <a:xfrm>
-            <a:off x="685800" y="4343400"/>
-            <a:ext cx="5486399" cy="4114800"/>
-          </a:xfrm>
-          <a:prstGeom prst="rect">
-            <a:avLst/>
-          </a:prstGeom>
-        </p:spPr>
-        <p:txBody>
-          <a:bodyPr lIns="91425" tIns="91425" rIns="91425" bIns="91425" anchor="t" anchorCtr="0">
-            <a:noAutofit/>
-          </a:bodyPr>
-          <a:lstStyle/>
-          <a:p>
-            <a:pPr lvl="0">
-              <a:spcBef>
-                <a:spcPts val="0"/>
-              </a:spcBef>
-              <a:buNone/>
-            </a:pPr>
-            <a:endParaRPr/>
-          </a:p>
-        </p:txBody>
-      </p:sp>
-    </p:spTree>
-  </p:cSld>
-  <p:clrMapOvr>
-    <a:masterClrMapping/>
-  </p:clrMapOvr>
-</p:notes>
-</file>
-
-<file path=ppt/notesSlides/notesSlide32.xml><?xml version="1.0" encoding="utf-8"?>
-<p:notes xmlns:a="http://schemas.openxmlformats.org/drawingml/2006/main" xmlns:r="http://schemas.openxmlformats.org/officeDocument/2006/relationships" xmlns:p="http://schemas.openxmlformats.org/presentationml/2006/main" showMasterSp="0" showMasterPhAnim="0">
-  <p:cSld>
-    <p:spTree>
-      <p:nvGrpSpPr>
         <p:cNvPr id="1" name="Shape 118"/>
         <p:cNvGrpSpPr/>
         <p:nvPr/>
@@ -3286,7 +3182,7 @@
 </p:notes>
 </file>
 
-<file path=ppt/notesSlides/notesSlide33.xml><?xml version="1.0" encoding="utf-8"?>
+<file path=ppt/notesSlides/notesSlide32.xml><?xml version="1.0" encoding="utf-8"?>
 <p:notes xmlns:a="http://schemas.openxmlformats.org/drawingml/2006/main" xmlns:r="http://schemas.openxmlformats.org/officeDocument/2006/relationships" xmlns:p="http://schemas.openxmlformats.org/presentationml/2006/main" showMasterSp="0" showMasterPhAnim="0">
   <p:cSld>
     <p:spTree>
@@ -3347,6 +3243,107 @@
       <p:sp>
         <p:nvSpPr>
           <p:cNvPr id="97" name="Shape 97"/>
+          <p:cNvSpPr txBox="1">
+            <a:spLocks noGrp="1"/>
+          </p:cNvSpPr>
+          <p:nvPr>
+            <p:ph type="body" idx="1"/>
+          </p:nvPr>
+        </p:nvSpPr>
+        <p:spPr>
+          <a:xfrm>
+            <a:off x="685800" y="4343400"/>
+            <a:ext cx="5486399" cy="4114800"/>
+          </a:xfrm>
+          <a:prstGeom prst="rect">
+            <a:avLst/>
+          </a:prstGeom>
+        </p:spPr>
+        <p:txBody>
+          <a:bodyPr lIns="91425" tIns="91425" rIns="91425" bIns="91425" anchor="t" anchorCtr="0">
+            <a:noAutofit/>
+          </a:bodyPr>
+          <a:lstStyle/>
+          <a:p>
+            <a:pPr lvl="0">
+              <a:spcBef>
+                <a:spcPts val="0"/>
+              </a:spcBef>
+              <a:buNone/>
+            </a:pPr>
+            <a:endParaRPr/>
+          </a:p>
+        </p:txBody>
+      </p:sp>
+    </p:spTree>
+  </p:cSld>
+  <p:clrMapOvr>
+    <a:masterClrMapping/>
+  </p:clrMapOvr>
+</p:notes>
+</file>
+
+<file path=ppt/notesSlides/notesSlide33.xml><?xml version="1.0" encoding="utf-8"?>
+<p:notes xmlns:a="http://schemas.openxmlformats.org/drawingml/2006/main" xmlns:r="http://schemas.openxmlformats.org/officeDocument/2006/relationships" xmlns:p="http://schemas.openxmlformats.org/presentationml/2006/main" showMasterSp="0" showMasterPhAnim="0">
+  <p:cSld>
+    <p:spTree>
+      <p:nvGrpSpPr>
+        <p:cNvPr id="1" name="Shape 107"/>
+        <p:cNvGrpSpPr/>
+        <p:nvPr/>
+      </p:nvGrpSpPr>
+      <p:grpSpPr>
+        <a:xfrm>
+          <a:off x="0" y="0"/>
+          <a:ext cx="0" cy="0"/>
+          <a:chOff x="0" y="0"/>
+          <a:chExt cx="0" cy="0"/>
+        </a:xfrm>
+      </p:grpSpPr>
+      <p:sp>
+        <p:nvSpPr>
+          <p:cNvPr id="108" name="Shape 108"/>
+          <p:cNvSpPr>
+            <a:spLocks noGrp="1" noRot="1" noChangeAspect="1"/>
+          </p:cNvSpPr>
+          <p:nvPr>
+            <p:ph type="sldImg" idx="2"/>
+          </p:nvPr>
+        </p:nvSpPr>
+        <p:spPr>
+          <a:xfrm>
+            <a:off x="381000" y="685800"/>
+            <a:ext cx="6096000" cy="3429000"/>
+          </a:xfrm>
+          <a:custGeom>
+            <a:avLst/>
+            <a:gdLst/>
+            <a:ahLst/>
+            <a:cxnLst/>
+            <a:rect l="0" t="0" r="0" b="0"/>
+            <a:pathLst>
+              <a:path w="120000" h="120000" extrusionOk="0">
+                <a:moveTo>
+                  <a:pt x="0" y="0"/>
+                </a:moveTo>
+                <a:lnTo>
+                  <a:pt x="120000" y="0"/>
+                </a:lnTo>
+                <a:lnTo>
+                  <a:pt x="120000" y="120000"/>
+                </a:lnTo>
+                <a:lnTo>
+                  <a:pt x="0" y="120000"/>
+                </a:lnTo>
+                <a:close/>
+              </a:path>
+            </a:pathLst>
+          </a:custGeom>
+        </p:spPr>
+      </p:sp>
+      <p:sp>
+        <p:nvSpPr>
+          <p:cNvPr id="109" name="Shape 109"/>
           <p:cNvSpPr txBox="1">
             <a:spLocks noGrp="1"/>
           </p:cNvSpPr>
@@ -3577,7 +3574,19 @@
               </a:spcBef>
               <a:buNone/>
             </a:pPr>
-            <a:endParaRPr/>
+            <a:r>
+              <a:rPr lang="de-DE" dirty="0"/>
+              <a:t>Hätte </a:t>
+            </a:r>
+            <a:r>
+              <a:rPr lang="de-DE" dirty="0" err="1"/>
+              <a:t>ordinal</a:t>
+            </a:r>
+            <a:r>
+              <a:rPr lang="de-DE" baseline="0" dirty="0"/>
+              <a:t> persistieren sollen</a:t>
+            </a:r>
+            <a:endParaRPr dirty="0"/>
           </a:p>
         </p:txBody>
       </p:sp>
@@ -3680,15 +3689,19 @@
             </a:pPr>
             <a:r>
               <a:rPr lang="de-DE" dirty="0"/>
-              <a:t>Hätte </a:t>
-            </a:r>
-            <a:r>
-              <a:rPr lang="de-DE" dirty="0" err="1"/>
-              <a:t>ordinal</a:t>
+              <a:t>Preis</a:t>
             </a:r>
             <a:r>
               <a:rPr lang="de-DE" baseline="0" dirty="0"/>
-              <a:t> persistieren sollen</a:t>
+              <a:t> für aktuelle Frage? Letzter </a:t>
+            </a:r>
+            <a:r>
+              <a:rPr lang="de-DE" baseline="0" dirty="0" err="1"/>
+              <a:t>checkpoint</a:t>
+            </a:r>
+            <a:r>
+              <a:rPr lang="de-DE" baseline="0" dirty="0"/>
+              <a:t> falls verloren?</a:t>
             </a:r>
             <a:endParaRPr dirty="0"/>
           </a:p>
@@ -3908,23 +3921,7 @@
               </a:spcBef>
               <a:buNone/>
             </a:pPr>
-            <a:r>
-              <a:rPr lang="de-DE" dirty="0"/>
-              <a:t>Preis</a:t>
-            </a:r>
-            <a:r>
-              <a:rPr lang="de-DE" baseline="0" dirty="0"/>
-              <a:t> für aktuelle Frage? Letzter </a:t>
-            </a:r>
-            <a:r>
-              <a:rPr lang="de-DE" baseline="0" dirty="0" err="1"/>
-              <a:t>checkpoint</a:t>
-            </a:r>
-            <a:r>
-              <a:rPr lang="de-DE" baseline="0" dirty="0"/>
-              <a:t> falls verloren?</a:t>
-            </a:r>
-            <a:endParaRPr dirty="0"/>
+            <a:endParaRPr/>
           </a:p>
         </p:txBody>
       </p:sp>
@@ -4333,6 +4330,11 @@
         </p:txBody>
       </p:sp>
     </p:spTree>
+    <p:extLst>
+      <p:ext uri="{BB962C8B-B14F-4D97-AF65-F5344CB8AC3E}">
+        <p14:creationId xmlns:p14="http://schemas.microsoft.com/office/powerpoint/2010/main" val="412985722"/>
+      </p:ext>
+    </p:extLst>
   </p:cSld>
   <p:clrMapOvr>
     <a:masterClrMapping/>
@@ -4434,11 +4436,6 @@
         </p:txBody>
       </p:sp>
     </p:spTree>
-    <p:extLst>
-      <p:ext uri="{BB962C8B-B14F-4D97-AF65-F5344CB8AC3E}">
-        <p14:creationId xmlns:p14="http://schemas.microsoft.com/office/powerpoint/2010/main" val="412985722"/>
-      </p:ext>
-    </p:extLst>
   </p:cSld>
   <p:clrMapOvr>
     <a:masterClrMapping/>
@@ -4447,107 +4444,6 @@
 </file>
 
 <file path=ppt/notesSlides/notesSlide43.xml><?xml version="1.0" encoding="utf-8"?>
-<p:notes xmlns:a="http://schemas.openxmlformats.org/drawingml/2006/main" xmlns:r="http://schemas.openxmlformats.org/officeDocument/2006/relationships" xmlns:p="http://schemas.openxmlformats.org/presentationml/2006/main" showMasterSp="0" showMasterPhAnim="0">
-  <p:cSld>
-    <p:spTree>
-      <p:nvGrpSpPr>
-        <p:cNvPr id="1" name="Shape 107"/>
-        <p:cNvGrpSpPr/>
-        <p:nvPr/>
-      </p:nvGrpSpPr>
-      <p:grpSpPr>
-        <a:xfrm>
-          <a:off x="0" y="0"/>
-          <a:ext cx="0" cy="0"/>
-          <a:chOff x="0" y="0"/>
-          <a:chExt cx="0" cy="0"/>
-        </a:xfrm>
-      </p:grpSpPr>
-      <p:sp>
-        <p:nvSpPr>
-          <p:cNvPr id="108" name="Shape 108"/>
-          <p:cNvSpPr>
-            <a:spLocks noGrp="1" noRot="1" noChangeAspect="1"/>
-          </p:cNvSpPr>
-          <p:nvPr>
-            <p:ph type="sldImg" idx="2"/>
-          </p:nvPr>
-        </p:nvSpPr>
-        <p:spPr>
-          <a:xfrm>
-            <a:off x="381000" y="685800"/>
-            <a:ext cx="6096000" cy="3429000"/>
-          </a:xfrm>
-          <a:custGeom>
-            <a:avLst/>
-            <a:gdLst/>
-            <a:ahLst/>
-            <a:cxnLst/>
-            <a:rect l="0" t="0" r="0" b="0"/>
-            <a:pathLst>
-              <a:path w="120000" h="120000" extrusionOk="0">
-                <a:moveTo>
-                  <a:pt x="0" y="0"/>
-                </a:moveTo>
-                <a:lnTo>
-                  <a:pt x="120000" y="0"/>
-                </a:lnTo>
-                <a:lnTo>
-                  <a:pt x="120000" y="120000"/>
-                </a:lnTo>
-                <a:lnTo>
-                  <a:pt x="0" y="120000"/>
-                </a:lnTo>
-                <a:close/>
-              </a:path>
-            </a:pathLst>
-          </a:custGeom>
-        </p:spPr>
-      </p:sp>
-      <p:sp>
-        <p:nvSpPr>
-          <p:cNvPr id="109" name="Shape 109"/>
-          <p:cNvSpPr txBox="1">
-            <a:spLocks noGrp="1"/>
-          </p:cNvSpPr>
-          <p:nvPr>
-            <p:ph type="body" idx="1"/>
-          </p:nvPr>
-        </p:nvSpPr>
-        <p:spPr>
-          <a:xfrm>
-            <a:off x="685800" y="4343400"/>
-            <a:ext cx="5486399" cy="4114800"/>
-          </a:xfrm>
-          <a:prstGeom prst="rect">
-            <a:avLst/>
-          </a:prstGeom>
-        </p:spPr>
-        <p:txBody>
-          <a:bodyPr lIns="91425" tIns="91425" rIns="91425" bIns="91425" anchor="t" anchorCtr="0">
-            <a:noAutofit/>
-          </a:bodyPr>
-          <a:lstStyle/>
-          <a:p>
-            <a:pPr lvl="0">
-              <a:spcBef>
-                <a:spcPts val="0"/>
-              </a:spcBef>
-              <a:buNone/>
-            </a:pPr>
-            <a:endParaRPr/>
-          </a:p>
-        </p:txBody>
-      </p:sp>
-    </p:spTree>
-  </p:cSld>
-  <p:clrMapOvr>
-    <a:masterClrMapping/>
-  </p:clrMapOvr>
-</p:notes>
-</file>
-
-<file path=ppt/notesSlides/notesSlide44.xml><?xml version="1.0" encoding="utf-8"?>
 <p:notes xmlns:a="http://schemas.openxmlformats.org/drawingml/2006/main" xmlns:r="http://schemas.openxmlformats.org/officeDocument/2006/relationships" xmlns:p="http://schemas.openxmlformats.org/presentationml/2006/main" showMasterSp="0" showMasterPhAnim="0">
   <p:cSld>
     <p:spTree>
@@ -4648,108 +4544,7 @@
 </p:notes>
 </file>
 
-<file path=ppt/notesSlides/notesSlide45.xml><?xml version="1.0" encoding="utf-8"?>
-<p:notes xmlns:a="http://schemas.openxmlformats.org/drawingml/2006/main" xmlns:r="http://schemas.openxmlformats.org/officeDocument/2006/relationships" xmlns:p="http://schemas.openxmlformats.org/presentationml/2006/main" showMasterSp="0" showMasterPhAnim="0">
-  <p:cSld>
-    <p:spTree>
-      <p:nvGrpSpPr>
-        <p:cNvPr id="1" name="Shape 107"/>
-        <p:cNvGrpSpPr/>
-        <p:nvPr/>
-      </p:nvGrpSpPr>
-      <p:grpSpPr>
-        <a:xfrm>
-          <a:off x="0" y="0"/>
-          <a:ext cx="0" cy="0"/>
-          <a:chOff x="0" y="0"/>
-          <a:chExt cx="0" cy="0"/>
-        </a:xfrm>
-      </p:grpSpPr>
-      <p:sp>
-        <p:nvSpPr>
-          <p:cNvPr id="108" name="Shape 108"/>
-          <p:cNvSpPr>
-            <a:spLocks noGrp="1" noRot="1" noChangeAspect="1"/>
-          </p:cNvSpPr>
-          <p:nvPr>
-            <p:ph type="sldImg" idx="2"/>
-          </p:nvPr>
-        </p:nvSpPr>
-        <p:spPr>
-          <a:xfrm>
-            <a:off x="381000" y="685800"/>
-            <a:ext cx="6096000" cy="3429000"/>
-          </a:xfrm>
-          <a:custGeom>
-            <a:avLst/>
-            <a:gdLst/>
-            <a:ahLst/>
-            <a:cxnLst/>
-            <a:rect l="0" t="0" r="0" b="0"/>
-            <a:pathLst>
-              <a:path w="120000" h="120000" extrusionOk="0">
-                <a:moveTo>
-                  <a:pt x="0" y="0"/>
-                </a:moveTo>
-                <a:lnTo>
-                  <a:pt x="120000" y="0"/>
-                </a:lnTo>
-                <a:lnTo>
-                  <a:pt x="120000" y="120000"/>
-                </a:lnTo>
-                <a:lnTo>
-                  <a:pt x="0" y="120000"/>
-                </a:lnTo>
-                <a:close/>
-              </a:path>
-            </a:pathLst>
-          </a:custGeom>
-        </p:spPr>
-      </p:sp>
-      <p:sp>
-        <p:nvSpPr>
-          <p:cNvPr id="109" name="Shape 109"/>
-          <p:cNvSpPr txBox="1">
-            <a:spLocks noGrp="1"/>
-          </p:cNvSpPr>
-          <p:nvPr>
-            <p:ph type="body" idx="1"/>
-          </p:nvPr>
-        </p:nvSpPr>
-        <p:spPr>
-          <a:xfrm>
-            <a:off x="685800" y="4343400"/>
-            <a:ext cx="5486399" cy="4114800"/>
-          </a:xfrm>
-          <a:prstGeom prst="rect">
-            <a:avLst/>
-          </a:prstGeom>
-        </p:spPr>
-        <p:txBody>
-          <a:bodyPr lIns="91425" tIns="91425" rIns="91425" bIns="91425" anchor="t" anchorCtr="0">
-            <a:noAutofit/>
-          </a:bodyPr>
-          <a:lstStyle/>
-          <a:p>
-            <a:pPr lvl="0">
-              <a:spcBef>
-                <a:spcPts val="0"/>
-              </a:spcBef>
-              <a:buNone/>
-            </a:pPr>
-            <a:endParaRPr/>
-          </a:p>
-        </p:txBody>
-      </p:sp>
-    </p:spTree>
-  </p:cSld>
-  <p:clrMapOvr>
-    <a:masterClrMapping/>
-  </p:clrMapOvr>
-</p:notes>
-</file>
-
-<file path=ppt/notesSlides/notesSlide46.xml><?xml version="1.0" encoding="utf-8"?>
+<file path=ppt/notesSlides/notesSlide44.xml><?xml version="1.0" encoding="utf-8"?>
 <p:notes xmlns:a="http://schemas.openxmlformats.org/drawingml/2006/main" xmlns:r="http://schemas.openxmlformats.org/officeDocument/2006/relationships" xmlns:p="http://schemas.openxmlformats.org/presentationml/2006/main" showMasterSp="0" showMasterPhAnim="0">
   <p:cSld>
     <p:spTree>
@@ -4850,7 +4645,7 @@
 </p:notes>
 </file>
 
-<file path=ppt/notesSlides/notesSlide47.xml><?xml version="1.0" encoding="utf-8"?>
+<file path=ppt/notesSlides/notesSlide45.xml><?xml version="1.0" encoding="utf-8"?>
 <p:notes xmlns:a="http://schemas.openxmlformats.org/drawingml/2006/main" xmlns:r="http://schemas.openxmlformats.org/officeDocument/2006/relationships" xmlns:p="http://schemas.openxmlformats.org/presentationml/2006/main" showMasterSp="0" showMasterPhAnim="0">
   <p:cSld>
     <p:spTree>
@@ -4951,108 +4746,7 @@
 </p:notes>
 </file>
 
-<file path=ppt/notesSlides/notesSlide48.xml><?xml version="1.0" encoding="utf-8"?>
-<p:notes xmlns:a="http://schemas.openxmlformats.org/drawingml/2006/main" xmlns:r="http://schemas.openxmlformats.org/officeDocument/2006/relationships" xmlns:p="http://schemas.openxmlformats.org/presentationml/2006/main" showMasterSp="0" showMasterPhAnim="0">
-  <p:cSld>
-    <p:spTree>
-      <p:nvGrpSpPr>
-        <p:cNvPr id="1" name="Shape 107"/>
-        <p:cNvGrpSpPr/>
-        <p:nvPr/>
-      </p:nvGrpSpPr>
-      <p:grpSpPr>
-        <a:xfrm>
-          <a:off x="0" y="0"/>
-          <a:ext cx="0" cy="0"/>
-          <a:chOff x="0" y="0"/>
-          <a:chExt cx="0" cy="0"/>
-        </a:xfrm>
-      </p:grpSpPr>
-      <p:sp>
-        <p:nvSpPr>
-          <p:cNvPr id="108" name="Shape 108"/>
-          <p:cNvSpPr>
-            <a:spLocks noGrp="1" noRot="1" noChangeAspect="1"/>
-          </p:cNvSpPr>
-          <p:nvPr>
-            <p:ph type="sldImg" idx="2"/>
-          </p:nvPr>
-        </p:nvSpPr>
-        <p:spPr>
-          <a:xfrm>
-            <a:off x="381000" y="685800"/>
-            <a:ext cx="6096000" cy="3429000"/>
-          </a:xfrm>
-          <a:custGeom>
-            <a:avLst/>
-            <a:gdLst/>
-            <a:ahLst/>
-            <a:cxnLst/>
-            <a:rect l="0" t="0" r="0" b="0"/>
-            <a:pathLst>
-              <a:path w="120000" h="120000" extrusionOk="0">
-                <a:moveTo>
-                  <a:pt x="0" y="0"/>
-                </a:moveTo>
-                <a:lnTo>
-                  <a:pt x="120000" y="0"/>
-                </a:lnTo>
-                <a:lnTo>
-                  <a:pt x="120000" y="120000"/>
-                </a:lnTo>
-                <a:lnTo>
-                  <a:pt x="0" y="120000"/>
-                </a:lnTo>
-                <a:close/>
-              </a:path>
-            </a:pathLst>
-          </a:custGeom>
-        </p:spPr>
-      </p:sp>
-      <p:sp>
-        <p:nvSpPr>
-          <p:cNvPr id="109" name="Shape 109"/>
-          <p:cNvSpPr txBox="1">
-            <a:spLocks noGrp="1"/>
-          </p:cNvSpPr>
-          <p:nvPr>
-            <p:ph type="body" idx="1"/>
-          </p:nvPr>
-        </p:nvSpPr>
-        <p:spPr>
-          <a:xfrm>
-            <a:off x="685800" y="4343400"/>
-            <a:ext cx="5486399" cy="4114800"/>
-          </a:xfrm>
-          <a:prstGeom prst="rect">
-            <a:avLst/>
-          </a:prstGeom>
-        </p:spPr>
-        <p:txBody>
-          <a:bodyPr lIns="91425" tIns="91425" rIns="91425" bIns="91425" anchor="t" anchorCtr="0">
-            <a:noAutofit/>
-          </a:bodyPr>
-          <a:lstStyle/>
-          <a:p>
-            <a:pPr lvl="0">
-              <a:spcBef>
-                <a:spcPts val="0"/>
-              </a:spcBef>
-              <a:buNone/>
-            </a:pPr>
-            <a:endParaRPr/>
-          </a:p>
-        </p:txBody>
-      </p:sp>
-    </p:spTree>
-  </p:cSld>
-  <p:clrMapOvr>
-    <a:masterClrMapping/>
-  </p:clrMapOvr>
-</p:notes>
-</file>
-
-<file path=ppt/notesSlides/notesSlide49.xml><?xml version="1.0" encoding="utf-8"?>
+<file path=ppt/notesSlides/notesSlide46.xml><?xml version="1.0" encoding="utf-8"?>
 <p:notes xmlns:a="http://schemas.openxmlformats.org/drawingml/2006/main" xmlns:r="http://schemas.openxmlformats.org/officeDocument/2006/relationships" xmlns:p="http://schemas.openxmlformats.org/presentationml/2006/main" showMasterSp="0" showMasterPhAnim="0">
   <p:cSld>
     <p:spTree>
@@ -5158,6 +4852,107 @@
 </p:notes>
 </file>
 
+<file path=ppt/notesSlides/notesSlide47.xml><?xml version="1.0" encoding="utf-8"?>
+<p:notes xmlns:a="http://schemas.openxmlformats.org/drawingml/2006/main" xmlns:r="http://schemas.openxmlformats.org/officeDocument/2006/relationships" xmlns:p="http://schemas.openxmlformats.org/presentationml/2006/main" showMasterSp="0" showMasterPhAnim="0">
+  <p:cSld>
+    <p:spTree>
+      <p:nvGrpSpPr>
+        <p:cNvPr id="1" name="Shape 372"/>
+        <p:cNvGrpSpPr/>
+        <p:nvPr/>
+      </p:nvGrpSpPr>
+      <p:grpSpPr>
+        <a:xfrm>
+          <a:off x="0" y="0"/>
+          <a:ext cx="0" cy="0"/>
+          <a:chOff x="0" y="0"/>
+          <a:chExt cx="0" cy="0"/>
+        </a:xfrm>
+      </p:grpSpPr>
+      <p:sp>
+        <p:nvSpPr>
+          <p:cNvPr id="373" name="Shape 373"/>
+          <p:cNvSpPr>
+            <a:spLocks noGrp="1" noRot="1" noChangeAspect="1"/>
+          </p:cNvSpPr>
+          <p:nvPr>
+            <p:ph type="sldImg" idx="2"/>
+          </p:nvPr>
+        </p:nvSpPr>
+        <p:spPr>
+          <a:xfrm>
+            <a:off x="381000" y="685800"/>
+            <a:ext cx="6096000" cy="3429000"/>
+          </a:xfrm>
+          <a:custGeom>
+            <a:avLst/>
+            <a:gdLst/>
+            <a:ahLst/>
+            <a:cxnLst/>
+            <a:rect l="0" t="0" r="0" b="0"/>
+            <a:pathLst>
+              <a:path w="120000" h="120000" extrusionOk="0">
+                <a:moveTo>
+                  <a:pt x="0" y="0"/>
+                </a:moveTo>
+                <a:lnTo>
+                  <a:pt x="120000" y="0"/>
+                </a:lnTo>
+                <a:lnTo>
+                  <a:pt x="120000" y="120000"/>
+                </a:lnTo>
+                <a:lnTo>
+                  <a:pt x="0" y="120000"/>
+                </a:lnTo>
+                <a:close/>
+              </a:path>
+            </a:pathLst>
+          </a:custGeom>
+        </p:spPr>
+      </p:sp>
+      <p:sp>
+        <p:nvSpPr>
+          <p:cNvPr id="374" name="Shape 374"/>
+          <p:cNvSpPr txBox="1">
+            <a:spLocks noGrp="1"/>
+          </p:cNvSpPr>
+          <p:nvPr>
+            <p:ph type="body" idx="1"/>
+          </p:nvPr>
+        </p:nvSpPr>
+        <p:spPr>
+          <a:xfrm>
+            <a:off x="685800" y="4343400"/>
+            <a:ext cx="5486399" cy="4114800"/>
+          </a:xfrm>
+          <a:prstGeom prst="rect">
+            <a:avLst/>
+          </a:prstGeom>
+        </p:spPr>
+        <p:txBody>
+          <a:bodyPr lIns="91425" tIns="91425" rIns="91425" bIns="91425" anchor="t" anchorCtr="0">
+            <a:noAutofit/>
+          </a:bodyPr>
+          <a:lstStyle/>
+          <a:p>
+            <a:pPr lvl="0">
+              <a:spcBef>
+                <a:spcPts val="0"/>
+              </a:spcBef>
+              <a:buNone/>
+            </a:pPr>
+            <a:endParaRPr/>
+          </a:p>
+        </p:txBody>
+      </p:sp>
+    </p:spTree>
+  </p:cSld>
+  <p:clrMapOvr>
+    <a:masterClrMapping/>
+  </p:clrMapOvr>
+</p:notes>
+</file>
+
 <file path=ppt/notesSlides/notesSlide5.xml><?xml version="1.0" encoding="utf-8"?>
 <p:notes xmlns:a="http://schemas.openxmlformats.org/drawingml/2006/main" xmlns:r="http://schemas.openxmlformats.org/officeDocument/2006/relationships" xmlns:p="http://schemas.openxmlformats.org/presentationml/2006/main" showMasterSp="0" showMasterPhAnim="0">
   <p:cSld>
@@ -5219,107 +5014,6 @@
       <p:sp>
         <p:nvSpPr>
           <p:cNvPr id="109" name="Shape 109"/>
-          <p:cNvSpPr txBox="1">
-            <a:spLocks noGrp="1"/>
-          </p:cNvSpPr>
-          <p:nvPr>
-            <p:ph type="body" idx="1"/>
-          </p:nvPr>
-        </p:nvSpPr>
-        <p:spPr>
-          <a:xfrm>
-            <a:off x="685800" y="4343400"/>
-            <a:ext cx="5486399" cy="4114800"/>
-          </a:xfrm>
-          <a:prstGeom prst="rect">
-            <a:avLst/>
-          </a:prstGeom>
-        </p:spPr>
-        <p:txBody>
-          <a:bodyPr lIns="91425" tIns="91425" rIns="91425" bIns="91425" anchor="t" anchorCtr="0">
-            <a:noAutofit/>
-          </a:bodyPr>
-          <a:lstStyle/>
-          <a:p>
-            <a:pPr lvl="0">
-              <a:spcBef>
-                <a:spcPts val="0"/>
-              </a:spcBef>
-              <a:buNone/>
-            </a:pPr>
-            <a:endParaRPr/>
-          </a:p>
-        </p:txBody>
-      </p:sp>
-    </p:spTree>
-  </p:cSld>
-  <p:clrMapOvr>
-    <a:masterClrMapping/>
-  </p:clrMapOvr>
-</p:notes>
-</file>
-
-<file path=ppt/notesSlides/notesSlide50.xml><?xml version="1.0" encoding="utf-8"?>
-<p:notes xmlns:a="http://schemas.openxmlformats.org/drawingml/2006/main" xmlns:r="http://schemas.openxmlformats.org/officeDocument/2006/relationships" xmlns:p="http://schemas.openxmlformats.org/presentationml/2006/main" showMasterSp="0" showMasterPhAnim="0">
-  <p:cSld>
-    <p:spTree>
-      <p:nvGrpSpPr>
-        <p:cNvPr id="1" name="Shape 372"/>
-        <p:cNvGrpSpPr/>
-        <p:nvPr/>
-      </p:nvGrpSpPr>
-      <p:grpSpPr>
-        <a:xfrm>
-          <a:off x="0" y="0"/>
-          <a:ext cx="0" cy="0"/>
-          <a:chOff x="0" y="0"/>
-          <a:chExt cx="0" cy="0"/>
-        </a:xfrm>
-      </p:grpSpPr>
-      <p:sp>
-        <p:nvSpPr>
-          <p:cNvPr id="373" name="Shape 373"/>
-          <p:cNvSpPr>
-            <a:spLocks noGrp="1" noRot="1" noChangeAspect="1"/>
-          </p:cNvSpPr>
-          <p:nvPr>
-            <p:ph type="sldImg" idx="2"/>
-          </p:nvPr>
-        </p:nvSpPr>
-        <p:spPr>
-          <a:xfrm>
-            <a:off x="381000" y="685800"/>
-            <a:ext cx="6096000" cy="3429000"/>
-          </a:xfrm>
-          <a:custGeom>
-            <a:avLst/>
-            <a:gdLst/>
-            <a:ahLst/>
-            <a:cxnLst/>
-            <a:rect l="0" t="0" r="0" b="0"/>
-            <a:pathLst>
-              <a:path w="120000" h="120000" extrusionOk="0">
-                <a:moveTo>
-                  <a:pt x="0" y="0"/>
-                </a:moveTo>
-                <a:lnTo>
-                  <a:pt x="120000" y="0"/>
-                </a:lnTo>
-                <a:lnTo>
-                  <a:pt x="120000" y="120000"/>
-                </a:lnTo>
-                <a:lnTo>
-                  <a:pt x="0" y="120000"/>
-                </a:lnTo>
-                <a:close/>
-              </a:path>
-            </a:pathLst>
-          </a:custGeom>
-        </p:spPr>
-      </p:sp>
-      <p:sp>
-        <p:nvSpPr>
-          <p:cNvPr id="374" name="Shape 374"/>
           <p:cNvSpPr txBox="1">
             <a:spLocks noGrp="1"/>
           </p:cNvSpPr>
@@ -8546,7 +8240,7 @@
                   <a:srgbClr val="FFCD00"/>
                 </a:highlight>
               </a:rPr>
-              <a:t>Ursprünglicher Ansatz</a:t>
+              <a:t>Ursprünglicher Ansatz – Das Spiel</a:t>
             </a:r>
           </a:p>
         </p:txBody>
@@ -8576,48 +8270,44 @@
           </a:bodyPr>
           <a:lstStyle/>
           <a:p>
-            <a:pPr>
+            <a:pPr marL="457200" lvl="0" indent="-228600" rtl="0">
+              <a:spcBef>
+                <a:spcPts val="0"/>
+              </a:spcBef>
+              <a:buNone/>
+            </a:pPr>
+            <a:r>
+              <a:rPr lang="en" dirty="0"/>
+              <a:t>Ein Spieler...</a:t>
+            </a:r>
+          </a:p>
+          <a:p>
+            <a:pPr marL="457200" lvl="0" indent="-228600" rtl="0">
+              <a:spcBef>
+                <a:spcPts val="0"/>
+              </a:spcBef>
+              <a:buNone/>
+            </a:pPr>
+            <a:endParaRPr lang="en" dirty="0"/>
+          </a:p>
+          <a:p>
+            <a:pPr marL="457200" lvl="0" indent="-228600" rtl="0">
               <a:spcBef>
                 <a:spcPts val="0"/>
               </a:spcBef>
             </a:pPr>
             <a:r>
-              <a:rPr lang="de-DE" dirty="0"/>
-              <a:t> Das Spiel</a:t>
+              <a:rPr lang="en" dirty="0"/>
+              <a:t>bekommt 15 Fragen gestellt um potenziell        € 1.000.000 zu gewinnen </a:t>
             </a:r>
           </a:p>
           <a:p>
-            <a:pPr>
+            <a:pPr lvl="0">
               <a:spcBef>
                 <a:spcPts val="0"/>
               </a:spcBef>
+              <a:buNone/>
             </a:pPr>
-            <a:r>
-              <a:rPr lang="de-DE" dirty="0"/>
-              <a:t> Die Fragen</a:t>
-            </a:r>
-          </a:p>
-          <a:p>
-            <a:pPr>
-              <a:spcBef>
-                <a:spcPts val="0"/>
-              </a:spcBef>
-            </a:pPr>
-            <a:r>
-              <a:rPr lang="de-DE" dirty="0"/>
-              <a:t> Die Joker</a:t>
-            </a:r>
-          </a:p>
-          <a:p>
-            <a:pPr>
-              <a:spcBef>
-                <a:spcPts val="0"/>
-              </a:spcBef>
-            </a:pPr>
-            <a:r>
-              <a:rPr lang="de-DE" dirty="0"/>
-              <a:t> Die Highscores</a:t>
-            </a:r>
             <a:endParaRPr dirty="0"/>
           </a:p>
         </p:txBody>
@@ -9872,6 +9562,74 @@
           </p:txBody>
         </p:sp>
       </p:grpSp>
+      <p:pic>
+        <p:nvPicPr>
+          <p:cNvPr id="9" name="Picture 2"/>
+          <p:cNvPicPr>
+            <a:picLocks noChangeAspect="1" noChangeArrowheads="1"/>
+          </p:cNvPicPr>
+          <p:nvPr/>
+        </p:nvPicPr>
+        <p:blipFill>
+          <a:blip r:embed="rId3"/>
+          <a:srcRect/>
+          <a:stretch>
+            <a:fillRect/>
+          </a:stretch>
+        </p:blipFill>
+        <p:spPr bwMode="auto">
+          <a:xfrm>
+            <a:off x="7740352" y="2355726"/>
+            <a:ext cx="432048" cy="432048"/>
+          </a:xfrm>
+          <a:prstGeom prst="rect">
+            <a:avLst/>
+          </a:prstGeom>
+          <a:noFill/>
+          <a:ln w="9525">
+            <a:noFill/>
+            <a:miter lim="800000"/>
+            <a:headEnd/>
+            <a:tailEnd/>
+          </a:ln>
+          <a:effectLst/>
+        </p:spPr>
+      </p:pic>
+      <p:sp>
+        <p:nvSpPr>
+          <p:cNvPr id="10" name="Textfeld 9"/>
+          <p:cNvSpPr txBox="1"/>
+          <p:nvPr/>
+        </p:nvSpPr>
+        <p:spPr>
+          <a:xfrm>
+            <a:off x="7427575" y="2809260"/>
+            <a:ext cx="1104865" cy="338554"/>
+          </a:xfrm>
+          <a:prstGeom prst="rect">
+            <a:avLst/>
+          </a:prstGeom>
+          <a:noFill/>
+        </p:spPr>
+        <p:txBody>
+          <a:bodyPr wrap="square" rtlCol="0">
+            <a:spAutoFit/>
+          </a:bodyPr>
+          <a:lstStyle/>
+          <a:p>
+            <a:pPr algn="ctr"/>
+            <a:r>
+              <a:rPr lang="de-DE" sz="1600" b="1" dirty="0">
+                <a:solidFill>
+                  <a:srgbClr val="00B0F0"/>
+                </a:solidFill>
+                <a:latin typeface="Quattrocento Sans" charset="0"/>
+              </a:rPr>
+              <a:t>RUNDEN</a:t>
+            </a:r>
+          </a:p>
+        </p:txBody>
+      </p:sp>
     </p:spTree>
   </p:cSld>
   <p:clrMapOvr>
@@ -9993,6 +9751,17 @@
             <a:r>
               <a:rPr lang="en" dirty="0"/>
               <a:t>bekommt 15 Fragen gestellt um potenziell        € 1.000.000 zu gewinnen </a:t>
+            </a:r>
+          </a:p>
+          <a:p>
+            <a:pPr marL="457200" indent="-228600">
+              <a:spcBef>
+                <a:spcPts val="0"/>
+              </a:spcBef>
+            </a:pPr>
+            <a:r>
+              <a:rPr lang="en" dirty="0"/>
+              <a:t>sollte es nicht als “leicht” empfinden das Spiel zu gewinnen</a:t>
             </a:r>
           </a:p>
           <a:p>
@@ -11403,6 +11172,77 @@
           </a:p>
         </p:txBody>
       </p:sp>
+      <p:pic>
+        <p:nvPicPr>
+          <p:cNvPr id="2050" name="Picture 2"/>
+          <p:cNvPicPr>
+            <a:picLocks noChangeAspect="1" noChangeArrowheads="1"/>
+          </p:cNvPicPr>
+          <p:nvPr/>
+        </p:nvPicPr>
+        <p:blipFill>
+          <a:blip r:embed="rId4"/>
+          <a:srcRect/>
+          <a:stretch>
+            <a:fillRect/>
+          </a:stretch>
+        </p:blipFill>
+        <p:spPr bwMode="auto">
+          <a:xfrm>
+            <a:off x="7740352" y="3147814"/>
+            <a:ext cx="397024" cy="442835"/>
+          </a:xfrm>
+          <a:prstGeom prst="rect">
+            <a:avLst/>
+          </a:prstGeom>
+          <a:noFill/>
+          <a:ln w="9525">
+            <a:noFill/>
+            <a:miter lim="800000"/>
+            <a:headEnd/>
+            <a:tailEnd/>
+          </a:ln>
+          <a:effectLst/>
+        </p:spPr>
+      </p:pic>
+      <p:sp>
+        <p:nvSpPr>
+          <p:cNvPr id="12" name="Textfeld 11"/>
+          <p:cNvSpPr txBox="1"/>
+          <p:nvPr/>
+        </p:nvSpPr>
+        <p:spPr>
+          <a:xfrm>
+            <a:off x="7092281" y="3579862"/>
+            <a:ext cx="1728191" cy="338554"/>
+          </a:xfrm>
+          <a:prstGeom prst="rect">
+            <a:avLst/>
+          </a:prstGeom>
+          <a:noFill/>
+        </p:spPr>
+        <p:txBody>
+          <a:bodyPr wrap="square" rtlCol="0">
+            <a:spAutoFit/>
+          </a:bodyPr>
+          <a:lstStyle/>
+          <a:p>
+            <a:pPr algn="ctr"/>
+            <a:r>
+              <a:rPr lang="de-DE" sz="1600" b="1" dirty="0">
+                <a:solidFill>
+                  <a:schemeClr val="accent6">
+                    <a:lumMod val="60000"/>
+                    <a:lumOff val="40000"/>
+                  </a:schemeClr>
+                </a:solidFill>
+                <a:latin typeface="Quattrocento Sans" charset="0"/>
+              </a:rPr>
+              <a:t>SCHWIERIGKEIT</a:t>
+            </a:r>
+          </a:p>
+        </p:txBody>
+      </p:sp>
     </p:spTree>
   </p:cSld>
   <p:clrMapOvr>
@@ -11536,6 +11376,18 @@
               <a:rPr lang="en" dirty="0"/>
               <a:t>sollte es nicht als “leicht” empfinden das Spiel zu gewinnen</a:t>
             </a:r>
+          </a:p>
+          <a:p>
+            <a:pPr marL="457200" lvl="0" indent="-228600">
+              <a:spcBef>
+                <a:spcPts val="0"/>
+              </a:spcBef>
+            </a:pPr>
+            <a:r>
+              <a:rPr lang="de-DE" dirty="0"/>
+              <a:t>sollte es nicht als „zu schwer“ empfinden Fortschritte in dem Spiel zu machen</a:t>
+            </a:r>
+            <a:endParaRPr lang="en" dirty="0"/>
           </a:p>
           <a:p>
             <a:pPr lvl="0">
@@ -13099,860 +12951,6 @@
           </a:p>
         </p:txBody>
       </p:sp>
-    </p:spTree>
-  </p:cSld>
-  <p:clrMapOvr>
-    <a:masterClrMapping/>
-  </p:clrMapOvr>
-</p:sld>
-</file>
-
-<file path=ppt/slides/slide16.xml><?xml version="1.0" encoding="utf-8"?>
-<p:sld xmlns:a="http://schemas.openxmlformats.org/drawingml/2006/main" xmlns:r="http://schemas.openxmlformats.org/officeDocument/2006/relationships" xmlns:p="http://schemas.openxmlformats.org/presentationml/2006/main">
-  <p:cSld>
-    <p:spTree>
-      <p:nvGrpSpPr>
-        <p:cNvPr id="1" name="Shape 110"/>
-        <p:cNvGrpSpPr/>
-        <p:nvPr/>
-      </p:nvGrpSpPr>
-      <p:grpSpPr>
-        <a:xfrm>
-          <a:off x="0" y="0"/>
-          <a:ext cx="0" cy="0"/>
-          <a:chOff x="0" y="0"/>
-          <a:chExt cx="0" cy="0"/>
-        </a:xfrm>
-      </p:grpSpPr>
-      <p:sp>
-        <p:nvSpPr>
-          <p:cNvPr id="111" name="Shape 111"/>
-          <p:cNvSpPr txBox="1">
-            <a:spLocks noGrp="1"/>
-          </p:cNvSpPr>
-          <p:nvPr>
-            <p:ph type="title"/>
-          </p:nvPr>
-        </p:nvSpPr>
-        <p:spPr>
-          <a:xfrm>
-            <a:off x="1381250" y="922668"/>
-            <a:ext cx="4414886" cy="435599"/>
-          </a:xfrm>
-          <a:prstGeom prst="rect">
-            <a:avLst/>
-          </a:prstGeom>
-        </p:spPr>
-        <p:txBody>
-          <a:bodyPr lIns="91425" tIns="91425" rIns="91425" bIns="91425" anchor="ctr" anchorCtr="0">
-            <a:noAutofit/>
-          </a:bodyPr>
-          <a:lstStyle/>
-          <a:p>
-            <a:pPr lvl="0">
-              <a:spcBef>
-                <a:spcPts val="0"/>
-              </a:spcBef>
-              <a:buNone/>
-            </a:pPr>
-            <a:r>
-              <a:rPr lang="en" dirty="0">
-                <a:highlight>
-                  <a:srgbClr val="FFCD00"/>
-                </a:highlight>
-              </a:rPr>
-              <a:t>Ursprünglicher Ansatz – Das Spiel</a:t>
-            </a:r>
-          </a:p>
-        </p:txBody>
-      </p:sp>
-      <p:sp>
-        <p:nvSpPr>
-          <p:cNvPr id="112" name="Shape 112"/>
-          <p:cNvSpPr txBox="1">
-            <a:spLocks noGrp="1"/>
-          </p:cNvSpPr>
-          <p:nvPr>
-            <p:ph type="body" idx="1"/>
-          </p:nvPr>
-        </p:nvSpPr>
-        <p:spPr>
-          <a:xfrm>
-            <a:off x="251520" y="1616470"/>
-            <a:ext cx="6120680" cy="3112200"/>
-          </a:xfrm>
-          <a:prstGeom prst="rect">
-            <a:avLst/>
-          </a:prstGeom>
-        </p:spPr>
-        <p:txBody>
-          <a:bodyPr lIns="91425" tIns="91425" rIns="91425" bIns="91425" anchor="t" anchorCtr="0">
-            <a:noAutofit/>
-          </a:bodyPr>
-          <a:lstStyle/>
-          <a:p>
-            <a:pPr marL="457200" lvl="0" indent="-228600" rtl="0">
-              <a:spcBef>
-                <a:spcPts val="0"/>
-              </a:spcBef>
-              <a:buNone/>
-            </a:pPr>
-            <a:r>
-              <a:rPr lang="en" dirty="0"/>
-              <a:t>Ein Spieler...</a:t>
-            </a:r>
-          </a:p>
-          <a:p>
-            <a:pPr marL="457200" lvl="0" indent="-228600" rtl="0">
-              <a:spcBef>
-                <a:spcPts val="0"/>
-              </a:spcBef>
-              <a:buNone/>
-            </a:pPr>
-            <a:endParaRPr lang="en" dirty="0"/>
-          </a:p>
-          <a:p>
-            <a:pPr marL="457200" lvl="0" indent="-228600" rtl="0">
-              <a:spcBef>
-                <a:spcPts val="0"/>
-              </a:spcBef>
-            </a:pPr>
-            <a:r>
-              <a:rPr lang="en" dirty="0"/>
-              <a:t>bekommt 15 Fragen gestellt um potenziell        € 1.000.000 zu gewinnen </a:t>
-            </a:r>
-          </a:p>
-          <a:p>
-            <a:pPr marL="457200" indent="-228600">
-              <a:spcBef>
-                <a:spcPts val="0"/>
-              </a:spcBef>
-            </a:pPr>
-            <a:r>
-              <a:rPr lang="en" dirty="0"/>
-              <a:t>sollte es nicht als “leicht” empfinden das Spiel zu gewinnen</a:t>
-            </a:r>
-          </a:p>
-          <a:p>
-            <a:pPr marL="457200" lvl="0" indent="-228600">
-              <a:spcBef>
-                <a:spcPts val="0"/>
-              </a:spcBef>
-            </a:pPr>
-            <a:r>
-              <a:rPr lang="de-DE" dirty="0"/>
-              <a:t>sollte es nicht als „zu schwer“ empfinden Fortschritte in dem Spiel zu machen</a:t>
-            </a:r>
-            <a:endParaRPr lang="en" dirty="0"/>
-          </a:p>
-          <a:p>
-            <a:pPr lvl="0">
-              <a:spcBef>
-                <a:spcPts val="0"/>
-              </a:spcBef>
-              <a:buNone/>
-            </a:pPr>
-            <a:endParaRPr dirty="0"/>
-          </a:p>
-        </p:txBody>
-      </p:sp>
-      <p:grpSp>
-        <p:nvGrpSpPr>
-          <p:cNvPr id="2" name="Shape 113"/>
-          <p:cNvGrpSpPr/>
-          <p:nvPr/>
-        </p:nvGrpSpPr>
-        <p:grpSpPr>
-          <a:xfrm>
-            <a:off x="916458" y="1019750"/>
-            <a:ext cx="214624" cy="214624"/>
-            <a:chOff x="2594050" y="1631825"/>
-            <a:chExt cx="439625" cy="439625"/>
-          </a:xfrm>
-        </p:grpSpPr>
-        <p:sp>
-          <p:nvSpPr>
-            <p:cNvPr id="114" name="Shape 114"/>
-            <p:cNvSpPr/>
-            <p:nvPr/>
-          </p:nvSpPr>
-          <p:spPr>
-            <a:xfrm>
-              <a:off x="2594050" y="1883300"/>
-              <a:ext cx="188175" cy="188150"/>
-            </a:xfrm>
-            <a:custGeom>
-              <a:avLst/>
-              <a:gdLst/>
-              <a:ahLst/>
-              <a:cxnLst/>
-              <a:rect l="0" t="0" r="0" b="0"/>
-              <a:pathLst>
-                <a:path w="7527" h="7526" fill="none" extrusionOk="0">
-                  <a:moveTo>
-                    <a:pt x="5992" y="0"/>
-                  </a:moveTo>
-                  <a:lnTo>
-                    <a:pt x="537" y="6430"/>
-                  </a:lnTo>
-                  <a:lnTo>
-                    <a:pt x="1" y="7526"/>
-                  </a:lnTo>
-                  <a:lnTo>
-                    <a:pt x="1097" y="6990"/>
-                  </a:lnTo>
-                  <a:lnTo>
-                    <a:pt x="7526" y="1534"/>
-                  </a:lnTo>
-                  <a:lnTo>
-                    <a:pt x="5992" y="0"/>
-                  </a:lnTo>
-                  <a:close/>
-                </a:path>
-              </a:pathLst>
-            </a:custGeom>
-            <a:noFill/>
-            <a:ln w="9525" cap="rnd" cmpd="sng">
-              <a:solidFill>
-                <a:srgbClr val="000000"/>
-              </a:solidFill>
-              <a:prstDash val="solid"/>
-              <a:round/>
-              <a:headEnd type="none" w="med" len="med"/>
-              <a:tailEnd type="none" w="med" len="med"/>
-            </a:ln>
-          </p:spPr>
-          <p:txBody>
-            <a:bodyPr lIns="91425" tIns="91425" rIns="91425" bIns="91425" anchor="ctr" anchorCtr="0">
-              <a:noAutofit/>
-            </a:bodyPr>
-            <a:lstStyle/>
-            <a:p>
-              <a:pPr lvl="0">
-                <a:spcBef>
-                  <a:spcPts val="0"/>
-                </a:spcBef>
-                <a:buNone/>
-              </a:pPr>
-              <a:endParaRPr/>
-            </a:p>
-          </p:txBody>
-        </p:sp>
-        <p:sp>
-          <p:nvSpPr>
-            <p:cNvPr id="115" name="Shape 115"/>
-            <p:cNvSpPr/>
-            <p:nvPr/>
-          </p:nvSpPr>
-          <p:spPr>
-            <a:xfrm>
-              <a:off x="2857700" y="1631825"/>
-              <a:ext cx="175975" cy="176000"/>
-            </a:xfrm>
-            <a:custGeom>
-              <a:avLst/>
-              <a:gdLst/>
-              <a:ahLst/>
-              <a:cxnLst/>
-              <a:rect l="0" t="0" r="0" b="0"/>
-              <a:pathLst>
-                <a:path w="7039" h="7040" fill="none" extrusionOk="0">
-                  <a:moveTo>
-                    <a:pt x="268" y="2704"/>
-                  </a:moveTo>
-                  <a:lnTo>
-                    <a:pt x="4336" y="6771"/>
-                  </a:lnTo>
-                  <a:lnTo>
-                    <a:pt x="4336" y="6771"/>
-                  </a:lnTo>
-                  <a:lnTo>
-                    <a:pt x="4336" y="6771"/>
-                  </a:lnTo>
-                  <a:lnTo>
-                    <a:pt x="4652" y="6917"/>
-                  </a:lnTo>
-                  <a:lnTo>
-                    <a:pt x="4993" y="7015"/>
-                  </a:lnTo>
-                  <a:lnTo>
-                    <a:pt x="5310" y="7039"/>
-                  </a:lnTo>
-                  <a:lnTo>
-                    <a:pt x="5651" y="7039"/>
-                  </a:lnTo>
-                  <a:lnTo>
-                    <a:pt x="5992" y="6966"/>
-                  </a:lnTo>
-                  <a:lnTo>
-                    <a:pt x="6308" y="6844"/>
-                  </a:lnTo>
-                  <a:lnTo>
-                    <a:pt x="6454" y="6747"/>
-                  </a:lnTo>
-                  <a:lnTo>
-                    <a:pt x="6601" y="6674"/>
-                  </a:lnTo>
-                  <a:lnTo>
-                    <a:pt x="6747" y="6552"/>
-                  </a:lnTo>
-                  <a:lnTo>
-                    <a:pt x="6893" y="6430"/>
-                  </a:lnTo>
-                  <a:lnTo>
-                    <a:pt x="6893" y="6430"/>
-                  </a:lnTo>
-                  <a:lnTo>
-                    <a:pt x="6942" y="6357"/>
-                  </a:lnTo>
-                  <a:lnTo>
-                    <a:pt x="7015" y="6260"/>
-                  </a:lnTo>
-                  <a:lnTo>
-                    <a:pt x="7039" y="6138"/>
-                  </a:lnTo>
-                  <a:lnTo>
-                    <a:pt x="7039" y="6041"/>
-                  </a:lnTo>
-                  <a:lnTo>
-                    <a:pt x="7039" y="6041"/>
-                  </a:lnTo>
-                  <a:lnTo>
-                    <a:pt x="7039" y="5943"/>
-                  </a:lnTo>
-                  <a:lnTo>
-                    <a:pt x="7015" y="5846"/>
-                  </a:lnTo>
-                  <a:lnTo>
-                    <a:pt x="6942" y="5748"/>
-                  </a:lnTo>
-                  <a:lnTo>
-                    <a:pt x="6893" y="5651"/>
-                  </a:lnTo>
-                  <a:lnTo>
-                    <a:pt x="1389" y="147"/>
-                  </a:lnTo>
-                  <a:lnTo>
-                    <a:pt x="1389" y="147"/>
-                  </a:lnTo>
-                  <a:lnTo>
-                    <a:pt x="1291" y="98"/>
-                  </a:lnTo>
-                  <a:lnTo>
-                    <a:pt x="1194" y="25"/>
-                  </a:lnTo>
-                  <a:lnTo>
-                    <a:pt x="1096" y="0"/>
-                  </a:lnTo>
-                  <a:lnTo>
-                    <a:pt x="999" y="0"/>
-                  </a:lnTo>
-                  <a:lnTo>
-                    <a:pt x="999" y="0"/>
-                  </a:lnTo>
-                  <a:lnTo>
-                    <a:pt x="902" y="0"/>
-                  </a:lnTo>
-                  <a:lnTo>
-                    <a:pt x="780" y="25"/>
-                  </a:lnTo>
-                  <a:lnTo>
-                    <a:pt x="682" y="98"/>
-                  </a:lnTo>
-                  <a:lnTo>
-                    <a:pt x="609" y="147"/>
-                  </a:lnTo>
-                  <a:lnTo>
-                    <a:pt x="609" y="147"/>
-                  </a:lnTo>
-                  <a:lnTo>
-                    <a:pt x="487" y="293"/>
-                  </a:lnTo>
-                  <a:lnTo>
-                    <a:pt x="366" y="439"/>
-                  </a:lnTo>
-                  <a:lnTo>
-                    <a:pt x="293" y="585"/>
-                  </a:lnTo>
-                  <a:lnTo>
-                    <a:pt x="195" y="731"/>
-                  </a:lnTo>
-                  <a:lnTo>
-                    <a:pt x="73" y="1048"/>
-                  </a:lnTo>
-                  <a:lnTo>
-                    <a:pt x="0" y="1389"/>
-                  </a:lnTo>
-                  <a:lnTo>
-                    <a:pt x="0" y="1730"/>
-                  </a:lnTo>
-                  <a:lnTo>
-                    <a:pt x="25" y="2046"/>
-                  </a:lnTo>
-                  <a:lnTo>
-                    <a:pt x="122" y="2387"/>
-                  </a:lnTo>
-                  <a:lnTo>
-                    <a:pt x="268" y="2704"/>
-                  </a:lnTo>
-                  <a:lnTo>
-                    <a:pt x="268" y="2704"/>
-                  </a:lnTo>
-                  <a:close/>
-                </a:path>
-              </a:pathLst>
-            </a:custGeom>
-            <a:noFill/>
-            <a:ln w="9525" cap="rnd" cmpd="sng">
-              <a:solidFill>
-                <a:srgbClr val="000000"/>
-              </a:solidFill>
-              <a:prstDash val="solid"/>
-              <a:round/>
-              <a:headEnd type="none" w="med" len="med"/>
-              <a:tailEnd type="none" w="med" len="med"/>
-            </a:ln>
-          </p:spPr>
-          <p:txBody>
-            <a:bodyPr lIns="91425" tIns="91425" rIns="91425" bIns="91425" anchor="ctr" anchorCtr="0">
-              <a:noAutofit/>
-            </a:bodyPr>
-            <a:lstStyle/>
-            <a:p>
-              <a:pPr lvl="0">
-                <a:spcBef>
-                  <a:spcPts val="0"/>
-                </a:spcBef>
-                <a:buNone/>
-              </a:pPr>
-              <a:endParaRPr/>
-            </a:p>
-          </p:txBody>
-        </p:sp>
-        <p:sp>
-          <p:nvSpPr>
-            <p:cNvPr id="116" name="Shape 116"/>
-            <p:cNvSpPr/>
-            <p:nvPr/>
-          </p:nvSpPr>
-          <p:spPr>
-            <a:xfrm>
-              <a:off x="2662850" y="1699400"/>
-              <a:ext cx="303250" cy="303250"/>
-            </a:xfrm>
-            <a:custGeom>
-              <a:avLst/>
-              <a:gdLst/>
-              <a:ahLst/>
-              <a:cxnLst/>
-              <a:rect l="0" t="0" r="0" b="0"/>
-              <a:pathLst>
-                <a:path w="12130" h="12130" fill="none" extrusionOk="0">
-                  <a:moveTo>
-                    <a:pt x="8038" y="1"/>
-                  </a:moveTo>
-                  <a:lnTo>
-                    <a:pt x="4872" y="3191"/>
-                  </a:lnTo>
-                  <a:lnTo>
-                    <a:pt x="4872" y="3191"/>
-                  </a:lnTo>
-                  <a:lnTo>
-                    <a:pt x="4628" y="3094"/>
-                  </a:lnTo>
-                  <a:lnTo>
-                    <a:pt x="4385" y="2997"/>
-                  </a:lnTo>
-                  <a:lnTo>
-                    <a:pt x="4092" y="2899"/>
-                  </a:lnTo>
-                  <a:lnTo>
-                    <a:pt x="3800" y="2850"/>
-                  </a:lnTo>
-                  <a:lnTo>
-                    <a:pt x="3484" y="2777"/>
-                  </a:lnTo>
-                  <a:lnTo>
-                    <a:pt x="3167" y="2729"/>
-                  </a:lnTo>
-                  <a:lnTo>
-                    <a:pt x="2850" y="2704"/>
-                  </a:lnTo>
-                  <a:lnTo>
-                    <a:pt x="2534" y="2704"/>
-                  </a:lnTo>
-                  <a:lnTo>
-                    <a:pt x="2534" y="2704"/>
-                  </a:lnTo>
-                  <a:lnTo>
-                    <a:pt x="2241" y="2704"/>
-                  </a:lnTo>
-                  <a:lnTo>
-                    <a:pt x="1949" y="2729"/>
-                  </a:lnTo>
-                  <a:lnTo>
-                    <a:pt x="1633" y="2777"/>
-                  </a:lnTo>
-                  <a:lnTo>
-                    <a:pt x="1316" y="2850"/>
-                  </a:lnTo>
-                  <a:lnTo>
-                    <a:pt x="999" y="2972"/>
-                  </a:lnTo>
-                  <a:lnTo>
-                    <a:pt x="707" y="3094"/>
-                  </a:lnTo>
-                  <a:lnTo>
-                    <a:pt x="415" y="3289"/>
-                  </a:lnTo>
-                  <a:lnTo>
-                    <a:pt x="147" y="3508"/>
-                  </a:lnTo>
-                  <a:lnTo>
-                    <a:pt x="147" y="3508"/>
-                  </a:lnTo>
-                  <a:lnTo>
-                    <a:pt x="74" y="3581"/>
-                  </a:lnTo>
-                  <a:lnTo>
-                    <a:pt x="25" y="3678"/>
-                  </a:lnTo>
-                  <a:lnTo>
-                    <a:pt x="1" y="3776"/>
-                  </a:lnTo>
-                  <a:lnTo>
-                    <a:pt x="1" y="3898"/>
-                  </a:lnTo>
-                  <a:lnTo>
-                    <a:pt x="1" y="3898"/>
-                  </a:lnTo>
-                  <a:lnTo>
-                    <a:pt x="1" y="3995"/>
-                  </a:lnTo>
-                  <a:lnTo>
-                    <a:pt x="25" y="4093"/>
-                  </a:lnTo>
-                  <a:lnTo>
-                    <a:pt x="74" y="4190"/>
-                  </a:lnTo>
-                  <a:lnTo>
-                    <a:pt x="147" y="4287"/>
-                  </a:lnTo>
-                  <a:lnTo>
-                    <a:pt x="7843" y="11984"/>
-                  </a:lnTo>
-                  <a:lnTo>
-                    <a:pt x="7843" y="11984"/>
-                  </a:lnTo>
-                  <a:lnTo>
-                    <a:pt x="7941" y="12057"/>
-                  </a:lnTo>
-                  <a:lnTo>
-                    <a:pt x="8038" y="12105"/>
-                  </a:lnTo>
-                  <a:lnTo>
-                    <a:pt x="8135" y="12130"/>
-                  </a:lnTo>
-                  <a:lnTo>
-                    <a:pt x="8233" y="12130"/>
-                  </a:lnTo>
-                  <a:lnTo>
-                    <a:pt x="8233" y="12130"/>
-                  </a:lnTo>
-                  <a:lnTo>
-                    <a:pt x="8355" y="12130"/>
-                  </a:lnTo>
-                  <a:lnTo>
-                    <a:pt x="8452" y="12105"/>
-                  </a:lnTo>
-                  <a:lnTo>
-                    <a:pt x="8549" y="12057"/>
-                  </a:lnTo>
-                  <a:lnTo>
-                    <a:pt x="8622" y="11984"/>
-                  </a:lnTo>
-                  <a:lnTo>
-                    <a:pt x="8622" y="11984"/>
-                  </a:lnTo>
-                  <a:lnTo>
-                    <a:pt x="8842" y="11716"/>
-                  </a:lnTo>
-                  <a:lnTo>
-                    <a:pt x="9036" y="11423"/>
-                  </a:lnTo>
-                  <a:lnTo>
-                    <a:pt x="9158" y="11131"/>
-                  </a:lnTo>
-                  <a:lnTo>
-                    <a:pt x="9280" y="10814"/>
-                  </a:lnTo>
-                  <a:lnTo>
-                    <a:pt x="9353" y="10498"/>
-                  </a:lnTo>
-                  <a:lnTo>
-                    <a:pt x="9402" y="10181"/>
-                  </a:lnTo>
-                  <a:lnTo>
-                    <a:pt x="9426" y="9889"/>
-                  </a:lnTo>
-                  <a:lnTo>
-                    <a:pt x="9426" y="9597"/>
-                  </a:lnTo>
-                  <a:lnTo>
-                    <a:pt x="9426" y="9597"/>
-                  </a:lnTo>
-                  <a:lnTo>
-                    <a:pt x="9426" y="9280"/>
-                  </a:lnTo>
-                  <a:lnTo>
-                    <a:pt x="9402" y="8964"/>
-                  </a:lnTo>
-                  <a:lnTo>
-                    <a:pt x="9353" y="8647"/>
-                  </a:lnTo>
-                  <a:lnTo>
-                    <a:pt x="9280" y="8330"/>
-                  </a:lnTo>
-                  <a:lnTo>
-                    <a:pt x="9231" y="8038"/>
-                  </a:lnTo>
-                  <a:lnTo>
-                    <a:pt x="9134" y="7746"/>
-                  </a:lnTo>
-                  <a:lnTo>
-                    <a:pt x="9036" y="7502"/>
-                  </a:lnTo>
-                  <a:lnTo>
-                    <a:pt x="8939" y="7259"/>
-                  </a:lnTo>
-                  <a:lnTo>
-                    <a:pt x="12130" y="4093"/>
-                  </a:lnTo>
-                </a:path>
-              </a:pathLst>
-            </a:custGeom>
-            <a:noFill/>
-            <a:ln w="9525" cap="rnd" cmpd="sng">
-              <a:solidFill>
-                <a:srgbClr val="000000"/>
-              </a:solidFill>
-              <a:prstDash val="solid"/>
-              <a:round/>
-              <a:headEnd type="none" w="med" len="med"/>
-              <a:tailEnd type="none" w="med" len="med"/>
-            </a:ln>
-          </p:spPr>
-          <p:txBody>
-            <a:bodyPr lIns="91425" tIns="91425" rIns="91425" bIns="91425" anchor="ctr" anchorCtr="0">
-              <a:noAutofit/>
-            </a:bodyPr>
-            <a:lstStyle/>
-            <a:p>
-              <a:pPr lvl="0">
-                <a:spcBef>
-                  <a:spcPts val="0"/>
-                </a:spcBef>
-                <a:buNone/>
-              </a:pPr>
-              <a:endParaRPr/>
-            </a:p>
-          </p:txBody>
-        </p:sp>
-        <p:sp>
-          <p:nvSpPr>
-            <p:cNvPr id="117" name="Shape 117"/>
-            <p:cNvSpPr/>
-            <p:nvPr/>
-          </p:nvSpPr>
-          <p:spPr>
-            <a:xfrm>
-              <a:off x="2814911" y="1754061"/>
-              <a:ext cx="49950" cy="49950"/>
-            </a:xfrm>
-            <a:custGeom>
-              <a:avLst/>
-              <a:gdLst/>
-              <a:ahLst/>
-              <a:cxnLst/>
-              <a:rect l="0" t="0" r="0" b="0"/>
-              <a:pathLst>
-                <a:path w="1998" h="1998" fill="none" extrusionOk="0">
-                  <a:moveTo>
-                    <a:pt x="1" y="1997"/>
-                  </a:moveTo>
-                  <a:lnTo>
-                    <a:pt x="1998" y="0"/>
-                  </a:lnTo>
-                </a:path>
-              </a:pathLst>
-            </a:custGeom>
-            <a:noFill/>
-            <a:ln w="9525" cap="rnd" cmpd="sng">
-              <a:solidFill>
-                <a:srgbClr val="000000"/>
-              </a:solidFill>
-              <a:prstDash val="solid"/>
-              <a:round/>
-              <a:headEnd type="none" w="med" len="med"/>
-              <a:tailEnd type="none" w="med" len="med"/>
-            </a:ln>
-          </p:spPr>
-          <p:txBody>
-            <a:bodyPr lIns="91425" tIns="91425" rIns="91425" bIns="91425" anchor="ctr" anchorCtr="0">
-              <a:noAutofit/>
-            </a:bodyPr>
-            <a:lstStyle/>
-            <a:p>
-              <a:pPr lvl="0">
-                <a:spcBef>
-                  <a:spcPts val="0"/>
-                </a:spcBef>
-                <a:buNone/>
-              </a:pPr>
-              <a:endParaRPr/>
-            </a:p>
-          </p:txBody>
-        </p:sp>
-      </p:grpSp>
-      <p:pic>
-        <p:nvPicPr>
-          <p:cNvPr id="9" name="Picture 2"/>
-          <p:cNvPicPr>
-            <a:picLocks noChangeAspect="1" noChangeArrowheads="1"/>
-          </p:cNvPicPr>
-          <p:nvPr/>
-        </p:nvPicPr>
-        <p:blipFill>
-          <a:blip r:embed="rId3"/>
-          <a:srcRect/>
-          <a:stretch>
-            <a:fillRect/>
-          </a:stretch>
-        </p:blipFill>
-        <p:spPr bwMode="auto">
-          <a:xfrm>
-            <a:off x="7740352" y="2355726"/>
-            <a:ext cx="432048" cy="432048"/>
-          </a:xfrm>
-          <a:prstGeom prst="rect">
-            <a:avLst/>
-          </a:prstGeom>
-          <a:noFill/>
-          <a:ln w="9525">
-            <a:noFill/>
-            <a:miter lim="800000"/>
-            <a:headEnd/>
-            <a:tailEnd/>
-          </a:ln>
-          <a:effectLst/>
-        </p:spPr>
-      </p:pic>
-      <p:sp>
-        <p:nvSpPr>
-          <p:cNvPr id="10" name="Textfeld 9"/>
-          <p:cNvSpPr txBox="1"/>
-          <p:nvPr/>
-        </p:nvSpPr>
-        <p:spPr>
-          <a:xfrm>
-            <a:off x="7427575" y="2809260"/>
-            <a:ext cx="1104865" cy="338554"/>
-          </a:xfrm>
-          <a:prstGeom prst="rect">
-            <a:avLst/>
-          </a:prstGeom>
-          <a:noFill/>
-        </p:spPr>
-        <p:txBody>
-          <a:bodyPr wrap="square" rtlCol="0">
-            <a:spAutoFit/>
-          </a:bodyPr>
-          <a:lstStyle/>
-          <a:p>
-            <a:pPr algn="ctr"/>
-            <a:r>
-              <a:rPr lang="de-DE" sz="1600" b="1" dirty="0">
-                <a:solidFill>
-                  <a:srgbClr val="00B0F0"/>
-                </a:solidFill>
-                <a:latin typeface="Quattrocento Sans" charset="0"/>
-              </a:rPr>
-              <a:t>RUNDEN</a:t>
-            </a:r>
-          </a:p>
-        </p:txBody>
-      </p:sp>
-      <p:pic>
-        <p:nvPicPr>
-          <p:cNvPr id="2050" name="Picture 2"/>
-          <p:cNvPicPr>
-            <a:picLocks noChangeAspect="1" noChangeArrowheads="1"/>
-          </p:cNvPicPr>
-          <p:nvPr/>
-        </p:nvPicPr>
-        <p:blipFill>
-          <a:blip r:embed="rId4"/>
-          <a:srcRect/>
-          <a:stretch>
-            <a:fillRect/>
-          </a:stretch>
-        </p:blipFill>
-        <p:spPr bwMode="auto">
-          <a:xfrm>
-            <a:off x="7740352" y="3147814"/>
-            <a:ext cx="397024" cy="442835"/>
-          </a:xfrm>
-          <a:prstGeom prst="rect">
-            <a:avLst/>
-          </a:prstGeom>
-          <a:noFill/>
-          <a:ln w="9525">
-            <a:noFill/>
-            <a:miter lim="800000"/>
-            <a:headEnd/>
-            <a:tailEnd/>
-          </a:ln>
-          <a:effectLst/>
-        </p:spPr>
-      </p:pic>
-      <p:sp>
-        <p:nvSpPr>
-          <p:cNvPr id="12" name="Textfeld 11"/>
-          <p:cNvSpPr txBox="1"/>
-          <p:nvPr/>
-        </p:nvSpPr>
-        <p:spPr>
-          <a:xfrm>
-            <a:off x="7092281" y="3579862"/>
-            <a:ext cx="1728191" cy="338554"/>
-          </a:xfrm>
-          <a:prstGeom prst="rect">
-            <a:avLst/>
-          </a:prstGeom>
-          <a:noFill/>
-        </p:spPr>
-        <p:txBody>
-          <a:bodyPr wrap="square" rtlCol="0">
-            <a:spAutoFit/>
-          </a:bodyPr>
-          <a:lstStyle/>
-          <a:p>
-            <a:pPr algn="ctr"/>
-            <a:r>
-              <a:rPr lang="de-DE" sz="1600" b="1" dirty="0">
-                <a:solidFill>
-                  <a:schemeClr val="accent6">
-                    <a:lumMod val="60000"/>
-                    <a:lumOff val="40000"/>
-                  </a:schemeClr>
-                </a:solidFill>
-                <a:latin typeface="Quattrocento Sans" charset="0"/>
-              </a:rPr>
-              <a:t>SCHWIERIGKEIT</a:t>
-            </a:r>
-          </a:p>
-        </p:txBody>
-      </p:sp>
       <p:pic>
         <p:nvPicPr>
           <p:cNvPr id="3074" name="Picture 2"/>
@@ -14029,7 +13027,7 @@
 </p:sld>
 </file>
 
-<file path=ppt/slides/slide17.xml><?xml version="1.0" encoding="utf-8"?>
+<file path=ppt/slides/slide16.xml><?xml version="1.0" encoding="utf-8"?>
 <p:sld xmlns:a="http://schemas.openxmlformats.org/drawingml/2006/main" xmlns:r="http://schemas.openxmlformats.org/officeDocument/2006/relationships" xmlns:p="http://schemas.openxmlformats.org/presentationml/2006/main">
   <p:cSld>
     <p:spTree>
@@ -14687,7 +13685,7 @@
 </p:sld>
 </file>
 
-<file path=ppt/slides/slide18.xml><?xml version="1.0" encoding="utf-8"?>
+<file path=ppt/slides/slide17.xml><?xml version="1.0" encoding="utf-8"?>
 <p:sld xmlns:a="http://schemas.openxmlformats.org/drawingml/2006/main" xmlns:r="http://schemas.openxmlformats.org/officeDocument/2006/relationships" xmlns:p="http://schemas.openxmlformats.org/presentationml/2006/main">
   <p:cSld>
     <p:spTree>
@@ -15304,6 +14302,701 @@
           </p:txBody>
         </p:sp>
       </p:grpSp>
+    </p:spTree>
+  </p:cSld>
+  <p:clrMapOvr>
+    <a:masterClrMapping/>
+  </p:clrMapOvr>
+</p:sld>
+</file>
+
+<file path=ppt/slides/slide18.xml><?xml version="1.0" encoding="utf-8"?>
+<p:sld xmlns:a="http://schemas.openxmlformats.org/drawingml/2006/main" xmlns:r="http://schemas.openxmlformats.org/officeDocument/2006/relationships" xmlns:p="http://schemas.openxmlformats.org/presentationml/2006/main">
+  <p:cSld>
+    <p:spTree>
+      <p:nvGrpSpPr>
+        <p:cNvPr id="1" name="Shape 110"/>
+        <p:cNvGrpSpPr/>
+        <p:nvPr/>
+      </p:nvGrpSpPr>
+      <p:grpSpPr>
+        <a:xfrm>
+          <a:off x="0" y="0"/>
+          <a:ext cx="0" cy="0"/>
+          <a:chOff x="0" y="0"/>
+          <a:chExt cx="0" cy="0"/>
+        </a:xfrm>
+      </p:grpSpPr>
+      <p:sp>
+        <p:nvSpPr>
+          <p:cNvPr id="111" name="Shape 111"/>
+          <p:cNvSpPr txBox="1">
+            <a:spLocks noGrp="1"/>
+          </p:cNvSpPr>
+          <p:nvPr>
+            <p:ph type="title"/>
+          </p:nvPr>
+        </p:nvSpPr>
+        <p:spPr>
+          <a:xfrm>
+            <a:off x="1381250" y="922668"/>
+            <a:ext cx="4558902" cy="435599"/>
+          </a:xfrm>
+          <a:prstGeom prst="rect">
+            <a:avLst/>
+          </a:prstGeom>
+        </p:spPr>
+        <p:txBody>
+          <a:bodyPr lIns="91425" tIns="91425" rIns="91425" bIns="91425" anchor="ctr" anchorCtr="0">
+            <a:noAutofit/>
+          </a:bodyPr>
+          <a:lstStyle/>
+          <a:p>
+            <a:pPr lvl="0">
+              <a:spcBef>
+                <a:spcPts val="0"/>
+              </a:spcBef>
+              <a:buNone/>
+            </a:pPr>
+            <a:r>
+              <a:rPr lang="en" dirty="0">
+                <a:highlight>
+                  <a:srgbClr val="FFCD00"/>
+                </a:highlight>
+              </a:rPr>
+              <a:t>Ursprünglicher Ansatz – Die Fragen</a:t>
+            </a:r>
+          </a:p>
+        </p:txBody>
+      </p:sp>
+      <p:sp>
+        <p:nvSpPr>
+          <p:cNvPr id="112" name="Shape 112"/>
+          <p:cNvSpPr txBox="1">
+            <a:spLocks noGrp="1"/>
+          </p:cNvSpPr>
+          <p:nvPr>
+            <p:ph type="body" idx="1"/>
+          </p:nvPr>
+        </p:nvSpPr>
+        <p:spPr>
+          <a:xfrm>
+            <a:off x="179512" y="1635646"/>
+            <a:ext cx="5184576" cy="3112200"/>
+          </a:xfrm>
+          <a:prstGeom prst="rect">
+            <a:avLst/>
+          </a:prstGeom>
+        </p:spPr>
+        <p:txBody>
+          <a:bodyPr lIns="91425" tIns="91425" rIns="91425" bIns="91425" anchor="t" anchorCtr="0">
+            <a:noAutofit/>
+          </a:bodyPr>
+          <a:lstStyle/>
+          <a:p>
+            <a:pPr marL="457200" lvl="0" indent="-228600" rtl="0">
+              <a:spcBef>
+                <a:spcPts val="0"/>
+              </a:spcBef>
+            </a:pPr>
+            <a:r>
+              <a:rPr lang="en" dirty="0"/>
+              <a:t>Zentraler Bestandteil des Spieles WWM</a:t>
+            </a:r>
+          </a:p>
+        </p:txBody>
+      </p:sp>
+      <p:grpSp>
+        <p:nvGrpSpPr>
+          <p:cNvPr id="2" name="Shape 113"/>
+          <p:cNvGrpSpPr/>
+          <p:nvPr/>
+        </p:nvGrpSpPr>
+        <p:grpSpPr>
+          <a:xfrm>
+            <a:off x="916458" y="1019750"/>
+            <a:ext cx="214624" cy="214624"/>
+            <a:chOff x="2594050" y="1631825"/>
+            <a:chExt cx="439625" cy="439625"/>
+          </a:xfrm>
+        </p:grpSpPr>
+        <p:sp>
+          <p:nvSpPr>
+            <p:cNvPr id="114" name="Shape 114"/>
+            <p:cNvSpPr/>
+            <p:nvPr/>
+          </p:nvSpPr>
+          <p:spPr>
+            <a:xfrm>
+              <a:off x="2594050" y="1883300"/>
+              <a:ext cx="188175" cy="188150"/>
+            </a:xfrm>
+            <a:custGeom>
+              <a:avLst/>
+              <a:gdLst/>
+              <a:ahLst/>
+              <a:cxnLst/>
+              <a:rect l="0" t="0" r="0" b="0"/>
+              <a:pathLst>
+                <a:path w="7527" h="7526" fill="none" extrusionOk="0">
+                  <a:moveTo>
+                    <a:pt x="5992" y="0"/>
+                  </a:moveTo>
+                  <a:lnTo>
+                    <a:pt x="537" y="6430"/>
+                  </a:lnTo>
+                  <a:lnTo>
+                    <a:pt x="1" y="7526"/>
+                  </a:lnTo>
+                  <a:lnTo>
+                    <a:pt x="1097" y="6990"/>
+                  </a:lnTo>
+                  <a:lnTo>
+                    <a:pt x="7526" y="1534"/>
+                  </a:lnTo>
+                  <a:lnTo>
+                    <a:pt x="5992" y="0"/>
+                  </a:lnTo>
+                  <a:close/>
+                </a:path>
+              </a:pathLst>
+            </a:custGeom>
+            <a:noFill/>
+            <a:ln w="9525" cap="rnd" cmpd="sng">
+              <a:solidFill>
+                <a:srgbClr val="000000"/>
+              </a:solidFill>
+              <a:prstDash val="solid"/>
+              <a:round/>
+              <a:headEnd type="none" w="med" len="med"/>
+              <a:tailEnd type="none" w="med" len="med"/>
+            </a:ln>
+          </p:spPr>
+          <p:txBody>
+            <a:bodyPr lIns="91425" tIns="91425" rIns="91425" bIns="91425" anchor="ctr" anchorCtr="0">
+              <a:noAutofit/>
+            </a:bodyPr>
+            <a:lstStyle/>
+            <a:p>
+              <a:pPr lvl="0">
+                <a:spcBef>
+                  <a:spcPts val="0"/>
+                </a:spcBef>
+                <a:buNone/>
+              </a:pPr>
+              <a:endParaRPr/>
+            </a:p>
+          </p:txBody>
+        </p:sp>
+        <p:sp>
+          <p:nvSpPr>
+            <p:cNvPr id="115" name="Shape 115"/>
+            <p:cNvSpPr/>
+            <p:nvPr/>
+          </p:nvSpPr>
+          <p:spPr>
+            <a:xfrm>
+              <a:off x="2857700" y="1631825"/>
+              <a:ext cx="175975" cy="176000"/>
+            </a:xfrm>
+            <a:custGeom>
+              <a:avLst/>
+              <a:gdLst/>
+              <a:ahLst/>
+              <a:cxnLst/>
+              <a:rect l="0" t="0" r="0" b="0"/>
+              <a:pathLst>
+                <a:path w="7039" h="7040" fill="none" extrusionOk="0">
+                  <a:moveTo>
+                    <a:pt x="268" y="2704"/>
+                  </a:moveTo>
+                  <a:lnTo>
+                    <a:pt x="4336" y="6771"/>
+                  </a:lnTo>
+                  <a:lnTo>
+                    <a:pt x="4336" y="6771"/>
+                  </a:lnTo>
+                  <a:lnTo>
+                    <a:pt x="4336" y="6771"/>
+                  </a:lnTo>
+                  <a:lnTo>
+                    <a:pt x="4652" y="6917"/>
+                  </a:lnTo>
+                  <a:lnTo>
+                    <a:pt x="4993" y="7015"/>
+                  </a:lnTo>
+                  <a:lnTo>
+                    <a:pt x="5310" y="7039"/>
+                  </a:lnTo>
+                  <a:lnTo>
+                    <a:pt x="5651" y="7039"/>
+                  </a:lnTo>
+                  <a:lnTo>
+                    <a:pt x="5992" y="6966"/>
+                  </a:lnTo>
+                  <a:lnTo>
+                    <a:pt x="6308" y="6844"/>
+                  </a:lnTo>
+                  <a:lnTo>
+                    <a:pt x="6454" y="6747"/>
+                  </a:lnTo>
+                  <a:lnTo>
+                    <a:pt x="6601" y="6674"/>
+                  </a:lnTo>
+                  <a:lnTo>
+                    <a:pt x="6747" y="6552"/>
+                  </a:lnTo>
+                  <a:lnTo>
+                    <a:pt x="6893" y="6430"/>
+                  </a:lnTo>
+                  <a:lnTo>
+                    <a:pt x="6893" y="6430"/>
+                  </a:lnTo>
+                  <a:lnTo>
+                    <a:pt x="6942" y="6357"/>
+                  </a:lnTo>
+                  <a:lnTo>
+                    <a:pt x="7015" y="6260"/>
+                  </a:lnTo>
+                  <a:lnTo>
+                    <a:pt x="7039" y="6138"/>
+                  </a:lnTo>
+                  <a:lnTo>
+                    <a:pt x="7039" y="6041"/>
+                  </a:lnTo>
+                  <a:lnTo>
+                    <a:pt x="7039" y="6041"/>
+                  </a:lnTo>
+                  <a:lnTo>
+                    <a:pt x="7039" y="5943"/>
+                  </a:lnTo>
+                  <a:lnTo>
+                    <a:pt x="7015" y="5846"/>
+                  </a:lnTo>
+                  <a:lnTo>
+                    <a:pt x="6942" y="5748"/>
+                  </a:lnTo>
+                  <a:lnTo>
+                    <a:pt x="6893" y="5651"/>
+                  </a:lnTo>
+                  <a:lnTo>
+                    <a:pt x="1389" y="147"/>
+                  </a:lnTo>
+                  <a:lnTo>
+                    <a:pt x="1389" y="147"/>
+                  </a:lnTo>
+                  <a:lnTo>
+                    <a:pt x="1291" y="98"/>
+                  </a:lnTo>
+                  <a:lnTo>
+                    <a:pt x="1194" y="25"/>
+                  </a:lnTo>
+                  <a:lnTo>
+                    <a:pt x="1096" y="0"/>
+                  </a:lnTo>
+                  <a:lnTo>
+                    <a:pt x="999" y="0"/>
+                  </a:lnTo>
+                  <a:lnTo>
+                    <a:pt x="999" y="0"/>
+                  </a:lnTo>
+                  <a:lnTo>
+                    <a:pt x="902" y="0"/>
+                  </a:lnTo>
+                  <a:lnTo>
+                    <a:pt x="780" y="25"/>
+                  </a:lnTo>
+                  <a:lnTo>
+                    <a:pt x="682" y="98"/>
+                  </a:lnTo>
+                  <a:lnTo>
+                    <a:pt x="609" y="147"/>
+                  </a:lnTo>
+                  <a:lnTo>
+                    <a:pt x="609" y="147"/>
+                  </a:lnTo>
+                  <a:lnTo>
+                    <a:pt x="487" y="293"/>
+                  </a:lnTo>
+                  <a:lnTo>
+                    <a:pt x="366" y="439"/>
+                  </a:lnTo>
+                  <a:lnTo>
+                    <a:pt x="293" y="585"/>
+                  </a:lnTo>
+                  <a:lnTo>
+                    <a:pt x="195" y="731"/>
+                  </a:lnTo>
+                  <a:lnTo>
+                    <a:pt x="73" y="1048"/>
+                  </a:lnTo>
+                  <a:lnTo>
+                    <a:pt x="0" y="1389"/>
+                  </a:lnTo>
+                  <a:lnTo>
+                    <a:pt x="0" y="1730"/>
+                  </a:lnTo>
+                  <a:lnTo>
+                    <a:pt x="25" y="2046"/>
+                  </a:lnTo>
+                  <a:lnTo>
+                    <a:pt x="122" y="2387"/>
+                  </a:lnTo>
+                  <a:lnTo>
+                    <a:pt x="268" y="2704"/>
+                  </a:lnTo>
+                  <a:lnTo>
+                    <a:pt x="268" y="2704"/>
+                  </a:lnTo>
+                  <a:close/>
+                </a:path>
+              </a:pathLst>
+            </a:custGeom>
+            <a:noFill/>
+            <a:ln w="9525" cap="rnd" cmpd="sng">
+              <a:solidFill>
+                <a:srgbClr val="000000"/>
+              </a:solidFill>
+              <a:prstDash val="solid"/>
+              <a:round/>
+              <a:headEnd type="none" w="med" len="med"/>
+              <a:tailEnd type="none" w="med" len="med"/>
+            </a:ln>
+          </p:spPr>
+          <p:txBody>
+            <a:bodyPr lIns="91425" tIns="91425" rIns="91425" bIns="91425" anchor="ctr" anchorCtr="0">
+              <a:noAutofit/>
+            </a:bodyPr>
+            <a:lstStyle/>
+            <a:p>
+              <a:pPr lvl="0">
+                <a:spcBef>
+                  <a:spcPts val="0"/>
+                </a:spcBef>
+                <a:buNone/>
+              </a:pPr>
+              <a:endParaRPr/>
+            </a:p>
+          </p:txBody>
+        </p:sp>
+        <p:sp>
+          <p:nvSpPr>
+            <p:cNvPr id="116" name="Shape 116"/>
+            <p:cNvSpPr/>
+            <p:nvPr/>
+          </p:nvSpPr>
+          <p:spPr>
+            <a:xfrm>
+              <a:off x="2662850" y="1699400"/>
+              <a:ext cx="303250" cy="303250"/>
+            </a:xfrm>
+            <a:custGeom>
+              <a:avLst/>
+              <a:gdLst/>
+              <a:ahLst/>
+              <a:cxnLst/>
+              <a:rect l="0" t="0" r="0" b="0"/>
+              <a:pathLst>
+                <a:path w="12130" h="12130" fill="none" extrusionOk="0">
+                  <a:moveTo>
+                    <a:pt x="8038" y="1"/>
+                  </a:moveTo>
+                  <a:lnTo>
+                    <a:pt x="4872" y="3191"/>
+                  </a:lnTo>
+                  <a:lnTo>
+                    <a:pt x="4872" y="3191"/>
+                  </a:lnTo>
+                  <a:lnTo>
+                    <a:pt x="4628" y="3094"/>
+                  </a:lnTo>
+                  <a:lnTo>
+                    <a:pt x="4385" y="2997"/>
+                  </a:lnTo>
+                  <a:lnTo>
+                    <a:pt x="4092" y="2899"/>
+                  </a:lnTo>
+                  <a:lnTo>
+                    <a:pt x="3800" y="2850"/>
+                  </a:lnTo>
+                  <a:lnTo>
+                    <a:pt x="3484" y="2777"/>
+                  </a:lnTo>
+                  <a:lnTo>
+                    <a:pt x="3167" y="2729"/>
+                  </a:lnTo>
+                  <a:lnTo>
+                    <a:pt x="2850" y="2704"/>
+                  </a:lnTo>
+                  <a:lnTo>
+                    <a:pt x="2534" y="2704"/>
+                  </a:lnTo>
+                  <a:lnTo>
+                    <a:pt x="2534" y="2704"/>
+                  </a:lnTo>
+                  <a:lnTo>
+                    <a:pt x="2241" y="2704"/>
+                  </a:lnTo>
+                  <a:lnTo>
+                    <a:pt x="1949" y="2729"/>
+                  </a:lnTo>
+                  <a:lnTo>
+                    <a:pt x="1633" y="2777"/>
+                  </a:lnTo>
+                  <a:lnTo>
+                    <a:pt x="1316" y="2850"/>
+                  </a:lnTo>
+                  <a:lnTo>
+                    <a:pt x="999" y="2972"/>
+                  </a:lnTo>
+                  <a:lnTo>
+                    <a:pt x="707" y="3094"/>
+                  </a:lnTo>
+                  <a:lnTo>
+                    <a:pt x="415" y="3289"/>
+                  </a:lnTo>
+                  <a:lnTo>
+                    <a:pt x="147" y="3508"/>
+                  </a:lnTo>
+                  <a:lnTo>
+                    <a:pt x="147" y="3508"/>
+                  </a:lnTo>
+                  <a:lnTo>
+                    <a:pt x="74" y="3581"/>
+                  </a:lnTo>
+                  <a:lnTo>
+                    <a:pt x="25" y="3678"/>
+                  </a:lnTo>
+                  <a:lnTo>
+                    <a:pt x="1" y="3776"/>
+                  </a:lnTo>
+                  <a:lnTo>
+                    <a:pt x="1" y="3898"/>
+                  </a:lnTo>
+                  <a:lnTo>
+                    <a:pt x="1" y="3898"/>
+                  </a:lnTo>
+                  <a:lnTo>
+                    <a:pt x="1" y="3995"/>
+                  </a:lnTo>
+                  <a:lnTo>
+                    <a:pt x="25" y="4093"/>
+                  </a:lnTo>
+                  <a:lnTo>
+                    <a:pt x="74" y="4190"/>
+                  </a:lnTo>
+                  <a:lnTo>
+                    <a:pt x="147" y="4287"/>
+                  </a:lnTo>
+                  <a:lnTo>
+                    <a:pt x="7843" y="11984"/>
+                  </a:lnTo>
+                  <a:lnTo>
+                    <a:pt x="7843" y="11984"/>
+                  </a:lnTo>
+                  <a:lnTo>
+                    <a:pt x="7941" y="12057"/>
+                  </a:lnTo>
+                  <a:lnTo>
+                    <a:pt x="8038" y="12105"/>
+                  </a:lnTo>
+                  <a:lnTo>
+                    <a:pt x="8135" y="12130"/>
+                  </a:lnTo>
+                  <a:lnTo>
+                    <a:pt x="8233" y="12130"/>
+                  </a:lnTo>
+                  <a:lnTo>
+                    <a:pt x="8233" y="12130"/>
+                  </a:lnTo>
+                  <a:lnTo>
+                    <a:pt x="8355" y="12130"/>
+                  </a:lnTo>
+                  <a:lnTo>
+                    <a:pt x="8452" y="12105"/>
+                  </a:lnTo>
+                  <a:lnTo>
+                    <a:pt x="8549" y="12057"/>
+                  </a:lnTo>
+                  <a:lnTo>
+                    <a:pt x="8622" y="11984"/>
+                  </a:lnTo>
+                  <a:lnTo>
+                    <a:pt x="8622" y="11984"/>
+                  </a:lnTo>
+                  <a:lnTo>
+                    <a:pt x="8842" y="11716"/>
+                  </a:lnTo>
+                  <a:lnTo>
+                    <a:pt x="9036" y="11423"/>
+                  </a:lnTo>
+                  <a:lnTo>
+                    <a:pt x="9158" y="11131"/>
+                  </a:lnTo>
+                  <a:lnTo>
+                    <a:pt x="9280" y="10814"/>
+                  </a:lnTo>
+                  <a:lnTo>
+                    <a:pt x="9353" y="10498"/>
+                  </a:lnTo>
+                  <a:lnTo>
+                    <a:pt x="9402" y="10181"/>
+                  </a:lnTo>
+                  <a:lnTo>
+                    <a:pt x="9426" y="9889"/>
+                  </a:lnTo>
+                  <a:lnTo>
+                    <a:pt x="9426" y="9597"/>
+                  </a:lnTo>
+                  <a:lnTo>
+                    <a:pt x="9426" y="9597"/>
+                  </a:lnTo>
+                  <a:lnTo>
+                    <a:pt x="9426" y="9280"/>
+                  </a:lnTo>
+                  <a:lnTo>
+                    <a:pt x="9402" y="8964"/>
+                  </a:lnTo>
+                  <a:lnTo>
+                    <a:pt x="9353" y="8647"/>
+                  </a:lnTo>
+                  <a:lnTo>
+                    <a:pt x="9280" y="8330"/>
+                  </a:lnTo>
+                  <a:lnTo>
+                    <a:pt x="9231" y="8038"/>
+                  </a:lnTo>
+                  <a:lnTo>
+                    <a:pt x="9134" y="7746"/>
+                  </a:lnTo>
+                  <a:lnTo>
+                    <a:pt x="9036" y="7502"/>
+                  </a:lnTo>
+                  <a:lnTo>
+                    <a:pt x="8939" y="7259"/>
+                  </a:lnTo>
+                  <a:lnTo>
+                    <a:pt x="12130" y="4093"/>
+                  </a:lnTo>
+                </a:path>
+              </a:pathLst>
+            </a:custGeom>
+            <a:noFill/>
+            <a:ln w="9525" cap="rnd" cmpd="sng">
+              <a:solidFill>
+                <a:srgbClr val="000000"/>
+              </a:solidFill>
+              <a:prstDash val="solid"/>
+              <a:round/>
+              <a:headEnd type="none" w="med" len="med"/>
+              <a:tailEnd type="none" w="med" len="med"/>
+            </a:ln>
+          </p:spPr>
+          <p:txBody>
+            <a:bodyPr lIns="91425" tIns="91425" rIns="91425" bIns="91425" anchor="ctr" anchorCtr="0">
+              <a:noAutofit/>
+            </a:bodyPr>
+            <a:lstStyle/>
+            <a:p>
+              <a:pPr lvl="0">
+                <a:spcBef>
+                  <a:spcPts val="0"/>
+                </a:spcBef>
+                <a:buNone/>
+              </a:pPr>
+              <a:endParaRPr/>
+            </a:p>
+          </p:txBody>
+        </p:sp>
+        <p:sp>
+          <p:nvSpPr>
+            <p:cNvPr id="117" name="Shape 117"/>
+            <p:cNvSpPr/>
+            <p:nvPr/>
+          </p:nvSpPr>
+          <p:spPr>
+            <a:xfrm>
+              <a:off x="2814911" y="1754061"/>
+              <a:ext cx="49950" cy="49950"/>
+            </a:xfrm>
+            <a:custGeom>
+              <a:avLst/>
+              <a:gdLst/>
+              <a:ahLst/>
+              <a:cxnLst/>
+              <a:rect l="0" t="0" r="0" b="0"/>
+              <a:pathLst>
+                <a:path w="1998" h="1998" fill="none" extrusionOk="0">
+                  <a:moveTo>
+                    <a:pt x="1" y="1997"/>
+                  </a:moveTo>
+                  <a:lnTo>
+                    <a:pt x="1998" y="0"/>
+                  </a:lnTo>
+                </a:path>
+              </a:pathLst>
+            </a:custGeom>
+            <a:noFill/>
+            <a:ln w="9525" cap="rnd" cmpd="sng">
+              <a:solidFill>
+                <a:srgbClr val="000000"/>
+              </a:solidFill>
+              <a:prstDash val="solid"/>
+              <a:round/>
+              <a:headEnd type="none" w="med" len="med"/>
+              <a:tailEnd type="none" w="med" len="med"/>
+            </a:ln>
+          </p:spPr>
+          <p:txBody>
+            <a:bodyPr lIns="91425" tIns="91425" rIns="91425" bIns="91425" anchor="ctr" anchorCtr="0">
+              <a:noAutofit/>
+            </a:bodyPr>
+            <a:lstStyle/>
+            <a:p>
+              <a:pPr lvl="0">
+                <a:spcBef>
+                  <a:spcPts val="0"/>
+                </a:spcBef>
+                <a:buNone/>
+              </a:pPr>
+              <a:endParaRPr/>
+            </a:p>
+          </p:txBody>
+        </p:sp>
+      </p:grpSp>
+      <p:pic>
+        <p:nvPicPr>
+          <p:cNvPr id="6146" name="Picture 2"/>
+          <p:cNvPicPr>
+            <a:picLocks noChangeAspect="1" noChangeArrowheads="1"/>
+          </p:cNvPicPr>
+          <p:nvPr/>
+        </p:nvPicPr>
+        <p:blipFill>
+          <a:blip r:embed="rId3"/>
+          <a:srcRect/>
+          <a:stretch>
+            <a:fillRect/>
+          </a:stretch>
+        </p:blipFill>
+        <p:spPr bwMode="auto">
+          <a:xfrm>
+            <a:off x="5436096" y="1350440"/>
+            <a:ext cx="3492624" cy="3538312"/>
+          </a:xfrm>
+          <a:prstGeom prst="rect">
+            <a:avLst/>
+          </a:prstGeom>
+          <a:noFill/>
+          <a:ln w="9525">
+            <a:noFill/>
+            <a:miter lim="800000"/>
+            <a:headEnd/>
+            <a:tailEnd/>
+          </a:ln>
+          <a:effectLst/>
+        </p:spPr>
+      </p:pic>
     </p:spTree>
   </p:cSld>
   <p:clrMapOvr>
@@ -15404,6 +15097,17 @@
             <a:r>
               <a:rPr lang="en" dirty="0"/>
               <a:t>Zentraler Bestandteil des Spieles WWM</a:t>
+            </a:r>
+          </a:p>
+          <a:p>
+            <a:pPr marL="457200" lvl="0" indent="-228600">
+              <a:spcBef>
+                <a:spcPts val="0"/>
+              </a:spcBef>
+            </a:pPr>
+            <a:r>
+              <a:rPr lang="en" dirty="0"/>
+              <a:t>Benötigen Schwierigkeitsstufen die innerhalb des Spielverlaufs steigen</a:t>
             </a:r>
           </a:p>
         </p:txBody>
@@ -16264,6 +15968,17 @@
               <a:t>Benötigen Schwierigkeitsstufen die innerhalb des Spielverlaufs steigen</a:t>
             </a:r>
           </a:p>
+          <a:p>
+            <a:pPr marL="457200" indent="-228600">
+              <a:spcBef>
+                <a:spcPts val="0"/>
+              </a:spcBef>
+            </a:pPr>
+            <a:r>
+              <a:rPr lang="en" dirty="0"/>
+              <a:t>Benötigen eine Datenbank, als Fragenkatalog zum Speichern, Abrufen und Sortieren der Fragen</a:t>
+            </a:r>
+          </a:p>
         </p:txBody>
       </p:sp>
       <p:grpSp>
@@ -16919,66 +16634,7 @@
                   <a:srgbClr val="FFCD00"/>
                 </a:highlight>
               </a:rPr>
-              <a:t>Ursprünglicher Ansatz – Die Fragen</a:t>
-            </a:r>
-          </a:p>
-        </p:txBody>
-      </p:sp>
-      <p:sp>
-        <p:nvSpPr>
-          <p:cNvPr id="112" name="Shape 112"/>
-          <p:cNvSpPr txBox="1">
-            <a:spLocks noGrp="1"/>
-          </p:cNvSpPr>
-          <p:nvPr>
-            <p:ph type="body" idx="1"/>
-          </p:nvPr>
-        </p:nvSpPr>
-        <p:spPr>
-          <a:xfrm>
-            <a:off x="179512" y="1635646"/>
-            <a:ext cx="5184576" cy="3112200"/>
-          </a:xfrm>
-          <a:prstGeom prst="rect">
-            <a:avLst/>
-          </a:prstGeom>
-        </p:spPr>
-        <p:txBody>
-          <a:bodyPr lIns="91425" tIns="91425" rIns="91425" bIns="91425" anchor="t" anchorCtr="0">
-            <a:noAutofit/>
-          </a:bodyPr>
-          <a:lstStyle/>
-          <a:p>
-            <a:pPr marL="457200" lvl="0" indent="-228600" rtl="0">
-              <a:spcBef>
-                <a:spcPts val="0"/>
-              </a:spcBef>
-            </a:pPr>
-            <a:r>
-              <a:rPr lang="en" dirty="0"/>
-              <a:t>Zentraler Bestandteil des Spieles WWM</a:t>
-            </a:r>
-          </a:p>
-          <a:p>
-            <a:pPr marL="457200" lvl="0" indent="-228600">
-              <a:spcBef>
-                <a:spcPts val="0"/>
-              </a:spcBef>
-            </a:pPr>
-            <a:r>
-              <a:rPr lang="en" dirty="0"/>
-              <a:t>Benötigen Schwierigkeitsstufen die innerhalb des Spielverlaufs steigen</a:t>
-            </a:r>
-          </a:p>
-          <a:p>
-            <a:pPr marL="457200" indent="-228600">
-              <a:spcBef>
-                <a:spcPts val="0"/>
-              </a:spcBef>
-            </a:pPr>
-            <a:r>
-              <a:rPr lang="en" dirty="0"/>
-              <a:t>Benötigen eine Datenbank, als Fragenkatalog zum Speichern, Abrufen und Sortieren der Fragen</a:t>
+              <a:t>Ursprünglicher Ansatz – Die Joker</a:t>
             </a:r>
           </a:p>
         </p:txBody>
@@ -17541,39 +17197,6 @@
           </p:txBody>
         </p:sp>
       </p:grpSp>
-      <p:pic>
-        <p:nvPicPr>
-          <p:cNvPr id="6146" name="Picture 2"/>
-          <p:cNvPicPr>
-            <a:picLocks noChangeAspect="1" noChangeArrowheads="1"/>
-          </p:cNvPicPr>
-          <p:nvPr/>
-        </p:nvPicPr>
-        <p:blipFill>
-          <a:blip r:embed="rId3"/>
-          <a:srcRect/>
-          <a:stretch>
-            <a:fillRect/>
-          </a:stretch>
-        </p:blipFill>
-        <p:spPr bwMode="auto">
-          <a:xfrm>
-            <a:off x="5436096" y="1350440"/>
-            <a:ext cx="3492624" cy="3538312"/>
-          </a:xfrm>
-          <a:prstGeom prst="rect">
-            <a:avLst/>
-          </a:prstGeom>
-          <a:noFill/>
-          <a:ln w="9525">
-            <a:noFill/>
-            <a:miter lim="800000"/>
-            <a:headEnd/>
-            <a:tailEnd/>
-          </a:ln>
-          <a:effectLst/>
-        </p:spPr>
-      </p:pic>
     </p:spTree>
   </p:cSld>
   <p:clrMapOvr>
@@ -17641,6 +17264,52 @@
           </a:p>
         </p:txBody>
       </p:sp>
+      <p:sp>
+        <p:nvSpPr>
+          <p:cNvPr id="112" name="Shape 112"/>
+          <p:cNvSpPr txBox="1">
+            <a:spLocks noGrp="1"/>
+          </p:cNvSpPr>
+          <p:nvPr>
+            <p:ph type="body" idx="1"/>
+          </p:nvPr>
+        </p:nvSpPr>
+        <p:spPr>
+          <a:xfrm>
+            <a:off x="179512" y="1635646"/>
+            <a:ext cx="5184576" cy="3112200"/>
+          </a:xfrm>
+          <a:prstGeom prst="rect">
+            <a:avLst/>
+          </a:prstGeom>
+        </p:spPr>
+        <p:txBody>
+          <a:bodyPr lIns="91425" tIns="91425" rIns="91425" bIns="91425" anchor="t" anchorCtr="0">
+            <a:noAutofit/>
+          </a:bodyPr>
+          <a:lstStyle/>
+          <a:p>
+            <a:pPr marL="457200" lvl="0" indent="-228600" rtl="0">
+              <a:spcBef>
+                <a:spcPts val="0"/>
+              </a:spcBef>
+            </a:pPr>
+            <a:r>
+              <a:rPr lang="en" dirty="0"/>
+              <a:t>Dienen als Hilfsmittel für den Spieler</a:t>
+            </a:r>
+          </a:p>
+          <a:p>
+            <a:pPr marL="457200" lvl="0" indent="-228600" rtl="0">
+              <a:spcBef>
+                <a:spcPts val="0"/>
+              </a:spcBef>
+              <a:buNone/>
+            </a:pPr>
+            <a:endParaRPr lang="en" dirty="0"/>
+          </a:p>
+        </p:txBody>
+      </p:sp>
       <p:grpSp>
         <p:nvGrpSpPr>
           <p:cNvPr id="2" name="Shape 113"/>
@@ -18199,6 +17868,39 @@
           </p:txBody>
         </p:sp>
       </p:grpSp>
+      <p:pic>
+        <p:nvPicPr>
+          <p:cNvPr id="7170" name="Picture 2"/>
+          <p:cNvPicPr>
+            <a:picLocks noChangeAspect="1" noChangeArrowheads="1"/>
+          </p:cNvPicPr>
+          <p:nvPr/>
+        </p:nvPicPr>
+        <p:blipFill>
+          <a:blip r:embed="rId3"/>
+          <a:srcRect/>
+          <a:stretch>
+            <a:fillRect/>
+          </a:stretch>
+        </p:blipFill>
+        <p:spPr bwMode="auto">
+          <a:xfrm>
+            <a:off x="5508104" y="1419622"/>
+            <a:ext cx="3491880" cy="3508430"/>
+          </a:xfrm>
+          <a:prstGeom prst="rect">
+            <a:avLst/>
+          </a:prstGeom>
+          <a:noFill/>
+          <a:ln w="9525">
+            <a:noFill/>
+            <a:miter lim="800000"/>
+            <a:headEnd/>
+            <a:tailEnd/>
+          </a:ln>
+          <a:effectLst/>
+        </p:spPr>
+      </p:pic>
     </p:spTree>
   </p:cSld>
   <p:clrMapOvr>
@@ -18299,6 +18001,17 @@
             <a:r>
               <a:rPr lang="en" dirty="0"/>
               <a:t>Dienen als Hilfsmittel für den Spieler</a:t>
+            </a:r>
+          </a:p>
+          <a:p>
+            <a:pPr marL="457200" lvl="0" indent="-228600" rtl="0">
+              <a:spcBef>
+                <a:spcPts val="0"/>
+              </a:spcBef>
+            </a:pPr>
+            <a:r>
+              <a:rPr lang="en" dirty="0"/>
+              <a:t>Benötigte Joker: 50/50, Telefonjoker und Zuschauerjoker</a:t>
             </a:r>
           </a:p>
           <a:p>
@@ -19021,7 +18734,17 @@
               <a:spcBef>
                 <a:spcPts val="0"/>
               </a:spcBef>
-              <a:buNone/>
+            </a:pPr>
+            <a:r>
+              <a:rPr lang="en" dirty="0"/>
+              <a:t>Genaue Angabe WAS jeder Joker macht und WIE dies in dem Spiel interpretiert wird</a:t>
+            </a:r>
+          </a:p>
+          <a:p>
+            <a:pPr marL="457200" lvl="0" indent="-228600" rtl="0">
+              <a:spcBef>
+                <a:spcPts val="0"/>
+              </a:spcBef>
             </a:pPr>
             <a:endParaRPr lang="en" dirty="0"/>
           </a:p>
@@ -19656,7 +19379,7 @@
         <p:spPr>
           <a:xfrm>
             <a:off x="1381250" y="922668"/>
-            <a:ext cx="4558902" cy="435599"/>
+            <a:ext cx="4990950" cy="435599"/>
           </a:xfrm>
           <a:prstGeom prst="rect">
             <a:avLst/>
@@ -19680,75 +19403,8 @@
                   <a:srgbClr val="FFCD00"/>
                 </a:highlight>
               </a:rPr>
-              <a:t>Ursprünglicher Ansatz – Die Joker</a:t>
+              <a:t>Ursprünglicher Ansatz – Highscores</a:t>
             </a:r>
-          </a:p>
-        </p:txBody>
-      </p:sp>
-      <p:sp>
-        <p:nvSpPr>
-          <p:cNvPr id="112" name="Shape 112"/>
-          <p:cNvSpPr txBox="1">
-            <a:spLocks noGrp="1"/>
-          </p:cNvSpPr>
-          <p:nvPr>
-            <p:ph type="body" idx="1"/>
-          </p:nvPr>
-        </p:nvSpPr>
-        <p:spPr>
-          <a:xfrm>
-            <a:off x="179512" y="1635646"/>
-            <a:ext cx="5184576" cy="3112200"/>
-          </a:xfrm>
-          <a:prstGeom prst="rect">
-            <a:avLst/>
-          </a:prstGeom>
-        </p:spPr>
-        <p:txBody>
-          <a:bodyPr lIns="91425" tIns="91425" rIns="91425" bIns="91425" anchor="t" anchorCtr="0">
-            <a:noAutofit/>
-          </a:bodyPr>
-          <a:lstStyle/>
-          <a:p>
-            <a:pPr marL="457200" lvl="0" indent="-228600" rtl="0">
-              <a:spcBef>
-                <a:spcPts val="0"/>
-              </a:spcBef>
-            </a:pPr>
-            <a:r>
-              <a:rPr lang="en" dirty="0"/>
-              <a:t>Dienen als Hilfsmittel für den Spieler</a:t>
-            </a:r>
-          </a:p>
-          <a:p>
-            <a:pPr marL="457200" lvl="0" indent="-228600" rtl="0">
-              <a:spcBef>
-                <a:spcPts val="0"/>
-              </a:spcBef>
-            </a:pPr>
-            <a:r>
-              <a:rPr lang="en" dirty="0"/>
-              <a:t>Benötigte Joker: 50/50, Telefonjoker und Zuschauerjoker</a:t>
-            </a:r>
-          </a:p>
-          <a:p>
-            <a:pPr marL="457200" lvl="0" indent="-228600" rtl="0">
-              <a:spcBef>
-                <a:spcPts val="0"/>
-              </a:spcBef>
-            </a:pPr>
-            <a:r>
-              <a:rPr lang="en" dirty="0"/>
-              <a:t>Genaue Angabe WAS jeder Joker macht und WIE dies in dem Spiel interpretiert wird</a:t>
-            </a:r>
-          </a:p>
-          <a:p>
-            <a:pPr marL="457200" lvl="0" indent="-228600" rtl="0">
-              <a:spcBef>
-                <a:spcPts val="0"/>
-              </a:spcBef>
-            </a:pPr>
-            <a:endParaRPr lang="en" dirty="0"/>
           </a:p>
         </p:txBody>
       </p:sp>
@@ -20310,39 +19966,6 @@
           </p:txBody>
         </p:sp>
       </p:grpSp>
-      <p:pic>
-        <p:nvPicPr>
-          <p:cNvPr id="7170" name="Picture 2"/>
-          <p:cNvPicPr>
-            <a:picLocks noChangeAspect="1" noChangeArrowheads="1"/>
-          </p:cNvPicPr>
-          <p:nvPr/>
-        </p:nvPicPr>
-        <p:blipFill>
-          <a:blip r:embed="rId3"/>
-          <a:srcRect/>
-          <a:stretch>
-            <a:fillRect/>
-          </a:stretch>
-        </p:blipFill>
-        <p:spPr bwMode="auto">
-          <a:xfrm>
-            <a:off x="5508104" y="1419622"/>
-            <a:ext cx="3491880" cy="3508430"/>
-          </a:xfrm>
-          <a:prstGeom prst="rect">
-            <a:avLst/>
-          </a:prstGeom>
-          <a:noFill/>
-          <a:ln w="9525">
-            <a:noFill/>
-            <a:miter lim="800000"/>
-            <a:headEnd/>
-            <a:tailEnd/>
-          </a:ln>
-          <a:effectLst/>
-        </p:spPr>
-      </p:pic>
     </p:spTree>
   </p:cSld>
   <p:clrMapOvr>
@@ -20968,6 +20591,28 @@
           </p:txBody>
         </p:sp>
       </p:grpSp>
+      <p:sp>
+        <p:nvSpPr>
+          <p:cNvPr id="10" name="Textplatzhalter 9"/>
+          <p:cNvSpPr>
+            <a:spLocks noGrp="1"/>
+          </p:cNvSpPr>
+          <p:nvPr>
+            <p:ph type="body" idx="1"/>
+          </p:nvPr>
+        </p:nvSpPr>
+        <p:spPr/>
+        <p:txBody>
+          <a:bodyPr/>
+          <a:lstStyle/>
+          <a:p>
+            <a:r>
+              <a:rPr lang="de-DE" dirty="0"/>
+              <a:t> Ermöglichen es dem Spieler seine Erfolge mit anderen Spielern bzw. mit sich selbst zu vergleichen</a:t>
+            </a:r>
+          </a:p>
+        </p:txBody>
+      </p:sp>
     </p:spTree>
   </p:cSld>
   <p:clrMapOvr>
@@ -21611,6 +21256,12 @@
             <a:r>
               <a:rPr lang="de-DE" dirty="0"/>
               <a:t> Ermöglichen es dem Spieler seine Erfolge mit anderen Spielern bzw. mit sich selbst zu vergleichen</a:t>
+            </a:r>
+          </a:p>
+          <a:p>
+            <a:r>
+              <a:rPr lang="de-DE" dirty="0"/>
+              <a:t> Die Highscores sollen in einer Datenbank verwaltet werden</a:t>
             </a:r>
           </a:p>
         </p:txBody>
@@ -22266,6 +21917,12 @@
               <a:t> Die Highscores sollen in einer Datenbank verwaltet werden</a:t>
             </a:r>
           </a:p>
+          <a:p>
+            <a:r>
+              <a:rPr lang="de-DE" dirty="0"/>
+              <a:t> Ein Spieler sollte einen Überblick auf die 10 besten Highscores haben</a:t>
+            </a:r>
+          </a:p>
         </p:txBody>
       </p:sp>
     </p:spTree>
@@ -22306,7 +21963,7 @@
         <p:spPr>
           <a:xfrm>
             <a:off x="1381250" y="922668"/>
-            <a:ext cx="4990950" cy="435599"/>
+            <a:ext cx="3878399" cy="435599"/>
           </a:xfrm>
           <a:prstGeom prst="rect">
             <a:avLst/>
@@ -22330,7 +21987,7 @@
                   <a:srgbClr val="FFCD00"/>
                 </a:highlight>
               </a:rPr>
-              <a:t>Ursprünglicher Ansatz – Highscores</a:t>
+              <a:t>Überarbeitungsbedarf</a:t>
             </a:r>
           </a:p>
         </p:txBody>
@@ -22895,7 +22552,7 @@
       </p:grpSp>
       <p:sp>
         <p:nvSpPr>
-          <p:cNvPr id="10" name="Textplatzhalter 9"/>
+          <p:cNvPr id="9" name="Textplatzhalter 9"/>
           <p:cNvSpPr>
             <a:spLocks noGrp="1"/>
           </p:cNvSpPr>
@@ -22903,26 +22560,29 @@
             <p:ph type="body" idx="1"/>
           </p:nvPr>
         </p:nvSpPr>
-        <p:spPr/>
+        <p:spPr>
+          <a:xfrm>
+            <a:off x="179512" y="1616470"/>
+            <a:ext cx="4680520" cy="3331544"/>
+          </a:xfrm>
+        </p:spPr>
         <p:txBody>
           <a:bodyPr/>
           <a:lstStyle/>
           <a:p>
             <a:r>
               <a:rPr lang="de-DE" dirty="0"/>
-              <a:t> Ermöglichen es dem Spieler seine Erfolge mit anderen Spielern bzw. mit sich selbst zu vergleichen</a:t>
+              <a:t> Weitere Spezifizierung von Abläufen</a:t>
             </a:r>
           </a:p>
           <a:p>
+            <a:pPr>
+              <a:buFont typeface="Wingdings" pitchFamily="2" charset="2"/>
+              <a:buChar char="Ø"/>
+            </a:pPr>
             <a:r>
-              <a:rPr lang="de-DE" dirty="0"/>
-              <a:t> Die Highscores sollen in einer Datenbank verwaltet werden</a:t>
-            </a:r>
-          </a:p>
-          <a:p>
-            <a:r>
-              <a:rPr lang="de-DE" dirty="0"/>
-              <a:t> Ein Spieler sollte einen Überblick auf die 10 besten Highscores haben</a:t>
+              <a:rPr lang="de-DE" sz="1800" dirty="0"/>
+              <a:t> z.B. Telefon Joker verhalten, Publikumsjoker verhalten etc.</a:t>
             </a:r>
           </a:p>
         </p:txBody>
@@ -24335,668 +23995,6 @@
               <a:t> z.B. Telefon Joker verhalten, Publikumsjoker verhalten etc.</a:t>
             </a:r>
           </a:p>
-        </p:txBody>
-      </p:sp>
-    </p:spTree>
-  </p:cSld>
-  <p:clrMapOvr>
-    <a:masterClrMapping/>
-  </p:clrMapOvr>
-</p:sld>
-</file>
-
-<file path=ppt/slides/slide31.xml><?xml version="1.0" encoding="utf-8"?>
-<p:sld xmlns:a="http://schemas.openxmlformats.org/drawingml/2006/main" xmlns:r="http://schemas.openxmlformats.org/officeDocument/2006/relationships" xmlns:p="http://schemas.openxmlformats.org/presentationml/2006/main">
-  <p:cSld>
-    <p:spTree>
-      <p:nvGrpSpPr>
-        <p:cNvPr id="1" name="Shape 110"/>
-        <p:cNvGrpSpPr/>
-        <p:nvPr/>
-      </p:nvGrpSpPr>
-      <p:grpSpPr>
-        <a:xfrm>
-          <a:off x="0" y="0"/>
-          <a:ext cx="0" cy="0"/>
-          <a:chOff x="0" y="0"/>
-          <a:chExt cx="0" cy="0"/>
-        </a:xfrm>
-      </p:grpSpPr>
-      <p:sp>
-        <p:nvSpPr>
-          <p:cNvPr id="111" name="Shape 111"/>
-          <p:cNvSpPr txBox="1">
-            <a:spLocks noGrp="1"/>
-          </p:cNvSpPr>
-          <p:nvPr>
-            <p:ph type="title"/>
-          </p:nvPr>
-        </p:nvSpPr>
-        <p:spPr>
-          <a:xfrm>
-            <a:off x="1381250" y="922668"/>
-            <a:ext cx="3878399" cy="435599"/>
-          </a:xfrm>
-          <a:prstGeom prst="rect">
-            <a:avLst/>
-          </a:prstGeom>
-        </p:spPr>
-        <p:txBody>
-          <a:bodyPr lIns="91425" tIns="91425" rIns="91425" bIns="91425" anchor="ctr" anchorCtr="0">
-            <a:noAutofit/>
-          </a:bodyPr>
-          <a:lstStyle/>
-          <a:p>
-            <a:pPr lvl="0">
-              <a:spcBef>
-                <a:spcPts val="0"/>
-              </a:spcBef>
-              <a:buNone/>
-            </a:pPr>
-            <a:r>
-              <a:rPr lang="en" dirty="0">
-                <a:highlight>
-                  <a:srgbClr val="FFCD00"/>
-                </a:highlight>
-              </a:rPr>
-              <a:t>Überarbeitungsbedarf</a:t>
-            </a:r>
-          </a:p>
-        </p:txBody>
-      </p:sp>
-      <p:grpSp>
-        <p:nvGrpSpPr>
-          <p:cNvPr id="2" name="Shape 113"/>
-          <p:cNvGrpSpPr/>
-          <p:nvPr/>
-        </p:nvGrpSpPr>
-        <p:grpSpPr>
-          <a:xfrm>
-            <a:off x="916458" y="1019750"/>
-            <a:ext cx="214624" cy="214624"/>
-            <a:chOff x="2594050" y="1631825"/>
-            <a:chExt cx="439625" cy="439625"/>
-          </a:xfrm>
-        </p:grpSpPr>
-        <p:sp>
-          <p:nvSpPr>
-            <p:cNvPr id="114" name="Shape 114"/>
-            <p:cNvSpPr/>
-            <p:nvPr/>
-          </p:nvSpPr>
-          <p:spPr>
-            <a:xfrm>
-              <a:off x="2594050" y="1883300"/>
-              <a:ext cx="188175" cy="188150"/>
-            </a:xfrm>
-            <a:custGeom>
-              <a:avLst/>
-              <a:gdLst/>
-              <a:ahLst/>
-              <a:cxnLst/>
-              <a:rect l="0" t="0" r="0" b="0"/>
-              <a:pathLst>
-                <a:path w="7527" h="7526" fill="none" extrusionOk="0">
-                  <a:moveTo>
-                    <a:pt x="5992" y="0"/>
-                  </a:moveTo>
-                  <a:lnTo>
-                    <a:pt x="537" y="6430"/>
-                  </a:lnTo>
-                  <a:lnTo>
-                    <a:pt x="1" y="7526"/>
-                  </a:lnTo>
-                  <a:lnTo>
-                    <a:pt x="1097" y="6990"/>
-                  </a:lnTo>
-                  <a:lnTo>
-                    <a:pt x="7526" y="1534"/>
-                  </a:lnTo>
-                  <a:lnTo>
-                    <a:pt x="5992" y="0"/>
-                  </a:lnTo>
-                  <a:close/>
-                </a:path>
-              </a:pathLst>
-            </a:custGeom>
-            <a:noFill/>
-            <a:ln w="9525" cap="rnd" cmpd="sng">
-              <a:solidFill>
-                <a:srgbClr val="000000"/>
-              </a:solidFill>
-              <a:prstDash val="solid"/>
-              <a:round/>
-              <a:headEnd type="none" w="med" len="med"/>
-              <a:tailEnd type="none" w="med" len="med"/>
-            </a:ln>
-          </p:spPr>
-          <p:txBody>
-            <a:bodyPr lIns="91425" tIns="91425" rIns="91425" bIns="91425" anchor="ctr" anchorCtr="0">
-              <a:noAutofit/>
-            </a:bodyPr>
-            <a:lstStyle/>
-            <a:p>
-              <a:pPr lvl="0">
-                <a:spcBef>
-                  <a:spcPts val="0"/>
-                </a:spcBef>
-                <a:buNone/>
-              </a:pPr>
-              <a:endParaRPr/>
-            </a:p>
-          </p:txBody>
-        </p:sp>
-        <p:sp>
-          <p:nvSpPr>
-            <p:cNvPr id="115" name="Shape 115"/>
-            <p:cNvSpPr/>
-            <p:nvPr/>
-          </p:nvSpPr>
-          <p:spPr>
-            <a:xfrm>
-              <a:off x="2857700" y="1631825"/>
-              <a:ext cx="175975" cy="176000"/>
-            </a:xfrm>
-            <a:custGeom>
-              <a:avLst/>
-              <a:gdLst/>
-              <a:ahLst/>
-              <a:cxnLst/>
-              <a:rect l="0" t="0" r="0" b="0"/>
-              <a:pathLst>
-                <a:path w="7039" h="7040" fill="none" extrusionOk="0">
-                  <a:moveTo>
-                    <a:pt x="268" y="2704"/>
-                  </a:moveTo>
-                  <a:lnTo>
-                    <a:pt x="4336" y="6771"/>
-                  </a:lnTo>
-                  <a:lnTo>
-                    <a:pt x="4336" y="6771"/>
-                  </a:lnTo>
-                  <a:lnTo>
-                    <a:pt x="4336" y="6771"/>
-                  </a:lnTo>
-                  <a:lnTo>
-                    <a:pt x="4652" y="6917"/>
-                  </a:lnTo>
-                  <a:lnTo>
-                    <a:pt x="4993" y="7015"/>
-                  </a:lnTo>
-                  <a:lnTo>
-                    <a:pt x="5310" y="7039"/>
-                  </a:lnTo>
-                  <a:lnTo>
-                    <a:pt x="5651" y="7039"/>
-                  </a:lnTo>
-                  <a:lnTo>
-                    <a:pt x="5992" y="6966"/>
-                  </a:lnTo>
-                  <a:lnTo>
-                    <a:pt x="6308" y="6844"/>
-                  </a:lnTo>
-                  <a:lnTo>
-                    <a:pt x="6454" y="6747"/>
-                  </a:lnTo>
-                  <a:lnTo>
-                    <a:pt x="6601" y="6674"/>
-                  </a:lnTo>
-                  <a:lnTo>
-                    <a:pt x="6747" y="6552"/>
-                  </a:lnTo>
-                  <a:lnTo>
-                    <a:pt x="6893" y="6430"/>
-                  </a:lnTo>
-                  <a:lnTo>
-                    <a:pt x="6893" y="6430"/>
-                  </a:lnTo>
-                  <a:lnTo>
-                    <a:pt x="6942" y="6357"/>
-                  </a:lnTo>
-                  <a:lnTo>
-                    <a:pt x="7015" y="6260"/>
-                  </a:lnTo>
-                  <a:lnTo>
-                    <a:pt x="7039" y="6138"/>
-                  </a:lnTo>
-                  <a:lnTo>
-                    <a:pt x="7039" y="6041"/>
-                  </a:lnTo>
-                  <a:lnTo>
-                    <a:pt x="7039" y="6041"/>
-                  </a:lnTo>
-                  <a:lnTo>
-                    <a:pt x="7039" y="5943"/>
-                  </a:lnTo>
-                  <a:lnTo>
-                    <a:pt x="7015" y="5846"/>
-                  </a:lnTo>
-                  <a:lnTo>
-                    <a:pt x="6942" y="5748"/>
-                  </a:lnTo>
-                  <a:lnTo>
-                    <a:pt x="6893" y="5651"/>
-                  </a:lnTo>
-                  <a:lnTo>
-                    <a:pt x="1389" y="147"/>
-                  </a:lnTo>
-                  <a:lnTo>
-                    <a:pt x="1389" y="147"/>
-                  </a:lnTo>
-                  <a:lnTo>
-                    <a:pt x="1291" y="98"/>
-                  </a:lnTo>
-                  <a:lnTo>
-                    <a:pt x="1194" y="25"/>
-                  </a:lnTo>
-                  <a:lnTo>
-                    <a:pt x="1096" y="0"/>
-                  </a:lnTo>
-                  <a:lnTo>
-                    <a:pt x="999" y="0"/>
-                  </a:lnTo>
-                  <a:lnTo>
-                    <a:pt x="999" y="0"/>
-                  </a:lnTo>
-                  <a:lnTo>
-                    <a:pt x="902" y="0"/>
-                  </a:lnTo>
-                  <a:lnTo>
-                    <a:pt x="780" y="25"/>
-                  </a:lnTo>
-                  <a:lnTo>
-                    <a:pt x="682" y="98"/>
-                  </a:lnTo>
-                  <a:lnTo>
-                    <a:pt x="609" y="147"/>
-                  </a:lnTo>
-                  <a:lnTo>
-                    <a:pt x="609" y="147"/>
-                  </a:lnTo>
-                  <a:lnTo>
-                    <a:pt x="487" y="293"/>
-                  </a:lnTo>
-                  <a:lnTo>
-                    <a:pt x="366" y="439"/>
-                  </a:lnTo>
-                  <a:lnTo>
-                    <a:pt x="293" y="585"/>
-                  </a:lnTo>
-                  <a:lnTo>
-                    <a:pt x="195" y="731"/>
-                  </a:lnTo>
-                  <a:lnTo>
-                    <a:pt x="73" y="1048"/>
-                  </a:lnTo>
-                  <a:lnTo>
-                    <a:pt x="0" y="1389"/>
-                  </a:lnTo>
-                  <a:lnTo>
-                    <a:pt x="0" y="1730"/>
-                  </a:lnTo>
-                  <a:lnTo>
-                    <a:pt x="25" y="2046"/>
-                  </a:lnTo>
-                  <a:lnTo>
-                    <a:pt x="122" y="2387"/>
-                  </a:lnTo>
-                  <a:lnTo>
-                    <a:pt x="268" y="2704"/>
-                  </a:lnTo>
-                  <a:lnTo>
-                    <a:pt x="268" y="2704"/>
-                  </a:lnTo>
-                  <a:close/>
-                </a:path>
-              </a:pathLst>
-            </a:custGeom>
-            <a:noFill/>
-            <a:ln w="9525" cap="rnd" cmpd="sng">
-              <a:solidFill>
-                <a:srgbClr val="000000"/>
-              </a:solidFill>
-              <a:prstDash val="solid"/>
-              <a:round/>
-              <a:headEnd type="none" w="med" len="med"/>
-              <a:tailEnd type="none" w="med" len="med"/>
-            </a:ln>
-          </p:spPr>
-          <p:txBody>
-            <a:bodyPr lIns="91425" tIns="91425" rIns="91425" bIns="91425" anchor="ctr" anchorCtr="0">
-              <a:noAutofit/>
-            </a:bodyPr>
-            <a:lstStyle/>
-            <a:p>
-              <a:pPr lvl="0">
-                <a:spcBef>
-                  <a:spcPts val="0"/>
-                </a:spcBef>
-                <a:buNone/>
-              </a:pPr>
-              <a:endParaRPr/>
-            </a:p>
-          </p:txBody>
-        </p:sp>
-        <p:sp>
-          <p:nvSpPr>
-            <p:cNvPr id="116" name="Shape 116"/>
-            <p:cNvSpPr/>
-            <p:nvPr/>
-          </p:nvSpPr>
-          <p:spPr>
-            <a:xfrm>
-              <a:off x="2662850" y="1699400"/>
-              <a:ext cx="303250" cy="303250"/>
-            </a:xfrm>
-            <a:custGeom>
-              <a:avLst/>
-              <a:gdLst/>
-              <a:ahLst/>
-              <a:cxnLst/>
-              <a:rect l="0" t="0" r="0" b="0"/>
-              <a:pathLst>
-                <a:path w="12130" h="12130" fill="none" extrusionOk="0">
-                  <a:moveTo>
-                    <a:pt x="8038" y="1"/>
-                  </a:moveTo>
-                  <a:lnTo>
-                    <a:pt x="4872" y="3191"/>
-                  </a:lnTo>
-                  <a:lnTo>
-                    <a:pt x="4872" y="3191"/>
-                  </a:lnTo>
-                  <a:lnTo>
-                    <a:pt x="4628" y="3094"/>
-                  </a:lnTo>
-                  <a:lnTo>
-                    <a:pt x="4385" y="2997"/>
-                  </a:lnTo>
-                  <a:lnTo>
-                    <a:pt x="4092" y="2899"/>
-                  </a:lnTo>
-                  <a:lnTo>
-                    <a:pt x="3800" y="2850"/>
-                  </a:lnTo>
-                  <a:lnTo>
-                    <a:pt x="3484" y="2777"/>
-                  </a:lnTo>
-                  <a:lnTo>
-                    <a:pt x="3167" y="2729"/>
-                  </a:lnTo>
-                  <a:lnTo>
-                    <a:pt x="2850" y="2704"/>
-                  </a:lnTo>
-                  <a:lnTo>
-                    <a:pt x="2534" y="2704"/>
-                  </a:lnTo>
-                  <a:lnTo>
-                    <a:pt x="2534" y="2704"/>
-                  </a:lnTo>
-                  <a:lnTo>
-                    <a:pt x="2241" y="2704"/>
-                  </a:lnTo>
-                  <a:lnTo>
-                    <a:pt x="1949" y="2729"/>
-                  </a:lnTo>
-                  <a:lnTo>
-                    <a:pt x="1633" y="2777"/>
-                  </a:lnTo>
-                  <a:lnTo>
-                    <a:pt x="1316" y="2850"/>
-                  </a:lnTo>
-                  <a:lnTo>
-                    <a:pt x="999" y="2972"/>
-                  </a:lnTo>
-                  <a:lnTo>
-                    <a:pt x="707" y="3094"/>
-                  </a:lnTo>
-                  <a:lnTo>
-                    <a:pt x="415" y="3289"/>
-                  </a:lnTo>
-                  <a:lnTo>
-                    <a:pt x="147" y="3508"/>
-                  </a:lnTo>
-                  <a:lnTo>
-                    <a:pt x="147" y="3508"/>
-                  </a:lnTo>
-                  <a:lnTo>
-                    <a:pt x="74" y="3581"/>
-                  </a:lnTo>
-                  <a:lnTo>
-                    <a:pt x="25" y="3678"/>
-                  </a:lnTo>
-                  <a:lnTo>
-                    <a:pt x="1" y="3776"/>
-                  </a:lnTo>
-                  <a:lnTo>
-                    <a:pt x="1" y="3898"/>
-                  </a:lnTo>
-                  <a:lnTo>
-                    <a:pt x="1" y="3898"/>
-                  </a:lnTo>
-                  <a:lnTo>
-                    <a:pt x="1" y="3995"/>
-                  </a:lnTo>
-                  <a:lnTo>
-                    <a:pt x="25" y="4093"/>
-                  </a:lnTo>
-                  <a:lnTo>
-                    <a:pt x="74" y="4190"/>
-                  </a:lnTo>
-                  <a:lnTo>
-                    <a:pt x="147" y="4287"/>
-                  </a:lnTo>
-                  <a:lnTo>
-                    <a:pt x="7843" y="11984"/>
-                  </a:lnTo>
-                  <a:lnTo>
-                    <a:pt x="7843" y="11984"/>
-                  </a:lnTo>
-                  <a:lnTo>
-                    <a:pt x="7941" y="12057"/>
-                  </a:lnTo>
-                  <a:lnTo>
-                    <a:pt x="8038" y="12105"/>
-                  </a:lnTo>
-                  <a:lnTo>
-                    <a:pt x="8135" y="12130"/>
-                  </a:lnTo>
-                  <a:lnTo>
-                    <a:pt x="8233" y="12130"/>
-                  </a:lnTo>
-                  <a:lnTo>
-                    <a:pt x="8233" y="12130"/>
-                  </a:lnTo>
-                  <a:lnTo>
-                    <a:pt x="8355" y="12130"/>
-                  </a:lnTo>
-                  <a:lnTo>
-                    <a:pt x="8452" y="12105"/>
-                  </a:lnTo>
-                  <a:lnTo>
-                    <a:pt x="8549" y="12057"/>
-                  </a:lnTo>
-                  <a:lnTo>
-                    <a:pt x="8622" y="11984"/>
-                  </a:lnTo>
-                  <a:lnTo>
-                    <a:pt x="8622" y="11984"/>
-                  </a:lnTo>
-                  <a:lnTo>
-                    <a:pt x="8842" y="11716"/>
-                  </a:lnTo>
-                  <a:lnTo>
-                    <a:pt x="9036" y="11423"/>
-                  </a:lnTo>
-                  <a:lnTo>
-                    <a:pt x="9158" y="11131"/>
-                  </a:lnTo>
-                  <a:lnTo>
-                    <a:pt x="9280" y="10814"/>
-                  </a:lnTo>
-                  <a:lnTo>
-                    <a:pt x="9353" y="10498"/>
-                  </a:lnTo>
-                  <a:lnTo>
-                    <a:pt x="9402" y="10181"/>
-                  </a:lnTo>
-                  <a:lnTo>
-                    <a:pt x="9426" y="9889"/>
-                  </a:lnTo>
-                  <a:lnTo>
-                    <a:pt x="9426" y="9597"/>
-                  </a:lnTo>
-                  <a:lnTo>
-                    <a:pt x="9426" y="9597"/>
-                  </a:lnTo>
-                  <a:lnTo>
-                    <a:pt x="9426" y="9280"/>
-                  </a:lnTo>
-                  <a:lnTo>
-                    <a:pt x="9402" y="8964"/>
-                  </a:lnTo>
-                  <a:lnTo>
-                    <a:pt x="9353" y="8647"/>
-                  </a:lnTo>
-                  <a:lnTo>
-                    <a:pt x="9280" y="8330"/>
-                  </a:lnTo>
-                  <a:lnTo>
-                    <a:pt x="9231" y="8038"/>
-                  </a:lnTo>
-                  <a:lnTo>
-                    <a:pt x="9134" y="7746"/>
-                  </a:lnTo>
-                  <a:lnTo>
-                    <a:pt x="9036" y="7502"/>
-                  </a:lnTo>
-                  <a:lnTo>
-                    <a:pt x="8939" y="7259"/>
-                  </a:lnTo>
-                  <a:lnTo>
-                    <a:pt x="12130" y="4093"/>
-                  </a:lnTo>
-                </a:path>
-              </a:pathLst>
-            </a:custGeom>
-            <a:noFill/>
-            <a:ln w="9525" cap="rnd" cmpd="sng">
-              <a:solidFill>
-                <a:srgbClr val="000000"/>
-              </a:solidFill>
-              <a:prstDash val="solid"/>
-              <a:round/>
-              <a:headEnd type="none" w="med" len="med"/>
-              <a:tailEnd type="none" w="med" len="med"/>
-            </a:ln>
-          </p:spPr>
-          <p:txBody>
-            <a:bodyPr lIns="91425" tIns="91425" rIns="91425" bIns="91425" anchor="ctr" anchorCtr="0">
-              <a:noAutofit/>
-            </a:bodyPr>
-            <a:lstStyle/>
-            <a:p>
-              <a:pPr lvl="0">
-                <a:spcBef>
-                  <a:spcPts val="0"/>
-                </a:spcBef>
-                <a:buNone/>
-              </a:pPr>
-              <a:endParaRPr/>
-            </a:p>
-          </p:txBody>
-        </p:sp>
-        <p:sp>
-          <p:nvSpPr>
-            <p:cNvPr id="117" name="Shape 117"/>
-            <p:cNvSpPr/>
-            <p:nvPr/>
-          </p:nvSpPr>
-          <p:spPr>
-            <a:xfrm>
-              <a:off x="2814911" y="1754061"/>
-              <a:ext cx="49950" cy="49950"/>
-            </a:xfrm>
-            <a:custGeom>
-              <a:avLst/>
-              <a:gdLst/>
-              <a:ahLst/>
-              <a:cxnLst/>
-              <a:rect l="0" t="0" r="0" b="0"/>
-              <a:pathLst>
-                <a:path w="1998" h="1998" fill="none" extrusionOk="0">
-                  <a:moveTo>
-                    <a:pt x="1" y="1997"/>
-                  </a:moveTo>
-                  <a:lnTo>
-                    <a:pt x="1998" y="0"/>
-                  </a:lnTo>
-                </a:path>
-              </a:pathLst>
-            </a:custGeom>
-            <a:noFill/>
-            <a:ln w="9525" cap="rnd" cmpd="sng">
-              <a:solidFill>
-                <a:srgbClr val="000000"/>
-              </a:solidFill>
-              <a:prstDash val="solid"/>
-              <a:round/>
-              <a:headEnd type="none" w="med" len="med"/>
-              <a:tailEnd type="none" w="med" len="med"/>
-            </a:ln>
-          </p:spPr>
-          <p:txBody>
-            <a:bodyPr lIns="91425" tIns="91425" rIns="91425" bIns="91425" anchor="ctr" anchorCtr="0">
-              <a:noAutofit/>
-            </a:bodyPr>
-            <a:lstStyle/>
-            <a:p>
-              <a:pPr lvl="0">
-                <a:spcBef>
-                  <a:spcPts val="0"/>
-                </a:spcBef>
-                <a:buNone/>
-              </a:pPr>
-              <a:endParaRPr/>
-            </a:p>
-          </p:txBody>
-        </p:sp>
-      </p:grpSp>
-      <p:sp>
-        <p:nvSpPr>
-          <p:cNvPr id="9" name="Textplatzhalter 9"/>
-          <p:cNvSpPr>
-            <a:spLocks noGrp="1"/>
-          </p:cNvSpPr>
-          <p:nvPr>
-            <p:ph type="body" idx="1"/>
-          </p:nvPr>
-        </p:nvSpPr>
-        <p:spPr>
-          <a:xfrm>
-            <a:off x="179512" y="1616470"/>
-            <a:ext cx="4680520" cy="3331544"/>
-          </a:xfrm>
-        </p:spPr>
-        <p:txBody>
-          <a:bodyPr/>
-          <a:lstStyle/>
-          <a:p>
-            <a:r>
-              <a:rPr lang="de-DE" dirty="0"/>
-              <a:t> Weitere Spezifizierung von Abläufen</a:t>
-            </a:r>
-          </a:p>
-          <a:p>
-            <a:pPr>
-              <a:buFont typeface="Wingdings" pitchFamily="2" charset="2"/>
-              <a:buChar char="Ø"/>
-            </a:pPr>
-            <a:r>
-              <a:rPr lang="de-DE" sz="1800" dirty="0"/>
-              <a:t> z.B. Telefon Joker verhalten, Publikumsjoker verhalten etc.</a:t>
-            </a:r>
-          </a:p>
           <a:p>
             <a:pPr>
               <a:buNone/>
@@ -25058,7 +24056,7 @@
 </p:sld>
 </file>
 
-<file path=ppt/slides/slide32.xml><?xml version="1.0" encoding="utf-8"?>
+<file path=ppt/slides/slide31.xml><?xml version="1.0" encoding="utf-8"?>
 <p:sld xmlns:a="http://schemas.openxmlformats.org/drawingml/2006/main" xmlns:r="http://schemas.openxmlformats.org/officeDocument/2006/relationships" xmlns:p="http://schemas.openxmlformats.org/presentationml/2006/main">
   <p:cSld>
     <p:spTree>
@@ -25229,7 +24227,7 @@
 </p:sld>
 </file>
 
-<file path=ppt/slides/slide33.xml><?xml version="1.0" encoding="utf-8"?>
+<file path=ppt/slides/slide32.xml><?xml version="1.0" encoding="utf-8"?>
 <p:sld xmlns:a="http://schemas.openxmlformats.org/drawingml/2006/main" xmlns:r="http://schemas.openxmlformats.org/officeDocument/2006/relationships" xmlns:p="http://schemas.openxmlformats.org/presentationml/2006/main">
   <p:cSld>
     <p:spTree>
@@ -25385,7 +24383,7 @@
 </p:sld>
 </file>
 
-<file path=ppt/slides/slide34.xml><?xml version="1.0" encoding="utf-8"?>
+<file path=ppt/slides/slide33.xml><?xml version="1.0" encoding="utf-8"?>
 <p:sld xmlns:a="http://schemas.openxmlformats.org/drawingml/2006/main" xmlns:r="http://schemas.openxmlformats.org/officeDocument/2006/relationships" xmlns:p="http://schemas.openxmlformats.org/presentationml/2006/main">
   <p:cSld>
     <p:spTree>
@@ -26072,7 +25070,7 @@
 </p:sld>
 </file>
 
-<file path=ppt/slides/slide35.xml><?xml version="1.0" encoding="utf-8"?>
+<file path=ppt/slides/slide34.xml><?xml version="1.0" encoding="utf-8"?>
 <p:sld xmlns:a="http://schemas.openxmlformats.org/drawingml/2006/main" xmlns:r="http://schemas.openxmlformats.org/officeDocument/2006/relationships" xmlns:p="http://schemas.openxmlformats.org/presentationml/2006/main">
   <p:cSld>
     <p:spTree>
@@ -26780,7 +25778,7 @@
 </p:sld>
 </file>
 
-<file path=ppt/slides/slide36.xml><?xml version="1.0" encoding="utf-8"?>
+<file path=ppt/slides/slide35.xml><?xml version="1.0" encoding="utf-8"?>
 <p:sld xmlns:a="http://schemas.openxmlformats.org/drawingml/2006/main" xmlns:r="http://schemas.openxmlformats.org/officeDocument/2006/relationships" xmlns:p="http://schemas.openxmlformats.org/presentationml/2006/main">
   <p:cSld>
     <p:spTree>
@@ -27474,7 +26472,7 @@
 </p:sld>
 </file>
 
-<file path=ppt/slides/slide37.xml><?xml version="1.0" encoding="utf-8"?>
+<file path=ppt/slides/slide36.xml><?xml version="1.0" encoding="utf-8"?>
 <p:sld xmlns:a="http://schemas.openxmlformats.org/drawingml/2006/main" xmlns:r="http://schemas.openxmlformats.org/officeDocument/2006/relationships" xmlns:p="http://schemas.openxmlformats.org/presentationml/2006/main">
   <p:cSld>
     <p:spTree>
@@ -28168,7 +27166,7 @@
 </p:sld>
 </file>
 
-<file path=ppt/slides/slide38.xml><?xml version="1.0" encoding="utf-8"?>
+<file path=ppt/slides/slide37.xml><?xml version="1.0" encoding="utf-8"?>
 <p:sld xmlns:a="http://schemas.openxmlformats.org/drawingml/2006/main" xmlns:r="http://schemas.openxmlformats.org/officeDocument/2006/relationships" xmlns:p="http://schemas.openxmlformats.org/presentationml/2006/main">
   <p:cSld>
     <p:spTree>
@@ -28862,7 +27860,7 @@
 </p:sld>
 </file>
 
-<file path=ppt/slides/slide39.xml><?xml version="1.0" encoding="utf-8"?>
+<file path=ppt/slides/slide38.xml><?xml version="1.0" encoding="utf-8"?>
 <p:sld xmlns:a="http://schemas.openxmlformats.org/drawingml/2006/main" xmlns:r="http://schemas.openxmlformats.org/officeDocument/2006/relationships" xmlns:p="http://schemas.openxmlformats.org/presentationml/2006/main">
   <p:cSld>
     <p:spTree>
@@ -29620,6 +28618,700 @@
 </p:sld>
 </file>
 
+<file path=ppt/slides/slide39.xml><?xml version="1.0" encoding="utf-8"?>
+<p:sld xmlns:a="http://schemas.openxmlformats.org/drawingml/2006/main" xmlns:r="http://schemas.openxmlformats.org/officeDocument/2006/relationships" xmlns:p="http://schemas.openxmlformats.org/presentationml/2006/main">
+  <p:cSld>
+    <p:spTree>
+      <p:nvGrpSpPr>
+        <p:cNvPr id="1" name="Shape 110"/>
+        <p:cNvGrpSpPr/>
+        <p:nvPr/>
+      </p:nvGrpSpPr>
+      <p:grpSpPr>
+        <a:xfrm>
+          <a:off x="0" y="0"/>
+          <a:ext cx="0" cy="0"/>
+          <a:chOff x="0" y="0"/>
+          <a:chExt cx="0" cy="0"/>
+        </a:xfrm>
+      </p:grpSpPr>
+      <p:sp>
+        <p:nvSpPr>
+          <p:cNvPr id="111" name="Shape 111"/>
+          <p:cNvSpPr txBox="1">
+            <a:spLocks noGrp="1"/>
+          </p:cNvSpPr>
+          <p:nvPr>
+            <p:ph type="title"/>
+          </p:nvPr>
+        </p:nvSpPr>
+        <p:spPr>
+          <a:xfrm>
+            <a:off x="1381250" y="922668"/>
+            <a:ext cx="3878399" cy="435599"/>
+          </a:xfrm>
+          <a:prstGeom prst="rect">
+            <a:avLst/>
+          </a:prstGeom>
+        </p:spPr>
+        <p:txBody>
+          <a:bodyPr lIns="91425" tIns="91425" rIns="91425" bIns="91425" anchor="ctr" anchorCtr="0">
+            <a:noAutofit/>
+          </a:bodyPr>
+          <a:lstStyle/>
+          <a:p>
+            <a:pPr lvl="0">
+              <a:spcBef>
+                <a:spcPts val="0"/>
+              </a:spcBef>
+              <a:buNone/>
+            </a:pPr>
+            <a:r>
+              <a:rPr lang="en" dirty="0">
+                <a:highlight>
+                  <a:srgbClr val="FFCD00"/>
+                </a:highlight>
+              </a:rPr>
+              <a:t>Joker</a:t>
+            </a:r>
+          </a:p>
+        </p:txBody>
+      </p:sp>
+      <p:grpSp>
+        <p:nvGrpSpPr>
+          <p:cNvPr id="113" name="Shape 113"/>
+          <p:cNvGrpSpPr/>
+          <p:nvPr/>
+        </p:nvGrpSpPr>
+        <p:grpSpPr>
+          <a:xfrm>
+            <a:off x="916458" y="1019750"/>
+            <a:ext cx="214624" cy="214624"/>
+            <a:chOff x="2594050" y="1631825"/>
+            <a:chExt cx="439625" cy="439625"/>
+          </a:xfrm>
+        </p:grpSpPr>
+        <p:sp>
+          <p:nvSpPr>
+            <p:cNvPr id="114" name="Shape 114"/>
+            <p:cNvSpPr/>
+            <p:nvPr/>
+          </p:nvSpPr>
+          <p:spPr>
+            <a:xfrm>
+              <a:off x="2594050" y="1883300"/>
+              <a:ext cx="188175" cy="188150"/>
+            </a:xfrm>
+            <a:custGeom>
+              <a:avLst/>
+              <a:gdLst/>
+              <a:ahLst/>
+              <a:cxnLst/>
+              <a:rect l="0" t="0" r="0" b="0"/>
+              <a:pathLst>
+                <a:path w="7527" h="7526" fill="none" extrusionOk="0">
+                  <a:moveTo>
+                    <a:pt x="5992" y="0"/>
+                  </a:moveTo>
+                  <a:lnTo>
+                    <a:pt x="537" y="6430"/>
+                  </a:lnTo>
+                  <a:lnTo>
+                    <a:pt x="1" y="7526"/>
+                  </a:lnTo>
+                  <a:lnTo>
+                    <a:pt x="1097" y="6990"/>
+                  </a:lnTo>
+                  <a:lnTo>
+                    <a:pt x="7526" y="1534"/>
+                  </a:lnTo>
+                  <a:lnTo>
+                    <a:pt x="5992" y="0"/>
+                  </a:lnTo>
+                  <a:close/>
+                </a:path>
+              </a:pathLst>
+            </a:custGeom>
+            <a:noFill/>
+            <a:ln w="9525" cap="rnd" cmpd="sng">
+              <a:solidFill>
+                <a:srgbClr val="000000"/>
+              </a:solidFill>
+              <a:prstDash val="solid"/>
+              <a:round/>
+              <a:headEnd type="none" w="med" len="med"/>
+              <a:tailEnd type="none" w="med" len="med"/>
+            </a:ln>
+          </p:spPr>
+          <p:txBody>
+            <a:bodyPr lIns="91425" tIns="91425" rIns="91425" bIns="91425" anchor="ctr" anchorCtr="0">
+              <a:noAutofit/>
+            </a:bodyPr>
+            <a:lstStyle/>
+            <a:p>
+              <a:pPr lvl="0">
+                <a:spcBef>
+                  <a:spcPts val="0"/>
+                </a:spcBef>
+                <a:buNone/>
+              </a:pPr>
+              <a:endParaRPr/>
+            </a:p>
+          </p:txBody>
+        </p:sp>
+        <p:sp>
+          <p:nvSpPr>
+            <p:cNvPr id="115" name="Shape 115"/>
+            <p:cNvSpPr/>
+            <p:nvPr/>
+          </p:nvSpPr>
+          <p:spPr>
+            <a:xfrm>
+              <a:off x="2857700" y="1631825"/>
+              <a:ext cx="175975" cy="176000"/>
+            </a:xfrm>
+            <a:custGeom>
+              <a:avLst/>
+              <a:gdLst/>
+              <a:ahLst/>
+              <a:cxnLst/>
+              <a:rect l="0" t="0" r="0" b="0"/>
+              <a:pathLst>
+                <a:path w="7039" h="7040" fill="none" extrusionOk="0">
+                  <a:moveTo>
+                    <a:pt x="268" y="2704"/>
+                  </a:moveTo>
+                  <a:lnTo>
+                    <a:pt x="4336" y="6771"/>
+                  </a:lnTo>
+                  <a:lnTo>
+                    <a:pt x="4336" y="6771"/>
+                  </a:lnTo>
+                  <a:lnTo>
+                    <a:pt x="4336" y="6771"/>
+                  </a:lnTo>
+                  <a:lnTo>
+                    <a:pt x="4652" y="6917"/>
+                  </a:lnTo>
+                  <a:lnTo>
+                    <a:pt x="4993" y="7015"/>
+                  </a:lnTo>
+                  <a:lnTo>
+                    <a:pt x="5310" y="7039"/>
+                  </a:lnTo>
+                  <a:lnTo>
+                    <a:pt x="5651" y="7039"/>
+                  </a:lnTo>
+                  <a:lnTo>
+                    <a:pt x="5992" y="6966"/>
+                  </a:lnTo>
+                  <a:lnTo>
+                    <a:pt x="6308" y="6844"/>
+                  </a:lnTo>
+                  <a:lnTo>
+                    <a:pt x="6454" y="6747"/>
+                  </a:lnTo>
+                  <a:lnTo>
+                    <a:pt x="6601" y="6674"/>
+                  </a:lnTo>
+                  <a:lnTo>
+                    <a:pt x="6747" y="6552"/>
+                  </a:lnTo>
+                  <a:lnTo>
+                    <a:pt x="6893" y="6430"/>
+                  </a:lnTo>
+                  <a:lnTo>
+                    <a:pt x="6893" y="6430"/>
+                  </a:lnTo>
+                  <a:lnTo>
+                    <a:pt x="6942" y="6357"/>
+                  </a:lnTo>
+                  <a:lnTo>
+                    <a:pt x="7015" y="6260"/>
+                  </a:lnTo>
+                  <a:lnTo>
+                    <a:pt x="7039" y="6138"/>
+                  </a:lnTo>
+                  <a:lnTo>
+                    <a:pt x="7039" y="6041"/>
+                  </a:lnTo>
+                  <a:lnTo>
+                    <a:pt x="7039" y="6041"/>
+                  </a:lnTo>
+                  <a:lnTo>
+                    <a:pt x="7039" y="5943"/>
+                  </a:lnTo>
+                  <a:lnTo>
+                    <a:pt x="7015" y="5846"/>
+                  </a:lnTo>
+                  <a:lnTo>
+                    <a:pt x="6942" y="5748"/>
+                  </a:lnTo>
+                  <a:lnTo>
+                    <a:pt x="6893" y="5651"/>
+                  </a:lnTo>
+                  <a:lnTo>
+                    <a:pt x="1389" y="147"/>
+                  </a:lnTo>
+                  <a:lnTo>
+                    <a:pt x="1389" y="147"/>
+                  </a:lnTo>
+                  <a:lnTo>
+                    <a:pt x="1291" y="98"/>
+                  </a:lnTo>
+                  <a:lnTo>
+                    <a:pt x="1194" y="25"/>
+                  </a:lnTo>
+                  <a:lnTo>
+                    <a:pt x="1096" y="0"/>
+                  </a:lnTo>
+                  <a:lnTo>
+                    <a:pt x="999" y="0"/>
+                  </a:lnTo>
+                  <a:lnTo>
+                    <a:pt x="999" y="0"/>
+                  </a:lnTo>
+                  <a:lnTo>
+                    <a:pt x="902" y="0"/>
+                  </a:lnTo>
+                  <a:lnTo>
+                    <a:pt x="780" y="25"/>
+                  </a:lnTo>
+                  <a:lnTo>
+                    <a:pt x="682" y="98"/>
+                  </a:lnTo>
+                  <a:lnTo>
+                    <a:pt x="609" y="147"/>
+                  </a:lnTo>
+                  <a:lnTo>
+                    <a:pt x="609" y="147"/>
+                  </a:lnTo>
+                  <a:lnTo>
+                    <a:pt x="487" y="293"/>
+                  </a:lnTo>
+                  <a:lnTo>
+                    <a:pt x="366" y="439"/>
+                  </a:lnTo>
+                  <a:lnTo>
+                    <a:pt x="293" y="585"/>
+                  </a:lnTo>
+                  <a:lnTo>
+                    <a:pt x="195" y="731"/>
+                  </a:lnTo>
+                  <a:lnTo>
+                    <a:pt x="73" y="1048"/>
+                  </a:lnTo>
+                  <a:lnTo>
+                    <a:pt x="0" y="1389"/>
+                  </a:lnTo>
+                  <a:lnTo>
+                    <a:pt x="0" y="1730"/>
+                  </a:lnTo>
+                  <a:lnTo>
+                    <a:pt x="25" y="2046"/>
+                  </a:lnTo>
+                  <a:lnTo>
+                    <a:pt x="122" y="2387"/>
+                  </a:lnTo>
+                  <a:lnTo>
+                    <a:pt x="268" y="2704"/>
+                  </a:lnTo>
+                  <a:lnTo>
+                    <a:pt x="268" y="2704"/>
+                  </a:lnTo>
+                  <a:close/>
+                </a:path>
+              </a:pathLst>
+            </a:custGeom>
+            <a:noFill/>
+            <a:ln w="9525" cap="rnd" cmpd="sng">
+              <a:solidFill>
+                <a:srgbClr val="000000"/>
+              </a:solidFill>
+              <a:prstDash val="solid"/>
+              <a:round/>
+              <a:headEnd type="none" w="med" len="med"/>
+              <a:tailEnd type="none" w="med" len="med"/>
+            </a:ln>
+          </p:spPr>
+          <p:txBody>
+            <a:bodyPr lIns="91425" tIns="91425" rIns="91425" bIns="91425" anchor="ctr" anchorCtr="0">
+              <a:noAutofit/>
+            </a:bodyPr>
+            <a:lstStyle/>
+            <a:p>
+              <a:pPr lvl="0">
+                <a:spcBef>
+                  <a:spcPts val="0"/>
+                </a:spcBef>
+                <a:buNone/>
+              </a:pPr>
+              <a:endParaRPr/>
+            </a:p>
+          </p:txBody>
+        </p:sp>
+        <p:sp>
+          <p:nvSpPr>
+            <p:cNvPr id="116" name="Shape 116"/>
+            <p:cNvSpPr/>
+            <p:nvPr/>
+          </p:nvSpPr>
+          <p:spPr>
+            <a:xfrm>
+              <a:off x="2662850" y="1699400"/>
+              <a:ext cx="303250" cy="303250"/>
+            </a:xfrm>
+            <a:custGeom>
+              <a:avLst/>
+              <a:gdLst/>
+              <a:ahLst/>
+              <a:cxnLst/>
+              <a:rect l="0" t="0" r="0" b="0"/>
+              <a:pathLst>
+                <a:path w="12130" h="12130" fill="none" extrusionOk="0">
+                  <a:moveTo>
+                    <a:pt x="8038" y="1"/>
+                  </a:moveTo>
+                  <a:lnTo>
+                    <a:pt x="4872" y="3191"/>
+                  </a:lnTo>
+                  <a:lnTo>
+                    <a:pt x="4872" y="3191"/>
+                  </a:lnTo>
+                  <a:lnTo>
+                    <a:pt x="4628" y="3094"/>
+                  </a:lnTo>
+                  <a:lnTo>
+                    <a:pt x="4385" y="2997"/>
+                  </a:lnTo>
+                  <a:lnTo>
+                    <a:pt x="4092" y="2899"/>
+                  </a:lnTo>
+                  <a:lnTo>
+                    <a:pt x="3800" y="2850"/>
+                  </a:lnTo>
+                  <a:lnTo>
+                    <a:pt x="3484" y="2777"/>
+                  </a:lnTo>
+                  <a:lnTo>
+                    <a:pt x="3167" y="2729"/>
+                  </a:lnTo>
+                  <a:lnTo>
+                    <a:pt x="2850" y="2704"/>
+                  </a:lnTo>
+                  <a:lnTo>
+                    <a:pt x="2534" y="2704"/>
+                  </a:lnTo>
+                  <a:lnTo>
+                    <a:pt x="2534" y="2704"/>
+                  </a:lnTo>
+                  <a:lnTo>
+                    <a:pt x="2241" y="2704"/>
+                  </a:lnTo>
+                  <a:lnTo>
+                    <a:pt x="1949" y="2729"/>
+                  </a:lnTo>
+                  <a:lnTo>
+                    <a:pt x="1633" y="2777"/>
+                  </a:lnTo>
+                  <a:lnTo>
+                    <a:pt x="1316" y="2850"/>
+                  </a:lnTo>
+                  <a:lnTo>
+                    <a:pt x="999" y="2972"/>
+                  </a:lnTo>
+                  <a:lnTo>
+                    <a:pt x="707" y="3094"/>
+                  </a:lnTo>
+                  <a:lnTo>
+                    <a:pt x="415" y="3289"/>
+                  </a:lnTo>
+                  <a:lnTo>
+                    <a:pt x="147" y="3508"/>
+                  </a:lnTo>
+                  <a:lnTo>
+                    <a:pt x="147" y="3508"/>
+                  </a:lnTo>
+                  <a:lnTo>
+                    <a:pt x="74" y="3581"/>
+                  </a:lnTo>
+                  <a:lnTo>
+                    <a:pt x="25" y="3678"/>
+                  </a:lnTo>
+                  <a:lnTo>
+                    <a:pt x="1" y="3776"/>
+                  </a:lnTo>
+                  <a:lnTo>
+                    <a:pt x="1" y="3898"/>
+                  </a:lnTo>
+                  <a:lnTo>
+                    <a:pt x="1" y="3898"/>
+                  </a:lnTo>
+                  <a:lnTo>
+                    <a:pt x="1" y="3995"/>
+                  </a:lnTo>
+                  <a:lnTo>
+                    <a:pt x="25" y="4093"/>
+                  </a:lnTo>
+                  <a:lnTo>
+                    <a:pt x="74" y="4190"/>
+                  </a:lnTo>
+                  <a:lnTo>
+                    <a:pt x="147" y="4287"/>
+                  </a:lnTo>
+                  <a:lnTo>
+                    <a:pt x="7843" y="11984"/>
+                  </a:lnTo>
+                  <a:lnTo>
+                    <a:pt x="7843" y="11984"/>
+                  </a:lnTo>
+                  <a:lnTo>
+                    <a:pt x="7941" y="12057"/>
+                  </a:lnTo>
+                  <a:lnTo>
+                    <a:pt x="8038" y="12105"/>
+                  </a:lnTo>
+                  <a:lnTo>
+                    <a:pt x="8135" y="12130"/>
+                  </a:lnTo>
+                  <a:lnTo>
+                    <a:pt x="8233" y="12130"/>
+                  </a:lnTo>
+                  <a:lnTo>
+                    <a:pt x="8233" y="12130"/>
+                  </a:lnTo>
+                  <a:lnTo>
+                    <a:pt x="8355" y="12130"/>
+                  </a:lnTo>
+                  <a:lnTo>
+                    <a:pt x="8452" y="12105"/>
+                  </a:lnTo>
+                  <a:lnTo>
+                    <a:pt x="8549" y="12057"/>
+                  </a:lnTo>
+                  <a:lnTo>
+                    <a:pt x="8622" y="11984"/>
+                  </a:lnTo>
+                  <a:lnTo>
+                    <a:pt x="8622" y="11984"/>
+                  </a:lnTo>
+                  <a:lnTo>
+                    <a:pt x="8842" y="11716"/>
+                  </a:lnTo>
+                  <a:lnTo>
+                    <a:pt x="9036" y="11423"/>
+                  </a:lnTo>
+                  <a:lnTo>
+                    <a:pt x="9158" y="11131"/>
+                  </a:lnTo>
+                  <a:lnTo>
+                    <a:pt x="9280" y="10814"/>
+                  </a:lnTo>
+                  <a:lnTo>
+                    <a:pt x="9353" y="10498"/>
+                  </a:lnTo>
+                  <a:lnTo>
+                    <a:pt x="9402" y="10181"/>
+                  </a:lnTo>
+                  <a:lnTo>
+                    <a:pt x="9426" y="9889"/>
+                  </a:lnTo>
+                  <a:lnTo>
+                    <a:pt x="9426" y="9597"/>
+                  </a:lnTo>
+                  <a:lnTo>
+                    <a:pt x="9426" y="9597"/>
+                  </a:lnTo>
+                  <a:lnTo>
+                    <a:pt x="9426" y="9280"/>
+                  </a:lnTo>
+                  <a:lnTo>
+                    <a:pt x="9402" y="8964"/>
+                  </a:lnTo>
+                  <a:lnTo>
+                    <a:pt x="9353" y="8647"/>
+                  </a:lnTo>
+                  <a:lnTo>
+                    <a:pt x="9280" y="8330"/>
+                  </a:lnTo>
+                  <a:lnTo>
+                    <a:pt x="9231" y="8038"/>
+                  </a:lnTo>
+                  <a:lnTo>
+                    <a:pt x="9134" y="7746"/>
+                  </a:lnTo>
+                  <a:lnTo>
+                    <a:pt x="9036" y="7502"/>
+                  </a:lnTo>
+                  <a:lnTo>
+                    <a:pt x="8939" y="7259"/>
+                  </a:lnTo>
+                  <a:lnTo>
+                    <a:pt x="12130" y="4093"/>
+                  </a:lnTo>
+                </a:path>
+              </a:pathLst>
+            </a:custGeom>
+            <a:noFill/>
+            <a:ln w="9525" cap="rnd" cmpd="sng">
+              <a:solidFill>
+                <a:srgbClr val="000000"/>
+              </a:solidFill>
+              <a:prstDash val="solid"/>
+              <a:round/>
+              <a:headEnd type="none" w="med" len="med"/>
+              <a:tailEnd type="none" w="med" len="med"/>
+            </a:ln>
+          </p:spPr>
+          <p:txBody>
+            <a:bodyPr lIns="91425" tIns="91425" rIns="91425" bIns="91425" anchor="ctr" anchorCtr="0">
+              <a:noAutofit/>
+            </a:bodyPr>
+            <a:lstStyle/>
+            <a:p>
+              <a:pPr lvl="0">
+                <a:spcBef>
+                  <a:spcPts val="0"/>
+                </a:spcBef>
+                <a:buNone/>
+              </a:pPr>
+              <a:endParaRPr/>
+            </a:p>
+          </p:txBody>
+        </p:sp>
+        <p:sp>
+          <p:nvSpPr>
+            <p:cNvPr id="117" name="Shape 117"/>
+            <p:cNvSpPr/>
+            <p:nvPr/>
+          </p:nvSpPr>
+          <p:spPr>
+            <a:xfrm>
+              <a:off x="2814911" y="1754061"/>
+              <a:ext cx="49950" cy="49950"/>
+            </a:xfrm>
+            <a:custGeom>
+              <a:avLst/>
+              <a:gdLst/>
+              <a:ahLst/>
+              <a:cxnLst/>
+              <a:rect l="0" t="0" r="0" b="0"/>
+              <a:pathLst>
+                <a:path w="1998" h="1998" fill="none" extrusionOk="0">
+                  <a:moveTo>
+                    <a:pt x="1" y="1997"/>
+                  </a:moveTo>
+                  <a:lnTo>
+                    <a:pt x="1998" y="0"/>
+                  </a:lnTo>
+                </a:path>
+              </a:pathLst>
+            </a:custGeom>
+            <a:noFill/>
+            <a:ln w="9525" cap="rnd" cmpd="sng">
+              <a:solidFill>
+                <a:srgbClr val="000000"/>
+              </a:solidFill>
+              <a:prstDash val="solid"/>
+              <a:round/>
+              <a:headEnd type="none" w="med" len="med"/>
+              <a:tailEnd type="none" w="med" len="med"/>
+            </a:ln>
+          </p:spPr>
+          <p:txBody>
+            <a:bodyPr lIns="91425" tIns="91425" rIns="91425" bIns="91425" anchor="ctr" anchorCtr="0">
+              <a:noAutofit/>
+            </a:bodyPr>
+            <a:lstStyle/>
+            <a:p>
+              <a:pPr lvl="0">
+                <a:spcBef>
+                  <a:spcPts val="0"/>
+                </a:spcBef>
+                <a:buNone/>
+              </a:pPr>
+              <a:endParaRPr/>
+            </a:p>
+          </p:txBody>
+        </p:sp>
+      </p:grpSp>
+      <p:pic>
+        <p:nvPicPr>
+          <p:cNvPr id="3076" name="Picture 4"/>
+          <p:cNvPicPr>
+            <a:picLocks noChangeAspect="1" noChangeArrowheads="1"/>
+          </p:cNvPicPr>
+          <p:nvPr/>
+        </p:nvPicPr>
+        <p:blipFill>
+          <a:blip r:embed="rId3">
+            <a:extLst>
+              <a:ext uri="{28A0092B-C50C-407E-A947-70E740481C1C}">
+                <a14:useLocalDpi xmlns:a14="http://schemas.microsoft.com/office/drawing/2010/main" val="0"/>
+              </a:ext>
+            </a:extLst>
+          </a:blip>
+          <a:srcRect/>
+          <a:stretch>
+            <a:fillRect/>
+          </a:stretch>
+        </p:blipFill>
+        <p:spPr bwMode="auto">
+          <a:xfrm>
+            <a:off x="840352" y="1635646"/>
+            <a:ext cx="4686300" cy="3048000"/>
+          </a:xfrm>
+          <a:prstGeom prst="rect">
+            <a:avLst/>
+          </a:prstGeom>
+          <a:noFill/>
+          <a:ln>
+            <a:noFill/>
+          </a:ln>
+          <a:effectLst/>
+          <a:extLst>
+            <a:ext uri="{909E8E84-426E-40DD-AFC4-6F175D3DCCD1}">
+              <a14:hiddenFill xmlns:a14="http://schemas.microsoft.com/office/drawing/2010/main">
+                <a:solidFill>
+                  <a:schemeClr val="accent1"/>
+                </a:solidFill>
+              </a14:hiddenFill>
+            </a:ext>
+            <a:ext uri="{91240B29-F687-4F45-9708-019B960494DF}">
+              <a14:hiddenLine xmlns:a14="http://schemas.microsoft.com/office/drawing/2010/main" w="9525">
+                <a:solidFill>
+                  <a:schemeClr val="tx1"/>
+                </a:solidFill>
+                <a:miter lim="800000"/>
+                <a:headEnd/>
+                <a:tailEnd/>
+              </a14:hiddenLine>
+            </a:ext>
+            <a:ext uri="{AF507438-7753-43E0-B8FC-AC1667EBCBE1}">
+              <a14:hiddenEffects xmlns:a14="http://schemas.microsoft.com/office/drawing/2010/main">
+                <a:effectLst>
+                  <a:outerShdw dist="35921" dir="2700000" algn="ctr" rotWithShape="0">
+                    <a:schemeClr val="bg2"/>
+                  </a:outerShdw>
+                </a:effectLst>
+              </a14:hiddenEffects>
+            </a:ext>
+          </a:extLst>
+        </p:spPr>
+      </p:pic>
+    </p:spTree>
+    <p:extLst>
+      <p:ext uri="{BB962C8B-B14F-4D97-AF65-F5344CB8AC3E}">
+        <p14:creationId xmlns:p14="http://schemas.microsoft.com/office/powerpoint/2010/main" val="3319608156"/>
+      </p:ext>
+    </p:extLst>
+  </p:cSld>
+  <p:clrMapOvr>
+    <a:masterClrMapping/>
+  </p:clrMapOvr>
+</p:sld>
+</file>
+
 <file path=ppt/slides/slide4.xml><?xml version="1.0" encoding="utf-8"?>
 <p:sld xmlns:a="http://schemas.openxmlformats.org/drawingml/2006/main" xmlns:r="http://schemas.openxmlformats.org/officeDocument/2006/relationships" xmlns:p="http://schemas.openxmlformats.org/presentationml/2006/main">
   <p:cSld>
@@ -30298,700 +29990,6 @@
 </file>
 
 <file path=ppt/slides/slide40.xml><?xml version="1.0" encoding="utf-8"?>
-<p:sld xmlns:a="http://schemas.openxmlformats.org/drawingml/2006/main" xmlns:r="http://schemas.openxmlformats.org/officeDocument/2006/relationships" xmlns:p="http://schemas.openxmlformats.org/presentationml/2006/main">
-  <p:cSld>
-    <p:spTree>
-      <p:nvGrpSpPr>
-        <p:cNvPr id="1" name="Shape 110"/>
-        <p:cNvGrpSpPr/>
-        <p:nvPr/>
-      </p:nvGrpSpPr>
-      <p:grpSpPr>
-        <a:xfrm>
-          <a:off x="0" y="0"/>
-          <a:ext cx="0" cy="0"/>
-          <a:chOff x="0" y="0"/>
-          <a:chExt cx="0" cy="0"/>
-        </a:xfrm>
-      </p:grpSpPr>
-      <p:sp>
-        <p:nvSpPr>
-          <p:cNvPr id="111" name="Shape 111"/>
-          <p:cNvSpPr txBox="1">
-            <a:spLocks noGrp="1"/>
-          </p:cNvSpPr>
-          <p:nvPr>
-            <p:ph type="title"/>
-          </p:nvPr>
-        </p:nvSpPr>
-        <p:spPr>
-          <a:xfrm>
-            <a:off x="1381250" y="922668"/>
-            <a:ext cx="3878399" cy="435599"/>
-          </a:xfrm>
-          <a:prstGeom prst="rect">
-            <a:avLst/>
-          </a:prstGeom>
-        </p:spPr>
-        <p:txBody>
-          <a:bodyPr lIns="91425" tIns="91425" rIns="91425" bIns="91425" anchor="ctr" anchorCtr="0">
-            <a:noAutofit/>
-          </a:bodyPr>
-          <a:lstStyle/>
-          <a:p>
-            <a:pPr lvl="0">
-              <a:spcBef>
-                <a:spcPts val="0"/>
-              </a:spcBef>
-              <a:buNone/>
-            </a:pPr>
-            <a:r>
-              <a:rPr lang="en" dirty="0">
-                <a:highlight>
-                  <a:srgbClr val="FFCD00"/>
-                </a:highlight>
-              </a:rPr>
-              <a:t>Joker</a:t>
-            </a:r>
-          </a:p>
-        </p:txBody>
-      </p:sp>
-      <p:grpSp>
-        <p:nvGrpSpPr>
-          <p:cNvPr id="113" name="Shape 113"/>
-          <p:cNvGrpSpPr/>
-          <p:nvPr/>
-        </p:nvGrpSpPr>
-        <p:grpSpPr>
-          <a:xfrm>
-            <a:off x="916458" y="1019750"/>
-            <a:ext cx="214624" cy="214624"/>
-            <a:chOff x="2594050" y="1631825"/>
-            <a:chExt cx="439625" cy="439625"/>
-          </a:xfrm>
-        </p:grpSpPr>
-        <p:sp>
-          <p:nvSpPr>
-            <p:cNvPr id="114" name="Shape 114"/>
-            <p:cNvSpPr/>
-            <p:nvPr/>
-          </p:nvSpPr>
-          <p:spPr>
-            <a:xfrm>
-              <a:off x="2594050" y="1883300"/>
-              <a:ext cx="188175" cy="188150"/>
-            </a:xfrm>
-            <a:custGeom>
-              <a:avLst/>
-              <a:gdLst/>
-              <a:ahLst/>
-              <a:cxnLst/>
-              <a:rect l="0" t="0" r="0" b="0"/>
-              <a:pathLst>
-                <a:path w="7527" h="7526" fill="none" extrusionOk="0">
-                  <a:moveTo>
-                    <a:pt x="5992" y="0"/>
-                  </a:moveTo>
-                  <a:lnTo>
-                    <a:pt x="537" y="6430"/>
-                  </a:lnTo>
-                  <a:lnTo>
-                    <a:pt x="1" y="7526"/>
-                  </a:lnTo>
-                  <a:lnTo>
-                    <a:pt x="1097" y="6990"/>
-                  </a:lnTo>
-                  <a:lnTo>
-                    <a:pt x="7526" y="1534"/>
-                  </a:lnTo>
-                  <a:lnTo>
-                    <a:pt x="5992" y="0"/>
-                  </a:lnTo>
-                  <a:close/>
-                </a:path>
-              </a:pathLst>
-            </a:custGeom>
-            <a:noFill/>
-            <a:ln w="9525" cap="rnd" cmpd="sng">
-              <a:solidFill>
-                <a:srgbClr val="000000"/>
-              </a:solidFill>
-              <a:prstDash val="solid"/>
-              <a:round/>
-              <a:headEnd type="none" w="med" len="med"/>
-              <a:tailEnd type="none" w="med" len="med"/>
-            </a:ln>
-          </p:spPr>
-          <p:txBody>
-            <a:bodyPr lIns="91425" tIns="91425" rIns="91425" bIns="91425" anchor="ctr" anchorCtr="0">
-              <a:noAutofit/>
-            </a:bodyPr>
-            <a:lstStyle/>
-            <a:p>
-              <a:pPr lvl="0">
-                <a:spcBef>
-                  <a:spcPts val="0"/>
-                </a:spcBef>
-                <a:buNone/>
-              </a:pPr>
-              <a:endParaRPr/>
-            </a:p>
-          </p:txBody>
-        </p:sp>
-        <p:sp>
-          <p:nvSpPr>
-            <p:cNvPr id="115" name="Shape 115"/>
-            <p:cNvSpPr/>
-            <p:nvPr/>
-          </p:nvSpPr>
-          <p:spPr>
-            <a:xfrm>
-              <a:off x="2857700" y="1631825"/>
-              <a:ext cx="175975" cy="176000"/>
-            </a:xfrm>
-            <a:custGeom>
-              <a:avLst/>
-              <a:gdLst/>
-              <a:ahLst/>
-              <a:cxnLst/>
-              <a:rect l="0" t="0" r="0" b="0"/>
-              <a:pathLst>
-                <a:path w="7039" h="7040" fill="none" extrusionOk="0">
-                  <a:moveTo>
-                    <a:pt x="268" y="2704"/>
-                  </a:moveTo>
-                  <a:lnTo>
-                    <a:pt x="4336" y="6771"/>
-                  </a:lnTo>
-                  <a:lnTo>
-                    <a:pt x="4336" y="6771"/>
-                  </a:lnTo>
-                  <a:lnTo>
-                    <a:pt x="4336" y="6771"/>
-                  </a:lnTo>
-                  <a:lnTo>
-                    <a:pt x="4652" y="6917"/>
-                  </a:lnTo>
-                  <a:lnTo>
-                    <a:pt x="4993" y="7015"/>
-                  </a:lnTo>
-                  <a:lnTo>
-                    <a:pt x="5310" y="7039"/>
-                  </a:lnTo>
-                  <a:lnTo>
-                    <a:pt x="5651" y="7039"/>
-                  </a:lnTo>
-                  <a:lnTo>
-                    <a:pt x="5992" y="6966"/>
-                  </a:lnTo>
-                  <a:lnTo>
-                    <a:pt x="6308" y="6844"/>
-                  </a:lnTo>
-                  <a:lnTo>
-                    <a:pt x="6454" y="6747"/>
-                  </a:lnTo>
-                  <a:lnTo>
-                    <a:pt x="6601" y="6674"/>
-                  </a:lnTo>
-                  <a:lnTo>
-                    <a:pt x="6747" y="6552"/>
-                  </a:lnTo>
-                  <a:lnTo>
-                    <a:pt x="6893" y="6430"/>
-                  </a:lnTo>
-                  <a:lnTo>
-                    <a:pt x="6893" y="6430"/>
-                  </a:lnTo>
-                  <a:lnTo>
-                    <a:pt x="6942" y="6357"/>
-                  </a:lnTo>
-                  <a:lnTo>
-                    <a:pt x="7015" y="6260"/>
-                  </a:lnTo>
-                  <a:lnTo>
-                    <a:pt x="7039" y="6138"/>
-                  </a:lnTo>
-                  <a:lnTo>
-                    <a:pt x="7039" y="6041"/>
-                  </a:lnTo>
-                  <a:lnTo>
-                    <a:pt x="7039" y="6041"/>
-                  </a:lnTo>
-                  <a:lnTo>
-                    <a:pt x="7039" y="5943"/>
-                  </a:lnTo>
-                  <a:lnTo>
-                    <a:pt x="7015" y="5846"/>
-                  </a:lnTo>
-                  <a:lnTo>
-                    <a:pt x="6942" y="5748"/>
-                  </a:lnTo>
-                  <a:lnTo>
-                    <a:pt x="6893" y="5651"/>
-                  </a:lnTo>
-                  <a:lnTo>
-                    <a:pt x="1389" y="147"/>
-                  </a:lnTo>
-                  <a:lnTo>
-                    <a:pt x="1389" y="147"/>
-                  </a:lnTo>
-                  <a:lnTo>
-                    <a:pt x="1291" y="98"/>
-                  </a:lnTo>
-                  <a:lnTo>
-                    <a:pt x="1194" y="25"/>
-                  </a:lnTo>
-                  <a:lnTo>
-                    <a:pt x="1096" y="0"/>
-                  </a:lnTo>
-                  <a:lnTo>
-                    <a:pt x="999" y="0"/>
-                  </a:lnTo>
-                  <a:lnTo>
-                    <a:pt x="999" y="0"/>
-                  </a:lnTo>
-                  <a:lnTo>
-                    <a:pt x="902" y="0"/>
-                  </a:lnTo>
-                  <a:lnTo>
-                    <a:pt x="780" y="25"/>
-                  </a:lnTo>
-                  <a:lnTo>
-                    <a:pt x="682" y="98"/>
-                  </a:lnTo>
-                  <a:lnTo>
-                    <a:pt x="609" y="147"/>
-                  </a:lnTo>
-                  <a:lnTo>
-                    <a:pt x="609" y="147"/>
-                  </a:lnTo>
-                  <a:lnTo>
-                    <a:pt x="487" y="293"/>
-                  </a:lnTo>
-                  <a:lnTo>
-                    <a:pt x="366" y="439"/>
-                  </a:lnTo>
-                  <a:lnTo>
-                    <a:pt x="293" y="585"/>
-                  </a:lnTo>
-                  <a:lnTo>
-                    <a:pt x="195" y="731"/>
-                  </a:lnTo>
-                  <a:lnTo>
-                    <a:pt x="73" y="1048"/>
-                  </a:lnTo>
-                  <a:lnTo>
-                    <a:pt x="0" y="1389"/>
-                  </a:lnTo>
-                  <a:lnTo>
-                    <a:pt x="0" y="1730"/>
-                  </a:lnTo>
-                  <a:lnTo>
-                    <a:pt x="25" y="2046"/>
-                  </a:lnTo>
-                  <a:lnTo>
-                    <a:pt x="122" y="2387"/>
-                  </a:lnTo>
-                  <a:lnTo>
-                    <a:pt x="268" y="2704"/>
-                  </a:lnTo>
-                  <a:lnTo>
-                    <a:pt x="268" y="2704"/>
-                  </a:lnTo>
-                  <a:close/>
-                </a:path>
-              </a:pathLst>
-            </a:custGeom>
-            <a:noFill/>
-            <a:ln w="9525" cap="rnd" cmpd="sng">
-              <a:solidFill>
-                <a:srgbClr val="000000"/>
-              </a:solidFill>
-              <a:prstDash val="solid"/>
-              <a:round/>
-              <a:headEnd type="none" w="med" len="med"/>
-              <a:tailEnd type="none" w="med" len="med"/>
-            </a:ln>
-          </p:spPr>
-          <p:txBody>
-            <a:bodyPr lIns="91425" tIns="91425" rIns="91425" bIns="91425" anchor="ctr" anchorCtr="0">
-              <a:noAutofit/>
-            </a:bodyPr>
-            <a:lstStyle/>
-            <a:p>
-              <a:pPr lvl="0">
-                <a:spcBef>
-                  <a:spcPts val="0"/>
-                </a:spcBef>
-                <a:buNone/>
-              </a:pPr>
-              <a:endParaRPr/>
-            </a:p>
-          </p:txBody>
-        </p:sp>
-        <p:sp>
-          <p:nvSpPr>
-            <p:cNvPr id="116" name="Shape 116"/>
-            <p:cNvSpPr/>
-            <p:nvPr/>
-          </p:nvSpPr>
-          <p:spPr>
-            <a:xfrm>
-              <a:off x="2662850" y="1699400"/>
-              <a:ext cx="303250" cy="303250"/>
-            </a:xfrm>
-            <a:custGeom>
-              <a:avLst/>
-              <a:gdLst/>
-              <a:ahLst/>
-              <a:cxnLst/>
-              <a:rect l="0" t="0" r="0" b="0"/>
-              <a:pathLst>
-                <a:path w="12130" h="12130" fill="none" extrusionOk="0">
-                  <a:moveTo>
-                    <a:pt x="8038" y="1"/>
-                  </a:moveTo>
-                  <a:lnTo>
-                    <a:pt x="4872" y="3191"/>
-                  </a:lnTo>
-                  <a:lnTo>
-                    <a:pt x="4872" y="3191"/>
-                  </a:lnTo>
-                  <a:lnTo>
-                    <a:pt x="4628" y="3094"/>
-                  </a:lnTo>
-                  <a:lnTo>
-                    <a:pt x="4385" y="2997"/>
-                  </a:lnTo>
-                  <a:lnTo>
-                    <a:pt x="4092" y="2899"/>
-                  </a:lnTo>
-                  <a:lnTo>
-                    <a:pt x="3800" y="2850"/>
-                  </a:lnTo>
-                  <a:lnTo>
-                    <a:pt x="3484" y="2777"/>
-                  </a:lnTo>
-                  <a:lnTo>
-                    <a:pt x="3167" y="2729"/>
-                  </a:lnTo>
-                  <a:lnTo>
-                    <a:pt x="2850" y="2704"/>
-                  </a:lnTo>
-                  <a:lnTo>
-                    <a:pt x="2534" y="2704"/>
-                  </a:lnTo>
-                  <a:lnTo>
-                    <a:pt x="2534" y="2704"/>
-                  </a:lnTo>
-                  <a:lnTo>
-                    <a:pt x="2241" y="2704"/>
-                  </a:lnTo>
-                  <a:lnTo>
-                    <a:pt x="1949" y="2729"/>
-                  </a:lnTo>
-                  <a:lnTo>
-                    <a:pt x="1633" y="2777"/>
-                  </a:lnTo>
-                  <a:lnTo>
-                    <a:pt x="1316" y="2850"/>
-                  </a:lnTo>
-                  <a:lnTo>
-                    <a:pt x="999" y="2972"/>
-                  </a:lnTo>
-                  <a:lnTo>
-                    <a:pt x="707" y="3094"/>
-                  </a:lnTo>
-                  <a:lnTo>
-                    <a:pt x="415" y="3289"/>
-                  </a:lnTo>
-                  <a:lnTo>
-                    <a:pt x="147" y="3508"/>
-                  </a:lnTo>
-                  <a:lnTo>
-                    <a:pt x="147" y="3508"/>
-                  </a:lnTo>
-                  <a:lnTo>
-                    <a:pt x="74" y="3581"/>
-                  </a:lnTo>
-                  <a:lnTo>
-                    <a:pt x="25" y="3678"/>
-                  </a:lnTo>
-                  <a:lnTo>
-                    <a:pt x="1" y="3776"/>
-                  </a:lnTo>
-                  <a:lnTo>
-                    <a:pt x="1" y="3898"/>
-                  </a:lnTo>
-                  <a:lnTo>
-                    <a:pt x="1" y="3898"/>
-                  </a:lnTo>
-                  <a:lnTo>
-                    <a:pt x="1" y="3995"/>
-                  </a:lnTo>
-                  <a:lnTo>
-                    <a:pt x="25" y="4093"/>
-                  </a:lnTo>
-                  <a:lnTo>
-                    <a:pt x="74" y="4190"/>
-                  </a:lnTo>
-                  <a:lnTo>
-                    <a:pt x="147" y="4287"/>
-                  </a:lnTo>
-                  <a:lnTo>
-                    <a:pt x="7843" y="11984"/>
-                  </a:lnTo>
-                  <a:lnTo>
-                    <a:pt x="7843" y="11984"/>
-                  </a:lnTo>
-                  <a:lnTo>
-                    <a:pt x="7941" y="12057"/>
-                  </a:lnTo>
-                  <a:lnTo>
-                    <a:pt x="8038" y="12105"/>
-                  </a:lnTo>
-                  <a:lnTo>
-                    <a:pt x="8135" y="12130"/>
-                  </a:lnTo>
-                  <a:lnTo>
-                    <a:pt x="8233" y="12130"/>
-                  </a:lnTo>
-                  <a:lnTo>
-                    <a:pt x="8233" y="12130"/>
-                  </a:lnTo>
-                  <a:lnTo>
-                    <a:pt x="8355" y="12130"/>
-                  </a:lnTo>
-                  <a:lnTo>
-                    <a:pt x="8452" y="12105"/>
-                  </a:lnTo>
-                  <a:lnTo>
-                    <a:pt x="8549" y="12057"/>
-                  </a:lnTo>
-                  <a:lnTo>
-                    <a:pt x="8622" y="11984"/>
-                  </a:lnTo>
-                  <a:lnTo>
-                    <a:pt x="8622" y="11984"/>
-                  </a:lnTo>
-                  <a:lnTo>
-                    <a:pt x="8842" y="11716"/>
-                  </a:lnTo>
-                  <a:lnTo>
-                    <a:pt x="9036" y="11423"/>
-                  </a:lnTo>
-                  <a:lnTo>
-                    <a:pt x="9158" y="11131"/>
-                  </a:lnTo>
-                  <a:lnTo>
-                    <a:pt x="9280" y="10814"/>
-                  </a:lnTo>
-                  <a:lnTo>
-                    <a:pt x="9353" y="10498"/>
-                  </a:lnTo>
-                  <a:lnTo>
-                    <a:pt x="9402" y="10181"/>
-                  </a:lnTo>
-                  <a:lnTo>
-                    <a:pt x="9426" y="9889"/>
-                  </a:lnTo>
-                  <a:lnTo>
-                    <a:pt x="9426" y="9597"/>
-                  </a:lnTo>
-                  <a:lnTo>
-                    <a:pt x="9426" y="9597"/>
-                  </a:lnTo>
-                  <a:lnTo>
-                    <a:pt x="9426" y="9280"/>
-                  </a:lnTo>
-                  <a:lnTo>
-                    <a:pt x="9402" y="8964"/>
-                  </a:lnTo>
-                  <a:lnTo>
-                    <a:pt x="9353" y="8647"/>
-                  </a:lnTo>
-                  <a:lnTo>
-                    <a:pt x="9280" y="8330"/>
-                  </a:lnTo>
-                  <a:lnTo>
-                    <a:pt x="9231" y="8038"/>
-                  </a:lnTo>
-                  <a:lnTo>
-                    <a:pt x="9134" y="7746"/>
-                  </a:lnTo>
-                  <a:lnTo>
-                    <a:pt x="9036" y="7502"/>
-                  </a:lnTo>
-                  <a:lnTo>
-                    <a:pt x="8939" y="7259"/>
-                  </a:lnTo>
-                  <a:lnTo>
-                    <a:pt x="12130" y="4093"/>
-                  </a:lnTo>
-                </a:path>
-              </a:pathLst>
-            </a:custGeom>
-            <a:noFill/>
-            <a:ln w="9525" cap="rnd" cmpd="sng">
-              <a:solidFill>
-                <a:srgbClr val="000000"/>
-              </a:solidFill>
-              <a:prstDash val="solid"/>
-              <a:round/>
-              <a:headEnd type="none" w="med" len="med"/>
-              <a:tailEnd type="none" w="med" len="med"/>
-            </a:ln>
-          </p:spPr>
-          <p:txBody>
-            <a:bodyPr lIns="91425" tIns="91425" rIns="91425" bIns="91425" anchor="ctr" anchorCtr="0">
-              <a:noAutofit/>
-            </a:bodyPr>
-            <a:lstStyle/>
-            <a:p>
-              <a:pPr lvl="0">
-                <a:spcBef>
-                  <a:spcPts val="0"/>
-                </a:spcBef>
-                <a:buNone/>
-              </a:pPr>
-              <a:endParaRPr/>
-            </a:p>
-          </p:txBody>
-        </p:sp>
-        <p:sp>
-          <p:nvSpPr>
-            <p:cNvPr id="117" name="Shape 117"/>
-            <p:cNvSpPr/>
-            <p:nvPr/>
-          </p:nvSpPr>
-          <p:spPr>
-            <a:xfrm>
-              <a:off x="2814911" y="1754061"/>
-              <a:ext cx="49950" cy="49950"/>
-            </a:xfrm>
-            <a:custGeom>
-              <a:avLst/>
-              <a:gdLst/>
-              <a:ahLst/>
-              <a:cxnLst/>
-              <a:rect l="0" t="0" r="0" b="0"/>
-              <a:pathLst>
-                <a:path w="1998" h="1998" fill="none" extrusionOk="0">
-                  <a:moveTo>
-                    <a:pt x="1" y="1997"/>
-                  </a:moveTo>
-                  <a:lnTo>
-                    <a:pt x="1998" y="0"/>
-                  </a:lnTo>
-                </a:path>
-              </a:pathLst>
-            </a:custGeom>
-            <a:noFill/>
-            <a:ln w="9525" cap="rnd" cmpd="sng">
-              <a:solidFill>
-                <a:srgbClr val="000000"/>
-              </a:solidFill>
-              <a:prstDash val="solid"/>
-              <a:round/>
-              <a:headEnd type="none" w="med" len="med"/>
-              <a:tailEnd type="none" w="med" len="med"/>
-            </a:ln>
-          </p:spPr>
-          <p:txBody>
-            <a:bodyPr lIns="91425" tIns="91425" rIns="91425" bIns="91425" anchor="ctr" anchorCtr="0">
-              <a:noAutofit/>
-            </a:bodyPr>
-            <a:lstStyle/>
-            <a:p>
-              <a:pPr lvl="0">
-                <a:spcBef>
-                  <a:spcPts val="0"/>
-                </a:spcBef>
-                <a:buNone/>
-              </a:pPr>
-              <a:endParaRPr/>
-            </a:p>
-          </p:txBody>
-        </p:sp>
-      </p:grpSp>
-      <p:pic>
-        <p:nvPicPr>
-          <p:cNvPr id="3076" name="Picture 4"/>
-          <p:cNvPicPr>
-            <a:picLocks noChangeAspect="1" noChangeArrowheads="1"/>
-          </p:cNvPicPr>
-          <p:nvPr/>
-        </p:nvPicPr>
-        <p:blipFill>
-          <a:blip r:embed="rId3">
-            <a:extLst>
-              <a:ext uri="{28A0092B-C50C-407E-A947-70E740481C1C}">
-                <a14:useLocalDpi xmlns:a14="http://schemas.microsoft.com/office/drawing/2010/main" val="0"/>
-              </a:ext>
-            </a:extLst>
-          </a:blip>
-          <a:srcRect/>
-          <a:stretch>
-            <a:fillRect/>
-          </a:stretch>
-        </p:blipFill>
-        <p:spPr bwMode="auto">
-          <a:xfrm>
-            <a:off x="840352" y="1635646"/>
-            <a:ext cx="4686300" cy="3048000"/>
-          </a:xfrm>
-          <a:prstGeom prst="rect">
-            <a:avLst/>
-          </a:prstGeom>
-          <a:noFill/>
-          <a:ln>
-            <a:noFill/>
-          </a:ln>
-          <a:effectLst/>
-          <a:extLst>
-            <a:ext uri="{909E8E84-426E-40DD-AFC4-6F175D3DCCD1}">
-              <a14:hiddenFill xmlns:a14="http://schemas.microsoft.com/office/drawing/2010/main">
-                <a:solidFill>
-                  <a:schemeClr val="accent1"/>
-                </a:solidFill>
-              </a14:hiddenFill>
-            </a:ext>
-            <a:ext uri="{91240B29-F687-4F45-9708-019B960494DF}">
-              <a14:hiddenLine xmlns:a14="http://schemas.microsoft.com/office/drawing/2010/main" w="9525">
-                <a:solidFill>
-                  <a:schemeClr val="tx1"/>
-                </a:solidFill>
-                <a:miter lim="800000"/>
-                <a:headEnd/>
-                <a:tailEnd/>
-              </a14:hiddenLine>
-            </a:ext>
-            <a:ext uri="{AF507438-7753-43E0-B8FC-AC1667EBCBE1}">
-              <a14:hiddenEffects xmlns:a14="http://schemas.microsoft.com/office/drawing/2010/main">
-                <a:effectLst>
-                  <a:outerShdw dist="35921" dir="2700000" algn="ctr" rotWithShape="0">
-                    <a:schemeClr val="bg2"/>
-                  </a:outerShdw>
-                </a:effectLst>
-              </a14:hiddenEffects>
-            </a:ext>
-          </a:extLst>
-        </p:spPr>
-      </p:pic>
-    </p:spTree>
-    <p:extLst>
-      <p:ext uri="{BB962C8B-B14F-4D97-AF65-F5344CB8AC3E}">
-        <p14:creationId xmlns:p14="http://schemas.microsoft.com/office/powerpoint/2010/main" val="3319608156"/>
-      </p:ext>
-    </p:extLst>
-  </p:cSld>
-  <p:clrMapOvr>
-    <a:masterClrMapping/>
-  </p:clrMapOvr>
-</p:sld>
-</file>
-
-<file path=ppt/slides/slide41.xml><?xml version="1.0" encoding="utf-8"?>
 <p:sld xmlns:a="http://schemas.openxmlformats.org/drawingml/2006/main" xmlns:r="http://schemas.openxmlformats.org/officeDocument/2006/relationships" xmlns:p="http://schemas.openxmlformats.org/presentationml/2006/main">
   <p:cSld>
     <p:spTree>
@@ -31733,7 +30731,7 @@
 </p:sld>
 </file>
 
-<file path=ppt/slides/slide42.xml><?xml version="1.0" encoding="utf-8"?>
+<file path=ppt/slides/slide41.xml><?xml version="1.0" encoding="utf-8"?>
 <p:sld xmlns:a="http://schemas.openxmlformats.org/drawingml/2006/main" xmlns:r="http://schemas.openxmlformats.org/officeDocument/2006/relationships" xmlns:p="http://schemas.openxmlformats.org/presentationml/2006/main">
   <p:cSld>
     <p:spTree>
@@ -32499,7 +31497,7 @@
 </p:sld>
 </file>
 
-<file path=ppt/slides/slide43.xml><?xml version="1.0" encoding="utf-8"?>
+<file path=ppt/slides/slide42.xml><?xml version="1.0" encoding="utf-8"?>
 <p:sld xmlns:a="http://schemas.openxmlformats.org/drawingml/2006/main" xmlns:r="http://schemas.openxmlformats.org/officeDocument/2006/relationships" xmlns:p="http://schemas.openxmlformats.org/presentationml/2006/main">
   <p:cSld>
     <p:spTree>
@@ -33193,7 +32191,7 @@
 </p:sld>
 </file>
 
-<file path=ppt/slides/slide44.xml><?xml version="1.0" encoding="utf-8"?>
+<file path=ppt/slides/slide43.xml><?xml version="1.0" encoding="utf-8"?>
 <p:sld xmlns:a="http://schemas.openxmlformats.org/drawingml/2006/main" xmlns:r="http://schemas.openxmlformats.org/officeDocument/2006/relationships" xmlns:p="http://schemas.openxmlformats.org/presentationml/2006/main">
   <p:cSld>
     <p:spTree>
@@ -33337,704 +32335,7 @@
 </p:sld>
 </file>
 
-<file path=ppt/slides/slide45.xml><?xml version="1.0" encoding="utf-8"?>
-<p:sld xmlns:a="http://schemas.openxmlformats.org/drawingml/2006/main" xmlns:r="http://schemas.openxmlformats.org/officeDocument/2006/relationships" xmlns:p="http://schemas.openxmlformats.org/presentationml/2006/main">
-  <p:cSld>
-    <p:spTree>
-      <p:nvGrpSpPr>
-        <p:cNvPr id="1" name="Shape 110"/>
-        <p:cNvGrpSpPr/>
-        <p:nvPr/>
-      </p:nvGrpSpPr>
-      <p:grpSpPr>
-        <a:xfrm>
-          <a:off x="0" y="0"/>
-          <a:ext cx="0" cy="0"/>
-          <a:chOff x="0" y="0"/>
-          <a:chExt cx="0" cy="0"/>
-        </a:xfrm>
-      </p:grpSpPr>
-      <p:sp>
-        <p:nvSpPr>
-          <p:cNvPr id="111" name="Shape 111"/>
-          <p:cNvSpPr txBox="1">
-            <a:spLocks noGrp="1"/>
-          </p:cNvSpPr>
-          <p:nvPr>
-            <p:ph type="title"/>
-          </p:nvPr>
-        </p:nvSpPr>
-        <p:spPr>
-          <a:xfrm>
-            <a:off x="1381250" y="922668"/>
-            <a:ext cx="3878399" cy="435599"/>
-          </a:xfrm>
-          <a:prstGeom prst="rect">
-            <a:avLst/>
-          </a:prstGeom>
-        </p:spPr>
-        <p:txBody>
-          <a:bodyPr lIns="91425" tIns="91425" rIns="91425" bIns="91425" anchor="ctr" anchorCtr="0">
-            <a:noAutofit/>
-          </a:bodyPr>
-          <a:lstStyle/>
-          <a:p>
-            <a:pPr lvl="0">
-              <a:spcBef>
-                <a:spcPts val="0"/>
-              </a:spcBef>
-              <a:buNone/>
-            </a:pPr>
-            <a:r>
-              <a:rPr lang="en" dirty="0">
-                <a:highlight>
-                  <a:srgbClr val="FFCD00"/>
-                </a:highlight>
-              </a:rPr>
-              <a:t>Topic</a:t>
-            </a:r>
-          </a:p>
-        </p:txBody>
-      </p:sp>
-      <p:sp>
-        <p:nvSpPr>
-          <p:cNvPr id="112" name="Shape 112"/>
-          <p:cNvSpPr txBox="1">
-            <a:spLocks noGrp="1"/>
-          </p:cNvSpPr>
-          <p:nvPr>
-            <p:ph type="body" idx="1"/>
-          </p:nvPr>
-        </p:nvSpPr>
-        <p:spPr>
-          <a:xfrm>
-            <a:off x="1381250" y="1616470"/>
-            <a:ext cx="6809700" cy="3112200"/>
-          </a:xfrm>
-          <a:prstGeom prst="rect">
-            <a:avLst/>
-          </a:prstGeom>
-        </p:spPr>
-        <p:txBody>
-          <a:bodyPr lIns="91425" tIns="91425" rIns="91425" bIns="91425" anchor="t" anchorCtr="0">
-            <a:noAutofit/>
-          </a:bodyPr>
-          <a:lstStyle/>
-          <a:p>
-            <a:pPr marL="457200" lvl="0" indent="-228600" rtl="0">
-              <a:spcBef>
-                <a:spcPts val="0"/>
-              </a:spcBef>
-            </a:pPr>
-            <a:r>
-              <a:rPr lang="en" dirty="0"/>
-              <a:t>Kommentare zum Analyse-/Designergebnis</a:t>
-            </a:r>
-          </a:p>
-          <a:p>
-            <a:pPr marL="457200" lvl="0" indent="-228600" rtl="0">
-              <a:spcBef>
-                <a:spcPts val="0"/>
-              </a:spcBef>
-            </a:pPr>
-            <a:r>
-              <a:rPr lang="en" dirty="0"/>
-              <a:t>Arbeitsaufteilung (anhand des Designs)</a:t>
-            </a:r>
-          </a:p>
-          <a:p>
-            <a:pPr marL="457200" lvl="0" indent="-228600" rtl="0">
-              <a:spcBef>
-                <a:spcPts val="0"/>
-              </a:spcBef>
-            </a:pPr>
-            <a:r>
-              <a:rPr lang="en" dirty="0"/>
-              <a:t>Erfahrungen</a:t>
-            </a:r>
-          </a:p>
-          <a:p>
-            <a:pPr marL="457200" lvl="0" indent="-228600" rtl="0">
-              <a:spcBef>
-                <a:spcPts val="0"/>
-              </a:spcBef>
-            </a:pPr>
-            <a:endParaRPr lang="en" dirty="0"/>
-          </a:p>
-        </p:txBody>
-      </p:sp>
-      <p:grpSp>
-        <p:nvGrpSpPr>
-          <p:cNvPr id="113" name="Shape 113"/>
-          <p:cNvGrpSpPr/>
-          <p:nvPr/>
-        </p:nvGrpSpPr>
-        <p:grpSpPr>
-          <a:xfrm>
-            <a:off x="916458" y="1019750"/>
-            <a:ext cx="214624" cy="214624"/>
-            <a:chOff x="2594050" y="1631825"/>
-            <a:chExt cx="439625" cy="439625"/>
-          </a:xfrm>
-        </p:grpSpPr>
-        <p:sp>
-          <p:nvSpPr>
-            <p:cNvPr id="114" name="Shape 114"/>
-            <p:cNvSpPr/>
-            <p:nvPr/>
-          </p:nvSpPr>
-          <p:spPr>
-            <a:xfrm>
-              <a:off x="2594050" y="1883300"/>
-              <a:ext cx="188175" cy="188150"/>
-            </a:xfrm>
-            <a:custGeom>
-              <a:avLst/>
-              <a:gdLst/>
-              <a:ahLst/>
-              <a:cxnLst/>
-              <a:rect l="0" t="0" r="0" b="0"/>
-              <a:pathLst>
-                <a:path w="7527" h="7526" fill="none" extrusionOk="0">
-                  <a:moveTo>
-                    <a:pt x="5992" y="0"/>
-                  </a:moveTo>
-                  <a:lnTo>
-                    <a:pt x="537" y="6430"/>
-                  </a:lnTo>
-                  <a:lnTo>
-                    <a:pt x="1" y="7526"/>
-                  </a:lnTo>
-                  <a:lnTo>
-                    <a:pt x="1097" y="6990"/>
-                  </a:lnTo>
-                  <a:lnTo>
-                    <a:pt x="7526" y="1534"/>
-                  </a:lnTo>
-                  <a:lnTo>
-                    <a:pt x="5992" y="0"/>
-                  </a:lnTo>
-                  <a:close/>
-                </a:path>
-              </a:pathLst>
-            </a:custGeom>
-            <a:noFill/>
-            <a:ln w="9525" cap="rnd" cmpd="sng">
-              <a:solidFill>
-                <a:srgbClr val="000000"/>
-              </a:solidFill>
-              <a:prstDash val="solid"/>
-              <a:round/>
-              <a:headEnd type="none" w="med" len="med"/>
-              <a:tailEnd type="none" w="med" len="med"/>
-            </a:ln>
-          </p:spPr>
-          <p:txBody>
-            <a:bodyPr lIns="91425" tIns="91425" rIns="91425" bIns="91425" anchor="ctr" anchorCtr="0">
-              <a:noAutofit/>
-            </a:bodyPr>
-            <a:lstStyle/>
-            <a:p>
-              <a:pPr lvl="0">
-                <a:spcBef>
-                  <a:spcPts val="0"/>
-                </a:spcBef>
-                <a:buNone/>
-              </a:pPr>
-              <a:endParaRPr/>
-            </a:p>
-          </p:txBody>
-        </p:sp>
-        <p:sp>
-          <p:nvSpPr>
-            <p:cNvPr id="115" name="Shape 115"/>
-            <p:cNvSpPr/>
-            <p:nvPr/>
-          </p:nvSpPr>
-          <p:spPr>
-            <a:xfrm>
-              <a:off x="2857700" y="1631825"/>
-              <a:ext cx="175975" cy="176000"/>
-            </a:xfrm>
-            <a:custGeom>
-              <a:avLst/>
-              <a:gdLst/>
-              <a:ahLst/>
-              <a:cxnLst/>
-              <a:rect l="0" t="0" r="0" b="0"/>
-              <a:pathLst>
-                <a:path w="7039" h="7040" fill="none" extrusionOk="0">
-                  <a:moveTo>
-                    <a:pt x="268" y="2704"/>
-                  </a:moveTo>
-                  <a:lnTo>
-                    <a:pt x="4336" y="6771"/>
-                  </a:lnTo>
-                  <a:lnTo>
-                    <a:pt x="4336" y="6771"/>
-                  </a:lnTo>
-                  <a:lnTo>
-                    <a:pt x="4336" y="6771"/>
-                  </a:lnTo>
-                  <a:lnTo>
-                    <a:pt x="4652" y="6917"/>
-                  </a:lnTo>
-                  <a:lnTo>
-                    <a:pt x="4993" y="7015"/>
-                  </a:lnTo>
-                  <a:lnTo>
-                    <a:pt x="5310" y="7039"/>
-                  </a:lnTo>
-                  <a:lnTo>
-                    <a:pt x="5651" y="7039"/>
-                  </a:lnTo>
-                  <a:lnTo>
-                    <a:pt x="5992" y="6966"/>
-                  </a:lnTo>
-                  <a:lnTo>
-                    <a:pt x="6308" y="6844"/>
-                  </a:lnTo>
-                  <a:lnTo>
-                    <a:pt x="6454" y="6747"/>
-                  </a:lnTo>
-                  <a:lnTo>
-                    <a:pt x="6601" y="6674"/>
-                  </a:lnTo>
-                  <a:lnTo>
-                    <a:pt x="6747" y="6552"/>
-                  </a:lnTo>
-                  <a:lnTo>
-                    <a:pt x="6893" y="6430"/>
-                  </a:lnTo>
-                  <a:lnTo>
-                    <a:pt x="6893" y="6430"/>
-                  </a:lnTo>
-                  <a:lnTo>
-                    <a:pt x="6942" y="6357"/>
-                  </a:lnTo>
-                  <a:lnTo>
-                    <a:pt x="7015" y="6260"/>
-                  </a:lnTo>
-                  <a:lnTo>
-                    <a:pt x="7039" y="6138"/>
-                  </a:lnTo>
-                  <a:lnTo>
-                    <a:pt x="7039" y="6041"/>
-                  </a:lnTo>
-                  <a:lnTo>
-                    <a:pt x="7039" y="6041"/>
-                  </a:lnTo>
-                  <a:lnTo>
-                    <a:pt x="7039" y="5943"/>
-                  </a:lnTo>
-                  <a:lnTo>
-                    <a:pt x="7015" y="5846"/>
-                  </a:lnTo>
-                  <a:lnTo>
-                    <a:pt x="6942" y="5748"/>
-                  </a:lnTo>
-                  <a:lnTo>
-                    <a:pt x="6893" y="5651"/>
-                  </a:lnTo>
-                  <a:lnTo>
-                    <a:pt x="1389" y="147"/>
-                  </a:lnTo>
-                  <a:lnTo>
-                    <a:pt x="1389" y="147"/>
-                  </a:lnTo>
-                  <a:lnTo>
-                    <a:pt x="1291" y="98"/>
-                  </a:lnTo>
-                  <a:lnTo>
-                    <a:pt x="1194" y="25"/>
-                  </a:lnTo>
-                  <a:lnTo>
-                    <a:pt x="1096" y="0"/>
-                  </a:lnTo>
-                  <a:lnTo>
-                    <a:pt x="999" y="0"/>
-                  </a:lnTo>
-                  <a:lnTo>
-                    <a:pt x="999" y="0"/>
-                  </a:lnTo>
-                  <a:lnTo>
-                    <a:pt x="902" y="0"/>
-                  </a:lnTo>
-                  <a:lnTo>
-                    <a:pt x="780" y="25"/>
-                  </a:lnTo>
-                  <a:lnTo>
-                    <a:pt x="682" y="98"/>
-                  </a:lnTo>
-                  <a:lnTo>
-                    <a:pt x="609" y="147"/>
-                  </a:lnTo>
-                  <a:lnTo>
-                    <a:pt x="609" y="147"/>
-                  </a:lnTo>
-                  <a:lnTo>
-                    <a:pt x="487" y="293"/>
-                  </a:lnTo>
-                  <a:lnTo>
-                    <a:pt x="366" y="439"/>
-                  </a:lnTo>
-                  <a:lnTo>
-                    <a:pt x="293" y="585"/>
-                  </a:lnTo>
-                  <a:lnTo>
-                    <a:pt x="195" y="731"/>
-                  </a:lnTo>
-                  <a:lnTo>
-                    <a:pt x="73" y="1048"/>
-                  </a:lnTo>
-                  <a:lnTo>
-                    <a:pt x="0" y="1389"/>
-                  </a:lnTo>
-                  <a:lnTo>
-                    <a:pt x="0" y="1730"/>
-                  </a:lnTo>
-                  <a:lnTo>
-                    <a:pt x="25" y="2046"/>
-                  </a:lnTo>
-                  <a:lnTo>
-                    <a:pt x="122" y="2387"/>
-                  </a:lnTo>
-                  <a:lnTo>
-                    <a:pt x="268" y="2704"/>
-                  </a:lnTo>
-                  <a:lnTo>
-                    <a:pt x="268" y="2704"/>
-                  </a:lnTo>
-                  <a:close/>
-                </a:path>
-              </a:pathLst>
-            </a:custGeom>
-            <a:noFill/>
-            <a:ln w="9525" cap="rnd" cmpd="sng">
-              <a:solidFill>
-                <a:srgbClr val="000000"/>
-              </a:solidFill>
-              <a:prstDash val="solid"/>
-              <a:round/>
-              <a:headEnd type="none" w="med" len="med"/>
-              <a:tailEnd type="none" w="med" len="med"/>
-            </a:ln>
-          </p:spPr>
-          <p:txBody>
-            <a:bodyPr lIns="91425" tIns="91425" rIns="91425" bIns="91425" anchor="ctr" anchorCtr="0">
-              <a:noAutofit/>
-            </a:bodyPr>
-            <a:lstStyle/>
-            <a:p>
-              <a:pPr lvl="0">
-                <a:spcBef>
-                  <a:spcPts val="0"/>
-                </a:spcBef>
-                <a:buNone/>
-              </a:pPr>
-              <a:endParaRPr/>
-            </a:p>
-          </p:txBody>
-        </p:sp>
-        <p:sp>
-          <p:nvSpPr>
-            <p:cNvPr id="116" name="Shape 116"/>
-            <p:cNvSpPr/>
-            <p:nvPr/>
-          </p:nvSpPr>
-          <p:spPr>
-            <a:xfrm>
-              <a:off x="2662850" y="1699400"/>
-              <a:ext cx="303250" cy="303250"/>
-            </a:xfrm>
-            <a:custGeom>
-              <a:avLst/>
-              <a:gdLst/>
-              <a:ahLst/>
-              <a:cxnLst/>
-              <a:rect l="0" t="0" r="0" b="0"/>
-              <a:pathLst>
-                <a:path w="12130" h="12130" fill="none" extrusionOk="0">
-                  <a:moveTo>
-                    <a:pt x="8038" y="1"/>
-                  </a:moveTo>
-                  <a:lnTo>
-                    <a:pt x="4872" y="3191"/>
-                  </a:lnTo>
-                  <a:lnTo>
-                    <a:pt x="4872" y="3191"/>
-                  </a:lnTo>
-                  <a:lnTo>
-                    <a:pt x="4628" y="3094"/>
-                  </a:lnTo>
-                  <a:lnTo>
-                    <a:pt x="4385" y="2997"/>
-                  </a:lnTo>
-                  <a:lnTo>
-                    <a:pt x="4092" y="2899"/>
-                  </a:lnTo>
-                  <a:lnTo>
-                    <a:pt x="3800" y="2850"/>
-                  </a:lnTo>
-                  <a:lnTo>
-                    <a:pt x="3484" y="2777"/>
-                  </a:lnTo>
-                  <a:lnTo>
-                    <a:pt x="3167" y="2729"/>
-                  </a:lnTo>
-                  <a:lnTo>
-                    <a:pt x="2850" y="2704"/>
-                  </a:lnTo>
-                  <a:lnTo>
-                    <a:pt x="2534" y="2704"/>
-                  </a:lnTo>
-                  <a:lnTo>
-                    <a:pt x="2534" y="2704"/>
-                  </a:lnTo>
-                  <a:lnTo>
-                    <a:pt x="2241" y="2704"/>
-                  </a:lnTo>
-                  <a:lnTo>
-                    <a:pt x="1949" y="2729"/>
-                  </a:lnTo>
-                  <a:lnTo>
-                    <a:pt x="1633" y="2777"/>
-                  </a:lnTo>
-                  <a:lnTo>
-                    <a:pt x="1316" y="2850"/>
-                  </a:lnTo>
-                  <a:lnTo>
-                    <a:pt x="999" y="2972"/>
-                  </a:lnTo>
-                  <a:lnTo>
-                    <a:pt x="707" y="3094"/>
-                  </a:lnTo>
-                  <a:lnTo>
-                    <a:pt x="415" y="3289"/>
-                  </a:lnTo>
-                  <a:lnTo>
-                    <a:pt x="147" y="3508"/>
-                  </a:lnTo>
-                  <a:lnTo>
-                    <a:pt x="147" y="3508"/>
-                  </a:lnTo>
-                  <a:lnTo>
-                    <a:pt x="74" y="3581"/>
-                  </a:lnTo>
-                  <a:lnTo>
-                    <a:pt x="25" y="3678"/>
-                  </a:lnTo>
-                  <a:lnTo>
-                    <a:pt x="1" y="3776"/>
-                  </a:lnTo>
-                  <a:lnTo>
-                    <a:pt x="1" y="3898"/>
-                  </a:lnTo>
-                  <a:lnTo>
-                    <a:pt x="1" y="3898"/>
-                  </a:lnTo>
-                  <a:lnTo>
-                    <a:pt x="1" y="3995"/>
-                  </a:lnTo>
-                  <a:lnTo>
-                    <a:pt x="25" y="4093"/>
-                  </a:lnTo>
-                  <a:lnTo>
-                    <a:pt x="74" y="4190"/>
-                  </a:lnTo>
-                  <a:lnTo>
-                    <a:pt x="147" y="4287"/>
-                  </a:lnTo>
-                  <a:lnTo>
-                    <a:pt x="7843" y="11984"/>
-                  </a:lnTo>
-                  <a:lnTo>
-                    <a:pt x="7843" y="11984"/>
-                  </a:lnTo>
-                  <a:lnTo>
-                    <a:pt x="7941" y="12057"/>
-                  </a:lnTo>
-                  <a:lnTo>
-                    <a:pt x="8038" y="12105"/>
-                  </a:lnTo>
-                  <a:lnTo>
-                    <a:pt x="8135" y="12130"/>
-                  </a:lnTo>
-                  <a:lnTo>
-                    <a:pt x="8233" y="12130"/>
-                  </a:lnTo>
-                  <a:lnTo>
-                    <a:pt x="8233" y="12130"/>
-                  </a:lnTo>
-                  <a:lnTo>
-                    <a:pt x="8355" y="12130"/>
-                  </a:lnTo>
-                  <a:lnTo>
-                    <a:pt x="8452" y="12105"/>
-                  </a:lnTo>
-                  <a:lnTo>
-                    <a:pt x="8549" y="12057"/>
-                  </a:lnTo>
-                  <a:lnTo>
-                    <a:pt x="8622" y="11984"/>
-                  </a:lnTo>
-                  <a:lnTo>
-                    <a:pt x="8622" y="11984"/>
-                  </a:lnTo>
-                  <a:lnTo>
-                    <a:pt x="8842" y="11716"/>
-                  </a:lnTo>
-                  <a:lnTo>
-                    <a:pt x="9036" y="11423"/>
-                  </a:lnTo>
-                  <a:lnTo>
-                    <a:pt x="9158" y="11131"/>
-                  </a:lnTo>
-                  <a:lnTo>
-                    <a:pt x="9280" y="10814"/>
-                  </a:lnTo>
-                  <a:lnTo>
-                    <a:pt x="9353" y="10498"/>
-                  </a:lnTo>
-                  <a:lnTo>
-                    <a:pt x="9402" y="10181"/>
-                  </a:lnTo>
-                  <a:lnTo>
-                    <a:pt x="9426" y="9889"/>
-                  </a:lnTo>
-                  <a:lnTo>
-                    <a:pt x="9426" y="9597"/>
-                  </a:lnTo>
-                  <a:lnTo>
-                    <a:pt x="9426" y="9597"/>
-                  </a:lnTo>
-                  <a:lnTo>
-                    <a:pt x="9426" y="9280"/>
-                  </a:lnTo>
-                  <a:lnTo>
-                    <a:pt x="9402" y="8964"/>
-                  </a:lnTo>
-                  <a:lnTo>
-                    <a:pt x="9353" y="8647"/>
-                  </a:lnTo>
-                  <a:lnTo>
-                    <a:pt x="9280" y="8330"/>
-                  </a:lnTo>
-                  <a:lnTo>
-                    <a:pt x="9231" y="8038"/>
-                  </a:lnTo>
-                  <a:lnTo>
-                    <a:pt x="9134" y="7746"/>
-                  </a:lnTo>
-                  <a:lnTo>
-                    <a:pt x="9036" y="7502"/>
-                  </a:lnTo>
-                  <a:lnTo>
-                    <a:pt x="8939" y="7259"/>
-                  </a:lnTo>
-                  <a:lnTo>
-                    <a:pt x="12130" y="4093"/>
-                  </a:lnTo>
-                </a:path>
-              </a:pathLst>
-            </a:custGeom>
-            <a:noFill/>
-            <a:ln w="9525" cap="rnd" cmpd="sng">
-              <a:solidFill>
-                <a:srgbClr val="000000"/>
-              </a:solidFill>
-              <a:prstDash val="solid"/>
-              <a:round/>
-              <a:headEnd type="none" w="med" len="med"/>
-              <a:tailEnd type="none" w="med" len="med"/>
-            </a:ln>
-          </p:spPr>
-          <p:txBody>
-            <a:bodyPr lIns="91425" tIns="91425" rIns="91425" bIns="91425" anchor="ctr" anchorCtr="0">
-              <a:noAutofit/>
-            </a:bodyPr>
-            <a:lstStyle/>
-            <a:p>
-              <a:pPr lvl="0">
-                <a:spcBef>
-                  <a:spcPts val="0"/>
-                </a:spcBef>
-                <a:buNone/>
-              </a:pPr>
-              <a:endParaRPr/>
-            </a:p>
-          </p:txBody>
-        </p:sp>
-        <p:sp>
-          <p:nvSpPr>
-            <p:cNvPr id="117" name="Shape 117"/>
-            <p:cNvSpPr/>
-            <p:nvPr/>
-          </p:nvSpPr>
-          <p:spPr>
-            <a:xfrm>
-              <a:off x="2814911" y="1754061"/>
-              <a:ext cx="49950" cy="49950"/>
-            </a:xfrm>
-            <a:custGeom>
-              <a:avLst/>
-              <a:gdLst/>
-              <a:ahLst/>
-              <a:cxnLst/>
-              <a:rect l="0" t="0" r="0" b="0"/>
-              <a:pathLst>
-                <a:path w="1998" h="1998" fill="none" extrusionOk="0">
-                  <a:moveTo>
-                    <a:pt x="1" y="1997"/>
-                  </a:moveTo>
-                  <a:lnTo>
-                    <a:pt x="1998" y="0"/>
-                  </a:lnTo>
-                </a:path>
-              </a:pathLst>
-            </a:custGeom>
-            <a:noFill/>
-            <a:ln w="9525" cap="rnd" cmpd="sng">
-              <a:solidFill>
-                <a:srgbClr val="000000"/>
-              </a:solidFill>
-              <a:prstDash val="solid"/>
-              <a:round/>
-              <a:headEnd type="none" w="med" len="med"/>
-              <a:tailEnd type="none" w="med" len="med"/>
-            </a:ln>
-          </p:spPr>
-          <p:txBody>
-            <a:bodyPr lIns="91425" tIns="91425" rIns="91425" bIns="91425" anchor="ctr" anchorCtr="0">
-              <a:noAutofit/>
-            </a:bodyPr>
-            <a:lstStyle/>
-            <a:p>
-              <a:pPr lvl="0">
-                <a:spcBef>
-                  <a:spcPts val="0"/>
-                </a:spcBef>
-                <a:buNone/>
-              </a:pPr>
-              <a:endParaRPr/>
-            </a:p>
-          </p:txBody>
-        </p:sp>
-      </p:grpSp>
-    </p:spTree>
-    <p:extLst>
-      <p:ext uri="{BB962C8B-B14F-4D97-AF65-F5344CB8AC3E}">
-        <p14:creationId xmlns:p14="http://schemas.microsoft.com/office/powerpoint/2010/main" val="2658299690"/>
-      </p:ext>
-    </p:extLst>
-  </p:cSld>
-  <p:clrMapOvr>
-    <a:masterClrMapping/>
-  </p:clrMapOvr>
-</p:sld>
-</file>
-
-<file path=ppt/slides/slide46.xml><?xml version="1.0" encoding="utf-8"?>
+<file path=ppt/slides/slide44.xml><?xml version="1.0" encoding="utf-8"?>
 <p:sld xmlns:a="http://schemas.openxmlformats.org/drawingml/2006/main" xmlns:r="http://schemas.openxmlformats.org/officeDocument/2006/relationships" xmlns:p="http://schemas.openxmlformats.org/presentationml/2006/main">
   <p:cSld>
     <p:spTree>
@@ -34683,7 +32984,7 @@
 </p:sld>
 </file>
 
-<file path=ppt/slides/slide47.xml><?xml version="1.0" encoding="utf-8"?>
+<file path=ppt/slides/slide45.xml><?xml version="1.0" encoding="utf-8"?>
 <p:sld xmlns:a="http://schemas.openxmlformats.org/drawingml/2006/main" xmlns:r="http://schemas.openxmlformats.org/officeDocument/2006/relationships" xmlns:p="http://schemas.openxmlformats.org/presentationml/2006/main">
   <p:cSld>
     <p:spTree>
@@ -36080,7 +34381,7 @@
 </p:sld>
 </file>
 
-<file path=ppt/slides/slide48.xml><?xml version="1.0" encoding="utf-8"?>
+<file path=ppt/slides/slide46.xml><?xml version="1.0" encoding="utf-8"?>
 <p:sld xmlns:a="http://schemas.openxmlformats.org/drawingml/2006/main" xmlns:r="http://schemas.openxmlformats.org/officeDocument/2006/relationships" xmlns:p="http://schemas.openxmlformats.org/presentationml/2006/main">
   <p:cSld>
     <p:spTree>
@@ -36751,7 +35052,7 @@
 </p:sld>
 </file>
 
-<file path=ppt/slides/slide49.xml><?xml version="1.0" encoding="utf-8"?>
+<file path=ppt/slides/slide47.xml><?xml version="1.0" encoding="utf-8"?>
 <p:sld xmlns:a="http://schemas.openxmlformats.org/drawingml/2006/main" xmlns:r="http://schemas.openxmlformats.org/officeDocument/2006/relationships" xmlns:p="http://schemas.openxmlformats.org/presentationml/2006/main">
   <p:cSld>
     <p:spTree>
@@ -37405,6 +35706,828 @@
     <p:extLst>
       <p:ext uri="{BB962C8B-B14F-4D97-AF65-F5344CB8AC3E}">
         <p14:creationId xmlns:p14="http://schemas.microsoft.com/office/powerpoint/2010/main" val="1812517718"/>
+      </p:ext>
+    </p:extLst>
+  </p:cSld>
+  <p:clrMapOvr>
+    <a:masterClrMapping/>
+  </p:clrMapOvr>
+</p:sld>
+</file>
+
+<file path=ppt/slides/slide48.xml><?xml version="1.0" encoding="utf-8"?>
+<p:sld xmlns:a="http://schemas.openxmlformats.org/drawingml/2006/main" xmlns:r="http://schemas.openxmlformats.org/officeDocument/2006/relationships" xmlns:p="http://schemas.openxmlformats.org/presentationml/2006/main">
+  <p:cSld>
+    <p:spTree>
+      <p:nvGrpSpPr>
+        <p:cNvPr id="1" name=""/>
+        <p:cNvGrpSpPr/>
+        <p:nvPr/>
+      </p:nvGrpSpPr>
+      <p:grpSpPr>
+        <a:xfrm>
+          <a:off x="0" y="0"/>
+          <a:ext cx="0" cy="0"/>
+          <a:chOff x="0" y="0"/>
+          <a:chExt cx="0" cy="0"/>
+        </a:xfrm>
+      </p:grpSpPr>
+      <p:sp>
+        <p:nvSpPr>
+          <p:cNvPr id="2" name="Titel 1"/>
+          <p:cNvSpPr>
+            <a:spLocks noGrp="1"/>
+          </p:cNvSpPr>
+          <p:nvPr>
+            <p:ph type="title"/>
+          </p:nvPr>
+        </p:nvSpPr>
+        <p:spPr/>
+        <p:txBody>
+          <a:bodyPr/>
+          <a:lstStyle/>
+          <a:p>
+            <a:r>
+              <a:rPr lang="de-DE" dirty="0"/>
+              <a:t>Erfahrungen</a:t>
+            </a:r>
+            <a:br>
+              <a:rPr lang="de-DE" dirty="0"/>
+            </a:br>
+            <a:r>
+              <a:rPr lang="de-DE" dirty="0"/>
+              <a:t>Das „</a:t>
+            </a:r>
+            <a:r>
+              <a:rPr lang="de-DE" dirty="0" err="1"/>
+              <a:t>Gui</a:t>
+            </a:r>
+            <a:r>
+              <a:rPr lang="de-DE" dirty="0"/>
+              <a:t>“-Modul</a:t>
+            </a:r>
+          </a:p>
+        </p:txBody>
+      </p:sp>
+      <p:sp>
+        <p:nvSpPr>
+          <p:cNvPr id="3" name="Textplatzhalter 2"/>
+          <p:cNvSpPr>
+            <a:spLocks noGrp="1"/>
+          </p:cNvSpPr>
+          <p:nvPr>
+            <p:ph type="body" idx="1"/>
+          </p:nvPr>
+        </p:nvSpPr>
+        <p:spPr/>
+        <p:txBody>
+          <a:bodyPr/>
+          <a:lstStyle/>
+          <a:p>
+            <a:r>
+              <a:rPr lang="de-DE" dirty="0"/>
+              <a:t>Implementierung anfangs mit kleineren Schwierigkeiten</a:t>
+            </a:r>
+          </a:p>
+          <a:p>
+            <a:pPr marL="342900" indent="-342900">
+              <a:buFont typeface="Wingdings" panose="05000000000000000000" pitchFamily="2" charset="2"/>
+              <a:buChar char="Ø"/>
+            </a:pPr>
+            <a:r>
+              <a:rPr lang="de-DE" dirty="0"/>
+              <a:t>Kleinere Anpassung im Nachhinein am Game Modul zur Fragenverwaltung</a:t>
+            </a:r>
+          </a:p>
+          <a:p>
+            <a:pPr marL="342900" indent="-342900">
+              <a:buFont typeface="Wingdings" panose="05000000000000000000" pitchFamily="2" charset="2"/>
+              <a:buChar char="Ø"/>
+            </a:pPr>
+            <a:r>
+              <a:rPr lang="de-DE" dirty="0"/>
+              <a:t>…Jedoch insgesamt alles nach plan verlaufen</a:t>
+            </a:r>
+          </a:p>
+          <a:p>
+            <a:pPr marL="342900" indent="-342900"/>
+            <a:r>
+              <a:rPr lang="de-DE" dirty="0"/>
+              <a:t>Übergang zwischen den Views – Problemlos</a:t>
+            </a:r>
+          </a:p>
+        </p:txBody>
+      </p:sp>
+      <p:grpSp>
+        <p:nvGrpSpPr>
+          <p:cNvPr id="5" name="Shape 113"/>
+          <p:cNvGrpSpPr/>
+          <p:nvPr/>
+        </p:nvGrpSpPr>
+        <p:grpSpPr>
+          <a:xfrm>
+            <a:off x="916458" y="1019750"/>
+            <a:ext cx="214624" cy="214624"/>
+            <a:chOff x="2594050" y="1631825"/>
+            <a:chExt cx="439625" cy="439625"/>
+          </a:xfrm>
+        </p:grpSpPr>
+        <p:sp>
+          <p:nvSpPr>
+            <p:cNvPr id="6" name="Shape 114"/>
+            <p:cNvSpPr/>
+            <p:nvPr/>
+          </p:nvSpPr>
+          <p:spPr>
+            <a:xfrm>
+              <a:off x="2594050" y="1883300"/>
+              <a:ext cx="188175" cy="188150"/>
+            </a:xfrm>
+            <a:custGeom>
+              <a:avLst/>
+              <a:gdLst/>
+              <a:ahLst/>
+              <a:cxnLst/>
+              <a:rect l="0" t="0" r="0" b="0"/>
+              <a:pathLst>
+                <a:path w="7527" h="7526" fill="none" extrusionOk="0">
+                  <a:moveTo>
+                    <a:pt x="5992" y="0"/>
+                  </a:moveTo>
+                  <a:lnTo>
+                    <a:pt x="537" y="6430"/>
+                  </a:lnTo>
+                  <a:lnTo>
+                    <a:pt x="1" y="7526"/>
+                  </a:lnTo>
+                  <a:lnTo>
+                    <a:pt x="1097" y="6990"/>
+                  </a:lnTo>
+                  <a:lnTo>
+                    <a:pt x="7526" y="1534"/>
+                  </a:lnTo>
+                  <a:lnTo>
+                    <a:pt x="5992" y="0"/>
+                  </a:lnTo>
+                  <a:close/>
+                </a:path>
+              </a:pathLst>
+            </a:custGeom>
+            <a:noFill/>
+            <a:ln w="9525" cap="rnd" cmpd="sng">
+              <a:solidFill>
+                <a:srgbClr val="000000"/>
+              </a:solidFill>
+              <a:prstDash val="solid"/>
+              <a:round/>
+              <a:headEnd type="none" w="med" len="med"/>
+              <a:tailEnd type="none" w="med" len="med"/>
+            </a:ln>
+          </p:spPr>
+          <p:txBody>
+            <a:bodyPr lIns="91425" tIns="91425" rIns="91425" bIns="91425" anchor="ctr" anchorCtr="0">
+              <a:noAutofit/>
+            </a:bodyPr>
+            <a:lstStyle/>
+            <a:p>
+              <a:pPr lvl="0">
+                <a:spcBef>
+                  <a:spcPts val="0"/>
+                </a:spcBef>
+                <a:buNone/>
+              </a:pPr>
+              <a:endParaRPr/>
+            </a:p>
+          </p:txBody>
+        </p:sp>
+        <p:sp>
+          <p:nvSpPr>
+            <p:cNvPr id="7" name="Shape 115"/>
+            <p:cNvSpPr/>
+            <p:nvPr/>
+          </p:nvSpPr>
+          <p:spPr>
+            <a:xfrm>
+              <a:off x="2857700" y="1631825"/>
+              <a:ext cx="175975" cy="176000"/>
+            </a:xfrm>
+            <a:custGeom>
+              <a:avLst/>
+              <a:gdLst/>
+              <a:ahLst/>
+              <a:cxnLst/>
+              <a:rect l="0" t="0" r="0" b="0"/>
+              <a:pathLst>
+                <a:path w="7039" h="7040" fill="none" extrusionOk="0">
+                  <a:moveTo>
+                    <a:pt x="268" y="2704"/>
+                  </a:moveTo>
+                  <a:lnTo>
+                    <a:pt x="4336" y="6771"/>
+                  </a:lnTo>
+                  <a:lnTo>
+                    <a:pt x="4336" y="6771"/>
+                  </a:lnTo>
+                  <a:lnTo>
+                    <a:pt x="4336" y="6771"/>
+                  </a:lnTo>
+                  <a:lnTo>
+                    <a:pt x="4652" y="6917"/>
+                  </a:lnTo>
+                  <a:lnTo>
+                    <a:pt x="4993" y="7015"/>
+                  </a:lnTo>
+                  <a:lnTo>
+                    <a:pt x="5310" y="7039"/>
+                  </a:lnTo>
+                  <a:lnTo>
+                    <a:pt x="5651" y="7039"/>
+                  </a:lnTo>
+                  <a:lnTo>
+                    <a:pt x="5992" y="6966"/>
+                  </a:lnTo>
+                  <a:lnTo>
+                    <a:pt x="6308" y="6844"/>
+                  </a:lnTo>
+                  <a:lnTo>
+                    <a:pt x="6454" y="6747"/>
+                  </a:lnTo>
+                  <a:lnTo>
+                    <a:pt x="6601" y="6674"/>
+                  </a:lnTo>
+                  <a:lnTo>
+                    <a:pt x="6747" y="6552"/>
+                  </a:lnTo>
+                  <a:lnTo>
+                    <a:pt x="6893" y="6430"/>
+                  </a:lnTo>
+                  <a:lnTo>
+                    <a:pt x="6893" y="6430"/>
+                  </a:lnTo>
+                  <a:lnTo>
+                    <a:pt x="6942" y="6357"/>
+                  </a:lnTo>
+                  <a:lnTo>
+                    <a:pt x="7015" y="6260"/>
+                  </a:lnTo>
+                  <a:lnTo>
+                    <a:pt x="7039" y="6138"/>
+                  </a:lnTo>
+                  <a:lnTo>
+                    <a:pt x="7039" y="6041"/>
+                  </a:lnTo>
+                  <a:lnTo>
+                    <a:pt x="7039" y="6041"/>
+                  </a:lnTo>
+                  <a:lnTo>
+                    <a:pt x="7039" y="5943"/>
+                  </a:lnTo>
+                  <a:lnTo>
+                    <a:pt x="7015" y="5846"/>
+                  </a:lnTo>
+                  <a:lnTo>
+                    <a:pt x="6942" y="5748"/>
+                  </a:lnTo>
+                  <a:lnTo>
+                    <a:pt x="6893" y="5651"/>
+                  </a:lnTo>
+                  <a:lnTo>
+                    <a:pt x="1389" y="147"/>
+                  </a:lnTo>
+                  <a:lnTo>
+                    <a:pt x="1389" y="147"/>
+                  </a:lnTo>
+                  <a:lnTo>
+                    <a:pt x="1291" y="98"/>
+                  </a:lnTo>
+                  <a:lnTo>
+                    <a:pt x="1194" y="25"/>
+                  </a:lnTo>
+                  <a:lnTo>
+                    <a:pt x="1096" y="0"/>
+                  </a:lnTo>
+                  <a:lnTo>
+                    <a:pt x="999" y="0"/>
+                  </a:lnTo>
+                  <a:lnTo>
+                    <a:pt x="999" y="0"/>
+                  </a:lnTo>
+                  <a:lnTo>
+                    <a:pt x="902" y="0"/>
+                  </a:lnTo>
+                  <a:lnTo>
+                    <a:pt x="780" y="25"/>
+                  </a:lnTo>
+                  <a:lnTo>
+                    <a:pt x="682" y="98"/>
+                  </a:lnTo>
+                  <a:lnTo>
+                    <a:pt x="609" y="147"/>
+                  </a:lnTo>
+                  <a:lnTo>
+                    <a:pt x="609" y="147"/>
+                  </a:lnTo>
+                  <a:lnTo>
+                    <a:pt x="487" y="293"/>
+                  </a:lnTo>
+                  <a:lnTo>
+                    <a:pt x="366" y="439"/>
+                  </a:lnTo>
+                  <a:lnTo>
+                    <a:pt x="293" y="585"/>
+                  </a:lnTo>
+                  <a:lnTo>
+                    <a:pt x="195" y="731"/>
+                  </a:lnTo>
+                  <a:lnTo>
+                    <a:pt x="73" y="1048"/>
+                  </a:lnTo>
+                  <a:lnTo>
+                    <a:pt x="0" y="1389"/>
+                  </a:lnTo>
+                  <a:lnTo>
+                    <a:pt x="0" y="1730"/>
+                  </a:lnTo>
+                  <a:lnTo>
+                    <a:pt x="25" y="2046"/>
+                  </a:lnTo>
+                  <a:lnTo>
+                    <a:pt x="122" y="2387"/>
+                  </a:lnTo>
+                  <a:lnTo>
+                    <a:pt x="268" y="2704"/>
+                  </a:lnTo>
+                  <a:lnTo>
+                    <a:pt x="268" y="2704"/>
+                  </a:lnTo>
+                  <a:close/>
+                </a:path>
+              </a:pathLst>
+            </a:custGeom>
+            <a:noFill/>
+            <a:ln w="9525" cap="rnd" cmpd="sng">
+              <a:solidFill>
+                <a:srgbClr val="000000"/>
+              </a:solidFill>
+              <a:prstDash val="solid"/>
+              <a:round/>
+              <a:headEnd type="none" w="med" len="med"/>
+              <a:tailEnd type="none" w="med" len="med"/>
+            </a:ln>
+          </p:spPr>
+          <p:txBody>
+            <a:bodyPr lIns="91425" tIns="91425" rIns="91425" bIns="91425" anchor="ctr" anchorCtr="0">
+              <a:noAutofit/>
+            </a:bodyPr>
+            <a:lstStyle/>
+            <a:p>
+              <a:pPr lvl="0">
+                <a:spcBef>
+                  <a:spcPts val="0"/>
+                </a:spcBef>
+                <a:buNone/>
+              </a:pPr>
+              <a:endParaRPr/>
+            </a:p>
+          </p:txBody>
+        </p:sp>
+        <p:sp>
+          <p:nvSpPr>
+            <p:cNvPr id="8" name="Shape 116"/>
+            <p:cNvSpPr/>
+            <p:nvPr/>
+          </p:nvSpPr>
+          <p:spPr>
+            <a:xfrm>
+              <a:off x="2662850" y="1699400"/>
+              <a:ext cx="303250" cy="303250"/>
+            </a:xfrm>
+            <a:custGeom>
+              <a:avLst/>
+              <a:gdLst/>
+              <a:ahLst/>
+              <a:cxnLst/>
+              <a:rect l="0" t="0" r="0" b="0"/>
+              <a:pathLst>
+                <a:path w="12130" h="12130" fill="none" extrusionOk="0">
+                  <a:moveTo>
+                    <a:pt x="8038" y="1"/>
+                  </a:moveTo>
+                  <a:lnTo>
+                    <a:pt x="4872" y="3191"/>
+                  </a:lnTo>
+                  <a:lnTo>
+                    <a:pt x="4872" y="3191"/>
+                  </a:lnTo>
+                  <a:lnTo>
+                    <a:pt x="4628" y="3094"/>
+                  </a:lnTo>
+                  <a:lnTo>
+                    <a:pt x="4385" y="2997"/>
+                  </a:lnTo>
+                  <a:lnTo>
+                    <a:pt x="4092" y="2899"/>
+                  </a:lnTo>
+                  <a:lnTo>
+                    <a:pt x="3800" y="2850"/>
+                  </a:lnTo>
+                  <a:lnTo>
+                    <a:pt x="3484" y="2777"/>
+                  </a:lnTo>
+                  <a:lnTo>
+                    <a:pt x="3167" y="2729"/>
+                  </a:lnTo>
+                  <a:lnTo>
+                    <a:pt x="2850" y="2704"/>
+                  </a:lnTo>
+                  <a:lnTo>
+                    <a:pt x="2534" y="2704"/>
+                  </a:lnTo>
+                  <a:lnTo>
+                    <a:pt x="2534" y="2704"/>
+                  </a:lnTo>
+                  <a:lnTo>
+                    <a:pt x="2241" y="2704"/>
+                  </a:lnTo>
+                  <a:lnTo>
+                    <a:pt x="1949" y="2729"/>
+                  </a:lnTo>
+                  <a:lnTo>
+                    <a:pt x="1633" y="2777"/>
+                  </a:lnTo>
+                  <a:lnTo>
+                    <a:pt x="1316" y="2850"/>
+                  </a:lnTo>
+                  <a:lnTo>
+                    <a:pt x="999" y="2972"/>
+                  </a:lnTo>
+                  <a:lnTo>
+                    <a:pt x="707" y="3094"/>
+                  </a:lnTo>
+                  <a:lnTo>
+                    <a:pt x="415" y="3289"/>
+                  </a:lnTo>
+                  <a:lnTo>
+                    <a:pt x="147" y="3508"/>
+                  </a:lnTo>
+                  <a:lnTo>
+                    <a:pt x="147" y="3508"/>
+                  </a:lnTo>
+                  <a:lnTo>
+                    <a:pt x="74" y="3581"/>
+                  </a:lnTo>
+                  <a:lnTo>
+                    <a:pt x="25" y="3678"/>
+                  </a:lnTo>
+                  <a:lnTo>
+                    <a:pt x="1" y="3776"/>
+                  </a:lnTo>
+                  <a:lnTo>
+                    <a:pt x="1" y="3898"/>
+                  </a:lnTo>
+                  <a:lnTo>
+                    <a:pt x="1" y="3898"/>
+                  </a:lnTo>
+                  <a:lnTo>
+                    <a:pt x="1" y="3995"/>
+                  </a:lnTo>
+                  <a:lnTo>
+                    <a:pt x="25" y="4093"/>
+                  </a:lnTo>
+                  <a:lnTo>
+                    <a:pt x="74" y="4190"/>
+                  </a:lnTo>
+                  <a:lnTo>
+                    <a:pt x="147" y="4287"/>
+                  </a:lnTo>
+                  <a:lnTo>
+                    <a:pt x="7843" y="11984"/>
+                  </a:lnTo>
+                  <a:lnTo>
+                    <a:pt x="7843" y="11984"/>
+                  </a:lnTo>
+                  <a:lnTo>
+                    <a:pt x="7941" y="12057"/>
+                  </a:lnTo>
+                  <a:lnTo>
+                    <a:pt x="8038" y="12105"/>
+                  </a:lnTo>
+                  <a:lnTo>
+                    <a:pt x="8135" y="12130"/>
+                  </a:lnTo>
+                  <a:lnTo>
+                    <a:pt x="8233" y="12130"/>
+                  </a:lnTo>
+                  <a:lnTo>
+                    <a:pt x="8233" y="12130"/>
+                  </a:lnTo>
+                  <a:lnTo>
+                    <a:pt x="8355" y="12130"/>
+                  </a:lnTo>
+                  <a:lnTo>
+                    <a:pt x="8452" y="12105"/>
+                  </a:lnTo>
+                  <a:lnTo>
+                    <a:pt x="8549" y="12057"/>
+                  </a:lnTo>
+                  <a:lnTo>
+                    <a:pt x="8622" y="11984"/>
+                  </a:lnTo>
+                  <a:lnTo>
+                    <a:pt x="8622" y="11984"/>
+                  </a:lnTo>
+                  <a:lnTo>
+                    <a:pt x="8842" y="11716"/>
+                  </a:lnTo>
+                  <a:lnTo>
+                    <a:pt x="9036" y="11423"/>
+                  </a:lnTo>
+                  <a:lnTo>
+                    <a:pt x="9158" y="11131"/>
+                  </a:lnTo>
+                  <a:lnTo>
+                    <a:pt x="9280" y="10814"/>
+                  </a:lnTo>
+                  <a:lnTo>
+                    <a:pt x="9353" y="10498"/>
+                  </a:lnTo>
+                  <a:lnTo>
+                    <a:pt x="9402" y="10181"/>
+                  </a:lnTo>
+                  <a:lnTo>
+                    <a:pt x="9426" y="9889"/>
+                  </a:lnTo>
+                  <a:lnTo>
+                    <a:pt x="9426" y="9597"/>
+                  </a:lnTo>
+                  <a:lnTo>
+                    <a:pt x="9426" y="9597"/>
+                  </a:lnTo>
+                  <a:lnTo>
+                    <a:pt x="9426" y="9280"/>
+                  </a:lnTo>
+                  <a:lnTo>
+                    <a:pt x="9402" y="8964"/>
+                  </a:lnTo>
+                  <a:lnTo>
+                    <a:pt x="9353" y="8647"/>
+                  </a:lnTo>
+                  <a:lnTo>
+                    <a:pt x="9280" y="8330"/>
+                  </a:lnTo>
+                  <a:lnTo>
+                    <a:pt x="9231" y="8038"/>
+                  </a:lnTo>
+                  <a:lnTo>
+                    <a:pt x="9134" y="7746"/>
+                  </a:lnTo>
+                  <a:lnTo>
+                    <a:pt x="9036" y="7502"/>
+                  </a:lnTo>
+                  <a:lnTo>
+                    <a:pt x="8939" y="7259"/>
+                  </a:lnTo>
+                  <a:lnTo>
+                    <a:pt x="12130" y="4093"/>
+                  </a:lnTo>
+                </a:path>
+              </a:pathLst>
+            </a:custGeom>
+            <a:noFill/>
+            <a:ln w="9525" cap="rnd" cmpd="sng">
+              <a:solidFill>
+                <a:srgbClr val="000000"/>
+              </a:solidFill>
+              <a:prstDash val="solid"/>
+              <a:round/>
+              <a:headEnd type="none" w="med" len="med"/>
+              <a:tailEnd type="none" w="med" len="med"/>
+            </a:ln>
+          </p:spPr>
+          <p:txBody>
+            <a:bodyPr lIns="91425" tIns="91425" rIns="91425" bIns="91425" anchor="ctr" anchorCtr="0">
+              <a:noAutofit/>
+            </a:bodyPr>
+            <a:lstStyle/>
+            <a:p>
+              <a:pPr lvl="0">
+                <a:spcBef>
+                  <a:spcPts val="0"/>
+                </a:spcBef>
+                <a:buNone/>
+              </a:pPr>
+              <a:endParaRPr/>
+            </a:p>
+          </p:txBody>
+        </p:sp>
+        <p:sp>
+          <p:nvSpPr>
+            <p:cNvPr id="9" name="Shape 117"/>
+            <p:cNvSpPr/>
+            <p:nvPr/>
+          </p:nvSpPr>
+          <p:spPr>
+            <a:xfrm>
+              <a:off x="2814911" y="1754061"/>
+              <a:ext cx="49950" cy="49950"/>
+            </a:xfrm>
+            <a:custGeom>
+              <a:avLst/>
+              <a:gdLst/>
+              <a:ahLst/>
+              <a:cxnLst/>
+              <a:rect l="0" t="0" r="0" b="0"/>
+              <a:pathLst>
+                <a:path w="1998" h="1998" fill="none" extrusionOk="0">
+                  <a:moveTo>
+                    <a:pt x="1" y="1997"/>
+                  </a:moveTo>
+                  <a:lnTo>
+                    <a:pt x="1998" y="0"/>
+                  </a:lnTo>
+                </a:path>
+              </a:pathLst>
+            </a:custGeom>
+            <a:noFill/>
+            <a:ln w="9525" cap="rnd" cmpd="sng">
+              <a:solidFill>
+                <a:srgbClr val="000000"/>
+              </a:solidFill>
+              <a:prstDash val="solid"/>
+              <a:round/>
+              <a:headEnd type="none" w="med" len="med"/>
+              <a:tailEnd type="none" w="med" len="med"/>
+            </a:ln>
+          </p:spPr>
+          <p:txBody>
+            <a:bodyPr lIns="91425" tIns="91425" rIns="91425" bIns="91425" anchor="ctr" anchorCtr="0">
+              <a:noAutofit/>
+            </a:bodyPr>
+            <a:lstStyle/>
+            <a:p>
+              <a:pPr lvl="0">
+                <a:spcBef>
+                  <a:spcPts val="0"/>
+                </a:spcBef>
+                <a:buNone/>
+              </a:pPr>
+              <a:endParaRPr/>
+            </a:p>
+          </p:txBody>
+        </p:sp>
+      </p:grpSp>
+    </p:spTree>
+    <p:extLst>
+      <p:ext uri="{BB962C8B-B14F-4D97-AF65-F5344CB8AC3E}">
+        <p14:creationId xmlns:p14="http://schemas.microsoft.com/office/powerpoint/2010/main" val="3220765122"/>
+      </p:ext>
+    </p:extLst>
+  </p:cSld>
+  <p:clrMapOvr>
+    <a:masterClrMapping/>
+  </p:clrMapOvr>
+</p:sld>
+</file>
+
+<file path=ppt/slides/slide49.xml><?xml version="1.0" encoding="utf-8"?>
+<p:sld xmlns:a="http://schemas.openxmlformats.org/drawingml/2006/main" xmlns:r="http://schemas.openxmlformats.org/officeDocument/2006/relationships" xmlns:p="http://schemas.openxmlformats.org/presentationml/2006/main">
+  <p:cSld>
+    <p:spTree>
+      <p:nvGrpSpPr>
+        <p:cNvPr id="1" name="Shape 98"/>
+        <p:cNvGrpSpPr/>
+        <p:nvPr/>
+      </p:nvGrpSpPr>
+      <p:grpSpPr>
+        <a:xfrm>
+          <a:off x="0" y="0"/>
+          <a:ext cx="0" cy="0"/>
+          <a:chOff x="0" y="0"/>
+          <a:chExt cx="0" cy="0"/>
+        </a:xfrm>
+      </p:grpSpPr>
+      <p:sp>
+        <p:nvSpPr>
+          <p:cNvPr id="99" name="Shape 99"/>
+          <p:cNvSpPr txBox="1">
+            <a:spLocks noGrp="1"/>
+          </p:cNvSpPr>
+          <p:nvPr>
+            <p:ph type="ctrTitle"/>
+          </p:nvPr>
+        </p:nvSpPr>
+        <p:spPr>
+          <a:xfrm>
+            <a:off x="2022225" y="1693523"/>
+            <a:ext cx="3787799" cy="1159799"/>
+          </a:xfrm>
+          <a:prstGeom prst="rect">
+            <a:avLst/>
+          </a:prstGeom>
+        </p:spPr>
+        <p:txBody>
+          <a:bodyPr lIns="91425" tIns="91425" rIns="91425" bIns="91425" anchor="b" anchorCtr="0">
+            <a:noAutofit/>
+          </a:bodyPr>
+          <a:lstStyle/>
+          <a:p>
+            <a:pPr lvl="0" rtl="0">
+              <a:spcBef>
+                <a:spcPts val="0"/>
+              </a:spcBef>
+              <a:buNone/>
+            </a:pPr>
+            <a:r>
+              <a:rPr lang="en" dirty="0"/>
+              <a:t>Tester</a:t>
+            </a:r>
+          </a:p>
+        </p:txBody>
+      </p:sp>
+      <p:sp>
+        <p:nvSpPr>
+          <p:cNvPr id="100" name="Shape 100"/>
+          <p:cNvSpPr txBox="1">
+            <a:spLocks noGrp="1"/>
+          </p:cNvSpPr>
+          <p:nvPr>
+            <p:ph type="subTitle" idx="1"/>
+          </p:nvPr>
+        </p:nvSpPr>
+        <p:spPr>
+          <a:xfrm>
+            <a:off x="2022300" y="2815923"/>
+            <a:ext cx="5591400" cy="784799"/>
+          </a:xfrm>
+          <a:prstGeom prst="rect">
+            <a:avLst/>
+          </a:prstGeom>
+        </p:spPr>
+        <p:txBody>
+          <a:bodyPr lIns="91425" tIns="91425" rIns="91425" bIns="91425" anchor="t" anchorCtr="0">
+            <a:noAutofit/>
+          </a:bodyPr>
+          <a:lstStyle/>
+          <a:p>
+            <a:pPr lvl="0"/>
+            <a:r>
+              <a:rPr lang="de-DE" dirty="0"/>
+              <a:t>Manuel Schwalm</a:t>
+            </a:r>
+            <a:endParaRPr lang="en" dirty="0"/>
+          </a:p>
+        </p:txBody>
+      </p:sp>
+      <p:sp>
+        <p:nvSpPr>
+          <p:cNvPr id="101" name="Shape 101"/>
+          <p:cNvSpPr txBox="1"/>
+          <p:nvPr/>
+        </p:nvSpPr>
+        <p:spPr>
+          <a:xfrm>
+            <a:off x="1133975" y="2291150"/>
+            <a:ext cx="543899" cy="562199"/>
+          </a:xfrm>
+          <a:prstGeom prst="rect">
+            <a:avLst/>
+          </a:prstGeom>
+          <a:noFill/>
+          <a:ln>
+            <a:noFill/>
+          </a:ln>
+        </p:spPr>
+        <p:txBody>
+          <a:bodyPr lIns="91425" tIns="91425" rIns="91425" bIns="91425" anchor="ctr" anchorCtr="0">
+            <a:noAutofit/>
+          </a:bodyPr>
+          <a:lstStyle/>
+          <a:p>
+            <a:pPr lvl="0" algn="ctr">
+              <a:spcBef>
+                <a:spcPts val="0"/>
+              </a:spcBef>
+              <a:buNone/>
+            </a:pPr>
+            <a:r>
+              <a:rPr lang="en" sz="2400" dirty="0">
+                <a:solidFill>
+                  <a:schemeClr val="dk1"/>
+                </a:solidFill>
+                <a:latin typeface="Lora"/>
+                <a:ea typeface="Lora"/>
+                <a:cs typeface="Lora"/>
+                <a:sym typeface="Lora"/>
+              </a:rPr>
+              <a:t>5</a:t>
+            </a:r>
+          </a:p>
+        </p:txBody>
+      </p:sp>
+    </p:spTree>
+    <p:extLst>
+      <p:ext uri="{BB962C8B-B14F-4D97-AF65-F5344CB8AC3E}">
+        <p14:creationId xmlns:p14="http://schemas.microsoft.com/office/powerpoint/2010/main" val="2734559940"/>
       </p:ext>
     </p:extLst>
   </p:cSld>
@@ -38183,1536 +37306,6 @@
           <a:p>
             <a:r>
               <a:rPr lang="de-DE" dirty="0"/>
-              <a:t>Erfahrungen</a:t>
-            </a:r>
-            <a:br>
-              <a:rPr lang="de-DE" dirty="0"/>
-            </a:br>
-            <a:r>
-              <a:rPr lang="de-DE" dirty="0"/>
-              <a:t>Das „</a:t>
-            </a:r>
-            <a:r>
-              <a:rPr lang="de-DE" dirty="0" err="1"/>
-              <a:t>Gui</a:t>
-            </a:r>
-            <a:r>
-              <a:rPr lang="de-DE" dirty="0"/>
-              <a:t>“-Modul</a:t>
-            </a:r>
-          </a:p>
-        </p:txBody>
-      </p:sp>
-      <p:sp>
-        <p:nvSpPr>
-          <p:cNvPr id="3" name="Textplatzhalter 2"/>
-          <p:cNvSpPr>
-            <a:spLocks noGrp="1"/>
-          </p:cNvSpPr>
-          <p:nvPr>
-            <p:ph type="body" idx="1"/>
-          </p:nvPr>
-        </p:nvSpPr>
-        <p:spPr/>
-        <p:txBody>
-          <a:bodyPr/>
-          <a:lstStyle/>
-          <a:p>
-            <a:r>
-              <a:rPr lang="de-DE" dirty="0"/>
-              <a:t>Implementierung anfangs mit kleineren Schwierigkeiten</a:t>
-            </a:r>
-          </a:p>
-          <a:p>
-            <a:pPr marL="342900" indent="-342900">
-              <a:buFont typeface="Wingdings" panose="05000000000000000000" pitchFamily="2" charset="2"/>
-              <a:buChar char="Ø"/>
-            </a:pPr>
-            <a:r>
-              <a:rPr lang="de-DE" dirty="0"/>
-              <a:t>Kleinere Anpassung im Nachhinein am Game Modul zur Fragenverwaltung</a:t>
-            </a:r>
-          </a:p>
-          <a:p>
-            <a:pPr marL="342900" indent="-342900">
-              <a:buFont typeface="Wingdings" panose="05000000000000000000" pitchFamily="2" charset="2"/>
-              <a:buChar char="Ø"/>
-            </a:pPr>
-            <a:r>
-              <a:rPr lang="de-DE" dirty="0"/>
-              <a:t>…Jedoch insgesamt alles nach plan verlaufen</a:t>
-            </a:r>
-          </a:p>
-          <a:p>
-            <a:pPr marL="342900" indent="-342900"/>
-            <a:r>
-              <a:rPr lang="de-DE" dirty="0"/>
-              <a:t>Übergang zwischen den Views – Problemlos</a:t>
-            </a:r>
-          </a:p>
-        </p:txBody>
-      </p:sp>
-      <p:grpSp>
-        <p:nvGrpSpPr>
-          <p:cNvPr id="5" name="Shape 113"/>
-          <p:cNvGrpSpPr/>
-          <p:nvPr/>
-        </p:nvGrpSpPr>
-        <p:grpSpPr>
-          <a:xfrm>
-            <a:off x="916458" y="1019750"/>
-            <a:ext cx="214624" cy="214624"/>
-            <a:chOff x="2594050" y="1631825"/>
-            <a:chExt cx="439625" cy="439625"/>
-          </a:xfrm>
-        </p:grpSpPr>
-        <p:sp>
-          <p:nvSpPr>
-            <p:cNvPr id="6" name="Shape 114"/>
-            <p:cNvSpPr/>
-            <p:nvPr/>
-          </p:nvSpPr>
-          <p:spPr>
-            <a:xfrm>
-              <a:off x="2594050" y="1883300"/>
-              <a:ext cx="188175" cy="188150"/>
-            </a:xfrm>
-            <a:custGeom>
-              <a:avLst/>
-              <a:gdLst/>
-              <a:ahLst/>
-              <a:cxnLst/>
-              <a:rect l="0" t="0" r="0" b="0"/>
-              <a:pathLst>
-                <a:path w="7527" h="7526" fill="none" extrusionOk="0">
-                  <a:moveTo>
-                    <a:pt x="5992" y="0"/>
-                  </a:moveTo>
-                  <a:lnTo>
-                    <a:pt x="537" y="6430"/>
-                  </a:lnTo>
-                  <a:lnTo>
-                    <a:pt x="1" y="7526"/>
-                  </a:lnTo>
-                  <a:lnTo>
-                    <a:pt x="1097" y="6990"/>
-                  </a:lnTo>
-                  <a:lnTo>
-                    <a:pt x="7526" y="1534"/>
-                  </a:lnTo>
-                  <a:lnTo>
-                    <a:pt x="5992" y="0"/>
-                  </a:lnTo>
-                  <a:close/>
-                </a:path>
-              </a:pathLst>
-            </a:custGeom>
-            <a:noFill/>
-            <a:ln w="9525" cap="rnd" cmpd="sng">
-              <a:solidFill>
-                <a:srgbClr val="000000"/>
-              </a:solidFill>
-              <a:prstDash val="solid"/>
-              <a:round/>
-              <a:headEnd type="none" w="med" len="med"/>
-              <a:tailEnd type="none" w="med" len="med"/>
-            </a:ln>
-          </p:spPr>
-          <p:txBody>
-            <a:bodyPr lIns="91425" tIns="91425" rIns="91425" bIns="91425" anchor="ctr" anchorCtr="0">
-              <a:noAutofit/>
-            </a:bodyPr>
-            <a:lstStyle/>
-            <a:p>
-              <a:pPr lvl="0">
-                <a:spcBef>
-                  <a:spcPts val="0"/>
-                </a:spcBef>
-                <a:buNone/>
-              </a:pPr>
-              <a:endParaRPr/>
-            </a:p>
-          </p:txBody>
-        </p:sp>
-        <p:sp>
-          <p:nvSpPr>
-            <p:cNvPr id="7" name="Shape 115"/>
-            <p:cNvSpPr/>
-            <p:nvPr/>
-          </p:nvSpPr>
-          <p:spPr>
-            <a:xfrm>
-              <a:off x="2857700" y="1631825"/>
-              <a:ext cx="175975" cy="176000"/>
-            </a:xfrm>
-            <a:custGeom>
-              <a:avLst/>
-              <a:gdLst/>
-              <a:ahLst/>
-              <a:cxnLst/>
-              <a:rect l="0" t="0" r="0" b="0"/>
-              <a:pathLst>
-                <a:path w="7039" h="7040" fill="none" extrusionOk="0">
-                  <a:moveTo>
-                    <a:pt x="268" y="2704"/>
-                  </a:moveTo>
-                  <a:lnTo>
-                    <a:pt x="4336" y="6771"/>
-                  </a:lnTo>
-                  <a:lnTo>
-                    <a:pt x="4336" y="6771"/>
-                  </a:lnTo>
-                  <a:lnTo>
-                    <a:pt x="4336" y="6771"/>
-                  </a:lnTo>
-                  <a:lnTo>
-                    <a:pt x="4652" y="6917"/>
-                  </a:lnTo>
-                  <a:lnTo>
-                    <a:pt x="4993" y="7015"/>
-                  </a:lnTo>
-                  <a:lnTo>
-                    <a:pt x="5310" y="7039"/>
-                  </a:lnTo>
-                  <a:lnTo>
-                    <a:pt x="5651" y="7039"/>
-                  </a:lnTo>
-                  <a:lnTo>
-                    <a:pt x="5992" y="6966"/>
-                  </a:lnTo>
-                  <a:lnTo>
-                    <a:pt x="6308" y="6844"/>
-                  </a:lnTo>
-                  <a:lnTo>
-                    <a:pt x="6454" y="6747"/>
-                  </a:lnTo>
-                  <a:lnTo>
-                    <a:pt x="6601" y="6674"/>
-                  </a:lnTo>
-                  <a:lnTo>
-                    <a:pt x="6747" y="6552"/>
-                  </a:lnTo>
-                  <a:lnTo>
-                    <a:pt x="6893" y="6430"/>
-                  </a:lnTo>
-                  <a:lnTo>
-                    <a:pt x="6893" y="6430"/>
-                  </a:lnTo>
-                  <a:lnTo>
-                    <a:pt x="6942" y="6357"/>
-                  </a:lnTo>
-                  <a:lnTo>
-                    <a:pt x="7015" y="6260"/>
-                  </a:lnTo>
-                  <a:lnTo>
-                    <a:pt x="7039" y="6138"/>
-                  </a:lnTo>
-                  <a:lnTo>
-                    <a:pt x="7039" y="6041"/>
-                  </a:lnTo>
-                  <a:lnTo>
-                    <a:pt x="7039" y="6041"/>
-                  </a:lnTo>
-                  <a:lnTo>
-                    <a:pt x="7039" y="5943"/>
-                  </a:lnTo>
-                  <a:lnTo>
-                    <a:pt x="7015" y="5846"/>
-                  </a:lnTo>
-                  <a:lnTo>
-                    <a:pt x="6942" y="5748"/>
-                  </a:lnTo>
-                  <a:lnTo>
-                    <a:pt x="6893" y="5651"/>
-                  </a:lnTo>
-                  <a:lnTo>
-                    <a:pt x="1389" y="147"/>
-                  </a:lnTo>
-                  <a:lnTo>
-                    <a:pt x="1389" y="147"/>
-                  </a:lnTo>
-                  <a:lnTo>
-                    <a:pt x="1291" y="98"/>
-                  </a:lnTo>
-                  <a:lnTo>
-                    <a:pt x="1194" y="25"/>
-                  </a:lnTo>
-                  <a:lnTo>
-                    <a:pt x="1096" y="0"/>
-                  </a:lnTo>
-                  <a:lnTo>
-                    <a:pt x="999" y="0"/>
-                  </a:lnTo>
-                  <a:lnTo>
-                    <a:pt x="999" y="0"/>
-                  </a:lnTo>
-                  <a:lnTo>
-                    <a:pt x="902" y="0"/>
-                  </a:lnTo>
-                  <a:lnTo>
-                    <a:pt x="780" y="25"/>
-                  </a:lnTo>
-                  <a:lnTo>
-                    <a:pt x="682" y="98"/>
-                  </a:lnTo>
-                  <a:lnTo>
-                    <a:pt x="609" y="147"/>
-                  </a:lnTo>
-                  <a:lnTo>
-                    <a:pt x="609" y="147"/>
-                  </a:lnTo>
-                  <a:lnTo>
-                    <a:pt x="487" y="293"/>
-                  </a:lnTo>
-                  <a:lnTo>
-                    <a:pt x="366" y="439"/>
-                  </a:lnTo>
-                  <a:lnTo>
-                    <a:pt x="293" y="585"/>
-                  </a:lnTo>
-                  <a:lnTo>
-                    <a:pt x="195" y="731"/>
-                  </a:lnTo>
-                  <a:lnTo>
-                    <a:pt x="73" y="1048"/>
-                  </a:lnTo>
-                  <a:lnTo>
-                    <a:pt x="0" y="1389"/>
-                  </a:lnTo>
-                  <a:lnTo>
-                    <a:pt x="0" y="1730"/>
-                  </a:lnTo>
-                  <a:lnTo>
-                    <a:pt x="25" y="2046"/>
-                  </a:lnTo>
-                  <a:lnTo>
-                    <a:pt x="122" y="2387"/>
-                  </a:lnTo>
-                  <a:lnTo>
-                    <a:pt x="268" y="2704"/>
-                  </a:lnTo>
-                  <a:lnTo>
-                    <a:pt x="268" y="2704"/>
-                  </a:lnTo>
-                  <a:close/>
-                </a:path>
-              </a:pathLst>
-            </a:custGeom>
-            <a:noFill/>
-            <a:ln w="9525" cap="rnd" cmpd="sng">
-              <a:solidFill>
-                <a:srgbClr val="000000"/>
-              </a:solidFill>
-              <a:prstDash val="solid"/>
-              <a:round/>
-              <a:headEnd type="none" w="med" len="med"/>
-              <a:tailEnd type="none" w="med" len="med"/>
-            </a:ln>
-          </p:spPr>
-          <p:txBody>
-            <a:bodyPr lIns="91425" tIns="91425" rIns="91425" bIns="91425" anchor="ctr" anchorCtr="0">
-              <a:noAutofit/>
-            </a:bodyPr>
-            <a:lstStyle/>
-            <a:p>
-              <a:pPr lvl="0">
-                <a:spcBef>
-                  <a:spcPts val="0"/>
-                </a:spcBef>
-                <a:buNone/>
-              </a:pPr>
-              <a:endParaRPr/>
-            </a:p>
-          </p:txBody>
-        </p:sp>
-        <p:sp>
-          <p:nvSpPr>
-            <p:cNvPr id="8" name="Shape 116"/>
-            <p:cNvSpPr/>
-            <p:nvPr/>
-          </p:nvSpPr>
-          <p:spPr>
-            <a:xfrm>
-              <a:off x="2662850" y="1699400"/>
-              <a:ext cx="303250" cy="303250"/>
-            </a:xfrm>
-            <a:custGeom>
-              <a:avLst/>
-              <a:gdLst/>
-              <a:ahLst/>
-              <a:cxnLst/>
-              <a:rect l="0" t="0" r="0" b="0"/>
-              <a:pathLst>
-                <a:path w="12130" h="12130" fill="none" extrusionOk="0">
-                  <a:moveTo>
-                    <a:pt x="8038" y="1"/>
-                  </a:moveTo>
-                  <a:lnTo>
-                    <a:pt x="4872" y="3191"/>
-                  </a:lnTo>
-                  <a:lnTo>
-                    <a:pt x="4872" y="3191"/>
-                  </a:lnTo>
-                  <a:lnTo>
-                    <a:pt x="4628" y="3094"/>
-                  </a:lnTo>
-                  <a:lnTo>
-                    <a:pt x="4385" y="2997"/>
-                  </a:lnTo>
-                  <a:lnTo>
-                    <a:pt x="4092" y="2899"/>
-                  </a:lnTo>
-                  <a:lnTo>
-                    <a:pt x="3800" y="2850"/>
-                  </a:lnTo>
-                  <a:lnTo>
-                    <a:pt x="3484" y="2777"/>
-                  </a:lnTo>
-                  <a:lnTo>
-                    <a:pt x="3167" y="2729"/>
-                  </a:lnTo>
-                  <a:lnTo>
-                    <a:pt x="2850" y="2704"/>
-                  </a:lnTo>
-                  <a:lnTo>
-                    <a:pt x="2534" y="2704"/>
-                  </a:lnTo>
-                  <a:lnTo>
-                    <a:pt x="2534" y="2704"/>
-                  </a:lnTo>
-                  <a:lnTo>
-                    <a:pt x="2241" y="2704"/>
-                  </a:lnTo>
-                  <a:lnTo>
-                    <a:pt x="1949" y="2729"/>
-                  </a:lnTo>
-                  <a:lnTo>
-                    <a:pt x="1633" y="2777"/>
-                  </a:lnTo>
-                  <a:lnTo>
-                    <a:pt x="1316" y="2850"/>
-                  </a:lnTo>
-                  <a:lnTo>
-                    <a:pt x="999" y="2972"/>
-                  </a:lnTo>
-                  <a:lnTo>
-                    <a:pt x="707" y="3094"/>
-                  </a:lnTo>
-                  <a:lnTo>
-                    <a:pt x="415" y="3289"/>
-                  </a:lnTo>
-                  <a:lnTo>
-                    <a:pt x="147" y="3508"/>
-                  </a:lnTo>
-                  <a:lnTo>
-                    <a:pt x="147" y="3508"/>
-                  </a:lnTo>
-                  <a:lnTo>
-                    <a:pt x="74" y="3581"/>
-                  </a:lnTo>
-                  <a:lnTo>
-                    <a:pt x="25" y="3678"/>
-                  </a:lnTo>
-                  <a:lnTo>
-                    <a:pt x="1" y="3776"/>
-                  </a:lnTo>
-                  <a:lnTo>
-                    <a:pt x="1" y="3898"/>
-                  </a:lnTo>
-                  <a:lnTo>
-                    <a:pt x="1" y="3898"/>
-                  </a:lnTo>
-                  <a:lnTo>
-                    <a:pt x="1" y="3995"/>
-                  </a:lnTo>
-                  <a:lnTo>
-                    <a:pt x="25" y="4093"/>
-                  </a:lnTo>
-                  <a:lnTo>
-                    <a:pt x="74" y="4190"/>
-                  </a:lnTo>
-                  <a:lnTo>
-                    <a:pt x="147" y="4287"/>
-                  </a:lnTo>
-                  <a:lnTo>
-                    <a:pt x="7843" y="11984"/>
-                  </a:lnTo>
-                  <a:lnTo>
-                    <a:pt x="7843" y="11984"/>
-                  </a:lnTo>
-                  <a:lnTo>
-                    <a:pt x="7941" y="12057"/>
-                  </a:lnTo>
-                  <a:lnTo>
-                    <a:pt x="8038" y="12105"/>
-                  </a:lnTo>
-                  <a:lnTo>
-                    <a:pt x="8135" y="12130"/>
-                  </a:lnTo>
-                  <a:lnTo>
-                    <a:pt x="8233" y="12130"/>
-                  </a:lnTo>
-                  <a:lnTo>
-                    <a:pt x="8233" y="12130"/>
-                  </a:lnTo>
-                  <a:lnTo>
-                    <a:pt x="8355" y="12130"/>
-                  </a:lnTo>
-                  <a:lnTo>
-                    <a:pt x="8452" y="12105"/>
-                  </a:lnTo>
-                  <a:lnTo>
-                    <a:pt x="8549" y="12057"/>
-                  </a:lnTo>
-                  <a:lnTo>
-                    <a:pt x="8622" y="11984"/>
-                  </a:lnTo>
-                  <a:lnTo>
-                    <a:pt x="8622" y="11984"/>
-                  </a:lnTo>
-                  <a:lnTo>
-                    <a:pt x="8842" y="11716"/>
-                  </a:lnTo>
-                  <a:lnTo>
-                    <a:pt x="9036" y="11423"/>
-                  </a:lnTo>
-                  <a:lnTo>
-                    <a:pt x="9158" y="11131"/>
-                  </a:lnTo>
-                  <a:lnTo>
-                    <a:pt x="9280" y="10814"/>
-                  </a:lnTo>
-                  <a:lnTo>
-                    <a:pt x="9353" y="10498"/>
-                  </a:lnTo>
-                  <a:lnTo>
-                    <a:pt x="9402" y="10181"/>
-                  </a:lnTo>
-                  <a:lnTo>
-                    <a:pt x="9426" y="9889"/>
-                  </a:lnTo>
-                  <a:lnTo>
-                    <a:pt x="9426" y="9597"/>
-                  </a:lnTo>
-                  <a:lnTo>
-                    <a:pt x="9426" y="9597"/>
-                  </a:lnTo>
-                  <a:lnTo>
-                    <a:pt x="9426" y="9280"/>
-                  </a:lnTo>
-                  <a:lnTo>
-                    <a:pt x="9402" y="8964"/>
-                  </a:lnTo>
-                  <a:lnTo>
-                    <a:pt x="9353" y="8647"/>
-                  </a:lnTo>
-                  <a:lnTo>
-                    <a:pt x="9280" y="8330"/>
-                  </a:lnTo>
-                  <a:lnTo>
-                    <a:pt x="9231" y="8038"/>
-                  </a:lnTo>
-                  <a:lnTo>
-                    <a:pt x="9134" y="7746"/>
-                  </a:lnTo>
-                  <a:lnTo>
-                    <a:pt x="9036" y="7502"/>
-                  </a:lnTo>
-                  <a:lnTo>
-                    <a:pt x="8939" y="7259"/>
-                  </a:lnTo>
-                  <a:lnTo>
-                    <a:pt x="12130" y="4093"/>
-                  </a:lnTo>
-                </a:path>
-              </a:pathLst>
-            </a:custGeom>
-            <a:noFill/>
-            <a:ln w="9525" cap="rnd" cmpd="sng">
-              <a:solidFill>
-                <a:srgbClr val="000000"/>
-              </a:solidFill>
-              <a:prstDash val="solid"/>
-              <a:round/>
-              <a:headEnd type="none" w="med" len="med"/>
-              <a:tailEnd type="none" w="med" len="med"/>
-            </a:ln>
-          </p:spPr>
-          <p:txBody>
-            <a:bodyPr lIns="91425" tIns="91425" rIns="91425" bIns="91425" anchor="ctr" anchorCtr="0">
-              <a:noAutofit/>
-            </a:bodyPr>
-            <a:lstStyle/>
-            <a:p>
-              <a:pPr lvl="0">
-                <a:spcBef>
-                  <a:spcPts val="0"/>
-                </a:spcBef>
-                <a:buNone/>
-              </a:pPr>
-              <a:endParaRPr/>
-            </a:p>
-          </p:txBody>
-        </p:sp>
-        <p:sp>
-          <p:nvSpPr>
-            <p:cNvPr id="9" name="Shape 117"/>
-            <p:cNvSpPr/>
-            <p:nvPr/>
-          </p:nvSpPr>
-          <p:spPr>
-            <a:xfrm>
-              <a:off x="2814911" y="1754061"/>
-              <a:ext cx="49950" cy="49950"/>
-            </a:xfrm>
-            <a:custGeom>
-              <a:avLst/>
-              <a:gdLst/>
-              <a:ahLst/>
-              <a:cxnLst/>
-              <a:rect l="0" t="0" r="0" b="0"/>
-              <a:pathLst>
-                <a:path w="1998" h="1998" fill="none" extrusionOk="0">
-                  <a:moveTo>
-                    <a:pt x="1" y="1997"/>
-                  </a:moveTo>
-                  <a:lnTo>
-                    <a:pt x="1998" y="0"/>
-                  </a:lnTo>
-                </a:path>
-              </a:pathLst>
-            </a:custGeom>
-            <a:noFill/>
-            <a:ln w="9525" cap="rnd" cmpd="sng">
-              <a:solidFill>
-                <a:srgbClr val="000000"/>
-              </a:solidFill>
-              <a:prstDash val="solid"/>
-              <a:round/>
-              <a:headEnd type="none" w="med" len="med"/>
-              <a:tailEnd type="none" w="med" len="med"/>
-            </a:ln>
-          </p:spPr>
-          <p:txBody>
-            <a:bodyPr lIns="91425" tIns="91425" rIns="91425" bIns="91425" anchor="ctr" anchorCtr="0">
-              <a:noAutofit/>
-            </a:bodyPr>
-            <a:lstStyle/>
-            <a:p>
-              <a:pPr lvl="0">
-                <a:spcBef>
-                  <a:spcPts val="0"/>
-                </a:spcBef>
-                <a:buNone/>
-              </a:pPr>
-              <a:endParaRPr/>
-            </a:p>
-          </p:txBody>
-        </p:sp>
-      </p:grpSp>
-    </p:spTree>
-    <p:extLst>
-      <p:ext uri="{BB962C8B-B14F-4D97-AF65-F5344CB8AC3E}">
-        <p14:creationId xmlns:p14="http://schemas.microsoft.com/office/powerpoint/2010/main" val="3220765122"/>
-      </p:ext>
-    </p:extLst>
-  </p:cSld>
-  <p:clrMapOvr>
-    <a:masterClrMapping/>
-  </p:clrMapOvr>
-</p:sld>
-</file>
-
-<file path=ppt/slides/slide51.xml><?xml version="1.0" encoding="utf-8"?>
-<p:sld xmlns:a="http://schemas.openxmlformats.org/drawingml/2006/main" xmlns:r="http://schemas.openxmlformats.org/officeDocument/2006/relationships" xmlns:p="http://schemas.openxmlformats.org/presentationml/2006/main">
-  <p:cSld>
-    <p:spTree>
-      <p:nvGrpSpPr>
-        <p:cNvPr id="1" name="Shape 98"/>
-        <p:cNvGrpSpPr/>
-        <p:nvPr/>
-      </p:nvGrpSpPr>
-      <p:grpSpPr>
-        <a:xfrm>
-          <a:off x="0" y="0"/>
-          <a:ext cx="0" cy="0"/>
-          <a:chOff x="0" y="0"/>
-          <a:chExt cx="0" cy="0"/>
-        </a:xfrm>
-      </p:grpSpPr>
-      <p:sp>
-        <p:nvSpPr>
-          <p:cNvPr id="99" name="Shape 99"/>
-          <p:cNvSpPr txBox="1">
-            <a:spLocks noGrp="1"/>
-          </p:cNvSpPr>
-          <p:nvPr>
-            <p:ph type="ctrTitle"/>
-          </p:nvPr>
-        </p:nvSpPr>
-        <p:spPr>
-          <a:xfrm>
-            <a:off x="2022225" y="1693523"/>
-            <a:ext cx="3787799" cy="1159799"/>
-          </a:xfrm>
-          <a:prstGeom prst="rect">
-            <a:avLst/>
-          </a:prstGeom>
-        </p:spPr>
-        <p:txBody>
-          <a:bodyPr lIns="91425" tIns="91425" rIns="91425" bIns="91425" anchor="b" anchorCtr="0">
-            <a:noAutofit/>
-          </a:bodyPr>
-          <a:lstStyle/>
-          <a:p>
-            <a:pPr lvl="0" rtl="0">
-              <a:spcBef>
-                <a:spcPts val="0"/>
-              </a:spcBef>
-              <a:buNone/>
-            </a:pPr>
-            <a:r>
-              <a:rPr lang="en" dirty="0"/>
-              <a:t>Tester</a:t>
-            </a:r>
-          </a:p>
-        </p:txBody>
-      </p:sp>
-      <p:sp>
-        <p:nvSpPr>
-          <p:cNvPr id="100" name="Shape 100"/>
-          <p:cNvSpPr txBox="1">
-            <a:spLocks noGrp="1"/>
-          </p:cNvSpPr>
-          <p:nvPr>
-            <p:ph type="subTitle" idx="1"/>
-          </p:nvPr>
-        </p:nvSpPr>
-        <p:spPr>
-          <a:xfrm>
-            <a:off x="2022300" y="2815923"/>
-            <a:ext cx="5591400" cy="784799"/>
-          </a:xfrm>
-          <a:prstGeom prst="rect">
-            <a:avLst/>
-          </a:prstGeom>
-        </p:spPr>
-        <p:txBody>
-          <a:bodyPr lIns="91425" tIns="91425" rIns="91425" bIns="91425" anchor="t" anchorCtr="0">
-            <a:noAutofit/>
-          </a:bodyPr>
-          <a:lstStyle/>
-          <a:p>
-            <a:pPr lvl="0"/>
-            <a:r>
-              <a:rPr lang="de-DE" dirty="0"/>
-              <a:t>Manuel Schwalm</a:t>
-            </a:r>
-            <a:endParaRPr lang="en" dirty="0"/>
-          </a:p>
-        </p:txBody>
-      </p:sp>
-      <p:sp>
-        <p:nvSpPr>
-          <p:cNvPr id="101" name="Shape 101"/>
-          <p:cNvSpPr txBox="1"/>
-          <p:nvPr/>
-        </p:nvSpPr>
-        <p:spPr>
-          <a:xfrm>
-            <a:off x="1133975" y="2291150"/>
-            <a:ext cx="543899" cy="562199"/>
-          </a:xfrm>
-          <a:prstGeom prst="rect">
-            <a:avLst/>
-          </a:prstGeom>
-          <a:noFill/>
-          <a:ln>
-            <a:noFill/>
-          </a:ln>
-        </p:spPr>
-        <p:txBody>
-          <a:bodyPr lIns="91425" tIns="91425" rIns="91425" bIns="91425" anchor="ctr" anchorCtr="0">
-            <a:noAutofit/>
-          </a:bodyPr>
-          <a:lstStyle/>
-          <a:p>
-            <a:pPr lvl="0" algn="ctr">
-              <a:spcBef>
-                <a:spcPts val="0"/>
-              </a:spcBef>
-              <a:buNone/>
-            </a:pPr>
-            <a:r>
-              <a:rPr lang="en" sz="2400" dirty="0">
-                <a:solidFill>
-                  <a:schemeClr val="dk1"/>
-                </a:solidFill>
-                <a:latin typeface="Lora"/>
-                <a:ea typeface="Lora"/>
-                <a:cs typeface="Lora"/>
-                <a:sym typeface="Lora"/>
-              </a:rPr>
-              <a:t>5</a:t>
-            </a:r>
-          </a:p>
-        </p:txBody>
-      </p:sp>
-    </p:spTree>
-    <p:extLst>
-      <p:ext uri="{BB962C8B-B14F-4D97-AF65-F5344CB8AC3E}">
-        <p14:creationId xmlns:p14="http://schemas.microsoft.com/office/powerpoint/2010/main" val="2734559940"/>
-      </p:ext>
-    </p:extLst>
-  </p:cSld>
-  <p:clrMapOvr>
-    <a:masterClrMapping/>
-  </p:clrMapOvr>
-</p:sld>
-</file>
-
-<file path=ppt/slides/slide52.xml><?xml version="1.0" encoding="utf-8"?>
-<p:sld xmlns:a="http://schemas.openxmlformats.org/drawingml/2006/main" xmlns:r="http://schemas.openxmlformats.org/officeDocument/2006/relationships" xmlns:p="http://schemas.openxmlformats.org/presentationml/2006/main">
-  <p:cSld>
-    <p:spTree>
-      <p:nvGrpSpPr>
-        <p:cNvPr id="1" name="Shape 110"/>
-        <p:cNvGrpSpPr/>
-        <p:nvPr/>
-      </p:nvGrpSpPr>
-      <p:grpSpPr>
-        <a:xfrm>
-          <a:off x="0" y="0"/>
-          <a:ext cx="0" cy="0"/>
-          <a:chOff x="0" y="0"/>
-          <a:chExt cx="0" cy="0"/>
-        </a:xfrm>
-      </p:grpSpPr>
-      <p:sp>
-        <p:nvSpPr>
-          <p:cNvPr id="111" name="Shape 111"/>
-          <p:cNvSpPr txBox="1">
-            <a:spLocks noGrp="1"/>
-          </p:cNvSpPr>
-          <p:nvPr>
-            <p:ph type="title"/>
-          </p:nvPr>
-        </p:nvSpPr>
-        <p:spPr>
-          <a:xfrm>
-            <a:off x="1381250" y="922668"/>
-            <a:ext cx="3878399" cy="435599"/>
-          </a:xfrm>
-          <a:prstGeom prst="rect">
-            <a:avLst/>
-          </a:prstGeom>
-        </p:spPr>
-        <p:txBody>
-          <a:bodyPr lIns="91425" tIns="91425" rIns="91425" bIns="91425" anchor="ctr" anchorCtr="0">
-            <a:noAutofit/>
-          </a:bodyPr>
-          <a:lstStyle/>
-          <a:p>
-            <a:pPr lvl="0">
-              <a:spcBef>
-                <a:spcPts val="0"/>
-              </a:spcBef>
-              <a:buNone/>
-            </a:pPr>
-            <a:r>
-              <a:rPr lang="en" dirty="0">
-                <a:highlight>
-                  <a:srgbClr val="FFCD00"/>
-                </a:highlight>
-              </a:rPr>
-              <a:t>Topic</a:t>
-            </a:r>
-          </a:p>
-        </p:txBody>
-      </p:sp>
-      <p:sp>
-        <p:nvSpPr>
-          <p:cNvPr id="112" name="Shape 112"/>
-          <p:cNvSpPr txBox="1">
-            <a:spLocks noGrp="1"/>
-          </p:cNvSpPr>
-          <p:nvPr>
-            <p:ph type="body" idx="1"/>
-          </p:nvPr>
-        </p:nvSpPr>
-        <p:spPr>
-          <a:xfrm>
-            <a:off x="1381250" y="1616470"/>
-            <a:ext cx="6809700" cy="3112200"/>
-          </a:xfrm>
-          <a:prstGeom prst="rect">
-            <a:avLst/>
-          </a:prstGeom>
-        </p:spPr>
-        <p:txBody>
-          <a:bodyPr lIns="91425" tIns="91425" rIns="91425" bIns="91425" anchor="t" anchorCtr="0">
-            <a:noAutofit/>
-          </a:bodyPr>
-          <a:lstStyle/>
-          <a:p>
-            <a:pPr marL="457200" lvl="0" indent="-228600" rtl="0">
-              <a:spcBef>
-                <a:spcPts val="0"/>
-              </a:spcBef>
-            </a:pPr>
-            <a:r>
-              <a:rPr lang="en" dirty="0"/>
-              <a:t>Kommentare zum Analyse-/Designergebnis</a:t>
-            </a:r>
-          </a:p>
-          <a:p>
-            <a:pPr marL="457200" lvl="0" indent="-228600" rtl="0">
-              <a:spcBef>
-                <a:spcPts val="0"/>
-              </a:spcBef>
-            </a:pPr>
-            <a:r>
-              <a:rPr lang="en" dirty="0"/>
-              <a:t>Demo anhand der Testprozeduren</a:t>
-            </a:r>
-          </a:p>
-          <a:p>
-            <a:pPr marL="457200" lvl="0" indent="-228600" rtl="0">
-              <a:spcBef>
-                <a:spcPts val="0"/>
-              </a:spcBef>
-            </a:pPr>
-            <a:r>
-              <a:rPr lang="en" dirty="0"/>
-              <a:t>Qualität der Implementierungen</a:t>
-            </a:r>
-          </a:p>
-          <a:p>
-            <a:pPr marL="457200" lvl="0" indent="-228600" rtl="0">
-              <a:spcBef>
-                <a:spcPts val="0"/>
-              </a:spcBef>
-            </a:pPr>
-            <a:r>
-              <a:rPr lang="en" dirty="0"/>
-              <a:t>Erfahrungen</a:t>
-            </a:r>
-          </a:p>
-          <a:p>
-            <a:pPr marL="457200" lvl="0" indent="-228600" rtl="0">
-              <a:spcBef>
-                <a:spcPts val="0"/>
-              </a:spcBef>
-            </a:pPr>
-            <a:endParaRPr lang="en" dirty="0"/>
-          </a:p>
-        </p:txBody>
-      </p:sp>
-      <p:grpSp>
-        <p:nvGrpSpPr>
-          <p:cNvPr id="113" name="Shape 113"/>
-          <p:cNvGrpSpPr/>
-          <p:nvPr/>
-        </p:nvGrpSpPr>
-        <p:grpSpPr>
-          <a:xfrm>
-            <a:off x="916458" y="1019750"/>
-            <a:ext cx="214624" cy="214624"/>
-            <a:chOff x="2594050" y="1631825"/>
-            <a:chExt cx="439625" cy="439625"/>
-          </a:xfrm>
-        </p:grpSpPr>
-        <p:sp>
-          <p:nvSpPr>
-            <p:cNvPr id="114" name="Shape 114"/>
-            <p:cNvSpPr/>
-            <p:nvPr/>
-          </p:nvSpPr>
-          <p:spPr>
-            <a:xfrm>
-              <a:off x="2594050" y="1883300"/>
-              <a:ext cx="188175" cy="188150"/>
-            </a:xfrm>
-            <a:custGeom>
-              <a:avLst/>
-              <a:gdLst/>
-              <a:ahLst/>
-              <a:cxnLst/>
-              <a:rect l="0" t="0" r="0" b="0"/>
-              <a:pathLst>
-                <a:path w="7527" h="7526" fill="none" extrusionOk="0">
-                  <a:moveTo>
-                    <a:pt x="5992" y="0"/>
-                  </a:moveTo>
-                  <a:lnTo>
-                    <a:pt x="537" y="6430"/>
-                  </a:lnTo>
-                  <a:lnTo>
-                    <a:pt x="1" y="7526"/>
-                  </a:lnTo>
-                  <a:lnTo>
-                    <a:pt x="1097" y="6990"/>
-                  </a:lnTo>
-                  <a:lnTo>
-                    <a:pt x="7526" y="1534"/>
-                  </a:lnTo>
-                  <a:lnTo>
-                    <a:pt x="5992" y="0"/>
-                  </a:lnTo>
-                  <a:close/>
-                </a:path>
-              </a:pathLst>
-            </a:custGeom>
-            <a:noFill/>
-            <a:ln w="9525" cap="rnd" cmpd="sng">
-              <a:solidFill>
-                <a:srgbClr val="000000"/>
-              </a:solidFill>
-              <a:prstDash val="solid"/>
-              <a:round/>
-              <a:headEnd type="none" w="med" len="med"/>
-              <a:tailEnd type="none" w="med" len="med"/>
-            </a:ln>
-          </p:spPr>
-          <p:txBody>
-            <a:bodyPr lIns="91425" tIns="91425" rIns="91425" bIns="91425" anchor="ctr" anchorCtr="0">
-              <a:noAutofit/>
-            </a:bodyPr>
-            <a:lstStyle/>
-            <a:p>
-              <a:pPr lvl="0">
-                <a:spcBef>
-                  <a:spcPts val="0"/>
-                </a:spcBef>
-                <a:buNone/>
-              </a:pPr>
-              <a:endParaRPr/>
-            </a:p>
-          </p:txBody>
-        </p:sp>
-        <p:sp>
-          <p:nvSpPr>
-            <p:cNvPr id="115" name="Shape 115"/>
-            <p:cNvSpPr/>
-            <p:nvPr/>
-          </p:nvSpPr>
-          <p:spPr>
-            <a:xfrm>
-              <a:off x="2857700" y="1631825"/>
-              <a:ext cx="175975" cy="176000"/>
-            </a:xfrm>
-            <a:custGeom>
-              <a:avLst/>
-              <a:gdLst/>
-              <a:ahLst/>
-              <a:cxnLst/>
-              <a:rect l="0" t="0" r="0" b="0"/>
-              <a:pathLst>
-                <a:path w="7039" h="7040" fill="none" extrusionOk="0">
-                  <a:moveTo>
-                    <a:pt x="268" y="2704"/>
-                  </a:moveTo>
-                  <a:lnTo>
-                    <a:pt x="4336" y="6771"/>
-                  </a:lnTo>
-                  <a:lnTo>
-                    <a:pt x="4336" y="6771"/>
-                  </a:lnTo>
-                  <a:lnTo>
-                    <a:pt x="4336" y="6771"/>
-                  </a:lnTo>
-                  <a:lnTo>
-                    <a:pt x="4652" y="6917"/>
-                  </a:lnTo>
-                  <a:lnTo>
-                    <a:pt x="4993" y="7015"/>
-                  </a:lnTo>
-                  <a:lnTo>
-                    <a:pt x="5310" y="7039"/>
-                  </a:lnTo>
-                  <a:lnTo>
-                    <a:pt x="5651" y="7039"/>
-                  </a:lnTo>
-                  <a:lnTo>
-                    <a:pt x="5992" y="6966"/>
-                  </a:lnTo>
-                  <a:lnTo>
-                    <a:pt x="6308" y="6844"/>
-                  </a:lnTo>
-                  <a:lnTo>
-                    <a:pt x="6454" y="6747"/>
-                  </a:lnTo>
-                  <a:lnTo>
-                    <a:pt x="6601" y="6674"/>
-                  </a:lnTo>
-                  <a:lnTo>
-                    <a:pt x="6747" y="6552"/>
-                  </a:lnTo>
-                  <a:lnTo>
-                    <a:pt x="6893" y="6430"/>
-                  </a:lnTo>
-                  <a:lnTo>
-                    <a:pt x="6893" y="6430"/>
-                  </a:lnTo>
-                  <a:lnTo>
-                    <a:pt x="6942" y="6357"/>
-                  </a:lnTo>
-                  <a:lnTo>
-                    <a:pt x="7015" y="6260"/>
-                  </a:lnTo>
-                  <a:lnTo>
-                    <a:pt x="7039" y="6138"/>
-                  </a:lnTo>
-                  <a:lnTo>
-                    <a:pt x="7039" y="6041"/>
-                  </a:lnTo>
-                  <a:lnTo>
-                    <a:pt x="7039" y="6041"/>
-                  </a:lnTo>
-                  <a:lnTo>
-                    <a:pt x="7039" y="5943"/>
-                  </a:lnTo>
-                  <a:lnTo>
-                    <a:pt x="7015" y="5846"/>
-                  </a:lnTo>
-                  <a:lnTo>
-                    <a:pt x="6942" y="5748"/>
-                  </a:lnTo>
-                  <a:lnTo>
-                    <a:pt x="6893" y="5651"/>
-                  </a:lnTo>
-                  <a:lnTo>
-                    <a:pt x="1389" y="147"/>
-                  </a:lnTo>
-                  <a:lnTo>
-                    <a:pt x="1389" y="147"/>
-                  </a:lnTo>
-                  <a:lnTo>
-                    <a:pt x="1291" y="98"/>
-                  </a:lnTo>
-                  <a:lnTo>
-                    <a:pt x="1194" y="25"/>
-                  </a:lnTo>
-                  <a:lnTo>
-                    <a:pt x="1096" y="0"/>
-                  </a:lnTo>
-                  <a:lnTo>
-                    <a:pt x="999" y="0"/>
-                  </a:lnTo>
-                  <a:lnTo>
-                    <a:pt x="999" y="0"/>
-                  </a:lnTo>
-                  <a:lnTo>
-                    <a:pt x="902" y="0"/>
-                  </a:lnTo>
-                  <a:lnTo>
-                    <a:pt x="780" y="25"/>
-                  </a:lnTo>
-                  <a:lnTo>
-                    <a:pt x="682" y="98"/>
-                  </a:lnTo>
-                  <a:lnTo>
-                    <a:pt x="609" y="147"/>
-                  </a:lnTo>
-                  <a:lnTo>
-                    <a:pt x="609" y="147"/>
-                  </a:lnTo>
-                  <a:lnTo>
-                    <a:pt x="487" y="293"/>
-                  </a:lnTo>
-                  <a:lnTo>
-                    <a:pt x="366" y="439"/>
-                  </a:lnTo>
-                  <a:lnTo>
-                    <a:pt x="293" y="585"/>
-                  </a:lnTo>
-                  <a:lnTo>
-                    <a:pt x="195" y="731"/>
-                  </a:lnTo>
-                  <a:lnTo>
-                    <a:pt x="73" y="1048"/>
-                  </a:lnTo>
-                  <a:lnTo>
-                    <a:pt x="0" y="1389"/>
-                  </a:lnTo>
-                  <a:lnTo>
-                    <a:pt x="0" y="1730"/>
-                  </a:lnTo>
-                  <a:lnTo>
-                    <a:pt x="25" y="2046"/>
-                  </a:lnTo>
-                  <a:lnTo>
-                    <a:pt x="122" y="2387"/>
-                  </a:lnTo>
-                  <a:lnTo>
-                    <a:pt x="268" y="2704"/>
-                  </a:lnTo>
-                  <a:lnTo>
-                    <a:pt x="268" y="2704"/>
-                  </a:lnTo>
-                  <a:close/>
-                </a:path>
-              </a:pathLst>
-            </a:custGeom>
-            <a:noFill/>
-            <a:ln w="9525" cap="rnd" cmpd="sng">
-              <a:solidFill>
-                <a:srgbClr val="000000"/>
-              </a:solidFill>
-              <a:prstDash val="solid"/>
-              <a:round/>
-              <a:headEnd type="none" w="med" len="med"/>
-              <a:tailEnd type="none" w="med" len="med"/>
-            </a:ln>
-          </p:spPr>
-          <p:txBody>
-            <a:bodyPr lIns="91425" tIns="91425" rIns="91425" bIns="91425" anchor="ctr" anchorCtr="0">
-              <a:noAutofit/>
-            </a:bodyPr>
-            <a:lstStyle/>
-            <a:p>
-              <a:pPr lvl="0">
-                <a:spcBef>
-                  <a:spcPts val="0"/>
-                </a:spcBef>
-                <a:buNone/>
-              </a:pPr>
-              <a:endParaRPr/>
-            </a:p>
-          </p:txBody>
-        </p:sp>
-        <p:sp>
-          <p:nvSpPr>
-            <p:cNvPr id="116" name="Shape 116"/>
-            <p:cNvSpPr/>
-            <p:nvPr/>
-          </p:nvSpPr>
-          <p:spPr>
-            <a:xfrm>
-              <a:off x="2662850" y="1699400"/>
-              <a:ext cx="303250" cy="303250"/>
-            </a:xfrm>
-            <a:custGeom>
-              <a:avLst/>
-              <a:gdLst/>
-              <a:ahLst/>
-              <a:cxnLst/>
-              <a:rect l="0" t="0" r="0" b="0"/>
-              <a:pathLst>
-                <a:path w="12130" h="12130" fill="none" extrusionOk="0">
-                  <a:moveTo>
-                    <a:pt x="8038" y="1"/>
-                  </a:moveTo>
-                  <a:lnTo>
-                    <a:pt x="4872" y="3191"/>
-                  </a:lnTo>
-                  <a:lnTo>
-                    <a:pt x="4872" y="3191"/>
-                  </a:lnTo>
-                  <a:lnTo>
-                    <a:pt x="4628" y="3094"/>
-                  </a:lnTo>
-                  <a:lnTo>
-                    <a:pt x="4385" y="2997"/>
-                  </a:lnTo>
-                  <a:lnTo>
-                    <a:pt x="4092" y="2899"/>
-                  </a:lnTo>
-                  <a:lnTo>
-                    <a:pt x="3800" y="2850"/>
-                  </a:lnTo>
-                  <a:lnTo>
-                    <a:pt x="3484" y="2777"/>
-                  </a:lnTo>
-                  <a:lnTo>
-                    <a:pt x="3167" y="2729"/>
-                  </a:lnTo>
-                  <a:lnTo>
-                    <a:pt x="2850" y="2704"/>
-                  </a:lnTo>
-                  <a:lnTo>
-                    <a:pt x="2534" y="2704"/>
-                  </a:lnTo>
-                  <a:lnTo>
-                    <a:pt x="2534" y="2704"/>
-                  </a:lnTo>
-                  <a:lnTo>
-                    <a:pt x="2241" y="2704"/>
-                  </a:lnTo>
-                  <a:lnTo>
-                    <a:pt x="1949" y="2729"/>
-                  </a:lnTo>
-                  <a:lnTo>
-                    <a:pt x="1633" y="2777"/>
-                  </a:lnTo>
-                  <a:lnTo>
-                    <a:pt x="1316" y="2850"/>
-                  </a:lnTo>
-                  <a:lnTo>
-                    <a:pt x="999" y="2972"/>
-                  </a:lnTo>
-                  <a:lnTo>
-                    <a:pt x="707" y="3094"/>
-                  </a:lnTo>
-                  <a:lnTo>
-                    <a:pt x="415" y="3289"/>
-                  </a:lnTo>
-                  <a:lnTo>
-                    <a:pt x="147" y="3508"/>
-                  </a:lnTo>
-                  <a:lnTo>
-                    <a:pt x="147" y="3508"/>
-                  </a:lnTo>
-                  <a:lnTo>
-                    <a:pt x="74" y="3581"/>
-                  </a:lnTo>
-                  <a:lnTo>
-                    <a:pt x="25" y="3678"/>
-                  </a:lnTo>
-                  <a:lnTo>
-                    <a:pt x="1" y="3776"/>
-                  </a:lnTo>
-                  <a:lnTo>
-                    <a:pt x="1" y="3898"/>
-                  </a:lnTo>
-                  <a:lnTo>
-                    <a:pt x="1" y="3898"/>
-                  </a:lnTo>
-                  <a:lnTo>
-                    <a:pt x="1" y="3995"/>
-                  </a:lnTo>
-                  <a:lnTo>
-                    <a:pt x="25" y="4093"/>
-                  </a:lnTo>
-                  <a:lnTo>
-                    <a:pt x="74" y="4190"/>
-                  </a:lnTo>
-                  <a:lnTo>
-                    <a:pt x="147" y="4287"/>
-                  </a:lnTo>
-                  <a:lnTo>
-                    <a:pt x="7843" y="11984"/>
-                  </a:lnTo>
-                  <a:lnTo>
-                    <a:pt x="7843" y="11984"/>
-                  </a:lnTo>
-                  <a:lnTo>
-                    <a:pt x="7941" y="12057"/>
-                  </a:lnTo>
-                  <a:lnTo>
-                    <a:pt x="8038" y="12105"/>
-                  </a:lnTo>
-                  <a:lnTo>
-                    <a:pt x="8135" y="12130"/>
-                  </a:lnTo>
-                  <a:lnTo>
-                    <a:pt x="8233" y="12130"/>
-                  </a:lnTo>
-                  <a:lnTo>
-                    <a:pt x="8233" y="12130"/>
-                  </a:lnTo>
-                  <a:lnTo>
-                    <a:pt x="8355" y="12130"/>
-                  </a:lnTo>
-                  <a:lnTo>
-                    <a:pt x="8452" y="12105"/>
-                  </a:lnTo>
-                  <a:lnTo>
-                    <a:pt x="8549" y="12057"/>
-                  </a:lnTo>
-                  <a:lnTo>
-                    <a:pt x="8622" y="11984"/>
-                  </a:lnTo>
-                  <a:lnTo>
-                    <a:pt x="8622" y="11984"/>
-                  </a:lnTo>
-                  <a:lnTo>
-                    <a:pt x="8842" y="11716"/>
-                  </a:lnTo>
-                  <a:lnTo>
-                    <a:pt x="9036" y="11423"/>
-                  </a:lnTo>
-                  <a:lnTo>
-                    <a:pt x="9158" y="11131"/>
-                  </a:lnTo>
-                  <a:lnTo>
-                    <a:pt x="9280" y="10814"/>
-                  </a:lnTo>
-                  <a:lnTo>
-                    <a:pt x="9353" y="10498"/>
-                  </a:lnTo>
-                  <a:lnTo>
-                    <a:pt x="9402" y="10181"/>
-                  </a:lnTo>
-                  <a:lnTo>
-                    <a:pt x="9426" y="9889"/>
-                  </a:lnTo>
-                  <a:lnTo>
-                    <a:pt x="9426" y="9597"/>
-                  </a:lnTo>
-                  <a:lnTo>
-                    <a:pt x="9426" y="9597"/>
-                  </a:lnTo>
-                  <a:lnTo>
-                    <a:pt x="9426" y="9280"/>
-                  </a:lnTo>
-                  <a:lnTo>
-                    <a:pt x="9402" y="8964"/>
-                  </a:lnTo>
-                  <a:lnTo>
-                    <a:pt x="9353" y="8647"/>
-                  </a:lnTo>
-                  <a:lnTo>
-                    <a:pt x="9280" y="8330"/>
-                  </a:lnTo>
-                  <a:lnTo>
-                    <a:pt x="9231" y="8038"/>
-                  </a:lnTo>
-                  <a:lnTo>
-                    <a:pt x="9134" y="7746"/>
-                  </a:lnTo>
-                  <a:lnTo>
-                    <a:pt x="9036" y="7502"/>
-                  </a:lnTo>
-                  <a:lnTo>
-                    <a:pt x="8939" y="7259"/>
-                  </a:lnTo>
-                  <a:lnTo>
-                    <a:pt x="12130" y="4093"/>
-                  </a:lnTo>
-                </a:path>
-              </a:pathLst>
-            </a:custGeom>
-            <a:noFill/>
-            <a:ln w="9525" cap="rnd" cmpd="sng">
-              <a:solidFill>
-                <a:srgbClr val="000000"/>
-              </a:solidFill>
-              <a:prstDash val="solid"/>
-              <a:round/>
-              <a:headEnd type="none" w="med" len="med"/>
-              <a:tailEnd type="none" w="med" len="med"/>
-            </a:ln>
-          </p:spPr>
-          <p:txBody>
-            <a:bodyPr lIns="91425" tIns="91425" rIns="91425" bIns="91425" anchor="ctr" anchorCtr="0">
-              <a:noAutofit/>
-            </a:bodyPr>
-            <a:lstStyle/>
-            <a:p>
-              <a:pPr lvl="0">
-                <a:spcBef>
-                  <a:spcPts val="0"/>
-                </a:spcBef>
-                <a:buNone/>
-              </a:pPr>
-              <a:endParaRPr/>
-            </a:p>
-          </p:txBody>
-        </p:sp>
-        <p:sp>
-          <p:nvSpPr>
-            <p:cNvPr id="117" name="Shape 117"/>
-            <p:cNvSpPr/>
-            <p:nvPr/>
-          </p:nvSpPr>
-          <p:spPr>
-            <a:xfrm>
-              <a:off x="2814911" y="1754061"/>
-              <a:ext cx="49950" cy="49950"/>
-            </a:xfrm>
-            <a:custGeom>
-              <a:avLst/>
-              <a:gdLst/>
-              <a:ahLst/>
-              <a:cxnLst/>
-              <a:rect l="0" t="0" r="0" b="0"/>
-              <a:pathLst>
-                <a:path w="1998" h="1998" fill="none" extrusionOk="0">
-                  <a:moveTo>
-                    <a:pt x="1" y="1997"/>
-                  </a:moveTo>
-                  <a:lnTo>
-                    <a:pt x="1998" y="0"/>
-                  </a:lnTo>
-                </a:path>
-              </a:pathLst>
-            </a:custGeom>
-            <a:noFill/>
-            <a:ln w="9525" cap="rnd" cmpd="sng">
-              <a:solidFill>
-                <a:srgbClr val="000000"/>
-              </a:solidFill>
-              <a:prstDash val="solid"/>
-              <a:round/>
-              <a:headEnd type="none" w="med" len="med"/>
-              <a:tailEnd type="none" w="med" len="med"/>
-            </a:ln>
-          </p:spPr>
-          <p:txBody>
-            <a:bodyPr lIns="91425" tIns="91425" rIns="91425" bIns="91425" anchor="ctr" anchorCtr="0">
-              <a:noAutofit/>
-            </a:bodyPr>
-            <a:lstStyle/>
-            <a:p>
-              <a:pPr lvl="0">
-                <a:spcBef>
-                  <a:spcPts val="0"/>
-                </a:spcBef>
-                <a:buNone/>
-              </a:pPr>
-              <a:endParaRPr/>
-            </a:p>
-          </p:txBody>
-        </p:sp>
-      </p:grpSp>
-    </p:spTree>
-    <p:extLst>
-      <p:ext uri="{BB962C8B-B14F-4D97-AF65-F5344CB8AC3E}">
-        <p14:creationId xmlns:p14="http://schemas.microsoft.com/office/powerpoint/2010/main" val="3706372645"/>
-      </p:ext>
-    </p:extLst>
-  </p:cSld>
-  <p:clrMapOvr>
-    <a:masterClrMapping/>
-  </p:clrMapOvr>
-</p:sld>
-</file>
-
-<file path=ppt/slides/slide53.xml><?xml version="1.0" encoding="utf-8"?>
-<p:sld xmlns:a="http://schemas.openxmlformats.org/drawingml/2006/main" xmlns:r="http://schemas.openxmlformats.org/officeDocument/2006/relationships" xmlns:p="http://schemas.openxmlformats.org/presentationml/2006/main">
-  <p:cSld>
-    <p:spTree>
-      <p:nvGrpSpPr>
-        <p:cNvPr id="1" name=""/>
-        <p:cNvGrpSpPr/>
-        <p:nvPr/>
-      </p:nvGrpSpPr>
-      <p:grpSpPr>
-        <a:xfrm>
-          <a:off x="0" y="0"/>
-          <a:ext cx="0" cy="0"/>
-          <a:chOff x="0" y="0"/>
-          <a:chExt cx="0" cy="0"/>
-        </a:xfrm>
-      </p:grpSpPr>
-      <p:sp>
-        <p:nvSpPr>
-          <p:cNvPr id="2" name="Titel 1"/>
-          <p:cNvSpPr>
-            <a:spLocks noGrp="1"/>
-          </p:cNvSpPr>
-          <p:nvPr>
-            <p:ph type="title"/>
-          </p:nvPr>
-        </p:nvSpPr>
-        <p:spPr/>
-        <p:txBody>
-          <a:bodyPr/>
-          <a:lstStyle/>
-          <a:p>
-            <a:r>
-              <a:rPr lang="de-DE" dirty="0"/>
               <a:t>Kommentare zum </a:t>
             </a:r>
             <a:r>
@@ -40334,7 +37927,7 @@
 </p:sld>
 </file>
 
-<file path=ppt/slides/slide54.xml><?xml version="1.0" encoding="utf-8"?>
+<file path=ppt/slides/slide51.xml><?xml version="1.0" encoding="utf-8"?>
 <p:sld xmlns:a="http://schemas.openxmlformats.org/drawingml/2006/main" xmlns:r="http://schemas.openxmlformats.org/officeDocument/2006/relationships" xmlns:p="http://schemas.openxmlformats.org/presentationml/2006/main">
   <p:cSld>
     <p:spTree>
@@ -40507,7 +38100,7 @@
 </p:sld>
 </file>
 
-<file path=ppt/slides/slide55.xml><?xml version="1.0" encoding="utf-8"?>
+<file path=ppt/slides/slide52.xml><?xml version="1.0" encoding="utf-8"?>
 <p:sld xmlns:a="http://schemas.openxmlformats.org/drawingml/2006/main" xmlns:r="http://schemas.openxmlformats.org/officeDocument/2006/relationships" xmlns:p="http://schemas.openxmlformats.org/presentationml/2006/main">
   <p:cSld>
     <p:spTree>
@@ -41169,7 +38762,7 @@
 </p:sld>
 </file>
 
-<file path=ppt/slides/slide56.xml><?xml version="1.0" encoding="utf-8"?>
+<file path=ppt/slides/slide53.xml><?xml version="1.0" encoding="utf-8"?>
 <p:sld xmlns:a="http://schemas.openxmlformats.org/drawingml/2006/main" xmlns:r="http://schemas.openxmlformats.org/officeDocument/2006/relationships" xmlns:p="http://schemas.openxmlformats.org/presentationml/2006/main">
   <p:cSld>
     <p:spTree>
@@ -41828,7 +39421,7 @@
 </p:sld>
 </file>
 
-<file path=ppt/slides/slide57.xml><?xml version="1.0" encoding="utf-8"?>
+<file path=ppt/slides/slide54.xml><?xml version="1.0" encoding="utf-8"?>
 <p:sld xmlns:a="http://schemas.openxmlformats.org/drawingml/2006/main" xmlns:r="http://schemas.openxmlformats.org/officeDocument/2006/relationships" xmlns:p="http://schemas.openxmlformats.org/presentationml/2006/main">
   <p:cSld>
     <p:spTree>
@@ -42520,7 +40113,7 @@
 </p:sld>
 </file>
 
-<file path=ppt/slides/slide58.xml><?xml version="1.0" encoding="utf-8"?>
+<file path=ppt/slides/slide55.xml><?xml version="1.0" encoding="utf-8"?>
 <p:sld xmlns:a="http://schemas.openxmlformats.org/drawingml/2006/main" xmlns:r="http://schemas.openxmlformats.org/officeDocument/2006/relationships" xmlns:p="http://schemas.openxmlformats.org/presentationml/2006/main">
   <p:cSld>
     <p:spTree>
@@ -45104,7 +42697,7 @@
         <p:spPr>
           <a:xfrm>
             <a:off x="1381250" y="922668"/>
-            <a:ext cx="3878399" cy="435599"/>
+            <a:ext cx="4414886" cy="435599"/>
           </a:xfrm>
           <a:prstGeom prst="rect">
             <a:avLst/>
@@ -45128,7 +42721,7 @@
                   <a:srgbClr val="FFCD00"/>
                 </a:highlight>
               </a:rPr>
-              <a:t>Topic</a:t>
+              <a:t>Ursprünglicher Ansatz</a:t>
             </a:r>
           </a:p>
         </p:txBody>
@@ -45145,8 +42738,8 @@
         </p:nvSpPr>
         <p:spPr>
           <a:xfrm>
-            <a:off x="1381250" y="1616470"/>
-            <a:ext cx="6809700" cy="3112200"/>
+            <a:off x="251520" y="1616470"/>
+            <a:ext cx="6120680" cy="3112200"/>
           </a:xfrm>
           <a:prstGeom prst="rect">
             <a:avLst/>
@@ -45158,40 +42751,55 @@
           </a:bodyPr>
           <a:lstStyle/>
           <a:p>
-            <a:pPr marL="457200" lvl="0" indent="-228600" rtl="0">
+            <a:pPr>
               <a:spcBef>
                 <a:spcPts val="0"/>
               </a:spcBef>
             </a:pPr>
             <a:r>
-              <a:rPr lang="en" dirty="0"/>
-              <a:t>Ursprünglicher Ansatz, Überarbeitungsbedarf</a:t>
+              <a:rPr lang="de-DE" dirty="0"/>
+              <a:t> Das Spiel</a:t>
             </a:r>
           </a:p>
           <a:p>
-            <a:pPr marL="457200" lvl="0" indent="-228600" rtl="0">
+            <a:pPr>
               <a:spcBef>
                 <a:spcPts val="0"/>
               </a:spcBef>
             </a:pPr>
             <a:r>
-              <a:rPr lang="en" dirty="0"/>
-              <a:t>Erfahrungen</a:t>
+              <a:rPr lang="de-DE" dirty="0"/>
+              <a:t> Die Fragen</a:t>
             </a:r>
           </a:p>
           <a:p>
-            <a:pPr marL="457200" lvl="0" indent="-228600" rtl="0">
+            <a:pPr>
               <a:spcBef>
                 <a:spcPts val="0"/>
               </a:spcBef>
             </a:pPr>
-            <a:endParaRPr lang="en" dirty="0"/>
+            <a:r>
+              <a:rPr lang="de-DE" dirty="0"/>
+              <a:t> Die Joker</a:t>
+            </a:r>
+          </a:p>
+          <a:p>
+            <a:pPr>
+              <a:spcBef>
+                <a:spcPts val="0"/>
+              </a:spcBef>
+            </a:pPr>
+            <a:r>
+              <a:rPr lang="de-DE" dirty="0"/>
+              <a:t> Die Highscores</a:t>
+            </a:r>
+            <a:endParaRPr dirty="0"/>
           </a:p>
         </p:txBody>
       </p:sp>
       <p:grpSp>
         <p:nvGrpSpPr>
-          <p:cNvPr id="113" name="Shape 113"/>
+          <p:cNvPr id="2" name="Shape 113"/>
           <p:cNvGrpSpPr/>
           <p:nvPr/>
         </p:nvGrpSpPr>
@@ -45748,11 +43356,6 @@
         </p:sp>
       </p:grpSp>
     </p:spTree>
-    <p:extLst>
-      <p:ext uri="{BB962C8B-B14F-4D97-AF65-F5344CB8AC3E}">
-        <p14:creationId xmlns:p14="http://schemas.microsoft.com/office/powerpoint/2010/main" val="1178456594"/>
-      </p:ext>
-    </p:extLst>
   </p:cSld>
   <p:clrMapOvr>
     <a:masterClrMapping/>

--- a/Presentation/Presentation.pptx
+++ b/Presentation/Presentation.pptx
@@ -68,14 +68,14 @@
   <p:notesSz cx="6858000" cy="9144000"/>
   <p:embeddedFontLst>
     <p:embeddedFont>
-      <p:font typeface="Lora" charset="0"/>
+      <p:font typeface="Lora" panose="020B0604020202020204" charset="0"/>
       <p:regular r:id="rId58"/>
       <p:bold r:id="rId59"/>
       <p:italic r:id="rId60"/>
       <p:boldItalic r:id="rId61"/>
     </p:embeddedFont>
     <p:embeddedFont>
-      <p:font typeface="Quattrocento Sans" charset="0"/>
+      <p:font typeface="Quattrocento Sans" panose="020B0604020202020204" charset="0"/>
       <p:regular r:id="rId62"/>
       <p:bold r:id="rId63"/>
       <p:italic r:id="rId64"/>
@@ -286,7 +286,7 @@
   </p:defaultTextStyle>
   <p:extLst>
     <p:ext uri="{EFAFB233-063F-42B5-8137-9DF3F51BA10A}">
-      <p15:sldGuideLst xmlns:p15="http://schemas.microsoft.com/office/powerpoint/2012/main" xmlns="">
+      <p15:sldGuideLst xmlns:p15="http://schemas.microsoft.com/office/powerpoint/2012/main">
         <p15:guide id="1" orient="horz" pos="1620">
           <p15:clr>
             <a:srgbClr val="A4A3A4"/>
@@ -38176,17 +38176,7 @@
           <a:p>
             <a:r>
               <a:rPr lang="de-DE" dirty="0"/>
-              <a:t>Insgesamt alle vorhandenen Tests sehr gut implementiert</a:t>
-            </a:r>
-          </a:p>
-          <a:p>
-            <a:pPr marL="342900" indent="-342900">
-              <a:buFont typeface="Wingdings" panose="05000000000000000000" pitchFamily="2" charset="2"/>
-              <a:buChar char="Ø"/>
-            </a:pPr>
-            <a:r>
-              <a:rPr lang="de-DE" dirty="0"/>
-              <a:t>…Dokumentation allerdings nicht vorhanden</a:t>
+              <a:t>Insgesamt alle vorhandenen Tests gut implementiert</a:t>
             </a:r>
           </a:p>
         </p:txBody>
